--- a/frontend-cursus/ 4 - ECMAScript 6 node-browser.pptx
+++ b/frontend-cursus/ 4 - ECMAScript 6 node-browser.pptx
@@ -4074,7 +4074,7 @@
         </p:nvSpPr>
         <p:spPr>
           <a:xfrm>
-            <a:off x="380999" y="685800"/>
+            <a:off x="381000" y="685800"/>
             <a:ext cx="6096000" cy="3429000"/>
           </a:xfrm>
           <a:custGeom>
@@ -4834,7 +4834,7 @@
         </p:nvSpPr>
         <p:spPr>
           <a:xfrm>
-            <a:off x="380999" y="685800"/>
+            <a:off x="381000" y="685800"/>
             <a:ext cx="6096000" cy="3429000"/>
           </a:xfrm>
           <a:custGeom>
@@ -13150,6 +13150,13 @@
   <p:clrMapOvr>
     <a:masterClrMapping/>
   </p:clrMapOvr>
+  <p:timing>
+    <p:tnLst>
+      <p:par>
+        <p:cTn id="1" dur="indefinite" restart="never" nodeType="tmRoot"/>
+      </p:par>
+    </p:tnLst>
+  </p:timing>
 </p:sld>
 </file>
 
@@ -13900,6 +13907,13 @@
   <p:clrMapOvr>
     <a:masterClrMapping/>
   </p:clrMapOvr>
+  <p:timing>
+    <p:tnLst>
+      <p:par>
+        <p:cTn id="1" dur="indefinite" restart="never" nodeType="tmRoot"/>
+      </p:par>
+    </p:tnLst>
+  </p:timing>
 </p:sld>
 </file>
 
@@ -14047,6 +14061,13 @@
   <p:clrMapOvr>
     <a:masterClrMapping/>
   </p:clrMapOvr>
+  <p:timing>
+    <p:tnLst>
+      <p:par>
+        <p:cTn id="1" dur="indefinite" restart="never" nodeType="tmRoot"/>
+      </p:par>
+    </p:tnLst>
+  </p:timing>
 </p:sld>
 </file>
 
@@ -14500,6 +14521,13 @@
   <p:clrMapOvr>
     <a:masterClrMapping/>
   </p:clrMapOvr>
+  <p:timing>
+    <p:tnLst>
+      <p:par>
+        <p:cTn id="1" dur="indefinite" restart="never" nodeType="tmRoot"/>
+      </p:par>
+    </p:tnLst>
+  </p:timing>
 </p:sld>
 </file>
 
@@ -14769,6 +14797,13 @@
   <p:clrMapOvr>
     <a:masterClrMapping/>
   </p:clrMapOvr>
+  <p:timing>
+    <p:tnLst>
+      <p:par>
+        <p:cTn id="1" dur="indefinite" restart="never" nodeType="tmRoot"/>
+      </p:par>
+    </p:tnLst>
+  </p:timing>
 </p:sld>
 </file>
 
@@ -16135,6 +16170,13 @@
   <p:clrMapOvr>
     <a:masterClrMapping/>
   </p:clrMapOvr>
+  <p:timing>
+    <p:tnLst>
+      <p:par>
+        <p:cTn id="1" dur="indefinite" restart="never" nodeType="tmRoot"/>
+      </p:par>
+    </p:tnLst>
+  </p:timing>
 </p:sld>
 </file>
 
@@ -16367,6 +16409,13 @@
   <p:clrMapOvr>
     <a:masterClrMapping/>
   </p:clrMapOvr>
+  <p:timing>
+    <p:tnLst>
+      <p:par>
+        <p:cTn id="1" dur="indefinite" restart="never" nodeType="tmRoot"/>
+      </p:par>
+    </p:tnLst>
+  </p:timing>
 </p:sld>
 </file>
 
@@ -17074,6 +17123,13 @@
   <p:clrMapOvr>
     <a:masterClrMapping/>
   </p:clrMapOvr>
+  <p:timing>
+    <p:tnLst>
+      <p:par>
+        <p:cTn id="1" dur="indefinite" restart="never" nodeType="tmRoot"/>
+      </p:par>
+    </p:tnLst>
+  </p:timing>
 </p:sld>
 </file>
 
@@ -17584,6 +17640,13 @@
   <p:clrMapOvr>
     <a:masterClrMapping/>
   </p:clrMapOvr>
+  <p:timing>
+    <p:tnLst>
+      <p:par>
+        <p:cTn id="1" dur="indefinite" restart="never" nodeType="tmRoot"/>
+      </p:par>
+    </p:tnLst>
+  </p:timing>
 </p:sld>
 </file>
 
@@ -18195,6 +18258,13 @@
   <p:clrMapOvr>
     <a:masterClrMapping/>
   </p:clrMapOvr>
+  <p:timing>
+    <p:tnLst>
+      <p:par>
+        <p:cTn id="1" dur="indefinite" restart="never" nodeType="tmRoot"/>
+      </p:par>
+    </p:tnLst>
+  </p:timing>
 </p:sld>
 </file>
 
@@ -18955,6 +19025,13 @@
   <p:clrMapOvr>
     <a:masterClrMapping/>
   </p:clrMapOvr>
+  <p:timing>
+    <p:tnLst>
+      <p:par>
+        <p:cTn id="1" dur="indefinite" restart="never" nodeType="tmRoot"/>
+      </p:par>
+    </p:tnLst>
+  </p:timing>
 </p:sld>
 </file>
 
@@ -19133,6 +19210,13 @@
   <p:clrMapOvr>
     <a:masterClrMapping/>
   </p:clrMapOvr>
+  <p:timing>
+    <p:tnLst>
+      <p:par>
+        <p:cTn id="1" dur="indefinite" restart="never" nodeType="tmRoot"/>
+      </p:par>
+    </p:tnLst>
+  </p:timing>
 </p:sld>
 </file>
 
@@ -19600,6 +19684,13 @@
   <p:clrMapOvr>
     <a:masterClrMapping/>
   </p:clrMapOvr>
+  <p:timing>
+    <p:tnLst>
+      <p:par>
+        <p:cTn id="1" dur="indefinite" restart="never" nodeType="tmRoot"/>
+      </p:par>
+    </p:tnLst>
+  </p:timing>
 </p:sld>
 </file>
 
@@ -20419,6 +20510,13 @@
   <p:clrMapOvr>
     <a:masterClrMapping/>
   </p:clrMapOvr>
+  <p:timing>
+    <p:tnLst>
+      <p:par>
+        <p:cTn id="1" dur="indefinite" restart="never" nodeType="tmRoot"/>
+      </p:par>
+    </p:tnLst>
+  </p:timing>
 </p:sld>
 </file>
 
@@ -20912,6 +21010,13 @@
   <p:clrMapOvr>
     <a:masterClrMapping/>
   </p:clrMapOvr>
+  <p:timing>
+    <p:tnLst>
+      <p:par>
+        <p:cTn id="1" dur="indefinite" restart="never" nodeType="tmRoot"/>
+      </p:par>
+    </p:tnLst>
+  </p:timing>
 </p:sld>
 </file>
 
@@ -21616,6 +21721,13 @@
   <p:clrMapOvr>
     <a:masterClrMapping/>
   </p:clrMapOvr>
+  <p:timing>
+    <p:tnLst>
+      <p:par>
+        <p:cTn id="1" dur="indefinite" restart="never" nodeType="tmRoot"/>
+      </p:par>
+    </p:tnLst>
+  </p:timing>
 </p:sld>
 </file>
 
@@ -21825,6 +21937,13 @@
   <p:clrMapOvr>
     <a:masterClrMapping/>
   </p:clrMapOvr>
+  <p:timing>
+    <p:tnLst>
+      <p:par>
+        <p:cTn id="1" dur="indefinite" restart="never" nodeType="tmRoot"/>
+      </p:par>
+    </p:tnLst>
+  </p:timing>
 </p:sld>
 </file>
 
@@ -22818,6 +22937,13 @@
   <p:clrMapOvr>
     <a:masterClrMapping/>
   </p:clrMapOvr>
+  <p:timing>
+    <p:tnLst>
+      <p:par>
+        <p:cTn id="1" dur="indefinite" restart="never" nodeType="tmRoot"/>
+      </p:par>
+    </p:tnLst>
+  </p:timing>
 </p:sld>
 </file>
 
@@ -23311,6 +23437,13 @@
   <p:clrMapOvr>
     <a:masterClrMapping/>
   </p:clrMapOvr>
+  <p:timing>
+    <p:tnLst>
+      <p:par>
+        <p:cTn id="1" dur="indefinite" restart="never" nodeType="tmRoot"/>
+      </p:par>
+    </p:tnLst>
+  </p:timing>
 </p:sld>
 </file>
 
@@ -23873,6 +24006,13 @@
   <p:clrMapOvr>
     <a:masterClrMapping/>
   </p:clrMapOvr>
+  <p:timing>
+    <p:tnLst>
+      <p:par>
+        <p:cTn id="1" dur="indefinite" restart="never" nodeType="tmRoot"/>
+      </p:par>
+    </p:tnLst>
+  </p:timing>
 </p:sld>
 </file>
 
@@ -24082,6 +24222,13 @@
   <p:clrMapOvr>
     <a:masterClrMapping/>
   </p:clrMapOvr>
+  <p:timing>
+    <p:tnLst>
+      <p:par>
+        <p:cTn id="1" dur="indefinite" restart="never" nodeType="tmRoot"/>
+      </p:par>
+    </p:tnLst>
+  </p:timing>
 </p:sld>
 </file>
 
@@ -24743,6 +24890,13 @@
   <p:clrMapOvr>
     <a:masterClrMapping/>
   </p:clrMapOvr>
+  <p:timing>
+    <p:tnLst>
+      <p:par>
+        <p:cTn id="1" dur="indefinite" restart="never" nodeType="tmRoot"/>
+      </p:par>
+    </p:tnLst>
+  </p:timing>
 </p:sld>
 </file>
 
@@ -24890,6 +25044,13 @@
   <p:clrMapOvr>
     <a:masterClrMapping/>
   </p:clrMapOvr>
+  <p:timing>
+    <p:tnLst>
+      <p:par>
+        <p:cTn id="1" dur="indefinite" restart="never" nodeType="tmRoot"/>
+      </p:par>
+    </p:tnLst>
+  </p:timing>
 </p:sld>
 </file>
 
@@ -25498,6 +25659,13 @@
   <p:clrMapOvr>
     <a:masterClrMapping/>
   </p:clrMapOvr>
+  <p:timing>
+    <p:tnLst>
+      <p:par>
+        <p:cTn id="1" dur="indefinite" restart="never" nodeType="tmRoot"/>
+      </p:par>
+    </p:tnLst>
+  </p:timing>
 </p:sld>
 </file>
 
@@ -25743,6 +25911,13 @@
   <p:clrMapOvr>
     <a:masterClrMapping/>
   </p:clrMapOvr>
+  <p:timing>
+    <p:tnLst>
+      <p:par>
+        <p:cTn id="1" dur="indefinite" restart="never" nodeType="tmRoot"/>
+      </p:par>
+    </p:tnLst>
+  </p:timing>
 </p:sld>
 </file>
 
@@ -26137,6 +26312,13 @@
   <p:clrMapOvr>
     <a:masterClrMapping/>
   </p:clrMapOvr>
+  <p:timing>
+    <p:tnLst>
+      <p:par>
+        <p:cTn id="1" dur="indefinite" restart="never" nodeType="tmRoot"/>
+      </p:par>
+    </p:tnLst>
+  </p:timing>
 </p:sld>
 </file>
 
@@ -26189,6 +26371,13 @@
   <p:clrMapOvr>
     <a:masterClrMapping/>
   </p:clrMapOvr>
+  <p:timing>
+    <p:tnLst>
+      <p:par>
+        <p:cTn id="1" dur="indefinite" restart="never" nodeType="tmRoot"/>
+      </p:par>
+    </p:tnLst>
+  </p:timing>
 </p:sld>
 </file>
 
@@ -26275,6 +26464,13 @@
   <p:clrMapOvr>
     <a:masterClrMapping/>
   </p:clrMapOvr>
+  <p:timing>
+    <p:tnLst>
+      <p:par>
+        <p:cTn id="1" dur="indefinite" restart="never" nodeType="tmRoot"/>
+      </p:par>
+    </p:tnLst>
+  </p:timing>
 </p:sld>
 </file>
 
@@ -26484,6 +26680,13 @@
   <p:clrMapOvr>
     <a:masterClrMapping/>
   </p:clrMapOvr>
+  <p:timing>
+    <p:tnLst>
+      <p:par>
+        <p:cTn id="1" dur="indefinite" restart="never" nodeType="tmRoot"/>
+      </p:par>
+    </p:tnLst>
+  </p:timing>
 </p:sld>
 </file>
 
@@ -26693,6 +26896,13 @@
   <p:clrMapOvr>
     <a:masterClrMapping/>
   </p:clrMapOvr>
+  <p:timing>
+    <p:tnLst>
+      <p:par>
+        <p:cTn id="1" dur="indefinite" restart="never" nodeType="tmRoot"/>
+      </p:par>
+    </p:tnLst>
+  </p:timing>
 </p:sld>
 </file>
 
@@ -26960,6 +27170,13 @@
   <p:clrMapOvr>
     <a:masterClrMapping/>
   </p:clrMapOvr>
+  <p:timing>
+    <p:tnLst>
+      <p:par>
+        <p:cTn id="1" dur="indefinite" restart="never" nodeType="tmRoot"/>
+      </p:par>
+    </p:tnLst>
+  </p:timing>
 </p:sld>
 </file>
 
@@ -27169,6 +27386,13 @@
   <p:clrMapOvr>
     <a:masterClrMapping/>
   </p:clrMapOvr>
+  <p:timing>
+    <p:tnLst>
+      <p:par>
+        <p:cTn id="1" dur="indefinite" restart="never" nodeType="tmRoot"/>
+      </p:par>
+    </p:tnLst>
+  </p:timing>
 </p:sld>
 </file>
 
@@ -27306,14 +27530,26 @@
                 <a:cs typeface="Helvetica Neue"/>
                 <a:sym typeface="Helvetica Neue"/>
               </a:rPr>
-              <a:t>Open ./javascript/</a:t>
-            </a:r>
-            <a:r>
-              <a:rPr lang="en-US"/>
-              <a:t>week2</a:t>
-            </a:r>
-            <a:r>
-              <a:rPr lang="en-US" sz="2400" b="0" i="0" u="none" strike="noStrike" cap="none">
+              <a:t>Open </a:t>
+            </a:r>
+            <a:r>
+              <a:rPr lang="en-US" sz="2400" b="0" i="0" u="none" strike="noStrike" cap="none" smtClean="0">
+                <a:solidFill>
+                  <a:srgbClr val="FFFFFF"/>
+                </a:solidFill>
+                <a:latin typeface="Helvetica Neue"/>
+                <a:ea typeface="Helvetica Neue"/>
+                <a:cs typeface="Helvetica Neue"/>
+                <a:sym typeface="Helvetica Neue"/>
+              </a:rPr>
+              <a:t>./</a:t>
+            </a:r>
+            <a:r>
+              <a:rPr lang="en-US" smtClean="0"/>
+              <a:t>ECMAScript 6</a:t>
+            </a:r>
+            <a:r>
+              <a:rPr lang="en-US" sz="2400" b="0" i="0" u="none" strike="noStrike" cap="none" smtClean="0">
                 <a:solidFill>
                   <a:srgbClr val="FFFFFF"/>
                 </a:solidFill>
@@ -27325,11 +27561,11 @@
               <a:t>/</a:t>
             </a:r>
             <a:r>
-              <a:rPr lang="en-US"/>
+              <a:rPr lang="en-US" dirty="0" err="1" smtClean="0"/>
               <a:t>Readme</a:t>
             </a:r>
             <a:r>
-              <a:rPr lang="en-US" sz="2400" b="0" i="0" u="none" strike="noStrike" cap="none">
+              <a:rPr lang="en-US" sz="2400" b="0" i="0" u="none" strike="noStrike" cap="none" dirty="0" err="1" smtClean="0">
                 <a:solidFill>
                   <a:srgbClr val="FFFFFF"/>
                 </a:solidFill>
@@ -27341,9 +27577,10 @@
               <a:t>.</a:t>
             </a:r>
             <a:r>
-              <a:rPr lang="en-US"/>
+              <a:rPr lang="en-US" dirty="0" err="1" smtClean="0"/>
               <a:t>md</a:t>
             </a:r>
+            <a:endParaRPr lang="en-US" dirty="0"/>
           </a:p>
           <a:p>
             <a:pPr marL="571500" marR="0" lvl="1" indent="-279400" algn="l" rtl="0">
@@ -27364,7 +27601,7 @@
               <a:buChar char="•"/>
             </a:pPr>
             <a:r>
-              <a:rPr lang="en-US" sz="2400" b="0" i="0" u="none" strike="noStrike" cap="none">
+              <a:rPr lang="en-US" sz="2400" b="0" i="0" u="none" strike="noStrike" cap="none" dirty="0">
                 <a:solidFill>
                   <a:srgbClr val="FFFFFF"/>
                 </a:solidFill>
@@ -27383,6 +27620,13 @@
   <p:clrMapOvr>
     <a:masterClrMapping/>
   </p:clrMapOvr>
+  <p:timing>
+    <p:tnLst>
+      <p:par>
+        <p:cTn id="1" dur="indefinite" restart="never" nodeType="tmRoot"/>
+      </p:par>
+    </p:tnLst>
+  </p:timing>
 </p:sld>
 </file>
 
@@ -27623,6 +27867,13 @@
   <p:clrMapOvr>
     <a:masterClrMapping/>
   </p:clrMapOvr>
+  <p:timing>
+    <p:tnLst>
+      <p:par>
+        <p:cTn id="1" dur="indefinite" restart="never" nodeType="tmRoot"/>
+      </p:par>
+    </p:tnLst>
+  </p:timing>
 </p:sld>
 </file>
 
@@ -27709,6 +27960,13 @@
   <p:clrMapOvr>
     <a:masterClrMapping/>
   </p:clrMapOvr>
+  <p:timing>
+    <p:tnLst>
+      <p:par>
+        <p:cTn id="1" dur="indefinite" restart="never" nodeType="tmRoot"/>
+      </p:par>
+    </p:tnLst>
+  </p:timing>
 </p:sld>
 </file>
 
@@ -27888,6 +28146,13 @@
   <p:clrMapOvr>
     <a:masterClrMapping/>
   </p:clrMapOvr>
+  <p:timing>
+    <p:tnLst>
+      <p:par>
+        <p:cTn id="1" dur="indefinite" restart="never" nodeType="tmRoot"/>
+      </p:par>
+    </p:tnLst>
+  </p:timing>
 </p:sld>
 </file>
 
@@ -28083,6 +28348,13 @@
   <p:clrMapOvr>
     <a:masterClrMapping/>
   </p:clrMapOvr>
+  <p:timing>
+    <p:tnLst>
+      <p:par>
+        <p:cTn id="1" dur="indefinite" restart="never" nodeType="tmRoot"/>
+      </p:par>
+    </p:tnLst>
+  </p:timing>
 </p:sld>
 </file>
 
@@ -28169,6 +28441,13 @@
   <p:clrMapOvr>
     <a:masterClrMapping/>
   </p:clrMapOvr>
+  <p:timing>
+    <p:tnLst>
+      <p:par>
+        <p:cTn id="1" dur="indefinite" restart="never" nodeType="tmRoot"/>
+      </p:par>
+    </p:tnLst>
+  </p:timing>
 </p:sld>
 </file>
 
@@ -28316,6 +28595,13 @@
   <p:clrMapOvr>
     <a:masterClrMapping/>
   </p:clrMapOvr>
+  <p:timing>
+    <p:tnLst>
+      <p:par>
+        <p:cTn id="1" dur="indefinite" restart="never" nodeType="tmRoot"/>
+      </p:par>
+    </p:tnLst>
+  </p:timing>
 </p:sld>
 </file>
 
@@ -28444,16 +28730,28 @@
               <a:buChar char="•"/>
             </a:pPr>
             <a:r>
-              <a:rPr lang="en-US" sz="2400" b="0" i="0" u="none" strike="noStrike" cap="none">
-                <a:solidFill>
-                  <a:srgbClr val="FFFFFF"/>
-                </a:solidFill>
-                <a:latin typeface="Helvetica Neue"/>
-                <a:ea typeface="Helvetica Neue"/>
-                <a:cs typeface="Helvetica Neue"/>
-                <a:sym typeface="Helvetica Neue"/>
-              </a:rPr>
-              <a:t>No hoisting, Block scoped instead of function scoped</a:t>
+              <a:rPr lang="en-US" sz="2400" b="0" i="0" u="none" strike="noStrike" cap="none" dirty="0" smtClean="0">
+                <a:solidFill>
+                  <a:srgbClr val="FFFFFF"/>
+                </a:solidFill>
+                <a:latin typeface="Helvetica Neue"/>
+                <a:ea typeface="Helvetica Neue"/>
+                <a:cs typeface="Helvetica Neue"/>
+                <a:sym typeface="Helvetica Neue"/>
+              </a:rPr>
+              <a:t>Block </a:t>
+            </a:r>
+            <a:r>
+              <a:rPr lang="en-US" sz="2400" b="0" i="0" u="none" strike="noStrike" cap="none" dirty="0">
+                <a:solidFill>
+                  <a:srgbClr val="FFFFFF"/>
+                </a:solidFill>
+                <a:latin typeface="Helvetica Neue"/>
+                <a:ea typeface="Helvetica Neue"/>
+                <a:cs typeface="Helvetica Neue"/>
+                <a:sym typeface="Helvetica Neue"/>
+              </a:rPr>
+              <a:t>scoped instead of function scoped</a:t>
             </a:r>
           </a:p>
           <a:p>
@@ -28475,16 +28773,28 @@
               <a:buChar char="•"/>
             </a:pPr>
             <a:r>
-              <a:rPr lang="en-US" sz="2400" b="0" i="0" u="none" strike="noStrike" cap="none">
-                <a:solidFill>
-                  <a:srgbClr val="FFFFFF"/>
-                </a:solidFill>
-                <a:latin typeface="Helvetica Neue"/>
-                <a:ea typeface="Helvetica Neue"/>
-                <a:cs typeface="Helvetica Neue"/>
-                <a:sym typeface="Helvetica Neue"/>
-              </a:rPr>
-              <a:t>const </a:t>
+              <a:rPr lang="en-US" sz="2400" b="0" i="0" u="none" strike="noStrike" cap="none" dirty="0" err="1">
+                <a:solidFill>
+                  <a:srgbClr val="FFFFFF"/>
+                </a:solidFill>
+                <a:latin typeface="Helvetica Neue"/>
+                <a:ea typeface="Helvetica Neue"/>
+                <a:cs typeface="Helvetica Neue"/>
+                <a:sym typeface="Helvetica Neue"/>
+              </a:rPr>
+              <a:t>const</a:t>
+            </a:r>
+            <a:r>
+              <a:rPr lang="en-US" sz="2400" b="0" i="0" u="none" strike="noStrike" cap="none" dirty="0">
+                <a:solidFill>
+                  <a:srgbClr val="FFFFFF"/>
+                </a:solidFill>
+                <a:latin typeface="Helvetica Neue"/>
+                <a:ea typeface="Helvetica Neue"/>
+                <a:cs typeface="Helvetica Neue"/>
+                <a:sym typeface="Helvetica Neue"/>
+              </a:rPr>
+              <a:t> </a:t>
             </a:r>
           </a:p>
           <a:p>
@@ -28506,7 +28816,7 @@
               <a:buChar char="•"/>
             </a:pPr>
             <a:r>
-              <a:rPr lang="en-US" sz="2400" b="0" i="0" u="none" strike="noStrike" cap="none">
+              <a:rPr lang="en-US" sz="2400" b="0" i="0" u="none" strike="noStrike" cap="none" dirty="0">
                 <a:solidFill>
                   <a:srgbClr val="FFFFFF"/>
                 </a:solidFill>
@@ -28525,6 +28835,13 @@
   <p:clrMapOvr>
     <a:masterClrMapping/>
   </p:clrMapOvr>
+  <p:timing>
+    <p:tnLst>
+      <p:par>
+        <p:cTn id="1" dur="indefinite" restart="never" nodeType="tmRoot"/>
+      </p:par>
+    </p:tnLst>
+  </p:timing>
 </p:sld>
 </file>
 
@@ -29003,6 +29320,13 @@
   <p:clrMapOvr>
     <a:masterClrMapping/>
   </p:clrMapOvr>
+  <p:timing>
+    <p:tnLst>
+      <p:par>
+        <p:cTn id="1" dur="indefinite" restart="never" nodeType="tmRoot"/>
+      </p:par>
+    </p:tnLst>
+  </p:timing>
 </p:sld>
 </file>
 

--- a/frontend-cursus/ 4 - ECMAScript 6 node-browser.pptx
+++ b/frontend-cursus/ 4 - ECMAScript 6 node-browser.pptx
@@ -770,7 +770,1146 @@
               </a:spcBef>
               <a:buNone/>
             </a:pPr>
-            <a:endParaRPr/>
+            <a:r>
+              <a:rPr lang="nl-NL" dirty="0" smtClean="0"/>
+              <a:t>‘</a:t>
+            </a:r>
+            <a:r>
+              <a:rPr lang="nl-NL" dirty="0" err="1" smtClean="0"/>
+              <a:t>const</a:t>
+            </a:r>
+            <a:r>
+              <a:rPr lang="nl-NL" dirty="0" smtClean="0"/>
+              <a:t>’ </a:t>
+            </a:r>
+            <a:r>
+              <a:rPr lang="nl-NL" dirty="0" err="1" smtClean="0"/>
+              <a:t>works</a:t>
+            </a:r>
+            <a:r>
+              <a:rPr lang="nl-NL" dirty="0" smtClean="0"/>
+              <a:t> </a:t>
+            </a:r>
+            <a:r>
+              <a:rPr lang="nl-NL" dirty="0" err="1" smtClean="0"/>
+              <a:t>only</a:t>
+            </a:r>
+            <a:r>
+              <a:rPr lang="nl-NL" dirty="0" smtClean="0"/>
+              <a:t> </a:t>
+            </a:r>
+            <a:r>
+              <a:rPr lang="nl-NL" dirty="0" err="1" smtClean="0"/>
+              <a:t>one</a:t>
+            </a:r>
+            <a:r>
+              <a:rPr lang="nl-NL" dirty="0" smtClean="0"/>
+              <a:t> level </a:t>
+            </a:r>
+            <a:r>
+              <a:rPr lang="nl-NL" dirty="0" err="1" smtClean="0"/>
+              <a:t>deep</a:t>
+            </a:r>
+            <a:r>
+              <a:rPr lang="nl-NL" dirty="0" smtClean="0"/>
+              <a:t>.</a:t>
+            </a:r>
+          </a:p>
+          <a:p>
+            <a:pPr lvl="0">
+              <a:spcBef>
+                <a:spcPts val="0"/>
+              </a:spcBef>
+              <a:buNone/>
+            </a:pPr>
+            <a:endParaRPr lang="nl-NL" dirty="0" smtClean="0"/>
+          </a:p>
+          <a:p>
+            <a:pPr lvl="0">
+              <a:spcBef>
+                <a:spcPts val="0"/>
+              </a:spcBef>
+              <a:buNone/>
+            </a:pPr>
+            <a:r>
+              <a:rPr lang="nl-NL" sz="2200" b="0" i="0" u="none" strike="noStrike" kern="1200" cap="none" dirty="0" err="1" smtClean="0">
+                <a:solidFill>
+                  <a:schemeClr val="tx1"/>
+                </a:solidFill>
+                <a:effectLst/>
+                <a:latin typeface="Helvetica Neue"/>
+                <a:ea typeface="Helvetica Neue"/>
+                <a:cs typeface="Helvetica Neue"/>
+                <a:sym typeface="Helvetica Neue"/>
+              </a:rPr>
+              <a:t>Object.freeze</a:t>
+            </a:r>
+            <a:r>
+              <a:rPr lang="nl-NL" sz="2200" b="0" i="0" u="none" strike="noStrike" kern="1200" cap="none" dirty="0" smtClean="0">
+                <a:solidFill>
+                  <a:schemeClr val="tx1"/>
+                </a:solidFill>
+                <a:effectLst/>
+                <a:latin typeface="Helvetica Neue"/>
+                <a:ea typeface="Helvetica Neue"/>
+                <a:cs typeface="Helvetica Neue"/>
+                <a:sym typeface="Helvetica Neue"/>
+              </a:rPr>
+              <a:t> </a:t>
+            </a:r>
+          </a:p>
+          <a:p>
+            <a:pPr lvl="0">
+              <a:spcBef>
+                <a:spcPts val="0"/>
+              </a:spcBef>
+              <a:buNone/>
+            </a:pPr>
+            <a:endParaRPr lang="nl-NL" sz="2200" b="0" i="0" u="none" strike="noStrike" kern="1200" cap="none" dirty="0" smtClean="0">
+              <a:solidFill>
+                <a:schemeClr val="tx1"/>
+              </a:solidFill>
+              <a:effectLst/>
+              <a:latin typeface="Helvetica Neue"/>
+              <a:ea typeface="Helvetica Neue"/>
+              <a:cs typeface="Helvetica Neue"/>
+              <a:sym typeface="Helvetica Neue"/>
+            </a:endParaRPr>
+          </a:p>
+          <a:p>
+            <a:pPr lvl="0">
+              <a:spcBef>
+                <a:spcPts val="0"/>
+              </a:spcBef>
+              <a:buNone/>
+            </a:pPr>
+            <a:r>
+              <a:rPr lang="nl-NL" sz="2200" b="0" i="0" u="none" strike="noStrike" kern="1200" cap="none" dirty="0" smtClean="0">
+                <a:solidFill>
+                  <a:schemeClr val="tx1"/>
+                </a:solidFill>
+                <a:effectLst/>
+                <a:latin typeface="Helvetica Neue"/>
+                <a:ea typeface="Helvetica Neue"/>
+                <a:cs typeface="Helvetica Neue"/>
+                <a:sym typeface="Helvetica Neue"/>
+              </a:rPr>
+              <a:t>The </a:t>
+            </a:r>
+            <a:r>
+              <a:rPr lang="nl-NL" b="1" dirty="0" err="1" smtClean="0">
+                <a:effectLst/>
+              </a:rPr>
+              <a:t>Object.freeze</a:t>
+            </a:r>
+            <a:r>
+              <a:rPr lang="nl-NL" b="1" dirty="0" smtClean="0">
+                <a:effectLst/>
+              </a:rPr>
+              <a:t>()</a:t>
+            </a:r>
+            <a:r>
+              <a:rPr lang="nl-NL" sz="2200" b="0" i="0" u="none" strike="noStrike" kern="1200" cap="none" dirty="0" smtClean="0">
+                <a:solidFill>
+                  <a:schemeClr val="tx1"/>
+                </a:solidFill>
+                <a:effectLst/>
+                <a:latin typeface="Helvetica Neue"/>
+                <a:ea typeface="Helvetica Neue"/>
+                <a:cs typeface="Helvetica Neue"/>
+                <a:sym typeface="Helvetica Neue"/>
+              </a:rPr>
+              <a:t> </a:t>
+            </a:r>
+            <a:r>
+              <a:rPr lang="nl-NL" sz="2200" b="0" i="0" u="none" strike="noStrike" kern="1200" cap="none" dirty="0" err="1" smtClean="0">
+                <a:solidFill>
+                  <a:schemeClr val="tx1"/>
+                </a:solidFill>
+                <a:effectLst/>
+                <a:latin typeface="Helvetica Neue"/>
+                <a:ea typeface="Helvetica Neue"/>
+                <a:cs typeface="Helvetica Neue"/>
+                <a:sym typeface="Helvetica Neue"/>
+              </a:rPr>
+              <a:t>method</a:t>
+            </a:r>
+            <a:r>
+              <a:rPr lang="nl-NL" sz="2200" b="0" i="0" u="none" strike="noStrike" kern="1200" cap="none" dirty="0" smtClean="0">
+                <a:solidFill>
+                  <a:schemeClr val="tx1"/>
+                </a:solidFill>
+                <a:effectLst/>
+                <a:latin typeface="Helvetica Neue"/>
+                <a:ea typeface="Helvetica Neue"/>
+                <a:cs typeface="Helvetica Neue"/>
+                <a:sym typeface="Helvetica Neue"/>
+              </a:rPr>
+              <a:t> </a:t>
+            </a:r>
+            <a:r>
+              <a:rPr lang="nl-NL" sz="2200" b="0" i="0" u="none" strike="noStrike" kern="1200" cap="none" dirty="0" err="1" smtClean="0">
+                <a:solidFill>
+                  <a:schemeClr val="tx1"/>
+                </a:solidFill>
+                <a:effectLst/>
+                <a:latin typeface="Helvetica Neue"/>
+                <a:ea typeface="Helvetica Neue"/>
+                <a:cs typeface="Helvetica Neue"/>
+                <a:sym typeface="Helvetica Neue"/>
+              </a:rPr>
+              <a:t>freezes</a:t>
+            </a:r>
+            <a:r>
+              <a:rPr lang="nl-NL" sz="2200" b="0" i="0" u="none" strike="noStrike" kern="1200" cap="none" dirty="0" smtClean="0">
+                <a:solidFill>
+                  <a:schemeClr val="tx1"/>
+                </a:solidFill>
+                <a:effectLst/>
+                <a:latin typeface="Helvetica Neue"/>
+                <a:ea typeface="Helvetica Neue"/>
+                <a:cs typeface="Helvetica Neue"/>
+                <a:sym typeface="Helvetica Neue"/>
+              </a:rPr>
+              <a:t> </a:t>
+            </a:r>
+            <a:r>
+              <a:rPr lang="nl-NL" sz="2200" b="0" i="0" u="none" strike="noStrike" kern="1200" cap="none" dirty="0" err="1" smtClean="0">
+                <a:solidFill>
+                  <a:schemeClr val="tx1"/>
+                </a:solidFill>
+                <a:effectLst/>
+                <a:latin typeface="Helvetica Neue"/>
+                <a:ea typeface="Helvetica Neue"/>
+                <a:cs typeface="Helvetica Neue"/>
+                <a:sym typeface="Helvetica Neue"/>
+              </a:rPr>
+              <a:t>an</a:t>
+            </a:r>
+            <a:r>
+              <a:rPr lang="nl-NL" sz="2200" b="0" i="0" u="none" strike="noStrike" kern="1200" cap="none" dirty="0" smtClean="0">
+                <a:solidFill>
+                  <a:schemeClr val="tx1"/>
+                </a:solidFill>
+                <a:effectLst/>
+                <a:latin typeface="Helvetica Neue"/>
+                <a:ea typeface="Helvetica Neue"/>
+                <a:cs typeface="Helvetica Neue"/>
+                <a:sym typeface="Helvetica Neue"/>
+              </a:rPr>
+              <a:t> object: </a:t>
+            </a:r>
+            <a:r>
+              <a:rPr lang="nl-NL" sz="2200" b="0" i="0" u="none" strike="noStrike" kern="1200" cap="none" dirty="0" err="1" smtClean="0">
+                <a:solidFill>
+                  <a:schemeClr val="tx1"/>
+                </a:solidFill>
+                <a:effectLst/>
+                <a:latin typeface="Helvetica Neue"/>
+                <a:ea typeface="Helvetica Neue"/>
+                <a:cs typeface="Helvetica Neue"/>
+                <a:sym typeface="Helvetica Neue"/>
+              </a:rPr>
+              <a:t>that</a:t>
+            </a:r>
+            <a:r>
+              <a:rPr lang="nl-NL" sz="2200" b="0" i="0" u="none" strike="noStrike" kern="1200" cap="none" dirty="0" smtClean="0">
+                <a:solidFill>
+                  <a:schemeClr val="tx1"/>
+                </a:solidFill>
+                <a:effectLst/>
+                <a:latin typeface="Helvetica Neue"/>
+                <a:ea typeface="Helvetica Neue"/>
+                <a:cs typeface="Helvetica Neue"/>
+                <a:sym typeface="Helvetica Neue"/>
+              </a:rPr>
+              <a:t> is, </a:t>
+            </a:r>
+            <a:r>
+              <a:rPr lang="nl-NL" sz="2200" b="0" i="0" u="none" strike="noStrike" kern="1200" cap="none" dirty="0" err="1" smtClean="0">
+                <a:solidFill>
+                  <a:schemeClr val="tx1"/>
+                </a:solidFill>
+                <a:effectLst/>
+                <a:latin typeface="Helvetica Neue"/>
+                <a:ea typeface="Helvetica Neue"/>
+                <a:cs typeface="Helvetica Neue"/>
+                <a:sym typeface="Helvetica Neue"/>
+              </a:rPr>
+              <a:t>prevents</a:t>
+            </a:r>
+            <a:r>
+              <a:rPr lang="nl-NL" sz="2200" b="0" i="0" u="none" strike="noStrike" kern="1200" cap="none" dirty="0" smtClean="0">
+                <a:solidFill>
+                  <a:schemeClr val="tx1"/>
+                </a:solidFill>
+                <a:effectLst/>
+                <a:latin typeface="Helvetica Neue"/>
+                <a:ea typeface="Helvetica Neue"/>
+                <a:cs typeface="Helvetica Neue"/>
+                <a:sym typeface="Helvetica Neue"/>
+              </a:rPr>
+              <a:t> new </a:t>
+            </a:r>
+            <a:r>
+              <a:rPr lang="nl-NL" sz="2200" b="0" i="0" u="none" strike="noStrike" kern="1200" cap="none" dirty="0" err="1" smtClean="0">
+                <a:solidFill>
+                  <a:schemeClr val="tx1"/>
+                </a:solidFill>
+                <a:effectLst/>
+                <a:latin typeface="Helvetica Neue"/>
+                <a:ea typeface="Helvetica Neue"/>
+                <a:cs typeface="Helvetica Neue"/>
+                <a:sym typeface="Helvetica Neue"/>
+              </a:rPr>
+              <a:t>properties</a:t>
+            </a:r>
+            <a:r>
+              <a:rPr lang="nl-NL" sz="2200" b="0" i="0" u="none" strike="noStrike" kern="1200" cap="none" dirty="0" smtClean="0">
+                <a:solidFill>
+                  <a:schemeClr val="tx1"/>
+                </a:solidFill>
+                <a:effectLst/>
+                <a:latin typeface="Helvetica Neue"/>
+                <a:ea typeface="Helvetica Neue"/>
+                <a:cs typeface="Helvetica Neue"/>
+                <a:sym typeface="Helvetica Neue"/>
+              </a:rPr>
+              <a:t> </a:t>
+            </a:r>
+            <a:r>
+              <a:rPr lang="nl-NL" sz="2200" b="0" i="0" u="none" strike="noStrike" kern="1200" cap="none" dirty="0" err="1" smtClean="0">
+                <a:solidFill>
+                  <a:schemeClr val="tx1"/>
+                </a:solidFill>
+                <a:effectLst/>
+                <a:latin typeface="Helvetica Neue"/>
+                <a:ea typeface="Helvetica Neue"/>
+                <a:cs typeface="Helvetica Neue"/>
+                <a:sym typeface="Helvetica Neue"/>
+              </a:rPr>
+              <a:t>from</a:t>
+            </a:r>
+            <a:r>
+              <a:rPr lang="nl-NL" sz="2200" b="0" i="0" u="none" strike="noStrike" kern="1200" cap="none" dirty="0" smtClean="0">
+                <a:solidFill>
+                  <a:schemeClr val="tx1"/>
+                </a:solidFill>
+                <a:effectLst/>
+                <a:latin typeface="Helvetica Neue"/>
+                <a:ea typeface="Helvetica Neue"/>
+                <a:cs typeface="Helvetica Neue"/>
+                <a:sym typeface="Helvetica Neue"/>
+              </a:rPr>
+              <a:t> </a:t>
+            </a:r>
+            <a:r>
+              <a:rPr lang="nl-NL" sz="2200" b="0" i="0" u="none" strike="noStrike" kern="1200" cap="none" dirty="0" err="1" smtClean="0">
+                <a:solidFill>
+                  <a:schemeClr val="tx1"/>
+                </a:solidFill>
+                <a:effectLst/>
+                <a:latin typeface="Helvetica Neue"/>
+                <a:ea typeface="Helvetica Neue"/>
+                <a:cs typeface="Helvetica Neue"/>
+                <a:sym typeface="Helvetica Neue"/>
+              </a:rPr>
+              <a:t>being</a:t>
+            </a:r>
+            <a:r>
+              <a:rPr lang="nl-NL" sz="2200" b="0" i="0" u="none" strike="noStrike" kern="1200" cap="none" dirty="0" smtClean="0">
+                <a:solidFill>
+                  <a:schemeClr val="tx1"/>
+                </a:solidFill>
+                <a:effectLst/>
+                <a:latin typeface="Helvetica Neue"/>
+                <a:ea typeface="Helvetica Neue"/>
+                <a:cs typeface="Helvetica Neue"/>
+                <a:sym typeface="Helvetica Neue"/>
+              </a:rPr>
+              <a:t> </a:t>
+            </a:r>
+            <a:r>
+              <a:rPr lang="nl-NL" sz="2200" b="0" i="0" u="none" strike="noStrike" kern="1200" cap="none" dirty="0" err="1" smtClean="0">
+                <a:solidFill>
+                  <a:schemeClr val="tx1"/>
+                </a:solidFill>
+                <a:effectLst/>
+                <a:latin typeface="Helvetica Neue"/>
+                <a:ea typeface="Helvetica Neue"/>
+                <a:cs typeface="Helvetica Neue"/>
+                <a:sym typeface="Helvetica Neue"/>
+              </a:rPr>
+              <a:t>added</a:t>
+            </a:r>
+            <a:r>
+              <a:rPr lang="nl-NL" sz="2200" b="0" i="0" u="none" strike="noStrike" kern="1200" cap="none" dirty="0" smtClean="0">
+                <a:solidFill>
+                  <a:schemeClr val="tx1"/>
+                </a:solidFill>
+                <a:effectLst/>
+                <a:latin typeface="Helvetica Neue"/>
+                <a:ea typeface="Helvetica Neue"/>
+                <a:cs typeface="Helvetica Neue"/>
+                <a:sym typeface="Helvetica Neue"/>
+              </a:rPr>
+              <a:t> </a:t>
+            </a:r>
+            <a:r>
+              <a:rPr lang="nl-NL" sz="2200" b="0" i="0" u="none" strike="noStrike" kern="1200" cap="none" dirty="0" err="1" smtClean="0">
+                <a:solidFill>
+                  <a:schemeClr val="tx1"/>
+                </a:solidFill>
+                <a:effectLst/>
+                <a:latin typeface="Helvetica Neue"/>
+                <a:ea typeface="Helvetica Neue"/>
+                <a:cs typeface="Helvetica Neue"/>
+                <a:sym typeface="Helvetica Neue"/>
+              </a:rPr>
+              <a:t>to</a:t>
+            </a:r>
+            <a:r>
+              <a:rPr lang="nl-NL" sz="2200" b="0" i="0" u="none" strike="noStrike" kern="1200" cap="none" dirty="0" smtClean="0">
+                <a:solidFill>
+                  <a:schemeClr val="tx1"/>
+                </a:solidFill>
+                <a:effectLst/>
+                <a:latin typeface="Helvetica Neue"/>
+                <a:ea typeface="Helvetica Neue"/>
+                <a:cs typeface="Helvetica Neue"/>
+                <a:sym typeface="Helvetica Neue"/>
+              </a:rPr>
+              <a:t> </a:t>
+            </a:r>
+            <a:r>
+              <a:rPr lang="nl-NL" sz="2200" b="0" i="0" u="none" strike="noStrike" kern="1200" cap="none" dirty="0" err="1" smtClean="0">
+                <a:solidFill>
+                  <a:schemeClr val="tx1"/>
+                </a:solidFill>
+                <a:effectLst/>
+                <a:latin typeface="Helvetica Neue"/>
+                <a:ea typeface="Helvetica Neue"/>
+                <a:cs typeface="Helvetica Neue"/>
+                <a:sym typeface="Helvetica Neue"/>
+              </a:rPr>
+              <a:t>it</a:t>
+            </a:r>
+            <a:r>
+              <a:rPr lang="nl-NL" sz="2200" b="0" i="0" u="none" strike="noStrike" kern="1200" cap="none" dirty="0" smtClean="0">
+                <a:solidFill>
+                  <a:schemeClr val="tx1"/>
+                </a:solidFill>
+                <a:effectLst/>
+                <a:latin typeface="Helvetica Neue"/>
+                <a:ea typeface="Helvetica Neue"/>
+                <a:cs typeface="Helvetica Neue"/>
+                <a:sym typeface="Helvetica Neue"/>
+              </a:rPr>
+              <a:t>; </a:t>
+            </a:r>
+            <a:r>
+              <a:rPr lang="nl-NL" sz="2200" b="0" i="0" u="none" strike="noStrike" kern="1200" cap="none" dirty="0" err="1" smtClean="0">
+                <a:solidFill>
+                  <a:schemeClr val="tx1"/>
+                </a:solidFill>
+                <a:effectLst/>
+                <a:latin typeface="Helvetica Neue"/>
+                <a:ea typeface="Helvetica Neue"/>
+                <a:cs typeface="Helvetica Neue"/>
+                <a:sym typeface="Helvetica Neue"/>
+              </a:rPr>
+              <a:t>prevents</a:t>
+            </a:r>
+            <a:r>
+              <a:rPr lang="nl-NL" sz="2200" b="0" i="0" u="none" strike="noStrike" kern="1200" cap="none" dirty="0" smtClean="0">
+                <a:solidFill>
+                  <a:schemeClr val="tx1"/>
+                </a:solidFill>
+                <a:effectLst/>
+                <a:latin typeface="Helvetica Neue"/>
+                <a:ea typeface="Helvetica Neue"/>
+                <a:cs typeface="Helvetica Neue"/>
+                <a:sym typeface="Helvetica Neue"/>
+              </a:rPr>
+              <a:t> </a:t>
+            </a:r>
+            <a:r>
+              <a:rPr lang="nl-NL" sz="2200" b="0" i="0" u="none" strike="noStrike" kern="1200" cap="none" dirty="0" err="1" smtClean="0">
+                <a:solidFill>
+                  <a:schemeClr val="tx1"/>
+                </a:solidFill>
+                <a:effectLst/>
+                <a:latin typeface="Helvetica Neue"/>
+                <a:ea typeface="Helvetica Neue"/>
+                <a:cs typeface="Helvetica Neue"/>
+                <a:sym typeface="Helvetica Neue"/>
+              </a:rPr>
+              <a:t>existing</a:t>
+            </a:r>
+            <a:r>
+              <a:rPr lang="nl-NL" sz="2200" b="0" i="0" u="none" strike="noStrike" kern="1200" cap="none" dirty="0" smtClean="0">
+                <a:solidFill>
+                  <a:schemeClr val="tx1"/>
+                </a:solidFill>
+                <a:effectLst/>
+                <a:latin typeface="Helvetica Neue"/>
+                <a:ea typeface="Helvetica Neue"/>
+                <a:cs typeface="Helvetica Neue"/>
+                <a:sym typeface="Helvetica Neue"/>
+              </a:rPr>
+              <a:t> </a:t>
+            </a:r>
+            <a:r>
+              <a:rPr lang="nl-NL" sz="2200" b="0" i="0" u="none" strike="noStrike" kern="1200" cap="none" dirty="0" err="1" smtClean="0">
+                <a:solidFill>
+                  <a:schemeClr val="tx1"/>
+                </a:solidFill>
+                <a:effectLst/>
+                <a:latin typeface="Helvetica Neue"/>
+                <a:ea typeface="Helvetica Neue"/>
+                <a:cs typeface="Helvetica Neue"/>
+                <a:sym typeface="Helvetica Neue"/>
+              </a:rPr>
+              <a:t>properties</a:t>
+            </a:r>
+            <a:r>
+              <a:rPr lang="nl-NL" sz="2200" b="0" i="0" u="none" strike="noStrike" kern="1200" cap="none" dirty="0" smtClean="0">
+                <a:solidFill>
+                  <a:schemeClr val="tx1"/>
+                </a:solidFill>
+                <a:effectLst/>
+                <a:latin typeface="Helvetica Neue"/>
+                <a:ea typeface="Helvetica Neue"/>
+                <a:cs typeface="Helvetica Neue"/>
+                <a:sym typeface="Helvetica Neue"/>
+              </a:rPr>
+              <a:t> </a:t>
+            </a:r>
+            <a:r>
+              <a:rPr lang="nl-NL" sz="2200" b="0" i="0" u="none" strike="noStrike" kern="1200" cap="none" dirty="0" err="1" smtClean="0">
+                <a:solidFill>
+                  <a:schemeClr val="tx1"/>
+                </a:solidFill>
+                <a:effectLst/>
+                <a:latin typeface="Helvetica Neue"/>
+                <a:ea typeface="Helvetica Neue"/>
+                <a:cs typeface="Helvetica Neue"/>
+                <a:sym typeface="Helvetica Neue"/>
+              </a:rPr>
+              <a:t>from</a:t>
+            </a:r>
+            <a:r>
+              <a:rPr lang="nl-NL" sz="2200" b="0" i="0" u="none" strike="noStrike" kern="1200" cap="none" dirty="0" smtClean="0">
+                <a:solidFill>
+                  <a:schemeClr val="tx1"/>
+                </a:solidFill>
+                <a:effectLst/>
+                <a:latin typeface="Helvetica Neue"/>
+                <a:ea typeface="Helvetica Neue"/>
+                <a:cs typeface="Helvetica Neue"/>
+                <a:sym typeface="Helvetica Neue"/>
+              </a:rPr>
+              <a:t> </a:t>
+            </a:r>
+            <a:r>
+              <a:rPr lang="nl-NL" sz="2200" b="0" i="0" u="none" strike="noStrike" kern="1200" cap="none" dirty="0" err="1" smtClean="0">
+                <a:solidFill>
+                  <a:schemeClr val="tx1"/>
+                </a:solidFill>
+                <a:effectLst/>
+                <a:latin typeface="Helvetica Neue"/>
+                <a:ea typeface="Helvetica Neue"/>
+                <a:cs typeface="Helvetica Neue"/>
+                <a:sym typeface="Helvetica Neue"/>
+              </a:rPr>
+              <a:t>being</a:t>
+            </a:r>
+            <a:r>
+              <a:rPr lang="nl-NL" sz="2200" b="0" i="0" u="none" strike="noStrike" kern="1200" cap="none" dirty="0" smtClean="0">
+                <a:solidFill>
+                  <a:schemeClr val="tx1"/>
+                </a:solidFill>
+                <a:effectLst/>
+                <a:latin typeface="Helvetica Neue"/>
+                <a:ea typeface="Helvetica Neue"/>
+                <a:cs typeface="Helvetica Neue"/>
+                <a:sym typeface="Helvetica Neue"/>
+              </a:rPr>
+              <a:t> </a:t>
+            </a:r>
+            <a:r>
+              <a:rPr lang="nl-NL" sz="2200" b="0" i="0" u="none" strike="noStrike" kern="1200" cap="none" dirty="0" err="1" smtClean="0">
+                <a:solidFill>
+                  <a:schemeClr val="tx1"/>
+                </a:solidFill>
+                <a:effectLst/>
+                <a:latin typeface="Helvetica Neue"/>
+                <a:ea typeface="Helvetica Neue"/>
+                <a:cs typeface="Helvetica Neue"/>
+                <a:sym typeface="Helvetica Neue"/>
+              </a:rPr>
+              <a:t>removed</a:t>
+            </a:r>
+            <a:r>
+              <a:rPr lang="nl-NL" sz="2200" b="0" i="0" u="none" strike="noStrike" kern="1200" cap="none" dirty="0" smtClean="0">
+                <a:solidFill>
+                  <a:schemeClr val="tx1"/>
+                </a:solidFill>
+                <a:effectLst/>
+                <a:latin typeface="Helvetica Neue"/>
+                <a:ea typeface="Helvetica Neue"/>
+                <a:cs typeface="Helvetica Neue"/>
+                <a:sym typeface="Helvetica Neue"/>
+              </a:rPr>
+              <a:t>; </a:t>
+            </a:r>
+            <a:r>
+              <a:rPr lang="nl-NL" sz="2200" b="0" i="0" u="none" strike="noStrike" kern="1200" cap="none" dirty="0" err="1" smtClean="0">
+                <a:solidFill>
+                  <a:schemeClr val="tx1"/>
+                </a:solidFill>
+                <a:effectLst/>
+                <a:latin typeface="Helvetica Neue"/>
+                <a:ea typeface="Helvetica Neue"/>
+                <a:cs typeface="Helvetica Neue"/>
+                <a:sym typeface="Helvetica Neue"/>
+              </a:rPr>
+              <a:t>and</a:t>
+            </a:r>
+            <a:r>
+              <a:rPr lang="nl-NL" sz="2200" b="0" i="0" u="none" strike="noStrike" kern="1200" cap="none" dirty="0" smtClean="0">
+                <a:solidFill>
+                  <a:schemeClr val="tx1"/>
+                </a:solidFill>
+                <a:effectLst/>
+                <a:latin typeface="Helvetica Neue"/>
+                <a:ea typeface="Helvetica Neue"/>
+                <a:cs typeface="Helvetica Neue"/>
+                <a:sym typeface="Helvetica Neue"/>
+              </a:rPr>
+              <a:t> </a:t>
+            </a:r>
+            <a:r>
+              <a:rPr lang="nl-NL" sz="2200" b="0" i="0" u="none" strike="noStrike" kern="1200" cap="none" dirty="0" err="1" smtClean="0">
+                <a:solidFill>
+                  <a:schemeClr val="tx1"/>
+                </a:solidFill>
+                <a:effectLst/>
+                <a:latin typeface="Helvetica Neue"/>
+                <a:ea typeface="Helvetica Neue"/>
+                <a:cs typeface="Helvetica Neue"/>
+                <a:sym typeface="Helvetica Neue"/>
+              </a:rPr>
+              <a:t>prevents</a:t>
+            </a:r>
+            <a:r>
+              <a:rPr lang="nl-NL" sz="2200" b="0" i="0" u="none" strike="noStrike" kern="1200" cap="none" dirty="0" smtClean="0">
+                <a:solidFill>
+                  <a:schemeClr val="tx1"/>
+                </a:solidFill>
+                <a:effectLst/>
+                <a:latin typeface="Helvetica Neue"/>
+                <a:ea typeface="Helvetica Neue"/>
+                <a:cs typeface="Helvetica Neue"/>
+                <a:sym typeface="Helvetica Neue"/>
+              </a:rPr>
+              <a:t> </a:t>
+            </a:r>
+            <a:r>
+              <a:rPr lang="nl-NL" sz="2200" b="0" i="0" u="none" strike="noStrike" kern="1200" cap="none" dirty="0" err="1" smtClean="0">
+                <a:solidFill>
+                  <a:schemeClr val="tx1"/>
+                </a:solidFill>
+                <a:effectLst/>
+                <a:latin typeface="Helvetica Neue"/>
+                <a:ea typeface="Helvetica Neue"/>
+                <a:cs typeface="Helvetica Neue"/>
+                <a:sym typeface="Helvetica Neue"/>
+              </a:rPr>
+              <a:t>existing</a:t>
+            </a:r>
+            <a:r>
+              <a:rPr lang="nl-NL" sz="2200" b="0" i="0" u="none" strike="noStrike" kern="1200" cap="none" dirty="0" smtClean="0">
+                <a:solidFill>
+                  <a:schemeClr val="tx1"/>
+                </a:solidFill>
+                <a:effectLst/>
+                <a:latin typeface="Helvetica Neue"/>
+                <a:ea typeface="Helvetica Neue"/>
+                <a:cs typeface="Helvetica Neue"/>
+                <a:sym typeface="Helvetica Neue"/>
+              </a:rPr>
+              <a:t> </a:t>
+            </a:r>
+            <a:r>
+              <a:rPr lang="nl-NL" sz="2200" b="0" i="0" u="none" strike="noStrike" kern="1200" cap="none" dirty="0" err="1" smtClean="0">
+                <a:solidFill>
+                  <a:schemeClr val="tx1"/>
+                </a:solidFill>
+                <a:effectLst/>
+                <a:latin typeface="Helvetica Neue"/>
+                <a:ea typeface="Helvetica Neue"/>
+                <a:cs typeface="Helvetica Neue"/>
+                <a:sym typeface="Helvetica Neue"/>
+              </a:rPr>
+              <a:t>properties</a:t>
+            </a:r>
+            <a:r>
+              <a:rPr lang="nl-NL" sz="2200" b="0" i="0" u="none" strike="noStrike" kern="1200" cap="none" dirty="0" smtClean="0">
+                <a:solidFill>
+                  <a:schemeClr val="tx1"/>
+                </a:solidFill>
+                <a:effectLst/>
+                <a:latin typeface="Helvetica Neue"/>
+                <a:ea typeface="Helvetica Neue"/>
+                <a:cs typeface="Helvetica Neue"/>
+                <a:sym typeface="Helvetica Neue"/>
+              </a:rPr>
+              <a:t>, or </a:t>
+            </a:r>
+            <a:r>
+              <a:rPr lang="nl-NL" sz="2200" b="0" i="0" u="none" strike="noStrike" kern="1200" cap="none" dirty="0" err="1" smtClean="0">
+                <a:solidFill>
+                  <a:schemeClr val="tx1"/>
+                </a:solidFill>
+                <a:effectLst/>
+                <a:latin typeface="Helvetica Neue"/>
+                <a:ea typeface="Helvetica Neue"/>
+                <a:cs typeface="Helvetica Neue"/>
+                <a:sym typeface="Helvetica Neue"/>
+              </a:rPr>
+              <a:t>their</a:t>
+            </a:r>
+            <a:r>
+              <a:rPr lang="nl-NL" sz="2200" b="0" i="0" u="none" strike="noStrike" kern="1200" cap="none" dirty="0" smtClean="0">
+                <a:solidFill>
+                  <a:schemeClr val="tx1"/>
+                </a:solidFill>
+                <a:effectLst/>
+                <a:latin typeface="Helvetica Neue"/>
+                <a:ea typeface="Helvetica Neue"/>
+                <a:cs typeface="Helvetica Neue"/>
+                <a:sym typeface="Helvetica Neue"/>
+              </a:rPr>
+              <a:t> </a:t>
+            </a:r>
+            <a:r>
+              <a:rPr lang="nl-NL" sz="2200" b="0" i="0" u="none" strike="noStrike" kern="1200" cap="none" dirty="0" err="1" smtClean="0">
+                <a:solidFill>
+                  <a:schemeClr val="tx1"/>
+                </a:solidFill>
+                <a:effectLst/>
+                <a:latin typeface="Helvetica Neue"/>
+                <a:ea typeface="Helvetica Neue"/>
+                <a:cs typeface="Helvetica Neue"/>
+                <a:sym typeface="Helvetica Neue"/>
+              </a:rPr>
+              <a:t>enumerability</a:t>
+            </a:r>
+            <a:r>
+              <a:rPr lang="nl-NL" sz="2200" b="0" i="0" u="none" strike="noStrike" kern="1200" cap="none" dirty="0" smtClean="0">
+                <a:solidFill>
+                  <a:schemeClr val="tx1"/>
+                </a:solidFill>
+                <a:effectLst/>
+                <a:latin typeface="Helvetica Neue"/>
+                <a:ea typeface="Helvetica Neue"/>
+                <a:cs typeface="Helvetica Neue"/>
+                <a:sym typeface="Helvetica Neue"/>
+              </a:rPr>
+              <a:t>, </a:t>
+            </a:r>
+            <a:r>
+              <a:rPr lang="nl-NL" sz="2200" b="0" i="0" u="none" strike="noStrike" kern="1200" cap="none" dirty="0" err="1" smtClean="0">
+                <a:solidFill>
+                  <a:schemeClr val="tx1"/>
+                </a:solidFill>
+                <a:effectLst/>
+                <a:latin typeface="Helvetica Neue"/>
+                <a:ea typeface="Helvetica Neue"/>
+                <a:cs typeface="Helvetica Neue"/>
+                <a:sym typeface="Helvetica Neue"/>
+              </a:rPr>
+              <a:t>configurability</a:t>
+            </a:r>
+            <a:r>
+              <a:rPr lang="nl-NL" sz="2200" b="0" i="0" u="none" strike="noStrike" kern="1200" cap="none" dirty="0" smtClean="0">
+                <a:solidFill>
+                  <a:schemeClr val="tx1"/>
+                </a:solidFill>
+                <a:effectLst/>
+                <a:latin typeface="Helvetica Neue"/>
+                <a:ea typeface="Helvetica Neue"/>
+                <a:cs typeface="Helvetica Neue"/>
+                <a:sym typeface="Helvetica Neue"/>
+              </a:rPr>
+              <a:t>, or </a:t>
+            </a:r>
+            <a:r>
+              <a:rPr lang="nl-NL" sz="2200" b="0" i="0" u="none" strike="noStrike" kern="1200" cap="none" dirty="0" err="1" smtClean="0">
+                <a:solidFill>
+                  <a:schemeClr val="tx1"/>
+                </a:solidFill>
+                <a:effectLst/>
+                <a:latin typeface="Helvetica Neue"/>
+                <a:ea typeface="Helvetica Neue"/>
+                <a:cs typeface="Helvetica Neue"/>
+                <a:sym typeface="Helvetica Neue"/>
+              </a:rPr>
+              <a:t>writability</a:t>
+            </a:r>
+            <a:r>
+              <a:rPr lang="nl-NL" sz="2200" b="0" i="0" u="none" strike="noStrike" kern="1200" cap="none" dirty="0" smtClean="0">
+                <a:solidFill>
+                  <a:schemeClr val="tx1"/>
+                </a:solidFill>
+                <a:effectLst/>
+                <a:latin typeface="Helvetica Neue"/>
+                <a:ea typeface="Helvetica Neue"/>
+                <a:cs typeface="Helvetica Neue"/>
+                <a:sym typeface="Helvetica Neue"/>
+              </a:rPr>
+              <a:t>, </a:t>
+            </a:r>
+            <a:r>
+              <a:rPr lang="nl-NL" sz="2200" b="0" i="0" u="none" strike="noStrike" kern="1200" cap="none" dirty="0" err="1" smtClean="0">
+                <a:solidFill>
+                  <a:schemeClr val="tx1"/>
+                </a:solidFill>
+                <a:effectLst/>
+                <a:latin typeface="Helvetica Neue"/>
+                <a:ea typeface="Helvetica Neue"/>
+                <a:cs typeface="Helvetica Neue"/>
+                <a:sym typeface="Helvetica Neue"/>
+              </a:rPr>
+              <a:t>from</a:t>
+            </a:r>
+            <a:r>
+              <a:rPr lang="nl-NL" sz="2200" b="0" i="0" u="none" strike="noStrike" kern="1200" cap="none" dirty="0" smtClean="0">
+                <a:solidFill>
+                  <a:schemeClr val="tx1"/>
+                </a:solidFill>
+                <a:effectLst/>
+                <a:latin typeface="Helvetica Neue"/>
+                <a:ea typeface="Helvetica Neue"/>
+                <a:cs typeface="Helvetica Neue"/>
+                <a:sym typeface="Helvetica Neue"/>
+              </a:rPr>
+              <a:t> </a:t>
+            </a:r>
+            <a:r>
+              <a:rPr lang="nl-NL" sz="2200" b="0" i="0" u="none" strike="noStrike" kern="1200" cap="none" dirty="0" err="1" smtClean="0">
+                <a:solidFill>
+                  <a:schemeClr val="tx1"/>
+                </a:solidFill>
+                <a:effectLst/>
+                <a:latin typeface="Helvetica Neue"/>
+                <a:ea typeface="Helvetica Neue"/>
+                <a:cs typeface="Helvetica Neue"/>
+                <a:sym typeface="Helvetica Neue"/>
+              </a:rPr>
+              <a:t>being</a:t>
+            </a:r>
+            <a:r>
+              <a:rPr lang="nl-NL" sz="2200" b="0" i="0" u="none" strike="noStrike" kern="1200" cap="none" dirty="0" smtClean="0">
+                <a:solidFill>
+                  <a:schemeClr val="tx1"/>
+                </a:solidFill>
+                <a:effectLst/>
+                <a:latin typeface="Helvetica Neue"/>
+                <a:ea typeface="Helvetica Neue"/>
+                <a:cs typeface="Helvetica Neue"/>
+                <a:sym typeface="Helvetica Neue"/>
+              </a:rPr>
+              <a:t> </a:t>
+            </a:r>
+            <a:r>
+              <a:rPr lang="nl-NL" sz="2200" b="0" i="0" u="none" strike="noStrike" kern="1200" cap="none" dirty="0" err="1" smtClean="0">
+                <a:solidFill>
+                  <a:schemeClr val="tx1"/>
+                </a:solidFill>
+                <a:effectLst/>
+                <a:latin typeface="Helvetica Neue"/>
+                <a:ea typeface="Helvetica Neue"/>
+                <a:cs typeface="Helvetica Neue"/>
+                <a:sym typeface="Helvetica Neue"/>
+              </a:rPr>
+              <a:t>changed</a:t>
+            </a:r>
+            <a:r>
+              <a:rPr lang="nl-NL" sz="2200" b="0" i="0" u="none" strike="noStrike" kern="1200" cap="none" dirty="0" smtClean="0">
+                <a:solidFill>
+                  <a:schemeClr val="tx1"/>
+                </a:solidFill>
+                <a:effectLst/>
+                <a:latin typeface="Helvetica Neue"/>
+                <a:ea typeface="Helvetica Neue"/>
+                <a:cs typeface="Helvetica Neue"/>
+                <a:sym typeface="Helvetica Neue"/>
+              </a:rPr>
+              <a:t>, </a:t>
+            </a:r>
+            <a:r>
+              <a:rPr lang="nl-NL" sz="2200" b="0" i="0" u="none" strike="noStrike" kern="1200" cap="none" dirty="0" err="1" smtClean="0">
+                <a:solidFill>
+                  <a:schemeClr val="tx1"/>
+                </a:solidFill>
+                <a:effectLst/>
+                <a:latin typeface="Helvetica Neue"/>
+                <a:ea typeface="Helvetica Neue"/>
+                <a:cs typeface="Helvetica Neue"/>
+                <a:sym typeface="Helvetica Neue"/>
+              </a:rPr>
+              <a:t>it</a:t>
+            </a:r>
+            <a:r>
+              <a:rPr lang="nl-NL" sz="2200" b="0" i="0" u="none" strike="noStrike" kern="1200" cap="none" dirty="0" smtClean="0">
+                <a:solidFill>
+                  <a:schemeClr val="tx1"/>
+                </a:solidFill>
+                <a:effectLst/>
+                <a:latin typeface="Helvetica Neue"/>
+                <a:ea typeface="Helvetica Neue"/>
+                <a:cs typeface="Helvetica Neue"/>
+                <a:sym typeface="Helvetica Neue"/>
+              </a:rPr>
+              <a:t> </a:t>
+            </a:r>
+            <a:r>
+              <a:rPr lang="nl-NL" sz="2200" b="0" i="0" u="none" strike="noStrike" kern="1200" cap="none" dirty="0" err="1" smtClean="0">
+                <a:solidFill>
+                  <a:schemeClr val="tx1"/>
+                </a:solidFill>
+                <a:effectLst/>
+                <a:latin typeface="Helvetica Neue"/>
+                <a:ea typeface="Helvetica Neue"/>
+                <a:cs typeface="Helvetica Neue"/>
+                <a:sym typeface="Helvetica Neue"/>
+              </a:rPr>
+              <a:t>also</a:t>
+            </a:r>
+            <a:r>
+              <a:rPr lang="nl-NL" sz="2200" b="0" i="0" u="none" strike="noStrike" kern="1200" cap="none" dirty="0" smtClean="0">
+                <a:solidFill>
+                  <a:schemeClr val="tx1"/>
+                </a:solidFill>
+                <a:effectLst/>
+                <a:latin typeface="Helvetica Neue"/>
+                <a:ea typeface="Helvetica Neue"/>
+                <a:cs typeface="Helvetica Neue"/>
+                <a:sym typeface="Helvetica Neue"/>
+              </a:rPr>
+              <a:t> </a:t>
+            </a:r>
+            <a:r>
+              <a:rPr lang="nl-NL" sz="2200" b="0" i="0" u="none" strike="noStrike" kern="1200" cap="none" dirty="0" err="1" smtClean="0">
+                <a:solidFill>
+                  <a:schemeClr val="tx1"/>
+                </a:solidFill>
+                <a:effectLst/>
+                <a:latin typeface="Helvetica Neue"/>
+                <a:ea typeface="Helvetica Neue"/>
+                <a:cs typeface="Helvetica Neue"/>
+                <a:sym typeface="Helvetica Neue"/>
+              </a:rPr>
+              <a:t>prevents</a:t>
+            </a:r>
+            <a:r>
+              <a:rPr lang="nl-NL" sz="2200" b="0" i="0" u="none" strike="noStrike" kern="1200" cap="none" dirty="0" smtClean="0">
+                <a:solidFill>
+                  <a:schemeClr val="tx1"/>
+                </a:solidFill>
+                <a:effectLst/>
+                <a:latin typeface="Helvetica Neue"/>
+                <a:ea typeface="Helvetica Neue"/>
+                <a:cs typeface="Helvetica Neue"/>
+                <a:sym typeface="Helvetica Neue"/>
+              </a:rPr>
+              <a:t> </a:t>
+            </a:r>
+            <a:r>
+              <a:rPr lang="nl-NL" sz="2200" b="0" i="0" u="none" strike="noStrike" kern="1200" cap="none" dirty="0" err="1" smtClean="0">
+                <a:solidFill>
+                  <a:schemeClr val="tx1"/>
+                </a:solidFill>
+                <a:effectLst/>
+                <a:latin typeface="Helvetica Neue"/>
+                <a:ea typeface="Helvetica Neue"/>
+                <a:cs typeface="Helvetica Neue"/>
+                <a:sym typeface="Helvetica Neue"/>
+              </a:rPr>
+              <a:t>the</a:t>
+            </a:r>
+            <a:r>
+              <a:rPr lang="nl-NL" sz="2200" b="0" i="0" u="none" strike="noStrike" kern="1200" cap="none" dirty="0" smtClean="0">
+                <a:solidFill>
+                  <a:schemeClr val="tx1"/>
+                </a:solidFill>
+                <a:effectLst/>
+                <a:latin typeface="Helvetica Neue"/>
+                <a:ea typeface="Helvetica Neue"/>
+                <a:cs typeface="Helvetica Neue"/>
+                <a:sym typeface="Helvetica Neue"/>
+              </a:rPr>
+              <a:t> prototype </a:t>
+            </a:r>
+            <a:r>
+              <a:rPr lang="nl-NL" sz="2200" b="0" i="0" u="none" strike="noStrike" kern="1200" cap="none" dirty="0" err="1" smtClean="0">
+                <a:solidFill>
+                  <a:schemeClr val="tx1"/>
+                </a:solidFill>
+                <a:effectLst/>
+                <a:latin typeface="Helvetica Neue"/>
+                <a:ea typeface="Helvetica Neue"/>
+                <a:cs typeface="Helvetica Neue"/>
+                <a:sym typeface="Helvetica Neue"/>
+              </a:rPr>
+              <a:t>from</a:t>
+            </a:r>
+            <a:r>
+              <a:rPr lang="nl-NL" sz="2200" b="0" i="0" u="none" strike="noStrike" kern="1200" cap="none" dirty="0" smtClean="0">
+                <a:solidFill>
+                  <a:schemeClr val="tx1"/>
+                </a:solidFill>
+                <a:effectLst/>
+                <a:latin typeface="Helvetica Neue"/>
+                <a:ea typeface="Helvetica Neue"/>
+                <a:cs typeface="Helvetica Neue"/>
+                <a:sym typeface="Helvetica Neue"/>
+              </a:rPr>
+              <a:t> </a:t>
+            </a:r>
+            <a:r>
+              <a:rPr lang="nl-NL" sz="2200" b="0" i="0" u="none" strike="noStrike" kern="1200" cap="none" dirty="0" err="1" smtClean="0">
+                <a:solidFill>
+                  <a:schemeClr val="tx1"/>
+                </a:solidFill>
+                <a:effectLst/>
+                <a:latin typeface="Helvetica Neue"/>
+                <a:ea typeface="Helvetica Neue"/>
+                <a:cs typeface="Helvetica Neue"/>
+                <a:sym typeface="Helvetica Neue"/>
+              </a:rPr>
+              <a:t>being</a:t>
+            </a:r>
+            <a:r>
+              <a:rPr lang="nl-NL" sz="2200" b="0" i="0" u="none" strike="noStrike" kern="1200" cap="none" dirty="0" smtClean="0">
+                <a:solidFill>
+                  <a:schemeClr val="tx1"/>
+                </a:solidFill>
+                <a:effectLst/>
+                <a:latin typeface="Helvetica Neue"/>
+                <a:ea typeface="Helvetica Neue"/>
+                <a:cs typeface="Helvetica Neue"/>
+                <a:sym typeface="Helvetica Neue"/>
+              </a:rPr>
+              <a:t> </a:t>
+            </a:r>
+            <a:r>
+              <a:rPr lang="nl-NL" sz="2200" b="0" i="0" u="none" strike="noStrike" kern="1200" cap="none" dirty="0" err="1" smtClean="0">
+                <a:solidFill>
+                  <a:schemeClr val="tx1"/>
+                </a:solidFill>
+                <a:effectLst/>
+                <a:latin typeface="Helvetica Neue"/>
+                <a:ea typeface="Helvetica Neue"/>
+                <a:cs typeface="Helvetica Neue"/>
+                <a:sym typeface="Helvetica Neue"/>
+              </a:rPr>
+              <a:t>changed</a:t>
+            </a:r>
+            <a:r>
+              <a:rPr lang="nl-NL" sz="2200" b="0" i="0" u="none" strike="noStrike" kern="1200" cap="none" dirty="0" smtClean="0">
+                <a:solidFill>
+                  <a:schemeClr val="tx1"/>
+                </a:solidFill>
+                <a:effectLst/>
+                <a:latin typeface="Helvetica Neue"/>
+                <a:ea typeface="Helvetica Neue"/>
+                <a:cs typeface="Helvetica Neue"/>
+                <a:sym typeface="Helvetica Neue"/>
+              </a:rPr>
+              <a:t>.  The </a:t>
+            </a:r>
+            <a:r>
+              <a:rPr lang="nl-NL" sz="2200" b="0" i="0" u="none" strike="noStrike" kern="1200" cap="none" dirty="0" err="1" smtClean="0">
+                <a:solidFill>
+                  <a:schemeClr val="tx1"/>
+                </a:solidFill>
+                <a:effectLst/>
+                <a:latin typeface="Helvetica Neue"/>
+                <a:ea typeface="Helvetica Neue"/>
+                <a:cs typeface="Helvetica Neue"/>
+                <a:sym typeface="Helvetica Neue"/>
+              </a:rPr>
+              <a:t>method</a:t>
+            </a:r>
+            <a:r>
+              <a:rPr lang="nl-NL" sz="2200" b="0" i="0" u="none" strike="noStrike" kern="1200" cap="none" dirty="0" smtClean="0">
+                <a:solidFill>
+                  <a:schemeClr val="tx1"/>
+                </a:solidFill>
+                <a:effectLst/>
+                <a:latin typeface="Helvetica Neue"/>
+                <a:ea typeface="Helvetica Neue"/>
+                <a:cs typeface="Helvetica Neue"/>
+                <a:sym typeface="Helvetica Neue"/>
+              </a:rPr>
+              <a:t> returns </a:t>
+            </a:r>
+            <a:r>
+              <a:rPr lang="nl-NL" sz="2200" b="0" i="0" u="none" strike="noStrike" kern="1200" cap="none" dirty="0" err="1" smtClean="0">
+                <a:solidFill>
+                  <a:schemeClr val="tx1"/>
+                </a:solidFill>
+                <a:effectLst/>
+                <a:latin typeface="Helvetica Neue"/>
+                <a:ea typeface="Helvetica Neue"/>
+                <a:cs typeface="Helvetica Neue"/>
+                <a:sym typeface="Helvetica Neue"/>
+              </a:rPr>
+              <a:t>the</a:t>
+            </a:r>
+            <a:r>
+              <a:rPr lang="nl-NL" sz="2200" b="0" i="0" u="none" strike="noStrike" kern="1200" cap="none" dirty="0" smtClean="0">
+                <a:solidFill>
+                  <a:schemeClr val="tx1"/>
+                </a:solidFill>
+                <a:effectLst/>
+                <a:latin typeface="Helvetica Neue"/>
+                <a:ea typeface="Helvetica Neue"/>
+                <a:cs typeface="Helvetica Neue"/>
+                <a:sym typeface="Helvetica Neue"/>
+              </a:rPr>
+              <a:t> </a:t>
+            </a:r>
+            <a:r>
+              <a:rPr lang="nl-NL" sz="2200" b="0" i="0" u="none" strike="noStrike" kern="1200" cap="none" dirty="0" err="1" smtClean="0">
+                <a:solidFill>
+                  <a:schemeClr val="tx1"/>
+                </a:solidFill>
+                <a:effectLst/>
+                <a:latin typeface="Helvetica Neue"/>
+                <a:ea typeface="Helvetica Neue"/>
+                <a:cs typeface="Helvetica Neue"/>
+                <a:sym typeface="Helvetica Neue"/>
+              </a:rPr>
+              <a:t>passed</a:t>
+            </a:r>
+            <a:r>
+              <a:rPr lang="nl-NL" sz="2200" b="0" i="0" u="none" strike="noStrike" kern="1200" cap="none" dirty="0" smtClean="0">
+                <a:solidFill>
+                  <a:schemeClr val="tx1"/>
+                </a:solidFill>
+                <a:effectLst/>
+                <a:latin typeface="Helvetica Neue"/>
+                <a:ea typeface="Helvetica Neue"/>
+                <a:cs typeface="Helvetica Neue"/>
+                <a:sym typeface="Helvetica Neue"/>
+              </a:rPr>
+              <a:t> object.</a:t>
+            </a:r>
+            <a:endParaRPr dirty="0"/>
           </a:p>
         </p:txBody>
       </p:sp>
@@ -2237,7 +3376,59 @@
               </a:spcBef>
               <a:buNone/>
             </a:pPr>
-            <a:endParaRPr/>
+            <a:r>
+              <a:rPr lang="en-US" sz="2200" b="0" i="0" u="none" strike="noStrike" kern="1200" cap="none" dirty="0" smtClean="0">
+                <a:solidFill>
+                  <a:schemeClr val="tx1"/>
+                </a:solidFill>
+                <a:effectLst/>
+                <a:latin typeface="Helvetica Neue"/>
+                <a:ea typeface="Helvetica Neue"/>
+                <a:cs typeface="Helvetica Neue"/>
+                <a:sym typeface="Helvetica Neue"/>
+              </a:rPr>
+              <a:t>MDN: The </a:t>
+            </a:r>
+            <a:r>
+              <a:rPr lang="en-US" sz="2200" b="1" i="0" u="none" strike="noStrike" kern="1200" cap="none" dirty="0" err="1" smtClean="0">
+                <a:solidFill>
+                  <a:schemeClr val="tx1"/>
+                </a:solidFill>
+                <a:effectLst/>
+                <a:latin typeface="Helvetica Neue"/>
+                <a:ea typeface="Helvetica Neue"/>
+                <a:cs typeface="Helvetica Neue"/>
+                <a:sym typeface="Helvetica Neue"/>
+              </a:rPr>
+              <a:t>destructuring</a:t>
+            </a:r>
+            <a:r>
+              <a:rPr lang="en-US" sz="2200" b="1" i="0" u="none" strike="noStrike" kern="1200" cap="none" dirty="0" smtClean="0">
+                <a:solidFill>
+                  <a:schemeClr val="tx1"/>
+                </a:solidFill>
+                <a:effectLst/>
+                <a:latin typeface="Helvetica Neue"/>
+                <a:ea typeface="Helvetica Neue"/>
+                <a:cs typeface="Helvetica Neue"/>
+                <a:sym typeface="Helvetica Neue"/>
+              </a:rPr>
+              <a:t> assignment</a:t>
+            </a:r>
+            <a:r>
+              <a:rPr lang="en-US" sz="2200" b="0" i="0" u="none" strike="noStrike" kern="1200" cap="none" dirty="0" smtClean="0">
+                <a:solidFill>
+                  <a:schemeClr val="tx1"/>
+                </a:solidFill>
+                <a:effectLst/>
+                <a:latin typeface="Helvetica Neue"/>
+                <a:ea typeface="Helvetica Neue"/>
+                <a:cs typeface="Helvetica Neue"/>
+                <a:sym typeface="Helvetica Neue"/>
+              </a:rPr>
+              <a:t> syntax is a JavaScript expression that makes it possible to extract data from arrays or objects into distinct variables.</a:t>
+            </a:r>
+            <a:endParaRPr dirty="0"/>
           </a:p>
         </p:txBody>
       </p:sp>
@@ -2253,7 +3444,7 @@
         </p:nvSpPr>
         <p:spPr>
           <a:xfrm>
-            <a:off x="380999" y="685800"/>
+            <a:off x="381000" y="685800"/>
             <a:ext cx="6096000" cy="3429000"/>
           </a:xfrm>
           <a:custGeom>
@@ -18626,145 +19817,6 @@
                 <a:spcPts val="0"/>
               </a:spcAft>
               <a:buClr>
-                <a:srgbClr val="99CF50"/>
-              </a:buClr>
-              <a:buSzPct val="25000"/>
-              <a:buFont typeface="Consolas"/>
-              <a:buNone/>
-            </a:pPr>
-            <a:r>
-              <a:rPr lang="en-US" sz="2300" b="0" i="0" u="none" strike="noStrike" cap="none" dirty="0" err="1">
-                <a:solidFill>
-                  <a:srgbClr val="99CF50"/>
-                </a:solidFill>
-                <a:latin typeface="Consolas"/>
-                <a:ea typeface="Consolas"/>
-                <a:cs typeface="Consolas"/>
-                <a:sym typeface="Consolas"/>
-              </a:rPr>
-              <a:t>const</a:t>
-            </a:r>
-            <a:r>
-              <a:rPr lang="en-US" sz="2300" b="0" i="0" u="none" strike="noStrike" cap="none" dirty="0">
-                <a:solidFill>
-                  <a:srgbClr val="F8F8F8"/>
-                </a:solidFill>
-                <a:latin typeface="Consolas"/>
-                <a:ea typeface="Consolas"/>
-                <a:cs typeface="Consolas"/>
-                <a:sym typeface="Consolas"/>
-              </a:rPr>
-              <a:t> z </a:t>
-            </a:r>
-            <a:r>
-              <a:rPr lang="en-US" sz="2300" b="0" i="0" u="none" strike="noStrike" cap="none" dirty="0">
-                <a:solidFill>
-                  <a:srgbClr val="E28964"/>
-                </a:solidFill>
-                <a:latin typeface="Consolas"/>
-                <a:ea typeface="Consolas"/>
-                <a:cs typeface="Consolas"/>
-                <a:sym typeface="Consolas"/>
-              </a:rPr>
-              <a:t>=</a:t>
-            </a:r>
-            <a:r>
-              <a:rPr lang="en-US" sz="2300" b="0" i="0" u="none" strike="noStrike" cap="none" dirty="0">
-                <a:solidFill>
-                  <a:srgbClr val="F8F8F8"/>
-                </a:solidFill>
-                <a:latin typeface="Consolas"/>
-                <a:ea typeface="Consolas"/>
-                <a:cs typeface="Consolas"/>
-                <a:sym typeface="Consolas"/>
-              </a:rPr>
-              <a:t> `hello world x</a:t>
-            </a:r>
-            <a:r>
-              <a:rPr lang="en-US" sz="2300" b="0" i="0" u="none" strike="noStrike" cap="none" dirty="0">
-                <a:solidFill>
-                  <a:srgbClr val="E28964"/>
-                </a:solidFill>
-                <a:latin typeface="Consolas"/>
-                <a:ea typeface="Consolas"/>
-                <a:cs typeface="Consolas"/>
-                <a:sym typeface="Consolas"/>
-              </a:rPr>
-              <a:t>$</a:t>
-            </a:r>
-            <a:r>
-              <a:rPr lang="en-US" sz="2300" b="0" i="0" u="none" strike="noStrike" cap="none" dirty="0">
-                <a:solidFill>
-                  <a:srgbClr val="F8F8F8"/>
-                </a:solidFill>
-                <a:latin typeface="Consolas"/>
-                <a:ea typeface="Consolas"/>
-                <a:cs typeface="Consolas"/>
-                <a:sym typeface="Consolas"/>
-              </a:rPr>
-              <a:t>{x} and </a:t>
-            </a:r>
-            <a:r>
-              <a:rPr lang="en-US" sz="2300" b="0" i="0" u="none" strike="noStrike" cap="none" dirty="0">
-                <a:solidFill>
-                  <a:srgbClr val="E28964"/>
-                </a:solidFill>
-                <a:latin typeface="Consolas"/>
-                <a:ea typeface="Consolas"/>
-                <a:cs typeface="Consolas"/>
-                <a:sym typeface="Consolas"/>
-              </a:rPr>
-              <a:t>$</a:t>
-            </a:r>
-            <a:r>
-              <a:rPr lang="en-US" sz="2300" b="0" i="0" u="none" strike="noStrike" cap="none" dirty="0">
-                <a:solidFill>
-                  <a:srgbClr val="F8F8F8"/>
-                </a:solidFill>
-                <a:latin typeface="Consolas"/>
-                <a:ea typeface="Consolas"/>
-                <a:cs typeface="Consolas"/>
-                <a:sym typeface="Consolas"/>
-              </a:rPr>
-              <a:t>{y </a:t>
-            </a:r>
-            <a:r>
-              <a:rPr lang="en-US" sz="2300" b="0" i="0" u="none" strike="noStrike" cap="none" dirty="0">
-                <a:solidFill>
-                  <a:srgbClr val="E28964"/>
-                </a:solidFill>
-                <a:latin typeface="Consolas"/>
-                <a:ea typeface="Consolas"/>
-                <a:cs typeface="Consolas"/>
-                <a:sym typeface="Consolas"/>
-              </a:rPr>
-              <a:t>+</a:t>
-            </a:r>
-            <a:r>
-              <a:rPr lang="en-US" sz="2300" b="0" i="0" u="none" strike="noStrike" cap="none" dirty="0">
-                <a:solidFill>
-                  <a:srgbClr val="F8F8F8"/>
-                </a:solidFill>
-                <a:latin typeface="Consolas"/>
-                <a:ea typeface="Consolas"/>
-                <a:cs typeface="Consolas"/>
-                <a:sym typeface="Consolas"/>
-              </a:rPr>
-              <a:t> x}`</a:t>
-            </a:r>
-          </a:p>
-          <a:p>
-            <a:pPr marL="0" marR="0" lvl="0" indent="0" algn="l" rtl="0">
-              <a:lnSpc>
-                <a:spcPct val="100000"/>
-              </a:lnSpc>
-              <a:spcBef>
-                <a:spcPts val="0"/>
-              </a:spcBef>
-              <a:spcAft>
-                <a:spcPts val="0"/>
-              </a:spcAft>
-              <a:buClr>
                 <a:srgbClr val="F8F8F8"/>
               </a:buClr>
               <a:buFont typeface="Consolas"/>
@@ -19758,7 +20810,7 @@
               <a:buNone/>
             </a:pPr>
             <a:r>
-              <a:rPr lang="en-US" sz="4400" b="0" i="0" u="none" strike="noStrike" cap="none">
+              <a:rPr lang="en-US" sz="4400" b="0" i="0" u="none" strike="noStrike" cap="none" dirty="0">
                 <a:solidFill>
                   <a:srgbClr val="FFFFFF"/>
                 </a:solidFill>
@@ -19824,684 +20876,471 @@
                 <a:cs typeface="Helvetica Neue"/>
                 <a:sym typeface="Helvetica Neue"/>
               </a:rPr>
-              <a:t>// More goodies</a:t>
-            </a:r>
-          </a:p>
-          <a:p>
-            <a:pPr marL="0" marR="0" lvl="0" indent="0" algn="l" rtl="0">
-              <a:lnSpc>
-                <a:spcPct val="100000"/>
-              </a:lnSpc>
-              <a:spcBef>
-                <a:spcPts val="0"/>
-              </a:spcBef>
-              <a:spcAft>
-                <a:spcPts val="0"/>
-              </a:spcAft>
+              <a:t>// </a:t>
+            </a:r>
+            <a:r>
+              <a:rPr lang="en-US" sz="1900" b="0" i="1" u="none" strike="noStrike" cap="none" dirty="0" smtClean="0">
+                <a:solidFill>
+                  <a:srgbClr val="AEAEAE"/>
+                </a:solidFill>
+                <a:latin typeface="Helvetica Neue"/>
+                <a:ea typeface="Helvetica Neue"/>
+                <a:cs typeface="Helvetica Neue"/>
+                <a:sym typeface="Helvetica Neue"/>
+              </a:rPr>
+              <a:t>Computed property names</a:t>
+            </a:r>
+            <a:endParaRPr lang="en-US" sz="1900" b="0" i="1" u="none" strike="noStrike" cap="none" dirty="0">
+              <a:solidFill>
+                <a:schemeClr val="bg1"/>
+              </a:solidFill>
+              <a:latin typeface="Helvetica Neue"/>
+              <a:ea typeface="Helvetica Neue"/>
+              <a:cs typeface="Helvetica Neue"/>
+              <a:sym typeface="Helvetica Neue"/>
+            </a:endParaRPr>
+          </a:p>
+          <a:p>
+            <a:pPr lvl="0">
               <a:buClr>
                 <a:srgbClr val="F8F8F8"/>
               </a:buClr>
               <a:buSzPct val="25000"/>
-              <a:buFont typeface="Consolas"/>
-              <a:buNone/>
             </a:pPr>
             <a:r>
-              <a:rPr lang="en-US" sz="1900" b="0" i="0" u="none" strike="noStrike" cap="none" dirty="0">
-                <a:solidFill>
-                  <a:srgbClr val="F8F8F8"/>
-                </a:solidFill>
-                <a:latin typeface="Consolas"/>
-                <a:ea typeface="Consolas"/>
-                <a:cs typeface="Consolas"/>
-                <a:sym typeface="Consolas"/>
-              </a:rPr>
-              <a:t>let </a:t>
-            </a:r>
-            <a:r>
-              <a:rPr lang="en-US" sz="1900" b="0" i="0" u="none" strike="noStrike" cap="none" dirty="0" err="1">
-                <a:solidFill>
-                  <a:srgbClr val="F8F8F8"/>
-                </a:solidFill>
-                <a:latin typeface="Consolas"/>
-                <a:ea typeface="Consolas"/>
-                <a:cs typeface="Consolas"/>
-                <a:sym typeface="Consolas"/>
-              </a:rPr>
-              <a:t>obj</a:t>
-            </a:r>
-            <a:r>
-              <a:rPr lang="en-US" sz="1900" b="0" i="0" u="none" strike="noStrike" cap="none" dirty="0">
-                <a:solidFill>
-                  <a:srgbClr val="F8F8F8"/>
-                </a:solidFill>
-                <a:latin typeface="Consolas"/>
-                <a:ea typeface="Consolas"/>
-                <a:cs typeface="Consolas"/>
-                <a:sym typeface="Consolas"/>
+              <a:rPr lang="mr-IN" sz="2000" dirty="0" err="1">
+                <a:solidFill>
+                  <a:schemeClr val="bg1"/>
+                </a:solidFill>
+              </a:rPr>
+              <a:t>var</a:t>
+            </a:r>
+            <a:r>
+              <a:rPr lang="mr-IN" sz="2000" dirty="0">
+                <a:solidFill>
+                  <a:schemeClr val="bg1"/>
+                </a:solidFill>
               </a:rPr>
               <a:t> </a:t>
             </a:r>
             <a:r>
-              <a:rPr lang="en-US" sz="1900" b="0" i="0" u="none" strike="noStrike" cap="none" dirty="0">
-                <a:solidFill>
-                  <a:srgbClr val="E28964"/>
-                </a:solidFill>
-                <a:latin typeface="Consolas"/>
-                <a:ea typeface="Consolas"/>
-                <a:cs typeface="Consolas"/>
-                <a:sym typeface="Consolas"/>
+              <a:rPr lang="mr-IN" sz="2000" dirty="0" err="1">
+                <a:solidFill>
+                  <a:schemeClr val="bg1"/>
+                </a:solidFill>
+              </a:rPr>
+              <a:t>prop</a:t>
+            </a:r>
+            <a:r>
+              <a:rPr lang="mr-IN" sz="2000" dirty="0">
+                <a:solidFill>
+                  <a:schemeClr val="bg1"/>
+                </a:solidFill>
+              </a:rPr>
+              <a:t> </a:t>
+            </a:r>
+            <a:r>
+              <a:rPr lang="mr-IN" sz="2000" dirty="0">
+                <a:solidFill>
+                  <a:schemeClr val="bg1"/>
+                </a:solidFill>
               </a:rPr>
               <a:t>=</a:t>
             </a:r>
             <a:r>
-              <a:rPr lang="en-US" sz="1900" b="0" i="0" u="none" strike="noStrike" cap="none" dirty="0">
-                <a:solidFill>
-                  <a:srgbClr val="F8F8F8"/>
-                </a:solidFill>
-                <a:latin typeface="Consolas"/>
-                <a:ea typeface="Consolas"/>
-                <a:cs typeface="Consolas"/>
-                <a:sym typeface="Consolas"/>
-              </a:rPr>
-              <a:t> {</a:t>
-            </a:r>
-          </a:p>
-          <a:p>
-            <a:pPr marL="0" marR="0" lvl="0" indent="0" algn="l" rtl="0">
-              <a:lnSpc>
-                <a:spcPct val="100000"/>
-              </a:lnSpc>
-              <a:spcBef>
-                <a:spcPts val="0"/>
-              </a:spcBef>
-              <a:spcAft>
-                <a:spcPts val="0"/>
-              </a:spcAft>
+              <a:rPr lang="mr-IN" sz="2000" dirty="0">
+                <a:solidFill>
+                  <a:schemeClr val="bg1"/>
+                </a:solidFill>
+              </a:rPr>
+              <a:t> </a:t>
+            </a:r>
+            <a:r>
+              <a:rPr lang="mr-IN" sz="2000" dirty="0">
+                <a:solidFill>
+                  <a:schemeClr val="bg1"/>
+                </a:solidFill>
+              </a:rPr>
+              <a:t>'</a:t>
+            </a:r>
+            <a:r>
+              <a:rPr lang="mr-IN" sz="2000" dirty="0" err="1">
+                <a:solidFill>
+                  <a:schemeClr val="bg1"/>
+                </a:solidFill>
+              </a:rPr>
+              <a:t>foo</a:t>
+            </a:r>
+            <a:r>
+              <a:rPr lang="mr-IN" sz="2000" dirty="0">
+                <a:solidFill>
+                  <a:schemeClr val="bg1"/>
+                </a:solidFill>
+              </a:rPr>
+              <a:t>';</a:t>
+            </a:r>
+            <a:r>
+              <a:rPr lang="mr-IN" sz="2000" dirty="0">
+                <a:solidFill>
+                  <a:schemeClr val="bg1"/>
+                </a:solidFill>
+              </a:rPr>
+              <a:t> </a:t>
+            </a:r>
+            <a:endParaRPr lang="nl-NL" sz="2000" dirty="0" smtClean="0">
+              <a:solidFill>
+                <a:schemeClr val="bg1"/>
+              </a:solidFill>
+            </a:endParaRPr>
+          </a:p>
+          <a:p>
+            <a:pPr lvl="0">
               <a:buClr>
                 <a:srgbClr val="F8F8F8"/>
               </a:buClr>
               <a:buSzPct val="25000"/>
-              <a:buFont typeface="Consolas"/>
-              <a:buNone/>
             </a:pPr>
             <a:r>
-              <a:rPr lang="en-US" sz="1900" b="0" i="0" u="none" strike="noStrike" cap="none" dirty="0">
-                <a:solidFill>
-                  <a:srgbClr val="F8F8F8"/>
-                </a:solidFill>
-                <a:latin typeface="Consolas"/>
-                <a:ea typeface="Consolas"/>
-                <a:cs typeface="Consolas"/>
-                <a:sym typeface="Consolas"/>
-              </a:rPr>
-              <a:t>    [ </a:t>
-            </a:r>
-            <a:r>
-              <a:rPr lang="en-US" sz="1900" b="0" i="0" u="none" strike="noStrike" cap="none" dirty="0">
-                <a:solidFill>
-                  <a:srgbClr val="65B042"/>
-                </a:solidFill>
-                <a:latin typeface="Consolas"/>
-                <a:ea typeface="Consolas"/>
-                <a:cs typeface="Consolas"/>
-                <a:sym typeface="Consolas"/>
-              </a:rPr>
-              <a:t>"</a:t>
-            </a:r>
-            <a:r>
-              <a:rPr lang="en-US" sz="1900" b="0" i="0" u="none" strike="noStrike" cap="none" dirty="0" err="1">
-                <a:solidFill>
-                  <a:srgbClr val="65B042"/>
-                </a:solidFill>
-                <a:latin typeface="Consolas"/>
-                <a:ea typeface="Consolas"/>
-                <a:cs typeface="Consolas"/>
-                <a:sym typeface="Consolas"/>
-              </a:rPr>
-              <a:t>baz</a:t>
-            </a:r>
-            <a:r>
-              <a:rPr lang="en-US" sz="1900" b="0" i="0" u="none" strike="noStrike" cap="none" dirty="0">
-                <a:solidFill>
-                  <a:srgbClr val="65B042"/>
-                </a:solidFill>
-                <a:latin typeface="Consolas"/>
-                <a:ea typeface="Consolas"/>
-                <a:cs typeface="Consolas"/>
-                <a:sym typeface="Consolas"/>
-              </a:rPr>
-              <a:t>"</a:t>
-            </a:r>
-            <a:r>
-              <a:rPr lang="en-US" sz="1900" b="0" i="0" u="none" strike="noStrike" cap="none" dirty="0">
-                <a:solidFill>
-                  <a:srgbClr val="F8F8F8"/>
-                </a:solidFill>
-                <a:latin typeface="Consolas"/>
-                <a:ea typeface="Consolas"/>
-                <a:cs typeface="Consolas"/>
-                <a:sym typeface="Consolas"/>
+              <a:rPr lang="mr-IN" sz="2000" dirty="0" err="1" smtClean="0">
+                <a:solidFill>
+                  <a:schemeClr val="bg1"/>
+                </a:solidFill>
+              </a:rPr>
+              <a:t>var</a:t>
+            </a:r>
+            <a:r>
+              <a:rPr lang="mr-IN" sz="2000" dirty="0" smtClean="0">
+                <a:solidFill>
+                  <a:schemeClr val="bg1"/>
+                </a:solidFill>
               </a:rPr>
               <a:t> </a:t>
             </a:r>
             <a:r>
-              <a:rPr lang="en-US" sz="1900" b="0" i="0" u="none" strike="noStrike" cap="none" dirty="0">
-                <a:solidFill>
-                  <a:srgbClr val="E28964"/>
-                </a:solidFill>
-                <a:latin typeface="Consolas"/>
-                <a:ea typeface="Consolas"/>
-                <a:cs typeface="Consolas"/>
-                <a:sym typeface="Consolas"/>
+              <a:rPr lang="mr-IN" sz="2000" dirty="0" err="1">
+                <a:solidFill>
+                  <a:schemeClr val="bg1"/>
+                </a:solidFill>
+              </a:rPr>
+              <a:t>o</a:t>
+            </a:r>
+            <a:r>
+              <a:rPr lang="mr-IN" sz="2000" dirty="0">
+                <a:solidFill>
+                  <a:schemeClr val="bg1"/>
+                </a:solidFill>
+              </a:rPr>
+              <a:t> </a:t>
+            </a:r>
+            <a:r>
+              <a:rPr lang="mr-IN" sz="2000" dirty="0">
+                <a:solidFill>
+                  <a:schemeClr val="bg1"/>
+                </a:solidFill>
+              </a:rPr>
+              <a:t>=</a:t>
+            </a:r>
+            <a:r>
+              <a:rPr lang="mr-IN" sz="2000" dirty="0">
+                <a:solidFill>
+                  <a:schemeClr val="bg1"/>
+                </a:solidFill>
+              </a:rPr>
+              <a:t> </a:t>
+            </a:r>
+            <a:r>
+              <a:rPr lang="mr-IN" sz="2000" dirty="0">
+                <a:solidFill>
+                  <a:schemeClr val="bg1"/>
+                </a:solidFill>
+              </a:rPr>
+              <a:t>{</a:t>
+            </a:r>
+            <a:r>
+              <a:rPr lang="mr-IN" sz="2000" dirty="0">
+                <a:solidFill>
+                  <a:schemeClr val="bg1"/>
+                </a:solidFill>
+              </a:rPr>
+              <a:t> </a:t>
+            </a:r>
+            <a:endParaRPr lang="nl-NL" sz="2000" dirty="0" smtClean="0">
+              <a:solidFill>
+                <a:schemeClr val="bg1"/>
+              </a:solidFill>
+            </a:endParaRPr>
+          </a:p>
+          <a:p>
+            <a:pPr lvl="0">
+              <a:buClr>
+                <a:srgbClr val="F8F8F8"/>
+              </a:buClr>
+              <a:buSzPct val="25000"/>
+            </a:pPr>
+            <a:r>
+              <a:rPr lang="nl-NL" sz="2000" dirty="0" smtClean="0">
+                <a:solidFill>
+                  <a:schemeClr val="bg1"/>
+                </a:solidFill>
+              </a:rPr>
+              <a:t>       </a:t>
+            </a:r>
+            <a:r>
+              <a:rPr lang="mr-IN" sz="2000" dirty="0" smtClean="0">
+                <a:solidFill>
+                  <a:schemeClr val="bg1"/>
+                </a:solidFill>
+              </a:rPr>
+              <a:t>[</a:t>
+            </a:r>
+            <a:r>
+              <a:rPr lang="mr-IN" sz="2000" dirty="0" err="1">
+                <a:solidFill>
+                  <a:schemeClr val="bg1"/>
+                </a:solidFill>
+              </a:rPr>
+              <a:t>prop</a:t>
+            </a:r>
+            <a:r>
+              <a:rPr lang="mr-IN" sz="2000" dirty="0">
+                <a:solidFill>
+                  <a:schemeClr val="bg1"/>
+                </a:solidFill>
+              </a:rPr>
+              <a:t>]:</a:t>
+            </a:r>
+            <a:r>
+              <a:rPr lang="mr-IN" sz="2000" dirty="0">
+                <a:solidFill>
+                  <a:schemeClr val="bg1"/>
+                </a:solidFill>
+              </a:rPr>
+              <a:t> </a:t>
+            </a:r>
+            <a:r>
+              <a:rPr lang="mr-IN" sz="2000" dirty="0">
+                <a:solidFill>
+                  <a:schemeClr val="bg1"/>
+                </a:solidFill>
+              </a:rPr>
+              <a:t>'</a:t>
+            </a:r>
+            <a:r>
+              <a:rPr lang="mr-IN" sz="2000" dirty="0" err="1">
+                <a:solidFill>
+                  <a:schemeClr val="bg1"/>
+                </a:solidFill>
+              </a:rPr>
+              <a:t>hey</a:t>
+            </a:r>
+            <a:r>
+              <a:rPr lang="mr-IN" sz="2000" dirty="0">
+                <a:solidFill>
+                  <a:schemeClr val="bg1"/>
+                </a:solidFill>
+              </a:rPr>
+              <a:t>',</a:t>
+            </a:r>
+            <a:r>
+              <a:rPr lang="mr-IN" sz="2000" dirty="0">
+                <a:solidFill>
+                  <a:schemeClr val="bg1"/>
+                </a:solidFill>
+              </a:rPr>
+              <a:t> </a:t>
+            </a:r>
+            <a:endParaRPr lang="nl-NL" sz="2000" dirty="0" smtClean="0">
+              <a:solidFill>
+                <a:schemeClr val="bg1"/>
+              </a:solidFill>
+            </a:endParaRPr>
+          </a:p>
+          <a:p>
+            <a:pPr lvl="0">
+              <a:buClr>
+                <a:srgbClr val="F8F8F8"/>
+              </a:buClr>
+              <a:buSzPct val="25000"/>
+            </a:pPr>
+            <a:r>
+              <a:rPr lang="nl-NL" sz="2000">
+                <a:solidFill>
+                  <a:schemeClr val="bg1"/>
+                </a:solidFill>
+              </a:rPr>
+              <a:t> </a:t>
+            </a:r>
+            <a:r>
+              <a:rPr lang="nl-NL" sz="2000" smtClean="0">
+                <a:solidFill>
+                  <a:schemeClr val="bg1"/>
+                </a:solidFill>
+              </a:rPr>
+              <a:t>      </a:t>
+            </a:r>
+            <a:r>
+              <a:rPr lang="mr-IN" sz="2000" smtClean="0">
+                <a:solidFill>
+                  <a:schemeClr val="bg1"/>
+                </a:solidFill>
+              </a:rPr>
+              <a:t>[</a:t>
+            </a:r>
+            <a:r>
+              <a:rPr lang="mr-IN" sz="2000" dirty="0">
+                <a:solidFill>
+                  <a:schemeClr val="bg1"/>
+                </a:solidFill>
+              </a:rPr>
+              <a:t>'</a:t>
+            </a:r>
+            <a:r>
+              <a:rPr lang="mr-IN" sz="2000" dirty="0" err="1">
+                <a:solidFill>
+                  <a:schemeClr val="bg1"/>
+                </a:solidFill>
+              </a:rPr>
+              <a:t>b</a:t>
+            </a:r>
+            <a:r>
+              <a:rPr lang="mr-IN" sz="2000" dirty="0">
+                <a:solidFill>
+                  <a:schemeClr val="bg1"/>
+                </a:solidFill>
+              </a:rPr>
+              <a:t>'</a:t>
+            </a:r>
+            <a:r>
+              <a:rPr lang="mr-IN" sz="2000" dirty="0">
+                <a:solidFill>
+                  <a:schemeClr val="bg1"/>
+                </a:solidFill>
+              </a:rPr>
+              <a:t> </a:t>
+            </a:r>
+            <a:r>
+              <a:rPr lang="mr-IN" sz="2000" dirty="0">
+                <a:solidFill>
+                  <a:schemeClr val="bg1"/>
+                </a:solidFill>
               </a:rPr>
               <a:t>+</a:t>
             </a:r>
             <a:r>
-              <a:rPr lang="en-US" sz="1900" b="0" i="0" u="none" strike="noStrike" cap="none" dirty="0">
-                <a:solidFill>
-                  <a:srgbClr val="F8F8F8"/>
-                </a:solidFill>
-                <a:latin typeface="Consolas"/>
-                <a:ea typeface="Consolas"/>
-                <a:cs typeface="Consolas"/>
-                <a:sym typeface="Consolas"/>
+              <a:rPr lang="mr-IN" sz="2000" dirty="0">
+                <a:solidFill>
+                  <a:schemeClr val="bg1"/>
+                </a:solidFill>
               </a:rPr>
               <a:t> </a:t>
             </a:r>
             <a:r>
-              <a:rPr lang="en-US" sz="1900" b="0" i="0" u="none" strike="noStrike" cap="none" dirty="0" err="1">
-                <a:solidFill>
-                  <a:srgbClr val="F8F8F8"/>
-                </a:solidFill>
-                <a:latin typeface="Consolas"/>
-                <a:ea typeface="Consolas"/>
-                <a:cs typeface="Consolas"/>
-                <a:sym typeface="Consolas"/>
-              </a:rPr>
-              <a:t>quux</a:t>
-            </a:r>
-            <a:r>
-              <a:rPr lang="en-US" sz="1900" b="0" i="0" u="none" strike="noStrike" cap="none" dirty="0">
-                <a:solidFill>
-                  <a:srgbClr val="F8F8F8"/>
-                </a:solidFill>
-                <a:latin typeface="Consolas"/>
-                <a:ea typeface="Consolas"/>
-                <a:cs typeface="Consolas"/>
-                <a:sym typeface="Consolas"/>
-              </a:rPr>
-              <a:t>() ]: </a:t>
-            </a:r>
-            <a:r>
-              <a:rPr lang="en-US" sz="1900" b="0" i="0" u="none" strike="noStrike" cap="none" dirty="0">
-                <a:solidFill>
-                  <a:srgbClr val="3387CC"/>
-                </a:solidFill>
-                <a:latin typeface="Consolas"/>
-                <a:ea typeface="Consolas"/>
-                <a:cs typeface="Consolas"/>
-                <a:sym typeface="Consolas"/>
-              </a:rPr>
-              <a:t>42</a:t>
-            </a:r>
-            <a:r>
-              <a:rPr lang="en-US" sz="1900" b="0" i="0" u="none" strike="noStrike" cap="none" dirty="0">
-                <a:solidFill>
-                  <a:srgbClr val="F8F8F8"/>
-                </a:solidFill>
-                <a:latin typeface="Consolas"/>
-                <a:ea typeface="Consolas"/>
-                <a:cs typeface="Consolas"/>
-                <a:sym typeface="Consolas"/>
+              <a:rPr lang="mr-IN" sz="2000" dirty="0">
+                <a:solidFill>
+                  <a:schemeClr val="bg1"/>
+                </a:solidFill>
+              </a:rPr>
+              <a:t>'</a:t>
+            </a:r>
+            <a:r>
+              <a:rPr lang="mr-IN" sz="2000" dirty="0" err="1">
+                <a:solidFill>
+                  <a:schemeClr val="bg1"/>
+                </a:solidFill>
+              </a:rPr>
+              <a:t>ar</a:t>
+            </a:r>
+            <a:r>
+              <a:rPr lang="mr-IN" sz="2000" dirty="0">
+                <a:solidFill>
+                  <a:schemeClr val="bg1"/>
+                </a:solidFill>
+              </a:rPr>
+              <a:t>']:</a:t>
+            </a:r>
+            <a:r>
+              <a:rPr lang="mr-IN" sz="2000" dirty="0">
+                <a:solidFill>
+                  <a:schemeClr val="bg1"/>
+                </a:solidFill>
               </a:rPr>
               <a:t> </a:t>
             </a:r>
             <a:r>
-              <a:rPr lang="en-US" sz="1900" b="0" i="1" u="none" strike="noStrike" cap="none" dirty="0">
-                <a:solidFill>
-                  <a:srgbClr val="AEAEAE"/>
-                </a:solidFill>
-                <a:latin typeface="Helvetica Neue"/>
-                <a:ea typeface="Helvetica Neue"/>
-                <a:cs typeface="Helvetica Neue"/>
-                <a:sym typeface="Helvetica Neue"/>
-              </a:rPr>
-              <a:t>// computed property name</a:t>
-            </a:r>
-          </a:p>
-          <a:p>
-            <a:pPr marL="0" marR="0" lvl="0" indent="0" algn="l" rtl="0">
-              <a:lnSpc>
-                <a:spcPct val="100000"/>
-              </a:lnSpc>
-              <a:spcBef>
-                <a:spcPts val="0"/>
-              </a:spcBef>
-              <a:spcAft>
-                <a:spcPts val="0"/>
-              </a:spcAft>
+              <a:rPr lang="mr-IN" sz="2000" dirty="0">
+                <a:solidFill>
+                  <a:schemeClr val="bg1"/>
+                </a:solidFill>
+              </a:rPr>
+              <a:t>'</a:t>
+            </a:r>
+            <a:r>
+              <a:rPr lang="mr-IN" sz="2000" dirty="0" err="1">
+                <a:solidFill>
+                  <a:schemeClr val="bg1"/>
+                </a:solidFill>
+              </a:rPr>
+              <a:t>there</a:t>
+            </a:r>
+            <a:r>
+              <a:rPr lang="mr-IN" sz="2000" dirty="0">
+                <a:solidFill>
+                  <a:schemeClr val="bg1"/>
+                </a:solidFill>
+              </a:rPr>
+              <a:t>'</a:t>
+            </a:r>
+            <a:r>
+              <a:rPr lang="mr-IN" sz="2000" dirty="0">
+                <a:solidFill>
+                  <a:schemeClr val="bg1"/>
+                </a:solidFill>
+              </a:rPr>
+              <a:t> </a:t>
+            </a:r>
+            <a:endParaRPr lang="nl-NL" sz="2000" dirty="0" smtClean="0">
+              <a:solidFill>
+                <a:schemeClr val="bg1"/>
+              </a:solidFill>
+            </a:endParaRPr>
+          </a:p>
+          <a:p>
+            <a:pPr lvl="0">
               <a:buClr>
                 <a:srgbClr val="F8F8F8"/>
               </a:buClr>
               <a:buSzPct val="25000"/>
-              <a:buFont typeface="Consolas"/>
-              <a:buNone/>
             </a:pPr>
             <a:r>
-              <a:rPr lang="en-US" sz="1900" b="0" i="0" u="none" strike="noStrike" cap="none" dirty="0">
-                <a:solidFill>
-                  <a:srgbClr val="F8F8F8"/>
-                </a:solidFill>
-                <a:latin typeface="Consolas"/>
-                <a:ea typeface="Consolas"/>
-                <a:cs typeface="Consolas"/>
-                <a:sym typeface="Consolas"/>
-              </a:rPr>
-              <a:t>    foo(a, b) {}</a:t>
-            </a:r>
-          </a:p>
-          <a:p>
-            <a:pPr marL="0" marR="0" lvl="0" indent="0" algn="l" rtl="0">
-              <a:lnSpc>
-                <a:spcPct val="100000"/>
-              </a:lnSpc>
-              <a:spcBef>
-                <a:spcPts val="0"/>
-              </a:spcBef>
-              <a:spcAft>
-                <a:spcPts val="0"/>
-              </a:spcAft>
+              <a:rPr lang="mr-IN" sz="2000" dirty="0" smtClean="0">
+                <a:solidFill>
+                  <a:schemeClr val="bg1"/>
+                </a:solidFill>
+              </a:rPr>
+              <a:t>};</a:t>
+            </a:r>
+            <a:endParaRPr lang="nl-NL" sz="2000" dirty="0" smtClean="0">
+              <a:solidFill>
+                <a:schemeClr val="bg1"/>
+              </a:solidFill>
+            </a:endParaRPr>
+          </a:p>
+          <a:p>
+            <a:pPr lvl="0">
               <a:buClr>
                 <a:srgbClr val="F8F8F8"/>
               </a:buClr>
               <a:buSzPct val="25000"/>
-              <a:buFont typeface="Consolas"/>
-              <a:buNone/>
-            </a:pPr>
-            <a:r>
-              <a:rPr lang="en-US" sz="1900" b="0" i="0" u="none" strike="noStrike" cap="none" dirty="0">
-                <a:solidFill>
-                  <a:srgbClr val="F8F8F8"/>
-                </a:solidFill>
-                <a:latin typeface="Consolas"/>
-                <a:ea typeface="Consolas"/>
-                <a:cs typeface="Consolas"/>
-                <a:sym typeface="Consolas"/>
-              </a:rPr>
-              <a:t>}</a:t>
-            </a:r>
-          </a:p>
-          <a:p>
-            <a:pPr marL="0" marR="0" lvl="0" indent="0" algn="l" rtl="0">
-              <a:lnSpc>
-                <a:spcPct val="100000"/>
-              </a:lnSpc>
-              <a:spcBef>
-                <a:spcPts val="0"/>
-              </a:spcBef>
-              <a:spcAft>
-                <a:spcPts val="0"/>
-              </a:spcAft>
-              <a:buClr>
-                <a:srgbClr val="F8F8F8"/>
-              </a:buClr>
-              <a:buFont typeface="Consolas"/>
-              <a:buNone/>
             </a:pPr>
             <a:endParaRPr sz="1900" b="0" i="0" u="none" strike="noStrike" cap="none" dirty="0">
               <a:solidFill>
-                <a:srgbClr val="F8F8F8"/>
+                <a:schemeClr val="bg1"/>
               </a:solidFill>
               <a:latin typeface="Consolas"/>
               <a:ea typeface="Consolas"/>
               <a:cs typeface="Consolas"/>
               <a:sym typeface="Consolas"/>
             </a:endParaRPr>
-          </a:p>
-          <a:p>
-            <a:pPr marL="0" marR="0" lvl="0" indent="0" algn="l" rtl="0">
-              <a:lnSpc>
-                <a:spcPct val="100000"/>
-              </a:lnSpc>
-              <a:spcBef>
-                <a:spcPts val="0"/>
-              </a:spcBef>
-              <a:spcAft>
-                <a:spcPts val="0"/>
-              </a:spcAft>
-              <a:buClr>
-                <a:srgbClr val="AEAEAE"/>
-              </a:buClr>
-              <a:buSzPct val="25000"/>
-              <a:buFont typeface="Helvetica Neue"/>
-              <a:buNone/>
-            </a:pPr>
-            <a:r>
-              <a:rPr lang="en-US" sz="1900" b="0" i="1" u="none" strike="noStrike" cap="none" dirty="0">
-                <a:solidFill>
-                  <a:srgbClr val="AEAEAE"/>
-                </a:solidFill>
-                <a:latin typeface="Helvetica Neue"/>
-                <a:ea typeface="Helvetica Neue"/>
-                <a:cs typeface="Helvetica Neue"/>
-                <a:sym typeface="Helvetica Neue"/>
-              </a:rPr>
-              <a:t>// Instead of:</a:t>
-            </a:r>
-          </a:p>
-          <a:p>
-            <a:pPr marL="0" marR="0" lvl="0" indent="0" algn="l" rtl="0">
-              <a:lnSpc>
-                <a:spcPct val="100000"/>
-              </a:lnSpc>
-              <a:spcBef>
-                <a:spcPts val="0"/>
-              </a:spcBef>
-              <a:spcAft>
-                <a:spcPts val="0"/>
-              </a:spcAft>
-              <a:buClr>
-                <a:srgbClr val="F8F8F8"/>
-              </a:buClr>
-              <a:buSzPct val="25000"/>
-              <a:buFont typeface="Consolas"/>
-              <a:buNone/>
-            </a:pPr>
-            <a:r>
-              <a:rPr lang="en-US" sz="1900" b="0" i="0" u="none" strike="noStrike" cap="none" dirty="0">
-                <a:solidFill>
-                  <a:srgbClr val="F8F8F8"/>
-                </a:solidFill>
-                <a:latin typeface="Consolas"/>
-                <a:ea typeface="Consolas"/>
-                <a:cs typeface="Consolas"/>
-                <a:sym typeface="Consolas"/>
-              </a:rPr>
-              <a:t>let </a:t>
-            </a:r>
-            <a:r>
-              <a:rPr lang="en-US" sz="1900" b="0" i="0" u="none" strike="noStrike" cap="none" dirty="0" err="1">
-                <a:solidFill>
-                  <a:srgbClr val="F8F8F8"/>
-                </a:solidFill>
-                <a:latin typeface="Consolas"/>
-                <a:ea typeface="Consolas"/>
-                <a:cs typeface="Consolas"/>
-                <a:sym typeface="Consolas"/>
-              </a:rPr>
-              <a:t>obj</a:t>
-            </a:r>
-            <a:r>
-              <a:rPr lang="en-US" sz="1900" b="0" i="0" u="none" strike="noStrike" cap="none" dirty="0">
-                <a:solidFill>
-                  <a:srgbClr val="F8F8F8"/>
-                </a:solidFill>
-                <a:latin typeface="Consolas"/>
-                <a:ea typeface="Consolas"/>
-                <a:cs typeface="Consolas"/>
-                <a:sym typeface="Consolas"/>
-              </a:rPr>
-              <a:t> </a:t>
-            </a:r>
-            <a:r>
-              <a:rPr lang="en-US" sz="1900" b="0" i="0" u="none" strike="noStrike" cap="none" dirty="0">
-                <a:solidFill>
-                  <a:srgbClr val="E28964"/>
-                </a:solidFill>
-                <a:latin typeface="Consolas"/>
-                <a:ea typeface="Consolas"/>
-                <a:cs typeface="Consolas"/>
-                <a:sym typeface="Consolas"/>
-              </a:rPr>
-              <a:t>=</a:t>
-            </a:r>
-            <a:r>
-              <a:rPr lang="en-US" sz="1900" b="0" i="0" u="none" strike="noStrike" cap="none" dirty="0">
-                <a:solidFill>
-                  <a:srgbClr val="F8F8F8"/>
-                </a:solidFill>
-                <a:latin typeface="Consolas"/>
-                <a:ea typeface="Consolas"/>
-                <a:cs typeface="Consolas"/>
-                <a:sym typeface="Consolas"/>
-              </a:rPr>
-              <a:t> { </a:t>
-            </a:r>
-            <a:r>
-              <a:rPr lang="en-US" sz="1900" b="0" i="0" u="none" strike="noStrike" cap="none" dirty="0">
-                <a:solidFill>
-                  <a:srgbClr val="89BDFF"/>
-                </a:solidFill>
-                <a:latin typeface="Consolas"/>
-                <a:ea typeface="Consolas"/>
-                <a:cs typeface="Consolas"/>
-                <a:sym typeface="Consolas"/>
-              </a:rPr>
-              <a:t>foo</a:t>
-            </a:r>
-            <a:r>
-              <a:rPr lang="en-US" sz="1900" b="0" i="0" u="none" strike="noStrike" cap="none" dirty="0">
-                <a:solidFill>
-                  <a:srgbClr val="F8F8F8"/>
-                </a:solidFill>
-                <a:latin typeface="Consolas"/>
-                <a:ea typeface="Consolas"/>
-                <a:cs typeface="Consolas"/>
-                <a:sym typeface="Consolas"/>
-              </a:rPr>
-              <a:t>: </a:t>
-            </a:r>
-            <a:r>
-              <a:rPr lang="en-US" sz="1900" b="0" i="0" u="none" strike="noStrike" cap="none" dirty="0">
-                <a:solidFill>
-                  <a:srgbClr val="99CF50"/>
-                </a:solidFill>
-                <a:latin typeface="Consolas"/>
-                <a:ea typeface="Consolas"/>
-                <a:cs typeface="Consolas"/>
-                <a:sym typeface="Consolas"/>
-              </a:rPr>
-              <a:t>function</a:t>
-            </a:r>
-            <a:r>
-              <a:rPr lang="en-US" sz="1900" b="0" i="0" u="none" strike="noStrike" cap="none" dirty="0">
-                <a:solidFill>
-                  <a:srgbClr val="F8F8F8"/>
-                </a:solidFill>
-                <a:latin typeface="Consolas"/>
-                <a:ea typeface="Consolas"/>
-                <a:cs typeface="Consolas"/>
-                <a:sym typeface="Consolas"/>
-              </a:rPr>
-              <a:t>(a, b) {}}</a:t>
-            </a:r>
-          </a:p>
-          <a:p>
-            <a:pPr marL="0" marR="0" lvl="0" indent="0" algn="l" rtl="0">
-              <a:lnSpc>
-                <a:spcPct val="100000"/>
-              </a:lnSpc>
-              <a:spcBef>
-                <a:spcPts val="0"/>
-              </a:spcBef>
-              <a:spcAft>
-                <a:spcPts val="0"/>
-              </a:spcAft>
-              <a:buClr>
-                <a:srgbClr val="F8F8F8"/>
-              </a:buClr>
-              <a:buSzPct val="25000"/>
-              <a:buFont typeface="Consolas"/>
-              <a:buNone/>
-            </a:pPr>
-            <a:r>
-              <a:rPr lang="en-US" sz="1900" b="0" i="0" u="none" strike="noStrike" cap="none" dirty="0" err="1">
-                <a:solidFill>
-                  <a:srgbClr val="F8F8F8"/>
-                </a:solidFill>
-                <a:latin typeface="Consolas"/>
-                <a:ea typeface="Consolas"/>
-                <a:cs typeface="Consolas"/>
-                <a:sym typeface="Consolas"/>
-              </a:rPr>
-              <a:t>obj</a:t>
-            </a:r>
-            <a:r>
-              <a:rPr lang="en-US" sz="1900" b="0" i="0" u="none" strike="noStrike" cap="none" dirty="0">
-                <a:solidFill>
-                  <a:srgbClr val="F8F8F8"/>
-                </a:solidFill>
-                <a:latin typeface="Consolas"/>
-                <a:ea typeface="Consolas"/>
-                <a:cs typeface="Consolas"/>
-                <a:sym typeface="Consolas"/>
-              </a:rPr>
-              <a:t>[ </a:t>
-            </a:r>
-            <a:r>
-              <a:rPr lang="en-US" sz="1900" b="0" i="0" u="none" strike="noStrike" cap="none" dirty="0">
-                <a:solidFill>
-                  <a:srgbClr val="65B042"/>
-                </a:solidFill>
-                <a:latin typeface="Consolas"/>
-                <a:ea typeface="Consolas"/>
-                <a:cs typeface="Consolas"/>
-                <a:sym typeface="Consolas"/>
-              </a:rPr>
-              <a:t>"</a:t>
-            </a:r>
-            <a:r>
-              <a:rPr lang="en-US" sz="1900" b="0" i="0" u="none" strike="noStrike" cap="none" dirty="0" err="1">
-                <a:solidFill>
-                  <a:srgbClr val="65B042"/>
-                </a:solidFill>
-                <a:latin typeface="Consolas"/>
-                <a:ea typeface="Consolas"/>
-                <a:cs typeface="Consolas"/>
-                <a:sym typeface="Consolas"/>
-              </a:rPr>
-              <a:t>baz</a:t>
-            </a:r>
-            <a:r>
-              <a:rPr lang="en-US" sz="1900" b="0" i="0" u="none" strike="noStrike" cap="none" dirty="0">
-                <a:solidFill>
-                  <a:srgbClr val="65B042"/>
-                </a:solidFill>
-                <a:latin typeface="Consolas"/>
-                <a:ea typeface="Consolas"/>
-                <a:cs typeface="Consolas"/>
-                <a:sym typeface="Consolas"/>
-              </a:rPr>
-              <a:t>"</a:t>
-            </a:r>
-            <a:r>
-              <a:rPr lang="en-US" sz="1900" b="0" i="0" u="none" strike="noStrike" cap="none" dirty="0">
-                <a:solidFill>
-                  <a:srgbClr val="F8F8F8"/>
-                </a:solidFill>
-                <a:latin typeface="Consolas"/>
-                <a:ea typeface="Consolas"/>
-                <a:cs typeface="Consolas"/>
-                <a:sym typeface="Consolas"/>
-              </a:rPr>
-              <a:t> </a:t>
-            </a:r>
-            <a:r>
-              <a:rPr lang="en-US" sz="1900" b="0" i="0" u="none" strike="noStrike" cap="none" dirty="0">
-                <a:solidFill>
-                  <a:srgbClr val="E28964"/>
-                </a:solidFill>
-                <a:latin typeface="Consolas"/>
-                <a:ea typeface="Consolas"/>
-                <a:cs typeface="Consolas"/>
-                <a:sym typeface="Consolas"/>
-              </a:rPr>
-              <a:t>+</a:t>
-            </a:r>
-            <a:r>
-              <a:rPr lang="en-US" sz="1900" b="0" i="0" u="none" strike="noStrike" cap="none" dirty="0">
-                <a:solidFill>
-                  <a:srgbClr val="F8F8F8"/>
-                </a:solidFill>
-                <a:latin typeface="Consolas"/>
-                <a:ea typeface="Consolas"/>
-                <a:cs typeface="Consolas"/>
-                <a:sym typeface="Consolas"/>
-              </a:rPr>
-              <a:t> </a:t>
-            </a:r>
-            <a:r>
-              <a:rPr lang="en-US" sz="1900" b="0" i="0" u="none" strike="noStrike" cap="none" dirty="0" err="1">
-                <a:solidFill>
-                  <a:srgbClr val="F8F8F8"/>
-                </a:solidFill>
-                <a:latin typeface="Consolas"/>
-                <a:ea typeface="Consolas"/>
-                <a:cs typeface="Consolas"/>
-                <a:sym typeface="Consolas"/>
-              </a:rPr>
-              <a:t>quux</a:t>
-            </a:r>
-            <a:r>
-              <a:rPr lang="en-US" sz="1900" b="0" i="0" u="none" strike="noStrike" cap="none" dirty="0">
-                <a:solidFill>
-                  <a:srgbClr val="F8F8F8"/>
-                </a:solidFill>
-                <a:latin typeface="Consolas"/>
-                <a:ea typeface="Consolas"/>
-                <a:cs typeface="Consolas"/>
-                <a:sym typeface="Consolas"/>
-              </a:rPr>
-              <a:t>() ] </a:t>
-            </a:r>
-            <a:r>
-              <a:rPr lang="en-US" sz="1900" b="0" i="0" u="none" strike="noStrike" cap="none" dirty="0">
-                <a:solidFill>
-                  <a:srgbClr val="E28964"/>
-                </a:solidFill>
-                <a:latin typeface="Consolas"/>
-                <a:ea typeface="Consolas"/>
-                <a:cs typeface="Consolas"/>
-                <a:sym typeface="Consolas"/>
-              </a:rPr>
-              <a:t>=</a:t>
-            </a:r>
-            <a:r>
-              <a:rPr lang="en-US" sz="1900" b="0" i="0" u="none" strike="noStrike" cap="none" dirty="0">
-                <a:solidFill>
-                  <a:srgbClr val="F8F8F8"/>
-                </a:solidFill>
-                <a:latin typeface="Consolas"/>
-                <a:ea typeface="Consolas"/>
-                <a:cs typeface="Consolas"/>
-                <a:sym typeface="Consolas"/>
-              </a:rPr>
-              <a:t> </a:t>
-            </a:r>
-            <a:r>
-              <a:rPr lang="en-US" sz="1900" b="0" i="0" u="none" strike="noStrike" cap="none" dirty="0">
-                <a:solidFill>
-                  <a:srgbClr val="3387CC"/>
-                </a:solidFill>
-                <a:latin typeface="Consolas"/>
-                <a:ea typeface="Consolas"/>
-                <a:cs typeface="Consolas"/>
-                <a:sym typeface="Consolas"/>
-              </a:rPr>
-              <a:t>42</a:t>
-            </a:r>
-            <a:r>
-              <a:rPr lang="en-US" sz="1900" b="0" i="0" u="none" strike="noStrike" cap="none" dirty="0">
-                <a:solidFill>
-                  <a:srgbClr val="F8F8F8"/>
-                </a:solidFill>
-                <a:latin typeface="Consolas"/>
-                <a:ea typeface="Consolas"/>
-                <a:cs typeface="Consolas"/>
-                <a:sym typeface="Consolas"/>
-              </a:rPr>
-              <a:t>;</a:t>
-            </a:r>
           </a:p>
         </p:txBody>
       </p:sp>
@@ -20606,8 +21445,8 @@
         </p:nvSpPr>
         <p:spPr>
           <a:xfrm>
-            <a:off x="1266942" y="1560462"/>
-            <a:ext cx="4779300" cy="2022599"/>
+            <a:off x="1266941" y="1560462"/>
+            <a:ext cx="7088783" cy="3153428"/>
           </a:xfrm>
           <a:prstGeom prst="rect">
             <a:avLst/>
@@ -20641,7 +21480,7 @@
               <a:buNone/>
             </a:pPr>
             <a:r>
-              <a:rPr lang="en-US" sz="2300" b="0" i="1" u="none" strike="noStrike" cap="none">
+              <a:rPr lang="en-US" sz="2300" b="0" i="1" u="none" strike="noStrike" cap="none" dirty="0">
                 <a:solidFill>
                   <a:srgbClr val="AEAEAE"/>
                 </a:solidFill>
@@ -20650,358 +21489,736 @@
                 <a:cs typeface="Helvetica Neue"/>
                 <a:sym typeface="Helvetica Neue"/>
               </a:rPr>
-              <a:t>// Arrays</a:t>
-            </a:r>
-          </a:p>
-          <a:p>
-            <a:pPr marL="0" marR="0" lvl="0" indent="0" algn="l" rtl="0">
-              <a:lnSpc>
-                <a:spcPct val="100000"/>
-              </a:lnSpc>
-              <a:spcBef>
-                <a:spcPts val="0"/>
-              </a:spcBef>
-              <a:spcAft>
-                <a:spcPts val="0"/>
-              </a:spcAft>
+              <a:t>// </a:t>
+            </a:r>
+            <a:r>
+              <a:rPr lang="en-US" sz="2300" b="0" i="1" u="none" strike="noStrike" cap="none" dirty="0" smtClean="0">
+                <a:solidFill>
+                  <a:srgbClr val="AEAEAE"/>
+                </a:solidFill>
+                <a:latin typeface="Helvetica Neue"/>
+                <a:ea typeface="Helvetica Neue"/>
+                <a:cs typeface="Helvetica Neue"/>
+                <a:sym typeface="Helvetica Neue"/>
+              </a:rPr>
+              <a:t>Arrays</a:t>
+            </a:r>
+          </a:p>
+          <a:p>
+            <a:pPr lvl="0">
               <a:buClr>
                 <a:srgbClr val="F8F8F8"/>
               </a:buClr>
               <a:buSzPct val="25000"/>
-              <a:buFont typeface="Consolas"/>
-              <a:buNone/>
             </a:pPr>
             <a:r>
-              <a:rPr lang="en-US" sz="2300" b="0" i="0" u="none" strike="noStrike" cap="none">
-                <a:solidFill>
-                  <a:srgbClr val="F8F8F8"/>
-                </a:solidFill>
-                <a:latin typeface="Consolas"/>
-                <a:ea typeface="Consolas"/>
-                <a:cs typeface="Consolas"/>
-                <a:sym typeface="Consolas"/>
-              </a:rPr>
-              <a:t>let list </a:t>
-            </a:r>
-            <a:r>
-              <a:rPr lang="en-US" sz="2300" b="0" i="0" u="none" strike="noStrike" cap="none">
-                <a:solidFill>
-                  <a:srgbClr val="E28964"/>
-                </a:solidFill>
-                <a:latin typeface="Consolas"/>
-                <a:ea typeface="Consolas"/>
-                <a:cs typeface="Consolas"/>
-                <a:sym typeface="Consolas"/>
+              <a:rPr lang="mr-IN" sz="2400" dirty="0" smtClean="0">
+                <a:solidFill>
+                  <a:schemeClr val="bg1"/>
+                </a:solidFill>
+              </a:rPr>
+              <a:t>[</a:t>
+            </a:r>
+            <a:r>
+              <a:rPr lang="mr-IN" sz="2400" dirty="0" err="1">
+                <a:solidFill>
+                  <a:schemeClr val="bg1"/>
+                </a:solidFill>
+              </a:rPr>
+              <a:t>a</a:t>
+            </a:r>
+            <a:r>
+              <a:rPr lang="mr-IN" sz="2400" dirty="0">
+                <a:solidFill>
+                  <a:schemeClr val="bg1"/>
+                </a:solidFill>
+              </a:rPr>
+              <a:t>,</a:t>
+            </a:r>
+            <a:r>
+              <a:rPr lang="mr-IN" sz="2400" dirty="0">
+                <a:solidFill>
+                  <a:schemeClr val="bg1"/>
+                </a:solidFill>
+              </a:rPr>
+              <a:t> </a:t>
+            </a:r>
+            <a:r>
+              <a:rPr lang="mr-IN" sz="2400" dirty="0" err="1">
+                <a:solidFill>
+                  <a:schemeClr val="bg1"/>
+                </a:solidFill>
+              </a:rPr>
+              <a:t>b</a:t>
+            </a:r>
+            <a:r>
+              <a:rPr lang="mr-IN" sz="2400" dirty="0">
+                <a:solidFill>
+                  <a:schemeClr val="bg1"/>
+                </a:solidFill>
+              </a:rPr>
+              <a:t>,</a:t>
+            </a:r>
+            <a:r>
+              <a:rPr lang="mr-IN" sz="2400" dirty="0">
+                <a:solidFill>
+                  <a:schemeClr val="bg1"/>
+                </a:solidFill>
+              </a:rPr>
+              <a:t> </a:t>
+            </a:r>
+            <a:r>
+              <a:rPr lang="mr-IN" sz="2400" dirty="0">
+                <a:solidFill>
+                  <a:schemeClr val="bg1"/>
+                </a:solidFill>
+              </a:rPr>
+              <a:t>...</a:t>
+            </a:r>
+            <a:r>
+              <a:rPr lang="mr-IN" sz="2400" dirty="0" err="1">
+                <a:solidFill>
+                  <a:schemeClr val="bg1"/>
+                </a:solidFill>
+              </a:rPr>
+              <a:t>rest</a:t>
+            </a:r>
+            <a:r>
+              <a:rPr lang="mr-IN" sz="2400" dirty="0">
+                <a:solidFill>
+                  <a:schemeClr val="bg1"/>
+                </a:solidFill>
+              </a:rPr>
+              <a:t>]</a:t>
+            </a:r>
+            <a:r>
+              <a:rPr lang="mr-IN" sz="2400" dirty="0">
+                <a:solidFill>
+                  <a:schemeClr val="bg1"/>
+                </a:solidFill>
+              </a:rPr>
+              <a:t> </a:t>
+            </a:r>
+            <a:r>
+              <a:rPr lang="mr-IN" sz="2400" dirty="0">
+                <a:solidFill>
+                  <a:schemeClr val="bg1"/>
+                </a:solidFill>
               </a:rPr>
               <a:t>=</a:t>
             </a:r>
             <a:r>
-              <a:rPr lang="en-US" sz="2300" b="0" i="0" u="none" strike="noStrike" cap="none">
-                <a:solidFill>
-                  <a:srgbClr val="F8F8F8"/>
-                </a:solidFill>
-                <a:latin typeface="Consolas"/>
-                <a:ea typeface="Consolas"/>
-                <a:cs typeface="Consolas"/>
-                <a:sym typeface="Consolas"/>
-              </a:rPr>
-              <a:t> [ </a:t>
-            </a:r>
-            <a:r>
-              <a:rPr lang="en-US" sz="2300" b="0" i="0" u="none" strike="noStrike" cap="none">
-                <a:solidFill>
-                  <a:srgbClr val="3387CC"/>
-                </a:solidFill>
-                <a:latin typeface="Consolas"/>
-                <a:ea typeface="Consolas"/>
-                <a:cs typeface="Consolas"/>
-                <a:sym typeface="Consolas"/>
-              </a:rPr>
-              <a:t>1</a:t>
-            </a:r>
-            <a:r>
-              <a:rPr lang="en-US" sz="2300" b="0" i="0" u="none" strike="noStrike" cap="none">
-                <a:solidFill>
-                  <a:srgbClr val="F8F8F8"/>
-                </a:solidFill>
-                <a:latin typeface="Consolas"/>
-                <a:ea typeface="Consolas"/>
-                <a:cs typeface="Consolas"/>
-                <a:sym typeface="Consolas"/>
-              </a:rPr>
-              <a:t>, </a:t>
-            </a:r>
-            <a:r>
-              <a:rPr lang="en-US" sz="2300" b="0" i="0" u="none" strike="noStrike" cap="none">
-                <a:solidFill>
-                  <a:srgbClr val="3387CC"/>
-                </a:solidFill>
-                <a:latin typeface="Consolas"/>
-                <a:ea typeface="Consolas"/>
-                <a:cs typeface="Consolas"/>
-                <a:sym typeface="Consolas"/>
-              </a:rPr>
-              <a:t>2</a:t>
-            </a:r>
-            <a:r>
-              <a:rPr lang="en-US" sz="2300" b="0" i="0" u="none" strike="noStrike" cap="none">
-                <a:solidFill>
-                  <a:srgbClr val="F8F8F8"/>
-                </a:solidFill>
-                <a:latin typeface="Consolas"/>
-                <a:ea typeface="Consolas"/>
-                <a:cs typeface="Consolas"/>
-                <a:sym typeface="Consolas"/>
-              </a:rPr>
-              <a:t>, </a:t>
-            </a:r>
-            <a:r>
-              <a:rPr lang="en-US" sz="2300" b="0" i="0" u="none" strike="noStrike" cap="none">
-                <a:solidFill>
-                  <a:srgbClr val="3387CC"/>
-                </a:solidFill>
-                <a:latin typeface="Consolas"/>
-                <a:ea typeface="Consolas"/>
-                <a:cs typeface="Consolas"/>
-                <a:sym typeface="Consolas"/>
-              </a:rPr>
-              <a:t>3</a:t>
-            </a:r>
-            <a:r>
-              <a:rPr lang="en-US" sz="2300" b="0" i="0" u="none" strike="noStrike" cap="none">
-                <a:solidFill>
-                  <a:srgbClr val="F8F8F8"/>
-                </a:solidFill>
-                <a:latin typeface="Consolas"/>
-                <a:ea typeface="Consolas"/>
-                <a:cs typeface="Consolas"/>
-                <a:sym typeface="Consolas"/>
-              </a:rPr>
-              <a:t> ];</a:t>
-            </a:r>
-          </a:p>
-          <a:p>
-            <a:pPr marL="0" marR="0" lvl="0" indent="0" algn="l" rtl="0">
-              <a:lnSpc>
-                <a:spcPct val="100000"/>
-              </a:lnSpc>
-              <a:spcBef>
-                <a:spcPts val="0"/>
-              </a:spcBef>
-              <a:spcAft>
-                <a:spcPts val="0"/>
-              </a:spcAft>
+              <a:rPr lang="mr-IN" sz="2400" dirty="0">
+                <a:solidFill>
+                  <a:schemeClr val="bg1"/>
+                </a:solidFill>
+              </a:rPr>
+              <a:t> </a:t>
+            </a:r>
+            <a:r>
+              <a:rPr lang="mr-IN" sz="2400" dirty="0">
+                <a:solidFill>
+                  <a:schemeClr val="bg1"/>
+                </a:solidFill>
+              </a:rPr>
+              <a:t>[1,</a:t>
+            </a:r>
+            <a:r>
+              <a:rPr lang="mr-IN" sz="2400" dirty="0">
+                <a:solidFill>
+                  <a:schemeClr val="bg1"/>
+                </a:solidFill>
+              </a:rPr>
+              <a:t> </a:t>
+            </a:r>
+            <a:r>
+              <a:rPr lang="mr-IN" sz="2400" dirty="0">
+                <a:solidFill>
+                  <a:schemeClr val="bg1"/>
+                </a:solidFill>
+              </a:rPr>
+              <a:t>2,</a:t>
+            </a:r>
+            <a:r>
+              <a:rPr lang="mr-IN" sz="2400" dirty="0">
+                <a:solidFill>
+                  <a:schemeClr val="bg1"/>
+                </a:solidFill>
+              </a:rPr>
+              <a:t> </a:t>
+            </a:r>
+            <a:r>
+              <a:rPr lang="mr-IN" sz="2400" dirty="0">
+                <a:solidFill>
+                  <a:schemeClr val="bg1"/>
+                </a:solidFill>
+              </a:rPr>
+              <a:t>3,</a:t>
+            </a:r>
+            <a:r>
+              <a:rPr lang="mr-IN" sz="2400" dirty="0">
+                <a:solidFill>
+                  <a:schemeClr val="bg1"/>
+                </a:solidFill>
+              </a:rPr>
+              <a:t> </a:t>
+            </a:r>
+            <a:r>
+              <a:rPr lang="mr-IN" sz="2400" dirty="0">
+                <a:solidFill>
+                  <a:schemeClr val="bg1"/>
+                </a:solidFill>
+              </a:rPr>
+              <a:t>4,</a:t>
+            </a:r>
+            <a:r>
+              <a:rPr lang="mr-IN" sz="2400" dirty="0">
+                <a:solidFill>
+                  <a:schemeClr val="bg1"/>
+                </a:solidFill>
+              </a:rPr>
+              <a:t> </a:t>
+            </a:r>
+            <a:r>
+              <a:rPr lang="mr-IN" sz="2400" dirty="0">
+                <a:solidFill>
+                  <a:schemeClr val="bg1"/>
+                </a:solidFill>
+              </a:rPr>
+              <a:t>5];</a:t>
+            </a:r>
+            <a:r>
+              <a:rPr lang="mr-IN" sz="2400" dirty="0">
+                <a:solidFill>
+                  <a:schemeClr val="bg1"/>
+                </a:solidFill>
+              </a:rPr>
+              <a:t> </a:t>
+            </a:r>
+            <a:endParaRPr lang="nl-NL" sz="2400" dirty="0" smtClean="0">
+              <a:solidFill>
+                <a:schemeClr val="bg1"/>
+              </a:solidFill>
+            </a:endParaRPr>
+          </a:p>
+          <a:p>
+            <a:pPr lvl="0">
               <a:buClr>
                 <a:srgbClr val="F8F8F8"/>
               </a:buClr>
               <a:buSzPct val="25000"/>
-              <a:buFont typeface="Consolas"/>
-              <a:buNone/>
             </a:pPr>
             <a:r>
-              <a:rPr lang="en-US" sz="2300" b="0" i="0" u="none" strike="noStrike" cap="none">
-                <a:solidFill>
-                  <a:srgbClr val="F8F8F8"/>
-                </a:solidFill>
-                <a:latin typeface="Consolas"/>
-                <a:ea typeface="Consolas"/>
-                <a:cs typeface="Consolas"/>
-                <a:sym typeface="Consolas"/>
-              </a:rPr>
-              <a:t>let [ a, , b ] </a:t>
-            </a:r>
-            <a:r>
-              <a:rPr lang="en-US" sz="2300" b="0" i="0" u="none" strike="noStrike" cap="none">
-                <a:solidFill>
-                  <a:srgbClr val="E28964"/>
-                </a:solidFill>
-                <a:latin typeface="Consolas"/>
-                <a:ea typeface="Consolas"/>
-                <a:cs typeface="Consolas"/>
-                <a:sym typeface="Consolas"/>
+              <a:rPr lang="mr-IN" sz="2400" dirty="0" err="1" smtClean="0">
+                <a:solidFill>
+                  <a:schemeClr val="bg1"/>
+                </a:solidFill>
+              </a:rPr>
+              <a:t>console.log</a:t>
+            </a:r>
+            <a:r>
+              <a:rPr lang="mr-IN" sz="2400" dirty="0" smtClean="0">
+                <a:solidFill>
+                  <a:schemeClr val="bg1"/>
+                </a:solidFill>
+              </a:rPr>
+              <a:t>(</a:t>
+            </a:r>
+            <a:r>
+              <a:rPr lang="mr-IN" sz="2400" dirty="0" err="1" smtClean="0">
+                <a:solidFill>
+                  <a:schemeClr val="bg1"/>
+                </a:solidFill>
+              </a:rPr>
+              <a:t>a</a:t>
+            </a:r>
+            <a:r>
+              <a:rPr lang="mr-IN" sz="2400" dirty="0">
+                <a:solidFill>
+                  <a:schemeClr val="bg1"/>
+                </a:solidFill>
+              </a:rPr>
+              <a:t>);</a:t>
+            </a:r>
+            <a:r>
+              <a:rPr lang="mr-IN" sz="2400" dirty="0">
+                <a:solidFill>
+                  <a:schemeClr val="bg1"/>
+                </a:solidFill>
+              </a:rPr>
+              <a:t> </a:t>
+            </a:r>
+            <a:r>
+              <a:rPr lang="mr-IN" sz="2400" dirty="0">
+                <a:solidFill>
+                  <a:schemeClr val="bg1"/>
+                </a:solidFill>
+              </a:rPr>
+              <a:t>// 1</a:t>
+            </a:r>
+            <a:r>
+              <a:rPr lang="mr-IN" sz="2400" dirty="0">
+                <a:solidFill>
+                  <a:schemeClr val="bg1"/>
+                </a:solidFill>
+              </a:rPr>
+              <a:t> </a:t>
+            </a:r>
+            <a:endParaRPr lang="nl-NL" sz="2400" dirty="0" smtClean="0">
+              <a:solidFill>
+                <a:schemeClr val="bg1"/>
+              </a:solidFill>
+            </a:endParaRPr>
+          </a:p>
+          <a:p>
+            <a:pPr lvl="0">
+              <a:buClr>
+                <a:srgbClr val="F8F8F8"/>
+              </a:buClr>
+              <a:buSzPct val="25000"/>
+            </a:pPr>
+            <a:r>
+              <a:rPr lang="mr-IN" sz="2400" dirty="0" err="1" smtClean="0">
+                <a:solidFill>
+                  <a:schemeClr val="bg1"/>
+                </a:solidFill>
+              </a:rPr>
+              <a:t>console.log</a:t>
+            </a:r>
+            <a:r>
+              <a:rPr lang="mr-IN" sz="2400" dirty="0" smtClean="0">
+                <a:solidFill>
+                  <a:schemeClr val="bg1"/>
+                </a:solidFill>
+              </a:rPr>
+              <a:t>(</a:t>
+            </a:r>
+            <a:r>
+              <a:rPr lang="mr-IN" sz="2400" dirty="0" err="1" smtClean="0">
+                <a:solidFill>
+                  <a:schemeClr val="bg1"/>
+                </a:solidFill>
+              </a:rPr>
+              <a:t>b</a:t>
+            </a:r>
+            <a:r>
+              <a:rPr lang="mr-IN" sz="2400" dirty="0">
+                <a:solidFill>
+                  <a:schemeClr val="bg1"/>
+                </a:solidFill>
+              </a:rPr>
+              <a:t>);</a:t>
+            </a:r>
+            <a:r>
+              <a:rPr lang="mr-IN" sz="2400" dirty="0">
+                <a:solidFill>
+                  <a:schemeClr val="bg1"/>
+                </a:solidFill>
+              </a:rPr>
+              <a:t> </a:t>
+            </a:r>
+            <a:r>
+              <a:rPr lang="mr-IN" sz="2400" dirty="0">
+                <a:solidFill>
+                  <a:schemeClr val="bg1"/>
+                </a:solidFill>
+              </a:rPr>
+              <a:t>// 2</a:t>
+            </a:r>
+            <a:r>
+              <a:rPr lang="mr-IN" sz="2400" dirty="0">
+                <a:solidFill>
+                  <a:schemeClr val="bg1"/>
+                </a:solidFill>
+              </a:rPr>
+              <a:t> </a:t>
+            </a:r>
+            <a:endParaRPr lang="nl-NL" sz="2400" dirty="0" smtClean="0">
+              <a:solidFill>
+                <a:schemeClr val="bg1"/>
+              </a:solidFill>
+            </a:endParaRPr>
+          </a:p>
+          <a:p>
+            <a:pPr lvl="0">
+              <a:buClr>
+                <a:srgbClr val="F8F8F8"/>
+              </a:buClr>
+              <a:buSzPct val="25000"/>
+            </a:pPr>
+            <a:r>
+              <a:rPr lang="nl-NL" sz="2400" dirty="0" smtClean="0">
+                <a:solidFill>
+                  <a:schemeClr val="bg1"/>
+                </a:solidFill>
+              </a:rPr>
+              <a:t>c</a:t>
+            </a:r>
+            <a:r>
+              <a:rPr lang="mr-IN" sz="2400" dirty="0" err="1" smtClean="0">
+                <a:solidFill>
+                  <a:schemeClr val="bg1"/>
+                </a:solidFill>
+              </a:rPr>
+              <a:t>onsole.log</a:t>
+            </a:r>
+            <a:r>
+              <a:rPr lang="mr-IN" sz="2400" dirty="0" smtClean="0">
+                <a:solidFill>
+                  <a:schemeClr val="bg1"/>
+                </a:solidFill>
+              </a:rPr>
+              <a:t>(</a:t>
+            </a:r>
+            <a:r>
+              <a:rPr lang="mr-IN" sz="2400" dirty="0" err="1" smtClean="0">
+                <a:solidFill>
+                  <a:schemeClr val="bg1"/>
+                </a:solidFill>
+              </a:rPr>
+              <a:t>rest</a:t>
+            </a:r>
+            <a:r>
+              <a:rPr lang="mr-IN" sz="2400" dirty="0">
+                <a:solidFill>
+                  <a:schemeClr val="bg1"/>
+                </a:solidFill>
+              </a:rPr>
+              <a:t>);</a:t>
+            </a:r>
+            <a:r>
+              <a:rPr lang="mr-IN" sz="2400" dirty="0">
+                <a:solidFill>
+                  <a:schemeClr val="bg1"/>
+                </a:solidFill>
+              </a:rPr>
+              <a:t> </a:t>
+            </a:r>
+            <a:r>
+              <a:rPr lang="mr-IN" sz="2400" dirty="0">
+                <a:solidFill>
+                  <a:schemeClr val="bg1"/>
+                </a:solidFill>
+              </a:rPr>
+              <a:t>// [3, 4, 5] </a:t>
+            </a:r>
+            <a:endParaRPr lang="nl-NL" sz="2400" dirty="0" smtClean="0">
+              <a:solidFill>
+                <a:schemeClr val="bg1"/>
+              </a:solidFill>
+            </a:endParaRPr>
+          </a:p>
+          <a:p>
+            <a:pPr lvl="0">
+              <a:buClr>
+                <a:srgbClr val="F8F8F8"/>
+              </a:buClr>
+              <a:buSzPct val="25000"/>
+            </a:pPr>
+            <a:endParaRPr lang="nl-NL" sz="2400" dirty="0" smtClean="0">
+              <a:solidFill>
+                <a:schemeClr val="bg1"/>
+              </a:solidFill>
+            </a:endParaRPr>
+          </a:p>
+          <a:p>
+            <a:pPr lvl="0">
+              <a:buClr>
+                <a:srgbClr val="F8F8F8"/>
+              </a:buClr>
+              <a:buSzPct val="25000"/>
+            </a:pPr>
+            <a:r>
+              <a:rPr lang="en-US" sz="2300" b="0" i="1" u="none" strike="noStrike" cap="none" dirty="0" smtClean="0">
+                <a:solidFill>
+                  <a:srgbClr val="AEAEAE"/>
+                </a:solidFill>
+                <a:latin typeface="Helvetica Neue"/>
+                <a:ea typeface="Helvetica Neue"/>
+                <a:cs typeface="Helvetica Neue"/>
+                <a:sym typeface="Helvetica Neue"/>
+              </a:rPr>
+              <a:t>// </a:t>
+            </a:r>
+            <a:r>
+              <a:rPr lang="en-US" sz="2300" b="0" i="1" u="none" strike="noStrike" cap="none" dirty="0">
+                <a:solidFill>
+                  <a:srgbClr val="AEAEAE"/>
+                </a:solidFill>
+                <a:latin typeface="Helvetica Neue"/>
+                <a:ea typeface="Helvetica Neue"/>
+                <a:cs typeface="Helvetica Neue"/>
+                <a:sym typeface="Helvetica Neue"/>
+              </a:rPr>
+              <a:t>Objects</a:t>
+            </a:r>
+          </a:p>
+          <a:p>
+            <a:pPr lvl="0">
+              <a:buClr>
+                <a:srgbClr val="F8F8F8"/>
+              </a:buClr>
+              <a:buSzPct val="25000"/>
+            </a:pPr>
+            <a:r>
+              <a:rPr lang="mr-IN" sz="2400" dirty="0">
+                <a:solidFill>
+                  <a:schemeClr val="bg1"/>
+                </a:solidFill>
+              </a:rPr>
+              <a:t>({</a:t>
+            </a:r>
+            <a:r>
+              <a:rPr lang="mr-IN" sz="2400" dirty="0" err="1">
+                <a:solidFill>
+                  <a:schemeClr val="bg1"/>
+                </a:solidFill>
+              </a:rPr>
+              <a:t>a</a:t>
+            </a:r>
+            <a:r>
+              <a:rPr lang="mr-IN" sz="2400" dirty="0">
+                <a:solidFill>
+                  <a:schemeClr val="bg1"/>
+                </a:solidFill>
+              </a:rPr>
+              <a:t>,</a:t>
+            </a:r>
+            <a:r>
+              <a:rPr lang="mr-IN" sz="2400" dirty="0">
+                <a:solidFill>
+                  <a:schemeClr val="bg1"/>
+                </a:solidFill>
+              </a:rPr>
+              <a:t> </a:t>
+            </a:r>
+            <a:r>
+              <a:rPr lang="mr-IN" sz="2400" dirty="0" err="1">
+                <a:solidFill>
+                  <a:schemeClr val="bg1"/>
+                </a:solidFill>
+              </a:rPr>
+              <a:t>b</a:t>
+            </a:r>
+            <a:r>
+              <a:rPr lang="mr-IN" sz="2400" dirty="0">
+                <a:solidFill>
+                  <a:schemeClr val="bg1"/>
+                </a:solidFill>
+              </a:rPr>
+              <a:t>}</a:t>
+            </a:r>
+            <a:r>
+              <a:rPr lang="mr-IN" sz="2400" dirty="0">
+                <a:solidFill>
+                  <a:schemeClr val="bg1"/>
+                </a:solidFill>
+              </a:rPr>
+              <a:t> </a:t>
+            </a:r>
+            <a:r>
+              <a:rPr lang="mr-IN" sz="2400" dirty="0">
+                <a:solidFill>
+                  <a:schemeClr val="bg1"/>
+                </a:solidFill>
               </a:rPr>
               <a:t>=</a:t>
             </a:r>
             <a:r>
-              <a:rPr lang="en-US" sz="2300" b="0" i="0" u="none" strike="noStrike" cap="none">
-                <a:solidFill>
-                  <a:srgbClr val="F8F8F8"/>
-                </a:solidFill>
-                <a:latin typeface="Consolas"/>
-                <a:ea typeface="Consolas"/>
-                <a:cs typeface="Consolas"/>
-                <a:sym typeface="Consolas"/>
-              </a:rPr>
-              <a:t> list;</a:t>
-            </a:r>
-          </a:p>
-          <a:p>
-            <a:pPr marL="0" marR="0" lvl="0" indent="0" algn="l" rtl="0">
-              <a:lnSpc>
-                <a:spcPct val="100000"/>
-              </a:lnSpc>
-              <a:spcBef>
-                <a:spcPts val="0"/>
-              </a:spcBef>
-              <a:spcAft>
-                <a:spcPts val="0"/>
-              </a:spcAft>
+              <a:rPr lang="mr-IN" sz="2400" dirty="0">
+                <a:solidFill>
+                  <a:schemeClr val="bg1"/>
+                </a:solidFill>
+              </a:rPr>
+              <a:t> </a:t>
+            </a:r>
+            <a:r>
+              <a:rPr lang="mr-IN" sz="2400" dirty="0">
+                <a:solidFill>
+                  <a:schemeClr val="bg1"/>
+                </a:solidFill>
+              </a:rPr>
+              <a:t>{</a:t>
+            </a:r>
+            <a:r>
+              <a:rPr lang="mr-IN" sz="2400" dirty="0">
+                <a:solidFill>
+                  <a:schemeClr val="bg1"/>
+                </a:solidFill>
+              </a:rPr>
+              <a:t>a</a:t>
+            </a:r>
+            <a:r>
+              <a:rPr lang="mr-IN" sz="2400" dirty="0">
+                <a:solidFill>
+                  <a:schemeClr val="bg1"/>
+                </a:solidFill>
+              </a:rPr>
+              <a:t>:1,</a:t>
+            </a:r>
+            <a:r>
+              <a:rPr lang="mr-IN" sz="2400" dirty="0">
+                <a:solidFill>
+                  <a:schemeClr val="bg1"/>
+                </a:solidFill>
+              </a:rPr>
+              <a:t> b</a:t>
+            </a:r>
+            <a:r>
+              <a:rPr lang="mr-IN" sz="2400" dirty="0">
+                <a:solidFill>
+                  <a:schemeClr val="bg1"/>
+                </a:solidFill>
+              </a:rPr>
+              <a:t>:2});</a:t>
+            </a:r>
+            <a:r>
+              <a:rPr lang="mr-IN" sz="2400" dirty="0">
+                <a:solidFill>
+                  <a:schemeClr val="bg1"/>
+                </a:solidFill>
+              </a:rPr>
+              <a:t> </a:t>
+            </a:r>
+            <a:endParaRPr lang="nl-NL" sz="2400" dirty="0" smtClean="0">
+              <a:solidFill>
+                <a:schemeClr val="bg1"/>
+              </a:solidFill>
+            </a:endParaRPr>
+          </a:p>
+          <a:p>
+            <a:pPr lvl="0">
               <a:buClr>
                 <a:srgbClr val="F8F8F8"/>
               </a:buClr>
               <a:buSzPct val="25000"/>
-              <a:buFont typeface="Consolas"/>
-              <a:buNone/>
             </a:pPr>
             <a:r>
-              <a:rPr lang="en-US" sz="2300" b="0" i="0" u="none" strike="noStrike" cap="none">
-                <a:solidFill>
-                  <a:srgbClr val="F8F8F8"/>
-                </a:solidFill>
-                <a:latin typeface="Consolas"/>
-                <a:ea typeface="Consolas"/>
-                <a:cs typeface="Consolas"/>
-                <a:sym typeface="Consolas"/>
-              </a:rPr>
-              <a:t>[ b, a ] </a:t>
-            </a:r>
-            <a:r>
-              <a:rPr lang="en-US" sz="2300" b="0" i="0" u="none" strike="noStrike" cap="none">
-                <a:solidFill>
-                  <a:srgbClr val="E28964"/>
-                </a:solidFill>
-                <a:latin typeface="Consolas"/>
-                <a:ea typeface="Consolas"/>
-                <a:cs typeface="Consolas"/>
-                <a:sym typeface="Consolas"/>
-              </a:rPr>
-              <a:t>=</a:t>
-            </a:r>
-            <a:r>
-              <a:rPr lang="en-US" sz="2300" b="0" i="0" u="none" strike="noStrike" cap="none">
-                <a:solidFill>
-                  <a:srgbClr val="F8F8F8"/>
-                </a:solidFill>
-                <a:latin typeface="Consolas"/>
-                <a:ea typeface="Consolas"/>
-                <a:cs typeface="Consolas"/>
-                <a:sym typeface="Consolas"/>
-              </a:rPr>
-              <a:t> [ a, b ];</a:t>
-            </a:r>
-          </a:p>
-          <a:p>
-            <a:pPr marL="0" marR="0" lvl="0" indent="0" algn="l" rtl="0">
-              <a:lnSpc>
-                <a:spcPct val="100000"/>
-              </a:lnSpc>
-              <a:spcBef>
-                <a:spcPts val="0"/>
-              </a:spcBef>
-              <a:spcAft>
-                <a:spcPts val="0"/>
-              </a:spcAft>
+              <a:rPr lang="mr-IN" sz="2400" dirty="0" err="1" smtClean="0">
+                <a:solidFill>
+                  <a:schemeClr val="bg1"/>
+                </a:solidFill>
+              </a:rPr>
+              <a:t>console.log</a:t>
+            </a:r>
+            <a:r>
+              <a:rPr lang="mr-IN" sz="2400" dirty="0" smtClean="0">
+                <a:solidFill>
+                  <a:schemeClr val="bg1"/>
+                </a:solidFill>
+              </a:rPr>
+              <a:t>(</a:t>
+            </a:r>
+            <a:r>
+              <a:rPr lang="mr-IN" sz="2400" dirty="0" err="1" smtClean="0">
+                <a:solidFill>
+                  <a:schemeClr val="bg1"/>
+                </a:solidFill>
+              </a:rPr>
+              <a:t>a</a:t>
+            </a:r>
+            <a:r>
+              <a:rPr lang="mr-IN" sz="2400" dirty="0">
+                <a:solidFill>
+                  <a:schemeClr val="bg1"/>
+                </a:solidFill>
+              </a:rPr>
+              <a:t>);</a:t>
+            </a:r>
+            <a:r>
+              <a:rPr lang="mr-IN" sz="2400" dirty="0">
+                <a:solidFill>
+                  <a:schemeClr val="bg1"/>
+                </a:solidFill>
+              </a:rPr>
+              <a:t> </a:t>
+            </a:r>
+            <a:r>
+              <a:rPr lang="mr-IN" sz="2400" dirty="0">
+                <a:solidFill>
+                  <a:schemeClr val="bg1"/>
+                </a:solidFill>
+              </a:rPr>
+              <a:t>// 1</a:t>
+            </a:r>
+            <a:r>
+              <a:rPr lang="mr-IN" sz="2400" dirty="0">
+                <a:solidFill>
+                  <a:schemeClr val="bg1"/>
+                </a:solidFill>
+              </a:rPr>
+              <a:t> </a:t>
+            </a:r>
+            <a:endParaRPr lang="nl-NL" sz="2400" dirty="0" smtClean="0">
+              <a:solidFill>
+                <a:schemeClr val="bg1"/>
+              </a:solidFill>
+            </a:endParaRPr>
+          </a:p>
+          <a:p>
+            <a:pPr lvl="0">
               <a:buClr>
                 <a:srgbClr val="F8F8F8"/>
               </a:buClr>
-              <a:buFont typeface="Consolas"/>
-              <a:buNone/>
+              <a:buSzPct val="25000"/>
             </a:pPr>
-            <a:endParaRPr sz="2300" b="0" i="0" u="none" strike="noStrike" cap="none">
+            <a:r>
+              <a:rPr lang="mr-IN" sz="2400" dirty="0" err="1" smtClean="0">
+                <a:solidFill>
+                  <a:schemeClr val="bg1"/>
+                </a:solidFill>
+              </a:rPr>
+              <a:t>console.log</a:t>
+            </a:r>
+            <a:r>
+              <a:rPr lang="mr-IN" sz="2400" dirty="0" smtClean="0">
+                <a:solidFill>
+                  <a:schemeClr val="bg1"/>
+                </a:solidFill>
+              </a:rPr>
+              <a:t>(</a:t>
+            </a:r>
+            <a:r>
+              <a:rPr lang="mr-IN" sz="2400" dirty="0" err="1" smtClean="0">
+                <a:solidFill>
+                  <a:schemeClr val="bg1"/>
+                </a:solidFill>
+              </a:rPr>
+              <a:t>b</a:t>
+            </a:r>
+            <a:r>
+              <a:rPr lang="mr-IN" sz="2400" dirty="0">
+                <a:solidFill>
+                  <a:schemeClr val="bg1"/>
+                </a:solidFill>
+              </a:rPr>
+              <a:t>);</a:t>
+            </a:r>
+            <a:r>
+              <a:rPr lang="mr-IN" sz="2400" dirty="0">
+                <a:solidFill>
+                  <a:schemeClr val="bg1"/>
+                </a:solidFill>
+              </a:rPr>
+              <a:t> </a:t>
+            </a:r>
+            <a:r>
+              <a:rPr lang="mr-IN" sz="2400" dirty="0">
+                <a:solidFill>
+                  <a:schemeClr val="bg1"/>
+                </a:solidFill>
+              </a:rPr>
+              <a:t>// 2</a:t>
+            </a:r>
+            <a:endParaRPr lang="en-US" sz="2300" b="0" i="0" u="none" strike="noStrike" cap="none" dirty="0">
               <a:solidFill>
-                <a:srgbClr val="F8F8F8"/>
+                <a:schemeClr val="bg1"/>
               </a:solidFill>
               <a:latin typeface="Consolas"/>
               <a:ea typeface="Consolas"/>
               <a:cs typeface="Consolas"/>
               <a:sym typeface="Consolas"/>
             </a:endParaRPr>
-          </a:p>
-          <a:p>
-            <a:pPr marL="0" marR="0" lvl="0" indent="0" algn="l" rtl="0">
-              <a:lnSpc>
-                <a:spcPct val="100000"/>
-              </a:lnSpc>
-              <a:spcBef>
-                <a:spcPts val="0"/>
-              </a:spcBef>
-              <a:spcAft>
-                <a:spcPts val="0"/>
-              </a:spcAft>
-              <a:buClr>
-                <a:srgbClr val="AEAEAE"/>
-              </a:buClr>
-              <a:buSzPct val="25000"/>
-              <a:buFont typeface="Helvetica Neue"/>
-              <a:buNone/>
-            </a:pPr>
-            <a:r>
-              <a:rPr lang="en-US" sz="2300" b="0" i="1" u="none" strike="noStrike" cap="none">
-                <a:solidFill>
-                  <a:srgbClr val="AEAEAE"/>
-                </a:solidFill>
-                <a:latin typeface="Helvetica Neue"/>
-                <a:ea typeface="Helvetica Neue"/>
-                <a:cs typeface="Helvetica Neue"/>
-                <a:sym typeface="Helvetica Neue"/>
-              </a:rPr>
-              <a:t>// Objects</a:t>
-            </a:r>
-          </a:p>
-          <a:p>
-            <a:pPr marL="0" marR="0" lvl="0" indent="0" algn="l" rtl="0">
-              <a:lnSpc>
-                <a:spcPct val="100000"/>
-              </a:lnSpc>
-              <a:spcBef>
-                <a:spcPts val="0"/>
-              </a:spcBef>
-              <a:spcAft>
-                <a:spcPts val="0"/>
-              </a:spcAft>
-              <a:buClr>
-                <a:srgbClr val="F8F8F8"/>
-              </a:buClr>
-              <a:buSzPct val="25000"/>
-              <a:buFont typeface="Consolas"/>
-              <a:buNone/>
-            </a:pPr>
-            <a:r>
-              <a:rPr lang="en-US" sz="2300" b="0" i="0" u="none" strike="noStrike" cap="none">
-                <a:solidFill>
-                  <a:srgbClr val="F8F8F8"/>
-                </a:solidFill>
-                <a:latin typeface="Consolas"/>
-                <a:ea typeface="Consolas"/>
-                <a:cs typeface="Consolas"/>
-                <a:sym typeface="Consolas"/>
-              </a:rPr>
-              <a:t>let { op, lhs, rhs } </a:t>
-            </a:r>
-            <a:r>
-              <a:rPr lang="en-US" sz="2300" b="0" i="0" u="none" strike="noStrike" cap="none">
-                <a:solidFill>
-                  <a:srgbClr val="E28964"/>
-                </a:solidFill>
-                <a:latin typeface="Consolas"/>
-                <a:ea typeface="Consolas"/>
-                <a:cs typeface="Consolas"/>
-                <a:sym typeface="Consolas"/>
-              </a:rPr>
-              <a:t>=</a:t>
-            </a:r>
-            <a:r>
-              <a:rPr lang="en-US" sz="2300" b="0" i="0" u="none" strike="noStrike" cap="none">
-                <a:solidFill>
-                  <a:srgbClr val="F8F8F8"/>
-                </a:solidFill>
-                <a:latin typeface="Consolas"/>
-                <a:ea typeface="Consolas"/>
-                <a:cs typeface="Consolas"/>
-                <a:sym typeface="Consolas"/>
-              </a:rPr>
-              <a:t> returnObject();</a:t>
-            </a:r>
           </a:p>
         </p:txBody>
       </p:sp>

--- a/frontend-cursus/ 4 - ECMAScript 6 node-browser.pptx
+++ b/frontend-cursus/ 4 - ECMAScript 6 node-browser.pptx
@@ -21163,7 +21163,7 @@
               <a:buSzPct val="25000"/>
             </a:pPr>
             <a:r>
-              <a:rPr lang="nl-NL" sz="2000">
+              <a:rPr lang="nl-NL" sz="2000" dirty="0">
                 <a:solidFill>
                   <a:schemeClr val="bg1"/>
                 </a:solidFill>
@@ -21171,7 +21171,7 @@
               <a:t> </a:t>
             </a:r>
             <a:r>
-              <a:rPr lang="nl-NL" sz="2000" smtClean="0">
+              <a:rPr lang="nl-NL" sz="2000" dirty="0" smtClean="0">
                 <a:solidFill>
                   <a:schemeClr val="bg1"/>
                 </a:solidFill>
@@ -21179,7 +21179,7 @@
               <a:t>      </a:t>
             </a:r>
             <a:r>
-              <a:rPr lang="mr-IN" sz="2000" smtClean="0">
+              <a:rPr lang="mr-IN" sz="2000" dirty="0" smtClean="0">
                 <a:solidFill>
                   <a:schemeClr val="bg1"/>
                 </a:solidFill>

--- a/frontend-cursus/ 4 - ECMAScript 6 node-browser.pptx
+++ b/frontend-cursus/ 4 - ECMAScript 6 node-browser.pptx
@@ -5,7 +5,7 @@
     <p:sldMasterId id="2147483660" r:id="rId1"/>
   </p:sldMasterIdLst>
   <p:notesMasterIdLst>
-    <p:notesMasterId r:id="rId43"/>
+    <p:notesMasterId r:id="rId45"/>
   </p:notesMasterIdLst>
   <p:sldIdLst>
     <p:sldId id="256" r:id="rId2"/>
@@ -38,17 +38,19 @@
     <p:sldId id="281" r:id="rId29"/>
     <p:sldId id="282" r:id="rId30"/>
     <p:sldId id="285" r:id="rId31"/>
-    <p:sldId id="286" r:id="rId32"/>
-    <p:sldId id="287" r:id="rId33"/>
-    <p:sldId id="288" r:id="rId34"/>
-    <p:sldId id="289" r:id="rId35"/>
-    <p:sldId id="290" r:id="rId36"/>
-    <p:sldId id="291" r:id="rId37"/>
-    <p:sldId id="292" r:id="rId38"/>
-    <p:sldId id="293" r:id="rId39"/>
-    <p:sldId id="294" r:id="rId40"/>
-    <p:sldId id="295" r:id="rId41"/>
-    <p:sldId id="296" r:id="rId42"/>
+    <p:sldId id="300" r:id="rId32"/>
+    <p:sldId id="299" r:id="rId33"/>
+    <p:sldId id="286" r:id="rId34"/>
+    <p:sldId id="287" r:id="rId35"/>
+    <p:sldId id="288" r:id="rId36"/>
+    <p:sldId id="289" r:id="rId37"/>
+    <p:sldId id="290" r:id="rId38"/>
+    <p:sldId id="291" r:id="rId39"/>
+    <p:sldId id="292" r:id="rId40"/>
+    <p:sldId id="293" r:id="rId41"/>
+    <p:sldId id="294" r:id="rId42"/>
+    <p:sldId id="295" r:id="rId43"/>
+    <p:sldId id="296" r:id="rId44"/>
   </p:sldIdLst>
   <p:sldSz cx="9144000" cy="5143500" type="screen16x9"/>
   <p:notesSz cx="6858000" cy="9144000"/>
@@ -2480,7 +2482,7 @@
               </a:spcBef>
               <a:buNone/>
             </a:pPr>
-            <a:endParaRPr/>
+            <a:endParaRPr dirty="0"/>
           </a:p>
         </p:txBody>
       </p:sp>
@@ -2496,7 +2498,7 @@
         </p:nvSpPr>
         <p:spPr>
           <a:xfrm>
-            <a:off x="380999" y="685800"/>
+            <a:off x="381000" y="685800"/>
             <a:ext cx="6096000" cy="3429000"/>
           </a:xfrm>
           <a:custGeom>
@@ -3530,9 +3532,43 @@
               <a:buNone/>
             </a:pPr>
             <a:r>
-              <a:rPr lang="en-US"/>
-              <a:t>export compare to public in Java .</a:t>
-            </a:r>
+              <a:rPr lang="en-US" dirty="0"/>
+              <a:t>export compare to </a:t>
+            </a:r>
+            <a:r>
+              <a:rPr lang="en-US" dirty="0" smtClean="0"/>
+              <a:t>public </a:t>
+            </a:r>
+            <a:r>
+              <a:rPr lang="en-US" dirty="0"/>
+              <a:t>in Java </a:t>
+            </a:r>
+            <a:r>
+              <a:rPr lang="en-US" dirty="0" smtClean="0"/>
+              <a:t>.</a:t>
+            </a:r>
+          </a:p>
+          <a:p>
+            <a:pPr lvl="0">
+              <a:spcBef>
+                <a:spcPts val="0"/>
+              </a:spcBef>
+              <a:buNone/>
+            </a:pPr>
+            <a:endParaRPr lang="en-US" dirty="0" smtClean="0"/>
+          </a:p>
+          <a:p>
+            <a:pPr lvl="0">
+              <a:spcBef>
+                <a:spcPts val="0"/>
+              </a:spcBef>
+              <a:buNone/>
+            </a:pPr>
+            <a:r>
+              <a:rPr lang="en-US" dirty="0" smtClean="0"/>
+              <a:t>http://2ality.com/2014/09/es6-modules-final.html</a:t>
+            </a:r>
+            <a:endParaRPr lang="en-US" dirty="0"/>
           </a:p>
         </p:txBody>
       </p:sp>
@@ -3548,7 +3584,7 @@
         </p:nvSpPr>
         <p:spPr>
           <a:xfrm>
-            <a:off x="380999" y="685800"/>
+            <a:off x="381000" y="685800"/>
             <a:ext cx="6096000" cy="3429000"/>
           </a:xfrm>
           <a:custGeom>
@@ -3649,7 +3685,7 @@
         </p:nvSpPr>
         <p:spPr>
           <a:xfrm>
-            <a:off x="380999" y="685800"/>
+            <a:off x="381000" y="685800"/>
             <a:ext cx="6096000" cy="3429000"/>
           </a:xfrm>
           <a:custGeom>
@@ -4457,7 +4493,7 @@
         </p:nvSpPr>
         <p:spPr>
           <a:xfrm>
-            <a:off x="380999" y="685800"/>
+            <a:off x="381000" y="685800"/>
             <a:ext cx="6096000" cy="3429000"/>
           </a:xfrm>
           <a:custGeom>
@@ -5672,7 +5708,7 @@
         </p:nvSpPr>
         <p:spPr>
           <a:xfrm>
-            <a:off x="380999" y="685800"/>
+            <a:off x="381000" y="685800"/>
             <a:ext cx="6096000" cy="3429000"/>
           </a:xfrm>
           <a:custGeom>
@@ -17496,7 +17532,7 @@
               <a:buChar char="•"/>
             </a:pPr>
             <a:r>
-              <a:rPr lang="en-US" sz="2400" b="0" i="0" u="none" strike="noStrike" cap="none">
+              <a:rPr lang="en-US" sz="2400" b="0" i="0" u="none" strike="noStrike" cap="none" dirty="0">
                 <a:solidFill>
                   <a:srgbClr val="FFFFFF"/>
                 </a:solidFill>
@@ -17508,7 +17544,7 @@
               <a:t>Work the same as Java 8 lambda’s </a:t>
             </a:r>
             <a:br>
-              <a:rPr lang="en-US" sz="2400" b="0" i="0" u="none" strike="noStrike" cap="none">
+              <a:rPr lang="en-US" sz="2400" b="0" i="0" u="none" strike="noStrike" cap="none" dirty="0">
                 <a:solidFill>
                   <a:srgbClr val="FFFFFF"/>
                 </a:solidFill>
@@ -17519,7 +17555,7 @@
               </a:rPr>
             </a:br>
             <a:r>
-              <a:rPr lang="en-US" sz="2400" b="0" i="0" u="none" strike="noStrike" cap="none">
+              <a:rPr lang="en-US" sz="2400" b="0" i="0" u="none" strike="noStrike" cap="none" dirty="0">
                 <a:solidFill>
                   <a:srgbClr val="FFFFFF"/>
                 </a:solidFill>
@@ -17550,7 +17586,7 @@
               <a:buChar char="•"/>
             </a:pPr>
             <a:r>
-              <a:rPr lang="en-US" sz="2400" b="0" i="0" u="none" strike="noStrike" cap="none">
+              <a:rPr lang="en-US" sz="2400" b="0" i="0" u="none" strike="noStrike" cap="none" dirty="0">
                 <a:solidFill>
                   <a:srgbClr val="FFFFFF"/>
                 </a:solidFill>
@@ -17581,16 +17617,52 @@
               <a:buChar char="•"/>
             </a:pPr>
             <a:r>
-              <a:rPr lang="en-US" sz="2400" b="0" i="0" u="none" strike="noStrike" cap="none">
-                <a:solidFill>
-                  <a:srgbClr val="FFFFFF"/>
-                </a:solidFill>
-                <a:latin typeface="Helvetica Neue"/>
-                <a:ea typeface="Helvetica Neue"/>
-                <a:cs typeface="Helvetica Neue"/>
-                <a:sym typeface="Helvetica Neue"/>
-              </a:rPr>
-              <a:t>Arrow head is    -&gt;   instead of   =&gt;</a:t>
+              <a:rPr lang="en-US" sz="2400" b="0" i="0" u="none" strike="noStrike" cap="none" dirty="0">
+                <a:solidFill>
+                  <a:srgbClr val="FFFFFF"/>
+                </a:solidFill>
+                <a:latin typeface="Helvetica Neue"/>
+                <a:ea typeface="Helvetica Neue"/>
+                <a:cs typeface="Helvetica Neue"/>
+                <a:sym typeface="Helvetica Neue"/>
+              </a:rPr>
+              <a:t>Arrow head is    </a:t>
+            </a:r>
+            <a:r>
+              <a:rPr lang="en-US" sz="2400" b="0" i="0" u="none" strike="noStrike" cap="none" dirty="0">
+                <a:solidFill>
+                  <a:srgbClr val="FF0000"/>
+                </a:solidFill>
+                <a:latin typeface="Helvetica Neue"/>
+                <a:ea typeface="Helvetica Neue"/>
+                <a:cs typeface="Helvetica Neue"/>
+                <a:sym typeface="Helvetica Neue"/>
+              </a:rPr>
+              <a:t>-&gt;</a:t>
+            </a:r>
+            <a:r>
+              <a:rPr lang="en-US" sz="2400" b="0" i="0" u="none" strike="noStrike" cap="none" dirty="0">
+                <a:solidFill>
+                  <a:srgbClr val="FFFFFF"/>
+                </a:solidFill>
+                <a:latin typeface="Helvetica Neue"/>
+                <a:ea typeface="Helvetica Neue"/>
+                <a:cs typeface="Helvetica Neue"/>
+                <a:sym typeface="Helvetica Neue"/>
+              </a:rPr>
+              <a:t>   instead of   </a:t>
+            </a:r>
+            <a:r>
+              <a:rPr lang="en-US" sz="2400" b="0" i="0" u="none" strike="noStrike" cap="none" dirty="0">
+                <a:solidFill>
+                  <a:srgbClr val="FFC000"/>
+                </a:solidFill>
+                <a:latin typeface="Helvetica Neue"/>
+                <a:ea typeface="Helvetica Neue"/>
+                <a:cs typeface="Helvetica Neue"/>
+                <a:sym typeface="Helvetica Neue"/>
+              </a:rPr>
+              <a:t>=&gt;</a:t>
             </a:r>
           </a:p>
         </p:txBody>
@@ -17731,7 +17803,7 @@
               <a:buNone/>
             </a:pPr>
             <a:r>
-              <a:rPr lang="en-US" sz="1900" b="0" i="0" u="none" strike="noStrike" cap="none">
+              <a:rPr lang="en-US" sz="1900" b="0" i="0" u="none" strike="noStrike" cap="none" dirty="0">
                 <a:solidFill>
                   <a:srgbClr val="99CF50"/>
                 </a:solidFill>
@@ -17743,7 +17815,7 @@
               <a:t>function</a:t>
             </a:r>
             <a:r>
-              <a:rPr lang="en-US" sz="1900" b="0" i="0" u="none" strike="noStrike" cap="none">
+              <a:rPr lang="en-US" sz="1900" b="0" i="0" u="none" strike="noStrike" cap="none" dirty="0">
                 <a:solidFill>
                   <a:srgbClr val="F8F8F8"/>
                 </a:solidFill>
@@ -17755,7 +17827,7 @@
               <a:t> </a:t>
             </a:r>
             <a:r>
-              <a:rPr lang="en-US" sz="1900" b="0" i="0" u="none" strike="noStrike" cap="none">
+              <a:rPr lang="en-US" sz="1900" b="0" i="0" u="none" strike="noStrike" cap="none" dirty="0">
                 <a:solidFill>
                   <a:srgbClr val="89BDFF"/>
                 </a:solidFill>
@@ -17767,7 +17839,7 @@
               <a:t>Person</a:t>
             </a:r>
             <a:r>
-              <a:rPr lang="en-US" sz="1900" b="0" i="0" u="none" strike="noStrike" cap="none">
+              <a:rPr lang="en-US" sz="1900" b="0" i="0" u="none" strike="noStrike" cap="none" dirty="0">
                 <a:solidFill>
                   <a:srgbClr val="F8F8F8"/>
                 </a:solidFill>
@@ -17798,7 +17870,7 @@
               <a:buNone/>
             </a:pPr>
             <a:r>
-              <a:rPr lang="en-US" sz="1900" b="0" i="0" u="none" strike="noStrike" cap="none">
+              <a:rPr lang="en-US" sz="1900" b="0" i="0" u="none" strike="noStrike" cap="none" dirty="0">
                 <a:solidFill>
                   <a:srgbClr val="F8F8F8"/>
                 </a:solidFill>
@@ -17810,7 +17882,7 @@
               <a:t>  </a:t>
             </a:r>
             <a:r>
-              <a:rPr lang="en-US" sz="1900" b="0" i="0" u="none" strike="noStrike" cap="none">
+              <a:rPr lang="en-US" sz="1900" b="0" i="0" u="none" strike="noStrike" cap="none" dirty="0" err="1">
                 <a:solidFill>
                   <a:srgbClr val="3E87E3"/>
                 </a:solidFill>
@@ -17822,7 +17894,7 @@
               <a:t>this</a:t>
             </a:r>
             <a:r>
-              <a:rPr lang="en-US" sz="1900" b="0" i="0" u="none" strike="noStrike" cap="none">
+              <a:rPr lang="en-US" sz="1900" b="0" i="0" u="none" strike="noStrike" cap="none" dirty="0" err="1">
                 <a:solidFill>
                   <a:srgbClr val="F8F8F8"/>
                 </a:solidFill>
@@ -17831,10 +17903,22 @@
                 <a:cs typeface="Consolas"/>
                 <a:sym typeface="Consolas"/>
               </a:rPr>
-              <a:t>.age </a:t>
-            </a:r>
-            <a:r>
-              <a:rPr lang="en-US" sz="1900" b="0" i="0" u="none" strike="noStrike" cap="none">
+              <a:t>.age</a:t>
+            </a:r>
+            <a:r>
+              <a:rPr lang="en-US" sz="1900" b="0" i="0" u="none" strike="noStrike" cap="none" dirty="0">
+                <a:solidFill>
+                  <a:srgbClr val="F8F8F8"/>
+                </a:solidFill>
+                <a:latin typeface="Consolas"/>
+                <a:ea typeface="Consolas"/>
+                <a:cs typeface="Consolas"/>
+                <a:sym typeface="Consolas"/>
+              </a:rPr>
+              <a:t> </a:t>
+            </a:r>
+            <a:r>
+              <a:rPr lang="en-US" sz="1900" b="0" i="0" u="none" strike="noStrike" cap="none" dirty="0">
                 <a:solidFill>
                   <a:srgbClr val="E28964"/>
                 </a:solidFill>
@@ -17846,7 +17930,7 @@
               <a:t>=</a:t>
             </a:r>
             <a:r>
-              <a:rPr lang="en-US" sz="1900" b="0" i="0" u="none" strike="noStrike" cap="none">
+              <a:rPr lang="en-US" sz="1900" b="0" i="0" u="none" strike="noStrike" cap="none" dirty="0">
                 <a:solidFill>
                   <a:srgbClr val="F8F8F8"/>
                 </a:solidFill>
@@ -17858,7 +17942,7 @@
               <a:t> </a:t>
             </a:r>
             <a:r>
-              <a:rPr lang="en-US" sz="1900" b="0" i="0" u="none" strike="noStrike" cap="none">
+              <a:rPr lang="en-US" sz="1900" b="0" i="0" u="none" strike="noStrike" cap="none" dirty="0">
                 <a:solidFill>
                   <a:srgbClr val="3387CC"/>
                 </a:solidFill>
@@ -17870,7 +17954,7 @@
               <a:t>0</a:t>
             </a:r>
             <a:r>
-              <a:rPr lang="en-US" sz="1900" b="0" i="0" u="none" strike="noStrike" cap="none">
+              <a:rPr lang="en-US" sz="1900" b="0" i="0" u="none" strike="noStrike" cap="none" dirty="0">
                 <a:solidFill>
                   <a:srgbClr val="F8F8F8"/>
                 </a:solidFill>
@@ -17899,7 +17983,7 @@
               <a:buFont typeface="Consolas"/>
               <a:buNone/>
             </a:pPr>
-            <a:endParaRPr sz="1900" b="0" i="0" u="none" strike="noStrike" cap="none">
+            <a:endParaRPr sz="1900" b="0" i="0" u="none" strike="noStrike" cap="none" dirty="0">
               <a:solidFill>
                 <a:srgbClr val="F8F8F8"/>
               </a:solidFill>
@@ -17928,7 +18012,7 @@
               <a:buNone/>
             </a:pPr>
             <a:r>
-              <a:rPr lang="en-US" sz="1900" b="0" i="0" u="none" strike="noStrike" cap="none">
+              <a:rPr lang="en-US" sz="1900" b="0" i="0" u="none" strike="noStrike" cap="none" dirty="0">
                 <a:solidFill>
                   <a:srgbClr val="F8F8F8"/>
                 </a:solidFill>
@@ -17940,7 +18024,7 @@
               <a:t>  </a:t>
             </a:r>
             <a:r>
-              <a:rPr lang="en-US" sz="1900" b="0" i="0" u="none" strike="noStrike" cap="none">
+              <a:rPr lang="en-US" sz="1900" b="0" i="0" u="none" strike="noStrike" cap="none" dirty="0" err="1">
                 <a:solidFill>
                   <a:srgbClr val="DAD085"/>
                 </a:solidFill>
@@ -17952,7 +18036,7 @@
               <a:t>setInterval</a:t>
             </a:r>
             <a:r>
-              <a:rPr lang="en-US" sz="1900" b="0" i="0" u="none" strike="noStrike" cap="none">
+              <a:rPr lang="en-US" sz="1900" b="0" i="0" u="none" strike="noStrike" cap="none" dirty="0">
                 <a:solidFill>
                   <a:srgbClr val="F8F8F8"/>
                 </a:solidFill>
@@ -17964,7 +18048,7 @@
               <a:t>(() </a:t>
             </a:r>
             <a:r>
-              <a:rPr lang="en-US" sz="1900" b="0" i="0" u="none" strike="noStrike" cap="none">
+              <a:rPr lang="en-US" sz="1900" b="0" i="0" u="none" strike="noStrike" cap="none" dirty="0">
                 <a:solidFill>
                   <a:srgbClr val="E28964"/>
                 </a:solidFill>
@@ -17976,7 +18060,7 @@
               <a:t>=&gt;</a:t>
             </a:r>
             <a:r>
-              <a:rPr lang="en-US" sz="1900" b="0" i="0" u="none" strike="noStrike" cap="none">
+              <a:rPr lang="en-US" sz="1900" b="0" i="0" u="none" strike="noStrike" cap="none" dirty="0">
                 <a:solidFill>
                   <a:srgbClr val="F8F8F8"/>
                 </a:solidFill>
@@ -18007,7 +18091,7 @@
               <a:buNone/>
             </a:pPr>
             <a:r>
-              <a:rPr lang="en-US" sz="1900" b="0" i="0" u="none" strike="noStrike" cap="none">
+              <a:rPr lang="en-US" sz="1900" b="0" i="0" u="none" strike="noStrike" cap="none" dirty="0">
                 <a:solidFill>
                   <a:srgbClr val="F8F8F8"/>
                 </a:solidFill>
@@ -18019,7 +18103,7 @@
               <a:t>    </a:t>
             </a:r>
             <a:r>
-              <a:rPr lang="en-US" sz="1900" b="0" i="0" u="none" strike="noStrike" cap="none">
+              <a:rPr lang="en-US" sz="1900" b="0" i="0" u="none" strike="noStrike" cap="none" dirty="0" err="1">
                 <a:solidFill>
                   <a:srgbClr val="3E87E3"/>
                 </a:solidFill>
@@ -18031,7 +18115,7 @@
               <a:t>this</a:t>
             </a:r>
             <a:r>
-              <a:rPr lang="en-US" sz="1900" b="0" i="0" u="none" strike="noStrike" cap="none">
+              <a:rPr lang="en-US" sz="1900" b="0" i="0" u="none" strike="noStrike" cap="none" dirty="0" err="1">
                 <a:solidFill>
                   <a:srgbClr val="F8F8F8"/>
                 </a:solidFill>
@@ -18043,7 +18127,7 @@
               <a:t>.age</a:t>
             </a:r>
             <a:r>
-              <a:rPr lang="en-US" sz="1900" b="0" i="0" u="none" strike="noStrike" cap="none">
+              <a:rPr lang="en-US" sz="1900" b="0" i="0" u="none" strike="noStrike" cap="none" dirty="0">
                 <a:solidFill>
                   <a:srgbClr val="E28964"/>
                 </a:solidFill>
@@ -18055,7 +18139,7 @@
               <a:t>++</a:t>
             </a:r>
             <a:r>
-              <a:rPr lang="en-US" sz="1900" b="0" i="0" u="none" strike="noStrike" cap="none">
+              <a:rPr lang="en-US" sz="1900" b="0" i="0" u="none" strike="noStrike" cap="none" dirty="0">
                 <a:solidFill>
                   <a:srgbClr val="F8F8F8"/>
                 </a:solidFill>
@@ -18067,7 +18151,7 @@
               <a:t>; </a:t>
             </a:r>
             <a:r>
-              <a:rPr lang="en-US" sz="1900" b="0" i="1" u="none" strike="noStrike" cap="none">
+              <a:rPr lang="en-US" sz="1900" b="0" i="1" u="none" strike="noStrike" cap="none" dirty="0">
                 <a:solidFill>
                   <a:srgbClr val="AEAEAE"/>
                 </a:solidFill>
@@ -18098,7 +18182,7 @@
               <a:buNone/>
             </a:pPr>
             <a:r>
-              <a:rPr lang="en-US" sz="1900" b="0" i="0" u="none" strike="noStrike" cap="none">
+              <a:rPr lang="en-US" sz="1900" b="0" i="0" u="none" strike="noStrike" cap="none" dirty="0">
                 <a:solidFill>
                   <a:srgbClr val="F8F8F8"/>
                 </a:solidFill>
@@ -18110,7 +18194,7 @@
               <a:t>  }, </a:t>
             </a:r>
             <a:r>
-              <a:rPr lang="en-US" sz="1900" b="0" i="0" u="none" strike="noStrike" cap="none">
+              <a:rPr lang="en-US" sz="1900" b="0" i="0" u="none" strike="noStrike" cap="none" dirty="0">
                 <a:solidFill>
                   <a:srgbClr val="3387CC"/>
                 </a:solidFill>
@@ -18122,7 +18206,7 @@
               <a:t>1000</a:t>
             </a:r>
             <a:r>
-              <a:rPr lang="en-US" sz="1900" b="0" i="0" u="none" strike="noStrike" cap="none">
+              <a:rPr lang="en-US" sz="1900" b="0" i="0" u="none" strike="noStrike" cap="none" dirty="0">
                 <a:solidFill>
                   <a:srgbClr val="F8F8F8"/>
                 </a:solidFill>
@@ -18153,7 +18237,7 @@
               <a:buNone/>
             </a:pPr>
             <a:r>
-              <a:rPr lang="en-US" sz="1900" b="0" i="0" u="none" strike="noStrike" cap="none">
+              <a:rPr lang="en-US" sz="1900" b="0" i="0" u="none" strike="noStrike" cap="none" dirty="0">
                 <a:solidFill>
                   <a:srgbClr val="F8F8F8"/>
                 </a:solidFill>
@@ -18182,7 +18266,7 @@
               <a:buFont typeface="Consolas"/>
               <a:buNone/>
             </a:pPr>
-            <a:endParaRPr sz="1900" b="0" i="0" u="none" strike="noStrike" cap="none">
+            <a:endParaRPr sz="1900" b="0" i="0" u="none" strike="noStrike" cap="none" dirty="0">
               <a:solidFill>
                 <a:srgbClr val="F8F8F8"/>
               </a:solidFill>
@@ -18211,7 +18295,7 @@
               <a:buNone/>
             </a:pPr>
             <a:r>
-              <a:rPr lang="en-US" sz="1900" b="0" i="0" u="none" strike="noStrike" cap="none">
+              <a:rPr lang="en-US" sz="1900" b="0" i="0" u="none" strike="noStrike" cap="none" dirty="0" err="1">
                 <a:solidFill>
                   <a:srgbClr val="99CF50"/>
                 </a:solidFill>
@@ -18223,7 +18307,7 @@
               <a:t>var</a:t>
             </a:r>
             <a:r>
-              <a:rPr lang="en-US" sz="1900" b="0" i="0" u="none" strike="noStrike" cap="none">
+              <a:rPr lang="en-US" sz="1900" b="0" i="0" u="none" strike="noStrike" cap="none" dirty="0">
                 <a:solidFill>
                   <a:srgbClr val="F8F8F8"/>
                 </a:solidFill>
@@ -18235,7 +18319,7 @@
               <a:t> p </a:t>
             </a:r>
             <a:r>
-              <a:rPr lang="en-US" sz="1900" b="0" i="0" u="none" strike="noStrike" cap="none">
+              <a:rPr lang="en-US" sz="1900" b="0" i="0" u="none" strike="noStrike" cap="none" dirty="0">
                 <a:solidFill>
                   <a:srgbClr val="E28964"/>
                 </a:solidFill>
@@ -18247,7 +18331,7 @@
               <a:t>=</a:t>
             </a:r>
             <a:r>
-              <a:rPr lang="en-US" sz="1900" b="0" i="0" u="none" strike="noStrike" cap="none">
+              <a:rPr lang="en-US" sz="1900" b="0" i="0" u="none" strike="noStrike" cap="none" dirty="0">
                 <a:solidFill>
                   <a:srgbClr val="F8F8F8"/>
                 </a:solidFill>
@@ -18259,7 +18343,7 @@
               <a:t> </a:t>
             </a:r>
             <a:r>
-              <a:rPr lang="en-US" sz="1900" b="0" i="0" u="none" strike="noStrike" cap="none">
+              <a:rPr lang="en-US" sz="1900" b="0" i="0" u="none" strike="noStrike" cap="none" dirty="0">
                 <a:solidFill>
                   <a:srgbClr val="E28964"/>
                 </a:solidFill>
@@ -18271,7 +18355,7 @@
               <a:t>new</a:t>
             </a:r>
             <a:r>
-              <a:rPr lang="en-US" sz="1900" b="0" i="0" u="none" strike="noStrike" cap="none">
+              <a:rPr lang="en-US" sz="1900" b="0" i="0" u="none" strike="noStrike" cap="none" dirty="0">
                 <a:solidFill>
                   <a:srgbClr val="F8F8F8"/>
                 </a:solidFill>
@@ -18283,7 +18367,7 @@
               <a:t> </a:t>
             </a:r>
             <a:r>
-              <a:rPr lang="en-US" sz="1900" b="0" i="0" u="sng" strike="noStrike" cap="none">
+              <a:rPr lang="en-US" sz="1900" b="0" i="0" u="sng" strike="noStrike" cap="none" dirty="0">
                 <a:solidFill>
                   <a:srgbClr val="F8F8F8"/>
                 </a:solidFill>
@@ -18295,7 +18379,7 @@
               <a:t>Person</a:t>
             </a:r>
             <a:r>
-              <a:rPr lang="en-US" sz="1900" b="0" i="0" u="none" strike="noStrike" cap="none">
+              <a:rPr lang="en-US" sz="1900" b="0" i="0" u="none" strike="noStrike" cap="none" dirty="0">
                 <a:solidFill>
                   <a:srgbClr val="F8F8F8"/>
                 </a:solidFill>
@@ -19104,10 +19188,10 @@
                 <a:cs typeface="Consolas"/>
                 <a:sym typeface="Consolas"/>
               </a:rPr>
-              <a:t>   </a:t>
-            </a:r>
-            <a:r>
-              <a:rPr lang="en-US" sz="2300" b="0" i="0" u="none" strike="noStrike" cap="none" dirty="0" err="1">
+              <a:t> </a:t>
+            </a:r>
+            <a:r>
+              <a:rPr lang="en-US" sz="2300" b="0" i="0" u="none" strike="noStrike" cap="none" dirty="0" err="1" smtClean="0">
                 <a:solidFill>
                   <a:srgbClr val="F8F8F8"/>
                 </a:solidFill>
@@ -19119,7 +19203,7 @@
               <a:t>a.</a:t>
             </a:r>
             <a:r>
-              <a:rPr lang="en-US" sz="2300" b="0" i="0" u="none" strike="noStrike" cap="none" dirty="0" err="1">
+              <a:rPr lang="en-US" sz="2300" b="0" i="0" u="none" strike="noStrike" cap="none" dirty="0" err="1" smtClean="0">
                 <a:solidFill>
                   <a:srgbClr val="CF6A4C"/>
                 </a:solidFill>
@@ -20937,7 +21021,15 @@
                   <a:schemeClr val="bg1"/>
                 </a:solidFill>
               </a:rPr>
-              <a:t> </a:t>
+              <a:t> = '</a:t>
+            </a:r>
+            <a:r>
+              <a:rPr lang="mr-IN" sz="2000" dirty="0" err="1">
+                <a:solidFill>
+                  <a:schemeClr val="bg1"/>
+                </a:solidFill>
+              </a:rPr>
+              <a:t>foo</a:t>
             </a:r>
             <a:r>
               <a:rPr lang="mr-IN" sz="2000" dirty="0">
@@ -20945,47 +21037,7 @@
                   <a:schemeClr val="bg1"/>
                 </a:solidFill>
               </a:rPr>
-              <a:t>=</a:t>
-            </a:r>
-            <a:r>
-              <a:rPr lang="mr-IN" sz="2000" dirty="0">
-                <a:solidFill>
-                  <a:schemeClr val="bg1"/>
-                </a:solidFill>
-              </a:rPr>
-              <a:t> </a:t>
-            </a:r>
-            <a:r>
-              <a:rPr lang="mr-IN" sz="2000" dirty="0">
-                <a:solidFill>
-                  <a:schemeClr val="bg1"/>
-                </a:solidFill>
-              </a:rPr>
-              <a:t>'</a:t>
-            </a:r>
-            <a:r>
-              <a:rPr lang="mr-IN" sz="2000" dirty="0" err="1">
-                <a:solidFill>
-                  <a:schemeClr val="bg1"/>
-                </a:solidFill>
-              </a:rPr>
-              <a:t>foo</a:t>
-            </a:r>
-            <a:r>
-              <a:rPr lang="mr-IN" sz="2000" dirty="0">
-                <a:solidFill>
-                  <a:schemeClr val="bg1"/>
-                </a:solidFill>
-              </a:rPr>
-              <a:t>';</a:t>
-            </a:r>
-            <a:r>
-              <a:rPr lang="mr-IN" sz="2000" dirty="0">
-                <a:solidFill>
-                  <a:schemeClr val="bg1"/>
-                </a:solidFill>
-              </a:rPr>
-              <a:t> </a:t>
+              <a:t>'; </a:t>
             </a:r>
             <a:endParaRPr lang="nl-NL" sz="2000" dirty="0" smtClean="0">
               <a:solidFill>
@@ -21030,39 +21082,7 @@
                   <a:schemeClr val="bg1"/>
                 </a:solidFill>
               </a:rPr>
-              <a:t> </a:t>
-            </a:r>
-            <a:r>
-              <a:rPr lang="mr-IN" sz="2000" dirty="0">
-                <a:solidFill>
-                  <a:schemeClr val="bg1"/>
-                </a:solidFill>
-              </a:rPr>
-              <a:t>=</a:t>
-            </a:r>
-            <a:r>
-              <a:rPr lang="mr-IN" sz="2000" dirty="0">
-                <a:solidFill>
-                  <a:schemeClr val="bg1"/>
-                </a:solidFill>
-              </a:rPr>
-              <a:t> </a:t>
-            </a:r>
-            <a:r>
-              <a:rPr lang="mr-IN" sz="2000" dirty="0">
-                <a:solidFill>
-                  <a:schemeClr val="bg1"/>
-                </a:solidFill>
-              </a:rPr>
-              <a:t>{</a:t>
-            </a:r>
-            <a:r>
-              <a:rPr lang="mr-IN" sz="2000" dirty="0">
-                <a:solidFill>
-                  <a:schemeClr val="bg1"/>
-                </a:solidFill>
-              </a:rPr>
-              <a:t> </a:t>
+              <a:t> = { </a:t>
             </a:r>
             <a:endParaRPr lang="nl-NL" sz="2000" dirty="0" smtClean="0">
               <a:solidFill>
@@ -21107,7 +21127,15 @@
                   <a:schemeClr val="bg1"/>
                 </a:solidFill>
               </a:rPr>
-              <a:t>]:</a:t>
+              <a:t>]: '</a:t>
+            </a:r>
+            <a:r>
+              <a:rPr lang="mr-IN" sz="2000" dirty="0" err="1">
+                <a:solidFill>
+                  <a:schemeClr val="bg1"/>
+                </a:solidFill>
+              </a:rPr>
+              <a:t>hey</a:t>
             </a:r>
             <a:r>
               <a:rPr lang="mr-IN" sz="2000" dirty="0">
@@ -21115,39 +21143,7 @@
                   <a:schemeClr val="bg1"/>
                 </a:solidFill>
               </a:rPr>
-              <a:t> </a:t>
-            </a:r>
-            <a:r>
-              <a:rPr lang="mr-IN" sz="2000" dirty="0">
-                <a:solidFill>
-                  <a:schemeClr val="bg1"/>
-                </a:solidFill>
-              </a:rPr>
-              <a:t>'</a:t>
-            </a:r>
-            <a:r>
-              <a:rPr lang="mr-IN" sz="2000" dirty="0" err="1">
-                <a:solidFill>
-                  <a:schemeClr val="bg1"/>
-                </a:solidFill>
-              </a:rPr>
-              <a:t>hey</a:t>
-            </a:r>
-            <a:r>
-              <a:rPr lang="mr-IN" sz="2000" dirty="0">
-                <a:solidFill>
-                  <a:schemeClr val="bg1"/>
-                </a:solidFill>
-              </a:rPr>
-              <a:t>',</a:t>
-            </a:r>
-            <a:r>
-              <a:rPr lang="mr-IN" sz="2000" dirty="0">
-                <a:solidFill>
-                  <a:schemeClr val="bg1"/>
-                </a:solidFill>
-              </a:rPr>
-              <a:t> </a:t>
+              <a:t>', </a:t>
             </a:r>
             <a:endParaRPr lang="nl-NL" sz="2000" dirty="0" smtClean="0">
               <a:solidFill>
@@ -21208,7 +21204,15 @@
                   <a:schemeClr val="bg1"/>
                 </a:solidFill>
               </a:rPr>
-              <a:t>'</a:t>
+              <a:t>' + '</a:t>
+            </a:r>
+            <a:r>
+              <a:rPr lang="mr-IN" sz="2000" dirty="0" err="1">
+                <a:solidFill>
+                  <a:schemeClr val="bg1"/>
+                </a:solidFill>
+              </a:rPr>
+              <a:t>ar</a:t>
             </a:r>
             <a:r>
               <a:rPr lang="mr-IN" sz="2000" dirty="0">
@@ -21216,7 +21220,15 @@
                   <a:schemeClr val="bg1"/>
                 </a:solidFill>
               </a:rPr>
-              <a:t> </a:t>
+              <a:t>']: '</a:t>
+            </a:r>
+            <a:r>
+              <a:rPr lang="mr-IN" sz="2000" dirty="0" err="1">
+                <a:solidFill>
+                  <a:schemeClr val="bg1"/>
+                </a:solidFill>
+              </a:rPr>
+              <a:t>there</a:t>
             </a:r>
             <a:r>
               <a:rPr lang="mr-IN" sz="2000" dirty="0">
@@ -21224,79 +21236,7 @@
                   <a:schemeClr val="bg1"/>
                 </a:solidFill>
               </a:rPr>
-              <a:t>+</a:t>
-            </a:r>
-            <a:r>
-              <a:rPr lang="mr-IN" sz="2000" dirty="0">
-                <a:solidFill>
-                  <a:schemeClr val="bg1"/>
-                </a:solidFill>
-              </a:rPr>
-              <a:t> </a:t>
-            </a:r>
-            <a:r>
-              <a:rPr lang="mr-IN" sz="2000" dirty="0">
-                <a:solidFill>
-                  <a:schemeClr val="bg1"/>
-                </a:solidFill>
-              </a:rPr>
-              <a:t>'</a:t>
-            </a:r>
-            <a:r>
-              <a:rPr lang="mr-IN" sz="2000" dirty="0" err="1">
-                <a:solidFill>
-                  <a:schemeClr val="bg1"/>
-                </a:solidFill>
-              </a:rPr>
-              <a:t>ar</a:t>
-            </a:r>
-            <a:r>
-              <a:rPr lang="mr-IN" sz="2000" dirty="0">
-                <a:solidFill>
-                  <a:schemeClr val="bg1"/>
-                </a:solidFill>
-              </a:rPr>
-              <a:t>']:</a:t>
-            </a:r>
-            <a:r>
-              <a:rPr lang="mr-IN" sz="2000" dirty="0">
-                <a:solidFill>
-                  <a:schemeClr val="bg1"/>
-                </a:solidFill>
-              </a:rPr>
-              <a:t> </a:t>
-            </a:r>
-            <a:r>
-              <a:rPr lang="mr-IN" sz="2000" dirty="0">
-                <a:solidFill>
-                  <a:schemeClr val="bg1"/>
-                </a:solidFill>
-              </a:rPr>
-              <a:t>'</a:t>
-            </a:r>
-            <a:r>
-              <a:rPr lang="mr-IN" sz="2000" dirty="0" err="1">
-                <a:solidFill>
-                  <a:schemeClr val="bg1"/>
-                </a:solidFill>
-              </a:rPr>
-              <a:t>there</a:t>
-            </a:r>
-            <a:r>
-              <a:rPr lang="mr-IN" sz="2000" dirty="0">
-                <a:solidFill>
-                  <a:schemeClr val="bg1"/>
-                </a:solidFill>
-              </a:rPr>
-              <a:t>'</a:t>
-            </a:r>
-            <a:r>
-              <a:rPr lang="mr-IN" sz="2000" dirty="0">
-                <a:solidFill>
-                  <a:schemeClr val="bg1"/>
-                </a:solidFill>
-              </a:rPr>
-              <a:t> </a:t>
+              <a:t>' </a:t>
             </a:r>
             <a:endParaRPr lang="nl-NL" sz="2000" dirty="0" smtClean="0">
               <a:solidFill>
@@ -21533,7 +21473,15 @@
                   <a:schemeClr val="bg1"/>
                 </a:solidFill>
               </a:rPr>
-              <a:t>,</a:t>
+              <a:t>, </a:t>
+            </a:r>
+            <a:r>
+              <a:rPr lang="mr-IN" sz="2400" dirty="0" err="1">
+                <a:solidFill>
+                  <a:schemeClr val="bg1"/>
+                </a:solidFill>
+              </a:rPr>
+              <a:t>b</a:t>
             </a:r>
             <a:r>
               <a:rPr lang="mr-IN" sz="2400" dirty="0">
@@ -21541,7 +21489,7 @@
                   <a:schemeClr val="bg1"/>
                 </a:solidFill>
               </a:rPr>
-              <a:t> </a:t>
+              <a:t>, ...</a:t>
             </a:r>
             <a:r>
               <a:rPr lang="mr-IN" sz="2400" dirty="0" err="1">
@@ -21549,7 +21497,7 @@
                   <a:schemeClr val="bg1"/>
                 </a:solidFill>
               </a:rPr>
-              <a:t>b</a:t>
+              <a:t>rest</a:t>
             </a:r>
             <a:r>
               <a:rPr lang="mr-IN" sz="2400" dirty="0">
@@ -21557,143 +21505,7 @@
                   <a:schemeClr val="bg1"/>
                 </a:solidFill>
               </a:rPr>
-              <a:t>,</a:t>
-            </a:r>
-            <a:r>
-              <a:rPr lang="mr-IN" sz="2400" dirty="0">
-                <a:solidFill>
-                  <a:schemeClr val="bg1"/>
-                </a:solidFill>
-              </a:rPr>
-              <a:t> </a:t>
-            </a:r>
-            <a:r>
-              <a:rPr lang="mr-IN" sz="2400" dirty="0">
-                <a:solidFill>
-                  <a:schemeClr val="bg1"/>
-                </a:solidFill>
-              </a:rPr>
-              <a:t>...</a:t>
-            </a:r>
-            <a:r>
-              <a:rPr lang="mr-IN" sz="2400" dirty="0" err="1">
-                <a:solidFill>
-                  <a:schemeClr val="bg1"/>
-                </a:solidFill>
-              </a:rPr>
-              <a:t>rest</a:t>
-            </a:r>
-            <a:r>
-              <a:rPr lang="mr-IN" sz="2400" dirty="0">
-                <a:solidFill>
-                  <a:schemeClr val="bg1"/>
-                </a:solidFill>
-              </a:rPr>
-              <a:t>]</a:t>
-            </a:r>
-            <a:r>
-              <a:rPr lang="mr-IN" sz="2400" dirty="0">
-                <a:solidFill>
-                  <a:schemeClr val="bg1"/>
-                </a:solidFill>
-              </a:rPr>
-              <a:t> </a:t>
-            </a:r>
-            <a:r>
-              <a:rPr lang="mr-IN" sz="2400" dirty="0">
-                <a:solidFill>
-                  <a:schemeClr val="bg1"/>
-                </a:solidFill>
-              </a:rPr>
-              <a:t>=</a:t>
-            </a:r>
-            <a:r>
-              <a:rPr lang="mr-IN" sz="2400" dirty="0">
-                <a:solidFill>
-                  <a:schemeClr val="bg1"/>
-                </a:solidFill>
-              </a:rPr>
-              <a:t> </a:t>
-            </a:r>
-            <a:r>
-              <a:rPr lang="mr-IN" sz="2400" dirty="0">
-                <a:solidFill>
-                  <a:schemeClr val="bg1"/>
-                </a:solidFill>
-              </a:rPr>
-              <a:t>[1,</a:t>
-            </a:r>
-            <a:r>
-              <a:rPr lang="mr-IN" sz="2400" dirty="0">
-                <a:solidFill>
-                  <a:schemeClr val="bg1"/>
-                </a:solidFill>
-              </a:rPr>
-              <a:t> </a:t>
-            </a:r>
-            <a:r>
-              <a:rPr lang="mr-IN" sz="2400" dirty="0">
-                <a:solidFill>
-                  <a:schemeClr val="bg1"/>
-                </a:solidFill>
-              </a:rPr>
-              <a:t>2,</a:t>
-            </a:r>
-            <a:r>
-              <a:rPr lang="mr-IN" sz="2400" dirty="0">
-                <a:solidFill>
-                  <a:schemeClr val="bg1"/>
-                </a:solidFill>
-              </a:rPr>
-              <a:t> </a:t>
-            </a:r>
-            <a:r>
-              <a:rPr lang="mr-IN" sz="2400" dirty="0">
-                <a:solidFill>
-                  <a:schemeClr val="bg1"/>
-                </a:solidFill>
-              </a:rPr>
-              <a:t>3,</a:t>
-            </a:r>
-            <a:r>
-              <a:rPr lang="mr-IN" sz="2400" dirty="0">
-                <a:solidFill>
-                  <a:schemeClr val="bg1"/>
-                </a:solidFill>
-              </a:rPr>
-              <a:t> </a:t>
-            </a:r>
-            <a:r>
-              <a:rPr lang="mr-IN" sz="2400" dirty="0">
-                <a:solidFill>
-                  <a:schemeClr val="bg1"/>
-                </a:solidFill>
-              </a:rPr>
-              <a:t>4,</a:t>
-            </a:r>
-            <a:r>
-              <a:rPr lang="mr-IN" sz="2400" dirty="0">
-                <a:solidFill>
-                  <a:schemeClr val="bg1"/>
-                </a:solidFill>
-              </a:rPr>
-              <a:t> </a:t>
-            </a:r>
-            <a:r>
-              <a:rPr lang="mr-IN" sz="2400" dirty="0">
-                <a:solidFill>
-                  <a:schemeClr val="bg1"/>
-                </a:solidFill>
-              </a:rPr>
-              <a:t>5];</a:t>
-            </a:r>
-            <a:r>
-              <a:rPr lang="mr-IN" sz="2400" dirty="0">
-                <a:solidFill>
-                  <a:schemeClr val="bg1"/>
-                </a:solidFill>
-              </a:rPr>
-              <a:t> </a:t>
+              <a:t>] = [1, 2, 3, 4, 5]; </a:t>
             </a:r>
             <a:endParaRPr lang="nl-NL" sz="2400" dirty="0" smtClean="0">
               <a:solidFill>
@@ -21738,31 +21550,7 @@
                   <a:schemeClr val="bg1"/>
                 </a:solidFill>
               </a:rPr>
-              <a:t>);</a:t>
-            </a:r>
-            <a:r>
-              <a:rPr lang="mr-IN" sz="2400" dirty="0">
-                <a:solidFill>
-                  <a:schemeClr val="bg1"/>
-                </a:solidFill>
-              </a:rPr>
-              <a:t> </a:t>
-            </a:r>
-            <a:r>
-              <a:rPr lang="mr-IN" sz="2400" dirty="0">
-                <a:solidFill>
-                  <a:schemeClr val="bg1"/>
-                </a:solidFill>
-              </a:rPr>
-              <a:t>// 1</a:t>
-            </a:r>
-            <a:r>
-              <a:rPr lang="mr-IN" sz="2400" dirty="0">
-                <a:solidFill>
-                  <a:schemeClr val="bg1"/>
-                </a:solidFill>
-              </a:rPr>
-              <a:t> </a:t>
+              <a:t>); // 1 </a:t>
             </a:r>
             <a:endParaRPr lang="nl-NL" sz="2400" dirty="0" smtClean="0">
               <a:solidFill>
@@ -21807,31 +21595,7 @@
                   <a:schemeClr val="bg1"/>
                 </a:solidFill>
               </a:rPr>
-              <a:t>);</a:t>
-            </a:r>
-            <a:r>
-              <a:rPr lang="mr-IN" sz="2400" dirty="0">
-                <a:solidFill>
-                  <a:schemeClr val="bg1"/>
-                </a:solidFill>
-              </a:rPr>
-              <a:t> </a:t>
-            </a:r>
-            <a:r>
-              <a:rPr lang="mr-IN" sz="2400" dirty="0">
-                <a:solidFill>
-                  <a:schemeClr val="bg1"/>
-                </a:solidFill>
-              </a:rPr>
-              <a:t>// 2</a:t>
-            </a:r>
-            <a:r>
-              <a:rPr lang="mr-IN" sz="2400" dirty="0">
-                <a:solidFill>
-                  <a:schemeClr val="bg1"/>
-                </a:solidFill>
-              </a:rPr>
-              <a:t> </a:t>
+              <a:t>); // 2 </a:t>
             </a:r>
             <a:endParaRPr lang="nl-NL" sz="2400" dirty="0" smtClean="0">
               <a:solidFill>
@@ -21884,23 +21648,7 @@
                   <a:schemeClr val="bg1"/>
                 </a:solidFill>
               </a:rPr>
-              <a:t>);</a:t>
-            </a:r>
-            <a:r>
-              <a:rPr lang="mr-IN" sz="2400" dirty="0">
-                <a:solidFill>
-                  <a:schemeClr val="bg1"/>
-                </a:solidFill>
-              </a:rPr>
-              <a:t> </a:t>
-            </a:r>
-            <a:r>
-              <a:rPr lang="mr-IN" sz="2400" dirty="0">
-                <a:solidFill>
-                  <a:schemeClr val="bg1"/>
-                </a:solidFill>
-              </a:rPr>
-              <a:t>// [3, 4, 5] </a:t>
+              <a:t>); // [3, 4, 5] </a:t>
             </a:r>
             <a:endParaRPr lang="nl-NL" sz="2400" dirty="0" smtClean="0">
               <a:solidFill>
@@ -21982,7 +21730,15 @@
                   <a:schemeClr val="bg1"/>
                 </a:solidFill>
               </a:rPr>
-              <a:t>,</a:t>
+              <a:t>, </a:t>
+            </a:r>
+            <a:r>
+              <a:rPr lang="mr-IN" sz="2400" dirty="0" err="1">
+                <a:solidFill>
+                  <a:schemeClr val="bg1"/>
+                </a:solidFill>
+              </a:rPr>
+              <a:t>b</a:t>
             </a:r>
             <a:r>
               <a:rPr lang="mr-IN" sz="2400" dirty="0">
@@ -21990,95 +21746,7 @@
                   <a:schemeClr val="bg1"/>
                 </a:solidFill>
               </a:rPr>
-              <a:t> </a:t>
-            </a:r>
-            <a:r>
-              <a:rPr lang="mr-IN" sz="2400" dirty="0" err="1">
-                <a:solidFill>
-                  <a:schemeClr val="bg1"/>
-                </a:solidFill>
-              </a:rPr>
-              <a:t>b</a:t>
-            </a:r>
-            <a:r>
-              <a:rPr lang="mr-IN" sz="2400" dirty="0">
-                <a:solidFill>
-                  <a:schemeClr val="bg1"/>
-                </a:solidFill>
-              </a:rPr>
-              <a:t>}</a:t>
-            </a:r>
-            <a:r>
-              <a:rPr lang="mr-IN" sz="2400" dirty="0">
-                <a:solidFill>
-                  <a:schemeClr val="bg1"/>
-                </a:solidFill>
-              </a:rPr>
-              <a:t> </a:t>
-            </a:r>
-            <a:r>
-              <a:rPr lang="mr-IN" sz="2400" dirty="0">
-                <a:solidFill>
-                  <a:schemeClr val="bg1"/>
-                </a:solidFill>
-              </a:rPr>
-              <a:t>=</a:t>
-            </a:r>
-            <a:r>
-              <a:rPr lang="mr-IN" sz="2400" dirty="0">
-                <a:solidFill>
-                  <a:schemeClr val="bg1"/>
-                </a:solidFill>
-              </a:rPr>
-              <a:t> </a:t>
-            </a:r>
-            <a:r>
-              <a:rPr lang="mr-IN" sz="2400" dirty="0">
-                <a:solidFill>
-                  <a:schemeClr val="bg1"/>
-                </a:solidFill>
-              </a:rPr>
-              <a:t>{</a:t>
-            </a:r>
-            <a:r>
-              <a:rPr lang="mr-IN" sz="2400" dirty="0">
-                <a:solidFill>
-                  <a:schemeClr val="bg1"/>
-                </a:solidFill>
-              </a:rPr>
-              <a:t>a</a:t>
-            </a:r>
-            <a:r>
-              <a:rPr lang="mr-IN" sz="2400" dirty="0">
-                <a:solidFill>
-                  <a:schemeClr val="bg1"/>
-                </a:solidFill>
-              </a:rPr>
-              <a:t>:1,</a:t>
-            </a:r>
-            <a:r>
-              <a:rPr lang="mr-IN" sz="2400" dirty="0">
-                <a:solidFill>
-                  <a:schemeClr val="bg1"/>
-                </a:solidFill>
-              </a:rPr>
-              <a:t> b</a:t>
-            </a:r>
-            <a:r>
-              <a:rPr lang="mr-IN" sz="2400" dirty="0">
-                <a:solidFill>
-                  <a:schemeClr val="bg1"/>
-                </a:solidFill>
-              </a:rPr>
-              <a:t>:2});</a:t>
-            </a:r>
-            <a:r>
-              <a:rPr lang="mr-IN" sz="2400" dirty="0">
-                <a:solidFill>
-                  <a:schemeClr val="bg1"/>
-                </a:solidFill>
-              </a:rPr>
-              <a:t> </a:t>
+              <a:t>} = {a:1, b:2}); </a:t>
             </a:r>
             <a:endParaRPr lang="nl-NL" sz="2400" dirty="0" smtClean="0">
               <a:solidFill>
@@ -22123,31 +21791,7 @@
                   <a:schemeClr val="bg1"/>
                 </a:solidFill>
               </a:rPr>
-              <a:t>);</a:t>
-            </a:r>
-            <a:r>
-              <a:rPr lang="mr-IN" sz="2400" dirty="0">
-                <a:solidFill>
-                  <a:schemeClr val="bg1"/>
-                </a:solidFill>
-              </a:rPr>
-              <a:t> </a:t>
-            </a:r>
-            <a:r>
-              <a:rPr lang="mr-IN" sz="2400" dirty="0">
-                <a:solidFill>
-                  <a:schemeClr val="bg1"/>
-                </a:solidFill>
-              </a:rPr>
-              <a:t>// 1</a:t>
-            </a:r>
-            <a:r>
-              <a:rPr lang="mr-IN" sz="2400" dirty="0">
-                <a:solidFill>
-                  <a:schemeClr val="bg1"/>
-                </a:solidFill>
-              </a:rPr>
-              <a:t> </a:t>
+              <a:t>); // 1 </a:t>
             </a:r>
             <a:endParaRPr lang="nl-NL" sz="2400" dirty="0" smtClean="0">
               <a:solidFill>
@@ -22192,23 +21836,7 @@
                   <a:schemeClr val="bg1"/>
                 </a:solidFill>
               </a:rPr>
-              <a:t>);</a:t>
-            </a:r>
-            <a:r>
-              <a:rPr lang="mr-IN" sz="2400" dirty="0">
-                <a:solidFill>
-                  <a:schemeClr val="bg1"/>
-                </a:solidFill>
-              </a:rPr>
-              <a:t> </a:t>
-            </a:r>
-            <a:r>
-              <a:rPr lang="mr-IN" sz="2400" dirty="0">
-                <a:solidFill>
-                  <a:schemeClr val="bg1"/>
-                </a:solidFill>
-              </a:rPr>
-              <a:t>// 2</a:t>
+              <a:t>); // 2</a:t>
             </a:r>
             <a:endParaRPr lang="en-US" sz="2300" b="0" i="0" u="none" strike="noStrike" cap="none" dirty="0">
               <a:solidFill>
@@ -22340,596 +21968,605 @@
           </a:bodyPr>
           <a:lstStyle/>
           <a:p>
-            <a:pPr marL="0" marR="0" lvl="0" indent="0" algn="l" rtl="0">
-              <a:lnSpc>
-                <a:spcPct val="100000"/>
-              </a:lnSpc>
-              <a:spcBef>
-                <a:spcPts val="0"/>
-              </a:spcBef>
-              <a:spcAft>
-                <a:spcPts val="0"/>
-              </a:spcAft>
+            <a:pPr lvl="0">
               <a:buClr>
                 <a:srgbClr val="AEAEAE"/>
               </a:buClr>
               <a:buSzPct val="25000"/>
-              <a:buFont typeface="Helvetica Neue"/>
-              <a:buNone/>
             </a:pPr>
-            <a:r>
-              <a:rPr lang="en-US" sz="2300" b="0" i="1" u="none" strike="noStrike" cap="none">
-                <a:solidFill>
-                  <a:srgbClr val="AEAEAE"/>
-                </a:solidFill>
-                <a:latin typeface="Helvetica Neue"/>
-                <a:ea typeface="Helvetica Neue"/>
-                <a:cs typeface="Helvetica Neue"/>
-                <a:sym typeface="Helvetica Neue"/>
-              </a:rPr>
-              <a:t>//  lib/mathplusplus.js</a:t>
-            </a:r>
-          </a:p>
-          <a:p>
-            <a:pPr marL="0" marR="0" lvl="0" indent="0" algn="l" rtl="0">
-              <a:lnSpc>
-                <a:spcPct val="100000"/>
-              </a:lnSpc>
-              <a:spcBef>
-                <a:spcPts val="0"/>
-              </a:spcBef>
-              <a:spcAft>
-                <a:spcPts val="0"/>
-              </a:spcAft>
-              <a:buClr>
-                <a:srgbClr val="99CF50"/>
+            <a:endParaRPr lang="en-US" sz="2400" dirty="0" smtClean="0">
+              <a:solidFill>
+                <a:schemeClr val="bg1"/>
+              </a:solidFill>
+            </a:endParaRPr>
+          </a:p>
+          <a:p>
+            <a:pPr lvl="0">
+              <a:buClr>
+                <a:srgbClr val="AEAEAE"/>
               </a:buClr>
               <a:buSzPct val="25000"/>
-              <a:buFont typeface="Consolas"/>
-              <a:buNone/>
             </a:pPr>
             <a:r>
-              <a:rPr lang="en-US" sz="2300" b="0" i="0" u="none" strike="noStrike" cap="none">
-                <a:solidFill>
-                  <a:srgbClr val="99CF50"/>
-                </a:solidFill>
-                <a:latin typeface="Consolas"/>
-                <a:ea typeface="Consolas"/>
-                <a:cs typeface="Consolas"/>
-                <a:sym typeface="Consolas"/>
+              <a:rPr lang="en-US" sz="2400" dirty="0" smtClean="0">
+                <a:solidFill>
+                  <a:schemeClr val="bg1"/>
+                </a:solidFill>
+              </a:rPr>
+              <a:t>//------ </a:t>
+            </a:r>
+            <a:r>
+              <a:rPr lang="en-US" sz="2400" dirty="0" err="1">
+                <a:solidFill>
+                  <a:schemeClr val="bg1"/>
+                </a:solidFill>
+              </a:rPr>
+              <a:t>lib.js</a:t>
+            </a:r>
+            <a:r>
+              <a:rPr lang="en-US" sz="2400" dirty="0">
+                <a:solidFill>
+                  <a:schemeClr val="bg1"/>
+                </a:solidFill>
+              </a:rPr>
+              <a:t> ------</a:t>
+            </a:r>
+            <a:r>
+              <a:rPr lang="en-US" sz="2400" dirty="0">
+                <a:solidFill>
+                  <a:schemeClr val="bg1"/>
+                </a:solidFill>
+              </a:rPr>
+              <a:t> </a:t>
+            </a:r>
+            <a:endParaRPr lang="en-US" sz="2400" dirty="0" smtClean="0">
+              <a:solidFill>
+                <a:schemeClr val="bg1"/>
+              </a:solidFill>
+            </a:endParaRPr>
+          </a:p>
+          <a:p>
+            <a:pPr lvl="0">
+              <a:buClr>
+                <a:srgbClr val="AEAEAE"/>
+              </a:buClr>
+              <a:buSzPct val="25000"/>
+            </a:pPr>
+            <a:r>
+              <a:rPr lang="en-US" sz="2400" b="1" dirty="0" smtClean="0">
+                <a:solidFill>
+                  <a:schemeClr val="bg1"/>
+                </a:solidFill>
               </a:rPr>
               <a:t>export</a:t>
             </a:r>
             <a:r>
-              <a:rPr lang="en-US" sz="2300" b="0" i="0" u="none" strike="noStrike" cap="none">
-                <a:solidFill>
-                  <a:srgbClr val="F8F8F8"/>
-                </a:solidFill>
-                <a:latin typeface="Consolas"/>
-                <a:ea typeface="Consolas"/>
-                <a:cs typeface="Consolas"/>
-                <a:sym typeface="Consolas"/>
+              <a:rPr lang="en-US" sz="2400" dirty="0" smtClean="0">
+                <a:solidFill>
+                  <a:schemeClr val="bg1"/>
+                </a:solidFill>
               </a:rPr>
               <a:t> </a:t>
             </a:r>
             <a:r>
-              <a:rPr lang="en-US" sz="2300" b="0" i="0" u="none" strike="noStrike" cap="none">
-                <a:solidFill>
-                  <a:srgbClr val="E28964"/>
-                </a:solidFill>
-                <a:latin typeface="Consolas"/>
-                <a:ea typeface="Consolas"/>
-                <a:cs typeface="Consolas"/>
-                <a:sym typeface="Consolas"/>
-              </a:rPr>
-              <a:t>*</a:t>
-            </a:r>
-            <a:r>
-              <a:rPr lang="en-US" sz="2300" b="0" i="0" u="none" strike="noStrike" cap="none">
-                <a:solidFill>
-                  <a:srgbClr val="F8F8F8"/>
-                </a:solidFill>
-                <a:latin typeface="Consolas"/>
-                <a:ea typeface="Consolas"/>
-                <a:cs typeface="Consolas"/>
-                <a:sym typeface="Consolas"/>
-              </a:rPr>
-              <a:t> from </a:t>
-            </a:r>
-            <a:r>
-              <a:rPr lang="en-US" sz="2300" b="0" i="0" u="none" strike="noStrike" cap="none">
-                <a:solidFill>
-                  <a:srgbClr val="65B042"/>
-                </a:solidFill>
-                <a:latin typeface="Consolas"/>
-                <a:ea typeface="Consolas"/>
-                <a:cs typeface="Consolas"/>
-                <a:sym typeface="Consolas"/>
-              </a:rPr>
-              <a:t>"lib/math"</a:t>
-            </a:r>
-          </a:p>
-          <a:p>
-            <a:pPr marL="0" marR="0" lvl="0" indent="0" algn="l" rtl="0">
-              <a:lnSpc>
-                <a:spcPct val="100000"/>
-              </a:lnSpc>
-              <a:spcBef>
-                <a:spcPts val="0"/>
-              </a:spcBef>
-              <a:spcAft>
-                <a:spcPts val="0"/>
-              </a:spcAft>
-              <a:buClr>
-                <a:srgbClr val="99CF50"/>
+              <a:rPr lang="en-US" sz="2400" b="1" dirty="0" err="1">
+                <a:solidFill>
+                  <a:schemeClr val="bg1"/>
+                </a:solidFill>
+              </a:rPr>
+              <a:t>const</a:t>
+            </a:r>
+            <a:r>
+              <a:rPr lang="en-US" sz="2400" dirty="0">
+                <a:solidFill>
+                  <a:schemeClr val="bg1"/>
+                </a:solidFill>
+              </a:rPr>
+              <a:t> </a:t>
+            </a:r>
+            <a:r>
+              <a:rPr lang="en-US" sz="2400" dirty="0" err="1">
+                <a:solidFill>
+                  <a:schemeClr val="bg1"/>
+                </a:solidFill>
+              </a:rPr>
+              <a:t>sqrt</a:t>
+            </a:r>
+            <a:r>
+              <a:rPr lang="en-US" sz="2400" dirty="0">
+                <a:solidFill>
+                  <a:schemeClr val="bg1"/>
+                </a:solidFill>
+              </a:rPr>
+              <a:t> = </a:t>
+            </a:r>
+            <a:r>
+              <a:rPr lang="en-US" sz="2400" b="1" dirty="0" err="1">
+                <a:solidFill>
+                  <a:schemeClr val="bg1"/>
+                </a:solidFill>
+              </a:rPr>
+              <a:t>Math</a:t>
+            </a:r>
+            <a:r>
+              <a:rPr lang="en-US" sz="2400" dirty="0" err="1">
+                <a:solidFill>
+                  <a:schemeClr val="bg1"/>
+                </a:solidFill>
+              </a:rPr>
+              <a:t>.sqrt</a:t>
+            </a:r>
+            <a:r>
+              <a:rPr lang="en-US" sz="2400" dirty="0">
+                <a:solidFill>
+                  <a:schemeClr val="bg1"/>
+                </a:solidFill>
+              </a:rPr>
+              <a:t>; </a:t>
+            </a:r>
+            <a:endParaRPr lang="en-US" sz="2400" dirty="0" smtClean="0">
+              <a:solidFill>
+                <a:schemeClr val="bg1"/>
+              </a:solidFill>
+            </a:endParaRPr>
+          </a:p>
+          <a:p>
+            <a:pPr lvl="0">
+              <a:buClr>
+                <a:srgbClr val="AEAEAE"/>
               </a:buClr>
               <a:buSzPct val="25000"/>
-              <a:buFont typeface="Consolas"/>
-              <a:buNone/>
             </a:pPr>
             <a:r>
-              <a:rPr lang="en-US" sz="2300" b="0" i="0" u="none" strike="noStrike" cap="none">
-                <a:solidFill>
-                  <a:srgbClr val="99CF50"/>
-                </a:solidFill>
-                <a:latin typeface="Consolas"/>
-                <a:ea typeface="Consolas"/>
-                <a:cs typeface="Consolas"/>
-                <a:sym typeface="Consolas"/>
+              <a:rPr lang="en-US" sz="2400" b="1" dirty="0" smtClean="0">
+                <a:solidFill>
+                  <a:schemeClr val="bg1"/>
+                </a:solidFill>
               </a:rPr>
               <a:t>export</a:t>
             </a:r>
             <a:r>
-              <a:rPr lang="en-US" sz="2300" b="0" i="0" u="none" strike="noStrike" cap="none">
-                <a:solidFill>
-                  <a:srgbClr val="F8F8F8"/>
-                </a:solidFill>
-                <a:latin typeface="Consolas"/>
-                <a:ea typeface="Consolas"/>
-                <a:cs typeface="Consolas"/>
-                <a:sym typeface="Consolas"/>
+              <a:rPr lang="en-US" sz="2400" dirty="0" smtClean="0">
+                <a:solidFill>
+                  <a:schemeClr val="bg1"/>
+                </a:solidFill>
               </a:rPr>
               <a:t> </a:t>
             </a:r>
             <a:r>
-              <a:rPr lang="en-US" sz="2300" b="0" i="0" u="none" strike="noStrike" cap="none">
-                <a:solidFill>
-                  <a:srgbClr val="99CF50"/>
-                </a:solidFill>
-                <a:latin typeface="Consolas"/>
-                <a:ea typeface="Consolas"/>
-                <a:cs typeface="Consolas"/>
-                <a:sym typeface="Consolas"/>
-              </a:rPr>
-              <a:t>const</a:t>
-            </a:r>
-            <a:r>
-              <a:rPr lang="en-US" sz="2300" b="0" i="0" u="none" strike="noStrike" cap="none">
-                <a:solidFill>
-                  <a:srgbClr val="F8F8F8"/>
-                </a:solidFill>
-                <a:latin typeface="Consolas"/>
-                <a:ea typeface="Consolas"/>
-                <a:cs typeface="Consolas"/>
-                <a:sym typeface="Consolas"/>
-              </a:rPr>
-              <a:t> e </a:t>
-            </a:r>
-            <a:r>
-              <a:rPr lang="en-US" sz="2300" b="0" i="0" u="none" strike="noStrike" cap="none">
-                <a:solidFill>
-                  <a:srgbClr val="E28964"/>
-                </a:solidFill>
-                <a:latin typeface="Consolas"/>
-                <a:ea typeface="Consolas"/>
-                <a:cs typeface="Consolas"/>
-                <a:sym typeface="Consolas"/>
-              </a:rPr>
-              <a:t>=</a:t>
-            </a:r>
-            <a:r>
-              <a:rPr lang="en-US" sz="2300" b="0" i="0" u="none" strike="noStrike" cap="none">
-                <a:solidFill>
-                  <a:srgbClr val="F8F8F8"/>
-                </a:solidFill>
-                <a:latin typeface="Consolas"/>
-                <a:ea typeface="Consolas"/>
-                <a:cs typeface="Consolas"/>
-                <a:sym typeface="Consolas"/>
+              <a:rPr lang="en-US" sz="2400" b="1" dirty="0">
+                <a:solidFill>
+                  <a:schemeClr val="bg1"/>
+                </a:solidFill>
+              </a:rPr>
+              <a:t>function</a:t>
+            </a:r>
+            <a:r>
+              <a:rPr lang="en-US" sz="2400" dirty="0">
+                <a:solidFill>
+                  <a:schemeClr val="bg1"/>
+                </a:solidFill>
               </a:rPr>
               <a:t> </a:t>
             </a:r>
             <a:r>
-              <a:rPr lang="en-US" sz="2300" b="0" i="0" u="none" strike="noStrike" cap="none">
-                <a:solidFill>
-                  <a:srgbClr val="3387CC"/>
-                </a:solidFill>
-                <a:latin typeface="Consolas"/>
-                <a:ea typeface="Consolas"/>
-                <a:cs typeface="Consolas"/>
-                <a:sym typeface="Consolas"/>
-              </a:rPr>
-              <a:t>2.71828182846</a:t>
-            </a:r>
-          </a:p>
-          <a:p>
-            <a:pPr marL="0" marR="0" lvl="0" indent="0" algn="l" rtl="0">
-              <a:lnSpc>
-                <a:spcPct val="100000"/>
-              </a:lnSpc>
-              <a:spcBef>
-                <a:spcPts val="0"/>
-              </a:spcBef>
-              <a:spcAft>
-                <a:spcPts val="0"/>
-              </a:spcAft>
-              <a:buClr>
-                <a:srgbClr val="99CF50"/>
+              <a:rPr lang="en-US" sz="2400" b="1" dirty="0">
+                <a:solidFill>
+                  <a:schemeClr val="bg1"/>
+                </a:solidFill>
+              </a:rPr>
+              <a:t>square</a:t>
+            </a:r>
+            <a:r>
+              <a:rPr lang="en-US" sz="2400" dirty="0">
+                <a:solidFill>
+                  <a:schemeClr val="bg1"/>
+                </a:solidFill>
+              </a:rPr>
+              <a:t>(x) { </a:t>
+            </a:r>
+            <a:r>
+              <a:rPr lang="en-US" sz="2400" b="1" dirty="0">
+                <a:solidFill>
+                  <a:schemeClr val="bg1"/>
+                </a:solidFill>
+              </a:rPr>
+              <a:t>return</a:t>
+            </a:r>
+            <a:r>
+              <a:rPr lang="en-US" sz="2400" dirty="0">
+                <a:solidFill>
+                  <a:schemeClr val="bg1"/>
+                </a:solidFill>
+              </a:rPr>
+              <a:t> x * x; } </a:t>
+            </a:r>
+            <a:endParaRPr lang="en-US" sz="2400" dirty="0" smtClean="0">
+              <a:solidFill>
+                <a:schemeClr val="bg1"/>
+              </a:solidFill>
+            </a:endParaRPr>
+          </a:p>
+          <a:p>
+            <a:pPr lvl="0">
+              <a:buClr>
+                <a:srgbClr val="AEAEAE"/>
               </a:buClr>
               <a:buSzPct val="25000"/>
-              <a:buFont typeface="Consolas"/>
-              <a:buNone/>
             </a:pPr>
             <a:r>
-              <a:rPr lang="en-US" sz="2300" b="0" i="0" u="none" strike="noStrike" cap="none">
-                <a:solidFill>
-                  <a:srgbClr val="99CF50"/>
-                </a:solidFill>
-                <a:latin typeface="Consolas"/>
-                <a:ea typeface="Consolas"/>
-                <a:cs typeface="Consolas"/>
-                <a:sym typeface="Consolas"/>
+              <a:rPr lang="en-US" sz="2400" b="1" dirty="0" smtClean="0">
+                <a:solidFill>
+                  <a:schemeClr val="bg1"/>
+                </a:solidFill>
               </a:rPr>
               <a:t>export</a:t>
             </a:r>
             <a:r>
-              <a:rPr lang="en-US" sz="2300" b="0" i="0" u="none" strike="noStrike" cap="none">
-                <a:solidFill>
-                  <a:srgbClr val="F8F8F8"/>
-                </a:solidFill>
-                <a:latin typeface="Consolas"/>
-                <a:ea typeface="Consolas"/>
-                <a:cs typeface="Consolas"/>
-                <a:sym typeface="Consolas"/>
+              <a:rPr lang="en-US" sz="2400" dirty="0" smtClean="0">
+                <a:solidFill>
+                  <a:schemeClr val="bg1"/>
+                </a:solidFill>
               </a:rPr>
               <a:t> </a:t>
             </a:r>
             <a:r>
-              <a:rPr lang="en-US" sz="2300" b="0" i="0" u="none" strike="noStrike" cap="none">
-                <a:solidFill>
-                  <a:srgbClr val="E28964"/>
-                </a:solidFill>
-                <a:latin typeface="Consolas"/>
-                <a:ea typeface="Consolas"/>
-                <a:cs typeface="Consolas"/>
-                <a:sym typeface="Consolas"/>
-              </a:rPr>
-              <a:t>default</a:t>
-            </a:r>
-            <a:r>
-              <a:rPr lang="en-US" sz="2300" b="0" i="0" u="none" strike="noStrike" cap="none">
-                <a:solidFill>
-                  <a:srgbClr val="F8F8F8"/>
-                </a:solidFill>
-                <a:latin typeface="Consolas"/>
-                <a:ea typeface="Consolas"/>
-                <a:cs typeface="Consolas"/>
-                <a:sym typeface="Consolas"/>
-              </a:rPr>
-              <a:t> x </a:t>
-            </a:r>
-            <a:r>
-              <a:rPr lang="en-US" sz="2300" b="0" i="0" u="none" strike="noStrike" cap="none">
-                <a:solidFill>
-                  <a:srgbClr val="E28964"/>
-                </a:solidFill>
-                <a:latin typeface="Consolas"/>
-                <a:ea typeface="Consolas"/>
-                <a:cs typeface="Consolas"/>
-                <a:sym typeface="Consolas"/>
-              </a:rPr>
-              <a:t>=&gt;</a:t>
-            </a:r>
-            <a:r>
-              <a:rPr lang="en-US" sz="2300" b="0" i="0" u="none" strike="noStrike" cap="none">
-                <a:solidFill>
-                  <a:srgbClr val="F8F8F8"/>
-                </a:solidFill>
-                <a:latin typeface="Consolas"/>
-                <a:ea typeface="Consolas"/>
-                <a:cs typeface="Consolas"/>
-                <a:sym typeface="Consolas"/>
+              <a:rPr lang="en-US" sz="2400" b="1" dirty="0">
+                <a:solidFill>
+                  <a:schemeClr val="bg1"/>
+                </a:solidFill>
+              </a:rPr>
+              <a:t>function</a:t>
+            </a:r>
+            <a:r>
+              <a:rPr lang="en-US" sz="2400" dirty="0">
+                <a:solidFill>
+                  <a:schemeClr val="bg1"/>
+                </a:solidFill>
               </a:rPr>
               <a:t> </a:t>
             </a:r>
             <a:r>
-              <a:rPr lang="en-US" sz="2300" b="0" i="0" u="none" strike="noStrike" cap="none">
-                <a:solidFill>
-                  <a:srgbClr val="9B859D"/>
-                </a:solidFill>
-                <a:latin typeface="Consolas"/>
-                <a:ea typeface="Consolas"/>
-                <a:cs typeface="Consolas"/>
-                <a:sym typeface="Consolas"/>
-              </a:rPr>
-              <a:t>Math</a:t>
-            </a:r>
-            <a:r>
-              <a:rPr lang="en-US" sz="2300" b="0" i="0" u="none" strike="noStrike" cap="none">
-                <a:solidFill>
-                  <a:srgbClr val="F8F8F8"/>
-                </a:solidFill>
-                <a:latin typeface="Consolas"/>
-                <a:ea typeface="Consolas"/>
-                <a:cs typeface="Consolas"/>
-                <a:sym typeface="Consolas"/>
-              </a:rPr>
-              <a:t>.</a:t>
-            </a:r>
-            <a:r>
-              <a:rPr lang="en-US" sz="2300" b="0" i="0" u="none" strike="noStrike" cap="none">
-                <a:solidFill>
-                  <a:srgbClr val="DAD085"/>
-                </a:solidFill>
-                <a:latin typeface="Consolas"/>
-                <a:ea typeface="Consolas"/>
-                <a:cs typeface="Consolas"/>
-                <a:sym typeface="Consolas"/>
-              </a:rPr>
-              <a:t>exp</a:t>
-            </a:r>
-            <a:r>
-              <a:rPr lang="en-US" sz="2300" b="0" i="0" u="none" strike="noStrike" cap="none">
-                <a:solidFill>
-                  <a:srgbClr val="F8F8F8"/>
-                </a:solidFill>
-                <a:latin typeface="Consolas"/>
-                <a:ea typeface="Consolas"/>
-                <a:cs typeface="Consolas"/>
-                <a:sym typeface="Consolas"/>
-              </a:rPr>
-              <a:t>(x)</a:t>
-            </a:r>
-          </a:p>
-          <a:p>
-            <a:pPr marL="0" marR="0" lvl="0" indent="0" algn="l" rtl="0">
-              <a:lnSpc>
-                <a:spcPct val="100000"/>
-              </a:lnSpc>
-              <a:spcBef>
-                <a:spcPts val="0"/>
-              </a:spcBef>
-              <a:spcAft>
-                <a:spcPts val="0"/>
-              </a:spcAft>
-              <a:buClr>
-                <a:srgbClr val="F8F8F8"/>
-              </a:buClr>
-              <a:buFont typeface="Consolas"/>
-              <a:buNone/>
+              <a:rPr lang="en-US" sz="2400" b="1" dirty="0" err="1">
+                <a:solidFill>
+                  <a:schemeClr val="bg1"/>
+                </a:solidFill>
+              </a:rPr>
+              <a:t>diag</a:t>
+            </a:r>
+            <a:r>
+              <a:rPr lang="en-US" sz="2400" dirty="0">
+                <a:solidFill>
+                  <a:schemeClr val="bg1"/>
+                </a:solidFill>
+              </a:rPr>
+              <a:t>(x, y) { </a:t>
+            </a:r>
+            <a:r>
+              <a:rPr lang="en-US" sz="2400" b="1" dirty="0">
+                <a:solidFill>
+                  <a:schemeClr val="bg1"/>
+                </a:solidFill>
+              </a:rPr>
+              <a:t>return</a:t>
+            </a:r>
+            <a:r>
+              <a:rPr lang="en-US" sz="2400" dirty="0">
+                <a:solidFill>
+                  <a:schemeClr val="bg1"/>
+                </a:solidFill>
+              </a:rPr>
+              <a:t> </a:t>
+            </a:r>
+            <a:r>
+              <a:rPr lang="en-US" sz="2400" dirty="0" err="1">
+                <a:solidFill>
+                  <a:schemeClr val="bg1"/>
+                </a:solidFill>
+              </a:rPr>
+              <a:t>sqrt</a:t>
+            </a:r>
+            <a:r>
+              <a:rPr lang="en-US" sz="2400" dirty="0">
+                <a:solidFill>
+                  <a:schemeClr val="bg1"/>
+                </a:solidFill>
+              </a:rPr>
+              <a:t>(square(x) + square(y)); } </a:t>
+            </a:r>
+            <a:endParaRPr lang="en-US" sz="2400" dirty="0" smtClean="0">
+              <a:solidFill>
+                <a:schemeClr val="bg1"/>
+              </a:solidFill>
+            </a:endParaRPr>
+          </a:p>
+          <a:p>
+            <a:pPr lvl="0">
+              <a:buClr>
+                <a:srgbClr val="AEAEAE"/>
+              </a:buClr>
+              <a:buSzPct val="25000"/>
             </a:pPr>
-            <a:endParaRPr sz="2300" b="0" i="0" u="none" strike="noStrike" cap="none">
+            <a:endParaRPr lang="en-US" sz="2400" dirty="0">
               <a:solidFill>
-                <a:srgbClr val="F8F8F8"/>
+                <a:schemeClr val="bg1"/>
               </a:solidFill>
-              <a:latin typeface="Helvetica Neue"/>
-              <a:ea typeface="Helvetica Neue"/>
-              <a:cs typeface="Helvetica Neue"/>
-              <a:sym typeface="Helvetica Neue"/>
             </a:endParaRPr>
           </a:p>
           <a:p>
-            <a:pPr marL="0" marR="0" lvl="0" indent="0" algn="l" rtl="0">
-              <a:lnSpc>
-                <a:spcPct val="100000"/>
-              </a:lnSpc>
-              <a:spcBef>
-                <a:spcPts val="0"/>
-              </a:spcBef>
-              <a:spcAft>
-                <a:spcPts val="0"/>
-              </a:spcAft>
+            <a:pPr lvl="0">
               <a:buClr>
                 <a:srgbClr val="AEAEAE"/>
               </a:buClr>
               <a:buSzPct val="25000"/>
-              <a:buFont typeface="Helvetica Neue"/>
-              <a:buNone/>
             </a:pPr>
             <a:r>
-              <a:rPr lang="en-US" sz="2300" b="0" i="1" u="none" strike="noStrike" cap="none">
-                <a:solidFill>
-                  <a:srgbClr val="AEAEAE"/>
-                </a:solidFill>
-                <a:latin typeface="Helvetica Neue"/>
-                <a:ea typeface="Helvetica Neue"/>
-                <a:cs typeface="Helvetica Neue"/>
-                <a:sym typeface="Helvetica Neue"/>
-              </a:rPr>
-              <a:t>//  someApp.js</a:t>
-            </a:r>
-          </a:p>
-          <a:p>
-            <a:pPr marL="0" marR="0" lvl="0" indent="0" algn="l" rtl="0">
-              <a:lnSpc>
-                <a:spcPct val="100000"/>
-              </a:lnSpc>
-              <a:spcBef>
-                <a:spcPts val="0"/>
-              </a:spcBef>
-              <a:spcAft>
-                <a:spcPts val="0"/>
-              </a:spcAft>
-              <a:buClr>
-                <a:srgbClr val="E28964"/>
+              <a:rPr lang="en-US" sz="2400" dirty="0" smtClean="0">
+                <a:solidFill>
+                  <a:schemeClr val="bg1"/>
+                </a:solidFill>
+              </a:rPr>
+              <a:t>//------ </a:t>
+            </a:r>
+            <a:r>
+              <a:rPr lang="en-US" sz="2400" dirty="0" err="1">
+                <a:solidFill>
+                  <a:schemeClr val="bg1"/>
+                </a:solidFill>
+              </a:rPr>
+              <a:t>main.js</a:t>
+            </a:r>
+            <a:r>
+              <a:rPr lang="en-US" sz="2400" dirty="0">
+                <a:solidFill>
+                  <a:schemeClr val="bg1"/>
+                </a:solidFill>
+              </a:rPr>
+              <a:t> </a:t>
+            </a:r>
+            <a:r>
+              <a:rPr lang="en-US" sz="2400" dirty="0" smtClean="0">
+                <a:solidFill>
+                  <a:schemeClr val="bg1"/>
+                </a:solidFill>
+              </a:rPr>
+              <a:t>------</a:t>
+            </a:r>
+          </a:p>
+          <a:p>
+            <a:pPr lvl="0">
+              <a:buClr>
+                <a:srgbClr val="AEAEAE"/>
               </a:buClr>
               <a:buSzPct val="25000"/>
-              <a:buFont typeface="Consolas"/>
-              <a:buNone/>
             </a:pPr>
             <a:r>
-              <a:rPr lang="en-US" sz="2300" b="0" i="0" u="none" strike="noStrike" cap="none">
-                <a:solidFill>
-                  <a:srgbClr val="E28964"/>
-                </a:solidFill>
-                <a:latin typeface="Consolas"/>
-                <a:ea typeface="Consolas"/>
-                <a:cs typeface="Consolas"/>
-                <a:sym typeface="Consolas"/>
+              <a:rPr lang="en-US" sz="2400" dirty="0" smtClean="0">
+                <a:solidFill>
+                  <a:schemeClr val="bg1"/>
+                </a:solidFill>
+              </a:rPr>
+              <a:t> </a:t>
+            </a:r>
+            <a:r>
+              <a:rPr lang="en-US" sz="2400" b="1" dirty="0">
+                <a:solidFill>
+                  <a:schemeClr val="bg1"/>
+                </a:solidFill>
               </a:rPr>
               <a:t>import</a:t>
             </a:r>
             <a:r>
-              <a:rPr lang="en-US" sz="2300" b="0" i="0" u="none" strike="noStrike" cap="none">
-                <a:solidFill>
-                  <a:srgbClr val="F8F8F8"/>
-                </a:solidFill>
-                <a:latin typeface="Consolas"/>
-                <a:ea typeface="Consolas"/>
-                <a:cs typeface="Consolas"/>
-                <a:sym typeface="Consolas"/>
-              </a:rPr>
-              <a:t> exp, { pi as apple, e } from </a:t>
-            </a:r>
-            <a:r>
-              <a:rPr lang="en-US" sz="2300" b="0" i="0" u="none" strike="noStrike" cap="none">
-                <a:solidFill>
-                  <a:srgbClr val="65B042"/>
-                </a:solidFill>
-                <a:latin typeface="Consolas"/>
-                <a:ea typeface="Consolas"/>
-                <a:cs typeface="Consolas"/>
-                <a:sym typeface="Consolas"/>
-              </a:rPr>
-              <a:t>"./lib/mathplusplus"</a:t>
-            </a:r>
-          </a:p>
-          <a:p>
-            <a:pPr marL="0" marR="0" lvl="0" indent="0" algn="l" rtl="0">
-              <a:lnSpc>
-                <a:spcPct val="100000"/>
-              </a:lnSpc>
-              <a:spcBef>
-                <a:spcPts val="0"/>
-              </a:spcBef>
-              <a:spcAft>
-                <a:spcPts val="0"/>
-              </a:spcAft>
-              <a:buClr>
-                <a:srgbClr val="F8F8F8"/>
+              <a:rPr lang="en-US" sz="2400" dirty="0">
+                <a:solidFill>
+                  <a:schemeClr val="bg1"/>
+                </a:solidFill>
+              </a:rPr>
+              <a:t> { square, </a:t>
+            </a:r>
+            <a:r>
+              <a:rPr lang="en-US" sz="2400" dirty="0" err="1">
+                <a:solidFill>
+                  <a:schemeClr val="bg1"/>
+                </a:solidFill>
+              </a:rPr>
+              <a:t>diag</a:t>
+            </a:r>
+            <a:r>
+              <a:rPr lang="en-US" sz="2400" dirty="0">
+                <a:solidFill>
+                  <a:schemeClr val="bg1"/>
+                </a:solidFill>
+              </a:rPr>
+              <a:t> } </a:t>
+            </a:r>
+            <a:r>
+              <a:rPr lang="en-US" sz="2400" b="1" dirty="0">
+                <a:solidFill>
+                  <a:schemeClr val="bg1"/>
+                </a:solidFill>
+              </a:rPr>
+              <a:t>from</a:t>
+            </a:r>
+            <a:r>
+              <a:rPr lang="en-US" sz="2400" dirty="0">
+                <a:solidFill>
+                  <a:schemeClr val="bg1"/>
+                </a:solidFill>
+              </a:rPr>
+              <a:t> </a:t>
+            </a:r>
+            <a:r>
+              <a:rPr lang="en-US" sz="2400" dirty="0">
+                <a:solidFill>
+                  <a:schemeClr val="bg1"/>
+                </a:solidFill>
+              </a:rPr>
+              <a:t>'lib'</a:t>
+            </a:r>
+            <a:r>
+              <a:rPr lang="en-US" sz="2400" dirty="0">
+                <a:solidFill>
+                  <a:schemeClr val="bg1"/>
+                </a:solidFill>
+              </a:rPr>
+              <a:t>; </a:t>
+            </a:r>
+            <a:endParaRPr lang="en-US" sz="2400" dirty="0" smtClean="0">
+              <a:solidFill>
+                <a:schemeClr val="bg1"/>
+              </a:solidFill>
+            </a:endParaRPr>
+          </a:p>
+          <a:p>
+            <a:pPr lvl="0">
+              <a:buClr>
+                <a:srgbClr val="AEAEAE"/>
               </a:buClr>
               <a:buSzPct val="25000"/>
-              <a:buFont typeface="Consolas"/>
-              <a:buNone/>
             </a:pPr>
             <a:r>
-              <a:rPr lang="en-US" sz="2300" b="0" i="0" u="sng" strike="noStrike" cap="none">
-                <a:solidFill>
-                  <a:srgbClr val="F8F8F8"/>
-                </a:solidFill>
-                <a:latin typeface="Consolas"/>
-                <a:ea typeface="Consolas"/>
-                <a:cs typeface="Consolas"/>
-                <a:sym typeface="Consolas"/>
+              <a:rPr lang="en-US" sz="2400" b="1" dirty="0" err="1" smtClean="0">
+                <a:solidFill>
+                  <a:schemeClr val="bg1"/>
+                </a:solidFill>
               </a:rPr>
               <a:t>console</a:t>
             </a:r>
             <a:r>
-              <a:rPr lang="en-US" sz="2300" b="0" i="0" u="none" strike="noStrike" cap="none">
-                <a:solidFill>
-                  <a:srgbClr val="DAD085"/>
-                </a:solidFill>
-                <a:latin typeface="Consolas"/>
-                <a:ea typeface="Consolas"/>
-                <a:cs typeface="Consolas"/>
-                <a:sym typeface="Consolas"/>
+              <a:rPr lang="en-US" sz="2400" dirty="0" err="1" smtClean="0">
+                <a:solidFill>
+                  <a:schemeClr val="bg1"/>
+                </a:solidFill>
               </a:rPr>
               <a:t>.log</a:t>
             </a:r>
             <a:r>
-              <a:rPr lang="en-US" sz="2300" b="0" i="0" u="none" strike="noStrike" cap="none">
-                <a:solidFill>
-                  <a:srgbClr val="F8F8F8"/>
-                </a:solidFill>
-                <a:latin typeface="Consolas"/>
-                <a:ea typeface="Consolas"/>
-                <a:cs typeface="Consolas"/>
-                <a:sym typeface="Consolas"/>
+              <a:rPr lang="en-US" sz="2400" dirty="0" smtClean="0">
+                <a:solidFill>
+                  <a:schemeClr val="bg1"/>
+                </a:solidFill>
+              </a:rPr>
+              <a:t>(square(11</a:t>
+            </a:r>
+            <a:r>
+              <a:rPr lang="en-US" sz="2400" dirty="0">
+                <a:solidFill>
+                  <a:schemeClr val="bg1"/>
+                </a:solidFill>
+              </a:rPr>
+              <a:t>)); </a:t>
+            </a:r>
+            <a:r>
+              <a:rPr lang="en-US" sz="2400" dirty="0">
+                <a:solidFill>
+                  <a:schemeClr val="bg1"/>
+                </a:solidFill>
+              </a:rPr>
+              <a:t>// 121</a:t>
+            </a:r>
+            <a:r>
+              <a:rPr lang="en-US" sz="2400" dirty="0">
+                <a:solidFill>
+                  <a:schemeClr val="bg1"/>
+                </a:solidFill>
+              </a:rPr>
+              <a:t> </a:t>
+            </a:r>
+            <a:endParaRPr lang="en-US" sz="2400" dirty="0" smtClean="0">
+              <a:solidFill>
+                <a:schemeClr val="bg1"/>
+              </a:solidFill>
+            </a:endParaRPr>
+          </a:p>
+          <a:p>
+            <a:pPr lvl="0">
+              <a:buClr>
+                <a:srgbClr val="AEAEAE"/>
+              </a:buClr>
+              <a:buSzPct val="25000"/>
+            </a:pPr>
+            <a:r>
+              <a:rPr lang="en-US" sz="2400" b="1" dirty="0" err="1" smtClean="0">
+                <a:solidFill>
+                  <a:schemeClr val="bg1"/>
+                </a:solidFill>
+              </a:rPr>
+              <a:t>console</a:t>
+            </a:r>
+            <a:r>
+              <a:rPr lang="en-US" sz="2400" dirty="0" err="1" smtClean="0">
+                <a:solidFill>
+                  <a:schemeClr val="bg1"/>
+                </a:solidFill>
+              </a:rPr>
+              <a:t>.log</a:t>
+            </a:r>
+            <a:r>
+              <a:rPr lang="en-US" sz="2400" dirty="0" smtClean="0">
+                <a:solidFill>
+                  <a:schemeClr val="bg1"/>
+                </a:solidFill>
               </a:rPr>
               <a:t>(</a:t>
             </a:r>
             <a:r>
-              <a:rPr lang="en-US" sz="2300" b="0" i="0" u="none" strike="noStrike" cap="none">
-                <a:solidFill>
-                  <a:srgbClr val="65B042"/>
-                </a:solidFill>
-                <a:latin typeface="Consolas"/>
-                <a:ea typeface="Consolas"/>
-                <a:cs typeface="Consolas"/>
-                <a:sym typeface="Consolas"/>
-              </a:rPr>
-              <a:t>"e^{π} = "</a:t>
-            </a:r>
-            <a:r>
-              <a:rPr lang="en-US" sz="2300" b="0" i="0" u="none" strike="noStrike" cap="none">
-                <a:solidFill>
-                  <a:srgbClr val="F8F8F8"/>
-                </a:solidFill>
-                <a:latin typeface="Consolas"/>
-                <a:ea typeface="Consolas"/>
-                <a:cs typeface="Consolas"/>
-                <a:sym typeface="Consolas"/>
-              </a:rPr>
-              <a:t> </a:t>
-            </a:r>
-            <a:r>
-              <a:rPr lang="en-US" sz="2300" b="0" i="0" u="none" strike="noStrike" cap="none">
-                <a:solidFill>
-                  <a:srgbClr val="E28964"/>
-                </a:solidFill>
-                <a:latin typeface="Consolas"/>
-                <a:ea typeface="Consolas"/>
-                <a:cs typeface="Consolas"/>
-                <a:sym typeface="Consolas"/>
-              </a:rPr>
-              <a:t>+</a:t>
-            </a:r>
-            <a:r>
-              <a:rPr lang="en-US" sz="2300" b="0" i="0" u="none" strike="noStrike" cap="none">
-                <a:solidFill>
-                  <a:srgbClr val="F8F8F8"/>
-                </a:solidFill>
-                <a:latin typeface="Consolas"/>
-                <a:ea typeface="Consolas"/>
-                <a:cs typeface="Consolas"/>
-                <a:sym typeface="Consolas"/>
-              </a:rPr>
-              <a:t> </a:t>
-            </a:r>
-            <a:r>
-              <a:rPr lang="en-US" sz="2300" b="0" i="0" u="none" strike="noStrike" cap="none">
-                <a:solidFill>
-                  <a:srgbClr val="DAD085"/>
-                </a:solidFill>
-                <a:latin typeface="Consolas"/>
-                <a:ea typeface="Consolas"/>
-                <a:cs typeface="Consolas"/>
-                <a:sym typeface="Consolas"/>
-              </a:rPr>
-              <a:t>exp</a:t>
-            </a:r>
-            <a:r>
-              <a:rPr lang="en-US" sz="2300" b="0" i="0" u="none" strike="noStrike" cap="none">
-                <a:solidFill>
-                  <a:srgbClr val="F8F8F8"/>
-                </a:solidFill>
-                <a:latin typeface="Consolas"/>
-                <a:ea typeface="Consolas"/>
-                <a:cs typeface="Consolas"/>
-                <a:sym typeface="Consolas"/>
-              </a:rPr>
-              <a:t>(apple))</a:t>
-            </a:r>
+              <a:rPr lang="en-US" sz="2400" dirty="0" err="1" smtClean="0">
+                <a:solidFill>
+                  <a:schemeClr val="bg1"/>
+                </a:solidFill>
+              </a:rPr>
+              <a:t>diag</a:t>
+            </a:r>
+            <a:r>
+              <a:rPr lang="en-US" sz="2400" dirty="0" smtClean="0">
+                <a:solidFill>
+                  <a:schemeClr val="bg1"/>
+                </a:solidFill>
+              </a:rPr>
+              <a:t>(4</a:t>
+            </a:r>
+            <a:r>
+              <a:rPr lang="en-US" sz="2400" dirty="0">
+                <a:solidFill>
+                  <a:schemeClr val="bg1"/>
+                </a:solidFill>
+              </a:rPr>
+              <a:t>, </a:t>
+            </a:r>
+            <a:r>
+              <a:rPr lang="en-US" sz="2400" dirty="0">
+                <a:solidFill>
+                  <a:schemeClr val="bg1"/>
+                </a:solidFill>
+              </a:rPr>
+              <a:t>3</a:t>
+            </a:r>
+            <a:r>
+              <a:rPr lang="en-US" sz="2400" dirty="0">
+                <a:solidFill>
+                  <a:schemeClr val="bg1"/>
+                </a:solidFill>
+              </a:rPr>
+              <a:t>)); </a:t>
+            </a:r>
+            <a:r>
+              <a:rPr lang="en-US" sz="2400" dirty="0">
+                <a:solidFill>
+                  <a:schemeClr val="bg1"/>
+                </a:solidFill>
+              </a:rPr>
+              <a:t>// 5</a:t>
+            </a:r>
+            <a:endParaRPr lang="en-US" sz="2300" b="0" i="0" u="none" strike="noStrike" cap="none" dirty="0">
+              <a:solidFill>
+                <a:schemeClr val="bg1"/>
+              </a:solidFill>
+              <a:latin typeface="Consolas"/>
+              <a:ea typeface="Consolas"/>
+              <a:cs typeface="Consolas"/>
+              <a:sym typeface="Consolas"/>
+            </a:endParaRPr>
           </a:p>
         </p:txBody>
       </p:sp>
@@ -23073,7 +22710,7 @@
               <a:buChar char="•"/>
             </a:pPr>
             <a:r>
-              <a:rPr lang="en-US" sz="2400" b="0" i="0" u="none" strike="noStrike" cap="none">
+              <a:rPr lang="en-US" sz="2400" b="0" i="0" u="none" strike="noStrike" cap="none" dirty="0">
                 <a:solidFill>
                   <a:srgbClr val="FFFFFF"/>
                 </a:solidFill>
@@ -23104,7 +22741,7 @@
               <a:buChar char="•"/>
             </a:pPr>
             <a:r>
-              <a:rPr lang="en-US" sz="2400" b="0" i="0" u="none" strike="noStrike" cap="none">
+              <a:rPr lang="en-US" sz="2400" b="0" i="0" u="none" strike="noStrike" cap="none" dirty="0">
                 <a:solidFill>
                   <a:srgbClr val="FFFFFF"/>
                 </a:solidFill>
@@ -23135,17 +22772,54 @@
               <a:buChar char="•"/>
             </a:pPr>
             <a:r>
-              <a:rPr lang="en-US" sz="2400" b="0" i="0" u="none" strike="noStrike" cap="none">
-                <a:solidFill>
-                  <a:srgbClr val="FFFFFF"/>
-                </a:solidFill>
-                <a:latin typeface="Helvetica Neue"/>
-                <a:ea typeface="Helvetica Neue"/>
-                <a:cs typeface="Helvetica Neue"/>
-                <a:sym typeface="Helvetica Neue"/>
-              </a:rPr>
-              <a:t>Transpiling helps </a:t>
-            </a:r>
+              <a:rPr lang="en-US" sz="2400" b="0" i="0" u="none" strike="noStrike" cap="none" dirty="0" err="1">
+                <a:solidFill>
+                  <a:srgbClr val="FFFFFF"/>
+                </a:solidFill>
+                <a:latin typeface="Helvetica Neue"/>
+                <a:ea typeface="Helvetica Neue"/>
+                <a:cs typeface="Helvetica Neue"/>
+                <a:sym typeface="Helvetica Neue"/>
+              </a:rPr>
+              <a:t>Transpiling</a:t>
+            </a:r>
+            <a:r>
+              <a:rPr lang="en-US" sz="2400" b="0" i="0" u="none" strike="noStrike" cap="none" dirty="0">
+                <a:solidFill>
+                  <a:srgbClr val="FFFFFF"/>
+                </a:solidFill>
+                <a:latin typeface="Helvetica Neue"/>
+                <a:ea typeface="Helvetica Neue"/>
+                <a:cs typeface="Helvetica Neue"/>
+                <a:sym typeface="Helvetica Neue"/>
+              </a:rPr>
+              <a:t> helps </a:t>
+            </a:r>
+            <a:endParaRPr lang="en-US" sz="2400" b="0" i="0" u="none" strike="noStrike" cap="none" dirty="0" smtClean="0">
+              <a:solidFill>
+                <a:srgbClr val="FFFFFF"/>
+              </a:solidFill>
+              <a:latin typeface="Helvetica Neue"/>
+              <a:ea typeface="Helvetica Neue"/>
+              <a:cs typeface="Helvetica Neue"/>
+              <a:sym typeface="Helvetica Neue"/>
+            </a:endParaRPr>
+          </a:p>
+          <a:p>
+            <a:pPr lvl="3" indent="-279400"/>
+            <a:r>
+              <a:rPr lang="en-US" dirty="0"/>
+              <a:t>http://2ality.com/2014/09/es6-modules-final.html</a:t>
+            </a:r>
+            <a:endParaRPr lang="en-US" sz="2400" b="0" i="0" u="none" strike="noStrike" cap="none" dirty="0">
+              <a:solidFill>
+                <a:srgbClr val="FFFFFF"/>
+              </a:solidFill>
+              <a:latin typeface="Helvetica Neue"/>
+              <a:ea typeface="Helvetica Neue"/>
+              <a:cs typeface="Helvetica Neue"/>
+              <a:sym typeface="Helvetica Neue"/>
+            </a:endParaRPr>
           </a:p>
         </p:txBody>
       </p:sp>
@@ -26891,6 +26565,549 @@
   <p:cSld>
     <p:spTree>
       <p:nvGrpSpPr>
+        <p:cNvPr id="1" name=""/>
+        <p:cNvGrpSpPr/>
+        <p:nvPr/>
+      </p:nvGrpSpPr>
+      <p:grpSpPr>
+        <a:xfrm>
+          <a:off x="0" y="0"/>
+          <a:ext cx="0" cy="0"/>
+          <a:chOff x="0" y="0"/>
+          <a:chExt cx="0" cy="0"/>
+        </a:xfrm>
+      </p:grpSpPr>
+      <p:sp>
+        <p:nvSpPr>
+          <p:cNvPr id="2" name="Title 1"/>
+          <p:cNvSpPr>
+            <a:spLocks noGrp="1"/>
+          </p:cNvSpPr>
+          <p:nvPr>
+            <p:ph type="title"/>
+          </p:nvPr>
+        </p:nvSpPr>
+        <p:spPr/>
+        <p:txBody>
+          <a:bodyPr/>
+          <a:lstStyle/>
+          <a:p>
+            <a:r>
+              <a:rPr lang="en-US" dirty="0" smtClean="0"/>
+              <a:t>Map</a:t>
+            </a:r>
+            <a:endParaRPr lang="en-US" dirty="0"/>
+          </a:p>
+        </p:txBody>
+      </p:sp>
+      <p:sp>
+        <p:nvSpPr>
+          <p:cNvPr id="3" name="Text Placeholder 2"/>
+          <p:cNvSpPr>
+            <a:spLocks noGrp="1"/>
+          </p:cNvSpPr>
+          <p:nvPr>
+            <p:ph type="body" idx="1"/>
+          </p:nvPr>
+        </p:nvSpPr>
+        <p:spPr/>
+        <p:txBody>
+          <a:bodyPr/>
+          <a:lstStyle/>
+          <a:p>
+            <a:pPr marL="114300" indent="0">
+              <a:buNone/>
+            </a:pPr>
+            <a:r>
+              <a:rPr lang="en-US" dirty="0" err="1"/>
+              <a:t>var</a:t>
+            </a:r>
+            <a:r>
+              <a:rPr lang="en-US" dirty="0"/>
+              <a:t> </a:t>
+            </a:r>
+            <a:r>
+              <a:rPr lang="en-US" dirty="0" err="1" smtClean="0"/>
+              <a:t>newMap</a:t>
+            </a:r>
+            <a:r>
+              <a:rPr lang="en-US" dirty="0" smtClean="0"/>
+              <a:t> </a:t>
+            </a:r>
+            <a:r>
+              <a:rPr lang="en-US" dirty="0"/>
+              <a:t>= new Map();</a:t>
+            </a:r>
+            <a:br>
+              <a:rPr lang="en-US" dirty="0"/>
+            </a:br>
+            <a:r>
+              <a:rPr lang="en-US" dirty="0" err="1" smtClean="0"/>
+              <a:t>newMap.set</a:t>
+            </a:r>
+            <a:r>
+              <a:rPr lang="en-US" dirty="0"/>
+              <a:t>('name', 'John'); </a:t>
+            </a:r>
+            <a:br>
+              <a:rPr lang="en-US" dirty="0"/>
+            </a:br>
+            <a:r>
+              <a:rPr lang="en-US" dirty="0" err="1" smtClean="0"/>
+              <a:t>newMap.set</a:t>
+            </a:r>
+            <a:r>
+              <a:rPr lang="en-US" dirty="0"/>
+              <a:t>('id', 2345796);</a:t>
+            </a:r>
+            <a:br>
+              <a:rPr lang="en-US" dirty="0"/>
+            </a:br>
+            <a:r>
+              <a:rPr lang="en-US" dirty="0" err="1" smtClean="0"/>
+              <a:t>newMap.set</a:t>
+            </a:r>
+            <a:r>
+              <a:rPr lang="en-US" dirty="0"/>
+              <a:t>('interest', ['</a:t>
+            </a:r>
+            <a:r>
+              <a:rPr lang="en-US" dirty="0" err="1"/>
+              <a:t>js</a:t>
+            </a:r>
+            <a:r>
+              <a:rPr lang="en-US" dirty="0"/>
+              <a:t>', 'ruby', 'python</a:t>
+            </a:r>
+            <a:r>
+              <a:rPr lang="en-US" dirty="0" smtClean="0"/>
+              <a:t>']);</a:t>
+            </a:r>
+          </a:p>
+          <a:p>
+            <a:pPr marL="114300" indent="0">
+              <a:buNone/>
+            </a:pPr>
+            <a:r>
+              <a:rPr lang="en-US" dirty="0" err="1">
+                <a:solidFill>
+                  <a:srgbClr val="FFC000"/>
+                </a:solidFill>
+              </a:rPr>
+              <a:t>n</a:t>
+            </a:r>
+            <a:r>
+              <a:rPr lang="en-US" dirty="0" err="1" smtClean="0">
+                <a:solidFill>
+                  <a:srgbClr val="FFC000"/>
+                </a:solidFill>
+              </a:rPr>
+              <a:t>ewMap.get</a:t>
+            </a:r>
+            <a:r>
+              <a:rPr lang="en-US" dirty="0">
+                <a:solidFill>
+                  <a:srgbClr val="FFC000"/>
+                </a:solidFill>
+              </a:rPr>
+              <a:t>('name'); </a:t>
+            </a:r>
+            <a:r>
+              <a:rPr lang="en-US" dirty="0">
+                <a:solidFill>
+                  <a:srgbClr val="FFFF00"/>
+                </a:solidFill>
+              </a:rPr>
+              <a:t>// John</a:t>
+            </a:r>
+            <a:r>
+              <a:rPr lang="en-US" dirty="0">
+                <a:solidFill>
+                  <a:srgbClr val="FFC000"/>
+                </a:solidFill>
+              </a:rPr>
+              <a:t/>
+            </a:r>
+            <a:br>
+              <a:rPr lang="en-US" dirty="0">
+                <a:solidFill>
+                  <a:srgbClr val="FFC000"/>
+                </a:solidFill>
+              </a:rPr>
+            </a:br>
+            <a:r>
+              <a:rPr lang="en-US" dirty="0" err="1" smtClean="0">
+                <a:solidFill>
+                  <a:srgbClr val="FFC000"/>
+                </a:solidFill>
+              </a:rPr>
+              <a:t>newMap.get</a:t>
+            </a:r>
+            <a:r>
+              <a:rPr lang="en-US" dirty="0">
+                <a:solidFill>
+                  <a:srgbClr val="FFC000"/>
+                </a:solidFill>
+              </a:rPr>
+              <a:t>('id'); </a:t>
+            </a:r>
+            <a:r>
+              <a:rPr lang="en-US" dirty="0">
+                <a:solidFill>
+                  <a:srgbClr val="FFFF00"/>
+                </a:solidFill>
+              </a:rPr>
+              <a:t>// 2345796</a:t>
+            </a:r>
+            <a:r>
+              <a:rPr lang="en-US" dirty="0">
+                <a:solidFill>
+                  <a:srgbClr val="FFC000"/>
+                </a:solidFill>
+              </a:rPr>
+              <a:t/>
+            </a:r>
+            <a:br>
+              <a:rPr lang="en-US" dirty="0">
+                <a:solidFill>
+                  <a:srgbClr val="FFC000"/>
+                </a:solidFill>
+              </a:rPr>
+            </a:br>
+            <a:r>
+              <a:rPr lang="en-US" dirty="0" err="1" smtClean="0">
+                <a:solidFill>
+                  <a:srgbClr val="FFC000"/>
+                </a:solidFill>
+              </a:rPr>
+              <a:t>newMap.get</a:t>
+            </a:r>
+            <a:r>
+              <a:rPr lang="en-US" dirty="0">
+                <a:solidFill>
+                  <a:srgbClr val="FFC000"/>
+                </a:solidFill>
+              </a:rPr>
+              <a:t>('interest'); </a:t>
+            </a:r>
+            <a:r>
+              <a:rPr lang="en-US" dirty="0">
+                <a:solidFill>
+                  <a:srgbClr val="FFFF00"/>
+                </a:solidFill>
+              </a:rPr>
+              <a:t>// ['</a:t>
+            </a:r>
+            <a:r>
+              <a:rPr lang="en-US" dirty="0" err="1">
+                <a:solidFill>
+                  <a:srgbClr val="FFFF00"/>
+                </a:solidFill>
+              </a:rPr>
+              <a:t>js</a:t>
+            </a:r>
+            <a:r>
+              <a:rPr lang="en-US" dirty="0">
+                <a:solidFill>
+                  <a:srgbClr val="FFFF00"/>
+                </a:solidFill>
+              </a:rPr>
+              <a:t>', 'ruby', 'python']</a:t>
+            </a:r>
+          </a:p>
+        </p:txBody>
+      </p:sp>
+    </p:spTree>
+    <p:extLst>
+      <p:ext uri="{BB962C8B-B14F-4D97-AF65-F5344CB8AC3E}">
+        <p14:creationId xmlns:p14="http://schemas.microsoft.com/office/powerpoint/2010/main" val="1298627705"/>
+      </p:ext>
+    </p:extLst>
+  </p:cSld>
+  <p:clrMapOvr>
+    <a:masterClrMapping/>
+  </p:clrMapOvr>
+</p:sld>
+</file>
+
+<file path=ppt/slides/slide32.xml><?xml version="1.0" encoding="utf-8"?>
+<p:sld xmlns:a="http://schemas.openxmlformats.org/drawingml/2006/main" xmlns:r="http://schemas.openxmlformats.org/officeDocument/2006/relationships" xmlns:p="http://schemas.openxmlformats.org/presentationml/2006/main">
+  <p:cSld>
+    <p:spTree>
+      <p:nvGrpSpPr>
+        <p:cNvPr id="1" name=""/>
+        <p:cNvGrpSpPr/>
+        <p:nvPr/>
+      </p:nvGrpSpPr>
+      <p:grpSpPr>
+        <a:xfrm>
+          <a:off x="0" y="0"/>
+          <a:ext cx="0" cy="0"/>
+          <a:chOff x="0" y="0"/>
+          <a:chExt cx="0" cy="0"/>
+        </a:xfrm>
+      </p:grpSpPr>
+      <p:sp>
+        <p:nvSpPr>
+          <p:cNvPr id="2" name="Title 1"/>
+          <p:cNvSpPr>
+            <a:spLocks noGrp="1"/>
+          </p:cNvSpPr>
+          <p:nvPr>
+            <p:ph type="title"/>
+          </p:nvPr>
+        </p:nvSpPr>
+        <p:spPr/>
+        <p:txBody>
+          <a:bodyPr/>
+          <a:lstStyle/>
+          <a:p>
+            <a:r>
+              <a:rPr lang="en-US" dirty="0" smtClean="0"/>
+              <a:t>Set</a:t>
+            </a:r>
+            <a:endParaRPr lang="en-US" dirty="0"/>
+          </a:p>
+        </p:txBody>
+      </p:sp>
+      <p:sp>
+        <p:nvSpPr>
+          <p:cNvPr id="3" name="Text Placeholder 2"/>
+          <p:cNvSpPr>
+            <a:spLocks noGrp="1"/>
+          </p:cNvSpPr>
+          <p:nvPr>
+            <p:ph type="body" idx="1"/>
+          </p:nvPr>
+        </p:nvSpPr>
+        <p:spPr/>
+        <p:txBody>
+          <a:bodyPr/>
+          <a:lstStyle/>
+          <a:p>
+            <a:pPr marL="114300" indent="0">
+              <a:buNone/>
+            </a:pPr>
+            <a:r>
+              <a:rPr lang="en-US" dirty="0" err="1"/>
+              <a:t>var</a:t>
+            </a:r>
+            <a:r>
+              <a:rPr lang="en-US" dirty="0"/>
+              <a:t> map = new Map();</a:t>
+            </a:r>
+            <a:br>
+              <a:rPr lang="en-US" dirty="0"/>
+            </a:br>
+            <a:r>
+              <a:rPr lang="en-US" dirty="0" err="1"/>
+              <a:t>map.set</a:t>
+            </a:r>
+            <a:r>
+              <a:rPr lang="en-US" dirty="0"/>
+              <a:t>('name', 'John');</a:t>
+            </a:r>
+            <a:br>
+              <a:rPr lang="en-US" dirty="0"/>
+            </a:br>
+            <a:r>
+              <a:rPr lang="en-US" dirty="0" err="1"/>
+              <a:t>map.set</a:t>
+            </a:r>
+            <a:r>
+              <a:rPr lang="en-US" dirty="0"/>
+              <a:t>('name', 'Andy');</a:t>
+            </a:r>
+            <a:br>
+              <a:rPr lang="en-US" dirty="0"/>
+            </a:br>
+            <a:r>
+              <a:rPr lang="en-US" dirty="0" err="1"/>
+              <a:t>map.set</a:t>
+            </a:r>
+            <a:r>
+              <a:rPr lang="en-US" dirty="0"/>
+              <a:t>(1, 'number one');</a:t>
+            </a:r>
+            <a:br>
+              <a:rPr lang="en-US" dirty="0"/>
+            </a:br>
+            <a:r>
+              <a:rPr lang="en-US" dirty="0" err="1"/>
+              <a:t>map.set</a:t>
+            </a:r>
+            <a:r>
+              <a:rPr lang="en-US" dirty="0"/>
+              <a:t>(</a:t>
+            </a:r>
+            <a:r>
+              <a:rPr lang="en-US" dirty="0" err="1"/>
+              <a:t>NaN</a:t>
+            </a:r>
+            <a:r>
+              <a:rPr lang="en-US" dirty="0"/>
+              <a:t>, 'No value</a:t>
+            </a:r>
+            <a:r>
+              <a:rPr lang="en-US" dirty="0" smtClean="0"/>
+              <a:t>');</a:t>
+            </a:r>
+          </a:p>
+          <a:p>
+            <a:pPr marL="114300" indent="0">
+              <a:buNone/>
+            </a:pPr>
+            <a:r>
+              <a:rPr lang="en-US" dirty="0" err="1" smtClean="0">
+                <a:solidFill>
+                  <a:srgbClr val="FFC000"/>
+                </a:solidFill>
+              </a:rPr>
+              <a:t>map.get</a:t>
+            </a:r>
+            <a:r>
+              <a:rPr lang="en-US" dirty="0">
+                <a:solidFill>
+                  <a:srgbClr val="FFC000"/>
+                </a:solidFill>
+              </a:rPr>
+              <a:t>('name');</a:t>
+            </a:r>
+            <a:r>
+              <a:rPr lang="en-US" dirty="0"/>
+              <a:t> </a:t>
+            </a:r>
+            <a:r>
+              <a:rPr lang="en-US" dirty="0">
+                <a:solidFill>
+                  <a:srgbClr val="FFFF00"/>
+                </a:solidFill>
+              </a:rPr>
+              <a:t>// Andy</a:t>
+            </a:r>
+            <a:r>
+              <a:rPr lang="en-US" dirty="0" smtClean="0">
+                <a:solidFill>
+                  <a:srgbClr val="FFFF00"/>
+                </a:solidFill>
+              </a:rPr>
+              <a:t>. </a:t>
+            </a:r>
+            <a:r>
+              <a:rPr lang="en-US" sz="1800" dirty="0">
+                <a:solidFill>
+                  <a:srgbClr val="FF0000"/>
+                </a:solidFill>
+              </a:rPr>
+              <a:t>Note John is replaced by Andy.</a:t>
+            </a:r>
+            <a:r>
+              <a:rPr lang="en-US" dirty="0"/>
+              <a:t/>
+            </a:r>
+            <a:br>
+              <a:rPr lang="en-US" dirty="0"/>
+            </a:br>
+            <a:r>
+              <a:rPr lang="en-US" dirty="0" err="1">
+                <a:solidFill>
+                  <a:srgbClr val="FFC000"/>
+                </a:solidFill>
+              </a:rPr>
+              <a:t>map.get</a:t>
+            </a:r>
+            <a:r>
+              <a:rPr lang="en-US" dirty="0">
+                <a:solidFill>
+                  <a:srgbClr val="FFC000"/>
+                </a:solidFill>
+              </a:rPr>
+              <a:t>(1); </a:t>
+            </a:r>
+            <a:r>
+              <a:rPr lang="en-US" dirty="0">
+                <a:solidFill>
+                  <a:srgbClr val="FFFF00"/>
+                </a:solidFill>
+              </a:rPr>
+              <a:t>// number one</a:t>
+            </a:r>
+            <a:r>
+              <a:rPr lang="en-US" dirty="0">
+                <a:solidFill>
+                  <a:srgbClr val="FFC000"/>
+                </a:solidFill>
+              </a:rPr>
+              <a:t/>
+            </a:r>
+            <a:br>
+              <a:rPr lang="en-US" dirty="0">
+                <a:solidFill>
+                  <a:srgbClr val="FFC000"/>
+                </a:solidFill>
+              </a:rPr>
+            </a:br>
+            <a:r>
+              <a:rPr lang="en-US" dirty="0" err="1">
+                <a:solidFill>
+                  <a:srgbClr val="FFC000"/>
+                </a:solidFill>
+              </a:rPr>
+              <a:t>map.get</a:t>
+            </a:r>
+            <a:r>
+              <a:rPr lang="en-US" dirty="0">
+                <a:solidFill>
+                  <a:srgbClr val="FFC000"/>
+                </a:solidFill>
+              </a:rPr>
+              <a:t>(</a:t>
+            </a:r>
+            <a:r>
+              <a:rPr lang="en-US" dirty="0" err="1">
+                <a:solidFill>
+                  <a:srgbClr val="FFC000"/>
+                </a:solidFill>
+              </a:rPr>
+              <a:t>NaN</a:t>
+            </a:r>
+            <a:r>
+              <a:rPr lang="en-US" dirty="0">
+                <a:solidFill>
+                  <a:srgbClr val="FFC000"/>
+                </a:solidFill>
+              </a:rPr>
+              <a:t>); </a:t>
+            </a:r>
+            <a:r>
+              <a:rPr lang="en-US" dirty="0">
+                <a:solidFill>
+                  <a:srgbClr val="FFFF00"/>
+                </a:solidFill>
+              </a:rPr>
+              <a:t>// No value</a:t>
+            </a:r>
+          </a:p>
+        </p:txBody>
+      </p:sp>
+    </p:spTree>
+    <p:extLst>
+      <p:ext uri="{BB962C8B-B14F-4D97-AF65-F5344CB8AC3E}">
+        <p14:creationId xmlns:p14="http://schemas.microsoft.com/office/powerpoint/2010/main" val="1066565359"/>
+      </p:ext>
+    </p:extLst>
+  </p:cSld>
+  <p:clrMapOvr>
+    <a:masterClrMapping/>
+  </p:clrMapOvr>
+</p:sld>
+</file>
+
+<file path=ppt/slides/slide33.xml><?xml version="1.0" encoding="utf-8"?>
+<p:sld xmlns:a="http://schemas.openxmlformats.org/drawingml/2006/main" xmlns:r="http://schemas.openxmlformats.org/officeDocument/2006/relationships" xmlns:p="http://schemas.openxmlformats.org/presentationml/2006/main">
+  <p:cSld>
+    <p:spTree>
+      <p:nvGrpSpPr>
         <p:cNvPr id="1" name="Shape 240"/>
         <p:cNvGrpSpPr/>
         <p:nvPr/>
@@ -27020,7 +27237,31 @@
                 <a:cs typeface="Helvetica Neue"/>
                 <a:sym typeface="Helvetica Neue"/>
               </a:rPr>
-              <a:t>Symbols, generators, Sets/Maps/Weak Link datasets</a:t>
+              <a:t>Symbols, generators, </a:t>
+            </a:r>
+            <a:r>
+              <a:rPr lang="en-US" sz="2400" b="0" i="0" u="none" strike="noStrike" cap="none" dirty="0" smtClean="0">
+                <a:solidFill>
+                  <a:srgbClr val="FFFFFF"/>
+                </a:solidFill>
+                <a:latin typeface="Helvetica Neue"/>
+                <a:ea typeface="Helvetica Neue"/>
+                <a:cs typeface="Helvetica Neue"/>
+                <a:sym typeface="Helvetica Neue"/>
+              </a:rPr>
+              <a:t>Weak </a:t>
+            </a:r>
+            <a:r>
+              <a:rPr lang="en-US" sz="2400" b="0" i="0" u="none" strike="noStrike" cap="none" dirty="0">
+                <a:solidFill>
+                  <a:srgbClr val="FFFFFF"/>
+                </a:solidFill>
+                <a:latin typeface="Helvetica Neue"/>
+                <a:ea typeface="Helvetica Neue"/>
+                <a:cs typeface="Helvetica Neue"/>
+                <a:sym typeface="Helvetica Neue"/>
+              </a:rPr>
+              <a:t>Link datasets</a:t>
             </a:r>
           </a:p>
           <a:p>
@@ -27138,7 +27379,7 @@
 </p:sld>
 </file>
 
-<file path=ppt/slides/slide32.xml><?xml version="1.0" encoding="utf-8"?>
+<file path=ppt/slides/slide34.xml><?xml version="1.0" encoding="utf-8"?>
 <p:sld xmlns:a="http://schemas.openxmlformats.org/drawingml/2006/main" xmlns:r="http://schemas.openxmlformats.org/officeDocument/2006/relationships" xmlns:p="http://schemas.openxmlformats.org/presentationml/2006/main">
   <p:cSld>
     <p:spTree>
@@ -27202,16 +27443,32 @@
               <a:buNone/>
             </a:pPr>
             <a:r>
-              <a:rPr lang="en-US" sz="4800" b="0" i="0" u="none" strike="noStrike" cap="none">
-                <a:solidFill>
-                  <a:srgbClr val="FFFFFF"/>
-                </a:solidFill>
-                <a:latin typeface="Helvetica Neue"/>
-                <a:ea typeface="Helvetica Neue"/>
-                <a:cs typeface="Helvetica Neue"/>
-                <a:sym typeface="Helvetica Neue"/>
-              </a:rPr>
-              <a:t>Homework regarding ES6</a:t>
+              <a:rPr lang="en-US" sz="4800" dirty="0" err="1" smtClean="0"/>
+              <a:t>Opdracht</a:t>
+            </a:r>
+            <a:r>
+              <a:rPr lang="en-US" sz="4800" b="0" i="0" u="none" strike="noStrike" cap="none" dirty="0" smtClean="0">
+                <a:solidFill>
+                  <a:srgbClr val="FFFFFF"/>
+                </a:solidFill>
+                <a:latin typeface="Helvetica Neue"/>
+                <a:ea typeface="Helvetica Neue"/>
+                <a:cs typeface="Helvetica Neue"/>
+                <a:sym typeface="Helvetica Neue"/>
+              </a:rPr>
+              <a:t> </a:t>
+            </a:r>
+            <a:r>
+              <a:rPr lang="en-US" sz="4800" b="0" i="0" u="none" strike="noStrike" cap="none" dirty="0">
+                <a:solidFill>
+                  <a:srgbClr val="FFFFFF"/>
+                </a:solidFill>
+                <a:latin typeface="Helvetica Neue"/>
+                <a:ea typeface="Helvetica Neue"/>
+                <a:cs typeface="Helvetica Neue"/>
+                <a:sym typeface="Helvetica Neue"/>
+              </a:rPr>
+              <a:t>ES6</a:t>
             </a:r>
           </a:p>
         </p:txBody>
@@ -27539,7 +27796,7 @@
 </p:sld>
 </file>
 
-<file path=ppt/slides/slide33.xml><?xml version="1.0" encoding="utf-8"?>
+<file path=ppt/slides/slide35.xml><?xml version="1.0" encoding="utf-8"?>
 <p:sld xmlns:a="http://schemas.openxmlformats.org/drawingml/2006/main" xmlns:r="http://schemas.openxmlformats.org/officeDocument/2006/relationships" xmlns:p="http://schemas.openxmlformats.org/presentationml/2006/main">
   <p:cSld>
     <p:spTree>
@@ -27598,7 +27855,7 @@
 </p:sld>
 </file>
 
-<file path=ppt/slides/slide34.xml><?xml version="1.0" encoding="utf-8"?>
+<file path=ppt/slides/slide36.xml><?xml version="1.0" encoding="utf-8"?>
 <p:sld xmlns:a="http://schemas.openxmlformats.org/drawingml/2006/main" xmlns:r="http://schemas.openxmlformats.org/officeDocument/2006/relationships" xmlns:p="http://schemas.openxmlformats.org/presentationml/2006/main">
   <p:cSld>
     <p:spTree>
@@ -27691,7 +27948,7 @@
 </p:sld>
 </file>
 
-<file path=ppt/slides/slide35.xml><?xml version="1.0" encoding="utf-8"?>
+<file path=ppt/slides/slide37.xml><?xml version="1.0" encoding="utf-8"?>
 <p:sld xmlns:a="http://schemas.openxmlformats.org/drawingml/2006/main" xmlns:r="http://schemas.openxmlformats.org/officeDocument/2006/relationships" xmlns:p="http://schemas.openxmlformats.org/presentationml/2006/main">
   <p:cSld>
     <p:spTree>
@@ -27907,7 +28164,7 @@
 </p:sld>
 </file>
 
-<file path=ppt/slides/slide36.xml><?xml version="1.0" encoding="utf-8"?>
+<file path=ppt/slides/slide38.xml><?xml version="1.0" encoding="utf-8"?>
 <p:sld xmlns:a="http://schemas.openxmlformats.org/drawingml/2006/main" xmlns:r="http://schemas.openxmlformats.org/officeDocument/2006/relationships" xmlns:p="http://schemas.openxmlformats.org/presentationml/2006/main">
   <p:cSld>
     <p:spTree>
@@ -28123,7 +28380,7 @@
 </p:sld>
 </file>
 
-<file path=ppt/slides/slide37.xml><?xml version="1.0" encoding="utf-8"?>
+<file path=ppt/slides/slide39.xml><?xml version="1.0" encoding="utf-8"?>
 <p:sld xmlns:a="http://schemas.openxmlformats.org/drawingml/2006/main" xmlns:r="http://schemas.openxmlformats.org/officeDocument/2006/relationships" xmlns:p="http://schemas.openxmlformats.org/presentationml/2006/main">
   <p:cSld>
     <p:spTree>
@@ -28382,456 +28639,6 @@
           </a:ln>
         </p:spPr>
       </p:pic>
-    </p:spTree>
-  </p:cSld>
-  <p:clrMapOvr>
-    <a:masterClrMapping/>
-  </p:clrMapOvr>
-  <p:timing>
-    <p:tnLst>
-      <p:par>
-        <p:cTn id="1" dur="indefinite" restart="never" nodeType="tmRoot"/>
-      </p:par>
-    </p:tnLst>
-  </p:timing>
-</p:sld>
-</file>
-
-<file path=ppt/slides/slide38.xml><?xml version="1.0" encoding="utf-8"?>
-<p:sld xmlns:a="http://schemas.openxmlformats.org/drawingml/2006/main" xmlns:r="http://schemas.openxmlformats.org/officeDocument/2006/relationships" xmlns:p="http://schemas.openxmlformats.org/presentationml/2006/main">
-  <p:cSld>
-    <p:spTree>
-      <p:nvGrpSpPr>
-        <p:cNvPr id="1" name="Shape 281"/>
-        <p:cNvGrpSpPr/>
-        <p:nvPr/>
-      </p:nvGrpSpPr>
-      <p:grpSpPr>
-        <a:xfrm>
-          <a:off x="0" y="0"/>
-          <a:ext cx="0" cy="0"/>
-          <a:chOff x="0" y="0"/>
-          <a:chExt cx="0" cy="0"/>
-        </a:xfrm>
-      </p:grpSpPr>
-      <p:sp>
-        <p:nvSpPr>
-          <p:cNvPr id="282" name="Shape 282"/>
-          <p:cNvSpPr txBox="1">
-            <a:spLocks noGrp="1"/>
-          </p:cNvSpPr>
-          <p:nvPr>
-            <p:ph type="title"/>
-          </p:nvPr>
-        </p:nvSpPr>
-        <p:spPr>
-          <a:xfrm>
-            <a:off x="669726" y="133945"/>
-            <a:ext cx="7804500" cy="1138500"/>
-          </a:xfrm>
-          <a:prstGeom prst="rect">
-            <a:avLst/>
-          </a:prstGeom>
-          <a:noFill/>
-          <a:ln>
-            <a:noFill/>
-          </a:ln>
-        </p:spPr>
-        <p:txBody>
-          <a:bodyPr lIns="32750" tIns="32750" rIns="32750" bIns="32750" anchor="ctr" anchorCtr="0">
-            <a:noAutofit/>
-          </a:bodyPr>
-          <a:lstStyle/>
-          <a:p>
-            <a:pPr marL="0" marR="0" lvl="0" indent="0" algn="ctr" rtl="0">
-              <a:lnSpc>
-                <a:spcPct val="100000"/>
-              </a:lnSpc>
-              <a:spcBef>
-                <a:spcPts val="0"/>
-              </a:spcBef>
-              <a:spcAft>
-                <a:spcPts val="0"/>
-              </a:spcAft>
-              <a:buClr>
-                <a:srgbClr val="FFFFFF"/>
-              </a:buClr>
-              <a:buSzPct val="25000"/>
-              <a:buFont typeface="Helvetica Neue"/>
-              <a:buNone/>
-            </a:pPr>
-            <a:r>
-              <a:rPr lang="en-US" sz="5200" b="0" i="0" u="none" strike="noStrike" cap="none">
-                <a:solidFill>
-                  <a:srgbClr val="FFFFFF"/>
-                </a:solidFill>
-                <a:latin typeface="Helvetica Neue"/>
-                <a:ea typeface="Helvetica Neue"/>
-                <a:cs typeface="Helvetica Neue"/>
-                <a:sym typeface="Helvetica Neue"/>
-              </a:rPr>
-              <a:t>Utilities</a:t>
-            </a:r>
-          </a:p>
-        </p:txBody>
-      </p:sp>
-      <p:sp>
-        <p:nvSpPr>
-          <p:cNvPr id="283" name="Shape 283"/>
-          <p:cNvSpPr txBox="1">
-            <a:spLocks noGrp="1"/>
-          </p:cNvSpPr>
-          <p:nvPr>
-            <p:ph type="body" idx="1"/>
-          </p:nvPr>
-        </p:nvSpPr>
-        <p:spPr>
-          <a:xfrm>
-            <a:off x="669726" y="1369590"/>
-            <a:ext cx="7804500" cy="3315000"/>
-          </a:xfrm>
-          <a:prstGeom prst="rect">
-            <a:avLst/>
-          </a:prstGeom>
-          <a:noFill/>
-          <a:ln>
-            <a:noFill/>
-          </a:ln>
-        </p:spPr>
-        <p:txBody>
-          <a:bodyPr lIns="32750" tIns="32750" rIns="32750" bIns="32750" anchor="ctr" anchorCtr="0">
-            <a:noAutofit/>
-          </a:bodyPr>
-          <a:lstStyle/>
-          <a:p>
-            <a:pPr marL="292100" marR="0" lvl="0" indent="-292100" algn="l" rtl="0">
-              <a:lnSpc>
-                <a:spcPct val="100000"/>
-              </a:lnSpc>
-              <a:spcBef>
-                <a:spcPts val="0"/>
-              </a:spcBef>
-              <a:spcAft>
-                <a:spcPts val="0"/>
-              </a:spcAft>
-              <a:buClr>
-                <a:srgbClr val="FFFFFF"/>
-              </a:buClr>
-              <a:buSzPct val="75000"/>
-              <a:buFont typeface="Helvetica Neue"/>
-              <a:buChar char="•"/>
-            </a:pPr>
-            <a:r>
-              <a:rPr lang="en-US" sz="2400" b="0" i="0" u="none" strike="noStrike" cap="none">
-                <a:solidFill>
-                  <a:srgbClr val="FFFFFF"/>
-                </a:solidFill>
-                <a:latin typeface="Helvetica Neue"/>
-                <a:ea typeface="Helvetica Neue"/>
-                <a:cs typeface="Helvetica Neue"/>
-                <a:sym typeface="Helvetica Neue"/>
-              </a:rPr>
-              <a:t>Node comes with the following:</a:t>
-            </a:r>
-          </a:p>
-          <a:p>
-            <a:pPr marL="571500" marR="0" lvl="1" indent="-279400" algn="l" rtl="0">
-              <a:lnSpc>
-                <a:spcPct val="100000"/>
-              </a:lnSpc>
-              <a:spcBef>
-                <a:spcPts val="2700"/>
-              </a:spcBef>
-              <a:spcAft>
-                <a:spcPts val="0"/>
-              </a:spcAft>
-              <a:buClr>
-                <a:srgbClr val="FFFFFF"/>
-              </a:buClr>
-              <a:buSzPct val="75000"/>
-              <a:buFont typeface="Helvetica Neue"/>
-              <a:buChar char="•"/>
-            </a:pPr>
-            <a:r>
-              <a:rPr lang="en-US" sz="2400" b="0" i="0" u="none" strike="noStrike" cap="none">
-                <a:solidFill>
-                  <a:srgbClr val="FFFFFF"/>
-                </a:solidFill>
-                <a:latin typeface="Helvetica Neue"/>
-                <a:ea typeface="Helvetica Neue"/>
-                <a:cs typeface="Helvetica Neue"/>
-                <a:sym typeface="Helvetica Neue"/>
-              </a:rPr>
-              <a:t>I/O, Sockets(http/dns/udp/etc), crypto functions, data streams</a:t>
-            </a:r>
-          </a:p>
-          <a:p>
-            <a:pPr marL="292100" marR="0" lvl="0" indent="-292100" algn="l" rtl="0">
-              <a:lnSpc>
-                <a:spcPct val="100000"/>
-              </a:lnSpc>
-              <a:spcBef>
-                <a:spcPts val="2700"/>
-              </a:spcBef>
-              <a:spcAft>
-                <a:spcPts val="0"/>
-              </a:spcAft>
-              <a:buClr>
-                <a:srgbClr val="FFFFFF"/>
-              </a:buClr>
-              <a:buSzPct val="75000"/>
-              <a:buFont typeface="Helvetica Neue"/>
-              <a:buChar char="•"/>
-            </a:pPr>
-            <a:r>
-              <a:rPr lang="en-US" sz="2400" b="0" i="0" u="none" strike="noStrike" cap="none">
-                <a:solidFill>
-                  <a:srgbClr val="FFFFFF"/>
-                </a:solidFill>
-                <a:latin typeface="Helvetica Neue"/>
-                <a:ea typeface="Helvetica Neue"/>
-                <a:cs typeface="Helvetica Neue"/>
-                <a:sym typeface="Helvetica Neue"/>
-              </a:rPr>
-              <a:t>Runs on Linux, Mac, Windows</a:t>
-            </a:r>
-          </a:p>
-        </p:txBody>
-      </p:sp>
-    </p:spTree>
-  </p:cSld>
-  <p:clrMapOvr>
-    <a:masterClrMapping/>
-  </p:clrMapOvr>
-  <p:timing>
-    <p:tnLst>
-      <p:par>
-        <p:cTn id="1" dur="indefinite" restart="never" nodeType="tmRoot"/>
-      </p:par>
-    </p:tnLst>
-  </p:timing>
-</p:sld>
-</file>
-
-<file path=ppt/slides/slide39.xml><?xml version="1.0" encoding="utf-8"?>
-<p:sld xmlns:a="http://schemas.openxmlformats.org/drawingml/2006/main" xmlns:r="http://schemas.openxmlformats.org/officeDocument/2006/relationships" xmlns:p="http://schemas.openxmlformats.org/presentationml/2006/main">
-  <p:cSld>
-    <p:spTree>
-      <p:nvGrpSpPr>
-        <p:cNvPr id="1" name="Shape 287"/>
-        <p:cNvGrpSpPr/>
-        <p:nvPr/>
-      </p:nvGrpSpPr>
-      <p:grpSpPr>
-        <a:xfrm>
-          <a:off x="0" y="0"/>
-          <a:ext cx="0" cy="0"/>
-          <a:chOff x="0" y="0"/>
-          <a:chExt cx="0" cy="0"/>
-        </a:xfrm>
-      </p:grpSpPr>
-      <p:sp>
-        <p:nvSpPr>
-          <p:cNvPr id="288" name="Shape 288"/>
-          <p:cNvSpPr txBox="1">
-            <a:spLocks noGrp="1"/>
-          </p:cNvSpPr>
-          <p:nvPr>
-            <p:ph type="title"/>
-          </p:nvPr>
-        </p:nvSpPr>
-        <p:spPr>
-          <a:xfrm>
-            <a:off x="669726" y="133945"/>
-            <a:ext cx="7804500" cy="1138500"/>
-          </a:xfrm>
-          <a:prstGeom prst="rect">
-            <a:avLst/>
-          </a:prstGeom>
-          <a:noFill/>
-          <a:ln>
-            <a:noFill/>
-          </a:ln>
-        </p:spPr>
-        <p:txBody>
-          <a:bodyPr lIns="32750" tIns="32750" rIns="32750" bIns="32750" anchor="ctr" anchorCtr="0">
-            <a:noAutofit/>
-          </a:bodyPr>
-          <a:lstStyle/>
-          <a:p>
-            <a:pPr marL="0" marR="0" lvl="0" indent="0" algn="ctr" rtl="0">
-              <a:lnSpc>
-                <a:spcPct val="100000"/>
-              </a:lnSpc>
-              <a:spcBef>
-                <a:spcPts val="0"/>
-              </a:spcBef>
-              <a:spcAft>
-                <a:spcPts val="0"/>
-              </a:spcAft>
-              <a:buClr>
-                <a:srgbClr val="FFFFFF"/>
-              </a:buClr>
-              <a:buSzPct val="25000"/>
-              <a:buFont typeface="Helvetica Neue"/>
-              <a:buNone/>
-            </a:pPr>
-            <a:r>
-              <a:rPr lang="en-US" sz="5200" b="0" i="0" u="none" strike="noStrike" cap="none">
-                <a:solidFill>
-                  <a:srgbClr val="FFFFFF"/>
-                </a:solidFill>
-                <a:latin typeface="Helvetica Neue"/>
-                <a:ea typeface="Helvetica Neue"/>
-                <a:cs typeface="Helvetica Neue"/>
-                <a:sym typeface="Helvetica Neue"/>
-              </a:rPr>
-              <a:t>Homework</a:t>
-            </a:r>
-          </a:p>
-        </p:txBody>
-      </p:sp>
-      <p:sp>
-        <p:nvSpPr>
-          <p:cNvPr id="289" name="Shape 289"/>
-          <p:cNvSpPr txBox="1">
-            <a:spLocks noGrp="1"/>
-          </p:cNvSpPr>
-          <p:nvPr>
-            <p:ph type="body" idx="1"/>
-          </p:nvPr>
-        </p:nvSpPr>
-        <p:spPr>
-          <a:xfrm>
-            <a:off x="669726" y="1369590"/>
-            <a:ext cx="7804500" cy="3315000"/>
-          </a:xfrm>
-          <a:prstGeom prst="rect">
-            <a:avLst/>
-          </a:prstGeom>
-          <a:noFill/>
-          <a:ln>
-            <a:noFill/>
-          </a:ln>
-        </p:spPr>
-        <p:txBody>
-          <a:bodyPr lIns="32750" tIns="32750" rIns="32750" bIns="32750" anchor="ctr" anchorCtr="0">
-            <a:noAutofit/>
-          </a:bodyPr>
-          <a:lstStyle/>
-          <a:p>
-            <a:pPr marL="292100" marR="0" lvl="0" indent="-292100" algn="l" rtl="0">
-              <a:lnSpc>
-                <a:spcPct val="100000"/>
-              </a:lnSpc>
-              <a:spcBef>
-                <a:spcPts val="0"/>
-              </a:spcBef>
-              <a:spcAft>
-                <a:spcPts val="0"/>
-              </a:spcAft>
-              <a:buClr>
-                <a:srgbClr val="FFFFFF"/>
-              </a:buClr>
-              <a:buSzPct val="75000"/>
-              <a:buFont typeface="Helvetica Neue"/>
-              <a:buChar char="•"/>
-            </a:pPr>
-            <a:r>
-              <a:rPr lang="en-US" sz="2400" b="0" i="0" u="none" strike="noStrike" cap="none">
-                <a:solidFill>
-                  <a:srgbClr val="FFFFFF"/>
-                </a:solidFill>
-                <a:latin typeface="Helvetica Neue"/>
-                <a:ea typeface="Helvetica Neue"/>
-                <a:cs typeface="Helvetica Neue"/>
-                <a:sym typeface="Helvetica Neue"/>
-              </a:rPr>
-              <a:t>Open </a:t>
-            </a:r>
-            <a:r>
-              <a:rPr lang="en-US" sz="2400" b="0" i="0" u="none" strike="noStrike" cap="none" smtClean="0">
-                <a:solidFill>
-                  <a:srgbClr val="FFFFFF"/>
-                </a:solidFill>
-                <a:latin typeface="Helvetica Neue"/>
-                <a:ea typeface="Helvetica Neue"/>
-                <a:cs typeface="Helvetica Neue"/>
-                <a:sym typeface="Helvetica Neue"/>
-              </a:rPr>
-              <a:t>./</a:t>
-            </a:r>
-            <a:r>
-              <a:rPr lang="en-US" smtClean="0"/>
-              <a:t>ECMAScript 6</a:t>
-            </a:r>
-            <a:r>
-              <a:rPr lang="en-US" sz="2400" b="0" i="0" u="none" strike="noStrike" cap="none" smtClean="0">
-                <a:solidFill>
-                  <a:srgbClr val="FFFFFF"/>
-                </a:solidFill>
-                <a:latin typeface="Helvetica Neue"/>
-                <a:ea typeface="Helvetica Neue"/>
-                <a:cs typeface="Helvetica Neue"/>
-                <a:sym typeface="Helvetica Neue"/>
-              </a:rPr>
-              <a:t>/</a:t>
-            </a:r>
-            <a:r>
-              <a:rPr lang="en-US" dirty="0" err="1" smtClean="0"/>
-              <a:t>Readme</a:t>
-            </a:r>
-            <a:r>
-              <a:rPr lang="en-US" sz="2400" b="0" i="0" u="none" strike="noStrike" cap="none" dirty="0" err="1" smtClean="0">
-                <a:solidFill>
-                  <a:srgbClr val="FFFFFF"/>
-                </a:solidFill>
-                <a:latin typeface="Helvetica Neue"/>
-                <a:ea typeface="Helvetica Neue"/>
-                <a:cs typeface="Helvetica Neue"/>
-                <a:sym typeface="Helvetica Neue"/>
-              </a:rPr>
-              <a:t>.</a:t>
-            </a:r>
-            <a:r>
-              <a:rPr lang="en-US" dirty="0" err="1" smtClean="0"/>
-              <a:t>md</a:t>
-            </a:r>
-            <a:endParaRPr lang="en-US" dirty="0"/>
-          </a:p>
-          <a:p>
-            <a:pPr marL="571500" marR="0" lvl="1" indent="-279400" algn="l" rtl="0">
-              <a:lnSpc>
-                <a:spcPct val="100000"/>
-              </a:lnSpc>
-              <a:spcBef>
-                <a:spcPts val="2700"/>
-              </a:spcBef>
-              <a:spcAft>
-                <a:spcPts val="0"/>
-              </a:spcAft>
-              <a:buClr>
-                <a:srgbClr val="FFFFFF"/>
-              </a:buClr>
-              <a:buSzPct val="75000"/>
-              <a:buFont typeface="Helvetica Neue"/>
-              <a:buChar char="•"/>
-            </a:pPr>
-            <a:r>
-              <a:rPr lang="en-US" sz="2400" b="0" i="0" u="none" strike="noStrike" cap="none" dirty="0">
-                <a:solidFill>
-                  <a:srgbClr val="FFFFFF"/>
-                </a:solidFill>
-                <a:latin typeface="Helvetica Neue"/>
-                <a:ea typeface="Helvetica Neue"/>
-                <a:cs typeface="Helvetica Neue"/>
-                <a:sym typeface="Helvetica Neue"/>
-              </a:rPr>
-              <a:t>Implement a directory walker</a:t>
-            </a:r>
-          </a:p>
-        </p:txBody>
-      </p:sp>
     </p:spTree>
   </p:cSld>
   <p:clrMapOvr>
@@ -29099,6 +28906,540 @@
   <p:cSld>
     <p:spTree>
       <p:nvGrpSpPr>
+        <p:cNvPr id="1" name="Shape 281"/>
+        <p:cNvGrpSpPr/>
+        <p:nvPr/>
+      </p:nvGrpSpPr>
+      <p:grpSpPr>
+        <a:xfrm>
+          <a:off x="0" y="0"/>
+          <a:ext cx="0" cy="0"/>
+          <a:chOff x="0" y="0"/>
+          <a:chExt cx="0" cy="0"/>
+        </a:xfrm>
+      </p:grpSpPr>
+      <p:sp>
+        <p:nvSpPr>
+          <p:cNvPr id="282" name="Shape 282"/>
+          <p:cNvSpPr txBox="1">
+            <a:spLocks noGrp="1"/>
+          </p:cNvSpPr>
+          <p:nvPr>
+            <p:ph type="title"/>
+          </p:nvPr>
+        </p:nvSpPr>
+        <p:spPr>
+          <a:xfrm>
+            <a:off x="669726" y="133945"/>
+            <a:ext cx="7804500" cy="1138500"/>
+          </a:xfrm>
+          <a:prstGeom prst="rect">
+            <a:avLst/>
+          </a:prstGeom>
+          <a:noFill/>
+          <a:ln>
+            <a:noFill/>
+          </a:ln>
+        </p:spPr>
+        <p:txBody>
+          <a:bodyPr lIns="32750" tIns="32750" rIns="32750" bIns="32750" anchor="ctr" anchorCtr="0">
+            <a:noAutofit/>
+          </a:bodyPr>
+          <a:lstStyle/>
+          <a:p>
+            <a:pPr marL="0" marR="0" lvl="0" indent="0" algn="ctr" rtl="0">
+              <a:lnSpc>
+                <a:spcPct val="100000"/>
+              </a:lnSpc>
+              <a:spcBef>
+                <a:spcPts val="0"/>
+              </a:spcBef>
+              <a:spcAft>
+                <a:spcPts val="0"/>
+              </a:spcAft>
+              <a:buClr>
+                <a:srgbClr val="FFFFFF"/>
+              </a:buClr>
+              <a:buSzPct val="25000"/>
+              <a:buFont typeface="Helvetica Neue"/>
+              <a:buNone/>
+            </a:pPr>
+            <a:r>
+              <a:rPr lang="en-US" sz="5200" b="0" i="0" u="none" strike="noStrike" cap="none">
+                <a:solidFill>
+                  <a:srgbClr val="FFFFFF"/>
+                </a:solidFill>
+                <a:latin typeface="Helvetica Neue"/>
+                <a:ea typeface="Helvetica Neue"/>
+                <a:cs typeface="Helvetica Neue"/>
+                <a:sym typeface="Helvetica Neue"/>
+              </a:rPr>
+              <a:t>Utilities</a:t>
+            </a:r>
+          </a:p>
+        </p:txBody>
+      </p:sp>
+      <p:sp>
+        <p:nvSpPr>
+          <p:cNvPr id="283" name="Shape 283"/>
+          <p:cNvSpPr txBox="1">
+            <a:spLocks noGrp="1"/>
+          </p:cNvSpPr>
+          <p:nvPr>
+            <p:ph type="body" idx="1"/>
+          </p:nvPr>
+        </p:nvSpPr>
+        <p:spPr>
+          <a:xfrm>
+            <a:off x="669726" y="1369590"/>
+            <a:ext cx="7804500" cy="3315000"/>
+          </a:xfrm>
+          <a:prstGeom prst="rect">
+            <a:avLst/>
+          </a:prstGeom>
+          <a:noFill/>
+          <a:ln>
+            <a:noFill/>
+          </a:ln>
+        </p:spPr>
+        <p:txBody>
+          <a:bodyPr lIns="32750" tIns="32750" rIns="32750" bIns="32750" anchor="ctr" anchorCtr="0">
+            <a:noAutofit/>
+          </a:bodyPr>
+          <a:lstStyle/>
+          <a:p>
+            <a:pPr marL="292100" marR="0" lvl="0" indent="-292100" algn="l" rtl="0">
+              <a:lnSpc>
+                <a:spcPct val="100000"/>
+              </a:lnSpc>
+              <a:spcBef>
+                <a:spcPts val="0"/>
+              </a:spcBef>
+              <a:spcAft>
+                <a:spcPts val="0"/>
+              </a:spcAft>
+              <a:buClr>
+                <a:srgbClr val="FFFFFF"/>
+              </a:buClr>
+              <a:buSzPct val="75000"/>
+              <a:buFont typeface="Helvetica Neue"/>
+              <a:buChar char="•"/>
+            </a:pPr>
+            <a:r>
+              <a:rPr lang="en-US" sz="2400" b="0" i="0" u="none" strike="noStrike" cap="none">
+                <a:solidFill>
+                  <a:srgbClr val="FFFFFF"/>
+                </a:solidFill>
+                <a:latin typeface="Helvetica Neue"/>
+                <a:ea typeface="Helvetica Neue"/>
+                <a:cs typeface="Helvetica Neue"/>
+                <a:sym typeface="Helvetica Neue"/>
+              </a:rPr>
+              <a:t>Node comes with the following:</a:t>
+            </a:r>
+          </a:p>
+          <a:p>
+            <a:pPr marL="571500" marR="0" lvl="1" indent="-279400" algn="l" rtl="0">
+              <a:lnSpc>
+                <a:spcPct val="100000"/>
+              </a:lnSpc>
+              <a:spcBef>
+                <a:spcPts val="2700"/>
+              </a:spcBef>
+              <a:spcAft>
+                <a:spcPts val="0"/>
+              </a:spcAft>
+              <a:buClr>
+                <a:srgbClr val="FFFFFF"/>
+              </a:buClr>
+              <a:buSzPct val="75000"/>
+              <a:buFont typeface="Helvetica Neue"/>
+              <a:buChar char="•"/>
+            </a:pPr>
+            <a:r>
+              <a:rPr lang="en-US" sz="2400" b="0" i="0" u="none" strike="noStrike" cap="none">
+                <a:solidFill>
+                  <a:srgbClr val="FFFFFF"/>
+                </a:solidFill>
+                <a:latin typeface="Helvetica Neue"/>
+                <a:ea typeface="Helvetica Neue"/>
+                <a:cs typeface="Helvetica Neue"/>
+                <a:sym typeface="Helvetica Neue"/>
+              </a:rPr>
+              <a:t>I/O, Sockets(http/dns/udp/etc), crypto functions, data streams</a:t>
+            </a:r>
+          </a:p>
+          <a:p>
+            <a:pPr marL="292100" marR="0" lvl="0" indent="-292100" algn="l" rtl="0">
+              <a:lnSpc>
+                <a:spcPct val="100000"/>
+              </a:lnSpc>
+              <a:spcBef>
+                <a:spcPts val="2700"/>
+              </a:spcBef>
+              <a:spcAft>
+                <a:spcPts val="0"/>
+              </a:spcAft>
+              <a:buClr>
+                <a:srgbClr val="FFFFFF"/>
+              </a:buClr>
+              <a:buSzPct val="75000"/>
+              <a:buFont typeface="Helvetica Neue"/>
+              <a:buChar char="•"/>
+            </a:pPr>
+            <a:r>
+              <a:rPr lang="en-US" sz="2400" b="0" i="0" u="none" strike="noStrike" cap="none">
+                <a:solidFill>
+                  <a:srgbClr val="FFFFFF"/>
+                </a:solidFill>
+                <a:latin typeface="Helvetica Neue"/>
+                <a:ea typeface="Helvetica Neue"/>
+                <a:cs typeface="Helvetica Neue"/>
+                <a:sym typeface="Helvetica Neue"/>
+              </a:rPr>
+              <a:t>Runs on Linux, Mac, Windows</a:t>
+            </a:r>
+          </a:p>
+        </p:txBody>
+      </p:sp>
+    </p:spTree>
+  </p:cSld>
+  <p:clrMapOvr>
+    <a:masterClrMapping/>
+  </p:clrMapOvr>
+  <p:timing>
+    <p:tnLst>
+      <p:par>
+        <p:cTn id="1" dur="indefinite" restart="never" nodeType="tmRoot"/>
+      </p:par>
+    </p:tnLst>
+  </p:timing>
+</p:sld>
+</file>
+
+<file path=ppt/slides/slide41.xml><?xml version="1.0" encoding="utf-8"?>
+<p:sld xmlns:a="http://schemas.openxmlformats.org/drawingml/2006/main" xmlns:r="http://schemas.openxmlformats.org/officeDocument/2006/relationships" xmlns:p="http://schemas.openxmlformats.org/presentationml/2006/main">
+  <p:cSld>
+    <p:spTree>
+      <p:nvGrpSpPr>
+        <p:cNvPr id="1" name="Shape 287"/>
+        <p:cNvGrpSpPr/>
+        <p:nvPr/>
+      </p:nvGrpSpPr>
+      <p:grpSpPr>
+        <a:xfrm>
+          <a:off x="0" y="0"/>
+          <a:ext cx="0" cy="0"/>
+          <a:chOff x="0" y="0"/>
+          <a:chExt cx="0" cy="0"/>
+        </a:xfrm>
+      </p:grpSpPr>
+      <p:sp>
+        <p:nvSpPr>
+          <p:cNvPr id="288" name="Shape 288"/>
+          <p:cNvSpPr txBox="1">
+            <a:spLocks noGrp="1"/>
+          </p:cNvSpPr>
+          <p:nvPr>
+            <p:ph type="title"/>
+          </p:nvPr>
+        </p:nvSpPr>
+        <p:spPr>
+          <a:xfrm>
+            <a:off x="669726" y="133945"/>
+            <a:ext cx="7804500" cy="1138500"/>
+          </a:xfrm>
+          <a:prstGeom prst="rect">
+            <a:avLst/>
+          </a:prstGeom>
+          <a:noFill/>
+          <a:ln>
+            <a:noFill/>
+          </a:ln>
+        </p:spPr>
+        <p:txBody>
+          <a:bodyPr lIns="32750" tIns="32750" rIns="32750" bIns="32750" anchor="ctr" anchorCtr="0">
+            <a:noAutofit/>
+          </a:bodyPr>
+          <a:lstStyle/>
+          <a:p>
+            <a:pPr marL="0" marR="0" lvl="0" indent="0" algn="ctr" rtl="0">
+              <a:lnSpc>
+                <a:spcPct val="100000"/>
+              </a:lnSpc>
+              <a:spcBef>
+                <a:spcPts val="0"/>
+              </a:spcBef>
+              <a:spcAft>
+                <a:spcPts val="0"/>
+              </a:spcAft>
+              <a:buClr>
+                <a:srgbClr val="FFFFFF"/>
+              </a:buClr>
+              <a:buSzPct val="25000"/>
+              <a:buFont typeface="Helvetica Neue"/>
+              <a:buNone/>
+            </a:pPr>
+            <a:r>
+              <a:rPr lang="en-US" sz="5200" b="0" i="0" u="none" strike="noStrike" cap="none" dirty="0" err="1" smtClean="0">
+                <a:solidFill>
+                  <a:srgbClr val="FFFFFF"/>
+                </a:solidFill>
+                <a:latin typeface="Helvetica Neue"/>
+                <a:ea typeface="Helvetica Neue"/>
+                <a:cs typeface="Helvetica Neue"/>
+                <a:sym typeface="Helvetica Neue"/>
+              </a:rPr>
+              <a:t>Opdracht</a:t>
+            </a:r>
+            <a:r>
+              <a:rPr lang="en-US" dirty="0"/>
+              <a:t> </a:t>
+            </a:r>
+            <a:r>
+              <a:rPr lang="en-US" dirty="0" smtClean="0"/>
+              <a:t>Node</a:t>
+            </a:r>
+            <a:endParaRPr lang="en-US" sz="5200" b="0" i="0" u="none" strike="noStrike" cap="none" dirty="0">
+              <a:solidFill>
+                <a:srgbClr val="FFFFFF"/>
+              </a:solidFill>
+              <a:latin typeface="Helvetica Neue"/>
+              <a:ea typeface="Helvetica Neue"/>
+              <a:cs typeface="Helvetica Neue"/>
+              <a:sym typeface="Helvetica Neue"/>
+            </a:endParaRPr>
+          </a:p>
+        </p:txBody>
+      </p:sp>
+      <p:sp>
+        <p:nvSpPr>
+          <p:cNvPr id="289" name="Shape 289"/>
+          <p:cNvSpPr txBox="1">
+            <a:spLocks noGrp="1"/>
+          </p:cNvSpPr>
+          <p:nvPr>
+            <p:ph type="body" idx="1"/>
+          </p:nvPr>
+        </p:nvSpPr>
+        <p:spPr>
+          <a:xfrm>
+            <a:off x="669726" y="1369590"/>
+            <a:ext cx="7804500" cy="3315000"/>
+          </a:xfrm>
+          <a:prstGeom prst="rect">
+            <a:avLst/>
+          </a:prstGeom>
+          <a:noFill/>
+          <a:ln>
+            <a:noFill/>
+          </a:ln>
+        </p:spPr>
+        <p:txBody>
+          <a:bodyPr lIns="32750" tIns="32750" rIns="32750" bIns="32750" anchor="ctr" anchorCtr="0">
+            <a:noAutofit/>
+          </a:bodyPr>
+          <a:lstStyle/>
+          <a:p>
+            <a:pPr marL="0" lvl="0" indent="0" algn="ctr">
+              <a:spcBef>
+                <a:spcPts val="0"/>
+              </a:spcBef>
+              <a:buNone/>
+            </a:pPr>
+            <a:r>
+              <a:rPr lang="en-US" sz="2400" b="0" i="0" u="sng" strike="noStrike" cap="none" dirty="0" smtClean="0">
+                <a:solidFill>
+                  <a:srgbClr val="FFC000"/>
+                </a:solidFill>
+                <a:sym typeface="Helvetica Neue"/>
+              </a:rPr>
+              <a:t>Open map:</a:t>
+            </a:r>
+            <a:r>
+              <a:rPr lang="en-US" u="sng" dirty="0" smtClean="0">
+                <a:solidFill>
+                  <a:srgbClr val="FFC000"/>
+                </a:solidFill>
+              </a:rPr>
+              <a:t> </a:t>
+            </a:r>
+          </a:p>
+          <a:p>
+            <a:pPr marL="0" lvl="0" indent="0" algn="ctr">
+              <a:spcBef>
+                <a:spcPts val="0"/>
+              </a:spcBef>
+              <a:buNone/>
+            </a:pPr>
+            <a:r>
+              <a:rPr lang="en-US" dirty="0" smtClean="0"/>
+              <a:t>3 </a:t>
+            </a:r>
+            <a:r>
+              <a:rPr lang="en-US" dirty="0"/>
+              <a:t>- </a:t>
+            </a:r>
+            <a:r>
+              <a:rPr lang="en-US" dirty="0" err="1"/>
+              <a:t>Javascript</a:t>
+            </a:r>
+            <a:r>
+              <a:rPr lang="en-US" dirty="0"/>
+              <a:t> + ECMAScript </a:t>
+            </a:r>
+            <a:r>
+              <a:rPr lang="en-US" dirty="0" smtClean="0"/>
+              <a:t>6/</a:t>
+            </a:r>
+            <a:r>
+              <a:rPr lang="en-US" dirty="0" smtClean="0"/>
+              <a:t>ECMAScript </a:t>
+            </a:r>
+            <a:r>
+              <a:rPr lang="en-US" dirty="0" smtClean="0"/>
+              <a:t>6</a:t>
+            </a:r>
+            <a:r>
+              <a:rPr lang="en-US" sz="2400" b="0" i="0" u="none" strike="noStrike" cap="none" dirty="0" smtClean="0">
+                <a:solidFill>
+                  <a:srgbClr val="FFFFFF"/>
+                </a:solidFill>
+                <a:latin typeface="Helvetica Neue"/>
+                <a:ea typeface="Helvetica Neue"/>
+                <a:cs typeface="Helvetica Neue"/>
+                <a:sym typeface="Helvetica Neue"/>
+              </a:rPr>
+              <a:t>/</a:t>
+            </a:r>
+            <a:r>
+              <a:rPr lang="en-US" dirty="0" err="1" smtClean="0"/>
+              <a:t>Readme</a:t>
+            </a:r>
+            <a:r>
+              <a:rPr lang="en-US" sz="2400" b="0" i="0" u="none" strike="noStrike" cap="none" dirty="0" err="1" smtClean="0">
+                <a:solidFill>
+                  <a:srgbClr val="FFFFFF"/>
+                </a:solidFill>
+                <a:latin typeface="Helvetica Neue"/>
+                <a:ea typeface="Helvetica Neue"/>
+                <a:cs typeface="Helvetica Neue"/>
+                <a:sym typeface="Helvetica Neue"/>
+              </a:rPr>
+              <a:t>.</a:t>
+            </a:r>
+            <a:r>
+              <a:rPr lang="en-US" dirty="0" err="1" smtClean="0"/>
+              <a:t>md</a:t>
+            </a:r>
+            <a:endParaRPr lang="en-US" dirty="0"/>
+          </a:p>
+          <a:p>
+            <a:pPr marL="292100" marR="0" lvl="1" indent="0" algn="ctr" rtl="0">
+              <a:lnSpc>
+                <a:spcPct val="100000"/>
+              </a:lnSpc>
+              <a:spcBef>
+                <a:spcPts val="2700"/>
+              </a:spcBef>
+              <a:spcAft>
+                <a:spcPts val="0"/>
+              </a:spcAft>
+              <a:buClr>
+                <a:srgbClr val="FFFFFF"/>
+              </a:buClr>
+              <a:buSzPct val="75000"/>
+              <a:buNone/>
+            </a:pPr>
+            <a:r>
+              <a:rPr lang="en-US" sz="2400" b="0" i="0" u="none" strike="noStrike" cap="none" dirty="0" err="1" smtClean="0">
+                <a:solidFill>
+                  <a:srgbClr val="FFC000"/>
+                </a:solidFill>
+                <a:latin typeface="Helvetica Neue"/>
+                <a:ea typeface="Helvetica Neue"/>
+                <a:cs typeface="Helvetica Neue"/>
+                <a:sym typeface="Helvetica Neue"/>
+              </a:rPr>
+              <a:t>Opdracht</a:t>
+            </a:r>
+            <a:r>
+              <a:rPr lang="en-US" sz="2400" b="0" i="0" u="none" strike="noStrike" cap="none" dirty="0" smtClean="0">
+                <a:solidFill>
+                  <a:srgbClr val="FFC000"/>
+                </a:solidFill>
+                <a:latin typeface="Helvetica Neue"/>
+                <a:ea typeface="Helvetica Neue"/>
+                <a:cs typeface="Helvetica Neue"/>
+                <a:sym typeface="Helvetica Neue"/>
+              </a:rPr>
+              <a:t>: </a:t>
+            </a:r>
+          </a:p>
+          <a:p>
+            <a:pPr marL="292100" marR="0" lvl="1" indent="0" algn="ctr" rtl="0">
+              <a:lnSpc>
+                <a:spcPct val="100000"/>
+              </a:lnSpc>
+              <a:spcBef>
+                <a:spcPts val="2700"/>
+              </a:spcBef>
+              <a:spcAft>
+                <a:spcPts val="0"/>
+              </a:spcAft>
+              <a:buClr>
+                <a:srgbClr val="FFFFFF"/>
+              </a:buClr>
+              <a:buSzPct val="75000"/>
+              <a:buNone/>
+            </a:pPr>
+            <a:r>
+              <a:rPr lang="en-US" sz="2400" b="0" i="0" u="none" strike="noStrike" cap="none" dirty="0" smtClean="0">
+                <a:solidFill>
+                  <a:srgbClr val="FFFFFF"/>
+                </a:solidFill>
+                <a:latin typeface="Helvetica Neue"/>
+                <a:ea typeface="Helvetica Neue"/>
+                <a:cs typeface="Helvetica Neue"/>
+                <a:sym typeface="Helvetica Neue"/>
+              </a:rPr>
+              <a:t>Implement </a:t>
+            </a:r>
+            <a:r>
+              <a:rPr lang="en-US" sz="2400" b="0" i="0" u="none" strike="noStrike" cap="none" dirty="0">
+                <a:solidFill>
+                  <a:srgbClr val="FFFFFF"/>
+                </a:solidFill>
+                <a:latin typeface="Helvetica Neue"/>
+                <a:ea typeface="Helvetica Neue"/>
+                <a:cs typeface="Helvetica Neue"/>
+                <a:sym typeface="Helvetica Neue"/>
+              </a:rPr>
+              <a:t>a directory walker</a:t>
+            </a:r>
+          </a:p>
+        </p:txBody>
+      </p:sp>
+    </p:spTree>
+  </p:cSld>
+  <p:clrMapOvr>
+    <a:masterClrMapping/>
+  </p:clrMapOvr>
+  <p:timing>
+    <p:tnLst>
+      <p:par>
+        <p:cTn id="1" dur="indefinite" restart="never" nodeType="tmRoot"/>
+      </p:par>
+    </p:tnLst>
+  </p:timing>
+</p:sld>
+</file>
+
+<file path=ppt/slides/slide42.xml><?xml version="1.0" encoding="utf-8"?>
+<p:sld xmlns:a="http://schemas.openxmlformats.org/drawingml/2006/main" xmlns:r="http://schemas.openxmlformats.org/officeDocument/2006/relationships" xmlns:p="http://schemas.openxmlformats.org/presentationml/2006/main">
+  <p:cSld>
+    <p:spTree>
+      <p:nvGrpSpPr>
         <p:cNvPr id="1" name="Shape 293"/>
         <p:cNvGrpSpPr/>
         <p:nvPr/>
@@ -29187,7 +29528,7 @@
 </p:sld>
 </file>
 
-<file path=ppt/slides/slide41.xml><?xml version="1.0" encoding="utf-8"?>
+<file path=ppt/slides/slide43.xml><?xml version="1.0" encoding="utf-8"?>
 <p:sld xmlns:a="http://schemas.openxmlformats.org/drawingml/2006/main" xmlns:r="http://schemas.openxmlformats.org/officeDocument/2006/relationships" xmlns:p="http://schemas.openxmlformats.org/presentationml/2006/main">
   <p:cSld>
     <p:spTree>
@@ -29463,8 +29804,8 @@
         </p:nvSpPr>
         <p:spPr>
           <a:xfrm>
-            <a:off x="669726" y="1366242"/>
-            <a:ext cx="7804500" cy="3315000"/>
+            <a:off x="1679172" y="1366242"/>
+            <a:ext cx="6966064" cy="1559838"/>
           </a:xfrm>
           <a:prstGeom prst="rect">
             <a:avLst/>
@@ -29480,7 +29821,7 @@
           </a:bodyPr>
           <a:lstStyle/>
           <a:p>
-            <a:pPr marL="292100" marR="0" lvl="0" indent="-292100" algn="l" rtl="0">
+            <a:pPr marL="0" marR="0" lvl="0" indent="0" algn="l" rtl="0">
               <a:lnSpc>
                 <a:spcPct val="100000"/>
               </a:lnSpc>
@@ -29494,8 +29835,7 @@
                 <a:srgbClr val="FFFFFF"/>
               </a:buClr>
               <a:buSzPct val="75000"/>
-              <a:buFont typeface="Helvetica Neue"/>
-              <a:buChar char="•"/>
+              <a:buNone/>
             </a:pPr>
             <a:r>
               <a:rPr lang="en-US" sz="2400" b="0" i="0" u="none" strike="noStrike" cap="none" dirty="0">
@@ -29560,6 +29900,36 @@
           </a:p>
         </p:txBody>
       </p:sp>
+      <p:pic>
+        <p:nvPicPr>
+          <p:cNvPr id="2" name="Picture 1"/>
+          <p:cNvPicPr>
+            <a:picLocks noChangeAspect="1"/>
+          </p:cNvPicPr>
+          <p:nvPr/>
+        </p:nvPicPr>
+        <p:blipFill>
+          <a:blip r:embed="rId3">
+            <a:extLst>
+              <a:ext uri="{28A0092B-C50C-407E-A947-70E740481C1C}">
+                <a14:useLocalDpi xmlns:a14="http://schemas.microsoft.com/office/drawing/2010/main" val="0"/>
+              </a:ext>
+            </a:extLst>
+          </a:blip>
+          <a:stretch>
+            <a:fillRect/>
+          </a:stretch>
+        </p:blipFill>
+        <p:spPr>
+          <a:xfrm>
+            <a:off x="2510444" y="2637365"/>
+            <a:ext cx="3724101" cy="2086206"/>
+          </a:xfrm>
+          <a:prstGeom prst="rect">
+            <a:avLst/>
+          </a:prstGeom>
+        </p:spPr>
+      </p:pic>
     </p:spTree>
   </p:cSld>
   <p:clrMapOvr>

--- a/frontend-cursus/ 4 - ECMAScript 6 node-browser.pptx
+++ b/frontend-cursus/ 4 - ECMAScript 6 node-browser.pptx
@@ -5,52 +5,53 @@
     <p:sldMasterId id="2147483660" r:id="rId1"/>
   </p:sldMasterIdLst>
   <p:notesMasterIdLst>
-    <p:notesMasterId r:id="rId45"/>
+    <p:notesMasterId r:id="rId46"/>
   </p:notesMasterIdLst>
   <p:sldIdLst>
     <p:sldId id="256" r:id="rId2"/>
     <p:sldId id="257" r:id="rId3"/>
     <p:sldId id="258" r:id="rId4"/>
     <p:sldId id="259" r:id="rId5"/>
-    <p:sldId id="260" r:id="rId6"/>
-    <p:sldId id="261" r:id="rId7"/>
-    <p:sldId id="262" r:id="rId8"/>
-    <p:sldId id="263" r:id="rId9"/>
-    <p:sldId id="264" r:id="rId10"/>
-    <p:sldId id="265" r:id="rId11"/>
-    <p:sldId id="266" r:id="rId12"/>
-    <p:sldId id="267" r:id="rId13"/>
-    <p:sldId id="298" r:id="rId14"/>
-    <p:sldId id="297" r:id="rId15"/>
-    <p:sldId id="268" r:id="rId16"/>
-    <p:sldId id="269" r:id="rId17"/>
-    <p:sldId id="270" r:id="rId18"/>
-    <p:sldId id="271" r:id="rId19"/>
-    <p:sldId id="272" r:id="rId20"/>
-    <p:sldId id="273" r:id="rId21"/>
-    <p:sldId id="274" r:id="rId22"/>
-    <p:sldId id="275" r:id="rId23"/>
-    <p:sldId id="276" r:id="rId24"/>
-    <p:sldId id="277" r:id="rId25"/>
-    <p:sldId id="278" r:id="rId26"/>
-    <p:sldId id="279" r:id="rId27"/>
-    <p:sldId id="280" r:id="rId28"/>
-    <p:sldId id="281" r:id="rId29"/>
-    <p:sldId id="282" r:id="rId30"/>
-    <p:sldId id="285" r:id="rId31"/>
-    <p:sldId id="300" r:id="rId32"/>
-    <p:sldId id="299" r:id="rId33"/>
-    <p:sldId id="286" r:id="rId34"/>
-    <p:sldId id="287" r:id="rId35"/>
-    <p:sldId id="288" r:id="rId36"/>
-    <p:sldId id="289" r:id="rId37"/>
-    <p:sldId id="290" r:id="rId38"/>
-    <p:sldId id="291" r:id="rId39"/>
-    <p:sldId id="292" r:id="rId40"/>
-    <p:sldId id="293" r:id="rId41"/>
-    <p:sldId id="294" r:id="rId42"/>
-    <p:sldId id="295" r:id="rId43"/>
-    <p:sldId id="296" r:id="rId44"/>
+    <p:sldId id="301" r:id="rId6"/>
+    <p:sldId id="260" r:id="rId7"/>
+    <p:sldId id="261" r:id="rId8"/>
+    <p:sldId id="262" r:id="rId9"/>
+    <p:sldId id="263" r:id="rId10"/>
+    <p:sldId id="264" r:id="rId11"/>
+    <p:sldId id="265" r:id="rId12"/>
+    <p:sldId id="266" r:id="rId13"/>
+    <p:sldId id="267" r:id="rId14"/>
+    <p:sldId id="298" r:id="rId15"/>
+    <p:sldId id="297" r:id="rId16"/>
+    <p:sldId id="268" r:id="rId17"/>
+    <p:sldId id="269" r:id="rId18"/>
+    <p:sldId id="270" r:id="rId19"/>
+    <p:sldId id="271" r:id="rId20"/>
+    <p:sldId id="272" r:id="rId21"/>
+    <p:sldId id="273" r:id="rId22"/>
+    <p:sldId id="274" r:id="rId23"/>
+    <p:sldId id="275" r:id="rId24"/>
+    <p:sldId id="276" r:id="rId25"/>
+    <p:sldId id="277" r:id="rId26"/>
+    <p:sldId id="278" r:id="rId27"/>
+    <p:sldId id="279" r:id="rId28"/>
+    <p:sldId id="280" r:id="rId29"/>
+    <p:sldId id="281" r:id="rId30"/>
+    <p:sldId id="282" r:id="rId31"/>
+    <p:sldId id="285" r:id="rId32"/>
+    <p:sldId id="300" r:id="rId33"/>
+    <p:sldId id="299" r:id="rId34"/>
+    <p:sldId id="286" r:id="rId35"/>
+    <p:sldId id="287" r:id="rId36"/>
+    <p:sldId id="288" r:id="rId37"/>
+    <p:sldId id="289" r:id="rId38"/>
+    <p:sldId id="290" r:id="rId39"/>
+    <p:sldId id="291" r:id="rId40"/>
+    <p:sldId id="292" r:id="rId41"/>
+    <p:sldId id="293" r:id="rId42"/>
+    <p:sldId id="294" r:id="rId43"/>
+    <p:sldId id="295" r:id="rId44"/>
+    <p:sldId id="296" r:id="rId45"/>
   </p:sldIdLst>
   <p:sldSz cx="9144000" cy="5143500" type="screen16x9"/>
   <p:notesSz cx="6858000" cy="9144000"/>
@@ -729,6 +730,110 @@
   <p:cSld>
     <p:spTree>
       <p:nvGrpSpPr>
+        <p:cNvPr id="1" name="Shape 102"/>
+        <p:cNvGrpSpPr/>
+        <p:nvPr/>
+      </p:nvGrpSpPr>
+      <p:grpSpPr>
+        <a:xfrm>
+          <a:off x="0" y="0"/>
+          <a:ext cx="0" cy="0"/>
+          <a:chOff x="0" y="0"/>
+          <a:chExt cx="0" cy="0"/>
+        </a:xfrm>
+      </p:grpSpPr>
+      <p:sp>
+        <p:nvSpPr>
+          <p:cNvPr id="103" name="Shape 103"/>
+          <p:cNvSpPr txBox="1">
+            <a:spLocks noGrp="1"/>
+          </p:cNvSpPr>
+          <p:nvPr>
+            <p:ph type="body" idx="1"/>
+          </p:nvPr>
+        </p:nvSpPr>
+        <p:spPr>
+          <a:xfrm>
+            <a:off x="914400" y="4343400"/>
+            <a:ext cx="5029199" cy="4114800"/>
+          </a:xfrm>
+          <a:prstGeom prst="rect">
+            <a:avLst/>
+          </a:prstGeom>
+        </p:spPr>
+        <p:txBody>
+          <a:bodyPr lIns="91425" tIns="91425" rIns="91425" bIns="91425" anchor="t" anchorCtr="0">
+            <a:noAutofit/>
+          </a:bodyPr>
+          <a:lstStyle/>
+          <a:p>
+            <a:pPr lvl="0">
+              <a:spcBef>
+                <a:spcPts val="0"/>
+              </a:spcBef>
+              <a:buNone/>
+            </a:pPr>
+            <a:r>
+              <a:rPr lang="en-US"/>
+              <a:t>In ECMAScript &lt; 6, hoisting would come in place and this code would have run (given that let was var)</a:t>
+            </a:r>
+          </a:p>
+        </p:txBody>
+      </p:sp>
+      <p:sp>
+        <p:nvSpPr>
+          <p:cNvPr id="104" name="Shape 104"/>
+          <p:cNvSpPr>
+            <a:spLocks noGrp="1" noRot="1" noChangeAspect="1"/>
+          </p:cNvSpPr>
+          <p:nvPr>
+            <p:ph type="sldImg" idx="2"/>
+          </p:nvPr>
+        </p:nvSpPr>
+        <p:spPr>
+          <a:xfrm>
+            <a:off x="381000" y="685800"/>
+            <a:ext cx="6096000" cy="3429000"/>
+          </a:xfrm>
+          <a:custGeom>
+            <a:avLst/>
+            <a:gdLst/>
+            <a:ahLst/>
+            <a:cxnLst/>
+            <a:rect l="0" t="0" r="0" b="0"/>
+            <a:pathLst>
+              <a:path w="120000" h="120000" extrusionOk="0">
+                <a:moveTo>
+                  <a:pt x="0" y="0"/>
+                </a:moveTo>
+                <a:lnTo>
+                  <a:pt x="120000" y="0"/>
+                </a:lnTo>
+                <a:lnTo>
+                  <a:pt x="120000" y="120000"/>
+                </a:lnTo>
+                <a:lnTo>
+                  <a:pt x="0" y="120000"/>
+                </a:lnTo>
+                <a:close/>
+              </a:path>
+            </a:pathLst>
+          </a:custGeom>
+        </p:spPr>
+      </p:sp>
+    </p:spTree>
+  </p:cSld>
+  <p:clrMapOvr>
+    <a:masterClrMapping/>
+  </p:clrMapOvr>
+</p:notes>
+</file>
+
+<file path=ppt/notesSlides/notesSlide11.xml><?xml version="1.0" encoding="utf-8"?>
+<p:notes xmlns:a="http://schemas.openxmlformats.org/drawingml/2006/main" xmlns:r="http://schemas.openxmlformats.org/officeDocument/2006/relationships" xmlns:p="http://schemas.openxmlformats.org/presentationml/2006/main" showMasterSp="0" showMasterPhAnim="0">
+  <p:cSld>
+    <p:spTree>
+      <p:nvGrpSpPr>
         <p:cNvPr id="1" name="Shape 108"/>
         <p:cNvGrpSpPr/>
         <p:nvPr/>
@@ -1964,7 +2069,7 @@
 </p:notes>
 </file>
 
-<file path=ppt/notesSlides/notesSlide11.xml><?xml version="1.0" encoding="utf-8"?>
+<file path=ppt/notesSlides/notesSlide12.xml><?xml version="1.0" encoding="utf-8"?>
 <p:notes xmlns:a="http://schemas.openxmlformats.org/drawingml/2006/main" xmlns:r="http://schemas.openxmlformats.org/officeDocument/2006/relationships" xmlns:p="http://schemas.openxmlformats.org/presentationml/2006/main" showMasterSp="0" showMasterPhAnim="0">
   <p:cSld>
     <p:spTree>
@@ -2029,107 +2134,6 @@
         <p:spPr>
           <a:xfrm>
             <a:off x="380999" y="685800"/>
-            <a:ext cx="6096000" cy="3429000"/>
-          </a:xfrm>
-          <a:custGeom>
-            <a:avLst/>
-            <a:gdLst/>
-            <a:ahLst/>
-            <a:cxnLst/>
-            <a:rect l="0" t="0" r="0" b="0"/>
-            <a:pathLst>
-              <a:path w="120000" h="120000" extrusionOk="0">
-                <a:moveTo>
-                  <a:pt x="0" y="0"/>
-                </a:moveTo>
-                <a:lnTo>
-                  <a:pt x="120000" y="0"/>
-                </a:lnTo>
-                <a:lnTo>
-                  <a:pt x="120000" y="120000"/>
-                </a:lnTo>
-                <a:lnTo>
-                  <a:pt x="0" y="120000"/>
-                </a:lnTo>
-                <a:close/>
-              </a:path>
-            </a:pathLst>
-          </a:custGeom>
-        </p:spPr>
-      </p:sp>
-    </p:spTree>
-  </p:cSld>
-  <p:clrMapOvr>
-    <a:masterClrMapping/>
-  </p:clrMapOvr>
-</p:notes>
-</file>
-
-<file path=ppt/notesSlides/notesSlide12.xml><?xml version="1.0" encoding="utf-8"?>
-<p:notes xmlns:a="http://schemas.openxmlformats.org/drawingml/2006/main" xmlns:r="http://schemas.openxmlformats.org/officeDocument/2006/relationships" xmlns:p="http://schemas.openxmlformats.org/presentationml/2006/main" showMasterSp="0" showMasterPhAnim="0">
-  <p:cSld>
-    <p:spTree>
-      <p:nvGrpSpPr>
-        <p:cNvPr id="1" name="Shape 120"/>
-        <p:cNvGrpSpPr/>
-        <p:nvPr/>
-      </p:nvGrpSpPr>
-      <p:grpSpPr>
-        <a:xfrm>
-          <a:off x="0" y="0"/>
-          <a:ext cx="0" cy="0"/>
-          <a:chOff x="0" y="0"/>
-          <a:chExt cx="0" cy="0"/>
-        </a:xfrm>
-      </p:grpSpPr>
-      <p:sp>
-        <p:nvSpPr>
-          <p:cNvPr id="121" name="Shape 121"/>
-          <p:cNvSpPr txBox="1">
-            <a:spLocks noGrp="1"/>
-          </p:cNvSpPr>
-          <p:nvPr>
-            <p:ph type="body" idx="1"/>
-          </p:nvPr>
-        </p:nvSpPr>
-        <p:spPr>
-          <a:xfrm>
-            <a:off x="914400" y="4343400"/>
-            <a:ext cx="5029199" cy="4114800"/>
-          </a:xfrm>
-          <a:prstGeom prst="rect">
-            <a:avLst/>
-          </a:prstGeom>
-        </p:spPr>
-        <p:txBody>
-          <a:bodyPr lIns="91425" tIns="91425" rIns="91425" bIns="91425" anchor="t" anchorCtr="0">
-            <a:noAutofit/>
-          </a:bodyPr>
-          <a:lstStyle/>
-          <a:p>
-            <a:pPr lvl="0">
-              <a:spcBef>
-                <a:spcPts val="0"/>
-              </a:spcBef>
-              <a:buNone/>
-            </a:pPr>
-            <a:endParaRPr/>
-          </a:p>
-        </p:txBody>
-      </p:sp>
-      <p:sp>
-        <p:nvSpPr>
-          <p:cNvPr id="122" name="Shape 122"/>
-          <p:cNvSpPr>
-            <a:spLocks noGrp="1" noRot="1" noChangeAspect="1"/>
-          </p:cNvSpPr>
-          <p:nvPr>
-            <p:ph type="sldImg" idx="2"/>
-          </p:nvPr>
-        </p:nvSpPr>
-        <p:spPr>
-          <a:xfrm>
-            <a:off x="381000" y="685800"/>
             <a:ext cx="6096000" cy="3429000"/>
           </a:xfrm>
           <a:custGeom>
@@ -2208,6 +2212,107 @@
           </a:bodyPr>
           <a:lstStyle/>
           <a:p>
+            <a:pPr lvl="0">
+              <a:spcBef>
+                <a:spcPts val="0"/>
+              </a:spcBef>
+              <a:buNone/>
+            </a:pPr>
+            <a:endParaRPr/>
+          </a:p>
+        </p:txBody>
+      </p:sp>
+      <p:sp>
+        <p:nvSpPr>
+          <p:cNvPr id="122" name="Shape 122"/>
+          <p:cNvSpPr>
+            <a:spLocks noGrp="1" noRot="1" noChangeAspect="1"/>
+          </p:cNvSpPr>
+          <p:nvPr>
+            <p:ph type="sldImg" idx="2"/>
+          </p:nvPr>
+        </p:nvSpPr>
+        <p:spPr>
+          <a:xfrm>
+            <a:off x="381000" y="685800"/>
+            <a:ext cx="6096000" cy="3429000"/>
+          </a:xfrm>
+          <a:custGeom>
+            <a:avLst/>
+            <a:gdLst/>
+            <a:ahLst/>
+            <a:cxnLst/>
+            <a:rect l="0" t="0" r="0" b="0"/>
+            <a:pathLst>
+              <a:path w="120000" h="120000" extrusionOk="0">
+                <a:moveTo>
+                  <a:pt x="0" y="0"/>
+                </a:moveTo>
+                <a:lnTo>
+                  <a:pt x="120000" y="0"/>
+                </a:lnTo>
+                <a:lnTo>
+                  <a:pt x="120000" y="120000"/>
+                </a:lnTo>
+                <a:lnTo>
+                  <a:pt x="0" y="120000"/>
+                </a:lnTo>
+                <a:close/>
+              </a:path>
+            </a:pathLst>
+          </a:custGeom>
+        </p:spPr>
+      </p:sp>
+    </p:spTree>
+  </p:cSld>
+  <p:clrMapOvr>
+    <a:masterClrMapping/>
+  </p:clrMapOvr>
+</p:notes>
+</file>
+
+<file path=ppt/notesSlides/notesSlide14.xml><?xml version="1.0" encoding="utf-8"?>
+<p:notes xmlns:a="http://schemas.openxmlformats.org/drawingml/2006/main" xmlns:r="http://schemas.openxmlformats.org/officeDocument/2006/relationships" xmlns:p="http://schemas.openxmlformats.org/presentationml/2006/main" showMasterSp="0" showMasterPhAnim="0">
+  <p:cSld>
+    <p:spTree>
+      <p:nvGrpSpPr>
+        <p:cNvPr id="1" name="Shape 120"/>
+        <p:cNvGrpSpPr/>
+        <p:nvPr/>
+      </p:nvGrpSpPr>
+      <p:grpSpPr>
+        <a:xfrm>
+          <a:off x="0" y="0"/>
+          <a:ext cx="0" cy="0"/>
+          <a:chOff x="0" y="0"/>
+          <a:chExt cx="0" cy="0"/>
+        </a:xfrm>
+      </p:grpSpPr>
+      <p:sp>
+        <p:nvSpPr>
+          <p:cNvPr id="121" name="Shape 121"/>
+          <p:cNvSpPr txBox="1">
+            <a:spLocks noGrp="1"/>
+          </p:cNvSpPr>
+          <p:nvPr>
+            <p:ph type="body" idx="1"/>
+          </p:nvPr>
+        </p:nvSpPr>
+        <p:spPr>
+          <a:xfrm>
+            <a:off x="914400" y="4343400"/>
+            <a:ext cx="5029199" cy="4114800"/>
+          </a:xfrm>
+          <a:prstGeom prst="rect">
+            <a:avLst/>
+          </a:prstGeom>
+        </p:spPr>
+        <p:txBody>
+          <a:bodyPr lIns="91425" tIns="91425" rIns="91425" bIns="91425" anchor="t" anchorCtr="0">
+            <a:noAutofit/>
+          </a:bodyPr>
+          <a:lstStyle/>
+          <a:p>
             <a:r>
               <a:rPr lang="en-US" sz="2200" b="0" i="0" u="none" strike="noStrike" kern="1200" cap="none" dirty="0" smtClean="0">
                 <a:solidFill>
@@ -2219,10 +2324,10 @@
                 <a:cs typeface="Helvetica Neue"/>
                 <a:sym typeface="Helvetica Neue"/>
               </a:rPr>
-              <a:t>The first part is just declaring a variable and assigning the function (</a:t>
-            </a:r>
-            <a:r>
-              <a:rPr lang="en-US" sz="2200" b="0" i="0" u="none" strike="noStrike" kern="1200" cap="none" dirty="0" err="1" smtClean="0">
+              <a:t>The first part is just </a:t>
+            </a:r>
+            <a:r>
+              <a:rPr lang="en-US" sz="2200" b="1" i="0" u="none" strike="noStrike" kern="1200" cap="none" dirty="0" smtClean="0">
                 <a:solidFill>
                   <a:schemeClr val="tx1"/>
                 </a:solidFill>
@@ -2232,9 +2337,35 @@
                 <a:cs typeface="Helvetica Neue"/>
                 <a:sym typeface="Helvetica Neue"/>
               </a:rPr>
+              <a:t>declaring a variable and assigning the function (</a:t>
+            </a:r>
+            <a:r>
+              <a:rPr lang="en-US" sz="2200" b="1" i="0" u="none" strike="noStrike" kern="1200" cap="none" dirty="0" err="1" smtClean="0">
+                <a:solidFill>
+                  <a:schemeClr val="tx1"/>
+                </a:solidFill>
+                <a:effectLst/>
+                <a:latin typeface="Helvetica Neue"/>
+                <a:ea typeface="Helvetica Neue"/>
+                <a:cs typeface="Helvetica Neue"/>
+                <a:sym typeface="Helvetica Neue"/>
+              </a:rPr>
               <a:t>i.e</a:t>
             </a:r>
             <a:r>
+              <a:rPr lang="en-US" sz="2200" b="1" i="0" u="none" strike="noStrike" kern="1200" cap="none" dirty="0" smtClean="0">
+                <a:solidFill>
+                  <a:schemeClr val="tx1"/>
+                </a:solidFill>
+                <a:effectLst/>
+                <a:latin typeface="Helvetica Neue"/>
+                <a:ea typeface="Helvetica Neue"/>
+                <a:cs typeface="Helvetica Neue"/>
+                <a:sym typeface="Helvetica Neue"/>
+              </a:rPr>
+              <a:t>) () to it</a:t>
+            </a:r>
+            <a:r>
               <a:rPr lang="en-US" sz="2200" b="0" i="0" u="none" strike="noStrike" kern="1200" cap="none" dirty="0" smtClean="0">
                 <a:solidFill>
                   <a:schemeClr val="tx1"/>
@@ -2245,7 +2376,7 @@
                 <a:cs typeface="Helvetica Neue"/>
                 <a:sym typeface="Helvetica Neue"/>
               </a:rPr>
-              <a:t>) () to it. It just says the variable is actually a function.</a:t>
+              <a:t>. It just says the variable is actually a function.</a:t>
             </a:r>
           </a:p>
           <a:p>
@@ -2260,7 +2391,33 @@
                 <a:cs typeface="Helvetica Neue"/>
                 <a:sym typeface="Helvetica Neue"/>
               </a:rPr>
-              <a:t>Then the second part is declaring the body part of the function. The arrow part with the curly braces defines the body part.</a:t>
+              <a:t>Then the second part is </a:t>
+            </a:r>
+            <a:r>
+              <a:rPr lang="en-US" sz="2200" b="1" i="0" u="none" strike="noStrike" kern="1200" cap="none" dirty="0" smtClean="0">
+                <a:solidFill>
+                  <a:schemeClr val="tx1"/>
+                </a:solidFill>
+                <a:effectLst/>
+                <a:latin typeface="Helvetica Neue"/>
+                <a:ea typeface="Helvetica Neue"/>
+                <a:cs typeface="Helvetica Neue"/>
+                <a:sym typeface="Helvetica Neue"/>
+              </a:rPr>
+              <a:t>declaring the body part of the function</a:t>
+            </a:r>
+            <a:r>
+              <a:rPr lang="en-US" sz="2200" b="0" i="0" u="none" strike="noStrike" kern="1200" cap="none" dirty="0" smtClean="0">
+                <a:solidFill>
+                  <a:schemeClr val="tx1"/>
+                </a:solidFill>
+                <a:effectLst/>
+                <a:latin typeface="Helvetica Neue"/>
+                <a:ea typeface="Helvetica Neue"/>
+                <a:cs typeface="Helvetica Neue"/>
+                <a:sym typeface="Helvetica Neue"/>
+              </a:rPr>
+              <a:t>. The arrow part with the curly braces defines the body part.</a:t>
             </a:r>
           </a:p>
           <a:p>
@@ -2328,7 +2485,7 @@
 </p:notes>
 </file>
 
-<file path=ppt/notesSlides/notesSlide14.xml><?xml version="1.0" encoding="utf-8"?>
+<file path=ppt/notesSlides/notesSlide15.xml><?xml version="1.0" encoding="utf-8"?>
 <p:notes xmlns:a="http://schemas.openxmlformats.org/drawingml/2006/main" xmlns:r="http://schemas.openxmlformats.org/officeDocument/2006/relationships" xmlns:p="http://schemas.openxmlformats.org/presentationml/2006/main" showMasterSp="0" showMasterPhAnim="0">
   <p:cSld>
     <p:spTree>
@@ -2434,7 +2591,7 @@
 </p:notes>
 </file>
 
-<file path=ppt/notesSlides/notesSlide15.xml><?xml version="1.0" encoding="utf-8"?>
+<file path=ppt/notesSlides/notesSlide16.xml><?xml version="1.0" encoding="utf-8"?>
 <p:notes xmlns:a="http://schemas.openxmlformats.org/drawingml/2006/main" xmlns:r="http://schemas.openxmlformats.org/officeDocument/2006/relationships" xmlns:p="http://schemas.openxmlformats.org/presentationml/2006/main" showMasterSp="0" showMasterPhAnim="0">
   <p:cSld>
     <p:spTree>
@@ -2535,7 +2692,7 @@
 </p:notes>
 </file>
 
-<file path=ppt/notesSlides/notesSlide16.xml><?xml version="1.0" encoding="utf-8"?>
+<file path=ppt/notesSlides/notesSlide17.xml><?xml version="1.0" encoding="utf-8"?>
 <p:notes xmlns:a="http://schemas.openxmlformats.org/drawingml/2006/main" xmlns:r="http://schemas.openxmlformats.org/officeDocument/2006/relationships" xmlns:p="http://schemas.openxmlformats.org/presentationml/2006/main" showMasterSp="0" showMasterPhAnim="0">
   <p:cSld>
     <p:spTree>
@@ -2636,7 +2793,7 @@
 </p:notes>
 </file>
 
-<file path=ppt/notesSlides/notesSlide17.xml><?xml version="1.0" encoding="utf-8"?>
+<file path=ppt/notesSlides/notesSlide18.xml><?xml version="1.0" encoding="utf-8"?>
 <p:notes xmlns:a="http://schemas.openxmlformats.org/drawingml/2006/main" xmlns:r="http://schemas.openxmlformats.org/officeDocument/2006/relationships" xmlns:p="http://schemas.openxmlformats.org/presentationml/2006/main" showMasterSp="0" showMasterPhAnim="0">
   <p:cSld>
     <p:spTree>
@@ -2825,7 +2982,7 @@
 </p:notes>
 </file>
 
-<file path=ppt/notesSlides/notesSlide18.xml><?xml version="1.0" encoding="utf-8"?>
+<file path=ppt/notesSlides/notesSlide19.xml><?xml version="1.0" encoding="utf-8"?>
 <p:notes xmlns:a="http://schemas.openxmlformats.org/drawingml/2006/main" xmlns:r="http://schemas.openxmlformats.org/officeDocument/2006/relationships" xmlns:p="http://schemas.openxmlformats.org/presentationml/2006/main" showMasterSp="0" showMasterPhAnim="0">
   <p:cSld>
     <p:spTree>
@@ -2880,107 +3037,6 @@
       <p:sp>
         <p:nvSpPr>
           <p:cNvPr id="148" name="Shape 148"/>
-          <p:cNvSpPr>
-            <a:spLocks noGrp="1" noRot="1" noChangeAspect="1"/>
-          </p:cNvSpPr>
-          <p:nvPr>
-            <p:ph type="sldImg" idx="2"/>
-          </p:nvPr>
-        </p:nvSpPr>
-        <p:spPr>
-          <a:xfrm>
-            <a:off x="381000" y="685800"/>
-            <a:ext cx="6096000" cy="3429000"/>
-          </a:xfrm>
-          <a:custGeom>
-            <a:avLst/>
-            <a:gdLst/>
-            <a:ahLst/>
-            <a:cxnLst/>
-            <a:rect l="0" t="0" r="0" b="0"/>
-            <a:pathLst>
-              <a:path w="120000" h="120000" extrusionOk="0">
-                <a:moveTo>
-                  <a:pt x="0" y="0"/>
-                </a:moveTo>
-                <a:lnTo>
-                  <a:pt x="120000" y="0"/>
-                </a:lnTo>
-                <a:lnTo>
-                  <a:pt x="120000" y="120000"/>
-                </a:lnTo>
-                <a:lnTo>
-                  <a:pt x="0" y="120000"/>
-                </a:lnTo>
-                <a:close/>
-              </a:path>
-            </a:pathLst>
-          </a:custGeom>
-        </p:spPr>
-      </p:sp>
-    </p:spTree>
-  </p:cSld>
-  <p:clrMapOvr>
-    <a:masterClrMapping/>
-  </p:clrMapOvr>
-</p:notes>
-</file>
-
-<file path=ppt/notesSlides/notesSlide19.xml><?xml version="1.0" encoding="utf-8"?>
-<p:notes xmlns:a="http://schemas.openxmlformats.org/drawingml/2006/main" xmlns:r="http://schemas.openxmlformats.org/officeDocument/2006/relationships" xmlns:p="http://schemas.openxmlformats.org/presentationml/2006/main" showMasterSp="0" showMasterPhAnim="0">
-  <p:cSld>
-    <p:spTree>
-      <p:nvGrpSpPr>
-        <p:cNvPr id="1" name="Shape 153"/>
-        <p:cNvGrpSpPr/>
-        <p:nvPr/>
-      </p:nvGrpSpPr>
-      <p:grpSpPr>
-        <a:xfrm>
-          <a:off x="0" y="0"/>
-          <a:ext cx="0" cy="0"/>
-          <a:chOff x="0" y="0"/>
-          <a:chExt cx="0" cy="0"/>
-        </a:xfrm>
-      </p:grpSpPr>
-      <p:sp>
-        <p:nvSpPr>
-          <p:cNvPr id="154" name="Shape 154"/>
-          <p:cNvSpPr txBox="1">
-            <a:spLocks noGrp="1"/>
-          </p:cNvSpPr>
-          <p:nvPr>
-            <p:ph type="body" idx="1"/>
-          </p:nvPr>
-        </p:nvSpPr>
-        <p:spPr>
-          <a:xfrm>
-            <a:off x="914400" y="4343400"/>
-            <a:ext cx="5029199" cy="4114800"/>
-          </a:xfrm>
-          <a:prstGeom prst="rect">
-            <a:avLst/>
-          </a:prstGeom>
-        </p:spPr>
-        <p:txBody>
-          <a:bodyPr lIns="91425" tIns="91425" rIns="91425" bIns="91425" anchor="t" anchorCtr="0">
-            <a:noAutofit/>
-          </a:bodyPr>
-          <a:lstStyle/>
-          <a:p>
-            <a:pPr lvl="0">
-              <a:spcBef>
-                <a:spcPts val="0"/>
-              </a:spcBef>
-              <a:buNone/>
-            </a:pPr>
-            <a:endParaRPr/>
-          </a:p>
-        </p:txBody>
-      </p:sp>
-      <p:sp>
-        <p:nvSpPr>
-          <p:cNvPr id="155" name="Shape 155"/>
           <p:cNvSpPr>
             <a:spLocks noGrp="1" noRot="1" noChangeAspect="1"/>
           </p:cNvSpPr>
@@ -3133,6 +3189,107 @@
   <p:cSld>
     <p:spTree>
       <p:nvGrpSpPr>
+        <p:cNvPr id="1" name="Shape 153"/>
+        <p:cNvGrpSpPr/>
+        <p:nvPr/>
+      </p:nvGrpSpPr>
+      <p:grpSpPr>
+        <a:xfrm>
+          <a:off x="0" y="0"/>
+          <a:ext cx="0" cy="0"/>
+          <a:chOff x="0" y="0"/>
+          <a:chExt cx="0" cy="0"/>
+        </a:xfrm>
+      </p:grpSpPr>
+      <p:sp>
+        <p:nvSpPr>
+          <p:cNvPr id="154" name="Shape 154"/>
+          <p:cNvSpPr txBox="1">
+            <a:spLocks noGrp="1"/>
+          </p:cNvSpPr>
+          <p:nvPr>
+            <p:ph type="body" idx="1"/>
+          </p:nvPr>
+        </p:nvSpPr>
+        <p:spPr>
+          <a:xfrm>
+            <a:off x="914400" y="4343400"/>
+            <a:ext cx="5029199" cy="4114800"/>
+          </a:xfrm>
+          <a:prstGeom prst="rect">
+            <a:avLst/>
+          </a:prstGeom>
+        </p:spPr>
+        <p:txBody>
+          <a:bodyPr lIns="91425" tIns="91425" rIns="91425" bIns="91425" anchor="t" anchorCtr="0">
+            <a:noAutofit/>
+          </a:bodyPr>
+          <a:lstStyle/>
+          <a:p>
+            <a:pPr lvl="0">
+              <a:spcBef>
+                <a:spcPts val="0"/>
+              </a:spcBef>
+              <a:buNone/>
+            </a:pPr>
+            <a:endParaRPr/>
+          </a:p>
+        </p:txBody>
+      </p:sp>
+      <p:sp>
+        <p:nvSpPr>
+          <p:cNvPr id="155" name="Shape 155"/>
+          <p:cNvSpPr>
+            <a:spLocks noGrp="1" noRot="1" noChangeAspect="1"/>
+          </p:cNvSpPr>
+          <p:nvPr>
+            <p:ph type="sldImg" idx="2"/>
+          </p:nvPr>
+        </p:nvSpPr>
+        <p:spPr>
+          <a:xfrm>
+            <a:off x="381000" y="685800"/>
+            <a:ext cx="6096000" cy="3429000"/>
+          </a:xfrm>
+          <a:custGeom>
+            <a:avLst/>
+            <a:gdLst/>
+            <a:ahLst/>
+            <a:cxnLst/>
+            <a:rect l="0" t="0" r="0" b="0"/>
+            <a:pathLst>
+              <a:path w="120000" h="120000" extrusionOk="0">
+                <a:moveTo>
+                  <a:pt x="0" y="0"/>
+                </a:moveTo>
+                <a:lnTo>
+                  <a:pt x="120000" y="0"/>
+                </a:lnTo>
+                <a:lnTo>
+                  <a:pt x="120000" y="120000"/>
+                </a:lnTo>
+                <a:lnTo>
+                  <a:pt x="0" y="120000"/>
+                </a:lnTo>
+                <a:close/>
+              </a:path>
+            </a:pathLst>
+          </a:custGeom>
+        </p:spPr>
+      </p:sp>
+    </p:spTree>
+  </p:cSld>
+  <p:clrMapOvr>
+    <a:masterClrMapping/>
+  </p:clrMapOvr>
+</p:notes>
+</file>
+
+<file path=ppt/notesSlides/notesSlide21.xml><?xml version="1.0" encoding="utf-8"?>
+<p:notes xmlns:a="http://schemas.openxmlformats.org/drawingml/2006/main" xmlns:r="http://schemas.openxmlformats.org/officeDocument/2006/relationships" xmlns:p="http://schemas.openxmlformats.org/presentationml/2006/main" showMasterSp="0" showMasterPhAnim="0">
+  <p:cSld>
+    <p:spTree>
+      <p:nvGrpSpPr>
         <p:cNvPr id="1" name="Shape 159"/>
         <p:cNvGrpSpPr/>
         <p:nvPr/>
@@ -3229,7 +3386,7 @@
 </p:notes>
 </file>
 
-<file path=ppt/notesSlides/notesSlide21.xml><?xml version="1.0" encoding="utf-8"?>
+<file path=ppt/notesSlides/notesSlide22.xml><?xml version="1.0" encoding="utf-8"?>
 <p:notes xmlns:a="http://schemas.openxmlformats.org/drawingml/2006/main" xmlns:r="http://schemas.openxmlformats.org/officeDocument/2006/relationships" xmlns:p="http://schemas.openxmlformats.org/presentationml/2006/main" showMasterSp="0" showMasterPhAnim="0">
   <p:cSld>
     <p:spTree>
@@ -3330,7 +3487,7 @@
 </p:notes>
 </file>
 
-<file path=ppt/notesSlides/notesSlide22.xml><?xml version="1.0" encoding="utf-8"?>
+<file path=ppt/notesSlides/notesSlide23.xml><?xml version="1.0" encoding="utf-8"?>
 <p:notes xmlns:a="http://schemas.openxmlformats.org/drawingml/2006/main" xmlns:r="http://schemas.openxmlformats.org/officeDocument/2006/relationships" xmlns:p="http://schemas.openxmlformats.org/presentationml/2006/main" showMasterSp="0" showMasterPhAnim="0">
   <p:cSld>
     <p:spTree>
@@ -3483,7 +3640,7 @@
 </p:notes>
 </file>
 
-<file path=ppt/notesSlides/notesSlide23.xml><?xml version="1.0" encoding="utf-8"?>
+<file path=ppt/notesSlides/notesSlide24.xml><?xml version="1.0" encoding="utf-8"?>
 <p:notes xmlns:a="http://schemas.openxmlformats.org/drawingml/2006/main" xmlns:r="http://schemas.openxmlformats.org/officeDocument/2006/relationships" xmlns:p="http://schemas.openxmlformats.org/presentationml/2006/main" showMasterSp="0" showMasterPhAnim="0">
   <p:cSld>
     <p:spTree>
@@ -3621,7 +3778,7 @@
 </p:notes>
 </file>
 
-<file path=ppt/notesSlides/notesSlide24.xml><?xml version="1.0" encoding="utf-8"?>
+<file path=ppt/notesSlides/notesSlide25.xml><?xml version="1.0" encoding="utf-8"?>
 <p:notes xmlns:a="http://schemas.openxmlformats.org/drawingml/2006/main" xmlns:r="http://schemas.openxmlformats.org/officeDocument/2006/relationships" xmlns:p="http://schemas.openxmlformats.org/presentationml/2006/main" showMasterSp="0" showMasterPhAnim="0">
   <p:cSld>
     <p:spTree>
@@ -3722,7 +3879,7 @@
 </p:notes>
 </file>
 
-<file path=ppt/notesSlides/notesSlide25.xml><?xml version="1.0" encoding="utf-8"?>
+<file path=ppt/notesSlides/notesSlide26.xml><?xml version="1.0" encoding="utf-8"?>
 <p:notes xmlns:a="http://schemas.openxmlformats.org/drawingml/2006/main" xmlns:r="http://schemas.openxmlformats.org/officeDocument/2006/relationships" xmlns:p="http://schemas.openxmlformats.org/presentationml/2006/main" showMasterSp="0" showMasterPhAnim="0">
   <p:cSld>
     <p:spTree>
@@ -3823,7 +3980,7 @@
 </p:notes>
 </file>
 
-<file path=ppt/notesSlides/notesSlide26.xml><?xml version="1.0" encoding="utf-8"?>
+<file path=ppt/notesSlides/notesSlide27.xml><?xml version="1.0" encoding="utf-8"?>
 <p:notes xmlns:a="http://schemas.openxmlformats.org/drawingml/2006/main" xmlns:r="http://schemas.openxmlformats.org/officeDocument/2006/relationships" xmlns:p="http://schemas.openxmlformats.org/presentationml/2006/main" showMasterSp="0" showMasterPhAnim="0">
   <p:cSld>
     <p:spTree>
@@ -3924,7 +4081,7 @@
 </p:notes>
 </file>
 
-<file path=ppt/notesSlides/notesSlide27.xml><?xml version="1.0" encoding="utf-8"?>
+<file path=ppt/notesSlides/notesSlide28.xml><?xml version="1.0" encoding="utf-8"?>
 <p:notes xmlns:a="http://schemas.openxmlformats.org/drawingml/2006/main" xmlns:r="http://schemas.openxmlformats.org/officeDocument/2006/relationships" xmlns:p="http://schemas.openxmlformats.org/presentationml/2006/main" showMasterSp="0" showMasterPhAnim="0">
   <p:cSld>
     <p:spTree>
@@ -4025,7 +4182,7 @@
 </p:notes>
 </file>
 
-<file path=ppt/notesSlides/notesSlide28.xml><?xml version="1.0" encoding="utf-8"?>
+<file path=ppt/notesSlides/notesSlide29.xml><?xml version="1.0" encoding="utf-8"?>
 <p:notes xmlns:a="http://schemas.openxmlformats.org/drawingml/2006/main" xmlns:r="http://schemas.openxmlformats.org/officeDocument/2006/relationships" xmlns:p="http://schemas.openxmlformats.org/presentationml/2006/main" showMasterSp="0" showMasterPhAnim="0">
   <p:cSld>
     <p:spTree>
@@ -4090,107 +4247,6 @@
         <p:spPr>
           <a:xfrm>
             <a:off x="380999" y="685800"/>
-            <a:ext cx="6096000" cy="3429000"/>
-          </a:xfrm>
-          <a:custGeom>
-            <a:avLst/>
-            <a:gdLst/>
-            <a:ahLst/>
-            <a:cxnLst/>
-            <a:rect l="0" t="0" r="0" b="0"/>
-            <a:pathLst>
-              <a:path w="120000" h="120000" extrusionOk="0">
-                <a:moveTo>
-                  <a:pt x="0" y="0"/>
-                </a:moveTo>
-                <a:lnTo>
-                  <a:pt x="120000" y="0"/>
-                </a:lnTo>
-                <a:lnTo>
-                  <a:pt x="120000" y="120000"/>
-                </a:lnTo>
-                <a:lnTo>
-                  <a:pt x="0" y="120000"/>
-                </a:lnTo>
-                <a:close/>
-              </a:path>
-            </a:pathLst>
-          </a:custGeom>
-        </p:spPr>
-      </p:sp>
-    </p:spTree>
-  </p:cSld>
-  <p:clrMapOvr>
-    <a:masterClrMapping/>
-  </p:clrMapOvr>
-</p:notes>
-</file>
-
-<file path=ppt/notesSlides/notesSlide29.xml><?xml version="1.0" encoding="utf-8"?>
-<p:notes xmlns:a="http://schemas.openxmlformats.org/drawingml/2006/main" xmlns:r="http://schemas.openxmlformats.org/officeDocument/2006/relationships" xmlns:p="http://schemas.openxmlformats.org/presentationml/2006/main" showMasterSp="0" showMasterPhAnim="0">
-  <p:cSld>
-    <p:spTree>
-      <p:nvGrpSpPr>
-        <p:cNvPr id="1" name="Shape 213"/>
-        <p:cNvGrpSpPr/>
-        <p:nvPr/>
-      </p:nvGrpSpPr>
-      <p:grpSpPr>
-        <a:xfrm>
-          <a:off x="0" y="0"/>
-          <a:ext cx="0" cy="0"/>
-          <a:chOff x="0" y="0"/>
-          <a:chExt cx="0" cy="0"/>
-        </a:xfrm>
-      </p:grpSpPr>
-      <p:sp>
-        <p:nvSpPr>
-          <p:cNvPr id="214" name="Shape 214"/>
-          <p:cNvSpPr txBox="1">
-            <a:spLocks noGrp="1"/>
-          </p:cNvSpPr>
-          <p:nvPr>
-            <p:ph type="body" idx="1"/>
-          </p:nvPr>
-        </p:nvSpPr>
-        <p:spPr>
-          <a:xfrm>
-            <a:off x="914400" y="4343400"/>
-            <a:ext cx="5029199" cy="4114800"/>
-          </a:xfrm>
-          <a:prstGeom prst="rect">
-            <a:avLst/>
-          </a:prstGeom>
-        </p:spPr>
-        <p:txBody>
-          <a:bodyPr lIns="91425" tIns="91425" rIns="91425" bIns="91425" anchor="t" anchorCtr="0">
-            <a:noAutofit/>
-          </a:bodyPr>
-          <a:lstStyle/>
-          <a:p>
-            <a:pPr lvl="0">
-              <a:spcBef>
-                <a:spcPts val="0"/>
-              </a:spcBef>
-              <a:buNone/>
-            </a:pPr>
-            <a:endParaRPr/>
-          </a:p>
-        </p:txBody>
-      </p:sp>
-      <p:sp>
-        <p:nvSpPr>
-          <p:cNvPr id="215" name="Shape 215"/>
-          <p:cNvSpPr>
-            <a:spLocks noGrp="1" noRot="1" noChangeAspect="1"/>
-          </p:cNvSpPr>
-          <p:nvPr>
-            <p:ph type="sldImg" idx="2"/>
-          </p:nvPr>
-        </p:nvSpPr>
-        <p:spPr>
-          <a:xfrm>
-            <a:off x="381000" y="685800"/>
             <a:ext cx="6096000" cy="3429000"/>
           </a:xfrm>
           <a:custGeom>
@@ -4333,6 +4389,107 @@
   <p:cSld>
     <p:spTree>
       <p:nvGrpSpPr>
+        <p:cNvPr id="1" name="Shape 213"/>
+        <p:cNvGrpSpPr/>
+        <p:nvPr/>
+      </p:nvGrpSpPr>
+      <p:grpSpPr>
+        <a:xfrm>
+          <a:off x="0" y="0"/>
+          <a:ext cx="0" cy="0"/>
+          <a:chOff x="0" y="0"/>
+          <a:chExt cx="0" cy="0"/>
+        </a:xfrm>
+      </p:grpSpPr>
+      <p:sp>
+        <p:nvSpPr>
+          <p:cNvPr id="214" name="Shape 214"/>
+          <p:cNvSpPr txBox="1">
+            <a:spLocks noGrp="1"/>
+          </p:cNvSpPr>
+          <p:nvPr>
+            <p:ph type="body" idx="1"/>
+          </p:nvPr>
+        </p:nvSpPr>
+        <p:spPr>
+          <a:xfrm>
+            <a:off x="914400" y="4343400"/>
+            <a:ext cx="5029199" cy="4114800"/>
+          </a:xfrm>
+          <a:prstGeom prst="rect">
+            <a:avLst/>
+          </a:prstGeom>
+        </p:spPr>
+        <p:txBody>
+          <a:bodyPr lIns="91425" tIns="91425" rIns="91425" bIns="91425" anchor="t" anchorCtr="0">
+            <a:noAutofit/>
+          </a:bodyPr>
+          <a:lstStyle/>
+          <a:p>
+            <a:pPr lvl="0">
+              <a:spcBef>
+                <a:spcPts val="0"/>
+              </a:spcBef>
+              <a:buNone/>
+            </a:pPr>
+            <a:endParaRPr/>
+          </a:p>
+        </p:txBody>
+      </p:sp>
+      <p:sp>
+        <p:nvSpPr>
+          <p:cNvPr id="215" name="Shape 215"/>
+          <p:cNvSpPr>
+            <a:spLocks noGrp="1" noRot="1" noChangeAspect="1"/>
+          </p:cNvSpPr>
+          <p:nvPr>
+            <p:ph type="sldImg" idx="2"/>
+          </p:nvPr>
+        </p:nvSpPr>
+        <p:spPr>
+          <a:xfrm>
+            <a:off x="381000" y="685800"/>
+            <a:ext cx="6096000" cy="3429000"/>
+          </a:xfrm>
+          <a:custGeom>
+            <a:avLst/>
+            <a:gdLst/>
+            <a:ahLst/>
+            <a:cxnLst/>
+            <a:rect l="0" t="0" r="0" b="0"/>
+            <a:pathLst>
+              <a:path w="120000" h="120000" extrusionOk="0">
+                <a:moveTo>
+                  <a:pt x="0" y="0"/>
+                </a:moveTo>
+                <a:lnTo>
+                  <a:pt x="120000" y="0"/>
+                </a:lnTo>
+                <a:lnTo>
+                  <a:pt x="120000" y="120000"/>
+                </a:lnTo>
+                <a:lnTo>
+                  <a:pt x="0" y="120000"/>
+                </a:lnTo>
+                <a:close/>
+              </a:path>
+            </a:pathLst>
+          </a:custGeom>
+        </p:spPr>
+      </p:sp>
+    </p:spTree>
+  </p:cSld>
+  <p:clrMapOvr>
+    <a:masterClrMapping/>
+  </p:clrMapOvr>
+</p:notes>
+</file>
+
+<file path=ppt/notesSlides/notesSlide31.xml><?xml version="1.0" encoding="utf-8"?>
+<p:notes xmlns:a="http://schemas.openxmlformats.org/drawingml/2006/main" xmlns:r="http://schemas.openxmlformats.org/officeDocument/2006/relationships" xmlns:p="http://schemas.openxmlformats.org/presentationml/2006/main" showMasterSp="0" showMasterPhAnim="0">
+  <p:cSld>
+    <p:spTree>
+      <p:nvGrpSpPr>
         <p:cNvPr id="1" name="Shape 231"/>
         <p:cNvGrpSpPr/>
         <p:nvPr/>
@@ -4429,7 +4586,7 @@
 </p:notes>
 </file>
 
-<file path=ppt/notesSlides/notesSlide31.xml><?xml version="1.0" encoding="utf-8"?>
+<file path=ppt/notesSlides/notesSlide32.xml><?xml version="1.0" encoding="utf-8"?>
 <p:notes xmlns:a="http://schemas.openxmlformats.org/drawingml/2006/main" xmlns:r="http://schemas.openxmlformats.org/officeDocument/2006/relationships" xmlns:p="http://schemas.openxmlformats.org/presentationml/2006/main" showMasterSp="0" showMasterPhAnim="0">
   <p:cSld>
     <p:spTree>
@@ -4530,7 +4687,7 @@
 </p:notes>
 </file>
 
-<file path=ppt/notesSlides/notesSlide32.xml><?xml version="1.0" encoding="utf-8"?>
+<file path=ppt/notesSlides/notesSlide33.xml><?xml version="1.0" encoding="utf-8"?>
 <p:notes xmlns:a="http://schemas.openxmlformats.org/drawingml/2006/main" xmlns:r="http://schemas.openxmlformats.org/officeDocument/2006/relationships" xmlns:p="http://schemas.openxmlformats.org/presentationml/2006/main" showMasterSp="0" showMasterPhAnim="0">
   <p:cSld>
     <p:spTree>
@@ -4631,7 +4788,7 @@
 </p:notes>
 </file>
 
-<file path=ppt/notesSlides/notesSlide33.xml><?xml version="1.0" encoding="utf-8"?>
+<file path=ppt/notesSlides/notesSlide34.xml><?xml version="1.0" encoding="utf-8"?>
 <p:notes xmlns:a="http://schemas.openxmlformats.org/drawingml/2006/main" xmlns:r="http://schemas.openxmlformats.org/officeDocument/2006/relationships" xmlns:p="http://schemas.openxmlformats.org/presentationml/2006/main" showMasterSp="0" showMasterPhAnim="0">
   <p:cSld>
     <p:spTree>
@@ -4732,7 +4889,7 @@
 </p:notes>
 </file>
 
-<file path=ppt/notesSlides/notesSlide34.xml><?xml version="1.0" encoding="utf-8"?>
+<file path=ppt/notesSlides/notesSlide35.xml><?xml version="1.0" encoding="utf-8"?>
 <p:notes xmlns:a="http://schemas.openxmlformats.org/drawingml/2006/main" xmlns:r="http://schemas.openxmlformats.org/officeDocument/2006/relationships" xmlns:p="http://schemas.openxmlformats.org/presentationml/2006/main" showMasterSp="0" showMasterPhAnim="0">
   <p:cSld>
     <p:spTree>
@@ -4833,7 +4990,7 @@
 </p:notes>
 </file>
 
-<file path=ppt/notesSlides/notesSlide35.xml><?xml version="1.0" encoding="utf-8"?>
+<file path=ppt/notesSlides/notesSlide36.xml><?xml version="1.0" encoding="utf-8"?>
 <p:notes xmlns:a="http://schemas.openxmlformats.org/drawingml/2006/main" xmlns:r="http://schemas.openxmlformats.org/officeDocument/2006/relationships" xmlns:p="http://schemas.openxmlformats.org/presentationml/2006/main" showMasterSp="0" showMasterPhAnim="0">
   <p:cSld>
     <p:spTree>
@@ -4934,7 +5091,7 @@
 </p:notes>
 </file>
 
-<file path=ppt/notesSlides/notesSlide36.xml><?xml version="1.0" encoding="utf-8"?>
+<file path=ppt/notesSlides/notesSlide37.xml><?xml version="1.0" encoding="utf-8"?>
 <p:notes xmlns:a="http://schemas.openxmlformats.org/drawingml/2006/main" xmlns:r="http://schemas.openxmlformats.org/officeDocument/2006/relationships" xmlns:p="http://schemas.openxmlformats.org/presentationml/2006/main" showMasterSp="0" showMasterPhAnim="0">
   <p:cSld>
     <p:spTree>
@@ -5035,7 +5192,7 @@
 </p:notes>
 </file>
 
-<file path=ppt/notesSlides/notesSlide37.xml><?xml version="1.0" encoding="utf-8"?>
+<file path=ppt/notesSlides/notesSlide38.xml><?xml version="1.0" encoding="utf-8"?>
 <p:notes xmlns:a="http://schemas.openxmlformats.org/drawingml/2006/main" xmlns:r="http://schemas.openxmlformats.org/officeDocument/2006/relationships" xmlns:p="http://schemas.openxmlformats.org/presentationml/2006/main" showMasterSp="0" showMasterPhAnim="0">
   <p:cSld>
     <p:spTree>
@@ -5136,7 +5293,7 @@
 </p:notes>
 </file>
 
-<file path=ppt/notesSlides/notesSlide38.xml><?xml version="1.0" encoding="utf-8"?>
+<file path=ppt/notesSlides/notesSlide39.xml><?xml version="1.0" encoding="utf-8"?>
 <p:notes xmlns:a="http://schemas.openxmlformats.org/drawingml/2006/main" xmlns:r="http://schemas.openxmlformats.org/officeDocument/2006/relationships" xmlns:p="http://schemas.openxmlformats.org/presentationml/2006/main" showMasterSp="0" showMasterPhAnim="0">
   <p:cSld>
     <p:spTree>
@@ -5201,107 +5358,6 @@
         <p:spPr>
           <a:xfrm>
             <a:off x="380999" y="685800"/>
-            <a:ext cx="6096000" cy="3429000"/>
-          </a:xfrm>
-          <a:custGeom>
-            <a:avLst/>
-            <a:gdLst/>
-            <a:ahLst/>
-            <a:cxnLst/>
-            <a:rect l="0" t="0" r="0" b="0"/>
-            <a:pathLst>
-              <a:path w="120000" h="120000" extrusionOk="0">
-                <a:moveTo>
-                  <a:pt x="0" y="0"/>
-                </a:moveTo>
-                <a:lnTo>
-                  <a:pt x="120000" y="0"/>
-                </a:lnTo>
-                <a:lnTo>
-                  <a:pt x="120000" y="120000"/>
-                </a:lnTo>
-                <a:lnTo>
-                  <a:pt x="0" y="120000"/>
-                </a:lnTo>
-                <a:close/>
-              </a:path>
-            </a:pathLst>
-          </a:custGeom>
-        </p:spPr>
-      </p:sp>
-    </p:spTree>
-  </p:cSld>
-  <p:clrMapOvr>
-    <a:masterClrMapping/>
-  </p:clrMapOvr>
-</p:notes>
-</file>
-
-<file path=ppt/notesSlides/notesSlide39.xml><?xml version="1.0" encoding="utf-8"?>
-<p:notes xmlns:a="http://schemas.openxmlformats.org/drawingml/2006/main" xmlns:r="http://schemas.openxmlformats.org/officeDocument/2006/relationships" xmlns:p="http://schemas.openxmlformats.org/presentationml/2006/main" showMasterSp="0" showMasterPhAnim="0">
-  <p:cSld>
-    <p:spTree>
-      <p:nvGrpSpPr>
-        <p:cNvPr id="1" name="Shape 284"/>
-        <p:cNvGrpSpPr/>
-        <p:nvPr/>
-      </p:nvGrpSpPr>
-      <p:grpSpPr>
-        <a:xfrm>
-          <a:off x="0" y="0"/>
-          <a:ext cx="0" cy="0"/>
-          <a:chOff x="0" y="0"/>
-          <a:chExt cx="0" cy="0"/>
-        </a:xfrm>
-      </p:grpSpPr>
-      <p:sp>
-        <p:nvSpPr>
-          <p:cNvPr id="285" name="Shape 285"/>
-          <p:cNvSpPr txBox="1">
-            <a:spLocks noGrp="1"/>
-          </p:cNvSpPr>
-          <p:nvPr>
-            <p:ph type="body" idx="1"/>
-          </p:nvPr>
-        </p:nvSpPr>
-        <p:spPr>
-          <a:xfrm>
-            <a:off x="914400" y="4343400"/>
-            <a:ext cx="5029199" cy="4114800"/>
-          </a:xfrm>
-          <a:prstGeom prst="rect">
-            <a:avLst/>
-          </a:prstGeom>
-        </p:spPr>
-        <p:txBody>
-          <a:bodyPr lIns="91425" tIns="91425" rIns="91425" bIns="91425" anchor="t" anchorCtr="0">
-            <a:noAutofit/>
-          </a:bodyPr>
-          <a:lstStyle/>
-          <a:p>
-            <a:pPr lvl="0">
-              <a:spcBef>
-                <a:spcPts val="0"/>
-              </a:spcBef>
-              <a:buNone/>
-            </a:pPr>
-            <a:endParaRPr/>
-          </a:p>
-        </p:txBody>
-      </p:sp>
-      <p:sp>
-        <p:nvSpPr>
-          <p:cNvPr id="286" name="Shape 286"/>
-          <p:cNvSpPr>
-            <a:spLocks noGrp="1" noRot="1" noChangeAspect="1"/>
-          </p:cNvSpPr>
-          <p:nvPr>
-            <p:ph type="sldImg" idx="2"/>
-          </p:nvPr>
-        </p:nvSpPr>
-        <p:spPr>
-          <a:xfrm>
-            <a:off x="381000" y="685800"/>
             <a:ext cx="6096000" cy="3429000"/>
           </a:xfrm>
           <a:custGeom>
@@ -5447,6 +5503,107 @@
   <p:cSld>
     <p:spTree>
       <p:nvGrpSpPr>
+        <p:cNvPr id="1" name="Shape 284"/>
+        <p:cNvGrpSpPr/>
+        <p:nvPr/>
+      </p:nvGrpSpPr>
+      <p:grpSpPr>
+        <a:xfrm>
+          <a:off x="0" y="0"/>
+          <a:ext cx="0" cy="0"/>
+          <a:chOff x="0" y="0"/>
+          <a:chExt cx="0" cy="0"/>
+        </a:xfrm>
+      </p:grpSpPr>
+      <p:sp>
+        <p:nvSpPr>
+          <p:cNvPr id="285" name="Shape 285"/>
+          <p:cNvSpPr txBox="1">
+            <a:spLocks noGrp="1"/>
+          </p:cNvSpPr>
+          <p:nvPr>
+            <p:ph type="body" idx="1"/>
+          </p:nvPr>
+        </p:nvSpPr>
+        <p:spPr>
+          <a:xfrm>
+            <a:off x="914400" y="4343400"/>
+            <a:ext cx="5029199" cy="4114800"/>
+          </a:xfrm>
+          <a:prstGeom prst="rect">
+            <a:avLst/>
+          </a:prstGeom>
+        </p:spPr>
+        <p:txBody>
+          <a:bodyPr lIns="91425" tIns="91425" rIns="91425" bIns="91425" anchor="t" anchorCtr="0">
+            <a:noAutofit/>
+          </a:bodyPr>
+          <a:lstStyle/>
+          <a:p>
+            <a:pPr lvl="0">
+              <a:spcBef>
+                <a:spcPts val="0"/>
+              </a:spcBef>
+              <a:buNone/>
+            </a:pPr>
+            <a:endParaRPr/>
+          </a:p>
+        </p:txBody>
+      </p:sp>
+      <p:sp>
+        <p:nvSpPr>
+          <p:cNvPr id="286" name="Shape 286"/>
+          <p:cNvSpPr>
+            <a:spLocks noGrp="1" noRot="1" noChangeAspect="1"/>
+          </p:cNvSpPr>
+          <p:nvPr>
+            <p:ph type="sldImg" idx="2"/>
+          </p:nvPr>
+        </p:nvSpPr>
+        <p:spPr>
+          <a:xfrm>
+            <a:off x="381000" y="685800"/>
+            <a:ext cx="6096000" cy="3429000"/>
+          </a:xfrm>
+          <a:custGeom>
+            <a:avLst/>
+            <a:gdLst/>
+            <a:ahLst/>
+            <a:cxnLst/>
+            <a:rect l="0" t="0" r="0" b="0"/>
+            <a:pathLst>
+              <a:path w="120000" h="120000" extrusionOk="0">
+                <a:moveTo>
+                  <a:pt x="0" y="0"/>
+                </a:moveTo>
+                <a:lnTo>
+                  <a:pt x="120000" y="0"/>
+                </a:lnTo>
+                <a:lnTo>
+                  <a:pt x="120000" y="120000"/>
+                </a:lnTo>
+                <a:lnTo>
+                  <a:pt x="0" y="120000"/>
+                </a:lnTo>
+                <a:close/>
+              </a:path>
+            </a:pathLst>
+          </a:custGeom>
+        </p:spPr>
+      </p:sp>
+    </p:spTree>
+  </p:cSld>
+  <p:clrMapOvr>
+    <a:masterClrMapping/>
+  </p:clrMapOvr>
+</p:notes>
+</file>
+
+<file path=ppt/notesSlides/notesSlide41.xml><?xml version="1.0" encoding="utf-8"?>
+<p:notes xmlns:a="http://schemas.openxmlformats.org/drawingml/2006/main" xmlns:r="http://schemas.openxmlformats.org/officeDocument/2006/relationships" xmlns:p="http://schemas.openxmlformats.org/presentationml/2006/main" showMasterSp="0" showMasterPhAnim="0">
+  <p:cSld>
+    <p:spTree>
+      <p:nvGrpSpPr>
         <p:cNvPr id="1" name="Shape 290"/>
         <p:cNvGrpSpPr/>
         <p:nvPr/>
@@ -5543,7 +5700,7 @@
 </p:notes>
 </file>
 
-<file path=ppt/notesSlides/notesSlide41.xml><?xml version="1.0" encoding="utf-8"?>
+<file path=ppt/notesSlides/notesSlide42.xml><?xml version="1.0" encoding="utf-8"?>
 <p:notes xmlns:a="http://schemas.openxmlformats.org/drawingml/2006/main" xmlns:r="http://schemas.openxmlformats.org/officeDocument/2006/relationships" xmlns:p="http://schemas.openxmlformats.org/presentationml/2006/main" showMasterSp="0" showMasterPhAnim="0">
   <p:cSld>
     <p:spTree>
@@ -5645,6 +5802,108 @@
 </file>
 
 <file path=ppt/notesSlides/notesSlide5.xml><?xml version="1.0" encoding="utf-8"?>
+<p:notes xmlns:a="http://schemas.openxmlformats.org/drawingml/2006/main" xmlns:r="http://schemas.openxmlformats.org/officeDocument/2006/relationships" xmlns:p="http://schemas.openxmlformats.org/presentationml/2006/main">
+  <p:cSld>
+    <p:spTree>
+      <p:nvGrpSpPr>
+        <p:cNvPr id="1" name=""/>
+        <p:cNvGrpSpPr/>
+        <p:nvPr/>
+      </p:nvGrpSpPr>
+      <p:grpSpPr>
+        <a:xfrm>
+          <a:off x="0" y="0"/>
+          <a:ext cx="0" cy="0"/>
+          <a:chOff x="0" y="0"/>
+          <a:chExt cx="0" cy="0"/>
+        </a:xfrm>
+      </p:grpSpPr>
+      <p:sp>
+        <p:nvSpPr>
+          <p:cNvPr id="2" name="Tijdelijke aanduiding voor dia-afbeelding 1"/>
+          <p:cNvSpPr>
+            <a:spLocks noGrp="1" noRot="1" noChangeAspect="1"/>
+          </p:cNvSpPr>
+          <p:nvPr>
+            <p:ph type="sldImg"/>
+          </p:nvPr>
+        </p:nvSpPr>
+        <p:spPr>
+          <a:xfrm>
+            <a:off x="381000" y="685800"/>
+            <a:ext cx="6096000" cy="3429000"/>
+          </a:xfrm>
+        </p:spPr>
+      </p:sp>
+      <p:sp>
+        <p:nvSpPr>
+          <p:cNvPr id="3" name="Tijdelijke aanduiding voor notities 2"/>
+          <p:cNvSpPr>
+            <a:spLocks noGrp="1"/>
+          </p:cNvSpPr>
+          <p:nvPr>
+            <p:ph type="body" idx="1"/>
+          </p:nvPr>
+        </p:nvSpPr>
+        <p:spPr/>
+        <p:txBody>
+          <a:bodyPr/>
+          <a:lstStyle/>
+          <a:p>
+            <a:r>
+              <a:rPr lang="nl-NL" dirty="0" smtClean="0"/>
+              <a:t>`Wat zijn de voordelen van typescript</a:t>
+            </a:r>
+            <a:endParaRPr lang="nl-NL" dirty="0"/>
+          </a:p>
+        </p:txBody>
+      </p:sp>
+      <p:sp>
+        <p:nvSpPr>
+          <p:cNvPr id="4" name="Tijdelijke aanduiding voor dianummer 3"/>
+          <p:cNvSpPr>
+            <a:spLocks noGrp="1"/>
+          </p:cNvSpPr>
+          <p:nvPr>
+            <p:ph type="sldNum" sz="quarter" idx="10"/>
+          </p:nvPr>
+        </p:nvSpPr>
+        <p:spPr>
+          <a:xfrm>
+            <a:off x="3884613" y="8685213"/>
+            <a:ext cx="2971800" cy="458787"/>
+          </a:xfrm>
+          <a:prstGeom prst="rect">
+            <a:avLst/>
+          </a:prstGeom>
+        </p:spPr>
+        <p:txBody>
+          <a:bodyPr/>
+          <a:lstStyle/>
+          <a:p>
+            <a:fld id="{62C99B02-DBAA-4F03-954B-2F74ED1216A4}" type="slidenum">
+              <a:rPr lang="nl-NL" smtClean="0"/>
+              <a:pPr/>
+              <a:t>5</a:t>
+            </a:fld>
+            <a:endParaRPr lang="nl-NL"/>
+          </a:p>
+        </p:txBody>
+      </p:sp>
+    </p:spTree>
+    <p:extLst>
+      <p:ext uri="{BB962C8B-B14F-4D97-AF65-F5344CB8AC3E}">
+        <p14:creationId xmlns:p14="http://schemas.microsoft.com/office/powerpoint/2010/main" val="590722758"/>
+      </p:ext>
+    </p:extLst>
+  </p:cSld>
+  <p:clrMapOvr>
+    <a:masterClrMapping/>
+  </p:clrMapOvr>
+</p:notes>
+</file>
+
+<file path=ppt/notesSlides/notesSlide6.xml><?xml version="1.0" encoding="utf-8"?>
 <p:notes xmlns:a="http://schemas.openxmlformats.org/drawingml/2006/main" xmlns:r="http://schemas.openxmlformats.org/officeDocument/2006/relationships" xmlns:p="http://schemas.openxmlformats.org/presentationml/2006/main" showMasterSp="0" showMasterPhAnim="0">
   <p:cSld>
     <p:spTree>
@@ -5745,7 +6004,7 @@
 </p:notes>
 </file>
 
-<file path=ppt/notesSlides/notesSlide6.xml><?xml version="1.0" encoding="utf-8"?>
+<file path=ppt/notesSlides/notesSlide7.xml><?xml version="1.0" encoding="utf-8"?>
 <p:notes xmlns:a="http://schemas.openxmlformats.org/drawingml/2006/main" xmlns:r="http://schemas.openxmlformats.org/officeDocument/2006/relationships" xmlns:p="http://schemas.openxmlformats.org/presentationml/2006/main" showMasterSp="0" showMasterPhAnim="0">
   <p:cSld>
     <p:spTree>
@@ -5846,7 +6105,7 @@
 </p:notes>
 </file>
 
-<file path=ppt/notesSlides/notesSlide7.xml><?xml version="1.0" encoding="utf-8"?>
+<file path=ppt/notesSlides/notesSlide8.xml><?xml version="1.0" encoding="utf-8"?>
 <p:notes xmlns:a="http://schemas.openxmlformats.org/drawingml/2006/main" xmlns:r="http://schemas.openxmlformats.org/officeDocument/2006/relationships" xmlns:p="http://schemas.openxmlformats.org/presentationml/2006/main" showMasterSp="0" showMasterPhAnim="0">
   <p:cSld>
     <p:spTree>
@@ -5947,7 +6206,7 @@
 </p:notes>
 </file>
 
-<file path=ppt/notesSlides/notesSlide8.xml><?xml version="1.0" encoding="utf-8"?>
+<file path=ppt/notesSlides/notesSlide9.xml><?xml version="1.0" encoding="utf-8"?>
 <p:notes xmlns:a="http://schemas.openxmlformats.org/drawingml/2006/main" xmlns:r="http://schemas.openxmlformats.org/officeDocument/2006/relationships" xmlns:p="http://schemas.openxmlformats.org/presentationml/2006/main" showMasterSp="0" showMasterPhAnim="0">
   <p:cSld>
     <p:spTree>
@@ -6052,110 +6311,6 @@
       <p:sp>
         <p:nvSpPr>
           <p:cNvPr id="98" name="Shape 98"/>
-          <p:cNvSpPr>
-            <a:spLocks noGrp="1" noRot="1" noChangeAspect="1"/>
-          </p:cNvSpPr>
-          <p:nvPr>
-            <p:ph type="sldImg" idx="2"/>
-          </p:nvPr>
-        </p:nvSpPr>
-        <p:spPr>
-          <a:xfrm>
-            <a:off x="381000" y="685800"/>
-            <a:ext cx="6096000" cy="3429000"/>
-          </a:xfrm>
-          <a:custGeom>
-            <a:avLst/>
-            <a:gdLst/>
-            <a:ahLst/>
-            <a:cxnLst/>
-            <a:rect l="0" t="0" r="0" b="0"/>
-            <a:pathLst>
-              <a:path w="120000" h="120000" extrusionOk="0">
-                <a:moveTo>
-                  <a:pt x="0" y="0"/>
-                </a:moveTo>
-                <a:lnTo>
-                  <a:pt x="120000" y="0"/>
-                </a:lnTo>
-                <a:lnTo>
-                  <a:pt x="120000" y="120000"/>
-                </a:lnTo>
-                <a:lnTo>
-                  <a:pt x="0" y="120000"/>
-                </a:lnTo>
-                <a:close/>
-              </a:path>
-            </a:pathLst>
-          </a:custGeom>
-        </p:spPr>
-      </p:sp>
-    </p:spTree>
-  </p:cSld>
-  <p:clrMapOvr>
-    <a:masterClrMapping/>
-  </p:clrMapOvr>
-</p:notes>
-</file>
-
-<file path=ppt/notesSlides/notesSlide9.xml><?xml version="1.0" encoding="utf-8"?>
-<p:notes xmlns:a="http://schemas.openxmlformats.org/drawingml/2006/main" xmlns:r="http://schemas.openxmlformats.org/officeDocument/2006/relationships" xmlns:p="http://schemas.openxmlformats.org/presentationml/2006/main" showMasterSp="0" showMasterPhAnim="0">
-  <p:cSld>
-    <p:spTree>
-      <p:nvGrpSpPr>
-        <p:cNvPr id="1" name="Shape 102"/>
-        <p:cNvGrpSpPr/>
-        <p:nvPr/>
-      </p:nvGrpSpPr>
-      <p:grpSpPr>
-        <a:xfrm>
-          <a:off x="0" y="0"/>
-          <a:ext cx="0" cy="0"/>
-          <a:chOff x="0" y="0"/>
-          <a:chExt cx="0" cy="0"/>
-        </a:xfrm>
-      </p:grpSpPr>
-      <p:sp>
-        <p:nvSpPr>
-          <p:cNvPr id="103" name="Shape 103"/>
-          <p:cNvSpPr txBox="1">
-            <a:spLocks noGrp="1"/>
-          </p:cNvSpPr>
-          <p:nvPr>
-            <p:ph type="body" idx="1"/>
-          </p:nvPr>
-        </p:nvSpPr>
-        <p:spPr>
-          <a:xfrm>
-            <a:off x="914400" y="4343400"/>
-            <a:ext cx="5029199" cy="4114800"/>
-          </a:xfrm>
-          <a:prstGeom prst="rect">
-            <a:avLst/>
-          </a:prstGeom>
-        </p:spPr>
-        <p:txBody>
-          <a:bodyPr lIns="91425" tIns="91425" rIns="91425" bIns="91425" anchor="t" anchorCtr="0">
-            <a:noAutofit/>
-          </a:bodyPr>
-          <a:lstStyle/>
-          <a:p>
-            <a:pPr lvl="0">
-              <a:spcBef>
-                <a:spcPts val="0"/>
-              </a:spcBef>
-              <a:buNone/>
-            </a:pPr>
-            <a:r>
-              <a:rPr lang="en-US"/>
-              <a:t>In ECMAScript &lt; 6, hoisting would come in place and this code would have run (given that let was var)</a:t>
-            </a:r>
-          </a:p>
-        </p:txBody>
-      </p:sp>
-      <p:sp>
-        <p:nvSpPr>
-          <p:cNvPr id="104" name="Shape 104"/>
           <p:cNvSpPr>
             <a:spLocks noGrp="1" noRot="1" noChangeAspect="1"/>
           </p:cNvSpPr>
@@ -7896,6 +8051,192 @@
 </p:sldLayout>
 </file>
 
+<file path=ppt/slideLayouts/slideLayout13.xml><?xml version="1.0" encoding="utf-8"?>
+<p:sldLayout xmlns:a="http://schemas.openxmlformats.org/drawingml/2006/main" xmlns:r="http://schemas.openxmlformats.org/officeDocument/2006/relationships" xmlns:p="http://schemas.openxmlformats.org/presentationml/2006/main" type="obj">
+  <p:cSld name="Titel en object">
+    <p:spTree>
+      <p:nvGrpSpPr>
+        <p:cNvPr id="1" name=""/>
+        <p:cNvGrpSpPr/>
+        <p:nvPr/>
+      </p:nvGrpSpPr>
+      <p:grpSpPr>
+        <a:xfrm>
+          <a:off x="0" y="0"/>
+          <a:ext cx="0" cy="0"/>
+          <a:chOff x="0" y="0"/>
+          <a:chExt cx="0" cy="0"/>
+        </a:xfrm>
+      </p:grpSpPr>
+      <p:sp>
+        <p:nvSpPr>
+          <p:cNvPr id="2" name="Titel 1"/>
+          <p:cNvSpPr>
+            <a:spLocks noGrp="1"/>
+          </p:cNvSpPr>
+          <p:nvPr>
+            <p:ph type="title"/>
+          </p:nvPr>
+        </p:nvSpPr>
+        <p:spPr/>
+        <p:txBody>
+          <a:bodyPr/>
+          <a:lstStyle/>
+          <a:p>
+            <a:r>
+              <a:rPr lang="nl-NL" smtClean="0"/>
+              <a:t>Klik om de stijl te bewerken</a:t>
+            </a:r>
+            <a:endParaRPr lang="nl-NL"/>
+          </a:p>
+        </p:txBody>
+      </p:sp>
+      <p:sp>
+        <p:nvSpPr>
+          <p:cNvPr id="3" name="Tijdelijke aanduiding voor inhoud 2"/>
+          <p:cNvSpPr>
+            <a:spLocks noGrp="1"/>
+          </p:cNvSpPr>
+          <p:nvPr>
+            <p:ph idx="1"/>
+          </p:nvPr>
+        </p:nvSpPr>
+        <p:spPr/>
+        <p:txBody>
+          <a:bodyPr/>
+          <a:lstStyle/>
+          <a:p>
+            <a:pPr lvl="0"/>
+            <a:r>
+              <a:rPr lang="nl-NL" smtClean="0"/>
+              <a:t>Klik om de modelstijlen te bewerken</a:t>
+            </a:r>
+          </a:p>
+          <a:p>
+            <a:pPr lvl="1"/>
+            <a:r>
+              <a:rPr lang="nl-NL" smtClean="0"/>
+              <a:t>Tweede niveau</a:t>
+            </a:r>
+          </a:p>
+          <a:p>
+            <a:pPr lvl="2"/>
+            <a:r>
+              <a:rPr lang="nl-NL" smtClean="0"/>
+              <a:t>Derde niveau</a:t>
+            </a:r>
+          </a:p>
+          <a:p>
+            <a:pPr lvl="3"/>
+            <a:r>
+              <a:rPr lang="nl-NL" smtClean="0"/>
+              <a:t>Vierde niveau</a:t>
+            </a:r>
+          </a:p>
+          <a:p>
+            <a:pPr lvl="4"/>
+            <a:r>
+              <a:rPr lang="nl-NL" smtClean="0"/>
+              <a:t>Vijfde niveau</a:t>
+            </a:r>
+            <a:endParaRPr lang="nl-NL"/>
+          </a:p>
+        </p:txBody>
+      </p:sp>
+      <p:sp>
+        <p:nvSpPr>
+          <p:cNvPr id="4" name="Tijdelijke aanduiding voor datum 3"/>
+          <p:cNvSpPr>
+            <a:spLocks noGrp="1"/>
+          </p:cNvSpPr>
+          <p:nvPr>
+            <p:ph type="dt" sz="half" idx="10"/>
+          </p:nvPr>
+        </p:nvSpPr>
+        <p:spPr>
+          <a:xfrm>
+            <a:off x="628650" y="4767263"/>
+            <a:ext cx="2057400" cy="273844"/>
+          </a:xfrm>
+          <a:prstGeom prst="rect">
+            <a:avLst/>
+          </a:prstGeom>
+        </p:spPr>
+        <p:txBody>
+          <a:bodyPr/>
+          <a:lstStyle/>
+          <a:p>
+            <a:fld id="{35F65C51-E4BF-4FAD-97FA-C994B8CE38B5}" type="datetimeFigureOut">
+              <a:rPr lang="nl-NL" smtClean="0"/>
+              <a:t>24-04-18</a:t>
+            </a:fld>
+            <a:endParaRPr lang="nl-NL"/>
+          </a:p>
+        </p:txBody>
+      </p:sp>
+      <p:sp>
+        <p:nvSpPr>
+          <p:cNvPr id="5" name="Tijdelijke aanduiding voor voettekst 4"/>
+          <p:cNvSpPr>
+            <a:spLocks noGrp="1"/>
+          </p:cNvSpPr>
+          <p:nvPr>
+            <p:ph type="ftr" sz="quarter" idx="11"/>
+          </p:nvPr>
+        </p:nvSpPr>
+        <p:spPr>
+          <a:xfrm>
+            <a:off x="3028950" y="4767263"/>
+            <a:ext cx="3086100" cy="273844"/>
+          </a:xfrm>
+          <a:prstGeom prst="rect">
+            <a:avLst/>
+          </a:prstGeom>
+        </p:spPr>
+        <p:txBody>
+          <a:bodyPr/>
+          <a:lstStyle/>
+          <a:p>
+            <a:endParaRPr lang="nl-NL"/>
+          </a:p>
+        </p:txBody>
+      </p:sp>
+      <p:sp>
+        <p:nvSpPr>
+          <p:cNvPr id="6" name="Tijdelijke aanduiding voor dianummer 5"/>
+          <p:cNvSpPr>
+            <a:spLocks noGrp="1"/>
+          </p:cNvSpPr>
+          <p:nvPr>
+            <p:ph type="sldNum" sz="quarter" idx="12"/>
+          </p:nvPr>
+        </p:nvSpPr>
+        <p:spPr/>
+        <p:txBody>
+          <a:bodyPr/>
+          <a:lstStyle/>
+          <a:p>
+            <a:fld id="{DEE92535-7D18-48BC-B575-5B15048F0B6C}" type="slidenum">
+              <a:rPr lang="nl-NL" smtClean="0"/>
+              <a:t>‹#›</a:t>
+            </a:fld>
+            <a:endParaRPr lang="nl-NL"/>
+          </a:p>
+        </p:txBody>
+      </p:sp>
+    </p:spTree>
+    <p:extLst>
+      <p:ext uri="{BB962C8B-B14F-4D97-AF65-F5344CB8AC3E}">
+        <p14:creationId xmlns:p14="http://schemas.microsoft.com/office/powerpoint/2010/main" val="984500493"/>
+      </p:ext>
+    </p:extLst>
+  </p:cSld>
+  <p:clrMapOvr>
+    <a:masterClrMapping/>
+  </p:clrMapOvr>
+</p:sldLayout>
+</file>
+
 <file path=ppt/slideLayouts/slideLayout2.xml><?xml version="1.0" encoding="utf-8"?>
 <p:sldLayout xmlns:a="http://schemas.openxmlformats.org/drawingml/2006/main" xmlns:r="http://schemas.openxmlformats.org/officeDocument/2006/relationships" xmlns:p="http://schemas.openxmlformats.org/presentationml/2006/main" type="tx">
   <p:cSld name="Title &amp; Bullets">
@@ -13757,6 +14098,7 @@
     <p:sldLayoutId id="2147483657" r:id="rId10"/>
     <p:sldLayoutId id="2147483658" r:id="rId11"/>
     <p:sldLayoutId id="2147483659" r:id="rId12"/>
+    <p:sldLayoutId id="2147483661" r:id="rId13"/>
   </p:sldLayoutIdLst>
   <p:hf sldNum="0" hdr="0" ftr="0" dt="0"/>
   <p:txStyles>
@@ -14392,6 +14734,491 @@
   <p:cSld>
     <p:spTree>
       <p:nvGrpSpPr>
+        <p:cNvPr id="1" name="Shape 105"/>
+        <p:cNvGrpSpPr/>
+        <p:nvPr/>
+      </p:nvGrpSpPr>
+      <p:grpSpPr>
+        <a:xfrm>
+          <a:off x="0" y="0"/>
+          <a:ext cx="0" cy="0"/>
+          <a:chOff x="0" y="0"/>
+          <a:chExt cx="0" cy="0"/>
+        </a:xfrm>
+      </p:grpSpPr>
+      <p:sp>
+        <p:nvSpPr>
+          <p:cNvPr id="106" name="Shape 106"/>
+          <p:cNvSpPr txBox="1">
+            <a:spLocks noGrp="1"/>
+          </p:cNvSpPr>
+          <p:nvPr>
+            <p:ph type="title"/>
+          </p:nvPr>
+        </p:nvSpPr>
+        <p:spPr>
+          <a:xfrm>
+            <a:off x="661775" y="213458"/>
+            <a:ext cx="7804500" cy="1138500"/>
+          </a:xfrm>
+          <a:prstGeom prst="rect">
+            <a:avLst/>
+          </a:prstGeom>
+          <a:noFill/>
+          <a:ln>
+            <a:noFill/>
+          </a:ln>
+        </p:spPr>
+        <p:txBody>
+          <a:bodyPr lIns="32750" tIns="32750" rIns="32750" bIns="32750" anchor="ctr" anchorCtr="0">
+            <a:noAutofit/>
+          </a:bodyPr>
+          <a:lstStyle/>
+          <a:p>
+            <a:pPr marL="0" marR="0" lvl="0" indent="0" algn="ctr" rtl="0">
+              <a:lnSpc>
+                <a:spcPct val="100000"/>
+              </a:lnSpc>
+              <a:spcBef>
+                <a:spcPts val="0"/>
+              </a:spcBef>
+              <a:spcAft>
+                <a:spcPts val="0"/>
+              </a:spcAft>
+              <a:buClr>
+                <a:srgbClr val="FFFFFF"/>
+              </a:buClr>
+              <a:buSzPct val="25000"/>
+              <a:buFont typeface="Helvetica Neue"/>
+              <a:buNone/>
+            </a:pPr>
+            <a:r>
+              <a:rPr lang="en-US" sz="5200" b="0" i="0" u="none" strike="noStrike" cap="none">
+                <a:solidFill>
+                  <a:srgbClr val="FFFFFF"/>
+                </a:solidFill>
+                <a:latin typeface="Helvetica Neue"/>
+                <a:ea typeface="Helvetica Neue"/>
+                <a:cs typeface="Helvetica Neue"/>
+                <a:sym typeface="Helvetica Neue"/>
+              </a:rPr>
+              <a:t>Example</a:t>
+            </a:r>
+          </a:p>
+        </p:txBody>
+      </p:sp>
+      <p:sp>
+        <p:nvSpPr>
+          <p:cNvPr id="107" name="Shape 107"/>
+          <p:cNvSpPr/>
+          <p:nvPr/>
+        </p:nvSpPr>
+        <p:spPr>
+          <a:xfrm>
+            <a:off x="583080" y="1624086"/>
+            <a:ext cx="7977900" cy="2022600"/>
+          </a:xfrm>
+          <a:prstGeom prst="rect">
+            <a:avLst/>
+          </a:prstGeom>
+          <a:noFill/>
+          <a:ln>
+            <a:noFill/>
+          </a:ln>
+        </p:spPr>
+        <p:txBody>
+          <a:bodyPr lIns="32750" tIns="32750" rIns="32750" bIns="32750" anchor="ctr" anchorCtr="0">
+            <a:noAutofit/>
+          </a:bodyPr>
+          <a:lstStyle/>
+          <a:p>
+            <a:pPr marL="0" marR="0" lvl="0" indent="0" algn="l" rtl="0">
+              <a:lnSpc>
+                <a:spcPct val="100000"/>
+              </a:lnSpc>
+              <a:spcBef>
+                <a:spcPts val="0"/>
+              </a:spcBef>
+              <a:spcAft>
+                <a:spcPts val="0"/>
+              </a:spcAft>
+              <a:buClr>
+                <a:srgbClr val="99CF50"/>
+              </a:buClr>
+              <a:buSzPct val="25000"/>
+              <a:buFont typeface="Consolas"/>
+              <a:buNone/>
+            </a:pPr>
+            <a:r>
+              <a:rPr lang="en-US" sz="2300" b="0" i="0" u="none" strike="noStrike" cap="none" dirty="0">
+                <a:solidFill>
+                  <a:srgbClr val="99CF50"/>
+                </a:solidFill>
+                <a:latin typeface="Consolas"/>
+                <a:ea typeface="Consolas"/>
+                <a:cs typeface="Consolas"/>
+                <a:sym typeface="Consolas"/>
+              </a:rPr>
+              <a:t>function</a:t>
+            </a:r>
+            <a:r>
+              <a:rPr lang="en-US" sz="2300" b="0" i="0" u="none" strike="noStrike" cap="none" dirty="0">
+                <a:solidFill>
+                  <a:srgbClr val="F8F8F8"/>
+                </a:solidFill>
+                <a:latin typeface="Consolas"/>
+                <a:ea typeface="Consolas"/>
+                <a:cs typeface="Consolas"/>
+                <a:sym typeface="Consolas"/>
+              </a:rPr>
+              <a:t>() {</a:t>
+            </a:r>
+          </a:p>
+          <a:p>
+            <a:pPr marL="0" marR="0" lvl="0" indent="0" algn="l" rtl="0">
+              <a:lnSpc>
+                <a:spcPct val="100000"/>
+              </a:lnSpc>
+              <a:spcBef>
+                <a:spcPts val="0"/>
+              </a:spcBef>
+              <a:spcAft>
+                <a:spcPts val="0"/>
+              </a:spcAft>
+              <a:buClr>
+                <a:srgbClr val="F8F8F8"/>
+              </a:buClr>
+              <a:buSzPct val="25000"/>
+              <a:buFont typeface="Consolas"/>
+              <a:buNone/>
+            </a:pPr>
+            <a:r>
+              <a:rPr lang="en-US" sz="2300" b="0" i="0" u="none" strike="noStrike" cap="none" dirty="0">
+                <a:solidFill>
+                  <a:srgbClr val="F8F8F8"/>
+                </a:solidFill>
+                <a:latin typeface="Consolas"/>
+                <a:ea typeface="Consolas"/>
+                <a:cs typeface="Consolas"/>
+                <a:sym typeface="Consolas"/>
+              </a:rPr>
+              <a:t>  </a:t>
+            </a:r>
+            <a:r>
+              <a:rPr lang="en-US" sz="2300" b="0" i="0" u="sng" strike="noStrike" cap="none" dirty="0" err="1">
+                <a:solidFill>
+                  <a:srgbClr val="F8F8F8"/>
+                </a:solidFill>
+                <a:latin typeface="Consolas"/>
+                <a:ea typeface="Consolas"/>
+                <a:cs typeface="Consolas"/>
+                <a:sym typeface="Consolas"/>
+              </a:rPr>
+              <a:t>console</a:t>
+            </a:r>
+            <a:r>
+              <a:rPr lang="en-US" sz="2300" b="0" i="0" u="none" strike="noStrike" cap="none" dirty="0" err="1">
+                <a:solidFill>
+                  <a:srgbClr val="DAD085"/>
+                </a:solidFill>
+                <a:latin typeface="Consolas"/>
+                <a:ea typeface="Consolas"/>
+                <a:cs typeface="Consolas"/>
+                <a:sym typeface="Consolas"/>
+              </a:rPr>
+              <a:t>.log</a:t>
+            </a:r>
+            <a:r>
+              <a:rPr lang="en-US" sz="2300" b="0" i="0" u="none" strike="noStrike" cap="none" dirty="0">
+                <a:solidFill>
+                  <a:srgbClr val="F8F8F8"/>
+                </a:solidFill>
+                <a:latin typeface="Consolas"/>
+                <a:ea typeface="Consolas"/>
+                <a:cs typeface="Consolas"/>
+                <a:sym typeface="Consolas"/>
+              </a:rPr>
+              <a:t>(x); </a:t>
+            </a:r>
+            <a:r>
+              <a:rPr lang="en-US" sz="2000" b="0" i="1" u="none" strike="noStrike" cap="none" dirty="0">
+                <a:solidFill>
+                  <a:srgbClr val="AEAEAE"/>
+                </a:solidFill>
+                <a:latin typeface="Helvetica Neue"/>
+                <a:ea typeface="Helvetica Neue"/>
+                <a:cs typeface="Helvetica Neue"/>
+                <a:sym typeface="Helvetica Neue"/>
+              </a:rPr>
+              <a:t>// Uncaught </a:t>
+            </a:r>
+            <a:r>
+              <a:rPr lang="en-US" sz="2000" b="0" i="1" u="none" strike="noStrike" cap="none" dirty="0" err="1">
+                <a:solidFill>
+                  <a:srgbClr val="AEAEAE"/>
+                </a:solidFill>
+                <a:latin typeface="Helvetica Neue"/>
+                <a:ea typeface="Helvetica Neue"/>
+                <a:cs typeface="Helvetica Neue"/>
+                <a:sym typeface="Helvetica Neue"/>
+              </a:rPr>
+              <a:t>ReferenceError</a:t>
+            </a:r>
+            <a:r>
+              <a:rPr lang="en-US" sz="2000" b="0" i="1" u="none" strike="noStrike" cap="none" dirty="0">
+                <a:solidFill>
+                  <a:srgbClr val="AEAEAE"/>
+                </a:solidFill>
+                <a:latin typeface="Helvetica Neue"/>
+                <a:ea typeface="Helvetica Neue"/>
+                <a:cs typeface="Helvetica Neue"/>
+                <a:sym typeface="Helvetica Neue"/>
+              </a:rPr>
+              <a:t>: x is not defined</a:t>
+            </a:r>
+          </a:p>
+          <a:p>
+            <a:pPr marL="0" marR="0" lvl="0" indent="0" algn="l" rtl="0">
+              <a:lnSpc>
+                <a:spcPct val="100000"/>
+              </a:lnSpc>
+              <a:spcBef>
+                <a:spcPts val="0"/>
+              </a:spcBef>
+              <a:spcAft>
+                <a:spcPts val="0"/>
+              </a:spcAft>
+              <a:buClr>
+                <a:srgbClr val="F8F8F8"/>
+              </a:buClr>
+              <a:buSzPct val="25000"/>
+              <a:buFont typeface="Consolas"/>
+              <a:buNone/>
+            </a:pPr>
+            <a:r>
+              <a:rPr lang="en-US" sz="2300" b="0" i="0" u="none" strike="noStrike" cap="none" dirty="0">
+                <a:solidFill>
+                  <a:srgbClr val="F8F8F8"/>
+                </a:solidFill>
+                <a:latin typeface="Consolas"/>
+                <a:ea typeface="Consolas"/>
+                <a:cs typeface="Consolas"/>
+                <a:sym typeface="Consolas"/>
+              </a:rPr>
+              <a:t>  </a:t>
+            </a:r>
+            <a:r>
+              <a:rPr lang="en-US" sz="2300" b="0" i="0" u="none" strike="noStrike" cap="none" dirty="0">
+                <a:solidFill>
+                  <a:srgbClr val="E28964"/>
+                </a:solidFill>
+                <a:latin typeface="Consolas"/>
+                <a:ea typeface="Consolas"/>
+                <a:cs typeface="Consolas"/>
+                <a:sym typeface="Consolas"/>
+              </a:rPr>
+              <a:t>if</a:t>
+            </a:r>
+            <a:r>
+              <a:rPr lang="en-US" sz="2300" b="0" i="0" u="none" strike="noStrike" cap="none" dirty="0">
+                <a:solidFill>
+                  <a:srgbClr val="F8F8F8"/>
+                </a:solidFill>
+                <a:latin typeface="Consolas"/>
+                <a:ea typeface="Consolas"/>
+                <a:cs typeface="Consolas"/>
+                <a:sym typeface="Consolas"/>
+              </a:rPr>
+              <a:t> (</a:t>
+            </a:r>
+            <a:r>
+              <a:rPr lang="en-US" sz="2300" b="0" i="0" u="none" strike="noStrike" cap="none" dirty="0">
+                <a:solidFill>
+                  <a:srgbClr val="3387CC"/>
+                </a:solidFill>
+                <a:latin typeface="Consolas"/>
+                <a:ea typeface="Consolas"/>
+                <a:cs typeface="Consolas"/>
+                <a:sym typeface="Consolas"/>
+              </a:rPr>
+              <a:t>true</a:t>
+            </a:r>
+            <a:r>
+              <a:rPr lang="en-US" sz="2300" b="0" i="0" u="none" strike="noStrike" cap="none" dirty="0">
+                <a:solidFill>
+                  <a:srgbClr val="F8F8F8"/>
+                </a:solidFill>
+                <a:latin typeface="Consolas"/>
+                <a:ea typeface="Consolas"/>
+                <a:cs typeface="Consolas"/>
+                <a:sym typeface="Consolas"/>
+              </a:rPr>
+              <a:t>) {</a:t>
+            </a:r>
+          </a:p>
+          <a:p>
+            <a:pPr marL="0" marR="0" lvl="0" indent="0" algn="l" rtl="0">
+              <a:lnSpc>
+                <a:spcPct val="100000"/>
+              </a:lnSpc>
+              <a:spcBef>
+                <a:spcPts val="0"/>
+              </a:spcBef>
+              <a:spcAft>
+                <a:spcPts val="0"/>
+              </a:spcAft>
+              <a:buClr>
+                <a:srgbClr val="F8F8F8"/>
+              </a:buClr>
+              <a:buSzPct val="25000"/>
+              <a:buFont typeface="Consolas"/>
+              <a:buNone/>
+            </a:pPr>
+            <a:r>
+              <a:rPr lang="en-US" sz="2300" b="0" i="0" u="none" strike="noStrike" cap="none" dirty="0">
+                <a:solidFill>
+                  <a:srgbClr val="F8F8F8"/>
+                </a:solidFill>
+                <a:latin typeface="Consolas"/>
+                <a:ea typeface="Consolas"/>
+                <a:cs typeface="Consolas"/>
+                <a:sym typeface="Consolas"/>
+              </a:rPr>
+              <a:t>    let x </a:t>
+            </a:r>
+            <a:r>
+              <a:rPr lang="en-US" sz="2300" b="0" i="0" u="none" strike="noStrike" cap="none" dirty="0">
+                <a:solidFill>
+                  <a:srgbClr val="E28964"/>
+                </a:solidFill>
+                <a:latin typeface="Consolas"/>
+                <a:ea typeface="Consolas"/>
+                <a:cs typeface="Consolas"/>
+                <a:sym typeface="Consolas"/>
+              </a:rPr>
+              <a:t>=</a:t>
+            </a:r>
+            <a:r>
+              <a:rPr lang="en-US" sz="2300" b="0" i="0" u="none" strike="noStrike" cap="none" dirty="0">
+                <a:solidFill>
+                  <a:srgbClr val="F8F8F8"/>
+                </a:solidFill>
+                <a:latin typeface="Consolas"/>
+                <a:ea typeface="Consolas"/>
+                <a:cs typeface="Consolas"/>
+                <a:sym typeface="Consolas"/>
+              </a:rPr>
+              <a:t> </a:t>
+            </a:r>
+            <a:r>
+              <a:rPr lang="en-US" sz="2300" b="0" i="0" u="none" strike="noStrike" cap="none" dirty="0">
+                <a:solidFill>
+                  <a:srgbClr val="65B042"/>
+                </a:solidFill>
+                <a:latin typeface="Consolas"/>
+                <a:ea typeface="Consolas"/>
+                <a:cs typeface="Consolas"/>
+                <a:sym typeface="Consolas"/>
+              </a:rPr>
+              <a:t>"test"</a:t>
+            </a:r>
+            <a:r>
+              <a:rPr lang="en-US" sz="2300" b="0" i="0" u="none" strike="noStrike" cap="none" dirty="0">
+                <a:solidFill>
+                  <a:srgbClr val="F8F8F8"/>
+                </a:solidFill>
+                <a:latin typeface="Consolas"/>
+                <a:ea typeface="Consolas"/>
+                <a:cs typeface="Consolas"/>
+                <a:sym typeface="Consolas"/>
+              </a:rPr>
+              <a:t>;</a:t>
+            </a:r>
+          </a:p>
+          <a:p>
+            <a:pPr marL="0" marR="0" lvl="0" indent="0" algn="l" rtl="0">
+              <a:lnSpc>
+                <a:spcPct val="100000"/>
+              </a:lnSpc>
+              <a:spcBef>
+                <a:spcPts val="0"/>
+              </a:spcBef>
+              <a:spcAft>
+                <a:spcPts val="0"/>
+              </a:spcAft>
+              <a:buClr>
+                <a:srgbClr val="F8F8F8"/>
+              </a:buClr>
+              <a:buSzPct val="25000"/>
+              <a:buFont typeface="Consolas"/>
+              <a:buNone/>
+            </a:pPr>
+            <a:r>
+              <a:rPr lang="en-US" sz="2300" b="0" i="0" u="none" strike="noStrike" cap="none" dirty="0">
+                <a:solidFill>
+                  <a:srgbClr val="F8F8F8"/>
+                </a:solidFill>
+                <a:latin typeface="Consolas"/>
+                <a:ea typeface="Consolas"/>
+                <a:cs typeface="Consolas"/>
+                <a:sym typeface="Consolas"/>
+              </a:rPr>
+              <a:t>  }</a:t>
+            </a:r>
+          </a:p>
+          <a:p>
+            <a:pPr marL="0" marR="0" lvl="0" indent="0" algn="l" rtl="0">
+              <a:lnSpc>
+                <a:spcPct val="100000"/>
+              </a:lnSpc>
+              <a:spcBef>
+                <a:spcPts val="0"/>
+              </a:spcBef>
+              <a:spcAft>
+                <a:spcPts val="0"/>
+              </a:spcAft>
+              <a:buClr>
+                <a:srgbClr val="F8F8F8"/>
+              </a:buClr>
+              <a:buSzPct val="25000"/>
+              <a:buFont typeface="Consolas"/>
+              <a:buNone/>
+            </a:pPr>
+            <a:r>
+              <a:rPr lang="en-US" sz="2300" b="0" i="0" u="none" strike="noStrike" cap="none" dirty="0">
+                <a:solidFill>
+                  <a:srgbClr val="F8F8F8"/>
+                </a:solidFill>
+                <a:latin typeface="Consolas"/>
+                <a:ea typeface="Consolas"/>
+                <a:cs typeface="Consolas"/>
+                <a:sym typeface="Consolas"/>
+              </a:rPr>
+              <a:t>}</a:t>
+            </a:r>
+          </a:p>
+        </p:txBody>
+      </p:sp>
+    </p:spTree>
+  </p:cSld>
+  <p:clrMapOvr>
+    <a:masterClrMapping/>
+  </p:clrMapOvr>
+  <p:timing>
+    <p:tnLst>
+      <p:par>
+        <p:cTn id="1" dur="indefinite" restart="never" nodeType="tmRoot"/>
+      </p:par>
+    </p:tnLst>
+  </p:timing>
+</p:sld>
+</file>
+
+<file path=ppt/slides/slide11.xml><?xml version="1.0" encoding="utf-8"?>
+<p:sld xmlns:a="http://schemas.openxmlformats.org/drawingml/2006/main" xmlns:r="http://schemas.openxmlformats.org/officeDocument/2006/relationships" xmlns:p="http://schemas.openxmlformats.org/presentationml/2006/main">
+  <p:cSld>
+    <p:spTree>
+      <p:nvGrpSpPr>
         <p:cNvPr id="1" name="Shape 111"/>
         <p:cNvGrpSpPr/>
         <p:nvPr/>
@@ -15144,7 +15971,7 @@
 </p:sld>
 </file>
 
-<file path=ppt/slides/slide11.xml><?xml version="1.0" encoding="utf-8"?>
+<file path=ppt/slides/slide12.xml><?xml version="1.0" encoding="utf-8"?>
 <p:sld xmlns:a="http://schemas.openxmlformats.org/drawingml/2006/main" xmlns:r="http://schemas.openxmlformats.org/officeDocument/2006/relationships" xmlns:p="http://schemas.openxmlformats.org/presentationml/2006/main">
   <p:cSld>
     <p:spTree>
@@ -15280,466 +16107,6 @@
               </a:rPr>
               <a:t>lambda’s, anonymous inner classes</a:t>
             </a:r>
-          </a:p>
-        </p:txBody>
-      </p:sp>
-    </p:spTree>
-  </p:cSld>
-  <p:clrMapOvr>
-    <a:masterClrMapping/>
-  </p:clrMapOvr>
-  <p:timing>
-    <p:tnLst>
-      <p:par>
-        <p:cTn id="1" dur="indefinite" restart="never" nodeType="tmRoot"/>
-      </p:par>
-    </p:tnLst>
-  </p:timing>
-</p:sld>
-</file>
-
-<file path=ppt/slides/slide12.xml><?xml version="1.0" encoding="utf-8"?>
-<p:sld xmlns:a="http://schemas.openxmlformats.org/drawingml/2006/main" xmlns:r="http://schemas.openxmlformats.org/officeDocument/2006/relationships" xmlns:p="http://schemas.openxmlformats.org/presentationml/2006/main">
-  <p:cSld>
-    <p:spTree>
-      <p:nvGrpSpPr>
-        <p:cNvPr id="1" name="Shape 123"/>
-        <p:cNvGrpSpPr/>
-        <p:nvPr/>
-      </p:nvGrpSpPr>
-      <p:grpSpPr>
-        <a:xfrm>
-          <a:off x="0" y="0"/>
-          <a:ext cx="0" cy="0"/>
-          <a:chOff x="0" y="0"/>
-          <a:chExt cx="0" cy="0"/>
-        </a:xfrm>
-      </p:grpSpPr>
-      <p:sp>
-        <p:nvSpPr>
-          <p:cNvPr id="124" name="Shape 124"/>
-          <p:cNvSpPr txBox="1">
-            <a:spLocks noGrp="1"/>
-          </p:cNvSpPr>
-          <p:nvPr>
-            <p:ph type="title"/>
-          </p:nvPr>
-        </p:nvSpPr>
-        <p:spPr>
-          <a:xfrm>
-            <a:off x="669726" y="133945"/>
-            <a:ext cx="7804500" cy="1138500"/>
-          </a:xfrm>
-          <a:prstGeom prst="rect">
-            <a:avLst/>
-          </a:prstGeom>
-          <a:noFill/>
-          <a:ln>
-            <a:noFill/>
-          </a:ln>
-        </p:spPr>
-        <p:txBody>
-          <a:bodyPr lIns="32750" tIns="32750" rIns="32750" bIns="32750" anchor="ctr" anchorCtr="0">
-            <a:noAutofit/>
-          </a:bodyPr>
-          <a:lstStyle/>
-          <a:p>
-            <a:pPr marL="0" marR="0" lvl="0" indent="0" algn="ctr" rtl="0">
-              <a:lnSpc>
-                <a:spcPct val="100000"/>
-              </a:lnSpc>
-              <a:spcBef>
-                <a:spcPts val="0"/>
-              </a:spcBef>
-              <a:spcAft>
-                <a:spcPts val="0"/>
-              </a:spcAft>
-              <a:buClr>
-                <a:srgbClr val="FFFFFF"/>
-              </a:buClr>
-              <a:buSzPct val="25000"/>
-              <a:buFont typeface="Helvetica Neue"/>
-              <a:buNone/>
-            </a:pPr>
-            <a:r>
-              <a:rPr lang="en-US" sz="5200" b="0" i="0" u="none" strike="noStrike" cap="none">
-                <a:solidFill>
-                  <a:srgbClr val="FFFFFF"/>
-                </a:solidFill>
-                <a:latin typeface="Helvetica Neue"/>
-                <a:ea typeface="Helvetica Neue"/>
-                <a:cs typeface="Helvetica Neue"/>
-                <a:sym typeface="Helvetica Neue"/>
-              </a:rPr>
-              <a:t>Arrow functions</a:t>
-            </a:r>
-          </a:p>
-        </p:txBody>
-      </p:sp>
-      <p:sp>
-        <p:nvSpPr>
-          <p:cNvPr id="125" name="Shape 125"/>
-          <p:cNvSpPr/>
-          <p:nvPr/>
-        </p:nvSpPr>
-        <p:spPr>
-          <a:xfrm>
-            <a:off x="669726" y="1268886"/>
-            <a:ext cx="7466109" cy="1649046"/>
-          </a:xfrm>
-          <a:prstGeom prst="rect">
-            <a:avLst/>
-          </a:prstGeom>
-          <a:noFill/>
-          <a:ln>
-            <a:noFill/>
-          </a:ln>
-        </p:spPr>
-        <p:txBody>
-          <a:bodyPr lIns="32750" tIns="32750" rIns="32750" bIns="32750" anchor="ctr" anchorCtr="0">
-            <a:noAutofit/>
-          </a:bodyPr>
-          <a:lstStyle/>
-          <a:p>
-            <a:pPr lvl="0">
-              <a:buClr>
-                <a:srgbClr val="F8F8F8"/>
-              </a:buClr>
-              <a:buSzPct val="25000"/>
-            </a:pPr>
-            <a:r>
-              <a:rPr lang="en-US" sz="2400" dirty="0">
-                <a:solidFill>
-                  <a:schemeClr val="accent2"/>
-                </a:solidFill>
-              </a:rPr>
-              <a:t>// Old Syntax</a:t>
-            </a:r>
-            <a:r>
-              <a:rPr lang="en-US" sz="2400" dirty="0">
-                <a:solidFill>
-                  <a:schemeClr val="bg1"/>
-                </a:solidFill>
-              </a:rPr>
-              <a:t/>
-            </a:r>
-            <a:br>
-              <a:rPr lang="en-US" sz="2400" dirty="0">
-                <a:solidFill>
-                  <a:schemeClr val="bg1"/>
-                </a:solidFill>
-              </a:rPr>
-            </a:br>
-            <a:r>
-              <a:rPr lang="en-US" sz="2400" dirty="0">
-                <a:solidFill>
-                  <a:schemeClr val="bg1"/>
-                </a:solidFill>
-              </a:rPr>
-              <a:t>function </a:t>
-            </a:r>
-            <a:r>
-              <a:rPr lang="en-US" sz="2400" dirty="0" err="1">
-                <a:solidFill>
-                  <a:schemeClr val="bg1"/>
-                </a:solidFill>
-              </a:rPr>
-              <a:t>oldOne</a:t>
-            </a:r>
-            <a:r>
-              <a:rPr lang="en-US" sz="2400" dirty="0">
-                <a:solidFill>
-                  <a:schemeClr val="bg1"/>
-                </a:solidFill>
-              </a:rPr>
-              <a:t>() </a:t>
-            </a:r>
-            <a:r>
-              <a:rPr lang="en-US" sz="2400" dirty="0" smtClean="0">
-                <a:solidFill>
-                  <a:schemeClr val="bg1"/>
-                </a:solidFill>
-              </a:rPr>
-              <a:t> {</a:t>
-            </a:r>
-            <a:r>
-              <a:rPr lang="en-US" sz="2400" dirty="0">
-                <a:solidFill>
-                  <a:schemeClr val="bg1"/>
-                </a:solidFill>
-              </a:rPr>
-              <a:t/>
-            </a:r>
-            <a:br>
-              <a:rPr lang="en-US" sz="2400" dirty="0">
-                <a:solidFill>
-                  <a:schemeClr val="bg1"/>
-                </a:solidFill>
-              </a:rPr>
-            </a:br>
-            <a:r>
-              <a:rPr lang="en-US" sz="2400" dirty="0" smtClean="0">
-                <a:solidFill>
-                  <a:schemeClr val="bg1"/>
-                </a:solidFill>
-              </a:rPr>
-              <a:t>	</a:t>
-            </a:r>
-            <a:r>
-              <a:rPr lang="en-US" sz="2400" dirty="0" err="1" smtClean="0">
-                <a:solidFill>
-                  <a:schemeClr val="bg1"/>
-                </a:solidFill>
-              </a:rPr>
-              <a:t>console.log</a:t>
-            </a:r>
-            <a:r>
-              <a:rPr lang="en-US" sz="2400" dirty="0">
-                <a:solidFill>
-                  <a:schemeClr val="bg1"/>
-                </a:solidFill>
-              </a:rPr>
-              <a:t>("Hello World..!");</a:t>
-            </a:r>
-            <a:br>
-              <a:rPr lang="en-US" sz="2400" dirty="0">
-                <a:solidFill>
-                  <a:schemeClr val="bg1"/>
-                </a:solidFill>
-              </a:rPr>
-            </a:br>
-            <a:r>
-              <a:rPr lang="en-US" sz="2400" dirty="0">
-                <a:solidFill>
-                  <a:schemeClr val="bg1"/>
-                </a:solidFill>
-              </a:rPr>
-              <a:t>}</a:t>
-            </a:r>
-            <a:endParaRPr lang="en-US" sz="2300" b="0" i="0" u="none" strike="noStrike" cap="none" dirty="0">
-              <a:solidFill>
-                <a:schemeClr val="bg1"/>
-              </a:solidFill>
-              <a:latin typeface="Consolas"/>
-              <a:ea typeface="Consolas"/>
-              <a:cs typeface="Consolas"/>
-              <a:sym typeface="Consolas"/>
-            </a:endParaRPr>
-          </a:p>
-        </p:txBody>
-      </p:sp>
-      <p:sp>
-        <p:nvSpPr>
-          <p:cNvPr id="126" name="Shape 126"/>
-          <p:cNvSpPr/>
-          <p:nvPr/>
-        </p:nvSpPr>
-        <p:spPr>
-          <a:xfrm>
-            <a:off x="669726" y="2008286"/>
-            <a:ext cx="7804500" cy="1138500"/>
-          </a:xfrm>
-          <a:prstGeom prst="rect">
-            <a:avLst/>
-          </a:prstGeom>
-          <a:noFill/>
-          <a:ln>
-            <a:noFill/>
-          </a:ln>
-        </p:spPr>
-        <p:txBody>
-          <a:bodyPr lIns="32750" tIns="32750" rIns="32750" bIns="32750" anchor="ctr" anchorCtr="0">
-            <a:noAutofit/>
-          </a:bodyPr>
-          <a:lstStyle/>
-          <a:p>
-            <a:pPr marL="0" marR="0" lvl="1" indent="152400" algn="ctr" rtl="0">
-              <a:lnSpc>
-                <a:spcPct val="100000"/>
-              </a:lnSpc>
-              <a:spcBef>
-                <a:spcPts val="0"/>
-              </a:spcBef>
-              <a:spcAft>
-                <a:spcPts val="0"/>
-              </a:spcAft>
-              <a:buClr>
-                <a:srgbClr val="FFFFFF"/>
-              </a:buClr>
-              <a:buSzPct val="25000"/>
-              <a:buFont typeface="Helvetica Neue"/>
-              <a:buNone/>
-            </a:pPr>
-            <a:endParaRPr lang="en-US" sz="2600" b="0" i="0" u="none" strike="noStrike" cap="none" dirty="0" smtClean="0">
-              <a:solidFill>
-                <a:srgbClr val="FF0000"/>
-              </a:solidFill>
-              <a:latin typeface="Helvetica Neue"/>
-              <a:ea typeface="Helvetica Neue"/>
-              <a:cs typeface="Helvetica Neue"/>
-              <a:sym typeface="Helvetica Neue"/>
-            </a:endParaRPr>
-          </a:p>
-        </p:txBody>
-      </p:sp>
-      <p:sp>
-        <p:nvSpPr>
-          <p:cNvPr id="127" name="Shape 127"/>
-          <p:cNvSpPr/>
-          <p:nvPr/>
-        </p:nvSpPr>
-        <p:spPr>
-          <a:xfrm>
-            <a:off x="669726" y="2976540"/>
-            <a:ext cx="7248315" cy="1812174"/>
-          </a:xfrm>
-          <a:prstGeom prst="rect">
-            <a:avLst/>
-          </a:prstGeom>
-          <a:noFill/>
-          <a:ln>
-            <a:noFill/>
-          </a:ln>
-        </p:spPr>
-        <p:txBody>
-          <a:bodyPr lIns="32750" tIns="32750" rIns="32750" bIns="32750" anchor="ctr" anchorCtr="0">
-            <a:noAutofit/>
-          </a:bodyPr>
-          <a:lstStyle/>
-          <a:p>
-            <a:pPr lvl="0">
-              <a:buClr>
-                <a:srgbClr val="F8F8F8"/>
-              </a:buClr>
-              <a:buSzPct val="25000"/>
-            </a:pPr>
-            <a:r>
-              <a:rPr lang="en-US" sz="2400" dirty="0">
-                <a:solidFill>
-                  <a:srgbClr val="92D050"/>
-                </a:solidFill>
-              </a:rPr>
-              <a:t>// New </a:t>
-            </a:r>
-            <a:r>
-              <a:rPr lang="en-US" sz="2400" dirty="0" smtClean="0">
-                <a:solidFill>
-                  <a:srgbClr val="92D050"/>
-                </a:solidFill>
-              </a:rPr>
-              <a:t>Syntax</a:t>
-            </a:r>
-          </a:p>
-          <a:p>
-            <a:pPr lvl="0">
-              <a:buClr>
-                <a:srgbClr val="F8F8F8"/>
-              </a:buClr>
-              <a:buSzPct val="25000"/>
-            </a:pPr>
-            <a:r>
-              <a:rPr lang="en-US" sz="2400" dirty="0" smtClean="0">
-                <a:solidFill>
-                  <a:schemeClr val="bg1"/>
-                </a:solidFill>
-              </a:rPr>
-              <a:t> </a:t>
-            </a:r>
-            <a:r>
-              <a:rPr lang="en-US" sz="2400" dirty="0" err="1" smtClean="0">
-                <a:solidFill>
-                  <a:schemeClr val="bg1"/>
-                </a:solidFill>
-              </a:rPr>
-              <a:t>var</a:t>
-            </a:r>
-            <a:r>
-              <a:rPr lang="en-US" sz="2400" dirty="0" smtClean="0">
-                <a:solidFill>
-                  <a:schemeClr val="bg1"/>
-                </a:solidFill>
-              </a:rPr>
-              <a:t> </a:t>
-            </a:r>
-            <a:r>
-              <a:rPr lang="en-US" sz="2400" dirty="0" err="1" smtClean="0">
-                <a:solidFill>
-                  <a:schemeClr val="bg1"/>
-                </a:solidFill>
-              </a:rPr>
-              <a:t>newOne</a:t>
-            </a:r>
-            <a:r>
-              <a:rPr lang="en-US" sz="2400" dirty="0" smtClean="0">
-                <a:solidFill>
-                  <a:schemeClr val="bg1"/>
-                </a:solidFill>
-              </a:rPr>
-              <a:t> </a:t>
-            </a:r>
-            <a:r>
-              <a:rPr lang="en-US" sz="2400" dirty="0">
-                <a:solidFill>
-                  <a:schemeClr val="bg1"/>
-                </a:solidFill>
-              </a:rPr>
-              <a:t>= () =&gt; {</a:t>
-            </a:r>
-            <a:br>
-              <a:rPr lang="en-US" sz="2400" dirty="0">
-                <a:solidFill>
-                  <a:schemeClr val="bg1"/>
-                </a:solidFill>
-              </a:rPr>
-            </a:br>
-            <a:r>
-              <a:rPr lang="en-US" sz="2400" dirty="0" smtClean="0">
-                <a:solidFill>
-                  <a:schemeClr val="bg1"/>
-                </a:solidFill>
-              </a:rPr>
-              <a:t>	</a:t>
-            </a:r>
-            <a:r>
-              <a:rPr lang="en-US" sz="2400" dirty="0" err="1" smtClean="0">
-                <a:solidFill>
-                  <a:schemeClr val="bg1"/>
-                </a:solidFill>
-              </a:rPr>
-              <a:t>console.log</a:t>
-            </a:r>
-            <a:r>
-              <a:rPr lang="en-US" sz="2400" dirty="0">
-                <a:solidFill>
-                  <a:schemeClr val="bg1"/>
-                </a:solidFill>
-              </a:rPr>
-              <a:t>("Hello World..!");</a:t>
-            </a:r>
-            <a:br>
-              <a:rPr lang="en-US" sz="2400" dirty="0">
-                <a:solidFill>
-                  <a:schemeClr val="bg1"/>
-                </a:solidFill>
-              </a:rPr>
-            </a:br>
-            <a:r>
-              <a:rPr lang="en-US" sz="2400" dirty="0">
-                <a:solidFill>
-                  <a:schemeClr val="bg1"/>
-                </a:solidFill>
-              </a:rPr>
-              <a:t>}</a:t>
-            </a:r>
-            <a:endParaRPr lang="en-US" sz="2400" b="0" i="0" u="none" strike="noStrike" cap="none" dirty="0">
-              <a:solidFill>
-                <a:schemeClr val="bg1"/>
-              </a:solidFill>
-              <a:latin typeface="Consolas"/>
-              <a:ea typeface="Consolas"/>
-              <a:cs typeface="Consolas"/>
-              <a:sym typeface="Consolas"/>
-            </a:endParaRPr>
           </a:p>
         </p:txBody>
       </p:sp>
@@ -15844,8 +16211,8 @@
         </p:nvSpPr>
         <p:spPr>
           <a:xfrm>
-            <a:off x="281355" y="1753013"/>
-            <a:ext cx="8192871" cy="1649046"/>
+            <a:off x="669726" y="1268886"/>
+            <a:ext cx="7466109" cy="1649046"/>
           </a:xfrm>
           <a:prstGeom prst="rect">
             <a:avLst/>
@@ -15861,102 +16228,130 @@
           </a:bodyPr>
           <a:lstStyle/>
           <a:p>
+            <a:pPr lvl="0">
+              <a:buClr>
+                <a:srgbClr val="F8F8F8"/>
+              </a:buClr>
+              <a:buSzPct val="25000"/>
+            </a:pPr>
             <a:r>
               <a:rPr lang="en-US" sz="2400" dirty="0">
                 <a:solidFill>
+                  <a:schemeClr val="accent2"/>
+                </a:solidFill>
+              </a:rPr>
+              <a:t>// Old Syntax</a:t>
+            </a:r>
+            <a:r>
+              <a:rPr lang="en-US" sz="2400" dirty="0">
+                <a:solidFill>
                   <a:schemeClr val="bg1"/>
                 </a:solidFill>
               </a:rPr>
-              <a:t>There are two parts of the syntax.</a:t>
-            </a:r>
-          </a:p>
-          <a:p>
-            <a:endParaRPr lang="en-US" sz="2400" dirty="0" smtClean="0">
+              <a:t/>
+            </a:r>
+            <a:br>
+              <a:rPr lang="en-US" sz="2400" dirty="0">
+                <a:solidFill>
+                  <a:schemeClr val="bg1"/>
+                </a:solidFill>
+              </a:rPr>
+            </a:br>
+            <a:r>
+              <a:rPr lang="en-US" sz="2400" dirty="0">
+                <a:solidFill>
+                  <a:schemeClr val="bg1"/>
+                </a:solidFill>
+              </a:rPr>
+              <a:t>function </a:t>
+            </a:r>
+            <a:r>
+              <a:rPr lang="en-US" sz="2400" dirty="0" err="1">
+                <a:solidFill>
+                  <a:schemeClr val="bg1"/>
+                </a:solidFill>
+              </a:rPr>
+              <a:t>oldOne</a:t>
+            </a:r>
+            <a:r>
+              <a:rPr lang="en-US" sz="2400" dirty="0">
+                <a:solidFill>
+                  <a:schemeClr val="bg1"/>
+                </a:solidFill>
+              </a:rPr>
+              <a:t>() </a:t>
+            </a:r>
+            <a:r>
+              <a:rPr lang="en-US" sz="2400" dirty="0" smtClean="0">
+                <a:solidFill>
+                  <a:schemeClr val="bg1"/>
+                </a:solidFill>
+              </a:rPr>
+              <a:t> {</a:t>
+            </a:r>
+            <a:r>
+              <a:rPr lang="en-US" sz="2400" dirty="0">
+                <a:solidFill>
+                  <a:schemeClr val="bg1"/>
+                </a:solidFill>
+              </a:rPr>
+              <a:t/>
+            </a:r>
+            <a:br>
+              <a:rPr lang="en-US" sz="2400" dirty="0">
+                <a:solidFill>
+                  <a:schemeClr val="bg1"/>
+                </a:solidFill>
+              </a:rPr>
+            </a:br>
+            <a:r>
+              <a:rPr lang="en-US" sz="2400" dirty="0" smtClean="0">
+                <a:solidFill>
+                  <a:schemeClr val="bg1"/>
+                </a:solidFill>
+              </a:rPr>
+              <a:t>	</a:t>
+            </a:r>
+            <a:r>
+              <a:rPr lang="en-US" sz="2400" dirty="0" err="1" smtClean="0">
+                <a:solidFill>
+                  <a:schemeClr val="bg1"/>
+                </a:solidFill>
+              </a:rPr>
+              <a:t>console.log</a:t>
+            </a:r>
+            <a:r>
+              <a:rPr lang="en-US" sz="2400" dirty="0">
+                <a:solidFill>
+                  <a:schemeClr val="bg1"/>
+                </a:solidFill>
+              </a:rPr>
+              <a:t>("Hello World..!");</a:t>
+            </a:r>
+            <a:br>
+              <a:rPr lang="en-US" sz="2400" dirty="0">
+                <a:solidFill>
+                  <a:schemeClr val="bg1"/>
+                </a:solidFill>
+              </a:rPr>
+            </a:br>
+            <a:r>
+              <a:rPr lang="en-US" sz="2400" dirty="0">
+                <a:solidFill>
+                  <a:schemeClr val="bg1"/>
+                </a:solidFill>
+              </a:rPr>
+              <a:t>}</a:t>
+            </a:r>
+            <a:endParaRPr lang="en-US" sz="2300" b="0" i="0" u="none" strike="noStrike" cap="none" dirty="0">
               <a:solidFill>
                 <a:schemeClr val="bg1"/>
               </a:solidFill>
+              <a:latin typeface="Consolas"/>
+              <a:ea typeface="Consolas"/>
+              <a:cs typeface="Consolas"/>
+              <a:sym typeface="Consolas"/>
             </a:endParaRPr>
-          </a:p>
-          <a:p>
-            <a:pPr marL="457200" indent="-457200">
-              <a:buAutoNum type="arabicPeriod"/>
-            </a:pPr>
-            <a:r>
-              <a:rPr lang="en-US" sz="2400" dirty="0" err="1" smtClean="0">
-                <a:solidFill>
-                  <a:srgbClr val="FFC000"/>
-                </a:solidFill>
-              </a:rPr>
-              <a:t>var</a:t>
-            </a:r>
-            <a:r>
-              <a:rPr lang="en-US" sz="2400" dirty="0" smtClean="0">
-                <a:solidFill>
-                  <a:srgbClr val="FFC000"/>
-                </a:solidFill>
-              </a:rPr>
-              <a:t> </a:t>
-            </a:r>
-            <a:r>
-              <a:rPr lang="en-US" sz="2400" dirty="0" err="1">
-                <a:solidFill>
-                  <a:srgbClr val="FFC000"/>
-                </a:solidFill>
-              </a:rPr>
-              <a:t>newOne</a:t>
-            </a:r>
-            <a:r>
-              <a:rPr lang="en-US" sz="2400" dirty="0">
-                <a:solidFill>
-                  <a:srgbClr val="FFC000"/>
-                </a:solidFill>
-              </a:rPr>
-              <a:t> = </a:t>
-            </a:r>
-            <a:r>
-              <a:rPr lang="en-US" sz="2400" dirty="0" smtClean="0">
-                <a:solidFill>
-                  <a:srgbClr val="FFC000"/>
-                </a:solidFill>
-              </a:rPr>
-              <a:t>()</a:t>
-            </a:r>
-          </a:p>
-          <a:p>
-            <a:pPr marL="457200" indent="-457200">
-              <a:buAutoNum type="arabicPeriod"/>
-            </a:pPr>
-            <a:endParaRPr lang="en-US" sz="2400" dirty="0">
-              <a:solidFill>
-                <a:srgbClr val="FFC000"/>
-              </a:solidFill>
-            </a:endParaRPr>
-          </a:p>
-          <a:p>
-            <a:r>
-              <a:rPr lang="en-US" sz="2400" dirty="0" smtClean="0">
-                <a:solidFill>
-                  <a:schemeClr val="bg1"/>
-                </a:solidFill>
-              </a:rPr>
-              <a:t>2. </a:t>
-            </a:r>
-            <a:r>
-              <a:rPr lang="en-US" sz="2400" dirty="0" smtClean="0">
-                <a:solidFill>
-                  <a:srgbClr val="FFFF00"/>
-                </a:solidFill>
-              </a:rPr>
-              <a:t>=&gt; </a:t>
-            </a:r>
-            <a:r>
-              <a:rPr lang="en-US" sz="2400" dirty="0">
-                <a:solidFill>
-                  <a:srgbClr val="FFFF00"/>
-                </a:solidFill>
-              </a:rPr>
-              <a:t>{}</a:t>
-            </a:r>
           </a:p>
         </p:txBody>
       </p:sp>
@@ -16014,12 +16409,168 @@
           </a:p>
         </p:txBody>
       </p:sp>
+      <p:sp>
+        <p:nvSpPr>
+          <p:cNvPr id="127" name="Shape 127"/>
+          <p:cNvSpPr/>
+          <p:nvPr/>
+        </p:nvSpPr>
+        <p:spPr>
+          <a:xfrm>
+            <a:off x="669726" y="2976540"/>
+            <a:ext cx="7248315" cy="1812174"/>
+          </a:xfrm>
+          <a:prstGeom prst="rect">
+            <a:avLst/>
+          </a:prstGeom>
+          <a:noFill/>
+          <a:ln>
+            <a:noFill/>
+          </a:ln>
+        </p:spPr>
+        <p:txBody>
+          <a:bodyPr lIns="32750" tIns="32750" rIns="32750" bIns="32750" anchor="ctr" anchorCtr="0">
+            <a:noAutofit/>
+          </a:bodyPr>
+          <a:lstStyle/>
+          <a:p>
+            <a:pPr lvl="0">
+              <a:buClr>
+                <a:srgbClr val="F8F8F8"/>
+              </a:buClr>
+              <a:buSzPct val="25000"/>
+            </a:pPr>
+            <a:r>
+              <a:rPr lang="en-US" sz="2400" dirty="0">
+                <a:solidFill>
+                  <a:srgbClr val="92D050"/>
+                </a:solidFill>
+              </a:rPr>
+              <a:t>// New </a:t>
+            </a:r>
+            <a:r>
+              <a:rPr lang="en-US" sz="2400" dirty="0" smtClean="0">
+                <a:solidFill>
+                  <a:srgbClr val="92D050"/>
+                </a:solidFill>
+              </a:rPr>
+              <a:t>Syntax</a:t>
+            </a:r>
+          </a:p>
+          <a:p>
+            <a:pPr lvl="0">
+              <a:buClr>
+                <a:srgbClr val="F8F8F8"/>
+              </a:buClr>
+              <a:buSzPct val="25000"/>
+            </a:pPr>
+            <a:r>
+              <a:rPr lang="en-US" sz="2400" dirty="0" smtClean="0">
+                <a:solidFill>
+                  <a:schemeClr val="bg1"/>
+                </a:solidFill>
+              </a:rPr>
+              <a:t> </a:t>
+            </a:r>
+            <a:r>
+              <a:rPr lang="en-US" sz="2400" dirty="0" err="1" smtClean="0">
+                <a:solidFill>
+                  <a:schemeClr val="bg1"/>
+                </a:solidFill>
+              </a:rPr>
+              <a:t>var</a:t>
+            </a:r>
+            <a:r>
+              <a:rPr lang="en-US" sz="2400" dirty="0" smtClean="0">
+                <a:solidFill>
+                  <a:schemeClr val="bg1"/>
+                </a:solidFill>
+              </a:rPr>
+              <a:t> </a:t>
+            </a:r>
+            <a:r>
+              <a:rPr lang="en-US" sz="2400" dirty="0" err="1" smtClean="0">
+                <a:solidFill>
+                  <a:schemeClr val="bg1"/>
+                </a:solidFill>
+              </a:rPr>
+              <a:t>newOne</a:t>
+            </a:r>
+            <a:r>
+              <a:rPr lang="en-US" sz="2400" dirty="0" smtClean="0">
+                <a:solidFill>
+                  <a:schemeClr val="bg1"/>
+                </a:solidFill>
+              </a:rPr>
+              <a:t> </a:t>
+            </a:r>
+            <a:r>
+              <a:rPr lang="en-US" sz="2400" dirty="0">
+                <a:solidFill>
+                  <a:schemeClr val="bg1"/>
+                </a:solidFill>
+              </a:rPr>
+              <a:t>= () =&gt; {</a:t>
+            </a:r>
+            <a:br>
+              <a:rPr lang="en-US" sz="2400" dirty="0">
+                <a:solidFill>
+                  <a:schemeClr val="bg1"/>
+                </a:solidFill>
+              </a:rPr>
+            </a:br>
+            <a:r>
+              <a:rPr lang="en-US" sz="2400" dirty="0" smtClean="0">
+                <a:solidFill>
+                  <a:schemeClr val="bg1"/>
+                </a:solidFill>
+              </a:rPr>
+              <a:t>	</a:t>
+            </a:r>
+            <a:r>
+              <a:rPr lang="en-US" sz="2400" dirty="0" err="1" smtClean="0">
+                <a:solidFill>
+                  <a:schemeClr val="bg1"/>
+                </a:solidFill>
+              </a:rPr>
+              <a:t>console.log</a:t>
+            </a:r>
+            <a:r>
+              <a:rPr lang="en-US" sz="2400" dirty="0">
+                <a:solidFill>
+                  <a:schemeClr val="bg1"/>
+                </a:solidFill>
+              </a:rPr>
+              <a:t>("Hello World..!");</a:t>
+            </a:r>
+            <a:br>
+              <a:rPr lang="en-US" sz="2400" dirty="0">
+                <a:solidFill>
+                  <a:schemeClr val="bg1"/>
+                </a:solidFill>
+              </a:rPr>
+            </a:br>
+            <a:r>
+              <a:rPr lang="en-US" sz="2400" dirty="0">
+                <a:solidFill>
+                  <a:schemeClr val="bg1"/>
+                </a:solidFill>
+              </a:rPr>
+              <a:t>}</a:t>
+            </a:r>
+            <a:endParaRPr lang="en-US" sz="2400" b="0" i="0" u="none" strike="noStrike" cap="none" dirty="0">
+              <a:solidFill>
+                <a:schemeClr val="bg1"/>
+              </a:solidFill>
+              <a:latin typeface="Consolas"/>
+              <a:ea typeface="Consolas"/>
+              <a:cs typeface="Consolas"/>
+              <a:sym typeface="Consolas"/>
+            </a:endParaRPr>
+          </a:p>
+        </p:txBody>
+      </p:sp>
     </p:spTree>
-    <p:extLst>
-      <p:ext uri="{BB962C8B-B14F-4D97-AF65-F5344CB8AC3E}">
-        <p14:creationId xmlns:p14="http://schemas.microsoft.com/office/powerpoint/2010/main" val="618684370"/>
-      </p:ext>
-    </p:extLst>
   </p:cSld>
   <p:clrMapOvr>
     <a:masterClrMapping/>
@@ -16120,7 +16671,7 @@
         </p:nvSpPr>
         <p:spPr>
           <a:xfrm>
-            <a:off x="281353" y="1000369"/>
+            <a:off x="281355" y="1753013"/>
             <a:ext cx="8192871" cy="1649046"/>
           </a:xfrm>
           <a:prstGeom prst="rect">
@@ -16137,559 +16688,101 @@
           </a:bodyPr>
           <a:lstStyle/>
           <a:p>
-            <a:pPr marL="0" marR="0" lvl="0" indent="0" algn="l" rtl="0">
-              <a:lnSpc>
-                <a:spcPct val="100000"/>
-              </a:lnSpc>
-              <a:spcBef>
-                <a:spcPts val="0"/>
-              </a:spcBef>
-              <a:spcAft>
-                <a:spcPts val="0"/>
-              </a:spcAft>
-              <a:buClr>
-                <a:srgbClr val="F8F8F8"/>
-              </a:buClr>
-              <a:buSzPct val="25000"/>
-              <a:buFont typeface="Consolas"/>
-              <a:buNone/>
+            <a:r>
+              <a:rPr lang="en-US" sz="2400" dirty="0">
+                <a:solidFill>
+                  <a:schemeClr val="bg1"/>
+                </a:solidFill>
+              </a:rPr>
+              <a:t>There are two parts of the syntax.</a:t>
+            </a:r>
+          </a:p>
+          <a:p>
+            <a:endParaRPr lang="en-US" sz="2400" dirty="0" smtClean="0">
+              <a:solidFill>
+                <a:schemeClr val="bg1"/>
+              </a:solidFill>
+            </a:endParaRPr>
+          </a:p>
+          <a:p>
+            <a:pPr marL="457200" indent="-457200">
+              <a:buAutoNum type="arabicPeriod"/>
             </a:pPr>
             <a:r>
-              <a:rPr lang="en-US" sz="2300" dirty="0">
-                <a:solidFill>
-                  <a:srgbClr val="F8F8F8"/>
-                </a:solidFill>
-                <a:latin typeface="Consolas"/>
-                <a:ea typeface="Consolas"/>
-                <a:cs typeface="Consolas"/>
-                <a:sym typeface="Consolas"/>
-              </a:rPr>
-              <a:t>e</a:t>
-            </a:r>
-            <a:r>
-              <a:rPr lang="en-US" sz="2300" b="0" i="0" u="none" strike="noStrike" cap="none" dirty="0" smtClean="0">
-                <a:solidFill>
-                  <a:srgbClr val="F8F8F8"/>
-                </a:solidFill>
-                <a:latin typeface="Consolas"/>
-                <a:ea typeface="Consolas"/>
-                <a:cs typeface="Consolas"/>
-                <a:sym typeface="Consolas"/>
-              </a:rPr>
-              <a:t>vens = {2,4,6,8,10}</a:t>
-            </a:r>
-          </a:p>
-          <a:p>
-            <a:pPr marL="0" marR="0" lvl="0" indent="0" algn="l" rtl="0">
-              <a:lnSpc>
-                <a:spcPct val="100000"/>
-              </a:lnSpc>
-              <a:spcBef>
-                <a:spcPts val="0"/>
-              </a:spcBef>
-              <a:spcAft>
-                <a:spcPts val="0"/>
-              </a:spcAft>
-              <a:buClr>
-                <a:srgbClr val="F8F8F8"/>
-              </a:buClr>
-              <a:buSzPct val="25000"/>
-              <a:buFont typeface="Consolas"/>
-              <a:buNone/>
+              <a:rPr lang="en-US" sz="2400" dirty="0" err="1" smtClean="0">
+                <a:solidFill>
+                  <a:srgbClr val="FFC000"/>
+                </a:solidFill>
+              </a:rPr>
+              <a:t>var</a:t>
+            </a:r>
+            <a:r>
+              <a:rPr lang="en-US" sz="2400" dirty="0" smtClean="0">
+                <a:solidFill>
+                  <a:srgbClr val="FFC000"/>
+                </a:solidFill>
+              </a:rPr>
+              <a:t> </a:t>
+            </a:r>
+            <a:r>
+              <a:rPr lang="en-US" sz="2400" dirty="0" err="1">
+                <a:solidFill>
+                  <a:srgbClr val="FFC000"/>
+                </a:solidFill>
+              </a:rPr>
+              <a:t>newOne</a:t>
+            </a:r>
+            <a:r>
+              <a:rPr lang="en-US" sz="2400" dirty="0">
+                <a:solidFill>
+                  <a:srgbClr val="FFC000"/>
+                </a:solidFill>
+              </a:rPr>
+              <a:t> = </a:t>
+            </a:r>
+            <a:r>
+              <a:rPr lang="en-US" sz="2400" dirty="0" smtClean="0">
+                <a:solidFill>
+                  <a:srgbClr val="FFC000"/>
+                </a:solidFill>
+              </a:rPr>
+              <a:t>()</a:t>
+            </a:r>
+          </a:p>
+          <a:p>
+            <a:pPr marL="457200" indent="-457200">
+              <a:buAutoNum type="arabicPeriod"/>
             </a:pPr>
-            <a:r>
-              <a:rPr lang="en-US" sz="2300" b="0" i="0" u="none" strike="noStrike" cap="none" dirty="0" smtClean="0">
-                <a:solidFill>
-                  <a:srgbClr val="F8F8F8"/>
-                </a:solidFill>
-                <a:latin typeface="Consolas"/>
-                <a:ea typeface="Consolas"/>
-                <a:cs typeface="Consolas"/>
-                <a:sym typeface="Consolas"/>
-              </a:rPr>
-              <a:t>odds  </a:t>
-            </a:r>
-            <a:r>
-              <a:rPr lang="en-US" sz="2300" b="0" i="0" u="none" strike="noStrike" cap="none" dirty="0">
-                <a:solidFill>
-                  <a:srgbClr val="E28964"/>
-                </a:solidFill>
-                <a:latin typeface="Consolas"/>
-                <a:ea typeface="Consolas"/>
-                <a:cs typeface="Consolas"/>
-                <a:sym typeface="Consolas"/>
-              </a:rPr>
-              <a:t>=</a:t>
-            </a:r>
-            <a:r>
-              <a:rPr lang="en-US" sz="2300" b="0" i="0" u="none" strike="noStrike" cap="none" dirty="0">
-                <a:solidFill>
-                  <a:srgbClr val="F8F8F8"/>
-                </a:solidFill>
-                <a:latin typeface="Consolas"/>
-                <a:ea typeface="Consolas"/>
-                <a:cs typeface="Consolas"/>
-                <a:sym typeface="Consolas"/>
-              </a:rPr>
-              <a:t> </a:t>
-            </a:r>
-            <a:r>
-              <a:rPr lang="en-US" sz="2300" b="0" i="0" u="none" strike="noStrike" cap="none" dirty="0" err="1">
-                <a:solidFill>
-                  <a:srgbClr val="F8F8F8"/>
-                </a:solidFill>
-                <a:latin typeface="Consolas"/>
-                <a:ea typeface="Consolas"/>
-                <a:cs typeface="Consolas"/>
-                <a:sym typeface="Consolas"/>
-              </a:rPr>
-              <a:t>evens.map</a:t>
-            </a:r>
-            <a:r>
-              <a:rPr lang="en-US" sz="2300" b="0" i="0" u="none" strike="noStrike" cap="none" dirty="0">
-                <a:solidFill>
-                  <a:srgbClr val="F8F8F8"/>
-                </a:solidFill>
-                <a:latin typeface="Consolas"/>
-                <a:ea typeface="Consolas"/>
-                <a:cs typeface="Consolas"/>
-                <a:sym typeface="Consolas"/>
-              </a:rPr>
-              <a:t>(v </a:t>
-            </a:r>
-            <a:r>
-              <a:rPr lang="en-US" sz="2300" b="0" i="0" u="none" strike="noStrike" cap="none" dirty="0">
-                <a:solidFill>
-                  <a:srgbClr val="E28964"/>
-                </a:solidFill>
-                <a:latin typeface="Consolas"/>
-                <a:ea typeface="Consolas"/>
-                <a:cs typeface="Consolas"/>
-                <a:sym typeface="Consolas"/>
-              </a:rPr>
-              <a:t>=&gt;</a:t>
-            </a:r>
-            <a:r>
-              <a:rPr lang="en-US" sz="2300" b="0" i="0" u="none" strike="noStrike" cap="none" dirty="0">
-                <a:solidFill>
-                  <a:srgbClr val="F8F8F8"/>
-                </a:solidFill>
-                <a:latin typeface="Consolas"/>
-                <a:ea typeface="Consolas"/>
-                <a:cs typeface="Consolas"/>
-                <a:sym typeface="Consolas"/>
-              </a:rPr>
-              <a:t> v </a:t>
-            </a:r>
-            <a:r>
-              <a:rPr lang="en-US" sz="2300" b="0" i="0" u="none" strike="noStrike" cap="none" dirty="0">
-                <a:solidFill>
-                  <a:srgbClr val="E28964"/>
-                </a:solidFill>
-                <a:latin typeface="Consolas"/>
-                <a:ea typeface="Consolas"/>
-                <a:cs typeface="Consolas"/>
-                <a:sym typeface="Consolas"/>
-              </a:rPr>
-              <a:t>+</a:t>
-            </a:r>
-            <a:r>
-              <a:rPr lang="en-US" sz="2300" b="0" i="0" u="none" strike="noStrike" cap="none" dirty="0">
-                <a:solidFill>
-                  <a:srgbClr val="F8F8F8"/>
-                </a:solidFill>
-                <a:latin typeface="Consolas"/>
-                <a:ea typeface="Consolas"/>
-                <a:cs typeface="Consolas"/>
-                <a:sym typeface="Consolas"/>
-              </a:rPr>
-              <a:t> </a:t>
-            </a:r>
-            <a:r>
-              <a:rPr lang="en-US" sz="2300" b="0" i="0" u="none" strike="noStrike" cap="none" dirty="0">
-                <a:solidFill>
-                  <a:srgbClr val="3387CC"/>
-                </a:solidFill>
-                <a:latin typeface="Consolas"/>
-                <a:ea typeface="Consolas"/>
-                <a:cs typeface="Consolas"/>
-                <a:sym typeface="Consolas"/>
-              </a:rPr>
-              <a:t>1</a:t>
-            </a:r>
-            <a:r>
-              <a:rPr lang="en-US" sz="2300" b="0" i="0" u="none" strike="noStrike" cap="none" dirty="0">
-                <a:solidFill>
-                  <a:srgbClr val="F8F8F8"/>
-                </a:solidFill>
-                <a:latin typeface="Consolas"/>
-                <a:ea typeface="Consolas"/>
-                <a:cs typeface="Consolas"/>
-                <a:sym typeface="Consolas"/>
-              </a:rPr>
-              <a:t>)</a:t>
-            </a:r>
-          </a:p>
-          <a:p>
-            <a:pPr marL="0" marR="0" lvl="0" indent="0" algn="l" rtl="0">
-              <a:lnSpc>
-                <a:spcPct val="100000"/>
-              </a:lnSpc>
-              <a:spcBef>
-                <a:spcPts val="0"/>
-              </a:spcBef>
-              <a:spcAft>
-                <a:spcPts val="0"/>
-              </a:spcAft>
-              <a:buClr>
-                <a:srgbClr val="F8F8F8"/>
-              </a:buClr>
-              <a:buSzPct val="25000"/>
-              <a:buFont typeface="Consolas"/>
-              <a:buNone/>
-            </a:pPr>
-            <a:r>
-              <a:rPr lang="en-US" sz="2300" b="0" i="0" u="none" strike="noStrike" cap="none" dirty="0">
-                <a:solidFill>
-                  <a:srgbClr val="F8F8F8"/>
-                </a:solidFill>
-                <a:latin typeface="Consolas"/>
-                <a:ea typeface="Consolas"/>
-                <a:cs typeface="Consolas"/>
-                <a:sym typeface="Consolas"/>
-              </a:rPr>
-              <a:t>pairs </a:t>
-            </a:r>
-            <a:r>
-              <a:rPr lang="en-US" sz="2300" b="0" i="0" u="none" strike="noStrike" cap="none" dirty="0">
-                <a:solidFill>
-                  <a:srgbClr val="E28964"/>
-                </a:solidFill>
-                <a:latin typeface="Consolas"/>
-                <a:ea typeface="Consolas"/>
-                <a:cs typeface="Consolas"/>
-                <a:sym typeface="Consolas"/>
-              </a:rPr>
-              <a:t>=</a:t>
-            </a:r>
-            <a:r>
-              <a:rPr lang="en-US" sz="2300" b="0" i="0" u="none" strike="noStrike" cap="none" dirty="0">
-                <a:solidFill>
-                  <a:srgbClr val="F8F8F8"/>
-                </a:solidFill>
-                <a:latin typeface="Consolas"/>
-                <a:ea typeface="Consolas"/>
-                <a:cs typeface="Consolas"/>
-                <a:sym typeface="Consolas"/>
-              </a:rPr>
-              <a:t> </a:t>
-            </a:r>
-            <a:r>
-              <a:rPr lang="en-US" sz="2300" b="0" i="0" u="none" strike="noStrike" cap="none" dirty="0" err="1">
-                <a:solidFill>
-                  <a:srgbClr val="F8F8F8"/>
-                </a:solidFill>
-                <a:latin typeface="Consolas"/>
-                <a:ea typeface="Consolas"/>
-                <a:cs typeface="Consolas"/>
-                <a:sym typeface="Consolas"/>
-              </a:rPr>
-              <a:t>evens.map</a:t>
-            </a:r>
-            <a:r>
-              <a:rPr lang="en-US" sz="2300" b="0" i="0" u="none" strike="noStrike" cap="none" dirty="0">
-                <a:solidFill>
-                  <a:srgbClr val="F8F8F8"/>
-                </a:solidFill>
-                <a:latin typeface="Consolas"/>
-                <a:ea typeface="Consolas"/>
-                <a:cs typeface="Consolas"/>
-                <a:sym typeface="Consolas"/>
-              </a:rPr>
-              <a:t>(v </a:t>
-            </a:r>
-            <a:r>
-              <a:rPr lang="en-US" sz="2300" b="0" i="0" u="none" strike="noStrike" cap="none" dirty="0">
-                <a:solidFill>
-                  <a:srgbClr val="E28964"/>
-                </a:solidFill>
-                <a:latin typeface="Consolas"/>
-                <a:ea typeface="Consolas"/>
-                <a:cs typeface="Consolas"/>
-                <a:sym typeface="Consolas"/>
-              </a:rPr>
-              <a:t>=&gt;</a:t>
-            </a:r>
-            <a:r>
-              <a:rPr lang="en-US" sz="2300" b="0" i="0" u="none" strike="noStrike" cap="none" dirty="0">
-                <a:solidFill>
-                  <a:srgbClr val="F8F8F8"/>
-                </a:solidFill>
-                <a:latin typeface="Consolas"/>
-                <a:ea typeface="Consolas"/>
-                <a:cs typeface="Consolas"/>
-                <a:sym typeface="Consolas"/>
-              </a:rPr>
-              <a:t> ({ even: v, odd: v </a:t>
-            </a:r>
-            <a:r>
-              <a:rPr lang="en-US" sz="2300" b="0" i="0" u="none" strike="noStrike" cap="none" dirty="0">
-                <a:solidFill>
-                  <a:srgbClr val="E28964"/>
-                </a:solidFill>
-                <a:latin typeface="Consolas"/>
-                <a:ea typeface="Consolas"/>
-                <a:cs typeface="Consolas"/>
-                <a:sym typeface="Consolas"/>
-              </a:rPr>
-              <a:t>+</a:t>
-            </a:r>
-            <a:r>
-              <a:rPr lang="en-US" sz="2300" b="0" i="0" u="none" strike="noStrike" cap="none" dirty="0">
-                <a:solidFill>
-                  <a:srgbClr val="F8F8F8"/>
-                </a:solidFill>
-                <a:latin typeface="Consolas"/>
-                <a:ea typeface="Consolas"/>
-                <a:cs typeface="Consolas"/>
-                <a:sym typeface="Consolas"/>
-              </a:rPr>
-              <a:t> </a:t>
-            </a:r>
-            <a:r>
-              <a:rPr lang="en-US" sz="2300" b="0" i="0" u="none" strike="noStrike" cap="none" dirty="0">
-                <a:solidFill>
-                  <a:srgbClr val="3387CC"/>
-                </a:solidFill>
-                <a:latin typeface="Consolas"/>
-                <a:ea typeface="Consolas"/>
-                <a:cs typeface="Consolas"/>
-                <a:sym typeface="Consolas"/>
-              </a:rPr>
-              <a:t>1</a:t>
-            </a:r>
-            <a:r>
-              <a:rPr lang="en-US" sz="2300" b="0" i="0" u="none" strike="noStrike" cap="none" dirty="0">
-                <a:solidFill>
-                  <a:srgbClr val="F8F8F8"/>
-                </a:solidFill>
-                <a:latin typeface="Consolas"/>
-                <a:ea typeface="Consolas"/>
-                <a:cs typeface="Consolas"/>
-                <a:sym typeface="Consolas"/>
-              </a:rPr>
-              <a:t> }))</a:t>
-            </a:r>
-          </a:p>
-          <a:p>
-            <a:pPr marL="0" marR="0" lvl="0" indent="0" algn="l" rtl="0">
-              <a:lnSpc>
-                <a:spcPct val="100000"/>
-              </a:lnSpc>
-              <a:spcBef>
-                <a:spcPts val="0"/>
-              </a:spcBef>
-              <a:spcAft>
-                <a:spcPts val="0"/>
-              </a:spcAft>
-              <a:buClr>
-                <a:srgbClr val="F8F8F8"/>
-              </a:buClr>
-              <a:buSzPct val="25000"/>
-              <a:buFont typeface="Consolas"/>
-              <a:buNone/>
-            </a:pPr>
-            <a:r>
-              <a:rPr lang="en-US" sz="2300" b="0" i="0" u="none" strike="noStrike" cap="none" dirty="0" err="1">
-                <a:solidFill>
-                  <a:srgbClr val="F8F8F8"/>
-                </a:solidFill>
-                <a:latin typeface="Consolas"/>
-                <a:ea typeface="Consolas"/>
-                <a:cs typeface="Consolas"/>
-                <a:sym typeface="Consolas"/>
-              </a:rPr>
-              <a:t>nums</a:t>
-            </a:r>
-            <a:r>
-              <a:rPr lang="en-US" sz="2300" b="0" i="0" u="none" strike="noStrike" cap="none" dirty="0">
-                <a:solidFill>
-                  <a:srgbClr val="F8F8F8"/>
-                </a:solidFill>
-                <a:latin typeface="Consolas"/>
-                <a:ea typeface="Consolas"/>
-                <a:cs typeface="Consolas"/>
-                <a:sym typeface="Consolas"/>
-              </a:rPr>
-              <a:t>  </a:t>
-            </a:r>
-            <a:r>
-              <a:rPr lang="en-US" sz="2300" b="0" i="0" u="none" strike="noStrike" cap="none" dirty="0">
-                <a:solidFill>
-                  <a:srgbClr val="E28964"/>
-                </a:solidFill>
-                <a:latin typeface="Consolas"/>
-                <a:ea typeface="Consolas"/>
-                <a:cs typeface="Consolas"/>
-                <a:sym typeface="Consolas"/>
-              </a:rPr>
-              <a:t>=</a:t>
-            </a:r>
-            <a:r>
-              <a:rPr lang="en-US" sz="2300" b="0" i="0" u="none" strike="noStrike" cap="none" dirty="0">
-                <a:solidFill>
-                  <a:srgbClr val="F8F8F8"/>
-                </a:solidFill>
-                <a:latin typeface="Consolas"/>
-                <a:ea typeface="Consolas"/>
-                <a:cs typeface="Consolas"/>
-                <a:sym typeface="Consolas"/>
-              </a:rPr>
-              <a:t> </a:t>
-            </a:r>
-            <a:r>
-              <a:rPr lang="en-US" sz="2300" b="0" i="0" u="none" strike="noStrike" cap="none" dirty="0" err="1">
-                <a:solidFill>
-                  <a:srgbClr val="F8F8F8"/>
-                </a:solidFill>
-                <a:latin typeface="Consolas"/>
-                <a:ea typeface="Consolas"/>
-                <a:cs typeface="Consolas"/>
-                <a:sym typeface="Consolas"/>
-              </a:rPr>
-              <a:t>evens.map</a:t>
-            </a:r>
-            <a:r>
-              <a:rPr lang="en-US" sz="2300" b="0" i="0" u="none" strike="noStrike" cap="none" dirty="0">
-                <a:solidFill>
-                  <a:srgbClr val="F8F8F8"/>
-                </a:solidFill>
-                <a:latin typeface="Consolas"/>
-                <a:ea typeface="Consolas"/>
-                <a:cs typeface="Consolas"/>
-                <a:sym typeface="Consolas"/>
-              </a:rPr>
-              <a:t>((v, </a:t>
-            </a:r>
-            <a:r>
-              <a:rPr lang="en-US" sz="2300" b="0" i="0" u="none" strike="noStrike" cap="none" dirty="0" err="1">
-                <a:solidFill>
-                  <a:srgbClr val="F8F8F8"/>
-                </a:solidFill>
-                <a:latin typeface="Consolas"/>
-                <a:ea typeface="Consolas"/>
-                <a:cs typeface="Consolas"/>
-                <a:sym typeface="Consolas"/>
-              </a:rPr>
-              <a:t>i</a:t>
-            </a:r>
-            <a:r>
-              <a:rPr lang="en-US" sz="2300" b="0" i="0" u="none" strike="noStrike" cap="none" dirty="0">
-                <a:solidFill>
-                  <a:srgbClr val="F8F8F8"/>
-                </a:solidFill>
-                <a:latin typeface="Consolas"/>
-                <a:ea typeface="Consolas"/>
-                <a:cs typeface="Consolas"/>
-                <a:sym typeface="Consolas"/>
-              </a:rPr>
-              <a:t>) </a:t>
-            </a:r>
-            <a:r>
-              <a:rPr lang="en-US" sz="2300" b="0" i="0" u="none" strike="noStrike" cap="none" dirty="0">
-                <a:solidFill>
-                  <a:srgbClr val="E28964"/>
-                </a:solidFill>
-                <a:latin typeface="Consolas"/>
-                <a:ea typeface="Consolas"/>
-                <a:cs typeface="Consolas"/>
-                <a:sym typeface="Consolas"/>
-              </a:rPr>
-              <a:t>=&gt;</a:t>
-            </a:r>
-            <a:r>
-              <a:rPr lang="en-US" sz="2300" b="0" i="0" u="none" strike="noStrike" cap="none" dirty="0">
-                <a:solidFill>
-                  <a:srgbClr val="F8F8F8"/>
-                </a:solidFill>
-                <a:latin typeface="Consolas"/>
-                <a:ea typeface="Consolas"/>
-                <a:cs typeface="Consolas"/>
-                <a:sym typeface="Consolas"/>
-              </a:rPr>
-              <a:t> { </a:t>
-            </a:r>
-            <a:r>
-              <a:rPr lang="en-US" sz="2300" b="0" i="0" u="none" strike="noStrike" cap="none" dirty="0">
-                <a:solidFill>
-                  <a:srgbClr val="E28964"/>
-                </a:solidFill>
-                <a:latin typeface="Consolas"/>
-                <a:ea typeface="Consolas"/>
-                <a:cs typeface="Consolas"/>
-                <a:sym typeface="Consolas"/>
-              </a:rPr>
-              <a:t>return</a:t>
-            </a:r>
-            <a:r>
-              <a:rPr lang="en-US" sz="2300" b="0" i="0" u="none" strike="noStrike" cap="none" dirty="0">
-                <a:solidFill>
-                  <a:srgbClr val="F8F8F8"/>
-                </a:solidFill>
-                <a:latin typeface="Consolas"/>
-                <a:ea typeface="Consolas"/>
-                <a:cs typeface="Consolas"/>
-                <a:sym typeface="Consolas"/>
-              </a:rPr>
-              <a:t> v </a:t>
-            </a:r>
-            <a:r>
-              <a:rPr lang="en-US" sz="2300" b="0" i="0" u="none" strike="noStrike" cap="none" dirty="0">
-                <a:solidFill>
-                  <a:srgbClr val="E28964"/>
-                </a:solidFill>
-                <a:latin typeface="Consolas"/>
-                <a:ea typeface="Consolas"/>
-                <a:cs typeface="Consolas"/>
-                <a:sym typeface="Consolas"/>
-              </a:rPr>
-              <a:t>+</a:t>
-            </a:r>
-            <a:r>
-              <a:rPr lang="en-US" sz="2300" b="0" i="0" u="none" strike="noStrike" cap="none" dirty="0">
-                <a:solidFill>
-                  <a:srgbClr val="F8F8F8"/>
-                </a:solidFill>
-                <a:latin typeface="Consolas"/>
-                <a:ea typeface="Consolas"/>
-                <a:cs typeface="Consolas"/>
-                <a:sym typeface="Consolas"/>
-              </a:rPr>
-              <a:t> </a:t>
-            </a:r>
-            <a:r>
-              <a:rPr lang="en-US" sz="2300" b="0" i="0" u="none" strike="noStrike" cap="none" dirty="0" err="1">
-                <a:solidFill>
-                  <a:srgbClr val="F8F8F8"/>
-                </a:solidFill>
-                <a:latin typeface="Consolas"/>
-                <a:ea typeface="Consolas"/>
-                <a:cs typeface="Consolas"/>
-                <a:sym typeface="Consolas"/>
-              </a:rPr>
-              <a:t>i</a:t>
-            </a:r>
-            <a:r>
-              <a:rPr lang="en-US" sz="2300" b="0" i="0" u="none" strike="noStrike" cap="none" dirty="0">
-                <a:solidFill>
-                  <a:srgbClr val="F8F8F8"/>
-                </a:solidFill>
-                <a:latin typeface="Consolas"/>
-                <a:ea typeface="Consolas"/>
-                <a:cs typeface="Consolas"/>
-                <a:sym typeface="Consolas"/>
-              </a:rPr>
-              <a:t>;})</a:t>
+            <a:endParaRPr lang="en-US" sz="2400" dirty="0">
+              <a:solidFill>
+                <a:srgbClr val="FFC000"/>
+              </a:solidFill>
+            </a:endParaRPr>
+          </a:p>
+          <a:p>
+            <a:r>
+              <a:rPr lang="en-US" sz="2400" dirty="0" smtClean="0">
+                <a:solidFill>
+                  <a:schemeClr val="bg1"/>
+                </a:solidFill>
+              </a:rPr>
+              <a:t>2. </a:t>
+            </a:r>
+            <a:r>
+              <a:rPr lang="en-US" sz="2400" dirty="0" smtClean="0">
+                <a:solidFill>
+                  <a:srgbClr val="FFFF00"/>
+                </a:solidFill>
+              </a:rPr>
+              <a:t>=&gt; </a:t>
+            </a:r>
+            <a:r>
+              <a:rPr lang="en-US" sz="2400" dirty="0">
+                <a:solidFill>
+                  <a:srgbClr val="FFFF00"/>
+                </a:solidFill>
+              </a:rPr>
+              <a:t>{}</a:t>
             </a:r>
           </a:p>
         </p:txBody>
@@ -16746,6 +16839,740 @@
               <a:sym typeface="Helvetica Neue"/>
             </a:endParaRPr>
           </a:p>
+        </p:txBody>
+      </p:sp>
+    </p:spTree>
+    <p:extLst>
+      <p:ext uri="{BB962C8B-B14F-4D97-AF65-F5344CB8AC3E}">
+        <p14:creationId xmlns:p14="http://schemas.microsoft.com/office/powerpoint/2010/main" val="618684370"/>
+      </p:ext>
+    </p:extLst>
+  </p:cSld>
+  <p:clrMapOvr>
+    <a:masterClrMapping/>
+  </p:clrMapOvr>
+  <p:timing>
+    <p:tnLst>
+      <p:par>
+        <p:cTn id="1" dur="indefinite" restart="never" nodeType="tmRoot"/>
+      </p:par>
+    </p:tnLst>
+  </p:timing>
+</p:sld>
+</file>
+
+<file path=ppt/slides/slide15.xml><?xml version="1.0" encoding="utf-8"?>
+<p:sld xmlns:a="http://schemas.openxmlformats.org/drawingml/2006/main" xmlns:r="http://schemas.openxmlformats.org/officeDocument/2006/relationships" xmlns:p="http://schemas.openxmlformats.org/presentationml/2006/main">
+  <p:cSld>
+    <p:spTree>
+      <p:nvGrpSpPr>
+        <p:cNvPr id="1" name="Shape 123"/>
+        <p:cNvGrpSpPr/>
+        <p:nvPr/>
+      </p:nvGrpSpPr>
+      <p:grpSpPr>
+        <a:xfrm>
+          <a:off x="0" y="0"/>
+          <a:ext cx="0" cy="0"/>
+          <a:chOff x="0" y="0"/>
+          <a:chExt cx="0" cy="0"/>
+        </a:xfrm>
+      </p:grpSpPr>
+      <p:sp>
+        <p:nvSpPr>
+          <p:cNvPr id="124" name="Shape 124"/>
+          <p:cNvSpPr txBox="1">
+            <a:spLocks noGrp="1"/>
+          </p:cNvSpPr>
+          <p:nvPr>
+            <p:ph type="title"/>
+          </p:nvPr>
+        </p:nvSpPr>
+        <p:spPr>
+          <a:xfrm>
+            <a:off x="669726" y="133945"/>
+            <a:ext cx="7804500" cy="1138500"/>
+          </a:xfrm>
+          <a:prstGeom prst="rect">
+            <a:avLst/>
+          </a:prstGeom>
+          <a:noFill/>
+          <a:ln>
+            <a:noFill/>
+          </a:ln>
+        </p:spPr>
+        <p:txBody>
+          <a:bodyPr lIns="32750" tIns="32750" rIns="32750" bIns="32750" anchor="ctr" anchorCtr="0">
+            <a:noAutofit/>
+          </a:bodyPr>
+          <a:lstStyle/>
+          <a:p>
+            <a:pPr marL="0" marR="0" lvl="0" indent="0" algn="ctr" rtl="0">
+              <a:lnSpc>
+                <a:spcPct val="100000"/>
+              </a:lnSpc>
+              <a:spcBef>
+                <a:spcPts val="0"/>
+              </a:spcBef>
+              <a:spcAft>
+                <a:spcPts val="0"/>
+              </a:spcAft>
+              <a:buClr>
+                <a:srgbClr val="FFFFFF"/>
+              </a:buClr>
+              <a:buSzPct val="25000"/>
+              <a:buFont typeface="Helvetica Neue"/>
+              <a:buNone/>
+            </a:pPr>
+            <a:r>
+              <a:rPr lang="en-US" sz="5200" b="0" i="0" u="none" strike="noStrike" cap="none">
+                <a:solidFill>
+                  <a:srgbClr val="FFFFFF"/>
+                </a:solidFill>
+                <a:latin typeface="Helvetica Neue"/>
+                <a:ea typeface="Helvetica Neue"/>
+                <a:cs typeface="Helvetica Neue"/>
+                <a:sym typeface="Helvetica Neue"/>
+              </a:rPr>
+              <a:t>Arrow functions</a:t>
+            </a:r>
+          </a:p>
+        </p:txBody>
+      </p:sp>
+      <p:sp>
+        <p:nvSpPr>
+          <p:cNvPr id="125" name="Shape 125"/>
+          <p:cNvSpPr/>
+          <p:nvPr/>
+        </p:nvSpPr>
+        <p:spPr>
+          <a:xfrm>
+            <a:off x="281353" y="1000369"/>
+            <a:ext cx="8192871" cy="1649046"/>
+          </a:xfrm>
+          <a:prstGeom prst="rect">
+            <a:avLst/>
+          </a:prstGeom>
+          <a:noFill/>
+          <a:ln>
+            <a:noFill/>
+          </a:ln>
+        </p:spPr>
+        <p:txBody>
+          <a:bodyPr lIns="32750" tIns="32750" rIns="32750" bIns="32750" anchor="ctr" anchorCtr="0">
+            <a:noAutofit/>
+          </a:bodyPr>
+          <a:lstStyle/>
+          <a:p>
+            <a:pPr marL="0" marR="0" lvl="0" indent="0" algn="l" rtl="0">
+              <a:lnSpc>
+                <a:spcPct val="100000"/>
+              </a:lnSpc>
+              <a:spcBef>
+                <a:spcPts val="0"/>
+              </a:spcBef>
+              <a:spcAft>
+                <a:spcPts val="0"/>
+              </a:spcAft>
+              <a:buClr>
+                <a:srgbClr val="F8F8F8"/>
+              </a:buClr>
+              <a:buSzPct val="25000"/>
+              <a:buFont typeface="Consolas"/>
+              <a:buNone/>
+            </a:pPr>
+            <a:r>
+              <a:rPr lang="en-US" sz="2300" dirty="0">
+                <a:solidFill>
+                  <a:srgbClr val="F8F8F8"/>
+                </a:solidFill>
+                <a:latin typeface="Consolas"/>
+                <a:ea typeface="Consolas"/>
+                <a:cs typeface="Consolas"/>
+                <a:sym typeface="Consolas"/>
+              </a:rPr>
+              <a:t>e</a:t>
+            </a:r>
+            <a:r>
+              <a:rPr lang="en-US" sz="2300" b="0" i="0" u="none" strike="noStrike" cap="none" dirty="0" smtClean="0">
+                <a:solidFill>
+                  <a:srgbClr val="F8F8F8"/>
+                </a:solidFill>
+                <a:latin typeface="Consolas"/>
+                <a:ea typeface="Consolas"/>
+                <a:cs typeface="Consolas"/>
+                <a:sym typeface="Consolas"/>
+              </a:rPr>
+              <a:t>vens = {2,4,6,8,10}</a:t>
+            </a:r>
+          </a:p>
+          <a:p>
+            <a:pPr marL="0" marR="0" lvl="0" indent="0" algn="l" rtl="0">
+              <a:lnSpc>
+                <a:spcPct val="100000"/>
+              </a:lnSpc>
+              <a:spcBef>
+                <a:spcPts val="0"/>
+              </a:spcBef>
+              <a:spcAft>
+                <a:spcPts val="0"/>
+              </a:spcAft>
+              <a:buClr>
+                <a:srgbClr val="F8F8F8"/>
+              </a:buClr>
+              <a:buSzPct val="25000"/>
+              <a:buFont typeface="Consolas"/>
+              <a:buNone/>
+            </a:pPr>
+            <a:r>
+              <a:rPr lang="en-US" sz="2300" b="0" i="0" u="none" strike="noStrike" cap="none" dirty="0" smtClean="0">
+                <a:solidFill>
+                  <a:srgbClr val="F8F8F8"/>
+                </a:solidFill>
+                <a:latin typeface="Consolas"/>
+                <a:ea typeface="Consolas"/>
+                <a:cs typeface="Consolas"/>
+                <a:sym typeface="Consolas"/>
+              </a:rPr>
+              <a:t>odds  </a:t>
+            </a:r>
+            <a:r>
+              <a:rPr lang="en-US" sz="2300" b="0" i="0" u="none" strike="noStrike" cap="none" dirty="0">
+                <a:solidFill>
+                  <a:srgbClr val="E28964"/>
+                </a:solidFill>
+                <a:latin typeface="Consolas"/>
+                <a:ea typeface="Consolas"/>
+                <a:cs typeface="Consolas"/>
+                <a:sym typeface="Consolas"/>
+              </a:rPr>
+              <a:t>=</a:t>
+            </a:r>
+            <a:r>
+              <a:rPr lang="en-US" sz="2300" b="0" i="0" u="none" strike="noStrike" cap="none" dirty="0">
+                <a:solidFill>
+                  <a:srgbClr val="F8F8F8"/>
+                </a:solidFill>
+                <a:latin typeface="Consolas"/>
+                <a:ea typeface="Consolas"/>
+                <a:cs typeface="Consolas"/>
+                <a:sym typeface="Consolas"/>
+              </a:rPr>
+              <a:t> </a:t>
+            </a:r>
+            <a:r>
+              <a:rPr lang="en-US" sz="2300" b="0" i="0" u="none" strike="noStrike" cap="none" dirty="0" err="1">
+                <a:solidFill>
+                  <a:srgbClr val="F8F8F8"/>
+                </a:solidFill>
+                <a:latin typeface="Consolas"/>
+                <a:ea typeface="Consolas"/>
+                <a:cs typeface="Consolas"/>
+                <a:sym typeface="Consolas"/>
+              </a:rPr>
+              <a:t>evens.map</a:t>
+            </a:r>
+            <a:r>
+              <a:rPr lang="en-US" sz="2300" b="0" i="0" u="none" strike="noStrike" cap="none" dirty="0">
+                <a:solidFill>
+                  <a:srgbClr val="F8F8F8"/>
+                </a:solidFill>
+                <a:latin typeface="Consolas"/>
+                <a:ea typeface="Consolas"/>
+                <a:cs typeface="Consolas"/>
+                <a:sym typeface="Consolas"/>
+              </a:rPr>
+              <a:t>(v </a:t>
+            </a:r>
+            <a:r>
+              <a:rPr lang="en-US" sz="2300" b="0" i="0" u="none" strike="noStrike" cap="none" dirty="0">
+                <a:solidFill>
+                  <a:srgbClr val="E28964"/>
+                </a:solidFill>
+                <a:latin typeface="Consolas"/>
+                <a:ea typeface="Consolas"/>
+                <a:cs typeface="Consolas"/>
+                <a:sym typeface="Consolas"/>
+              </a:rPr>
+              <a:t>=&gt;</a:t>
+            </a:r>
+            <a:r>
+              <a:rPr lang="en-US" sz="2300" b="0" i="0" u="none" strike="noStrike" cap="none" dirty="0">
+                <a:solidFill>
+                  <a:srgbClr val="F8F8F8"/>
+                </a:solidFill>
+                <a:latin typeface="Consolas"/>
+                <a:ea typeface="Consolas"/>
+                <a:cs typeface="Consolas"/>
+                <a:sym typeface="Consolas"/>
+              </a:rPr>
+              <a:t> v </a:t>
+            </a:r>
+            <a:r>
+              <a:rPr lang="en-US" sz="2300" b="0" i="0" u="none" strike="noStrike" cap="none" dirty="0">
+                <a:solidFill>
+                  <a:srgbClr val="E28964"/>
+                </a:solidFill>
+                <a:latin typeface="Consolas"/>
+                <a:ea typeface="Consolas"/>
+                <a:cs typeface="Consolas"/>
+                <a:sym typeface="Consolas"/>
+              </a:rPr>
+              <a:t>+</a:t>
+            </a:r>
+            <a:r>
+              <a:rPr lang="en-US" sz="2300" b="0" i="0" u="none" strike="noStrike" cap="none" dirty="0">
+                <a:solidFill>
+                  <a:srgbClr val="F8F8F8"/>
+                </a:solidFill>
+                <a:latin typeface="Consolas"/>
+                <a:ea typeface="Consolas"/>
+                <a:cs typeface="Consolas"/>
+                <a:sym typeface="Consolas"/>
+              </a:rPr>
+              <a:t> </a:t>
+            </a:r>
+            <a:r>
+              <a:rPr lang="en-US" sz="2300" b="0" i="0" u="none" strike="noStrike" cap="none" dirty="0">
+                <a:solidFill>
+                  <a:srgbClr val="3387CC"/>
+                </a:solidFill>
+                <a:latin typeface="Consolas"/>
+                <a:ea typeface="Consolas"/>
+                <a:cs typeface="Consolas"/>
+                <a:sym typeface="Consolas"/>
+              </a:rPr>
+              <a:t>1</a:t>
+            </a:r>
+            <a:r>
+              <a:rPr lang="en-US" sz="2300" b="0" i="0" u="none" strike="noStrike" cap="none" dirty="0">
+                <a:solidFill>
+                  <a:srgbClr val="F8F8F8"/>
+                </a:solidFill>
+                <a:latin typeface="Consolas"/>
+                <a:ea typeface="Consolas"/>
+                <a:cs typeface="Consolas"/>
+                <a:sym typeface="Consolas"/>
+              </a:rPr>
+              <a:t>)</a:t>
+            </a:r>
+          </a:p>
+          <a:p>
+            <a:pPr marL="0" marR="0" lvl="0" indent="0" algn="l" rtl="0">
+              <a:lnSpc>
+                <a:spcPct val="100000"/>
+              </a:lnSpc>
+              <a:spcBef>
+                <a:spcPts val="0"/>
+              </a:spcBef>
+              <a:spcAft>
+                <a:spcPts val="0"/>
+              </a:spcAft>
+              <a:buClr>
+                <a:srgbClr val="F8F8F8"/>
+              </a:buClr>
+              <a:buSzPct val="25000"/>
+              <a:buFont typeface="Consolas"/>
+              <a:buNone/>
+            </a:pPr>
+            <a:r>
+              <a:rPr lang="en-US" sz="2300" b="0" i="0" u="none" strike="noStrike" cap="none" dirty="0">
+                <a:solidFill>
+                  <a:srgbClr val="F8F8F8"/>
+                </a:solidFill>
+                <a:latin typeface="Consolas"/>
+                <a:ea typeface="Consolas"/>
+                <a:cs typeface="Consolas"/>
+                <a:sym typeface="Consolas"/>
+              </a:rPr>
+              <a:t>pairs </a:t>
+            </a:r>
+            <a:r>
+              <a:rPr lang="en-US" sz="2300" b="0" i="0" u="none" strike="noStrike" cap="none" dirty="0">
+                <a:solidFill>
+                  <a:srgbClr val="E28964"/>
+                </a:solidFill>
+                <a:latin typeface="Consolas"/>
+                <a:ea typeface="Consolas"/>
+                <a:cs typeface="Consolas"/>
+                <a:sym typeface="Consolas"/>
+              </a:rPr>
+              <a:t>=</a:t>
+            </a:r>
+            <a:r>
+              <a:rPr lang="en-US" sz="2300" b="0" i="0" u="none" strike="noStrike" cap="none" dirty="0">
+                <a:solidFill>
+                  <a:srgbClr val="F8F8F8"/>
+                </a:solidFill>
+                <a:latin typeface="Consolas"/>
+                <a:ea typeface="Consolas"/>
+                <a:cs typeface="Consolas"/>
+                <a:sym typeface="Consolas"/>
+              </a:rPr>
+              <a:t> </a:t>
+            </a:r>
+            <a:r>
+              <a:rPr lang="en-US" sz="2300" b="0" i="0" u="none" strike="noStrike" cap="none" dirty="0" err="1">
+                <a:solidFill>
+                  <a:srgbClr val="F8F8F8"/>
+                </a:solidFill>
+                <a:latin typeface="Consolas"/>
+                <a:ea typeface="Consolas"/>
+                <a:cs typeface="Consolas"/>
+                <a:sym typeface="Consolas"/>
+              </a:rPr>
+              <a:t>evens.map</a:t>
+            </a:r>
+            <a:r>
+              <a:rPr lang="en-US" sz="2300" b="0" i="0" u="none" strike="noStrike" cap="none" dirty="0">
+                <a:solidFill>
+                  <a:srgbClr val="F8F8F8"/>
+                </a:solidFill>
+                <a:latin typeface="Consolas"/>
+                <a:ea typeface="Consolas"/>
+                <a:cs typeface="Consolas"/>
+                <a:sym typeface="Consolas"/>
+              </a:rPr>
+              <a:t>(v </a:t>
+            </a:r>
+            <a:r>
+              <a:rPr lang="en-US" sz="2300" b="0" i="0" u="none" strike="noStrike" cap="none" dirty="0">
+                <a:solidFill>
+                  <a:srgbClr val="E28964"/>
+                </a:solidFill>
+                <a:latin typeface="Consolas"/>
+                <a:ea typeface="Consolas"/>
+                <a:cs typeface="Consolas"/>
+                <a:sym typeface="Consolas"/>
+              </a:rPr>
+              <a:t>=&gt;</a:t>
+            </a:r>
+            <a:r>
+              <a:rPr lang="en-US" sz="2300" b="0" i="0" u="none" strike="noStrike" cap="none" dirty="0">
+                <a:solidFill>
+                  <a:srgbClr val="F8F8F8"/>
+                </a:solidFill>
+                <a:latin typeface="Consolas"/>
+                <a:ea typeface="Consolas"/>
+                <a:cs typeface="Consolas"/>
+                <a:sym typeface="Consolas"/>
+              </a:rPr>
+              <a:t> ({ even: v, odd: v </a:t>
+            </a:r>
+            <a:r>
+              <a:rPr lang="en-US" sz="2300" b="0" i="0" u="none" strike="noStrike" cap="none" dirty="0">
+                <a:solidFill>
+                  <a:srgbClr val="E28964"/>
+                </a:solidFill>
+                <a:latin typeface="Consolas"/>
+                <a:ea typeface="Consolas"/>
+                <a:cs typeface="Consolas"/>
+                <a:sym typeface="Consolas"/>
+              </a:rPr>
+              <a:t>+</a:t>
+            </a:r>
+            <a:r>
+              <a:rPr lang="en-US" sz="2300" b="0" i="0" u="none" strike="noStrike" cap="none" dirty="0">
+                <a:solidFill>
+                  <a:srgbClr val="F8F8F8"/>
+                </a:solidFill>
+                <a:latin typeface="Consolas"/>
+                <a:ea typeface="Consolas"/>
+                <a:cs typeface="Consolas"/>
+                <a:sym typeface="Consolas"/>
+              </a:rPr>
+              <a:t> </a:t>
+            </a:r>
+            <a:r>
+              <a:rPr lang="en-US" sz="2300" b="0" i="0" u="none" strike="noStrike" cap="none" dirty="0">
+                <a:solidFill>
+                  <a:srgbClr val="3387CC"/>
+                </a:solidFill>
+                <a:latin typeface="Consolas"/>
+                <a:ea typeface="Consolas"/>
+                <a:cs typeface="Consolas"/>
+                <a:sym typeface="Consolas"/>
+              </a:rPr>
+              <a:t>1</a:t>
+            </a:r>
+            <a:r>
+              <a:rPr lang="en-US" sz="2300" b="0" i="0" u="none" strike="noStrike" cap="none" dirty="0">
+                <a:solidFill>
+                  <a:srgbClr val="F8F8F8"/>
+                </a:solidFill>
+                <a:latin typeface="Consolas"/>
+                <a:ea typeface="Consolas"/>
+                <a:cs typeface="Consolas"/>
+                <a:sym typeface="Consolas"/>
+              </a:rPr>
+              <a:t> }))</a:t>
+            </a:r>
+          </a:p>
+          <a:p>
+            <a:pPr marL="0" marR="0" lvl="0" indent="0" algn="l" rtl="0">
+              <a:lnSpc>
+                <a:spcPct val="100000"/>
+              </a:lnSpc>
+              <a:spcBef>
+                <a:spcPts val="0"/>
+              </a:spcBef>
+              <a:spcAft>
+                <a:spcPts val="0"/>
+              </a:spcAft>
+              <a:buClr>
+                <a:srgbClr val="F8F8F8"/>
+              </a:buClr>
+              <a:buSzPct val="25000"/>
+              <a:buFont typeface="Consolas"/>
+              <a:buNone/>
+            </a:pPr>
+            <a:r>
+              <a:rPr lang="en-US" sz="2300" b="0" i="0" u="none" strike="noStrike" cap="none" dirty="0" err="1">
+                <a:solidFill>
+                  <a:srgbClr val="F8F8F8"/>
+                </a:solidFill>
+                <a:latin typeface="Consolas"/>
+                <a:ea typeface="Consolas"/>
+                <a:cs typeface="Consolas"/>
+                <a:sym typeface="Consolas"/>
+              </a:rPr>
+              <a:t>nums</a:t>
+            </a:r>
+            <a:r>
+              <a:rPr lang="en-US" sz="2300" b="0" i="0" u="none" strike="noStrike" cap="none" dirty="0">
+                <a:solidFill>
+                  <a:srgbClr val="F8F8F8"/>
+                </a:solidFill>
+                <a:latin typeface="Consolas"/>
+                <a:ea typeface="Consolas"/>
+                <a:cs typeface="Consolas"/>
+                <a:sym typeface="Consolas"/>
+              </a:rPr>
+              <a:t>  </a:t>
+            </a:r>
+            <a:r>
+              <a:rPr lang="en-US" sz="2300" b="0" i="0" u="none" strike="noStrike" cap="none" dirty="0">
+                <a:solidFill>
+                  <a:srgbClr val="E28964"/>
+                </a:solidFill>
+                <a:latin typeface="Consolas"/>
+                <a:ea typeface="Consolas"/>
+                <a:cs typeface="Consolas"/>
+                <a:sym typeface="Consolas"/>
+              </a:rPr>
+              <a:t>=</a:t>
+            </a:r>
+            <a:r>
+              <a:rPr lang="en-US" sz="2300" b="0" i="0" u="none" strike="noStrike" cap="none" dirty="0">
+                <a:solidFill>
+                  <a:srgbClr val="F8F8F8"/>
+                </a:solidFill>
+                <a:latin typeface="Consolas"/>
+                <a:ea typeface="Consolas"/>
+                <a:cs typeface="Consolas"/>
+                <a:sym typeface="Consolas"/>
+              </a:rPr>
+              <a:t> </a:t>
+            </a:r>
+            <a:r>
+              <a:rPr lang="en-US" sz="2300" b="0" i="0" u="none" strike="noStrike" cap="none" dirty="0" err="1">
+                <a:solidFill>
+                  <a:srgbClr val="F8F8F8"/>
+                </a:solidFill>
+                <a:latin typeface="Consolas"/>
+                <a:ea typeface="Consolas"/>
+                <a:cs typeface="Consolas"/>
+                <a:sym typeface="Consolas"/>
+              </a:rPr>
+              <a:t>evens.map</a:t>
+            </a:r>
+            <a:r>
+              <a:rPr lang="en-US" sz="2300" b="0" i="0" u="none" strike="noStrike" cap="none" dirty="0">
+                <a:solidFill>
+                  <a:srgbClr val="F8F8F8"/>
+                </a:solidFill>
+                <a:latin typeface="Consolas"/>
+                <a:ea typeface="Consolas"/>
+                <a:cs typeface="Consolas"/>
+                <a:sym typeface="Consolas"/>
+              </a:rPr>
+              <a:t>((v, </a:t>
+            </a:r>
+            <a:r>
+              <a:rPr lang="en-US" sz="2300" b="0" i="0" u="none" strike="noStrike" cap="none" dirty="0" err="1">
+                <a:solidFill>
+                  <a:srgbClr val="F8F8F8"/>
+                </a:solidFill>
+                <a:latin typeface="Consolas"/>
+                <a:ea typeface="Consolas"/>
+                <a:cs typeface="Consolas"/>
+                <a:sym typeface="Consolas"/>
+              </a:rPr>
+              <a:t>i</a:t>
+            </a:r>
+            <a:r>
+              <a:rPr lang="en-US" sz="2300" b="0" i="0" u="none" strike="noStrike" cap="none" dirty="0">
+                <a:solidFill>
+                  <a:srgbClr val="F8F8F8"/>
+                </a:solidFill>
+                <a:latin typeface="Consolas"/>
+                <a:ea typeface="Consolas"/>
+                <a:cs typeface="Consolas"/>
+                <a:sym typeface="Consolas"/>
+              </a:rPr>
+              <a:t>) </a:t>
+            </a:r>
+            <a:r>
+              <a:rPr lang="en-US" sz="2300" b="0" i="0" u="none" strike="noStrike" cap="none" dirty="0">
+                <a:solidFill>
+                  <a:srgbClr val="E28964"/>
+                </a:solidFill>
+                <a:latin typeface="Consolas"/>
+                <a:ea typeface="Consolas"/>
+                <a:cs typeface="Consolas"/>
+                <a:sym typeface="Consolas"/>
+              </a:rPr>
+              <a:t>=&gt;</a:t>
+            </a:r>
+            <a:r>
+              <a:rPr lang="en-US" sz="2300" b="0" i="0" u="none" strike="noStrike" cap="none" dirty="0">
+                <a:solidFill>
+                  <a:srgbClr val="F8F8F8"/>
+                </a:solidFill>
+                <a:latin typeface="Consolas"/>
+                <a:ea typeface="Consolas"/>
+                <a:cs typeface="Consolas"/>
+                <a:sym typeface="Consolas"/>
+              </a:rPr>
+              <a:t> { </a:t>
+            </a:r>
+            <a:r>
+              <a:rPr lang="en-US" sz="2300" b="0" i="0" u="none" strike="noStrike" cap="none" dirty="0">
+                <a:solidFill>
+                  <a:srgbClr val="E28964"/>
+                </a:solidFill>
+                <a:latin typeface="Consolas"/>
+                <a:ea typeface="Consolas"/>
+                <a:cs typeface="Consolas"/>
+                <a:sym typeface="Consolas"/>
+              </a:rPr>
+              <a:t>return</a:t>
+            </a:r>
+            <a:r>
+              <a:rPr lang="en-US" sz="2300" b="0" i="0" u="none" strike="noStrike" cap="none" dirty="0">
+                <a:solidFill>
+                  <a:srgbClr val="F8F8F8"/>
+                </a:solidFill>
+                <a:latin typeface="Consolas"/>
+                <a:ea typeface="Consolas"/>
+                <a:cs typeface="Consolas"/>
+                <a:sym typeface="Consolas"/>
+              </a:rPr>
+              <a:t> v </a:t>
+            </a:r>
+            <a:r>
+              <a:rPr lang="en-US" sz="2300" b="0" i="0" u="none" strike="noStrike" cap="none" dirty="0">
+                <a:solidFill>
+                  <a:srgbClr val="E28964"/>
+                </a:solidFill>
+                <a:latin typeface="Consolas"/>
+                <a:ea typeface="Consolas"/>
+                <a:cs typeface="Consolas"/>
+                <a:sym typeface="Consolas"/>
+              </a:rPr>
+              <a:t>+</a:t>
+            </a:r>
+            <a:r>
+              <a:rPr lang="en-US" sz="2300" b="0" i="0" u="none" strike="noStrike" cap="none" dirty="0">
+                <a:solidFill>
+                  <a:srgbClr val="F8F8F8"/>
+                </a:solidFill>
+                <a:latin typeface="Consolas"/>
+                <a:ea typeface="Consolas"/>
+                <a:cs typeface="Consolas"/>
+                <a:sym typeface="Consolas"/>
+              </a:rPr>
+              <a:t> </a:t>
+            </a:r>
+            <a:r>
+              <a:rPr lang="en-US" sz="2300" b="0" i="0" u="none" strike="noStrike" cap="none" dirty="0" err="1">
+                <a:solidFill>
+                  <a:srgbClr val="F8F8F8"/>
+                </a:solidFill>
+                <a:latin typeface="Consolas"/>
+                <a:ea typeface="Consolas"/>
+                <a:cs typeface="Consolas"/>
+                <a:sym typeface="Consolas"/>
+              </a:rPr>
+              <a:t>i</a:t>
+            </a:r>
+            <a:r>
+              <a:rPr lang="en-US" sz="2300" b="0" i="0" u="none" strike="noStrike" cap="none" dirty="0">
+                <a:solidFill>
+                  <a:srgbClr val="F8F8F8"/>
+                </a:solidFill>
+                <a:latin typeface="Consolas"/>
+                <a:ea typeface="Consolas"/>
+                <a:cs typeface="Consolas"/>
+                <a:sym typeface="Consolas"/>
+              </a:rPr>
+              <a:t>;})</a:t>
+            </a:r>
+          </a:p>
+        </p:txBody>
+      </p:sp>
+      <p:sp>
+        <p:nvSpPr>
+          <p:cNvPr id="126" name="Shape 126"/>
+          <p:cNvSpPr/>
+          <p:nvPr/>
+        </p:nvSpPr>
+        <p:spPr>
+          <a:xfrm>
+            <a:off x="669726" y="2008286"/>
+            <a:ext cx="7804500" cy="1138500"/>
+          </a:xfrm>
+          <a:prstGeom prst="rect">
+            <a:avLst/>
+          </a:prstGeom>
+          <a:noFill/>
+          <a:ln>
+            <a:noFill/>
+          </a:ln>
+        </p:spPr>
+        <p:txBody>
+          <a:bodyPr lIns="32750" tIns="32750" rIns="32750" bIns="32750" anchor="ctr" anchorCtr="0">
+            <a:noAutofit/>
+          </a:bodyPr>
+          <a:lstStyle/>
+          <a:p>
+            <a:pPr marL="0" marR="0" lvl="1" indent="152400" algn="ctr" rtl="0">
+              <a:lnSpc>
+                <a:spcPct val="100000"/>
+              </a:lnSpc>
+              <a:spcBef>
+                <a:spcPts val="0"/>
+              </a:spcBef>
+              <a:spcAft>
+                <a:spcPts val="0"/>
+              </a:spcAft>
+              <a:buClr>
+                <a:srgbClr val="FFFFFF"/>
+              </a:buClr>
+              <a:buSzPct val="25000"/>
+              <a:buFont typeface="Helvetica Neue"/>
+              <a:buNone/>
+            </a:pPr>
+            <a:endParaRPr lang="en-US" sz="2600" b="0" i="0" u="none" strike="noStrike" cap="none" dirty="0" smtClean="0">
+              <a:solidFill>
+                <a:srgbClr val="FF0000"/>
+              </a:solidFill>
+              <a:latin typeface="Helvetica Neue"/>
+              <a:ea typeface="Helvetica Neue"/>
+              <a:cs typeface="Helvetica Neue"/>
+              <a:sym typeface="Helvetica Neue"/>
+            </a:endParaRPr>
+          </a:p>
           <a:p>
             <a:pPr marL="0" marR="0" lvl="1" indent="152400" algn="ctr" rtl="0">
               <a:lnSpc>
@@ -17407,7 +18234,7 @@
 </p:sld>
 </file>
 
-<file path=ppt/slides/slide15.xml><?xml version="1.0" encoding="utf-8"?>
+<file path=ppt/slides/slide16.xml><?xml version="1.0" encoding="utf-8"?>
 <p:sld xmlns:a="http://schemas.openxmlformats.org/drawingml/2006/main" xmlns:r="http://schemas.openxmlformats.org/officeDocument/2006/relationships" xmlns:p="http://schemas.openxmlformats.org/presentationml/2006/main">
   <p:cSld>
     <p:spTree>
@@ -17682,7 +18509,7 @@
 </p:sld>
 </file>
 
-<file path=ppt/slides/slide16.xml><?xml version="1.0" encoding="utf-8"?>
+<file path=ppt/slides/slide17.xml><?xml version="1.0" encoding="utf-8"?>
 <p:sld xmlns:a="http://schemas.openxmlformats.org/drawingml/2006/main" xmlns:r="http://schemas.openxmlformats.org/officeDocument/2006/relationships" xmlns:p="http://schemas.openxmlformats.org/presentationml/2006/main">
   <p:cSld>
     <p:spTree>
@@ -18408,7 +19235,7 @@
 </p:sld>
 </file>
 
-<file path=ppt/slides/slide17.xml><?xml version="1.0" encoding="utf-8"?>
+<file path=ppt/slides/slide18.xml><?xml version="1.0" encoding="utf-8"?>
 <p:sld xmlns:a="http://schemas.openxmlformats.org/drawingml/2006/main" xmlns:r="http://schemas.openxmlformats.org/officeDocument/2006/relationships" xmlns:p="http://schemas.openxmlformats.org/presentationml/2006/main">
   <p:cSld>
     <p:spTree>
@@ -18925,7 +19752,7 @@
 </p:sld>
 </file>
 
-<file path=ppt/slides/slide18.xml><?xml version="1.0" encoding="utf-8"?>
+<file path=ppt/slides/slide19.xml><?xml version="1.0" encoding="utf-8"?>
 <p:sld xmlns:a="http://schemas.openxmlformats.org/drawingml/2006/main" xmlns:r="http://schemas.openxmlformats.org/officeDocument/2006/relationships" xmlns:p="http://schemas.openxmlformats.org/presentationml/2006/main">
   <p:cSld>
     <p:spTree>
@@ -19525,634 +20352,6 @@
               </a:rPr>
               <a:t>Must be the last parameter just like Java</a:t>
             </a:r>
-          </a:p>
-        </p:txBody>
-      </p:sp>
-    </p:spTree>
-  </p:cSld>
-  <p:clrMapOvr>
-    <a:masterClrMapping/>
-  </p:clrMapOvr>
-  <p:timing>
-    <p:tnLst>
-      <p:par>
-        <p:cTn id="1" dur="indefinite" restart="never" nodeType="tmRoot"/>
-      </p:par>
-    </p:tnLst>
-  </p:timing>
-</p:sld>
-</file>
-
-<file path=ppt/slides/slide19.xml><?xml version="1.0" encoding="utf-8"?>
-<p:sld xmlns:a="http://schemas.openxmlformats.org/drawingml/2006/main" xmlns:r="http://schemas.openxmlformats.org/officeDocument/2006/relationships" xmlns:p="http://schemas.openxmlformats.org/presentationml/2006/main">
-  <p:cSld>
-    <p:spTree>
-      <p:nvGrpSpPr>
-        <p:cNvPr id="1" name="Shape 156"/>
-        <p:cNvGrpSpPr/>
-        <p:nvPr/>
-      </p:nvGrpSpPr>
-      <p:grpSpPr>
-        <a:xfrm>
-          <a:off x="0" y="0"/>
-          <a:ext cx="0" cy="0"/>
-          <a:chOff x="0" y="0"/>
-          <a:chExt cx="0" cy="0"/>
-        </a:xfrm>
-      </p:grpSpPr>
-      <p:sp>
-        <p:nvSpPr>
-          <p:cNvPr id="157" name="Shape 157"/>
-          <p:cNvSpPr txBox="1">
-            <a:spLocks noGrp="1"/>
-          </p:cNvSpPr>
-          <p:nvPr>
-            <p:ph type="title"/>
-          </p:nvPr>
-        </p:nvSpPr>
-        <p:spPr>
-          <a:xfrm>
-            <a:off x="669726" y="133945"/>
-            <a:ext cx="7804500" cy="1138500"/>
-          </a:xfrm>
-          <a:prstGeom prst="rect">
-            <a:avLst/>
-          </a:prstGeom>
-          <a:noFill/>
-          <a:ln>
-            <a:noFill/>
-          </a:ln>
-        </p:spPr>
-        <p:txBody>
-          <a:bodyPr lIns="32750" tIns="32750" rIns="32750" bIns="32750" anchor="ctr" anchorCtr="0">
-            <a:noAutofit/>
-          </a:bodyPr>
-          <a:lstStyle/>
-          <a:p>
-            <a:r>
-              <a:rPr lang="en-US" sz="3200" b="0" i="0" u="none" strike="noStrike" cap="none" dirty="0">
-                <a:solidFill>
-                  <a:srgbClr val="FFFFFF"/>
-                </a:solidFill>
-                <a:sym typeface="Helvetica Neue"/>
-              </a:rPr>
-              <a:t>String </a:t>
-            </a:r>
-            <a:r>
-              <a:rPr lang="en-US" sz="3200" b="0" i="0" u="none" strike="noStrike" cap="none" dirty="0" smtClean="0">
-                <a:solidFill>
-                  <a:srgbClr val="FFFFFF"/>
-                </a:solidFill>
-                <a:sym typeface="Helvetica Neue"/>
-              </a:rPr>
-              <a:t>interpolation/</a:t>
-            </a:r>
-            <a:r>
-              <a:rPr lang="en-US" sz="3200" b="1" dirty="0"/>
-              <a:t>Template literals</a:t>
-            </a:r>
-            <a:br>
-              <a:rPr lang="en-US" sz="3200" b="1" dirty="0"/>
-            </a:br>
-            <a:endParaRPr lang="en-US" sz="3200" b="0" i="0" u="none" strike="noStrike" cap="none" dirty="0">
-              <a:solidFill>
-                <a:srgbClr val="FFFFFF"/>
-              </a:solidFill>
-              <a:sym typeface="Helvetica Neue"/>
-            </a:endParaRPr>
-          </a:p>
-        </p:txBody>
-      </p:sp>
-      <p:sp>
-        <p:nvSpPr>
-          <p:cNvPr id="158" name="Shape 158"/>
-          <p:cNvSpPr/>
-          <p:nvPr/>
-        </p:nvSpPr>
-        <p:spPr>
-          <a:xfrm>
-            <a:off x="837348" y="1701100"/>
-            <a:ext cx="7636800" cy="1741200"/>
-          </a:xfrm>
-          <a:prstGeom prst="rect">
-            <a:avLst/>
-          </a:prstGeom>
-          <a:noFill/>
-          <a:ln>
-            <a:noFill/>
-          </a:ln>
-        </p:spPr>
-        <p:txBody>
-          <a:bodyPr lIns="32750" tIns="32750" rIns="32750" bIns="32750" anchor="ctr" anchorCtr="0">
-            <a:noAutofit/>
-          </a:bodyPr>
-          <a:lstStyle/>
-          <a:p>
-            <a:pPr marL="0" marR="0" lvl="0" indent="0" algn="l" rtl="0">
-              <a:lnSpc>
-                <a:spcPct val="100000"/>
-              </a:lnSpc>
-              <a:spcBef>
-                <a:spcPts val="0"/>
-              </a:spcBef>
-              <a:spcAft>
-                <a:spcPts val="0"/>
-              </a:spcAft>
-              <a:buClr>
-                <a:srgbClr val="99CF50"/>
-              </a:buClr>
-              <a:buSzPct val="25000"/>
-              <a:buFont typeface="Consolas"/>
-              <a:buNone/>
-            </a:pPr>
-            <a:r>
-              <a:rPr lang="en-US" sz="2300" b="0" i="0" u="none" strike="noStrike" cap="none" dirty="0" err="1">
-                <a:solidFill>
-                  <a:srgbClr val="99CF50"/>
-                </a:solidFill>
-                <a:latin typeface="Consolas"/>
-                <a:ea typeface="Consolas"/>
-                <a:cs typeface="Consolas"/>
-                <a:sym typeface="Consolas"/>
-              </a:rPr>
-              <a:t>var</a:t>
-            </a:r>
-            <a:r>
-              <a:rPr lang="en-US" sz="2300" b="0" i="0" u="none" strike="noStrike" cap="none" dirty="0">
-                <a:solidFill>
-                  <a:srgbClr val="F8F8F8"/>
-                </a:solidFill>
-                <a:latin typeface="Consolas"/>
-                <a:ea typeface="Consolas"/>
-                <a:cs typeface="Consolas"/>
-                <a:sym typeface="Consolas"/>
-              </a:rPr>
-              <a:t> x   </a:t>
-            </a:r>
-            <a:r>
-              <a:rPr lang="en-US" sz="2300" b="0" i="0" u="none" strike="noStrike" cap="none" dirty="0">
-                <a:solidFill>
-                  <a:srgbClr val="E28964"/>
-                </a:solidFill>
-                <a:latin typeface="Consolas"/>
-                <a:ea typeface="Consolas"/>
-                <a:cs typeface="Consolas"/>
-                <a:sym typeface="Consolas"/>
-              </a:rPr>
-              <a:t>=</a:t>
-            </a:r>
-            <a:r>
-              <a:rPr lang="en-US" sz="2300" b="0" i="0" u="none" strike="noStrike" cap="none" dirty="0">
-                <a:solidFill>
-                  <a:srgbClr val="F8F8F8"/>
-                </a:solidFill>
-                <a:latin typeface="Consolas"/>
-                <a:ea typeface="Consolas"/>
-                <a:cs typeface="Consolas"/>
-                <a:sym typeface="Consolas"/>
-              </a:rPr>
-              <a:t> `testing </a:t>
-            </a:r>
-            <a:r>
-              <a:rPr lang="en-US" sz="2300" b="0" i="0" u="none" strike="noStrike" cap="none" dirty="0">
-                <a:solidFill>
-                  <a:srgbClr val="E28964"/>
-                </a:solidFill>
-                <a:latin typeface="Consolas"/>
-                <a:ea typeface="Consolas"/>
-                <a:cs typeface="Consolas"/>
-                <a:sym typeface="Consolas"/>
-              </a:rPr>
-              <a:t>$</a:t>
-            </a:r>
-            <a:r>
-              <a:rPr lang="en-US" sz="2300" b="0" i="0" u="none" strike="noStrike" cap="none" dirty="0">
-                <a:solidFill>
-                  <a:srgbClr val="F8F8F8"/>
-                </a:solidFill>
-                <a:latin typeface="Consolas"/>
-                <a:ea typeface="Consolas"/>
-                <a:cs typeface="Consolas"/>
-                <a:sym typeface="Consolas"/>
-              </a:rPr>
-              <a:t>{</a:t>
-            </a:r>
-            <a:r>
-              <a:rPr lang="en-US" sz="2300" b="0" i="0" u="none" strike="noStrike" cap="none" dirty="0">
-                <a:solidFill>
-                  <a:srgbClr val="3387CC"/>
-                </a:solidFill>
-                <a:latin typeface="Consolas"/>
-                <a:ea typeface="Consolas"/>
-                <a:cs typeface="Consolas"/>
-                <a:sym typeface="Consolas"/>
-              </a:rPr>
-              <a:t>1</a:t>
-            </a:r>
-            <a:r>
-              <a:rPr lang="en-US" sz="2300" b="0" i="0" u="none" strike="noStrike" cap="none" dirty="0">
-                <a:solidFill>
-                  <a:srgbClr val="F8F8F8"/>
-                </a:solidFill>
-                <a:latin typeface="Consolas"/>
-                <a:ea typeface="Consolas"/>
-                <a:cs typeface="Consolas"/>
-                <a:sym typeface="Consolas"/>
-              </a:rPr>
-              <a:t> </a:t>
-            </a:r>
-            <a:r>
-              <a:rPr lang="en-US" sz="2300" b="0" i="0" u="none" strike="noStrike" cap="none" dirty="0">
-                <a:solidFill>
-                  <a:srgbClr val="E28964"/>
-                </a:solidFill>
-                <a:latin typeface="Consolas"/>
-                <a:ea typeface="Consolas"/>
-                <a:cs typeface="Consolas"/>
-                <a:sym typeface="Consolas"/>
-              </a:rPr>
-              <a:t>+</a:t>
-            </a:r>
-            <a:r>
-              <a:rPr lang="en-US" sz="2300" b="0" i="0" u="none" strike="noStrike" cap="none" dirty="0">
-                <a:solidFill>
-                  <a:srgbClr val="F8F8F8"/>
-                </a:solidFill>
-                <a:latin typeface="Consolas"/>
-                <a:ea typeface="Consolas"/>
-                <a:cs typeface="Consolas"/>
-                <a:sym typeface="Consolas"/>
-              </a:rPr>
-              <a:t> </a:t>
-            </a:r>
-            <a:r>
-              <a:rPr lang="en-US" sz="2300" b="0" i="0" u="none" strike="noStrike" cap="none" dirty="0">
-                <a:solidFill>
-                  <a:srgbClr val="3387CC"/>
-                </a:solidFill>
-                <a:latin typeface="Consolas"/>
-                <a:ea typeface="Consolas"/>
-                <a:cs typeface="Consolas"/>
-                <a:sym typeface="Consolas"/>
-              </a:rPr>
-              <a:t>1</a:t>
-            </a:r>
-            <a:r>
-              <a:rPr lang="en-US" sz="2300" b="0" i="0" u="none" strike="noStrike" cap="none" dirty="0">
-                <a:solidFill>
-                  <a:srgbClr val="F8F8F8"/>
-                </a:solidFill>
-                <a:latin typeface="Consolas"/>
-                <a:ea typeface="Consolas"/>
-                <a:cs typeface="Consolas"/>
-                <a:sym typeface="Consolas"/>
-              </a:rPr>
-              <a:t>}`</a:t>
-            </a:r>
-          </a:p>
-          <a:p>
-            <a:pPr marL="0" marR="0" lvl="0" indent="0" algn="l" rtl="0">
-              <a:lnSpc>
-                <a:spcPct val="100000"/>
-              </a:lnSpc>
-              <a:spcBef>
-                <a:spcPts val="0"/>
-              </a:spcBef>
-              <a:spcAft>
-                <a:spcPts val="0"/>
-              </a:spcAft>
-              <a:buClr>
-                <a:srgbClr val="F8F8F8"/>
-              </a:buClr>
-              <a:buSzPct val="25000"/>
-              <a:buFont typeface="Consolas"/>
-              <a:buNone/>
-            </a:pPr>
-            <a:r>
-              <a:rPr lang="en-US" sz="2300" b="0" i="0" u="none" strike="noStrike" cap="none" dirty="0">
-                <a:solidFill>
-                  <a:srgbClr val="F8F8F8"/>
-                </a:solidFill>
-                <a:latin typeface="Consolas"/>
-                <a:ea typeface="Consolas"/>
-                <a:cs typeface="Consolas"/>
-                <a:sym typeface="Consolas"/>
-              </a:rPr>
-              <a:t>let y   </a:t>
-            </a:r>
-            <a:r>
-              <a:rPr lang="en-US" sz="2300" b="0" i="0" u="none" strike="noStrike" cap="none" dirty="0">
-                <a:solidFill>
-                  <a:srgbClr val="E28964"/>
-                </a:solidFill>
-                <a:latin typeface="Consolas"/>
-                <a:ea typeface="Consolas"/>
-                <a:cs typeface="Consolas"/>
-                <a:sym typeface="Consolas"/>
-              </a:rPr>
-              <a:t>=</a:t>
-            </a:r>
-            <a:r>
-              <a:rPr lang="en-US" sz="2300" b="0" i="0" u="none" strike="noStrike" cap="none" dirty="0">
-                <a:solidFill>
-                  <a:srgbClr val="F8F8F8"/>
-                </a:solidFill>
-                <a:latin typeface="Consolas"/>
-                <a:ea typeface="Consolas"/>
-                <a:cs typeface="Consolas"/>
-                <a:sym typeface="Consolas"/>
-              </a:rPr>
-              <a:t> `hello world </a:t>
-            </a:r>
-            <a:r>
-              <a:rPr lang="en-US" sz="2300" b="0" i="0" u="none" strike="noStrike" cap="none" dirty="0">
-                <a:solidFill>
-                  <a:srgbClr val="E28964"/>
-                </a:solidFill>
-                <a:latin typeface="Consolas"/>
-                <a:ea typeface="Consolas"/>
-                <a:cs typeface="Consolas"/>
-                <a:sym typeface="Consolas"/>
-              </a:rPr>
-              <a:t>$</a:t>
-            </a:r>
-            <a:r>
-              <a:rPr lang="en-US" sz="2300" b="0" i="0" u="none" strike="noStrike" cap="none" dirty="0">
-                <a:solidFill>
-                  <a:srgbClr val="F8F8F8"/>
-                </a:solidFill>
-                <a:latin typeface="Consolas"/>
-                <a:ea typeface="Consolas"/>
-                <a:cs typeface="Consolas"/>
-                <a:sym typeface="Consolas"/>
-              </a:rPr>
-              <a:t>{x}`</a:t>
-            </a:r>
-          </a:p>
-          <a:p>
-            <a:pPr marL="0" marR="0" lvl="0" indent="0" algn="l" rtl="0">
-              <a:lnSpc>
-                <a:spcPct val="100000"/>
-              </a:lnSpc>
-              <a:spcBef>
-                <a:spcPts val="0"/>
-              </a:spcBef>
-              <a:spcAft>
-                <a:spcPts val="0"/>
-              </a:spcAft>
-              <a:buClr>
-                <a:srgbClr val="F8F8F8"/>
-              </a:buClr>
-              <a:buFont typeface="Consolas"/>
-              <a:buNone/>
-            </a:pPr>
-            <a:endParaRPr sz="2300" b="0" i="0" u="none" strike="noStrike" cap="none" dirty="0">
-              <a:solidFill>
-                <a:srgbClr val="F8F8F8"/>
-              </a:solidFill>
-              <a:latin typeface="Consolas"/>
-              <a:ea typeface="Consolas"/>
-              <a:cs typeface="Consolas"/>
-              <a:sym typeface="Consolas"/>
-            </a:endParaRPr>
-          </a:p>
-          <a:p>
-            <a:pPr marL="0" marR="0" lvl="0" indent="0" algn="l" rtl="0">
-              <a:lnSpc>
-                <a:spcPct val="100000"/>
-              </a:lnSpc>
-              <a:spcBef>
-                <a:spcPts val="0"/>
-              </a:spcBef>
-              <a:spcAft>
-                <a:spcPts val="0"/>
-              </a:spcAft>
-              <a:buClr>
-                <a:srgbClr val="F8F8F8"/>
-              </a:buClr>
-              <a:buSzPct val="25000"/>
-              <a:buFont typeface="Consolas"/>
-              <a:buNone/>
-            </a:pPr>
-            <a:r>
-              <a:rPr lang="en-US" sz="2300" b="0" i="0" u="none" strike="noStrike" cap="none" dirty="0">
-                <a:solidFill>
-                  <a:srgbClr val="F8F8F8"/>
-                </a:solidFill>
-                <a:latin typeface="Consolas"/>
-                <a:ea typeface="Consolas"/>
-                <a:cs typeface="Consolas"/>
-                <a:sym typeface="Consolas"/>
-              </a:rPr>
-              <a:t>instead of:</a:t>
-            </a:r>
-          </a:p>
-          <a:p>
-            <a:pPr marL="0" marR="0" lvl="0" indent="0" algn="l" rtl="0">
-              <a:lnSpc>
-                <a:spcPct val="100000"/>
-              </a:lnSpc>
-              <a:spcBef>
-                <a:spcPts val="0"/>
-              </a:spcBef>
-              <a:spcAft>
-                <a:spcPts val="0"/>
-              </a:spcAft>
-              <a:buClr>
-                <a:srgbClr val="F8F8F8"/>
-              </a:buClr>
-              <a:buSzPct val="25000"/>
-              <a:buFont typeface="Consolas"/>
-              <a:buNone/>
-            </a:pPr>
-            <a:r>
-              <a:rPr lang="en-US" sz="2300" b="0" i="0" u="none" strike="noStrike" cap="none" dirty="0">
-                <a:solidFill>
-                  <a:srgbClr val="F8F8F8"/>
-                </a:solidFill>
-                <a:latin typeface="Consolas"/>
-                <a:ea typeface="Consolas"/>
-                <a:cs typeface="Consolas"/>
-                <a:sym typeface="Consolas"/>
-              </a:rPr>
-              <a:t> </a:t>
-            </a:r>
-            <a:r>
-              <a:rPr lang="en-US" sz="2300" b="0" i="0" u="none" strike="noStrike" cap="none" dirty="0" err="1">
-                <a:solidFill>
-                  <a:srgbClr val="99CF50"/>
-                </a:solidFill>
-                <a:latin typeface="Consolas"/>
-                <a:ea typeface="Consolas"/>
-                <a:cs typeface="Consolas"/>
-                <a:sym typeface="Consolas"/>
-              </a:rPr>
-              <a:t>var</a:t>
-            </a:r>
-            <a:r>
-              <a:rPr lang="en-US" sz="2300" b="0" i="0" u="none" strike="noStrike" cap="none" dirty="0">
-                <a:solidFill>
-                  <a:srgbClr val="F8F8F8"/>
-                </a:solidFill>
-                <a:latin typeface="Consolas"/>
-                <a:ea typeface="Consolas"/>
-                <a:cs typeface="Consolas"/>
-                <a:sym typeface="Consolas"/>
-              </a:rPr>
-              <a:t> x   </a:t>
-            </a:r>
-            <a:r>
-              <a:rPr lang="en-US" sz="2300" b="0" i="0" u="none" strike="noStrike" cap="none" dirty="0">
-                <a:solidFill>
-                  <a:srgbClr val="E28964"/>
-                </a:solidFill>
-                <a:latin typeface="Consolas"/>
-                <a:ea typeface="Consolas"/>
-                <a:cs typeface="Consolas"/>
-                <a:sym typeface="Consolas"/>
-              </a:rPr>
-              <a:t>=</a:t>
-            </a:r>
-            <a:r>
-              <a:rPr lang="en-US" sz="2300" b="0" i="0" u="none" strike="noStrike" cap="none" dirty="0">
-                <a:solidFill>
-                  <a:srgbClr val="F8F8F8"/>
-                </a:solidFill>
-                <a:latin typeface="Consolas"/>
-                <a:ea typeface="Consolas"/>
-                <a:cs typeface="Consolas"/>
-                <a:sym typeface="Consolas"/>
-              </a:rPr>
-              <a:t> “testing” + (</a:t>
-            </a:r>
-            <a:r>
-              <a:rPr lang="en-US" sz="2300" b="0" i="0" u="none" strike="noStrike" cap="none" dirty="0">
-                <a:solidFill>
-                  <a:srgbClr val="3387CC"/>
-                </a:solidFill>
-                <a:latin typeface="Consolas"/>
-                <a:ea typeface="Consolas"/>
-                <a:cs typeface="Consolas"/>
-                <a:sym typeface="Consolas"/>
-              </a:rPr>
-              <a:t>1</a:t>
-            </a:r>
-            <a:r>
-              <a:rPr lang="en-US" sz="2300" b="0" i="0" u="none" strike="noStrike" cap="none" dirty="0">
-                <a:solidFill>
-                  <a:srgbClr val="F8F8F8"/>
-                </a:solidFill>
-                <a:latin typeface="Consolas"/>
-                <a:ea typeface="Consolas"/>
-                <a:cs typeface="Consolas"/>
-                <a:sym typeface="Consolas"/>
-              </a:rPr>
-              <a:t> </a:t>
-            </a:r>
-            <a:r>
-              <a:rPr lang="en-US" sz="2300" b="0" i="0" u="none" strike="noStrike" cap="none" dirty="0">
-                <a:solidFill>
-                  <a:srgbClr val="E28964"/>
-                </a:solidFill>
-                <a:latin typeface="Consolas"/>
-                <a:ea typeface="Consolas"/>
-                <a:cs typeface="Consolas"/>
-                <a:sym typeface="Consolas"/>
-              </a:rPr>
-              <a:t>+</a:t>
-            </a:r>
-            <a:r>
-              <a:rPr lang="en-US" sz="2300" b="0" i="0" u="none" strike="noStrike" cap="none" dirty="0">
-                <a:solidFill>
-                  <a:srgbClr val="F8F8F8"/>
-                </a:solidFill>
-                <a:latin typeface="Consolas"/>
-                <a:ea typeface="Consolas"/>
-                <a:cs typeface="Consolas"/>
-                <a:sym typeface="Consolas"/>
-              </a:rPr>
-              <a:t> </a:t>
-            </a:r>
-            <a:r>
-              <a:rPr lang="en-US" sz="2300" b="0" i="0" u="none" strike="noStrike" cap="none" dirty="0">
-                <a:solidFill>
-                  <a:srgbClr val="3387CC"/>
-                </a:solidFill>
-                <a:latin typeface="Consolas"/>
-                <a:ea typeface="Consolas"/>
-                <a:cs typeface="Consolas"/>
-                <a:sym typeface="Consolas"/>
-              </a:rPr>
-              <a:t>1</a:t>
-            </a:r>
-            <a:r>
-              <a:rPr lang="en-US" sz="2300" b="0" i="0" u="none" strike="noStrike" cap="none" dirty="0" smtClean="0">
-                <a:solidFill>
-                  <a:srgbClr val="F8F8F8"/>
-                </a:solidFill>
-                <a:latin typeface="Consolas"/>
-                <a:ea typeface="Consolas"/>
-                <a:cs typeface="Consolas"/>
-                <a:sym typeface="Consolas"/>
-              </a:rPr>
-              <a:t>)</a:t>
-            </a:r>
-          </a:p>
-          <a:p>
-            <a:pPr marL="0" marR="0" lvl="0" indent="0" algn="l" rtl="0">
-              <a:lnSpc>
-                <a:spcPct val="100000"/>
-              </a:lnSpc>
-              <a:spcBef>
-                <a:spcPts val="0"/>
-              </a:spcBef>
-              <a:spcAft>
-                <a:spcPts val="0"/>
-              </a:spcAft>
-              <a:buClr>
-                <a:srgbClr val="F8F8F8"/>
-              </a:buClr>
-              <a:buSzPct val="25000"/>
-              <a:buFont typeface="Consolas"/>
-              <a:buNone/>
-            </a:pPr>
-            <a:endParaRPr lang="en-US" sz="2300" dirty="0">
-              <a:solidFill>
-                <a:srgbClr val="F8F8F8"/>
-              </a:solidFill>
-              <a:latin typeface="Consolas"/>
-              <a:ea typeface="Consolas"/>
-              <a:cs typeface="Consolas"/>
-              <a:sym typeface="Consolas"/>
-            </a:endParaRPr>
-          </a:p>
-          <a:p>
-            <a:pPr marL="0" marR="0" lvl="0" indent="0" algn="l" rtl="0">
-              <a:lnSpc>
-                <a:spcPct val="100000"/>
-              </a:lnSpc>
-              <a:spcBef>
-                <a:spcPts val="0"/>
-              </a:spcBef>
-              <a:spcAft>
-                <a:spcPts val="0"/>
-              </a:spcAft>
-              <a:buClr>
-                <a:srgbClr val="F8F8F8"/>
-              </a:buClr>
-              <a:buSzPct val="25000"/>
-              <a:buFont typeface="Consolas"/>
-              <a:buNone/>
-            </a:pPr>
-            <a:endParaRPr lang="en-US" sz="2300" b="0" i="0" u="none" strike="noStrike" cap="none" dirty="0">
-              <a:solidFill>
-                <a:srgbClr val="F8F8F8"/>
-              </a:solidFill>
-              <a:latin typeface="Consolas"/>
-              <a:ea typeface="Consolas"/>
-              <a:cs typeface="Consolas"/>
-              <a:sym typeface="Consolas"/>
-            </a:endParaRPr>
           </a:p>
         </p:txBody>
       </p:sp>
@@ -20361,6 +20560,634 @@
   <p:cSld>
     <p:spTree>
       <p:nvGrpSpPr>
+        <p:cNvPr id="1" name="Shape 156"/>
+        <p:cNvGrpSpPr/>
+        <p:nvPr/>
+      </p:nvGrpSpPr>
+      <p:grpSpPr>
+        <a:xfrm>
+          <a:off x="0" y="0"/>
+          <a:ext cx="0" cy="0"/>
+          <a:chOff x="0" y="0"/>
+          <a:chExt cx="0" cy="0"/>
+        </a:xfrm>
+      </p:grpSpPr>
+      <p:sp>
+        <p:nvSpPr>
+          <p:cNvPr id="157" name="Shape 157"/>
+          <p:cNvSpPr txBox="1">
+            <a:spLocks noGrp="1"/>
+          </p:cNvSpPr>
+          <p:nvPr>
+            <p:ph type="title"/>
+          </p:nvPr>
+        </p:nvSpPr>
+        <p:spPr>
+          <a:xfrm>
+            <a:off x="669726" y="133945"/>
+            <a:ext cx="7804500" cy="1138500"/>
+          </a:xfrm>
+          <a:prstGeom prst="rect">
+            <a:avLst/>
+          </a:prstGeom>
+          <a:noFill/>
+          <a:ln>
+            <a:noFill/>
+          </a:ln>
+        </p:spPr>
+        <p:txBody>
+          <a:bodyPr lIns="32750" tIns="32750" rIns="32750" bIns="32750" anchor="ctr" anchorCtr="0">
+            <a:noAutofit/>
+          </a:bodyPr>
+          <a:lstStyle/>
+          <a:p>
+            <a:r>
+              <a:rPr lang="en-US" sz="3200" b="0" i="0" u="none" strike="noStrike" cap="none" dirty="0">
+                <a:solidFill>
+                  <a:srgbClr val="FFFFFF"/>
+                </a:solidFill>
+                <a:sym typeface="Helvetica Neue"/>
+              </a:rPr>
+              <a:t>String </a:t>
+            </a:r>
+            <a:r>
+              <a:rPr lang="en-US" sz="3200" b="0" i="0" u="none" strike="noStrike" cap="none" dirty="0" smtClean="0">
+                <a:solidFill>
+                  <a:srgbClr val="FFFFFF"/>
+                </a:solidFill>
+                <a:sym typeface="Helvetica Neue"/>
+              </a:rPr>
+              <a:t>interpolation/</a:t>
+            </a:r>
+            <a:r>
+              <a:rPr lang="en-US" sz="3200" b="1" dirty="0"/>
+              <a:t>Template literals</a:t>
+            </a:r>
+            <a:br>
+              <a:rPr lang="en-US" sz="3200" b="1" dirty="0"/>
+            </a:br>
+            <a:endParaRPr lang="en-US" sz="3200" b="0" i="0" u="none" strike="noStrike" cap="none" dirty="0">
+              <a:solidFill>
+                <a:srgbClr val="FFFFFF"/>
+              </a:solidFill>
+              <a:sym typeface="Helvetica Neue"/>
+            </a:endParaRPr>
+          </a:p>
+        </p:txBody>
+      </p:sp>
+      <p:sp>
+        <p:nvSpPr>
+          <p:cNvPr id="158" name="Shape 158"/>
+          <p:cNvSpPr/>
+          <p:nvPr/>
+        </p:nvSpPr>
+        <p:spPr>
+          <a:xfrm>
+            <a:off x="837348" y="1701100"/>
+            <a:ext cx="7636800" cy="1741200"/>
+          </a:xfrm>
+          <a:prstGeom prst="rect">
+            <a:avLst/>
+          </a:prstGeom>
+          <a:noFill/>
+          <a:ln>
+            <a:noFill/>
+          </a:ln>
+        </p:spPr>
+        <p:txBody>
+          <a:bodyPr lIns="32750" tIns="32750" rIns="32750" bIns="32750" anchor="ctr" anchorCtr="0">
+            <a:noAutofit/>
+          </a:bodyPr>
+          <a:lstStyle/>
+          <a:p>
+            <a:pPr marL="0" marR="0" lvl="0" indent="0" algn="l" rtl="0">
+              <a:lnSpc>
+                <a:spcPct val="100000"/>
+              </a:lnSpc>
+              <a:spcBef>
+                <a:spcPts val="0"/>
+              </a:spcBef>
+              <a:spcAft>
+                <a:spcPts val="0"/>
+              </a:spcAft>
+              <a:buClr>
+                <a:srgbClr val="99CF50"/>
+              </a:buClr>
+              <a:buSzPct val="25000"/>
+              <a:buFont typeface="Consolas"/>
+              <a:buNone/>
+            </a:pPr>
+            <a:r>
+              <a:rPr lang="en-US" sz="2300" b="0" i="0" u="none" strike="noStrike" cap="none" dirty="0" err="1">
+                <a:solidFill>
+                  <a:srgbClr val="99CF50"/>
+                </a:solidFill>
+                <a:latin typeface="Consolas"/>
+                <a:ea typeface="Consolas"/>
+                <a:cs typeface="Consolas"/>
+                <a:sym typeface="Consolas"/>
+              </a:rPr>
+              <a:t>var</a:t>
+            </a:r>
+            <a:r>
+              <a:rPr lang="en-US" sz="2300" b="0" i="0" u="none" strike="noStrike" cap="none" dirty="0">
+                <a:solidFill>
+                  <a:srgbClr val="F8F8F8"/>
+                </a:solidFill>
+                <a:latin typeface="Consolas"/>
+                <a:ea typeface="Consolas"/>
+                <a:cs typeface="Consolas"/>
+                <a:sym typeface="Consolas"/>
+              </a:rPr>
+              <a:t> x   </a:t>
+            </a:r>
+            <a:r>
+              <a:rPr lang="en-US" sz="2300" b="0" i="0" u="none" strike="noStrike" cap="none" dirty="0">
+                <a:solidFill>
+                  <a:srgbClr val="E28964"/>
+                </a:solidFill>
+                <a:latin typeface="Consolas"/>
+                <a:ea typeface="Consolas"/>
+                <a:cs typeface="Consolas"/>
+                <a:sym typeface="Consolas"/>
+              </a:rPr>
+              <a:t>=</a:t>
+            </a:r>
+            <a:r>
+              <a:rPr lang="en-US" sz="2300" b="0" i="0" u="none" strike="noStrike" cap="none" dirty="0">
+                <a:solidFill>
+                  <a:srgbClr val="F8F8F8"/>
+                </a:solidFill>
+                <a:latin typeface="Consolas"/>
+                <a:ea typeface="Consolas"/>
+                <a:cs typeface="Consolas"/>
+                <a:sym typeface="Consolas"/>
+              </a:rPr>
+              <a:t> `testing </a:t>
+            </a:r>
+            <a:r>
+              <a:rPr lang="en-US" sz="2300" b="0" i="0" u="none" strike="noStrike" cap="none" dirty="0">
+                <a:solidFill>
+                  <a:srgbClr val="E28964"/>
+                </a:solidFill>
+                <a:latin typeface="Consolas"/>
+                <a:ea typeface="Consolas"/>
+                <a:cs typeface="Consolas"/>
+                <a:sym typeface="Consolas"/>
+              </a:rPr>
+              <a:t>$</a:t>
+            </a:r>
+            <a:r>
+              <a:rPr lang="en-US" sz="2300" b="0" i="0" u="none" strike="noStrike" cap="none" dirty="0">
+                <a:solidFill>
+                  <a:srgbClr val="F8F8F8"/>
+                </a:solidFill>
+                <a:latin typeface="Consolas"/>
+                <a:ea typeface="Consolas"/>
+                <a:cs typeface="Consolas"/>
+                <a:sym typeface="Consolas"/>
+              </a:rPr>
+              <a:t>{</a:t>
+            </a:r>
+            <a:r>
+              <a:rPr lang="en-US" sz="2300" b="0" i="0" u="none" strike="noStrike" cap="none" dirty="0">
+                <a:solidFill>
+                  <a:srgbClr val="3387CC"/>
+                </a:solidFill>
+                <a:latin typeface="Consolas"/>
+                <a:ea typeface="Consolas"/>
+                <a:cs typeface="Consolas"/>
+                <a:sym typeface="Consolas"/>
+              </a:rPr>
+              <a:t>1</a:t>
+            </a:r>
+            <a:r>
+              <a:rPr lang="en-US" sz="2300" b="0" i="0" u="none" strike="noStrike" cap="none" dirty="0">
+                <a:solidFill>
+                  <a:srgbClr val="F8F8F8"/>
+                </a:solidFill>
+                <a:latin typeface="Consolas"/>
+                <a:ea typeface="Consolas"/>
+                <a:cs typeface="Consolas"/>
+                <a:sym typeface="Consolas"/>
+              </a:rPr>
+              <a:t> </a:t>
+            </a:r>
+            <a:r>
+              <a:rPr lang="en-US" sz="2300" b="0" i="0" u="none" strike="noStrike" cap="none" dirty="0">
+                <a:solidFill>
+                  <a:srgbClr val="E28964"/>
+                </a:solidFill>
+                <a:latin typeface="Consolas"/>
+                <a:ea typeface="Consolas"/>
+                <a:cs typeface="Consolas"/>
+                <a:sym typeface="Consolas"/>
+              </a:rPr>
+              <a:t>+</a:t>
+            </a:r>
+            <a:r>
+              <a:rPr lang="en-US" sz="2300" b="0" i="0" u="none" strike="noStrike" cap="none" dirty="0">
+                <a:solidFill>
+                  <a:srgbClr val="F8F8F8"/>
+                </a:solidFill>
+                <a:latin typeface="Consolas"/>
+                <a:ea typeface="Consolas"/>
+                <a:cs typeface="Consolas"/>
+                <a:sym typeface="Consolas"/>
+              </a:rPr>
+              <a:t> </a:t>
+            </a:r>
+            <a:r>
+              <a:rPr lang="en-US" sz="2300" b="0" i="0" u="none" strike="noStrike" cap="none" dirty="0">
+                <a:solidFill>
+                  <a:srgbClr val="3387CC"/>
+                </a:solidFill>
+                <a:latin typeface="Consolas"/>
+                <a:ea typeface="Consolas"/>
+                <a:cs typeface="Consolas"/>
+                <a:sym typeface="Consolas"/>
+              </a:rPr>
+              <a:t>1</a:t>
+            </a:r>
+            <a:r>
+              <a:rPr lang="en-US" sz="2300" b="0" i="0" u="none" strike="noStrike" cap="none" dirty="0">
+                <a:solidFill>
+                  <a:srgbClr val="F8F8F8"/>
+                </a:solidFill>
+                <a:latin typeface="Consolas"/>
+                <a:ea typeface="Consolas"/>
+                <a:cs typeface="Consolas"/>
+                <a:sym typeface="Consolas"/>
+              </a:rPr>
+              <a:t>}`</a:t>
+            </a:r>
+          </a:p>
+          <a:p>
+            <a:pPr marL="0" marR="0" lvl="0" indent="0" algn="l" rtl="0">
+              <a:lnSpc>
+                <a:spcPct val="100000"/>
+              </a:lnSpc>
+              <a:spcBef>
+                <a:spcPts val="0"/>
+              </a:spcBef>
+              <a:spcAft>
+                <a:spcPts val="0"/>
+              </a:spcAft>
+              <a:buClr>
+                <a:srgbClr val="F8F8F8"/>
+              </a:buClr>
+              <a:buSzPct val="25000"/>
+              <a:buFont typeface="Consolas"/>
+              <a:buNone/>
+            </a:pPr>
+            <a:r>
+              <a:rPr lang="en-US" sz="2300" b="0" i="0" u="none" strike="noStrike" cap="none" dirty="0">
+                <a:solidFill>
+                  <a:srgbClr val="F8F8F8"/>
+                </a:solidFill>
+                <a:latin typeface="Consolas"/>
+                <a:ea typeface="Consolas"/>
+                <a:cs typeface="Consolas"/>
+                <a:sym typeface="Consolas"/>
+              </a:rPr>
+              <a:t>let y   </a:t>
+            </a:r>
+            <a:r>
+              <a:rPr lang="en-US" sz="2300" b="0" i="0" u="none" strike="noStrike" cap="none" dirty="0">
+                <a:solidFill>
+                  <a:srgbClr val="E28964"/>
+                </a:solidFill>
+                <a:latin typeface="Consolas"/>
+                <a:ea typeface="Consolas"/>
+                <a:cs typeface="Consolas"/>
+                <a:sym typeface="Consolas"/>
+              </a:rPr>
+              <a:t>=</a:t>
+            </a:r>
+            <a:r>
+              <a:rPr lang="en-US" sz="2300" b="0" i="0" u="none" strike="noStrike" cap="none" dirty="0">
+                <a:solidFill>
+                  <a:srgbClr val="F8F8F8"/>
+                </a:solidFill>
+                <a:latin typeface="Consolas"/>
+                <a:ea typeface="Consolas"/>
+                <a:cs typeface="Consolas"/>
+                <a:sym typeface="Consolas"/>
+              </a:rPr>
+              <a:t> `hello world </a:t>
+            </a:r>
+            <a:r>
+              <a:rPr lang="en-US" sz="2300" b="0" i="0" u="none" strike="noStrike" cap="none" dirty="0">
+                <a:solidFill>
+                  <a:srgbClr val="E28964"/>
+                </a:solidFill>
+                <a:latin typeface="Consolas"/>
+                <a:ea typeface="Consolas"/>
+                <a:cs typeface="Consolas"/>
+                <a:sym typeface="Consolas"/>
+              </a:rPr>
+              <a:t>$</a:t>
+            </a:r>
+            <a:r>
+              <a:rPr lang="en-US" sz="2300" b="0" i="0" u="none" strike="noStrike" cap="none" dirty="0">
+                <a:solidFill>
+                  <a:srgbClr val="F8F8F8"/>
+                </a:solidFill>
+                <a:latin typeface="Consolas"/>
+                <a:ea typeface="Consolas"/>
+                <a:cs typeface="Consolas"/>
+                <a:sym typeface="Consolas"/>
+              </a:rPr>
+              <a:t>{x}`</a:t>
+            </a:r>
+          </a:p>
+          <a:p>
+            <a:pPr marL="0" marR="0" lvl="0" indent="0" algn="l" rtl="0">
+              <a:lnSpc>
+                <a:spcPct val="100000"/>
+              </a:lnSpc>
+              <a:spcBef>
+                <a:spcPts val="0"/>
+              </a:spcBef>
+              <a:spcAft>
+                <a:spcPts val="0"/>
+              </a:spcAft>
+              <a:buClr>
+                <a:srgbClr val="F8F8F8"/>
+              </a:buClr>
+              <a:buFont typeface="Consolas"/>
+              <a:buNone/>
+            </a:pPr>
+            <a:endParaRPr sz="2300" b="0" i="0" u="none" strike="noStrike" cap="none" dirty="0">
+              <a:solidFill>
+                <a:srgbClr val="F8F8F8"/>
+              </a:solidFill>
+              <a:latin typeface="Consolas"/>
+              <a:ea typeface="Consolas"/>
+              <a:cs typeface="Consolas"/>
+              <a:sym typeface="Consolas"/>
+            </a:endParaRPr>
+          </a:p>
+          <a:p>
+            <a:pPr marL="0" marR="0" lvl="0" indent="0" algn="l" rtl="0">
+              <a:lnSpc>
+                <a:spcPct val="100000"/>
+              </a:lnSpc>
+              <a:spcBef>
+                <a:spcPts val="0"/>
+              </a:spcBef>
+              <a:spcAft>
+                <a:spcPts val="0"/>
+              </a:spcAft>
+              <a:buClr>
+                <a:srgbClr val="F8F8F8"/>
+              </a:buClr>
+              <a:buSzPct val="25000"/>
+              <a:buFont typeface="Consolas"/>
+              <a:buNone/>
+            </a:pPr>
+            <a:r>
+              <a:rPr lang="en-US" sz="2300" b="0" i="0" u="none" strike="noStrike" cap="none" dirty="0">
+                <a:solidFill>
+                  <a:srgbClr val="F8F8F8"/>
+                </a:solidFill>
+                <a:latin typeface="Consolas"/>
+                <a:ea typeface="Consolas"/>
+                <a:cs typeface="Consolas"/>
+                <a:sym typeface="Consolas"/>
+              </a:rPr>
+              <a:t>instead of:</a:t>
+            </a:r>
+          </a:p>
+          <a:p>
+            <a:pPr marL="0" marR="0" lvl="0" indent="0" algn="l" rtl="0">
+              <a:lnSpc>
+                <a:spcPct val="100000"/>
+              </a:lnSpc>
+              <a:spcBef>
+                <a:spcPts val="0"/>
+              </a:spcBef>
+              <a:spcAft>
+                <a:spcPts val="0"/>
+              </a:spcAft>
+              <a:buClr>
+                <a:srgbClr val="F8F8F8"/>
+              </a:buClr>
+              <a:buSzPct val="25000"/>
+              <a:buFont typeface="Consolas"/>
+              <a:buNone/>
+            </a:pPr>
+            <a:r>
+              <a:rPr lang="en-US" sz="2300" b="0" i="0" u="none" strike="noStrike" cap="none" dirty="0">
+                <a:solidFill>
+                  <a:srgbClr val="F8F8F8"/>
+                </a:solidFill>
+                <a:latin typeface="Consolas"/>
+                <a:ea typeface="Consolas"/>
+                <a:cs typeface="Consolas"/>
+                <a:sym typeface="Consolas"/>
+              </a:rPr>
+              <a:t> </a:t>
+            </a:r>
+            <a:r>
+              <a:rPr lang="en-US" sz="2300" b="0" i="0" u="none" strike="noStrike" cap="none" dirty="0" err="1">
+                <a:solidFill>
+                  <a:srgbClr val="99CF50"/>
+                </a:solidFill>
+                <a:latin typeface="Consolas"/>
+                <a:ea typeface="Consolas"/>
+                <a:cs typeface="Consolas"/>
+                <a:sym typeface="Consolas"/>
+              </a:rPr>
+              <a:t>var</a:t>
+            </a:r>
+            <a:r>
+              <a:rPr lang="en-US" sz="2300" b="0" i="0" u="none" strike="noStrike" cap="none" dirty="0">
+                <a:solidFill>
+                  <a:srgbClr val="F8F8F8"/>
+                </a:solidFill>
+                <a:latin typeface="Consolas"/>
+                <a:ea typeface="Consolas"/>
+                <a:cs typeface="Consolas"/>
+                <a:sym typeface="Consolas"/>
+              </a:rPr>
+              <a:t> x   </a:t>
+            </a:r>
+            <a:r>
+              <a:rPr lang="en-US" sz="2300" b="0" i="0" u="none" strike="noStrike" cap="none" dirty="0">
+                <a:solidFill>
+                  <a:srgbClr val="E28964"/>
+                </a:solidFill>
+                <a:latin typeface="Consolas"/>
+                <a:ea typeface="Consolas"/>
+                <a:cs typeface="Consolas"/>
+                <a:sym typeface="Consolas"/>
+              </a:rPr>
+              <a:t>=</a:t>
+            </a:r>
+            <a:r>
+              <a:rPr lang="en-US" sz="2300" b="0" i="0" u="none" strike="noStrike" cap="none" dirty="0">
+                <a:solidFill>
+                  <a:srgbClr val="F8F8F8"/>
+                </a:solidFill>
+                <a:latin typeface="Consolas"/>
+                <a:ea typeface="Consolas"/>
+                <a:cs typeface="Consolas"/>
+                <a:sym typeface="Consolas"/>
+              </a:rPr>
+              <a:t> “testing” + (</a:t>
+            </a:r>
+            <a:r>
+              <a:rPr lang="en-US" sz="2300" b="0" i="0" u="none" strike="noStrike" cap="none" dirty="0">
+                <a:solidFill>
+                  <a:srgbClr val="3387CC"/>
+                </a:solidFill>
+                <a:latin typeface="Consolas"/>
+                <a:ea typeface="Consolas"/>
+                <a:cs typeface="Consolas"/>
+                <a:sym typeface="Consolas"/>
+              </a:rPr>
+              <a:t>1</a:t>
+            </a:r>
+            <a:r>
+              <a:rPr lang="en-US" sz="2300" b="0" i="0" u="none" strike="noStrike" cap="none" dirty="0">
+                <a:solidFill>
+                  <a:srgbClr val="F8F8F8"/>
+                </a:solidFill>
+                <a:latin typeface="Consolas"/>
+                <a:ea typeface="Consolas"/>
+                <a:cs typeface="Consolas"/>
+                <a:sym typeface="Consolas"/>
+              </a:rPr>
+              <a:t> </a:t>
+            </a:r>
+            <a:r>
+              <a:rPr lang="en-US" sz="2300" b="0" i="0" u="none" strike="noStrike" cap="none" dirty="0">
+                <a:solidFill>
+                  <a:srgbClr val="E28964"/>
+                </a:solidFill>
+                <a:latin typeface="Consolas"/>
+                <a:ea typeface="Consolas"/>
+                <a:cs typeface="Consolas"/>
+                <a:sym typeface="Consolas"/>
+              </a:rPr>
+              <a:t>+</a:t>
+            </a:r>
+            <a:r>
+              <a:rPr lang="en-US" sz="2300" b="0" i="0" u="none" strike="noStrike" cap="none" dirty="0">
+                <a:solidFill>
+                  <a:srgbClr val="F8F8F8"/>
+                </a:solidFill>
+                <a:latin typeface="Consolas"/>
+                <a:ea typeface="Consolas"/>
+                <a:cs typeface="Consolas"/>
+                <a:sym typeface="Consolas"/>
+              </a:rPr>
+              <a:t> </a:t>
+            </a:r>
+            <a:r>
+              <a:rPr lang="en-US" sz="2300" b="0" i="0" u="none" strike="noStrike" cap="none" dirty="0">
+                <a:solidFill>
+                  <a:srgbClr val="3387CC"/>
+                </a:solidFill>
+                <a:latin typeface="Consolas"/>
+                <a:ea typeface="Consolas"/>
+                <a:cs typeface="Consolas"/>
+                <a:sym typeface="Consolas"/>
+              </a:rPr>
+              <a:t>1</a:t>
+            </a:r>
+            <a:r>
+              <a:rPr lang="en-US" sz="2300" b="0" i="0" u="none" strike="noStrike" cap="none" dirty="0" smtClean="0">
+                <a:solidFill>
+                  <a:srgbClr val="F8F8F8"/>
+                </a:solidFill>
+                <a:latin typeface="Consolas"/>
+                <a:ea typeface="Consolas"/>
+                <a:cs typeface="Consolas"/>
+                <a:sym typeface="Consolas"/>
+              </a:rPr>
+              <a:t>)</a:t>
+            </a:r>
+          </a:p>
+          <a:p>
+            <a:pPr marL="0" marR="0" lvl="0" indent="0" algn="l" rtl="0">
+              <a:lnSpc>
+                <a:spcPct val="100000"/>
+              </a:lnSpc>
+              <a:spcBef>
+                <a:spcPts val="0"/>
+              </a:spcBef>
+              <a:spcAft>
+                <a:spcPts val="0"/>
+              </a:spcAft>
+              <a:buClr>
+                <a:srgbClr val="F8F8F8"/>
+              </a:buClr>
+              <a:buSzPct val="25000"/>
+              <a:buFont typeface="Consolas"/>
+              <a:buNone/>
+            </a:pPr>
+            <a:endParaRPr lang="en-US" sz="2300" dirty="0">
+              <a:solidFill>
+                <a:srgbClr val="F8F8F8"/>
+              </a:solidFill>
+              <a:latin typeface="Consolas"/>
+              <a:ea typeface="Consolas"/>
+              <a:cs typeface="Consolas"/>
+              <a:sym typeface="Consolas"/>
+            </a:endParaRPr>
+          </a:p>
+          <a:p>
+            <a:pPr marL="0" marR="0" lvl="0" indent="0" algn="l" rtl="0">
+              <a:lnSpc>
+                <a:spcPct val="100000"/>
+              </a:lnSpc>
+              <a:spcBef>
+                <a:spcPts val="0"/>
+              </a:spcBef>
+              <a:spcAft>
+                <a:spcPts val="0"/>
+              </a:spcAft>
+              <a:buClr>
+                <a:srgbClr val="F8F8F8"/>
+              </a:buClr>
+              <a:buSzPct val="25000"/>
+              <a:buFont typeface="Consolas"/>
+              <a:buNone/>
+            </a:pPr>
+            <a:endParaRPr lang="en-US" sz="2300" b="0" i="0" u="none" strike="noStrike" cap="none" dirty="0">
+              <a:solidFill>
+                <a:srgbClr val="F8F8F8"/>
+              </a:solidFill>
+              <a:latin typeface="Consolas"/>
+              <a:ea typeface="Consolas"/>
+              <a:cs typeface="Consolas"/>
+              <a:sym typeface="Consolas"/>
+            </a:endParaRPr>
+          </a:p>
+        </p:txBody>
+      </p:sp>
+    </p:spTree>
+  </p:cSld>
+  <p:clrMapOvr>
+    <a:masterClrMapping/>
+  </p:clrMapOvr>
+  <p:timing>
+    <p:tnLst>
+      <p:par>
+        <p:cTn id="1" dur="indefinite" restart="never" nodeType="tmRoot"/>
+      </p:par>
+    </p:tnLst>
+  </p:timing>
+</p:sld>
+</file>
+
+<file path=ppt/slides/slide21.xml><?xml version="1.0" encoding="utf-8"?>
+<p:sld xmlns:a="http://schemas.openxmlformats.org/drawingml/2006/main" xmlns:r="http://schemas.openxmlformats.org/officeDocument/2006/relationships" xmlns:p="http://schemas.openxmlformats.org/presentationml/2006/main">
+  <p:cSld>
+    <p:spTree>
+      <p:nvGrpSpPr>
         <p:cNvPr id="1" name="Shape 162"/>
         <p:cNvGrpSpPr/>
         <p:nvPr/>
@@ -20830,7 +21657,7 @@
 </p:sld>
 </file>
 
-<file path=ppt/slides/slide21.xml><?xml version="1.0" encoding="utf-8"?>
+<file path=ppt/slides/slide22.xml><?xml version="1.0" encoding="utf-8"?>
 <p:sld xmlns:a="http://schemas.openxmlformats.org/drawingml/2006/main" xmlns:r="http://schemas.openxmlformats.org/officeDocument/2006/relationships" xmlns:p="http://schemas.openxmlformats.org/presentationml/2006/main">
   <p:cSld>
     <p:spTree>
@@ -21299,7 +22126,7 @@
 </p:sld>
 </file>
 
-<file path=ppt/slides/slide22.xml><?xml version="1.0" encoding="utf-8"?>
+<file path=ppt/slides/slide23.xml><?xml version="1.0" encoding="utf-8"?>
 <p:sld xmlns:a="http://schemas.openxmlformats.org/drawingml/2006/main" xmlns:r="http://schemas.openxmlformats.org/officeDocument/2006/relationships" xmlns:p="http://schemas.openxmlformats.org/presentationml/2006/main">
   <p:cSld>
     <p:spTree>
@@ -21865,7 +22692,7 @@
 </p:sld>
 </file>
 
-<file path=ppt/slides/slide23.xml><?xml version="1.0" encoding="utf-8"?>
+<file path=ppt/slides/slide24.xml><?xml version="1.0" encoding="utf-8"?>
 <p:sld xmlns:a="http://schemas.openxmlformats.org/drawingml/2006/main" xmlns:r="http://schemas.openxmlformats.org/officeDocument/2006/relationships" xmlns:p="http://schemas.openxmlformats.org/presentationml/2006/main">
   <p:cSld>
     <p:spTree>
@@ -22009,15 +22836,7 @@
                   <a:schemeClr val="bg1"/>
                 </a:solidFill>
               </a:rPr>
-              <a:t> ------</a:t>
-            </a:r>
-            <a:r>
-              <a:rPr lang="en-US" sz="2400" dirty="0">
-                <a:solidFill>
-                  <a:schemeClr val="bg1"/>
-                </a:solidFill>
-              </a:rPr>
-              <a:t> </a:t>
+              <a:t> ------ </a:t>
             </a:r>
             <a:endParaRPr lang="en-US" sz="2400" dirty="0" smtClean="0">
               <a:solidFill>
@@ -22394,23 +23213,7 @@
                   <a:schemeClr val="bg1"/>
                 </a:solidFill>
               </a:rPr>
-              <a:t> </a:t>
-            </a:r>
-            <a:r>
-              <a:rPr lang="en-US" sz="2400" dirty="0">
-                <a:solidFill>
-                  <a:schemeClr val="bg1"/>
-                </a:solidFill>
-              </a:rPr>
-              <a:t>'lib'</a:t>
-            </a:r>
-            <a:r>
-              <a:rPr lang="en-US" sz="2400" dirty="0">
-                <a:solidFill>
-                  <a:schemeClr val="bg1"/>
-                </a:solidFill>
-              </a:rPr>
-              <a:t>; </a:t>
+              <a:t> 'lib'; </a:t>
             </a:r>
             <a:endParaRPr lang="en-US" sz="2400" dirty="0" smtClean="0">
               <a:solidFill>
@@ -22455,23 +23258,7 @@
                   <a:schemeClr val="bg1"/>
                 </a:solidFill>
               </a:rPr>
-              <a:t>)); </a:t>
-            </a:r>
-            <a:r>
-              <a:rPr lang="en-US" sz="2400" dirty="0">
-                <a:solidFill>
-                  <a:schemeClr val="bg1"/>
-                </a:solidFill>
-              </a:rPr>
-              <a:t>// 121</a:t>
-            </a:r>
-            <a:r>
-              <a:rPr lang="en-US" sz="2400" dirty="0">
-                <a:solidFill>
-                  <a:schemeClr val="bg1"/>
-                </a:solidFill>
-              </a:rPr>
-              <a:t> </a:t>
+              <a:t>)); // 121 </a:t>
             </a:r>
             <a:endParaRPr lang="en-US" sz="2400" dirty="0" smtClean="0">
               <a:solidFill>
@@ -22532,31 +23319,7 @@
                   <a:schemeClr val="bg1"/>
                 </a:solidFill>
               </a:rPr>
-              <a:t>, </a:t>
-            </a:r>
-            <a:r>
-              <a:rPr lang="en-US" sz="2400" dirty="0">
-                <a:solidFill>
-                  <a:schemeClr val="bg1"/>
-                </a:solidFill>
-              </a:rPr>
-              <a:t>3</a:t>
-            </a:r>
-            <a:r>
-              <a:rPr lang="en-US" sz="2400" dirty="0">
-                <a:solidFill>
-                  <a:schemeClr val="bg1"/>
-                </a:solidFill>
-              </a:rPr>
-              <a:t>)); </a:t>
-            </a:r>
-            <a:r>
-              <a:rPr lang="en-US" sz="2400" dirty="0">
-                <a:solidFill>
-                  <a:schemeClr val="bg1"/>
-                </a:solidFill>
-              </a:rPr>
-              <a:t>// 5</a:t>
+              <a:t>, 3)); // 5</a:t>
             </a:r>
             <a:endParaRPr lang="en-US" sz="2300" b="0" i="0" u="none" strike="noStrike" cap="none" dirty="0">
               <a:solidFill>
@@ -22585,7 +23348,7 @@
 </p:sld>
 </file>
 
-<file path=ppt/slides/slide24.xml><?xml version="1.0" encoding="utf-8"?>
+<file path=ppt/slides/slide25.xml><?xml version="1.0" encoding="utf-8"?>
 <p:sld xmlns:a="http://schemas.openxmlformats.org/drawingml/2006/main" xmlns:r="http://schemas.openxmlformats.org/officeDocument/2006/relationships" xmlns:p="http://schemas.openxmlformats.org/presentationml/2006/main">
   <p:cSld>
     <p:spTree>
@@ -22838,7 +23601,7 @@
 </p:sld>
 </file>
 
-<file path=ppt/slides/slide25.xml><?xml version="1.0" encoding="utf-8"?>
+<file path=ppt/slides/slide26.xml><?xml version="1.0" encoding="utf-8"?>
 <p:sld xmlns:a="http://schemas.openxmlformats.org/drawingml/2006/main" xmlns:r="http://schemas.openxmlformats.org/officeDocument/2006/relationships" xmlns:p="http://schemas.openxmlformats.org/presentationml/2006/main">
   <p:cSld>
     <p:spTree>
@@ -23838,7 +24601,7 @@
 </p:sld>
 </file>
 
-<file path=ppt/slides/slide26.xml><?xml version="1.0" encoding="utf-8"?>
+<file path=ppt/slides/slide27.xml><?xml version="1.0" encoding="utf-8"?>
 <p:sld xmlns:a="http://schemas.openxmlformats.org/drawingml/2006/main" xmlns:r="http://schemas.openxmlformats.org/officeDocument/2006/relationships" xmlns:p="http://schemas.openxmlformats.org/presentationml/2006/main">
   <p:cSld>
     <p:spTree>
@@ -24338,7 +25101,7 @@
 </p:sld>
 </file>
 
-<file path=ppt/slides/slide27.xml><?xml version="1.0" encoding="utf-8"?>
+<file path=ppt/slides/slide28.xml><?xml version="1.0" encoding="utf-8"?>
 <p:sld xmlns:a="http://schemas.openxmlformats.org/drawingml/2006/main" xmlns:r="http://schemas.openxmlformats.org/officeDocument/2006/relationships" xmlns:p="http://schemas.openxmlformats.org/presentationml/2006/main">
   <p:cSld>
     <p:spTree>
@@ -24907,7 +25670,7 @@
 </p:sld>
 </file>
 
-<file path=ppt/slides/slide28.xml><?xml version="1.0" encoding="utf-8"?>
+<file path=ppt/slides/slide29.xml><?xml version="1.0" encoding="utf-8"?>
 <p:sld xmlns:a="http://schemas.openxmlformats.org/drawingml/2006/main" xmlns:r="http://schemas.openxmlformats.org/officeDocument/2006/relationships" xmlns:p="http://schemas.openxmlformats.org/presentationml/2006/main">
   <p:cSld>
     <p:spTree>
@@ -25104,674 +25867,6 @@
                 <a:sym typeface="Helvetica Neue"/>
               </a:rPr>
               <a:t>Helps escaping callback hell</a:t>
-            </a:r>
-          </a:p>
-        </p:txBody>
-      </p:sp>
-    </p:spTree>
-  </p:cSld>
-  <p:clrMapOvr>
-    <a:masterClrMapping/>
-  </p:clrMapOvr>
-  <p:timing>
-    <p:tnLst>
-      <p:par>
-        <p:cTn id="1" dur="indefinite" restart="never" nodeType="tmRoot"/>
-      </p:par>
-    </p:tnLst>
-  </p:timing>
-</p:sld>
-</file>
-
-<file path=ppt/slides/slide29.xml><?xml version="1.0" encoding="utf-8"?>
-<p:sld xmlns:a="http://schemas.openxmlformats.org/drawingml/2006/main" xmlns:r="http://schemas.openxmlformats.org/officeDocument/2006/relationships" xmlns:p="http://schemas.openxmlformats.org/presentationml/2006/main">
-  <p:cSld>
-    <p:spTree>
-      <p:nvGrpSpPr>
-        <p:cNvPr id="1" name="Shape 216"/>
-        <p:cNvGrpSpPr/>
-        <p:nvPr/>
-      </p:nvGrpSpPr>
-      <p:grpSpPr>
-        <a:xfrm>
-          <a:off x="0" y="0"/>
-          <a:ext cx="0" cy="0"/>
-          <a:chOff x="0" y="0"/>
-          <a:chExt cx="0" cy="0"/>
-        </a:xfrm>
-      </p:grpSpPr>
-      <p:sp>
-        <p:nvSpPr>
-          <p:cNvPr id="217" name="Shape 217"/>
-          <p:cNvSpPr txBox="1">
-            <a:spLocks noGrp="1"/>
-          </p:cNvSpPr>
-          <p:nvPr>
-            <p:ph type="title"/>
-          </p:nvPr>
-        </p:nvSpPr>
-        <p:spPr>
-          <a:xfrm>
-            <a:off x="669726" y="133945"/>
-            <a:ext cx="7804500" cy="1138500"/>
-          </a:xfrm>
-          <a:prstGeom prst="rect">
-            <a:avLst/>
-          </a:prstGeom>
-          <a:noFill/>
-          <a:ln>
-            <a:noFill/>
-          </a:ln>
-        </p:spPr>
-        <p:txBody>
-          <a:bodyPr lIns="32750" tIns="32750" rIns="32750" bIns="32750" anchor="ctr" anchorCtr="0">
-            <a:noAutofit/>
-          </a:bodyPr>
-          <a:lstStyle/>
-          <a:p>
-            <a:pPr marL="0" marR="0" lvl="0" indent="0" algn="ctr" rtl="0">
-              <a:lnSpc>
-                <a:spcPct val="100000"/>
-              </a:lnSpc>
-              <a:spcBef>
-                <a:spcPts val="0"/>
-              </a:spcBef>
-              <a:spcAft>
-                <a:spcPts val="0"/>
-              </a:spcAft>
-              <a:buClr>
-                <a:srgbClr val="FFFFFF"/>
-              </a:buClr>
-              <a:buSzPct val="25000"/>
-              <a:buFont typeface="Helvetica Neue"/>
-              <a:buNone/>
-            </a:pPr>
-            <a:r>
-              <a:rPr lang="en-US" sz="5200" b="0" i="0" u="none" strike="noStrike" cap="none">
-                <a:solidFill>
-                  <a:srgbClr val="FFFFFF"/>
-                </a:solidFill>
-                <a:latin typeface="Helvetica Neue"/>
-                <a:ea typeface="Helvetica Neue"/>
-                <a:cs typeface="Helvetica Neue"/>
-                <a:sym typeface="Helvetica Neue"/>
-              </a:rPr>
-              <a:t>Promises</a:t>
-            </a:r>
-          </a:p>
-        </p:txBody>
-      </p:sp>
-      <p:sp>
-        <p:nvSpPr>
-          <p:cNvPr id="218" name="Shape 218"/>
-          <p:cNvSpPr/>
-          <p:nvPr/>
-        </p:nvSpPr>
-        <p:spPr>
-          <a:xfrm>
-            <a:off x="579600" y="1560462"/>
-            <a:ext cx="8689446" cy="2022599"/>
-          </a:xfrm>
-          <a:prstGeom prst="rect">
-            <a:avLst/>
-          </a:prstGeom>
-          <a:noFill/>
-          <a:ln>
-            <a:noFill/>
-          </a:ln>
-        </p:spPr>
-        <p:txBody>
-          <a:bodyPr lIns="32750" tIns="32750" rIns="32750" bIns="32750" anchor="ctr" anchorCtr="0">
-            <a:noAutofit/>
-          </a:bodyPr>
-          <a:lstStyle/>
-          <a:p>
-            <a:pPr marL="0" marR="0" lvl="0" indent="0" algn="l" rtl="0">
-              <a:lnSpc>
-                <a:spcPct val="100000"/>
-              </a:lnSpc>
-              <a:spcBef>
-                <a:spcPts val="0"/>
-              </a:spcBef>
-              <a:spcAft>
-                <a:spcPts val="0"/>
-              </a:spcAft>
-              <a:buClr>
-                <a:srgbClr val="F8F8F8"/>
-              </a:buClr>
-              <a:buSzPct val="25000"/>
-              <a:buFont typeface="Consolas"/>
-              <a:buNone/>
-            </a:pPr>
-            <a:r>
-              <a:rPr lang="en-US" sz="2300" b="0" i="0" u="none" strike="noStrike" cap="none" dirty="0">
-                <a:solidFill>
-                  <a:srgbClr val="F8F8F8"/>
-                </a:solidFill>
-                <a:latin typeface="Consolas"/>
-                <a:ea typeface="Consolas"/>
-                <a:cs typeface="Consolas"/>
-                <a:sym typeface="Consolas"/>
-              </a:rPr>
-              <a:t>let </a:t>
-            </a:r>
-            <a:r>
-              <a:rPr lang="en-US" sz="2300" b="0" i="0" u="none" strike="noStrike" cap="none" dirty="0" err="1">
-                <a:solidFill>
-                  <a:srgbClr val="F8F8F8"/>
-                </a:solidFill>
-                <a:latin typeface="Consolas"/>
-                <a:ea typeface="Consolas"/>
-                <a:cs typeface="Consolas"/>
-                <a:sym typeface="Consolas"/>
-              </a:rPr>
-              <a:t>asyncFunc</a:t>
-            </a:r>
-            <a:r>
-              <a:rPr lang="en-US" sz="2300" b="0" i="0" u="none" strike="noStrike" cap="none" dirty="0">
-                <a:solidFill>
-                  <a:srgbClr val="F8F8F8"/>
-                </a:solidFill>
-                <a:latin typeface="Consolas"/>
-                <a:ea typeface="Consolas"/>
-                <a:cs typeface="Consolas"/>
-                <a:sym typeface="Consolas"/>
-              </a:rPr>
-              <a:t> </a:t>
-            </a:r>
-            <a:r>
-              <a:rPr lang="en-US" sz="2300" b="0" i="0" u="none" strike="noStrike" cap="none" dirty="0">
-                <a:solidFill>
-                  <a:srgbClr val="E28964"/>
-                </a:solidFill>
-                <a:latin typeface="Consolas"/>
-                <a:ea typeface="Consolas"/>
-                <a:cs typeface="Consolas"/>
-                <a:sym typeface="Consolas"/>
-              </a:rPr>
-              <a:t>=</a:t>
-            </a:r>
-            <a:r>
-              <a:rPr lang="en-US" sz="2300" b="0" i="0" u="none" strike="noStrike" cap="none" dirty="0">
-                <a:solidFill>
-                  <a:srgbClr val="F8F8F8"/>
-                </a:solidFill>
-                <a:latin typeface="Consolas"/>
-                <a:ea typeface="Consolas"/>
-                <a:cs typeface="Consolas"/>
-                <a:sym typeface="Consolas"/>
-              </a:rPr>
-              <a:t> () </a:t>
-            </a:r>
-            <a:r>
-              <a:rPr lang="en-US" sz="2300" b="0" i="0" u="none" strike="noStrike" cap="none" dirty="0">
-                <a:solidFill>
-                  <a:srgbClr val="E28964"/>
-                </a:solidFill>
-                <a:latin typeface="Consolas"/>
-                <a:ea typeface="Consolas"/>
-                <a:cs typeface="Consolas"/>
-                <a:sym typeface="Consolas"/>
-              </a:rPr>
-              <a:t>=&gt;</a:t>
-            </a:r>
-            <a:r>
-              <a:rPr lang="en-US" sz="2300" b="0" i="0" u="none" strike="noStrike" cap="none" dirty="0">
-                <a:solidFill>
-                  <a:srgbClr val="F8F8F8"/>
-                </a:solidFill>
-                <a:latin typeface="Consolas"/>
-                <a:ea typeface="Consolas"/>
-                <a:cs typeface="Consolas"/>
-                <a:sym typeface="Consolas"/>
-              </a:rPr>
-              <a:t> {</a:t>
-            </a:r>
-          </a:p>
-          <a:p>
-            <a:pPr marL="0" marR="0" lvl="0" indent="0" algn="l" rtl="0">
-              <a:lnSpc>
-                <a:spcPct val="100000"/>
-              </a:lnSpc>
-              <a:spcBef>
-                <a:spcPts val="0"/>
-              </a:spcBef>
-              <a:spcAft>
-                <a:spcPts val="0"/>
-              </a:spcAft>
-              <a:buClr>
-                <a:srgbClr val="F8F8F8"/>
-              </a:buClr>
-              <a:buSzPct val="25000"/>
-              <a:buFont typeface="Consolas"/>
-              <a:buNone/>
-            </a:pPr>
-            <a:r>
-              <a:rPr lang="en-US" sz="2300" b="0" i="0" u="none" strike="noStrike" cap="none" dirty="0">
-                <a:solidFill>
-                  <a:srgbClr val="F8F8F8"/>
-                </a:solidFill>
-                <a:latin typeface="Consolas"/>
-                <a:ea typeface="Consolas"/>
-                <a:cs typeface="Consolas"/>
-                <a:sym typeface="Consolas"/>
-              </a:rPr>
-              <a:t>   </a:t>
-            </a:r>
-            <a:r>
-              <a:rPr lang="en-US" sz="2300" b="0" i="0" u="none" strike="noStrike" cap="none" dirty="0">
-                <a:solidFill>
-                  <a:srgbClr val="E28964"/>
-                </a:solidFill>
-                <a:latin typeface="Consolas"/>
-                <a:ea typeface="Consolas"/>
-                <a:cs typeface="Consolas"/>
-                <a:sym typeface="Consolas"/>
-              </a:rPr>
-              <a:t>return</a:t>
-            </a:r>
-            <a:r>
-              <a:rPr lang="en-US" sz="2300" b="0" i="0" u="none" strike="noStrike" cap="none" dirty="0">
-                <a:solidFill>
-                  <a:srgbClr val="F8F8F8"/>
-                </a:solidFill>
-                <a:latin typeface="Consolas"/>
-                <a:ea typeface="Consolas"/>
-                <a:cs typeface="Consolas"/>
-                <a:sym typeface="Consolas"/>
-              </a:rPr>
-              <a:t> </a:t>
-            </a:r>
-            <a:r>
-              <a:rPr lang="en-US" sz="2300" b="0" i="0" u="none" strike="noStrike" cap="none" dirty="0">
-                <a:solidFill>
-                  <a:srgbClr val="E28964"/>
-                </a:solidFill>
-                <a:latin typeface="Consolas"/>
-                <a:ea typeface="Consolas"/>
-                <a:cs typeface="Consolas"/>
-                <a:sym typeface="Consolas"/>
-              </a:rPr>
-              <a:t>new</a:t>
-            </a:r>
-            <a:r>
-              <a:rPr lang="en-US" sz="2300" b="0" i="0" u="none" strike="noStrike" cap="none" dirty="0">
-                <a:solidFill>
-                  <a:srgbClr val="F8F8F8"/>
-                </a:solidFill>
-                <a:latin typeface="Consolas"/>
-                <a:ea typeface="Consolas"/>
-                <a:cs typeface="Consolas"/>
-                <a:sym typeface="Consolas"/>
-              </a:rPr>
-              <a:t> </a:t>
-            </a:r>
-            <a:r>
-              <a:rPr lang="en-US" sz="2300" b="0" i="0" u="sng" strike="noStrike" cap="none" dirty="0">
-                <a:solidFill>
-                  <a:srgbClr val="F8F8F8"/>
-                </a:solidFill>
-                <a:latin typeface="Consolas"/>
-                <a:ea typeface="Consolas"/>
-                <a:cs typeface="Consolas"/>
-                <a:sym typeface="Consolas"/>
-              </a:rPr>
-              <a:t>Promise</a:t>
-            </a:r>
-            <a:r>
-              <a:rPr lang="en-US" sz="2300" b="0" i="0" u="none" strike="noStrike" cap="none" dirty="0">
-                <a:solidFill>
-                  <a:srgbClr val="F8F8F8"/>
-                </a:solidFill>
-                <a:latin typeface="Consolas"/>
-                <a:ea typeface="Consolas"/>
-                <a:cs typeface="Consolas"/>
-                <a:sym typeface="Consolas"/>
-              </a:rPr>
-              <a:t>( resolve </a:t>
-            </a:r>
-            <a:r>
-              <a:rPr lang="en-US" sz="2300" b="0" i="0" u="none" strike="noStrike" cap="none" dirty="0">
-                <a:solidFill>
-                  <a:srgbClr val="E28964"/>
-                </a:solidFill>
-                <a:latin typeface="Consolas"/>
-                <a:ea typeface="Consolas"/>
-                <a:cs typeface="Consolas"/>
-                <a:sym typeface="Consolas"/>
-              </a:rPr>
-              <a:t>=&gt;</a:t>
-            </a:r>
-            <a:r>
-              <a:rPr lang="en-US" sz="2300" b="0" i="0" u="none" strike="noStrike" cap="none" dirty="0">
-                <a:solidFill>
-                  <a:srgbClr val="F8F8F8"/>
-                </a:solidFill>
-                <a:latin typeface="Consolas"/>
-                <a:ea typeface="Consolas"/>
-                <a:cs typeface="Consolas"/>
-                <a:sym typeface="Consolas"/>
-              </a:rPr>
-              <a:t> {</a:t>
-            </a:r>
-          </a:p>
-          <a:p>
-            <a:pPr marL="0" marR="0" lvl="0" indent="0" algn="l" rtl="0">
-              <a:lnSpc>
-                <a:spcPct val="100000"/>
-              </a:lnSpc>
-              <a:spcBef>
-                <a:spcPts val="0"/>
-              </a:spcBef>
-              <a:spcAft>
-                <a:spcPts val="0"/>
-              </a:spcAft>
-              <a:buClr>
-                <a:srgbClr val="F8F8F8"/>
-              </a:buClr>
-              <a:buSzPct val="25000"/>
-              <a:buFont typeface="Consolas"/>
-              <a:buNone/>
-            </a:pPr>
-            <a:r>
-              <a:rPr lang="en-US" sz="2300" b="0" i="0" u="none" strike="noStrike" cap="none" dirty="0">
-                <a:solidFill>
-                  <a:srgbClr val="F8F8F8"/>
-                </a:solidFill>
-                <a:latin typeface="Consolas"/>
-                <a:ea typeface="Consolas"/>
-                <a:cs typeface="Consolas"/>
-                <a:sym typeface="Consolas"/>
-              </a:rPr>
-              <a:t>      </a:t>
-            </a:r>
-            <a:r>
-              <a:rPr lang="en-US" sz="2300" b="0" i="0" u="none" strike="noStrike" cap="none" dirty="0" err="1">
-                <a:solidFill>
-                  <a:srgbClr val="DAD085"/>
-                </a:solidFill>
-                <a:latin typeface="Consolas"/>
-                <a:ea typeface="Consolas"/>
-                <a:cs typeface="Consolas"/>
-                <a:sym typeface="Consolas"/>
-              </a:rPr>
-              <a:t>setTimeout</a:t>
-            </a:r>
-            <a:r>
-              <a:rPr lang="en-US" sz="2300" b="0" i="0" u="none" strike="noStrike" cap="none" dirty="0">
-                <a:solidFill>
-                  <a:srgbClr val="F8F8F8"/>
-                </a:solidFill>
-                <a:latin typeface="Consolas"/>
-                <a:ea typeface="Consolas"/>
-                <a:cs typeface="Consolas"/>
-                <a:sym typeface="Consolas"/>
-              </a:rPr>
-              <a:t>(() </a:t>
-            </a:r>
-            <a:r>
-              <a:rPr lang="en-US" sz="2300" b="0" i="0" u="none" strike="noStrike" cap="none" dirty="0">
-                <a:solidFill>
-                  <a:srgbClr val="E28964"/>
-                </a:solidFill>
-                <a:latin typeface="Consolas"/>
-                <a:ea typeface="Consolas"/>
-                <a:cs typeface="Consolas"/>
-                <a:sym typeface="Consolas"/>
-              </a:rPr>
-              <a:t>=&gt;</a:t>
-            </a:r>
-            <a:r>
-              <a:rPr lang="en-US" sz="2300" b="0" i="0" u="none" strike="noStrike" cap="none" dirty="0">
-                <a:solidFill>
-                  <a:srgbClr val="F8F8F8"/>
-                </a:solidFill>
-                <a:latin typeface="Consolas"/>
-                <a:ea typeface="Consolas"/>
-                <a:cs typeface="Consolas"/>
-                <a:sym typeface="Consolas"/>
-              </a:rPr>
-              <a:t> resolve(</a:t>
-            </a:r>
-            <a:r>
-              <a:rPr lang="en-US" sz="2300" b="0" i="0" u="none" strike="noStrike" cap="none" dirty="0">
-                <a:solidFill>
-                  <a:srgbClr val="3387CC"/>
-                </a:solidFill>
-                <a:latin typeface="Consolas"/>
-                <a:ea typeface="Consolas"/>
-                <a:cs typeface="Consolas"/>
-                <a:sym typeface="Consolas"/>
-              </a:rPr>
-              <a:t>42</a:t>
-            </a:r>
-            <a:r>
-              <a:rPr lang="en-US" sz="2300" b="0" i="0" u="none" strike="noStrike" cap="none" dirty="0">
-                <a:solidFill>
-                  <a:srgbClr val="F8F8F8"/>
-                </a:solidFill>
-                <a:latin typeface="Consolas"/>
-                <a:ea typeface="Consolas"/>
-                <a:cs typeface="Consolas"/>
-                <a:sym typeface="Consolas"/>
-              </a:rPr>
-              <a:t>), </a:t>
-            </a:r>
-            <a:r>
-              <a:rPr lang="en-US" sz="2300" b="0" i="0" u="none" strike="noStrike" cap="none" dirty="0">
-                <a:solidFill>
-                  <a:srgbClr val="3387CC"/>
-                </a:solidFill>
-                <a:latin typeface="Consolas"/>
-                <a:ea typeface="Consolas"/>
-                <a:cs typeface="Consolas"/>
-                <a:sym typeface="Consolas"/>
-              </a:rPr>
-              <a:t>200</a:t>
-            </a:r>
-            <a:r>
-              <a:rPr lang="en-US" sz="2300" b="0" i="0" u="none" strike="noStrike" cap="none" dirty="0">
-                <a:solidFill>
-                  <a:srgbClr val="F8F8F8"/>
-                </a:solidFill>
-                <a:latin typeface="Consolas"/>
-                <a:ea typeface="Consolas"/>
-                <a:cs typeface="Consolas"/>
-                <a:sym typeface="Consolas"/>
-              </a:rPr>
-              <a:t>);</a:t>
-            </a:r>
-          </a:p>
-          <a:p>
-            <a:pPr marL="0" marR="0" lvl="0" indent="0" algn="l" rtl="0">
-              <a:lnSpc>
-                <a:spcPct val="100000"/>
-              </a:lnSpc>
-              <a:spcBef>
-                <a:spcPts val="0"/>
-              </a:spcBef>
-              <a:spcAft>
-                <a:spcPts val="0"/>
-              </a:spcAft>
-              <a:buClr>
-                <a:srgbClr val="F8F8F8"/>
-              </a:buClr>
-              <a:buSzPct val="25000"/>
-              <a:buFont typeface="Consolas"/>
-              <a:buNone/>
-            </a:pPr>
-            <a:r>
-              <a:rPr lang="en-US" sz="2300" b="0" i="0" u="none" strike="noStrike" cap="none" dirty="0">
-                <a:solidFill>
-                  <a:srgbClr val="F8F8F8"/>
-                </a:solidFill>
-                <a:latin typeface="Consolas"/>
-                <a:ea typeface="Consolas"/>
-                <a:cs typeface="Consolas"/>
-                <a:sym typeface="Consolas"/>
-              </a:rPr>
-              <a:t>   }</a:t>
-            </a:r>
-          </a:p>
-          <a:p>
-            <a:pPr marL="0" marR="0" lvl="0" indent="0" algn="l" rtl="0">
-              <a:lnSpc>
-                <a:spcPct val="100000"/>
-              </a:lnSpc>
-              <a:spcBef>
-                <a:spcPts val="0"/>
-              </a:spcBef>
-              <a:spcAft>
-                <a:spcPts val="0"/>
-              </a:spcAft>
-              <a:buClr>
-                <a:srgbClr val="F8F8F8"/>
-              </a:buClr>
-              <a:buSzPct val="25000"/>
-              <a:buFont typeface="Consolas"/>
-              <a:buNone/>
-            </a:pPr>
-            <a:r>
-              <a:rPr lang="en-US" sz="2300" b="0" i="0" u="none" strike="noStrike" cap="none" dirty="0">
-                <a:solidFill>
-                  <a:srgbClr val="F8F8F8"/>
-                </a:solidFill>
-                <a:latin typeface="Consolas"/>
-                <a:ea typeface="Consolas"/>
-                <a:cs typeface="Consolas"/>
-                <a:sym typeface="Consolas"/>
-              </a:rPr>
-              <a:t>}</a:t>
-            </a:r>
-          </a:p>
-          <a:p>
-            <a:pPr marL="0" marR="0" lvl="0" indent="0" algn="l" rtl="0">
-              <a:lnSpc>
-                <a:spcPct val="100000"/>
-              </a:lnSpc>
-              <a:spcBef>
-                <a:spcPts val="0"/>
-              </a:spcBef>
-              <a:spcAft>
-                <a:spcPts val="0"/>
-              </a:spcAft>
-              <a:buClr>
-                <a:srgbClr val="F8F8F8"/>
-              </a:buClr>
-              <a:buFont typeface="Consolas"/>
-              <a:buNone/>
-            </a:pPr>
-            <a:endParaRPr sz="2300" b="0" i="0" u="none" strike="noStrike" cap="none" dirty="0">
-              <a:solidFill>
-                <a:srgbClr val="F8F8F8"/>
-              </a:solidFill>
-              <a:latin typeface="Consolas"/>
-              <a:ea typeface="Consolas"/>
-              <a:cs typeface="Consolas"/>
-              <a:sym typeface="Consolas"/>
-            </a:endParaRPr>
-          </a:p>
-          <a:p>
-            <a:pPr marL="0" marR="0" lvl="0" indent="0" algn="l" rtl="0">
-              <a:lnSpc>
-                <a:spcPct val="100000"/>
-              </a:lnSpc>
-              <a:spcBef>
-                <a:spcPts val="0"/>
-              </a:spcBef>
-              <a:spcAft>
-                <a:spcPts val="0"/>
-              </a:spcAft>
-              <a:buClr>
-                <a:srgbClr val="F8F8F8"/>
-              </a:buClr>
-              <a:buSzPct val="25000"/>
-              <a:buFont typeface="Consolas"/>
-              <a:buNone/>
-            </a:pPr>
-            <a:r>
-              <a:rPr lang="en-US" sz="2300" b="0" i="0" u="none" strike="noStrike" cap="none" dirty="0" err="1">
-                <a:solidFill>
-                  <a:srgbClr val="F8F8F8"/>
-                </a:solidFill>
-                <a:latin typeface="Consolas"/>
-                <a:ea typeface="Consolas"/>
-                <a:cs typeface="Consolas"/>
-                <a:sym typeface="Consolas"/>
-              </a:rPr>
-              <a:t>asyncFunc.then</a:t>
-            </a:r>
-            <a:r>
-              <a:rPr lang="en-US" sz="2300" b="0" i="0" u="none" strike="noStrike" cap="none" dirty="0">
-                <a:solidFill>
-                  <a:srgbClr val="F8F8F8"/>
-                </a:solidFill>
-                <a:latin typeface="Consolas"/>
-                <a:ea typeface="Consolas"/>
-                <a:cs typeface="Consolas"/>
-                <a:sym typeface="Consolas"/>
-              </a:rPr>
-              <a:t>(result </a:t>
-            </a:r>
-            <a:r>
-              <a:rPr lang="en-US" sz="2300" b="0" i="0" u="none" strike="noStrike" cap="none" dirty="0">
-                <a:solidFill>
-                  <a:srgbClr val="E28964"/>
-                </a:solidFill>
-                <a:latin typeface="Consolas"/>
-                <a:ea typeface="Consolas"/>
-                <a:cs typeface="Consolas"/>
-                <a:sym typeface="Consolas"/>
-              </a:rPr>
-              <a:t>=&gt;</a:t>
-            </a:r>
-            <a:r>
-              <a:rPr lang="en-US" sz="2300" b="0" i="0" u="none" strike="noStrike" cap="none" dirty="0">
-                <a:solidFill>
-                  <a:srgbClr val="F8F8F8"/>
-                </a:solidFill>
-                <a:latin typeface="Consolas"/>
-                <a:ea typeface="Consolas"/>
-                <a:cs typeface="Consolas"/>
-                <a:sym typeface="Consolas"/>
-              </a:rPr>
-              <a:t> </a:t>
-            </a:r>
-            <a:r>
-              <a:rPr lang="en-US" sz="2300" b="0" i="0" u="sng" strike="noStrike" cap="none" dirty="0" err="1">
-                <a:solidFill>
-                  <a:srgbClr val="F8F8F8"/>
-                </a:solidFill>
-                <a:latin typeface="Consolas"/>
-                <a:ea typeface="Consolas"/>
-                <a:cs typeface="Consolas"/>
-                <a:sym typeface="Consolas"/>
-              </a:rPr>
-              <a:t>console</a:t>
-            </a:r>
-            <a:r>
-              <a:rPr lang="en-US" sz="2300" b="0" i="0" u="none" strike="noStrike" cap="none" dirty="0" err="1">
-                <a:solidFill>
-                  <a:srgbClr val="DAD085"/>
-                </a:solidFill>
-                <a:latin typeface="Consolas"/>
-                <a:ea typeface="Consolas"/>
-                <a:cs typeface="Consolas"/>
-                <a:sym typeface="Consolas"/>
-              </a:rPr>
-              <a:t>.log</a:t>
-            </a:r>
-            <a:r>
-              <a:rPr lang="en-US" sz="2300" b="0" i="0" u="none" strike="noStrike" cap="none" dirty="0">
-                <a:solidFill>
-                  <a:srgbClr val="F8F8F8"/>
-                </a:solidFill>
-                <a:latin typeface="Consolas"/>
-                <a:ea typeface="Consolas"/>
-                <a:cs typeface="Consolas"/>
-                <a:sym typeface="Consolas"/>
-              </a:rPr>
-              <a:t>(result));</a:t>
             </a:r>
           </a:p>
         </p:txBody>
@@ -25950,6 +26045,674 @@
   <p:cSld>
     <p:spTree>
       <p:nvGrpSpPr>
+        <p:cNvPr id="1" name="Shape 216"/>
+        <p:cNvGrpSpPr/>
+        <p:nvPr/>
+      </p:nvGrpSpPr>
+      <p:grpSpPr>
+        <a:xfrm>
+          <a:off x="0" y="0"/>
+          <a:ext cx="0" cy="0"/>
+          <a:chOff x="0" y="0"/>
+          <a:chExt cx="0" cy="0"/>
+        </a:xfrm>
+      </p:grpSpPr>
+      <p:sp>
+        <p:nvSpPr>
+          <p:cNvPr id="217" name="Shape 217"/>
+          <p:cNvSpPr txBox="1">
+            <a:spLocks noGrp="1"/>
+          </p:cNvSpPr>
+          <p:nvPr>
+            <p:ph type="title"/>
+          </p:nvPr>
+        </p:nvSpPr>
+        <p:spPr>
+          <a:xfrm>
+            <a:off x="669726" y="133945"/>
+            <a:ext cx="7804500" cy="1138500"/>
+          </a:xfrm>
+          <a:prstGeom prst="rect">
+            <a:avLst/>
+          </a:prstGeom>
+          <a:noFill/>
+          <a:ln>
+            <a:noFill/>
+          </a:ln>
+        </p:spPr>
+        <p:txBody>
+          <a:bodyPr lIns="32750" tIns="32750" rIns="32750" bIns="32750" anchor="ctr" anchorCtr="0">
+            <a:noAutofit/>
+          </a:bodyPr>
+          <a:lstStyle/>
+          <a:p>
+            <a:pPr marL="0" marR="0" lvl="0" indent="0" algn="ctr" rtl="0">
+              <a:lnSpc>
+                <a:spcPct val="100000"/>
+              </a:lnSpc>
+              <a:spcBef>
+                <a:spcPts val="0"/>
+              </a:spcBef>
+              <a:spcAft>
+                <a:spcPts val="0"/>
+              </a:spcAft>
+              <a:buClr>
+                <a:srgbClr val="FFFFFF"/>
+              </a:buClr>
+              <a:buSzPct val="25000"/>
+              <a:buFont typeface="Helvetica Neue"/>
+              <a:buNone/>
+            </a:pPr>
+            <a:r>
+              <a:rPr lang="en-US" sz="5200" b="0" i="0" u="none" strike="noStrike" cap="none">
+                <a:solidFill>
+                  <a:srgbClr val="FFFFFF"/>
+                </a:solidFill>
+                <a:latin typeface="Helvetica Neue"/>
+                <a:ea typeface="Helvetica Neue"/>
+                <a:cs typeface="Helvetica Neue"/>
+                <a:sym typeface="Helvetica Neue"/>
+              </a:rPr>
+              <a:t>Promises</a:t>
+            </a:r>
+          </a:p>
+        </p:txBody>
+      </p:sp>
+      <p:sp>
+        <p:nvSpPr>
+          <p:cNvPr id="218" name="Shape 218"/>
+          <p:cNvSpPr/>
+          <p:nvPr/>
+        </p:nvSpPr>
+        <p:spPr>
+          <a:xfrm>
+            <a:off x="579600" y="1560462"/>
+            <a:ext cx="8689446" cy="2022599"/>
+          </a:xfrm>
+          <a:prstGeom prst="rect">
+            <a:avLst/>
+          </a:prstGeom>
+          <a:noFill/>
+          <a:ln>
+            <a:noFill/>
+          </a:ln>
+        </p:spPr>
+        <p:txBody>
+          <a:bodyPr lIns="32750" tIns="32750" rIns="32750" bIns="32750" anchor="ctr" anchorCtr="0">
+            <a:noAutofit/>
+          </a:bodyPr>
+          <a:lstStyle/>
+          <a:p>
+            <a:pPr marL="0" marR="0" lvl="0" indent="0" algn="l" rtl="0">
+              <a:lnSpc>
+                <a:spcPct val="100000"/>
+              </a:lnSpc>
+              <a:spcBef>
+                <a:spcPts val="0"/>
+              </a:spcBef>
+              <a:spcAft>
+                <a:spcPts val="0"/>
+              </a:spcAft>
+              <a:buClr>
+                <a:srgbClr val="F8F8F8"/>
+              </a:buClr>
+              <a:buSzPct val="25000"/>
+              <a:buFont typeface="Consolas"/>
+              <a:buNone/>
+            </a:pPr>
+            <a:r>
+              <a:rPr lang="en-US" sz="2300" b="0" i="0" u="none" strike="noStrike" cap="none" dirty="0">
+                <a:solidFill>
+                  <a:srgbClr val="F8F8F8"/>
+                </a:solidFill>
+                <a:latin typeface="Consolas"/>
+                <a:ea typeface="Consolas"/>
+                <a:cs typeface="Consolas"/>
+                <a:sym typeface="Consolas"/>
+              </a:rPr>
+              <a:t>let </a:t>
+            </a:r>
+            <a:r>
+              <a:rPr lang="en-US" sz="2300" b="0" i="0" u="none" strike="noStrike" cap="none" dirty="0" err="1">
+                <a:solidFill>
+                  <a:srgbClr val="F8F8F8"/>
+                </a:solidFill>
+                <a:latin typeface="Consolas"/>
+                <a:ea typeface="Consolas"/>
+                <a:cs typeface="Consolas"/>
+                <a:sym typeface="Consolas"/>
+              </a:rPr>
+              <a:t>asyncFunc</a:t>
+            </a:r>
+            <a:r>
+              <a:rPr lang="en-US" sz="2300" b="0" i="0" u="none" strike="noStrike" cap="none" dirty="0">
+                <a:solidFill>
+                  <a:srgbClr val="F8F8F8"/>
+                </a:solidFill>
+                <a:latin typeface="Consolas"/>
+                <a:ea typeface="Consolas"/>
+                <a:cs typeface="Consolas"/>
+                <a:sym typeface="Consolas"/>
+              </a:rPr>
+              <a:t> </a:t>
+            </a:r>
+            <a:r>
+              <a:rPr lang="en-US" sz="2300" b="0" i="0" u="none" strike="noStrike" cap="none" dirty="0">
+                <a:solidFill>
+                  <a:srgbClr val="E28964"/>
+                </a:solidFill>
+                <a:latin typeface="Consolas"/>
+                <a:ea typeface="Consolas"/>
+                <a:cs typeface="Consolas"/>
+                <a:sym typeface="Consolas"/>
+              </a:rPr>
+              <a:t>=</a:t>
+            </a:r>
+            <a:r>
+              <a:rPr lang="en-US" sz="2300" b="0" i="0" u="none" strike="noStrike" cap="none" dirty="0">
+                <a:solidFill>
+                  <a:srgbClr val="F8F8F8"/>
+                </a:solidFill>
+                <a:latin typeface="Consolas"/>
+                <a:ea typeface="Consolas"/>
+                <a:cs typeface="Consolas"/>
+                <a:sym typeface="Consolas"/>
+              </a:rPr>
+              <a:t> () </a:t>
+            </a:r>
+            <a:r>
+              <a:rPr lang="en-US" sz="2300" b="0" i="0" u="none" strike="noStrike" cap="none" dirty="0">
+                <a:solidFill>
+                  <a:srgbClr val="E28964"/>
+                </a:solidFill>
+                <a:latin typeface="Consolas"/>
+                <a:ea typeface="Consolas"/>
+                <a:cs typeface="Consolas"/>
+                <a:sym typeface="Consolas"/>
+              </a:rPr>
+              <a:t>=&gt;</a:t>
+            </a:r>
+            <a:r>
+              <a:rPr lang="en-US" sz="2300" b="0" i="0" u="none" strike="noStrike" cap="none" dirty="0">
+                <a:solidFill>
+                  <a:srgbClr val="F8F8F8"/>
+                </a:solidFill>
+                <a:latin typeface="Consolas"/>
+                <a:ea typeface="Consolas"/>
+                <a:cs typeface="Consolas"/>
+                <a:sym typeface="Consolas"/>
+              </a:rPr>
+              <a:t> {</a:t>
+            </a:r>
+          </a:p>
+          <a:p>
+            <a:pPr marL="0" marR="0" lvl="0" indent="0" algn="l" rtl="0">
+              <a:lnSpc>
+                <a:spcPct val="100000"/>
+              </a:lnSpc>
+              <a:spcBef>
+                <a:spcPts val="0"/>
+              </a:spcBef>
+              <a:spcAft>
+                <a:spcPts val="0"/>
+              </a:spcAft>
+              <a:buClr>
+                <a:srgbClr val="F8F8F8"/>
+              </a:buClr>
+              <a:buSzPct val="25000"/>
+              <a:buFont typeface="Consolas"/>
+              <a:buNone/>
+            </a:pPr>
+            <a:r>
+              <a:rPr lang="en-US" sz="2300" b="0" i="0" u="none" strike="noStrike" cap="none" dirty="0">
+                <a:solidFill>
+                  <a:srgbClr val="F8F8F8"/>
+                </a:solidFill>
+                <a:latin typeface="Consolas"/>
+                <a:ea typeface="Consolas"/>
+                <a:cs typeface="Consolas"/>
+                <a:sym typeface="Consolas"/>
+              </a:rPr>
+              <a:t>   </a:t>
+            </a:r>
+            <a:r>
+              <a:rPr lang="en-US" sz="2300" b="0" i="0" u="none" strike="noStrike" cap="none" dirty="0">
+                <a:solidFill>
+                  <a:srgbClr val="E28964"/>
+                </a:solidFill>
+                <a:latin typeface="Consolas"/>
+                <a:ea typeface="Consolas"/>
+                <a:cs typeface="Consolas"/>
+                <a:sym typeface="Consolas"/>
+              </a:rPr>
+              <a:t>return</a:t>
+            </a:r>
+            <a:r>
+              <a:rPr lang="en-US" sz="2300" b="0" i="0" u="none" strike="noStrike" cap="none" dirty="0">
+                <a:solidFill>
+                  <a:srgbClr val="F8F8F8"/>
+                </a:solidFill>
+                <a:latin typeface="Consolas"/>
+                <a:ea typeface="Consolas"/>
+                <a:cs typeface="Consolas"/>
+                <a:sym typeface="Consolas"/>
+              </a:rPr>
+              <a:t> </a:t>
+            </a:r>
+            <a:r>
+              <a:rPr lang="en-US" sz="2300" b="0" i="0" u="none" strike="noStrike" cap="none" dirty="0">
+                <a:solidFill>
+                  <a:srgbClr val="E28964"/>
+                </a:solidFill>
+                <a:latin typeface="Consolas"/>
+                <a:ea typeface="Consolas"/>
+                <a:cs typeface="Consolas"/>
+                <a:sym typeface="Consolas"/>
+              </a:rPr>
+              <a:t>new</a:t>
+            </a:r>
+            <a:r>
+              <a:rPr lang="en-US" sz="2300" b="0" i="0" u="none" strike="noStrike" cap="none" dirty="0">
+                <a:solidFill>
+                  <a:srgbClr val="F8F8F8"/>
+                </a:solidFill>
+                <a:latin typeface="Consolas"/>
+                <a:ea typeface="Consolas"/>
+                <a:cs typeface="Consolas"/>
+                <a:sym typeface="Consolas"/>
+              </a:rPr>
+              <a:t> </a:t>
+            </a:r>
+            <a:r>
+              <a:rPr lang="en-US" sz="2300" b="0" i="0" u="sng" strike="noStrike" cap="none" dirty="0">
+                <a:solidFill>
+                  <a:srgbClr val="F8F8F8"/>
+                </a:solidFill>
+                <a:latin typeface="Consolas"/>
+                <a:ea typeface="Consolas"/>
+                <a:cs typeface="Consolas"/>
+                <a:sym typeface="Consolas"/>
+              </a:rPr>
+              <a:t>Promise</a:t>
+            </a:r>
+            <a:r>
+              <a:rPr lang="en-US" sz="2300" b="0" i="0" u="none" strike="noStrike" cap="none" dirty="0">
+                <a:solidFill>
+                  <a:srgbClr val="F8F8F8"/>
+                </a:solidFill>
+                <a:latin typeface="Consolas"/>
+                <a:ea typeface="Consolas"/>
+                <a:cs typeface="Consolas"/>
+                <a:sym typeface="Consolas"/>
+              </a:rPr>
+              <a:t>( resolve </a:t>
+            </a:r>
+            <a:r>
+              <a:rPr lang="en-US" sz="2300" b="0" i="0" u="none" strike="noStrike" cap="none" dirty="0">
+                <a:solidFill>
+                  <a:srgbClr val="E28964"/>
+                </a:solidFill>
+                <a:latin typeface="Consolas"/>
+                <a:ea typeface="Consolas"/>
+                <a:cs typeface="Consolas"/>
+                <a:sym typeface="Consolas"/>
+              </a:rPr>
+              <a:t>=&gt;</a:t>
+            </a:r>
+            <a:r>
+              <a:rPr lang="en-US" sz="2300" b="0" i="0" u="none" strike="noStrike" cap="none" dirty="0">
+                <a:solidFill>
+                  <a:srgbClr val="F8F8F8"/>
+                </a:solidFill>
+                <a:latin typeface="Consolas"/>
+                <a:ea typeface="Consolas"/>
+                <a:cs typeface="Consolas"/>
+                <a:sym typeface="Consolas"/>
+              </a:rPr>
+              <a:t> {</a:t>
+            </a:r>
+          </a:p>
+          <a:p>
+            <a:pPr marL="0" marR="0" lvl="0" indent="0" algn="l" rtl="0">
+              <a:lnSpc>
+                <a:spcPct val="100000"/>
+              </a:lnSpc>
+              <a:spcBef>
+                <a:spcPts val="0"/>
+              </a:spcBef>
+              <a:spcAft>
+                <a:spcPts val="0"/>
+              </a:spcAft>
+              <a:buClr>
+                <a:srgbClr val="F8F8F8"/>
+              </a:buClr>
+              <a:buSzPct val="25000"/>
+              <a:buFont typeface="Consolas"/>
+              <a:buNone/>
+            </a:pPr>
+            <a:r>
+              <a:rPr lang="en-US" sz="2300" b="0" i="0" u="none" strike="noStrike" cap="none" dirty="0">
+                <a:solidFill>
+                  <a:srgbClr val="F8F8F8"/>
+                </a:solidFill>
+                <a:latin typeface="Consolas"/>
+                <a:ea typeface="Consolas"/>
+                <a:cs typeface="Consolas"/>
+                <a:sym typeface="Consolas"/>
+              </a:rPr>
+              <a:t>      </a:t>
+            </a:r>
+            <a:r>
+              <a:rPr lang="en-US" sz="2300" b="0" i="0" u="none" strike="noStrike" cap="none" dirty="0" err="1">
+                <a:solidFill>
+                  <a:srgbClr val="DAD085"/>
+                </a:solidFill>
+                <a:latin typeface="Consolas"/>
+                <a:ea typeface="Consolas"/>
+                <a:cs typeface="Consolas"/>
+                <a:sym typeface="Consolas"/>
+              </a:rPr>
+              <a:t>setTimeout</a:t>
+            </a:r>
+            <a:r>
+              <a:rPr lang="en-US" sz="2300" b="0" i="0" u="none" strike="noStrike" cap="none" dirty="0">
+                <a:solidFill>
+                  <a:srgbClr val="F8F8F8"/>
+                </a:solidFill>
+                <a:latin typeface="Consolas"/>
+                <a:ea typeface="Consolas"/>
+                <a:cs typeface="Consolas"/>
+                <a:sym typeface="Consolas"/>
+              </a:rPr>
+              <a:t>(() </a:t>
+            </a:r>
+            <a:r>
+              <a:rPr lang="en-US" sz="2300" b="0" i="0" u="none" strike="noStrike" cap="none" dirty="0">
+                <a:solidFill>
+                  <a:srgbClr val="E28964"/>
+                </a:solidFill>
+                <a:latin typeface="Consolas"/>
+                <a:ea typeface="Consolas"/>
+                <a:cs typeface="Consolas"/>
+                <a:sym typeface="Consolas"/>
+              </a:rPr>
+              <a:t>=&gt;</a:t>
+            </a:r>
+            <a:r>
+              <a:rPr lang="en-US" sz="2300" b="0" i="0" u="none" strike="noStrike" cap="none" dirty="0">
+                <a:solidFill>
+                  <a:srgbClr val="F8F8F8"/>
+                </a:solidFill>
+                <a:latin typeface="Consolas"/>
+                <a:ea typeface="Consolas"/>
+                <a:cs typeface="Consolas"/>
+                <a:sym typeface="Consolas"/>
+              </a:rPr>
+              <a:t> resolve(</a:t>
+            </a:r>
+            <a:r>
+              <a:rPr lang="en-US" sz="2300" b="0" i="0" u="none" strike="noStrike" cap="none" dirty="0">
+                <a:solidFill>
+                  <a:srgbClr val="3387CC"/>
+                </a:solidFill>
+                <a:latin typeface="Consolas"/>
+                <a:ea typeface="Consolas"/>
+                <a:cs typeface="Consolas"/>
+                <a:sym typeface="Consolas"/>
+              </a:rPr>
+              <a:t>42</a:t>
+            </a:r>
+            <a:r>
+              <a:rPr lang="en-US" sz="2300" b="0" i="0" u="none" strike="noStrike" cap="none" dirty="0">
+                <a:solidFill>
+                  <a:srgbClr val="F8F8F8"/>
+                </a:solidFill>
+                <a:latin typeface="Consolas"/>
+                <a:ea typeface="Consolas"/>
+                <a:cs typeface="Consolas"/>
+                <a:sym typeface="Consolas"/>
+              </a:rPr>
+              <a:t>), </a:t>
+            </a:r>
+            <a:r>
+              <a:rPr lang="en-US" sz="2300" b="0" i="0" u="none" strike="noStrike" cap="none" dirty="0">
+                <a:solidFill>
+                  <a:srgbClr val="3387CC"/>
+                </a:solidFill>
+                <a:latin typeface="Consolas"/>
+                <a:ea typeface="Consolas"/>
+                <a:cs typeface="Consolas"/>
+                <a:sym typeface="Consolas"/>
+              </a:rPr>
+              <a:t>200</a:t>
+            </a:r>
+            <a:r>
+              <a:rPr lang="en-US" sz="2300" b="0" i="0" u="none" strike="noStrike" cap="none" dirty="0">
+                <a:solidFill>
+                  <a:srgbClr val="F8F8F8"/>
+                </a:solidFill>
+                <a:latin typeface="Consolas"/>
+                <a:ea typeface="Consolas"/>
+                <a:cs typeface="Consolas"/>
+                <a:sym typeface="Consolas"/>
+              </a:rPr>
+              <a:t>);</a:t>
+            </a:r>
+          </a:p>
+          <a:p>
+            <a:pPr marL="0" marR="0" lvl="0" indent="0" algn="l" rtl="0">
+              <a:lnSpc>
+                <a:spcPct val="100000"/>
+              </a:lnSpc>
+              <a:spcBef>
+                <a:spcPts val="0"/>
+              </a:spcBef>
+              <a:spcAft>
+                <a:spcPts val="0"/>
+              </a:spcAft>
+              <a:buClr>
+                <a:srgbClr val="F8F8F8"/>
+              </a:buClr>
+              <a:buSzPct val="25000"/>
+              <a:buFont typeface="Consolas"/>
+              <a:buNone/>
+            </a:pPr>
+            <a:r>
+              <a:rPr lang="en-US" sz="2300" b="0" i="0" u="none" strike="noStrike" cap="none" dirty="0">
+                <a:solidFill>
+                  <a:srgbClr val="F8F8F8"/>
+                </a:solidFill>
+                <a:latin typeface="Consolas"/>
+                <a:ea typeface="Consolas"/>
+                <a:cs typeface="Consolas"/>
+                <a:sym typeface="Consolas"/>
+              </a:rPr>
+              <a:t>   }</a:t>
+            </a:r>
+          </a:p>
+          <a:p>
+            <a:pPr marL="0" marR="0" lvl="0" indent="0" algn="l" rtl="0">
+              <a:lnSpc>
+                <a:spcPct val="100000"/>
+              </a:lnSpc>
+              <a:spcBef>
+                <a:spcPts val="0"/>
+              </a:spcBef>
+              <a:spcAft>
+                <a:spcPts val="0"/>
+              </a:spcAft>
+              <a:buClr>
+                <a:srgbClr val="F8F8F8"/>
+              </a:buClr>
+              <a:buSzPct val="25000"/>
+              <a:buFont typeface="Consolas"/>
+              <a:buNone/>
+            </a:pPr>
+            <a:r>
+              <a:rPr lang="en-US" sz="2300" b="0" i="0" u="none" strike="noStrike" cap="none" dirty="0">
+                <a:solidFill>
+                  <a:srgbClr val="F8F8F8"/>
+                </a:solidFill>
+                <a:latin typeface="Consolas"/>
+                <a:ea typeface="Consolas"/>
+                <a:cs typeface="Consolas"/>
+                <a:sym typeface="Consolas"/>
+              </a:rPr>
+              <a:t>}</a:t>
+            </a:r>
+          </a:p>
+          <a:p>
+            <a:pPr marL="0" marR="0" lvl="0" indent="0" algn="l" rtl="0">
+              <a:lnSpc>
+                <a:spcPct val="100000"/>
+              </a:lnSpc>
+              <a:spcBef>
+                <a:spcPts val="0"/>
+              </a:spcBef>
+              <a:spcAft>
+                <a:spcPts val="0"/>
+              </a:spcAft>
+              <a:buClr>
+                <a:srgbClr val="F8F8F8"/>
+              </a:buClr>
+              <a:buFont typeface="Consolas"/>
+              <a:buNone/>
+            </a:pPr>
+            <a:endParaRPr sz="2300" b="0" i="0" u="none" strike="noStrike" cap="none" dirty="0">
+              <a:solidFill>
+                <a:srgbClr val="F8F8F8"/>
+              </a:solidFill>
+              <a:latin typeface="Consolas"/>
+              <a:ea typeface="Consolas"/>
+              <a:cs typeface="Consolas"/>
+              <a:sym typeface="Consolas"/>
+            </a:endParaRPr>
+          </a:p>
+          <a:p>
+            <a:pPr marL="0" marR="0" lvl="0" indent="0" algn="l" rtl="0">
+              <a:lnSpc>
+                <a:spcPct val="100000"/>
+              </a:lnSpc>
+              <a:spcBef>
+                <a:spcPts val="0"/>
+              </a:spcBef>
+              <a:spcAft>
+                <a:spcPts val="0"/>
+              </a:spcAft>
+              <a:buClr>
+                <a:srgbClr val="F8F8F8"/>
+              </a:buClr>
+              <a:buSzPct val="25000"/>
+              <a:buFont typeface="Consolas"/>
+              <a:buNone/>
+            </a:pPr>
+            <a:r>
+              <a:rPr lang="en-US" sz="2300" b="0" i="0" u="none" strike="noStrike" cap="none" dirty="0" err="1">
+                <a:solidFill>
+                  <a:srgbClr val="F8F8F8"/>
+                </a:solidFill>
+                <a:latin typeface="Consolas"/>
+                <a:ea typeface="Consolas"/>
+                <a:cs typeface="Consolas"/>
+                <a:sym typeface="Consolas"/>
+              </a:rPr>
+              <a:t>asyncFunc.then</a:t>
+            </a:r>
+            <a:r>
+              <a:rPr lang="en-US" sz="2300" b="0" i="0" u="none" strike="noStrike" cap="none" dirty="0">
+                <a:solidFill>
+                  <a:srgbClr val="F8F8F8"/>
+                </a:solidFill>
+                <a:latin typeface="Consolas"/>
+                <a:ea typeface="Consolas"/>
+                <a:cs typeface="Consolas"/>
+                <a:sym typeface="Consolas"/>
+              </a:rPr>
+              <a:t>(result </a:t>
+            </a:r>
+            <a:r>
+              <a:rPr lang="en-US" sz="2300" b="0" i="0" u="none" strike="noStrike" cap="none" dirty="0">
+                <a:solidFill>
+                  <a:srgbClr val="E28964"/>
+                </a:solidFill>
+                <a:latin typeface="Consolas"/>
+                <a:ea typeface="Consolas"/>
+                <a:cs typeface="Consolas"/>
+                <a:sym typeface="Consolas"/>
+              </a:rPr>
+              <a:t>=&gt;</a:t>
+            </a:r>
+            <a:r>
+              <a:rPr lang="en-US" sz="2300" b="0" i="0" u="none" strike="noStrike" cap="none" dirty="0">
+                <a:solidFill>
+                  <a:srgbClr val="F8F8F8"/>
+                </a:solidFill>
+                <a:latin typeface="Consolas"/>
+                <a:ea typeface="Consolas"/>
+                <a:cs typeface="Consolas"/>
+                <a:sym typeface="Consolas"/>
+              </a:rPr>
+              <a:t> </a:t>
+            </a:r>
+            <a:r>
+              <a:rPr lang="en-US" sz="2300" b="0" i="0" u="sng" strike="noStrike" cap="none" dirty="0" err="1">
+                <a:solidFill>
+                  <a:srgbClr val="F8F8F8"/>
+                </a:solidFill>
+                <a:latin typeface="Consolas"/>
+                <a:ea typeface="Consolas"/>
+                <a:cs typeface="Consolas"/>
+                <a:sym typeface="Consolas"/>
+              </a:rPr>
+              <a:t>console</a:t>
+            </a:r>
+            <a:r>
+              <a:rPr lang="en-US" sz="2300" b="0" i="0" u="none" strike="noStrike" cap="none" dirty="0" err="1">
+                <a:solidFill>
+                  <a:srgbClr val="DAD085"/>
+                </a:solidFill>
+                <a:latin typeface="Consolas"/>
+                <a:ea typeface="Consolas"/>
+                <a:cs typeface="Consolas"/>
+                <a:sym typeface="Consolas"/>
+              </a:rPr>
+              <a:t>.log</a:t>
+            </a:r>
+            <a:r>
+              <a:rPr lang="en-US" sz="2300" b="0" i="0" u="none" strike="noStrike" cap="none" dirty="0">
+                <a:solidFill>
+                  <a:srgbClr val="F8F8F8"/>
+                </a:solidFill>
+                <a:latin typeface="Consolas"/>
+                <a:ea typeface="Consolas"/>
+                <a:cs typeface="Consolas"/>
+                <a:sym typeface="Consolas"/>
+              </a:rPr>
+              <a:t>(result));</a:t>
+            </a:r>
+          </a:p>
+        </p:txBody>
+      </p:sp>
+    </p:spTree>
+  </p:cSld>
+  <p:clrMapOvr>
+    <a:masterClrMapping/>
+  </p:clrMapOvr>
+  <p:timing>
+    <p:tnLst>
+      <p:par>
+        <p:cTn id="1" dur="indefinite" restart="never" nodeType="tmRoot"/>
+      </p:par>
+    </p:tnLst>
+  </p:timing>
+</p:sld>
+</file>
+
+<file path=ppt/slides/slide31.xml><?xml version="1.0" encoding="utf-8"?>
+<p:sld xmlns:a="http://schemas.openxmlformats.org/drawingml/2006/main" xmlns:r="http://schemas.openxmlformats.org/officeDocument/2006/relationships" xmlns:p="http://schemas.openxmlformats.org/presentationml/2006/main">
+  <p:cSld>
+    <p:spTree>
+      <p:nvGrpSpPr>
         <p:cNvPr id="1" name="Shape 234"/>
         <p:cNvGrpSpPr/>
         <p:nvPr/>
@@ -26560,276 +27323,6 @@
 </p:sld>
 </file>
 
-<file path=ppt/slides/slide31.xml><?xml version="1.0" encoding="utf-8"?>
-<p:sld xmlns:a="http://schemas.openxmlformats.org/drawingml/2006/main" xmlns:r="http://schemas.openxmlformats.org/officeDocument/2006/relationships" xmlns:p="http://schemas.openxmlformats.org/presentationml/2006/main">
-  <p:cSld>
-    <p:spTree>
-      <p:nvGrpSpPr>
-        <p:cNvPr id="1" name=""/>
-        <p:cNvGrpSpPr/>
-        <p:nvPr/>
-      </p:nvGrpSpPr>
-      <p:grpSpPr>
-        <a:xfrm>
-          <a:off x="0" y="0"/>
-          <a:ext cx="0" cy="0"/>
-          <a:chOff x="0" y="0"/>
-          <a:chExt cx="0" cy="0"/>
-        </a:xfrm>
-      </p:grpSpPr>
-      <p:sp>
-        <p:nvSpPr>
-          <p:cNvPr id="2" name="Title 1"/>
-          <p:cNvSpPr>
-            <a:spLocks noGrp="1"/>
-          </p:cNvSpPr>
-          <p:nvPr>
-            <p:ph type="title"/>
-          </p:nvPr>
-        </p:nvSpPr>
-        <p:spPr/>
-        <p:txBody>
-          <a:bodyPr/>
-          <a:lstStyle/>
-          <a:p>
-            <a:r>
-              <a:rPr lang="en-US" dirty="0" smtClean="0"/>
-              <a:t>Map</a:t>
-            </a:r>
-            <a:endParaRPr lang="en-US" dirty="0"/>
-          </a:p>
-        </p:txBody>
-      </p:sp>
-      <p:sp>
-        <p:nvSpPr>
-          <p:cNvPr id="3" name="Text Placeholder 2"/>
-          <p:cNvSpPr>
-            <a:spLocks noGrp="1"/>
-          </p:cNvSpPr>
-          <p:nvPr>
-            <p:ph type="body" idx="1"/>
-          </p:nvPr>
-        </p:nvSpPr>
-        <p:spPr/>
-        <p:txBody>
-          <a:bodyPr/>
-          <a:lstStyle/>
-          <a:p>
-            <a:pPr marL="114300" indent="0">
-              <a:buNone/>
-            </a:pPr>
-            <a:r>
-              <a:rPr lang="en-US" dirty="0" err="1"/>
-              <a:t>var</a:t>
-            </a:r>
-            <a:r>
-              <a:rPr lang="en-US" dirty="0"/>
-              <a:t> </a:t>
-            </a:r>
-            <a:r>
-              <a:rPr lang="en-US" dirty="0" err="1" smtClean="0"/>
-              <a:t>newMap</a:t>
-            </a:r>
-            <a:r>
-              <a:rPr lang="en-US" dirty="0" smtClean="0"/>
-              <a:t> </a:t>
-            </a:r>
-            <a:r>
-              <a:rPr lang="en-US" dirty="0"/>
-              <a:t>= new Map();</a:t>
-            </a:r>
-            <a:br>
-              <a:rPr lang="en-US" dirty="0"/>
-            </a:br>
-            <a:r>
-              <a:rPr lang="en-US" dirty="0" err="1" smtClean="0"/>
-              <a:t>newMap.set</a:t>
-            </a:r>
-            <a:r>
-              <a:rPr lang="en-US" dirty="0"/>
-              <a:t>('name', 'John'); </a:t>
-            </a:r>
-            <a:br>
-              <a:rPr lang="en-US" dirty="0"/>
-            </a:br>
-            <a:r>
-              <a:rPr lang="en-US" dirty="0" err="1" smtClean="0"/>
-              <a:t>newMap.set</a:t>
-            </a:r>
-            <a:r>
-              <a:rPr lang="en-US" dirty="0"/>
-              <a:t>('id', 2345796);</a:t>
-            </a:r>
-            <a:br>
-              <a:rPr lang="en-US" dirty="0"/>
-            </a:br>
-            <a:r>
-              <a:rPr lang="en-US" dirty="0" err="1" smtClean="0"/>
-              <a:t>newMap.set</a:t>
-            </a:r>
-            <a:r>
-              <a:rPr lang="en-US" dirty="0"/>
-              <a:t>('interest', ['</a:t>
-            </a:r>
-            <a:r>
-              <a:rPr lang="en-US" dirty="0" err="1"/>
-              <a:t>js</a:t>
-            </a:r>
-            <a:r>
-              <a:rPr lang="en-US" dirty="0"/>
-              <a:t>', 'ruby', 'python</a:t>
-            </a:r>
-            <a:r>
-              <a:rPr lang="en-US" dirty="0" smtClean="0"/>
-              <a:t>']);</a:t>
-            </a:r>
-          </a:p>
-          <a:p>
-            <a:pPr marL="114300" indent="0">
-              <a:buNone/>
-            </a:pPr>
-            <a:r>
-              <a:rPr lang="en-US" dirty="0" err="1">
-                <a:solidFill>
-                  <a:srgbClr val="FFC000"/>
-                </a:solidFill>
-              </a:rPr>
-              <a:t>n</a:t>
-            </a:r>
-            <a:r>
-              <a:rPr lang="en-US" dirty="0" err="1" smtClean="0">
-                <a:solidFill>
-                  <a:srgbClr val="FFC000"/>
-                </a:solidFill>
-              </a:rPr>
-              <a:t>ewMap.get</a:t>
-            </a:r>
-            <a:r>
-              <a:rPr lang="en-US" dirty="0">
-                <a:solidFill>
-                  <a:srgbClr val="FFC000"/>
-                </a:solidFill>
-              </a:rPr>
-              <a:t>('name'); </a:t>
-            </a:r>
-            <a:r>
-              <a:rPr lang="en-US" dirty="0">
-                <a:solidFill>
-                  <a:srgbClr val="FFFF00"/>
-                </a:solidFill>
-              </a:rPr>
-              <a:t>// John</a:t>
-            </a:r>
-            <a:r>
-              <a:rPr lang="en-US" dirty="0">
-                <a:solidFill>
-                  <a:srgbClr val="FFC000"/>
-                </a:solidFill>
-              </a:rPr>
-              <a:t/>
-            </a:r>
-            <a:br>
-              <a:rPr lang="en-US" dirty="0">
-                <a:solidFill>
-                  <a:srgbClr val="FFC000"/>
-                </a:solidFill>
-              </a:rPr>
-            </a:br>
-            <a:r>
-              <a:rPr lang="en-US" dirty="0" err="1" smtClean="0">
-                <a:solidFill>
-                  <a:srgbClr val="FFC000"/>
-                </a:solidFill>
-              </a:rPr>
-              <a:t>newMap.get</a:t>
-            </a:r>
-            <a:r>
-              <a:rPr lang="en-US" dirty="0">
-                <a:solidFill>
-                  <a:srgbClr val="FFC000"/>
-                </a:solidFill>
-              </a:rPr>
-              <a:t>('id'); </a:t>
-            </a:r>
-            <a:r>
-              <a:rPr lang="en-US" dirty="0">
-                <a:solidFill>
-                  <a:srgbClr val="FFFF00"/>
-                </a:solidFill>
-              </a:rPr>
-              <a:t>// 2345796</a:t>
-            </a:r>
-            <a:r>
-              <a:rPr lang="en-US" dirty="0">
-                <a:solidFill>
-                  <a:srgbClr val="FFC000"/>
-                </a:solidFill>
-              </a:rPr>
-              <a:t/>
-            </a:r>
-            <a:br>
-              <a:rPr lang="en-US" dirty="0">
-                <a:solidFill>
-                  <a:srgbClr val="FFC000"/>
-                </a:solidFill>
-              </a:rPr>
-            </a:br>
-            <a:r>
-              <a:rPr lang="en-US" dirty="0" err="1" smtClean="0">
-                <a:solidFill>
-                  <a:srgbClr val="FFC000"/>
-                </a:solidFill>
-              </a:rPr>
-              <a:t>newMap.get</a:t>
-            </a:r>
-            <a:r>
-              <a:rPr lang="en-US" dirty="0">
-                <a:solidFill>
-                  <a:srgbClr val="FFC000"/>
-                </a:solidFill>
-              </a:rPr>
-              <a:t>('interest'); </a:t>
-            </a:r>
-            <a:r>
-              <a:rPr lang="en-US" dirty="0">
-                <a:solidFill>
-                  <a:srgbClr val="FFFF00"/>
-                </a:solidFill>
-              </a:rPr>
-              <a:t>// ['</a:t>
-            </a:r>
-            <a:r>
-              <a:rPr lang="en-US" dirty="0" err="1">
-                <a:solidFill>
-                  <a:srgbClr val="FFFF00"/>
-                </a:solidFill>
-              </a:rPr>
-              <a:t>js</a:t>
-            </a:r>
-            <a:r>
-              <a:rPr lang="en-US" dirty="0">
-                <a:solidFill>
-                  <a:srgbClr val="FFFF00"/>
-                </a:solidFill>
-              </a:rPr>
-              <a:t>', 'ruby', 'python']</a:t>
-            </a:r>
-          </a:p>
-        </p:txBody>
-      </p:sp>
-    </p:spTree>
-    <p:extLst>
-      <p:ext uri="{BB962C8B-B14F-4D97-AF65-F5344CB8AC3E}">
-        <p14:creationId xmlns:p14="http://schemas.microsoft.com/office/powerpoint/2010/main" val="1298627705"/>
-      </p:ext>
-    </p:extLst>
-  </p:cSld>
-  <p:clrMapOvr>
-    <a:masterClrMapping/>
-  </p:clrMapOvr>
-</p:sld>
-</file>
-
 <file path=ppt/slides/slide32.xml><?xml version="1.0" encoding="utf-8"?>
 <p:sld xmlns:a="http://schemas.openxmlformats.org/drawingml/2006/main" xmlns:r="http://schemas.openxmlformats.org/officeDocument/2006/relationships" xmlns:p="http://schemas.openxmlformats.org/presentationml/2006/main">
   <p:cSld>
@@ -26864,7 +27357,7 @@
           <a:p>
             <a:r>
               <a:rPr lang="en-US" dirty="0" smtClean="0"/>
-              <a:t>Set</a:t>
+              <a:t>Map</a:t>
             </a:r>
             <a:endParaRPr lang="en-US" dirty="0"/>
           </a:p>
@@ -26894,7 +27387,304 @@
             </a:r>
             <a:r>
               <a:rPr lang="en-US" dirty="0"/>
-              <a:t> map = new Map();</a:t>
+              <a:t> </a:t>
+            </a:r>
+            <a:r>
+              <a:rPr lang="en-US" dirty="0" err="1" smtClean="0"/>
+              <a:t>newMap</a:t>
+            </a:r>
+            <a:r>
+              <a:rPr lang="en-US" dirty="0" smtClean="0"/>
+              <a:t> </a:t>
+            </a:r>
+            <a:r>
+              <a:rPr lang="en-US" dirty="0"/>
+              <a:t>= new Map();</a:t>
+            </a:r>
+            <a:br>
+              <a:rPr lang="en-US" dirty="0"/>
+            </a:br>
+            <a:r>
+              <a:rPr lang="en-US" dirty="0" err="1" smtClean="0"/>
+              <a:t>newMap.set</a:t>
+            </a:r>
+            <a:r>
+              <a:rPr lang="en-US" dirty="0"/>
+              <a:t>('name', 'John'); </a:t>
+            </a:r>
+            <a:br>
+              <a:rPr lang="en-US" dirty="0"/>
+            </a:br>
+            <a:r>
+              <a:rPr lang="en-US" dirty="0" err="1" smtClean="0"/>
+              <a:t>newMap.set</a:t>
+            </a:r>
+            <a:r>
+              <a:rPr lang="en-US" dirty="0"/>
+              <a:t>('id', 2345796);</a:t>
+            </a:r>
+            <a:br>
+              <a:rPr lang="en-US" dirty="0"/>
+            </a:br>
+            <a:r>
+              <a:rPr lang="en-US" dirty="0" err="1" smtClean="0"/>
+              <a:t>newMap.set</a:t>
+            </a:r>
+            <a:r>
+              <a:rPr lang="en-US" dirty="0"/>
+              <a:t>('interest', ['</a:t>
+            </a:r>
+            <a:r>
+              <a:rPr lang="en-US" dirty="0" err="1"/>
+              <a:t>js</a:t>
+            </a:r>
+            <a:r>
+              <a:rPr lang="en-US" dirty="0"/>
+              <a:t>', 'ruby', 'python</a:t>
+            </a:r>
+            <a:r>
+              <a:rPr lang="en-US" dirty="0" smtClean="0"/>
+              <a:t>']);</a:t>
+            </a:r>
+          </a:p>
+          <a:p>
+            <a:pPr marL="114300" indent="0">
+              <a:buNone/>
+            </a:pPr>
+            <a:r>
+              <a:rPr lang="en-US" dirty="0" err="1">
+                <a:solidFill>
+                  <a:srgbClr val="FFC000"/>
+                </a:solidFill>
+              </a:rPr>
+              <a:t>n</a:t>
+            </a:r>
+            <a:r>
+              <a:rPr lang="en-US" dirty="0" err="1" smtClean="0">
+                <a:solidFill>
+                  <a:srgbClr val="FFC000"/>
+                </a:solidFill>
+              </a:rPr>
+              <a:t>ewMap.get</a:t>
+            </a:r>
+            <a:r>
+              <a:rPr lang="en-US" dirty="0">
+                <a:solidFill>
+                  <a:srgbClr val="FFC000"/>
+                </a:solidFill>
+              </a:rPr>
+              <a:t>('name'); </a:t>
+            </a:r>
+            <a:r>
+              <a:rPr lang="en-US" dirty="0">
+                <a:solidFill>
+                  <a:srgbClr val="FFFF00"/>
+                </a:solidFill>
+              </a:rPr>
+              <a:t>// John</a:t>
+            </a:r>
+            <a:r>
+              <a:rPr lang="en-US" dirty="0">
+                <a:solidFill>
+                  <a:srgbClr val="FFC000"/>
+                </a:solidFill>
+              </a:rPr>
+              <a:t/>
+            </a:r>
+            <a:br>
+              <a:rPr lang="en-US" dirty="0">
+                <a:solidFill>
+                  <a:srgbClr val="FFC000"/>
+                </a:solidFill>
+              </a:rPr>
+            </a:br>
+            <a:r>
+              <a:rPr lang="en-US" dirty="0" err="1" smtClean="0">
+                <a:solidFill>
+                  <a:srgbClr val="FFC000"/>
+                </a:solidFill>
+              </a:rPr>
+              <a:t>newMap.get</a:t>
+            </a:r>
+            <a:r>
+              <a:rPr lang="en-US" dirty="0">
+                <a:solidFill>
+                  <a:srgbClr val="FFC000"/>
+                </a:solidFill>
+              </a:rPr>
+              <a:t>('id'); </a:t>
+            </a:r>
+            <a:r>
+              <a:rPr lang="en-US" dirty="0">
+                <a:solidFill>
+                  <a:srgbClr val="FFFF00"/>
+                </a:solidFill>
+              </a:rPr>
+              <a:t>// 2345796</a:t>
+            </a:r>
+            <a:r>
+              <a:rPr lang="en-US" dirty="0">
+                <a:solidFill>
+                  <a:srgbClr val="FFC000"/>
+                </a:solidFill>
+              </a:rPr>
+              <a:t/>
+            </a:r>
+            <a:br>
+              <a:rPr lang="en-US" dirty="0">
+                <a:solidFill>
+                  <a:srgbClr val="FFC000"/>
+                </a:solidFill>
+              </a:rPr>
+            </a:br>
+            <a:r>
+              <a:rPr lang="en-US" dirty="0" err="1" smtClean="0">
+                <a:solidFill>
+                  <a:srgbClr val="FFC000"/>
+                </a:solidFill>
+              </a:rPr>
+              <a:t>newMap.get</a:t>
+            </a:r>
+            <a:r>
+              <a:rPr lang="en-US" dirty="0">
+                <a:solidFill>
+                  <a:srgbClr val="FFC000"/>
+                </a:solidFill>
+              </a:rPr>
+              <a:t>('interest'); </a:t>
+            </a:r>
+            <a:r>
+              <a:rPr lang="en-US" dirty="0">
+                <a:solidFill>
+                  <a:srgbClr val="FFFF00"/>
+                </a:solidFill>
+              </a:rPr>
+              <a:t>// ['</a:t>
+            </a:r>
+            <a:r>
+              <a:rPr lang="en-US" dirty="0" err="1">
+                <a:solidFill>
+                  <a:srgbClr val="FFFF00"/>
+                </a:solidFill>
+              </a:rPr>
+              <a:t>js</a:t>
+            </a:r>
+            <a:r>
+              <a:rPr lang="en-US" dirty="0">
+                <a:solidFill>
+                  <a:srgbClr val="FFFF00"/>
+                </a:solidFill>
+              </a:rPr>
+              <a:t>', 'ruby', 'python']</a:t>
+            </a:r>
+          </a:p>
+        </p:txBody>
+      </p:sp>
+    </p:spTree>
+    <p:extLst>
+      <p:ext uri="{BB962C8B-B14F-4D97-AF65-F5344CB8AC3E}">
+        <p14:creationId xmlns:p14="http://schemas.microsoft.com/office/powerpoint/2010/main" val="1298627705"/>
+      </p:ext>
+    </p:extLst>
+  </p:cSld>
+  <p:clrMapOvr>
+    <a:masterClrMapping/>
+  </p:clrMapOvr>
+  <p:timing>
+    <p:tnLst>
+      <p:par>
+        <p:cTn id="1" dur="indefinite" restart="never" nodeType="tmRoot"/>
+      </p:par>
+    </p:tnLst>
+  </p:timing>
+</p:sld>
+</file>
+
+<file path=ppt/slides/slide33.xml><?xml version="1.0" encoding="utf-8"?>
+<p:sld xmlns:a="http://schemas.openxmlformats.org/drawingml/2006/main" xmlns:r="http://schemas.openxmlformats.org/officeDocument/2006/relationships" xmlns:p="http://schemas.openxmlformats.org/presentationml/2006/main">
+  <p:cSld>
+    <p:spTree>
+      <p:nvGrpSpPr>
+        <p:cNvPr id="1" name=""/>
+        <p:cNvGrpSpPr/>
+        <p:nvPr/>
+      </p:nvGrpSpPr>
+      <p:grpSpPr>
+        <a:xfrm>
+          <a:off x="0" y="0"/>
+          <a:ext cx="0" cy="0"/>
+          <a:chOff x="0" y="0"/>
+          <a:chExt cx="0" cy="0"/>
+        </a:xfrm>
+      </p:grpSpPr>
+      <p:sp>
+        <p:nvSpPr>
+          <p:cNvPr id="2" name="Title 1"/>
+          <p:cNvSpPr>
+            <a:spLocks noGrp="1"/>
+          </p:cNvSpPr>
+          <p:nvPr>
+            <p:ph type="title"/>
+          </p:nvPr>
+        </p:nvSpPr>
+        <p:spPr/>
+        <p:txBody>
+          <a:bodyPr/>
+          <a:lstStyle/>
+          <a:p>
+            <a:r>
+              <a:rPr lang="en-US" dirty="0" smtClean="0"/>
+              <a:t>Set</a:t>
+            </a:r>
+            <a:endParaRPr lang="en-US" dirty="0"/>
+          </a:p>
+        </p:txBody>
+      </p:sp>
+      <p:sp>
+        <p:nvSpPr>
+          <p:cNvPr id="3" name="Text Placeholder 2"/>
+          <p:cNvSpPr>
+            <a:spLocks noGrp="1"/>
+          </p:cNvSpPr>
+          <p:nvPr>
+            <p:ph type="body" idx="1"/>
+          </p:nvPr>
+        </p:nvSpPr>
+        <p:spPr/>
+        <p:txBody>
+          <a:bodyPr/>
+          <a:lstStyle/>
+          <a:p>
+            <a:pPr marL="114300" indent="0">
+              <a:buNone/>
+            </a:pPr>
+            <a:r>
+              <a:rPr lang="en-US" dirty="0" err="1"/>
+              <a:t>var</a:t>
+            </a:r>
+            <a:r>
+              <a:rPr lang="en-US" dirty="0"/>
+              <a:t> </a:t>
+            </a:r>
+            <a:r>
+              <a:rPr lang="en-US" dirty="0"/>
+              <a:t>m</a:t>
+            </a:r>
+            <a:r>
+              <a:rPr lang="en-US" dirty="0" smtClean="0"/>
+              <a:t>ap </a:t>
+            </a:r>
+            <a:r>
+              <a:rPr lang="en-US" dirty="0"/>
+              <a:t>= new </a:t>
+            </a:r>
+            <a:r>
+              <a:rPr lang="en-US" dirty="0" smtClean="0"/>
+              <a:t>Set();</a:t>
+            </a:r>
+            <a:r>
+              <a:rPr lang="en-US" dirty="0"/>
+              <a:t/>
             </a:r>
             <a:br>
               <a:rPr lang="en-US" dirty="0"/>
@@ -27100,10 +27890,17 @@
   <p:clrMapOvr>
     <a:masterClrMapping/>
   </p:clrMapOvr>
+  <p:timing>
+    <p:tnLst>
+      <p:par>
+        <p:cTn id="1" dur="indefinite" restart="never" nodeType="tmRoot"/>
+      </p:par>
+    </p:tnLst>
+  </p:timing>
 </p:sld>
 </file>
 
-<file path=ppt/slides/slide33.xml><?xml version="1.0" encoding="utf-8"?>
+<file path=ppt/slides/slide34.xml><?xml version="1.0" encoding="utf-8"?>
 <p:sld xmlns:a="http://schemas.openxmlformats.org/drawingml/2006/main" xmlns:r="http://schemas.openxmlformats.org/officeDocument/2006/relationships" xmlns:p="http://schemas.openxmlformats.org/presentationml/2006/main">
   <p:cSld>
     <p:spTree>
@@ -27379,7 +28176,7 @@
 </p:sld>
 </file>
 
-<file path=ppt/slides/slide34.xml><?xml version="1.0" encoding="utf-8"?>
+<file path=ppt/slides/slide35.xml><?xml version="1.0" encoding="utf-8"?>
 <p:sld xmlns:a="http://schemas.openxmlformats.org/drawingml/2006/main" xmlns:r="http://schemas.openxmlformats.org/officeDocument/2006/relationships" xmlns:p="http://schemas.openxmlformats.org/presentationml/2006/main">
   <p:cSld>
     <p:spTree>
@@ -27796,7 +28593,7 @@
 </p:sld>
 </file>
 
-<file path=ppt/slides/slide35.xml><?xml version="1.0" encoding="utf-8"?>
+<file path=ppt/slides/slide36.xml><?xml version="1.0" encoding="utf-8"?>
 <p:sld xmlns:a="http://schemas.openxmlformats.org/drawingml/2006/main" xmlns:r="http://schemas.openxmlformats.org/officeDocument/2006/relationships" xmlns:p="http://schemas.openxmlformats.org/presentationml/2006/main">
   <p:cSld>
     <p:spTree>
@@ -27855,7 +28652,7 @@
 </p:sld>
 </file>
 
-<file path=ppt/slides/slide36.xml><?xml version="1.0" encoding="utf-8"?>
+<file path=ppt/slides/slide37.xml><?xml version="1.0" encoding="utf-8"?>
 <p:sld xmlns:a="http://schemas.openxmlformats.org/drawingml/2006/main" xmlns:r="http://schemas.openxmlformats.org/officeDocument/2006/relationships" xmlns:p="http://schemas.openxmlformats.org/presentationml/2006/main">
   <p:cSld>
     <p:spTree>
@@ -27948,7 +28745,7 @@
 </p:sld>
 </file>
 
-<file path=ppt/slides/slide37.xml><?xml version="1.0" encoding="utf-8"?>
+<file path=ppt/slides/slide38.xml><?xml version="1.0" encoding="utf-8"?>
 <p:sld xmlns:a="http://schemas.openxmlformats.org/drawingml/2006/main" xmlns:r="http://schemas.openxmlformats.org/officeDocument/2006/relationships" xmlns:p="http://schemas.openxmlformats.org/presentationml/2006/main">
   <p:cSld>
     <p:spTree>
@@ -28164,7 +28961,7 @@
 </p:sld>
 </file>
 
-<file path=ppt/slides/slide38.xml><?xml version="1.0" encoding="utf-8"?>
+<file path=ppt/slides/slide39.xml><?xml version="1.0" encoding="utf-8"?>
 <p:sld xmlns:a="http://schemas.openxmlformats.org/drawingml/2006/main" xmlns:r="http://schemas.openxmlformats.org/officeDocument/2006/relationships" xmlns:p="http://schemas.openxmlformats.org/presentationml/2006/main">
   <p:cSld>
     <p:spTree>
@@ -28365,280 +29162,6 @@
           </a:p>
         </p:txBody>
       </p:sp>
-    </p:spTree>
-  </p:cSld>
-  <p:clrMapOvr>
-    <a:masterClrMapping/>
-  </p:clrMapOvr>
-  <p:timing>
-    <p:tnLst>
-      <p:par>
-        <p:cTn id="1" dur="indefinite" restart="never" nodeType="tmRoot"/>
-      </p:par>
-    </p:tnLst>
-  </p:timing>
-</p:sld>
-</file>
-
-<file path=ppt/slides/slide39.xml><?xml version="1.0" encoding="utf-8"?>
-<p:sld xmlns:a="http://schemas.openxmlformats.org/drawingml/2006/main" xmlns:r="http://schemas.openxmlformats.org/officeDocument/2006/relationships" xmlns:p="http://schemas.openxmlformats.org/presentationml/2006/main">
-  <p:cSld>
-    <p:spTree>
-      <p:nvGrpSpPr>
-        <p:cNvPr id="1" name="Shape 274"/>
-        <p:cNvGrpSpPr/>
-        <p:nvPr/>
-      </p:nvGrpSpPr>
-      <p:grpSpPr>
-        <a:xfrm>
-          <a:off x="0" y="0"/>
-          <a:ext cx="0" cy="0"/>
-          <a:chOff x="0" y="0"/>
-          <a:chExt cx="0" cy="0"/>
-        </a:xfrm>
-      </p:grpSpPr>
-      <p:sp>
-        <p:nvSpPr>
-          <p:cNvPr id="275" name="Shape 275"/>
-          <p:cNvSpPr txBox="1">
-            <a:spLocks noGrp="1"/>
-          </p:cNvSpPr>
-          <p:nvPr>
-            <p:ph type="title"/>
-          </p:nvPr>
-        </p:nvSpPr>
-        <p:spPr>
-          <a:xfrm>
-            <a:off x="669726" y="133945"/>
-            <a:ext cx="7804500" cy="1138500"/>
-          </a:xfrm>
-          <a:prstGeom prst="rect">
-            <a:avLst/>
-          </a:prstGeom>
-          <a:noFill/>
-          <a:ln>
-            <a:noFill/>
-          </a:ln>
-        </p:spPr>
-        <p:txBody>
-          <a:bodyPr lIns="32750" tIns="32750" rIns="32750" bIns="32750" anchor="ctr" anchorCtr="0">
-            <a:noAutofit/>
-          </a:bodyPr>
-          <a:lstStyle/>
-          <a:p>
-            <a:pPr marL="0" marR="0" lvl="0" indent="0" algn="ctr" rtl="0">
-              <a:lnSpc>
-                <a:spcPct val="100000"/>
-              </a:lnSpc>
-              <a:spcBef>
-                <a:spcPts val="0"/>
-              </a:spcBef>
-              <a:spcAft>
-                <a:spcPts val="0"/>
-              </a:spcAft>
-              <a:buClr>
-                <a:srgbClr val="FFFFFF"/>
-              </a:buClr>
-              <a:buSzPct val="25000"/>
-              <a:buFont typeface="Helvetica Neue"/>
-              <a:buNone/>
-            </a:pPr>
-            <a:r>
-              <a:rPr lang="en-US" sz="5200" b="0" i="0" u="none" strike="noStrike" cap="none">
-                <a:solidFill>
-                  <a:srgbClr val="FFFFFF"/>
-                </a:solidFill>
-                <a:latin typeface="Helvetica Neue"/>
-                <a:ea typeface="Helvetica Neue"/>
-                <a:cs typeface="Helvetica Neue"/>
-                <a:sym typeface="Helvetica Neue"/>
-              </a:rPr>
-              <a:t>History</a:t>
-            </a:r>
-          </a:p>
-        </p:txBody>
-      </p:sp>
-      <p:sp>
-        <p:nvSpPr>
-          <p:cNvPr id="276" name="Shape 276"/>
-          <p:cNvSpPr txBox="1">
-            <a:spLocks noGrp="1"/>
-          </p:cNvSpPr>
-          <p:nvPr>
-            <p:ph type="body" idx="1"/>
-          </p:nvPr>
-        </p:nvSpPr>
-        <p:spPr>
-          <a:xfrm>
-            <a:off x="669726" y="1366242"/>
-            <a:ext cx="7804500" cy="3315000"/>
-          </a:xfrm>
-          <a:prstGeom prst="rect">
-            <a:avLst/>
-          </a:prstGeom>
-          <a:noFill/>
-          <a:ln>
-            <a:noFill/>
-          </a:ln>
-        </p:spPr>
-        <p:txBody>
-          <a:bodyPr lIns="32750" tIns="32750" rIns="32750" bIns="32750" anchor="ctr" anchorCtr="0">
-            <a:noAutofit/>
-          </a:bodyPr>
-          <a:lstStyle/>
-          <a:p>
-            <a:pPr marL="292100" marR="0" lvl="0" indent="-292100" algn="l" rtl="0">
-              <a:lnSpc>
-                <a:spcPct val="100000"/>
-              </a:lnSpc>
-              <a:spcBef>
-                <a:spcPts val="0"/>
-              </a:spcBef>
-              <a:spcAft>
-                <a:spcPts val="0"/>
-              </a:spcAft>
-              <a:buClr>
-                <a:srgbClr val="FFFFFF"/>
-              </a:buClr>
-              <a:buSzPct val="75000"/>
-              <a:buFont typeface="Helvetica Neue"/>
-              <a:buChar char="•"/>
-            </a:pPr>
-            <a:r>
-              <a:rPr lang="en-US" sz="2400" b="0" i="0" u="none" strike="noStrike" cap="none">
-                <a:solidFill>
-                  <a:srgbClr val="FFFFFF"/>
-                </a:solidFill>
-                <a:latin typeface="Helvetica Neue"/>
-                <a:ea typeface="Helvetica Neue"/>
-                <a:cs typeface="Helvetica Neue"/>
-                <a:sym typeface="Helvetica Neue"/>
-              </a:rPr>
-              <a:t>First written in 2009</a:t>
-            </a:r>
-          </a:p>
-          <a:p>
-            <a:pPr marL="863600" marR="0" lvl="2" indent="-292100" algn="l" rtl="0">
-              <a:lnSpc>
-                <a:spcPct val="100000"/>
-              </a:lnSpc>
-              <a:spcBef>
-                <a:spcPts val="2700"/>
-              </a:spcBef>
-              <a:spcAft>
-                <a:spcPts val="0"/>
-              </a:spcAft>
-              <a:buClr>
-                <a:srgbClr val="FFFFFF"/>
-              </a:buClr>
-              <a:buSzPct val="75000"/>
-              <a:buFont typeface="Helvetica Neue"/>
-              <a:buChar char="•"/>
-            </a:pPr>
-            <a:r>
-              <a:rPr lang="en-US" sz="2400" b="0" i="0" u="none" strike="noStrike" cap="none">
-                <a:solidFill>
-                  <a:srgbClr val="FFFFFF"/>
-                </a:solidFill>
-                <a:latin typeface="Helvetica Neue"/>
-                <a:ea typeface="Helvetica Neue"/>
-                <a:cs typeface="Helvetica Neue"/>
-                <a:sym typeface="Helvetica Neue"/>
-              </a:rPr>
-              <a:t>By Ryan Dahl</a:t>
-            </a:r>
-          </a:p>
-          <a:p>
-            <a:pPr marL="292100" marR="0" lvl="0" indent="-292100" algn="l" rtl="0">
-              <a:lnSpc>
-                <a:spcPct val="100000"/>
-              </a:lnSpc>
-              <a:spcBef>
-                <a:spcPts val="2700"/>
-              </a:spcBef>
-              <a:spcAft>
-                <a:spcPts val="0"/>
-              </a:spcAft>
-              <a:buClr>
-                <a:srgbClr val="FFFFFF"/>
-              </a:buClr>
-              <a:buSzPct val="75000"/>
-              <a:buFont typeface="Helvetica Neue"/>
-              <a:buChar char="•"/>
-            </a:pPr>
-            <a:r>
-              <a:rPr lang="en-US" sz="2400" b="0" i="0" u="none" strike="noStrike" cap="none">
-                <a:solidFill>
-                  <a:srgbClr val="FFFFFF"/>
-                </a:solidFill>
-                <a:latin typeface="Helvetica Neue"/>
-                <a:ea typeface="Helvetica Neue"/>
-                <a:cs typeface="Helvetica Neue"/>
-                <a:sym typeface="Helvetica Neue"/>
-              </a:rPr>
-              <a:t>2010 package manager npm</a:t>
-            </a:r>
-          </a:p>
-          <a:p>
-            <a:pPr marL="292100" marR="0" lvl="0" indent="-292100" algn="l" rtl="0">
-              <a:lnSpc>
-                <a:spcPct val="100000"/>
-              </a:lnSpc>
-              <a:spcBef>
-                <a:spcPts val="2700"/>
-              </a:spcBef>
-              <a:spcAft>
-                <a:spcPts val="0"/>
-              </a:spcAft>
-              <a:buClr>
-                <a:srgbClr val="FFFFFF"/>
-              </a:buClr>
-              <a:buSzPct val="75000"/>
-              <a:buFont typeface="Helvetica Neue"/>
-              <a:buChar char="•"/>
-            </a:pPr>
-            <a:r>
-              <a:rPr lang="en-US" sz="2400" b="0" i="0" u="none" strike="noStrike" cap="none">
-                <a:solidFill>
-                  <a:srgbClr val="FFFFFF"/>
-                </a:solidFill>
-                <a:latin typeface="Helvetica Neue"/>
-                <a:ea typeface="Helvetica Neue"/>
-                <a:cs typeface="Helvetica Neue"/>
-                <a:sym typeface="Helvetica Neue"/>
-              </a:rPr>
-              <a:t>2011 native Windows version</a:t>
-            </a:r>
-          </a:p>
-        </p:txBody>
-      </p:sp>
-      <p:pic>
-        <p:nvPicPr>
-          <p:cNvPr id="277" name="Shape 277"/>
-          <p:cNvPicPr preferRelativeResize="0"/>
-          <p:nvPr/>
-        </p:nvPicPr>
-        <p:blipFill rotWithShape="1">
-          <a:blip r:embed="rId3">
-            <a:alphaModFix/>
-          </a:blip>
-          <a:srcRect/>
-          <a:stretch/>
-        </p:blipFill>
-        <p:spPr>
-          <a:xfrm flipH="1">
-            <a:off x="7433754" y="1879969"/>
-            <a:ext cx="1713600" cy="1927800"/>
-          </a:xfrm>
-          <a:prstGeom prst="rect">
-            <a:avLst/>
-          </a:prstGeom>
-          <a:noFill/>
-          <a:ln>
-            <a:noFill/>
-          </a:ln>
-        </p:spPr>
-      </p:pic>
     </p:spTree>
   </p:cSld>
   <p:clrMapOvr>
@@ -28906,6 +29429,280 @@
   <p:cSld>
     <p:spTree>
       <p:nvGrpSpPr>
+        <p:cNvPr id="1" name="Shape 274"/>
+        <p:cNvGrpSpPr/>
+        <p:nvPr/>
+      </p:nvGrpSpPr>
+      <p:grpSpPr>
+        <a:xfrm>
+          <a:off x="0" y="0"/>
+          <a:ext cx="0" cy="0"/>
+          <a:chOff x="0" y="0"/>
+          <a:chExt cx="0" cy="0"/>
+        </a:xfrm>
+      </p:grpSpPr>
+      <p:sp>
+        <p:nvSpPr>
+          <p:cNvPr id="275" name="Shape 275"/>
+          <p:cNvSpPr txBox="1">
+            <a:spLocks noGrp="1"/>
+          </p:cNvSpPr>
+          <p:nvPr>
+            <p:ph type="title"/>
+          </p:nvPr>
+        </p:nvSpPr>
+        <p:spPr>
+          <a:xfrm>
+            <a:off x="669726" y="133945"/>
+            <a:ext cx="7804500" cy="1138500"/>
+          </a:xfrm>
+          <a:prstGeom prst="rect">
+            <a:avLst/>
+          </a:prstGeom>
+          <a:noFill/>
+          <a:ln>
+            <a:noFill/>
+          </a:ln>
+        </p:spPr>
+        <p:txBody>
+          <a:bodyPr lIns="32750" tIns="32750" rIns="32750" bIns="32750" anchor="ctr" anchorCtr="0">
+            <a:noAutofit/>
+          </a:bodyPr>
+          <a:lstStyle/>
+          <a:p>
+            <a:pPr marL="0" marR="0" lvl="0" indent="0" algn="ctr" rtl="0">
+              <a:lnSpc>
+                <a:spcPct val="100000"/>
+              </a:lnSpc>
+              <a:spcBef>
+                <a:spcPts val="0"/>
+              </a:spcBef>
+              <a:spcAft>
+                <a:spcPts val="0"/>
+              </a:spcAft>
+              <a:buClr>
+                <a:srgbClr val="FFFFFF"/>
+              </a:buClr>
+              <a:buSzPct val="25000"/>
+              <a:buFont typeface="Helvetica Neue"/>
+              <a:buNone/>
+            </a:pPr>
+            <a:r>
+              <a:rPr lang="en-US" sz="5200" b="0" i="0" u="none" strike="noStrike" cap="none">
+                <a:solidFill>
+                  <a:srgbClr val="FFFFFF"/>
+                </a:solidFill>
+                <a:latin typeface="Helvetica Neue"/>
+                <a:ea typeface="Helvetica Neue"/>
+                <a:cs typeface="Helvetica Neue"/>
+                <a:sym typeface="Helvetica Neue"/>
+              </a:rPr>
+              <a:t>History</a:t>
+            </a:r>
+          </a:p>
+        </p:txBody>
+      </p:sp>
+      <p:sp>
+        <p:nvSpPr>
+          <p:cNvPr id="276" name="Shape 276"/>
+          <p:cNvSpPr txBox="1">
+            <a:spLocks noGrp="1"/>
+          </p:cNvSpPr>
+          <p:nvPr>
+            <p:ph type="body" idx="1"/>
+          </p:nvPr>
+        </p:nvSpPr>
+        <p:spPr>
+          <a:xfrm>
+            <a:off x="669726" y="1366242"/>
+            <a:ext cx="7804500" cy="3315000"/>
+          </a:xfrm>
+          <a:prstGeom prst="rect">
+            <a:avLst/>
+          </a:prstGeom>
+          <a:noFill/>
+          <a:ln>
+            <a:noFill/>
+          </a:ln>
+        </p:spPr>
+        <p:txBody>
+          <a:bodyPr lIns="32750" tIns="32750" rIns="32750" bIns="32750" anchor="ctr" anchorCtr="0">
+            <a:noAutofit/>
+          </a:bodyPr>
+          <a:lstStyle/>
+          <a:p>
+            <a:pPr marL="292100" marR="0" lvl="0" indent="-292100" algn="l" rtl="0">
+              <a:lnSpc>
+                <a:spcPct val="100000"/>
+              </a:lnSpc>
+              <a:spcBef>
+                <a:spcPts val="0"/>
+              </a:spcBef>
+              <a:spcAft>
+                <a:spcPts val="0"/>
+              </a:spcAft>
+              <a:buClr>
+                <a:srgbClr val="FFFFFF"/>
+              </a:buClr>
+              <a:buSzPct val="75000"/>
+              <a:buFont typeface="Helvetica Neue"/>
+              <a:buChar char="•"/>
+            </a:pPr>
+            <a:r>
+              <a:rPr lang="en-US" sz="2400" b="0" i="0" u="none" strike="noStrike" cap="none">
+                <a:solidFill>
+                  <a:srgbClr val="FFFFFF"/>
+                </a:solidFill>
+                <a:latin typeface="Helvetica Neue"/>
+                <a:ea typeface="Helvetica Neue"/>
+                <a:cs typeface="Helvetica Neue"/>
+                <a:sym typeface="Helvetica Neue"/>
+              </a:rPr>
+              <a:t>First written in 2009</a:t>
+            </a:r>
+          </a:p>
+          <a:p>
+            <a:pPr marL="863600" marR="0" lvl="2" indent="-292100" algn="l" rtl="0">
+              <a:lnSpc>
+                <a:spcPct val="100000"/>
+              </a:lnSpc>
+              <a:spcBef>
+                <a:spcPts val="2700"/>
+              </a:spcBef>
+              <a:spcAft>
+                <a:spcPts val="0"/>
+              </a:spcAft>
+              <a:buClr>
+                <a:srgbClr val="FFFFFF"/>
+              </a:buClr>
+              <a:buSzPct val="75000"/>
+              <a:buFont typeface="Helvetica Neue"/>
+              <a:buChar char="•"/>
+            </a:pPr>
+            <a:r>
+              <a:rPr lang="en-US" sz="2400" b="0" i="0" u="none" strike="noStrike" cap="none">
+                <a:solidFill>
+                  <a:srgbClr val="FFFFFF"/>
+                </a:solidFill>
+                <a:latin typeface="Helvetica Neue"/>
+                <a:ea typeface="Helvetica Neue"/>
+                <a:cs typeface="Helvetica Neue"/>
+                <a:sym typeface="Helvetica Neue"/>
+              </a:rPr>
+              <a:t>By Ryan Dahl</a:t>
+            </a:r>
+          </a:p>
+          <a:p>
+            <a:pPr marL="292100" marR="0" lvl="0" indent="-292100" algn="l" rtl="0">
+              <a:lnSpc>
+                <a:spcPct val="100000"/>
+              </a:lnSpc>
+              <a:spcBef>
+                <a:spcPts val="2700"/>
+              </a:spcBef>
+              <a:spcAft>
+                <a:spcPts val="0"/>
+              </a:spcAft>
+              <a:buClr>
+                <a:srgbClr val="FFFFFF"/>
+              </a:buClr>
+              <a:buSzPct val="75000"/>
+              <a:buFont typeface="Helvetica Neue"/>
+              <a:buChar char="•"/>
+            </a:pPr>
+            <a:r>
+              <a:rPr lang="en-US" sz="2400" b="0" i="0" u="none" strike="noStrike" cap="none">
+                <a:solidFill>
+                  <a:srgbClr val="FFFFFF"/>
+                </a:solidFill>
+                <a:latin typeface="Helvetica Neue"/>
+                <a:ea typeface="Helvetica Neue"/>
+                <a:cs typeface="Helvetica Neue"/>
+                <a:sym typeface="Helvetica Neue"/>
+              </a:rPr>
+              <a:t>2010 package manager npm</a:t>
+            </a:r>
+          </a:p>
+          <a:p>
+            <a:pPr marL="292100" marR="0" lvl="0" indent="-292100" algn="l" rtl="0">
+              <a:lnSpc>
+                <a:spcPct val="100000"/>
+              </a:lnSpc>
+              <a:spcBef>
+                <a:spcPts val="2700"/>
+              </a:spcBef>
+              <a:spcAft>
+                <a:spcPts val="0"/>
+              </a:spcAft>
+              <a:buClr>
+                <a:srgbClr val="FFFFFF"/>
+              </a:buClr>
+              <a:buSzPct val="75000"/>
+              <a:buFont typeface="Helvetica Neue"/>
+              <a:buChar char="•"/>
+            </a:pPr>
+            <a:r>
+              <a:rPr lang="en-US" sz="2400" b="0" i="0" u="none" strike="noStrike" cap="none">
+                <a:solidFill>
+                  <a:srgbClr val="FFFFFF"/>
+                </a:solidFill>
+                <a:latin typeface="Helvetica Neue"/>
+                <a:ea typeface="Helvetica Neue"/>
+                <a:cs typeface="Helvetica Neue"/>
+                <a:sym typeface="Helvetica Neue"/>
+              </a:rPr>
+              <a:t>2011 native Windows version</a:t>
+            </a:r>
+          </a:p>
+        </p:txBody>
+      </p:sp>
+      <p:pic>
+        <p:nvPicPr>
+          <p:cNvPr id="277" name="Shape 277"/>
+          <p:cNvPicPr preferRelativeResize="0"/>
+          <p:nvPr/>
+        </p:nvPicPr>
+        <p:blipFill rotWithShape="1">
+          <a:blip r:embed="rId3">
+            <a:alphaModFix/>
+          </a:blip>
+          <a:srcRect/>
+          <a:stretch/>
+        </p:blipFill>
+        <p:spPr>
+          <a:xfrm flipH="1">
+            <a:off x="7433754" y="1879969"/>
+            <a:ext cx="1713600" cy="1927800"/>
+          </a:xfrm>
+          <a:prstGeom prst="rect">
+            <a:avLst/>
+          </a:prstGeom>
+          <a:noFill/>
+          <a:ln>
+            <a:noFill/>
+          </a:ln>
+        </p:spPr>
+      </p:pic>
+    </p:spTree>
+  </p:cSld>
+  <p:clrMapOvr>
+    <a:masterClrMapping/>
+  </p:clrMapOvr>
+  <p:timing>
+    <p:tnLst>
+      <p:par>
+        <p:cTn id="1" dur="indefinite" restart="never" nodeType="tmRoot"/>
+      </p:par>
+    </p:tnLst>
+  </p:timing>
+</p:sld>
+</file>
+
+<file path=ppt/slides/slide41.xml><?xml version="1.0" encoding="utf-8"?>
+<p:sld xmlns:a="http://schemas.openxmlformats.org/drawingml/2006/main" xmlns:r="http://schemas.openxmlformats.org/officeDocument/2006/relationships" xmlns:p="http://schemas.openxmlformats.org/presentationml/2006/main">
+  <p:cSld>
+    <p:spTree>
+      <p:nvGrpSpPr>
         <p:cNvPr id="1" name="Shape 281"/>
         <p:cNvGrpSpPr/>
         <p:nvPr/>
@@ -29117,7 +29914,7 @@
 </p:sld>
 </file>
 
-<file path=ppt/slides/slide41.xml><?xml version="1.0" encoding="utf-8"?>
+<file path=ppt/slides/slide42.xml><?xml version="1.0" encoding="utf-8"?>
 <p:sld xmlns:a="http://schemas.openxmlformats.org/drawingml/2006/main" xmlns:r="http://schemas.openxmlformats.org/officeDocument/2006/relationships" xmlns:p="http://schemas.openxmlformats.org/presentationml/2006/main">
   <p:cSld>
     <p:spTree>
@@ -29290,15 +30087,7 @@
             </a:r>
             <a:r>
               <a:rPr lang="en-US" dirty="0" smtClean="0"/>
-              <a:t>6/</a:t>
-            </a:r>
-            <a:r>
-              <a:rPr lang="en-US" dirty="0" smtClean="0"/>
-              <a:t>ECMAScript </a:t>
-            </a:r>
-            <a:r>
-              <a:rPr lang="en-US" dirty="0" smtClean="0"/>
-              <a:t>6</a:t>
+              <a:t>6/ECMAScript 6</a:t>
             </a:r>
             <a:r>
               <a:rPr lang="en-US" sz="2400" b="0" i="0" u="none" strike="noStrike" cap="none" dirty="0" smtClean="0">
@@ -29435,7 +30224,7 @@
 </p:sld>
 </file>
 
-<file path=ppt/slides/slide42.xml><?xml version="1.0" encoding="utf-8"?>
+<file path=ppt/slides/slide43.xml><?xml version="1.0" encoding="utf-8"?>
 <p:sld xmlns:a="http://schemas.openxmlformats.org/drawingml/2006/main" xmlns:r="http://schemas.openxmlformats.org/officeDocument/2006/relationships" xmlns:p="http://schemas.openxmlformats.org/presentationml/2006/main">
   <p:cSld>
     <p:spTree>
@@ -29528,7 +30317,7 @@
 </p:sld>
 </file>
 
-<file path=ppt/slides/slide43.xml><?xml version="1.0" encoding="utf-8"?>
+<file path=ppt/slides/slide44.xml><?xml version="1.0" encoding="utf-8"?>
 <p:sld xmlns:a="http://schemas.openxmlformats.org/drawingml/2006/main" xmlns:r="http://schemas.openxmlformats.org/officeDocument/2006/relationships" xmlns:p="http://schemas.openxmlformats.org/presentationml/2006/main">
   <p:cSld>
     <p:spTree>
@@ -29719,6 +30508,414 @@
   <p:cSld>
     <p:spTree>
       <p:nvGrpSpPr>
+        <p:cNvPr id="1" name=""/>
+        <p:cNvGrpSpPr/>
+        <p:nvPr/>
+      </p:nvGrpSpPr>
+      <p:grpSpPr>
+        <a:xfrm>
+          <a:off x="0" y="0"/>
+          <a:ext cx="0" cy="0"/>
+          <a:chOff x="0" y="0"/>
+          <a:chExt cx="0" cy="0"/>
+        </a:xfrm>
+      </p:grpSpPr>
+      <p:sp>
+        <p:nvSpPr>
+          <p:cNvPr id="2" name="Titel 1"/>
+          <p:cNvSpPr>
+            <a:spLocks noGrp="1"/>
+          </p:cNvSpPr>
+          <p:nvPr>
+            <p:ph type="title"/>
+          </p:nvPr>
+        </p:nvSpPr>
+        <p:spPr/>
+        <p:txBody>
+          <a:bodyPr/>
+          <a:lstStyle/>
+          <a:p>
+            <a:r>
+              <a:rPr lang="nl-NL" dirty="0" smtClean="0">
+                <a:solidFill>
+                  <a:srgbClr val="FFC000"/>
+                </a:solidFill>
+              </a:rPr>
+              <a:t>ES6</a:t>
+            </a:r>
+            <a:endParaRPr lang="nl-NL" dirty="0"/>
+          </a:p>
+        </p:txBody>
+      </p:sp>
+      <p:sp>
+        <p:nvSpPr>
+          <p:cNvPr id="3" name="Tijdelijke aanduiding voor inhoud 2"/>
+          <p:cNvSpPr>
+            <a:spLocks noGrp="1"/>
+          </p:cNvSpPr>
+          <p:nvPr>
+            <p:ph idx="1"/>
+          </p:nvPr>
+        </p:nvSpPr>
+        <p:spPr/>
+        <p:txBody>
+          <a:bodyPr/>
+          <a:lstStyle/>
+          <a:p>
+            <a:r>
+              <a:rPr lang="en-US" dirty="0" smtClean="0"/>
+              <a:t>ES6 </a:t>
+            </a:r>
+            <a:r>
+              <a:rPr lang="en-US" dirty="0"/>
+              <a:t>superset of </a:t>
+            </a:r>
+            <a:r>
+              <a:rPr lang="en-US" dirty="0" smtClean="0"/>
+              <a:t>ES5 </a:t>
+            </a:r>
+            <a:endParaRPr lang="en-US" dirty="0"/>
+          </a:p>
+          <a:p>
+            <a:r>
+              <a:rPr lang="nl-NL" dirty="0" err="1" smtClean="0"/>
+              <a:t>Transpile</a:t>
+            </a:r>
+            <a:r>
+              <a:rPr lang="nl-NL" dirty="0" smtClean="0"/>
+              <a:t> ES6 </a:t>
+            </a:r>
+            <a:r>
+              <a:rPr lang="nl-NL" dirty="0" err="1" smtClean="0"/>
+              <a:t>to</a:t>
+            </a:r>
+            <a:r>
+              <a:rPr lang="nl-NL" dirty="0" smtClean="0"/>
+              <a:t> ES5</a:t>
+            </a:r>
+            <a:endParaRPr lang="nl-NL" dirty="0"/>
+          </a:p>
+        </p:txBody>
+      </p:sp>
+      <p:sp>
+        <p:nvSpPr>
+          <p:cNvPr id="4" name="Tijdelijke aanduiding voor dianummer 3"/>
+          <p:cNvSpPr>
+            <a:spLocks noGrp="1"/>
+          </p:cNvSpPr>
+          <p:nvPr>
+            <p:ph type="sldNum" sz="quarter" idx="10"/>
+          </p:nvPr>
+        </p:nvSpPr>
+        <p:spPr/>
+        <p:txBody>
+          <a:bodyPr/>
+          <a:lstStyle/>
+          <a:p>
+            <a:fld id="{C35457D7-99BD-4FC5-A766-83C779BE743A}" type="slidenum">
+              <a:rPr lang="nl-NL" smtClean="0"/>
+              <a:pPr/>
+              <a:t>5</a:t>
+            </a:fld>
+            <a:endParaRPr lang="nl-NL"/>
+          </a:p>
+        </p:txBody>
+      </p:sp>
+      <p:pic>
+        <p:nvPicPr>
+          <p:cNvPr id="5" name="Afbeelding 4"/>
+          <p:cNvPicPr>
+            <a:picLocks noChangeAspect="1"/>
+          </p:cNvPicPr>
+          <p:nvPr/>
+        </p:nvPicPr>
+        <p:blipFill>
+          <a:blip r:embed="rId3">
+            <a:extLst>
+              <a:ext uri="{28A0092B-C50C-407E-A947-70E740481C1C}">
+                <a14:useLocalDpi xmlns:a14="http://schemas.microsoft.com/office/drawing/2010/main" val="0"/>
+              </a:ext>
+            </a:extLst>
+          </a:blip>
+          <a:stretch>
+            <a:fillRect/>
+          </a:stretch>
+        </p:blipFill>
+        <p:spPr>
+          <a:xfrm>
+            <a:off x="5489239" y="997564"/>
+            <a:ext cx="3118733" cy="3402124"/>
+          </a:xfrm>
+          <a:prstGeom prst="rect">
+            <a:avLst/>
+          </a:prstGeom>
+        </p:spPr>
+      </p:pic>
+    </p:spTree>
+    <p:extLst>
+      <p:ext uri="{BB962C8B-B14F-4D97-AF65-F5344CB8AC3E}">
+        <p14:creationId xmlns:p14="http://schemas.microsoft.com/office/powerpoint/2010/main" val="138285716"/>
+      </p:ext>
+    </p:extLst>
+  </p:cSld>
+  <p:clrMapOvr>
+    <a:masterClrMapping/>
+  </p:clrMapOvr>
+  <mc:AlternateContent xmlns:mc="http://schemas.openxmlformats.org/markup-compatibility/2006" xmlns:p14="http://schemas.microsoft.com/office/powerpoint/2010/main">
+    <mc:Choice Requires="p14">
+      <p:transition spd="slow" p14:dur="2000"/>
+    </mc:Choice>
+    <mc:Fallback xmlns="">
+      <p:transition spd="slow"/>
+    </mc:Fallback>
+  </mc:AlternateContent>
+  <p:timing>
+    <p:tnLst>
+      <p:par>
+        <p:cTn id="1" dur="indefinite" restart="never" nodeType="tmRoot">
+          <p:childTnLst>
+            <p:seq concurrent="1" nextAc="seek">
+              <p:cTn id="2" dur="indefinite" nodeType="mainSeq">
+                <p:childTnLst>
+                  <p:par>
+                    <p:cTn id="3" fill="hold">
+                      <p:stCondLst>
+                        <p:cond delay="indefinite"/>
+                      </p:stCondLst>
+                      <p:childTnLst>
+                        <p:par>
+                          <p:cTn id="4" fill="hold">
+                            <p:stCondLst>
+                              <p:cond delay="0"/>
+                            </p:stCondLst>
+                            <p:childTnLst>
+                              <p:par>
+                                <p:cTn id="5" presetID="2" presetClass="entr" presetSubtype="4" fill="hold" grpId="0" nodeType="clickEffect">
+                                  <p:stCondLst>
+                                    <p:cond delay="0"/>
+                                  </p:stCondLst>
+                                  <p:childTnLst>
+                                    <p:set>
+                                      <p:cBhvr>
+                                        <p:cTn id="6" dur="1" fill="hold">
+                                          <p:stCondLst>
+                                            <p:cond delay="0"/>
+                                          </p:stCondLst>
+                                        </p:cTn>
+                                        <p:tgtEl>
+                                          <p:spTgt spid="3">
+                                            <p:txEl>
+                                              <p:pRg st="0" end="0"/>
+                                            </p:txEl>
+                                          </p:spTgt>
+                                        </p:tgtEl>
+                                        <p:attrNameLst>
+                                          <p:attrName>style.visibility</p:attrName>
+                                        </p:attrNameLst>
+                                      </p:cBhvr>
+                                      <p:to>
+                                        <p:strVal val="visible"/>
+                                      </p:to>
+                                    </p:set>
+                                    <p:anim calcmode="lin" valueType="num">
+                                      <p:cBhvr additive="base">
+                                        <p:cTn id="7" dur="500" fill="hold"/>
+                                        <p:tgtEl>
+                                          <p:spTgt spid="3">
+                                            <p:txEl>
+                                              <p:pRg st="0" end="0"/>
+                                            </p:txEl>
+                                          </p:spTgt>
+                                        </p:tgtEl>
+                                        <p:attrNameLst>
+                                          <p:attrName>ppt_x</p:attrName>
+                                        </p:attrNameLst>
+                                      </p:cBhvr>
+                                      <p:tavLst>
+                                        <p:tav tm="0">
+                                          <p:val>
+                                            <p:strVal val="#ppt_x"/>
+                                          </p:val>
+                                        </p:tav>
+                                        <p:tav tm="100000">
+                                          <p:val>
+                                            <p:strVal val="#ppt_x"/>
+                                          </p:val>
+                                        </p:tav>
+                                      </p:tavLst>
+                                    </p:anim>
+                                    <p:anim calcmode="lin" valueType="num">
+                                      <p:cBhvr additive="base">
+                                        <p:cTn id="8" dur="500" fill="hold"/>
+                                        <p:tgtEl>
+                                          <p:spTgt spid="3">
+                                            <p:txEl>
+                                              <p:pRg st="0" end="0"/>
+                                            </p:txEl>
+                                          </p:spTgt>
+                                        </p:tgtEl>
+                                        <p:attrNameLst>
+                                          <p:attrName>ppt_y</p:attrName>
+                                        </p:attrNameLst>
+                                      </p:cBhvr>
+                                      <p:tavLst>
+                                        <p:tav tm="0">
+                                          <p:val>
+                                            <p:strVal val="1+#ppt_h/2"/>
+                                          </p:val>
+                                        </p:tav>
+                                        <p:tav tm="100000">
+                                          <p:val>
+                                            <p:strVal val="#ppt_y"/>
+                                          </p:val>
+                                        </p:tav>
+                                      </p:tavLst>
+                                    </p:anim>
+                                  </p:childTnLst>
+                                </p:cTn>
+                              </p:par>
+                            </p:childTnLst>
+                          </p:cTn>
+                        </p:par>
+                      </p:childTnLst>
+                    </p:cTn>
+                  </p:par>
+                  <p:par>
+                    <p:cTn id="9" fill="hold">
+                      <p:stCondLst>
+                        <p:cond delay="indefinite"/>
+                      </p:stCondLst>
+                      <p:childTnLst>
+                        <p:par>
+                          <p:cTn id="10" fill="hold">
+                            <p:stCondLst>
+                              <p:cond delay="0"/>
+                            </p:stCondLst>
+                            <p:childTnLst>
+                              <p:par>
+                                <p:cTn id="11" presetID="2" presetClass="entr" presetSubtype="4" fill="hold" grpId="0" nodeType="clickEffect">
+                                  <p:stCondLst>
+                                    <p:cond delay="0"/>
+                                  </p:stCondLst>
+                                  <p:childTnLst>
+                                    <p:set>
+                                      <p:cBhvr>
+                                        <p:cTn id="12" dur="1" fill="hold">
+                                          <p:stCondLst>
+                                            <p:cond delay="0"/>
+                                          </p:stCondLst>
+                                        </p:cTn>
+                                        <p:tgtEl>
+                                          <p:spTgt spid="3">
+                                            <p:txEl>
+                                              <p:pRg st="1" end="1"/>
+                                            </p:txEl>
+                                          </p:spTgt>
+                                        </p:tgtEl>
+                                        <p:attrNameLst>
+                                          <p:attrName>style.visibility</p:attrName>
+                                        </p:attrNameLst>
+                                      </p:cBhvr>
+                                      <p:to>
+                                        <p:strVal val="visible"/>
+                                      </p:to>
+                                    </p:set>
+                                    <p:anim calcmode="lin" valueType="num">
+                                      <p:cBhvr additive="base">
+                                        <p:cTn id="13" dur="500" fill="hold"/>
+                                        <p:tgtEl>
+                                          <p:spTgt spid="3">
+                                            <p:txEl>
+                                              <p:pRg st="1" end="1"/>
+                                            </p:txEl>
+                                          </p:spTgt>
+                                        </p:tgtEl>
+                                        <p:attrNameLst>
+                                          <p:attrName>ppt_x</p:attrName>
+                                        </p:attrNameLst>
+                                      </p:cBhvr>
+                                      <p:tavLst>
+                                        <p:tav tm="0">
+                                          <p:val>
+                                            <p:strVal val="#ppt_x"/>
+                                          </p:val>
+                                        </p:tav>
+                                        <p:tav tm="100000">
+                                          <p:val>
+                                            <p:strVal val="#ppt_x"/>
+                                          </p:val>
+                                        </p:tav>
+                                      </p:tavLst>
+                                    </p:anim>
+                                    <p:anim calcmode="lin" valueType="num">
+                                      <p:cBhvr additive="base">
+                                        <p:cTn id="14" dur="500" fill="hold"/>
+                                        <p:tgtEl>
+                                          <p:spTgt spid="3">
+                                            <p:txEl>
+                                              <p:pRg st="1" end="1"/>
+                                            </p:txEl>
+                                          </p:spTgt>
+                                        </p:tgtEl>
+                                        <p:attrNameLst>
+                                          <p:attrName>ppt_y</p:attrName>
+                                        </p:attrNameLst>
+                                      </p:cBhvr>
+                                      <p:tavLst>
+                                        <p:tav tm="0">
+                                          <p:val>
+                                            <p:strVal val="1+#ppt_h/2"/>
+                                          </p:val>
+                                        </p:tav>
+                                        <p:tav tm="100000">
+                                          <p:val>
+                                            <p:strVal val="#ppt_y"/>
+                                          </p:val>
+                                        </p:tav>
+                                      </p:tavLst>
+                                    </p:anim>
+                                  </p:childTnLst>
+                                </p:cTn>
+                              </p:par>
+                            </p:childTnLst>
+                          </p:cTn>
+                        </p:par>
+                      </p:childTnLst>
+                    </p:cTn>
+                  </p:par>
+                </p:childTnLst>
+              </p:cTn>
+              <p:prevCondLst>
+                <p:cond evt="onPrev" delay="0">
+                  <p:tgtEl>
+                    <p:sldTgt/>
+                  </p:tgtEl>
+                </p:cond>
+              </p:prevCondLst>
+              <p:nextCondLst>
+                <p:cond evt="onNext" delay="0">
+                  <p:tgtEl>
+                    <p:sldTgt/>
+                  </p:tgtEl>
+                </p:cond>
+              </p:nextCondLst>
+            </p:seq>
+          </p:childTnLst>
+        </p:cTn>
+      </p:par>
+    </p:tnLst>
+    <p:bldLst>
+      <p:bldP spid="3" grpId="0" build="p"/>
+    </p:bldLst>
+  </p:timing>
+</p:sld>
+</file>
+
+<file path=ppt/slides/slide6.xml><?xml version="1.0" encoding="utf-8"?>
+<p:sld xmlns:a="http://schemas.openxmlformats.org/drawingml/2006/main" xmlns:r="http://schemas.openxmlformats.org/officeDocument/2006/relationships" xmlns:p="http://schemas.openxmlformats.org/presentationml/2006/main">
+  <p:cSld>
+    <p:spTree>
+      <p:nvGrpSpPr>
         <p:cNvPr id="1" name="Shape 82"/>
         <p:cNvGrpSpPr/>
         <p:nvPr/>
@@ -29778,17 +30975,26 @@
               <a:buNone/>
             </a:pPr>
             <a:r>
-              <a:rPr lang="en-US" sz="5200" b="0" i="0" u="none" strike="noStrike" cap="none">
-                <a:solidFill>
-                  <a:srgbClr val="FFFFFF"/>
-                </a:solidFill>
-                <a:latin typeface="Helvetica Neue"/>
-                <a:ea typeface="Helvetica Neue"/>
-                <a:cs typeface="Helvetica Neue"/>
-                <a:sym typeface="Helvetica Neue"/>
-              </a:rPr>
-              <a:t>Support</a:t>
-            </a:r>
+              <a:rPr lang="en-US" sz="5200" b="0" i="0" u="none" strike="noStrike" cap="none" dirty="0" smtClean="0">
+                <a:solidFill>
+                  <a:srgbClr val="FFFFFF"/>
+                </a:solidFill>
+                <a:latin typeface="Helvetica Neue"/>
+                <a:ea typeface="Helvetica Neue"/>
+                <a:cs typeface="Helvetica Neue"/>
+                <a:sym typeface="Helvetica Neue"/>
+              </a:rPr>
+              <a:t>ES6 Support</a:t>
+            </a:r>
+            <a:endParaRPr lang="en-US" sz="5200" b="0" i="0" u="none" strike="noStrike" cap="none" dirty="0">
+              <a:solidFill>
+                <a:srgbClr val="FFFFFF"/>
+              </a:solidFill>
+              <a:latin typeface="Helvetica Neue"/>
+              <a:ea typeface="Helvetica Neue"/>
+              <a:cs typeface="Helvetica Neue"/>
+              <a:sym typeface="Helvetica Neue"/>
+            </a:endParaRPr>
           </a:p>
         </p:txBody>
       </p:sp>
@@ -29945,7 +31151,7 @@
 </p:sld>
 </file>
 
-<file path=ppt/slides/slide6.xml><?xml version="1.0" encoding="utf-8"?>
+<file path=ppt/slides/slide7.xml><?xml version="1.0" encoding="utf-8"?>
 <p:sld xmlns:a="http://schemas.openxmlformats.org/drawingml/2006/main" xmlns:r="http://schemas.openxmlformats.org/officeDocument/2006/relationships" xmlns:p="http://schemas.openxmlformats.org/presentationml/2006/main">
   <p:cSld>
     <p:spTree>
@@ -30038,7 +31244,7 @@
 </p:sld>
 </file>
 
-<file path=ppt/slides/slide7.xml><?xml version="1.0" encoding="utf-8"?>
+<file path=ppt/slides/slide8.xml><?xml version="1.0" encoding="utf-8"?>
 <p:sld xmlns:a="http://schemas.openxmlformats.org/drawingml/2006/main" xmlns:r="http://schemas.openxmlformats.org/officeDocument/2006/relationships" xmlns:p="http://schemas.openxmlformats.org/presentationml/2006/main">
   <p:cSld>
     <p:spTree>
@@ -30192,7 +31398,7 @@
 </p:sld>
 </file>
 
-<file path=ppt/slides/slide8.xml><?xml version="1.0" encoding="utf-8"?>
+<file path=ppt/slides/slide9.xml><?xml version="1.0" encoding="utf-8"?>
 <p:sld xmlns:a="http://schemas.openxmlformats.org/drawingml/2006/main" xmlns:r="http://schemas.openxmlformats.org/officeDocument/2006/relationships" xmlns:p="http://schemas.openxmlformats.org/presentationml/2006/main">
   <p:cSld>
     <p:spTree>
@@ -30413,491 +31619,6 @@
                 <a:sym typeface="Helvetica Neue"/>
               </a:rPr>
               <a:t>let</a:t>
-            </a:r>
-          </a:p>
-        </p:txBody>
-      </p:sp>
-    </p:spTree>
-  </p:cSld>
-  <p:clrMapOvr>
-    <a:masterClrMapping/>
-  </p:clrMapOvr>
-  <p:timing>
-    <p:tnLst>
-      <p:par>
-        <p:cTn id="1" dur="indefinite" restart="never" nodeType="tmRoot"/>
-      </p:par>
-    </p:tnLst>
-  </p:timing>
-</p:sld>
-</file>
-
-<file path=ppt/slides/slide9.xml><?xml version="1.0" encoding="utf-8"?>
-<p:sld xmlns:a="http://schemas.openxmlformats.org/drawingml/2006/main" xmlns:r="http://schemas.openxmlformats.org/officeDocument/2006/relationships" xmlns:p="http://schemas.openxmlformats.org/presentationml/2006/main">
-  <p:cSld>
-    <p:spTree>
-      <p:nvGrpSpPr>
-        <p:cNvPr id="1" name="Shape 105"/>
-        <p:cNvGrpSpPr/>
-        <p:nvPr/>
-      </p:nvGrpSpPr>
-      <p:grpSpPr>
-        <a:xfrm>
-          <a:off x="0" y="0"/>
-          <a:ext cx="0" cy="0"/>
-          <a:chOff x="0" y="0"/>
-          <a:chExt cx="0" cy="0"/>
-        </a:xfrm>
-      </p:grpSpPr>
-      <p:sp>
-        <p:nvSpPr>
-          <p:cNvPr id="106" name="Shape 106"/>
-          <p:cNvSpPr txBox="1">
-            <a:spLocks noGrp="1"/>
-          </p:cNvSpPr>
-          <p:nvPr>
-            <p:ph type="title"/>
-          </p:nvPr>
-        </p:nvSpPr>
-        <p:spPr>
-          <a:xfrm>
-            <a:off x="661775" y="213458"/>
-            <a:ext cx="7804500" cy="1138500"/>
-          </a:xfrm>
-          <a:prstGeom prst="rect">
-            <a:avLst/>
-          </a:prstGeom>
-          <a:noFill/>
-          <a:ln>
-            <a:noFill/>
-          </a:ln>
-        </p:spPr>
-        <p:txBody>
-          <a:bodyPr lIns="32750" tIns="32750" rIns="32750" bIns="32750" anchor="ctr" anchorCtr="0">
-            <a:noAutofit/>
-          </a:bodyPr>
-          <a:lstStyle/>
-          <a:p>
-            <a:pPr marL="0" marR="0" lvl="0" indent="0" algn="ctr" rtl="0">
-              <a:lnSpc>
-                <a:spcPct val="100000"/>
-              </a:lnSpc>
-              <a:spcBef>
-                <a:spcPts val="0"/>
-              </a:spcBef>
-              <a:spcAft>
-                <a:spcPts val="0"/>
-              </a:spcAft>
-              <a:buClr>
-                <a:srgbClr val="FFFFFF"/>
-              </a:buClr>
-              <a:buSzPct val="25000"/>
-              <a:buFont typeface="Helvetica Neue"/>
-              <a:buNone/>
-            </a:pPr>
-            <a:r>
-              <a:rPr lang="en-US" sz="5200" b="0" i="0" u="none" strike="noStrike" cap="none">
-                <a:solidFill>
-                  <a:srgbClr val="FFFFFF"/>
-                </a:solidFill>
-                <a:latin typeface="Helvetica Neue"/>
-                <a:ea typeface="Helvetica Neue"/>
-                <a:cs typeface="Helvetica Neue"/>
-                <a:sym typeface="Helvetica Neue"/>
-              </a:rPr>
-              <a:t>Example</a:t>
-            </a:r>
-          </a:p>
-        </p:txBody>
-      </p:sp>
-      <p:sp>
-        <p:nvSpPr>
-          <p:cNvPr id="107" name="Shape 107"/>
-          <p:cNvSpPr/>
-          <p:nvPr/>
-        </p:nvSpPr>
-        <p:spPr>
-          <a:xfrm>
-            <a:off x="583080" y="1624086"/>
-            <a:ext cx="7977900" cy="2022600"/>
-          </a:xfrm>
-          <a:prstGeom prst="rect">
-            <a:avLst/>
-          </a:prstGeom>
-          <a:noFill/>
-          <a:ln>
-            <a:noFill/>
-          </a:ln>
-        </p:spPr>
-        <p:txBody>
-          <a:bodyPr lIns="32750" tIns="32750" rIns="32750" bIns="32750" anchor="ctr" anchorCtr="0">
-            <a:noAutofit/>
-          </a:bodyPr>
-          <a:lstStyle/>
-          <a:p>
-            <a:pPr marL="0" marR="0" lvl="0" indent="0" algn="l" rtl="0">
-              <a:lnSpc>
-                <a:spcPct val="100000"/>
-              </a:lnSpc>
-              <a:spcBef>
-                <a:spcPts val="0"/>
-              </a:spcBef>
-              <a:spcAft>
-                <a:spcPts val="0"/>
-              </a:spcAft>
-              <a:buClr>
-                <a:srgbClr val="99CF50"/>
-              </a:buClr>
-              <a:buSzPct val="25000"/>
-              <a:buFont typeface="Consolas"/>
-              <a:buNone/>
-            </a:pPr>
-            <a:r>
-              <a:rPr lang="en-US" sz="2300" b="0" i="0" u="none" strike="noStrike" cap="none" dirty="0">
-                <a:solidFill>
-                  <a:srgbClr val="99CF50"/>
-                </a:solidFill>
-                <a:latin typeface="Consolas"/>
-                <a:ea typeface="Consolas"/>
-                <a:cs typeface="Consolas"/>
-                <a:sym typeface="Consolas"/>
-              </a:rPr>
-              <a:t>function</a:t>
-            </a:r>
-            <a:r>
-              <a:rPr lang="en-US" sz="2300" b="0" i="0" u="none" strike="noStrike" cap="none" dirty="0">
-                <a:solidFill>
-                  <a:srgbClr val="F8F8F8"/>
-                </a:solidFill>
-                <a:latin typeface="Consolas"/>
-                <a:ea typeface="Consolas"/>
-                <a:cs typeface="Consolas"/>
-                <a:sym typeface="Consolas"/>
-              </a:rPr>
-              <a:t>() {</a:t>
-            </a:r>
-          </a:p>
-          <a:p>
-            <a:pPr marL="0" marR="0" lvl="0" indent="0" algn="l" rtl="0">
-              <a:lnSpc>
-                <a:spcPct val="100000"/>
-              </a:lnSpc>
-              <a:spcBef>
-                <a:spcPts val="0"/>
-              </a:spcBef>
-              <a:spcAft>
-                <a:spcPts val="0"/>
-              </a:spcAft>
-              <a:buClr>
-                <a:srgbClr val="F8F8F8"/>
-              </a:buClr>
-              <a:buSzPct val="25000"/>
-              <a:buFont typeface="Consolas"/>
-              <a:buNone/>
-            </a:pPr>
-            <a:r>
-              <a:rPr lang="en-US" sz="2300" b="0" i="0" u="none" strike="noStrike" cap="none" dirty="0">
-                <a:solidFill>
-                  <a:srgbClr val="F8F8F8"/>
-                </a:solidFill>
-                <a:latin typeface="Consolas"/>
-                <a:ea typeface="Consolas"/>
-                <a:cs typeface="Consolas"/>
-                <a:sym typeface="Consolas"/>
-              </a:rPr>
-              <a:t>  </a:t>
-            </a:r>
-            <a:r>
-              <a:rPr lang="en-US" sz="2300" b="0" i="0" u="sng" strike="noStrike" cap="none" dirty="0" err="1">
-                <a:solidFill>
-                  <a:srgbClr val="F8F8F8"/>
-                </a:solidFill>
-                <a:latin typeface="Consolas"/>
-                <a:ea typeface="Consolas"/>
-                <a:cs typeface="Consolas"/>
-                <a:sym typeface="Consolas"/>
-              </a:rPr>
-              <a:t>console</a:t>
-            </a:r>
-            <a:r>
-              <a:rPr lang="en-US" sz="2300" b="0" i="0" u="none" strike="noStrike" cap="none" dirty="0" err="1">
-                <a:solidFill>
-                  <a:srgbClr val="DAD085"/>
-                </a:solidFill>
-                <a:latin typeface="Consolas"/>
-                <a:ea typeface="Consolas"/>
-                <a:cs typeface="Consolas"/>
-                <a:sym typeface="Consolas"/>
-              </a:rPr>
-              <a:t>.log</a:t>
-            </a:r>
-            <a:r>
-              <a:rPr lang="en-US" sz="2300" b="0" i="0" u="none" strike="noStrike" cap="none" dirty="0">
-                <a:solidFill>
-                  <a:srgbClr val="F8F8F8"/>
-                </a:solidFill>
-                <a:latin typeface="Consolas"/>
-                <a:ea typeface="Consolas"/>
-                <a:cs typeface="Consolas"/>
-                <a:sym typeface="Consolas"/>
-              </a:rPr>
-              <a:t>(x); </a:t>
-            </a:r>
-            <a:r>
-              <a:rPr lang="en-US" sz="2000" b="0" i="1" u="none" strike="noStrike" cap="none" dirty="0">
-                <a:solidFill>
-                  <a:srgbClr val="AEAEAE"/>
-                </a:solidFill>
-                <a:latin typeface="Helvetica Neue"/>
-                <a:ea typeface="Helvetica Neue"/>
-                <a:cs typeface="Helvetica Neue"/>
-                <a:sym typeface="Helvetica Neue"/>
-              </a:rPr>
-              <a:t>// Uncaught </a:t>
-            </a:r>
-            <a:r>
-              <a:rPr lang="en-US" sz="2000" b="0" i="1" u="none" strike="noStrike" cap="none" dirty="0" err="1">
-                <a:solidFill>
-                  <a:srgbClr val="AEAEAE"/>
-                </a:solidFill>
-                <a:latin typeface="Helvetica Neue"/>
-                <a:ea typeface="Helvetica Neue"/>
-                <a:cs typeface="Helvetica Neue"/>
-                <a:sym typeface="Helvetica Neue"/>
-              </a:rPr>
-              <a:t>ReferenceError</a:t>
-            </a:r>
-            <a:r>
-              <a:rPr lang="en-US" sz="2000" b="0" i="1" u="none" strike="noStrike" cap="none" dirty="0">
-                <a:solidFill>
-                  <a:srgbClr val="AEAEAE"/>
-                </a:solidFill>
-                <a:latin typeface="Helvetica Neue"/>
-                <a:ea typeface="Helvetica Neue"/>
-                <a:cs typeface="Helvetica Neue"/>
-                <a:sym typeface="Helvetica Neue"/>
-              </a:rPr>
-              <a:t>: x is not defined</a:t>
-            </a:r>
-          </a:p>
-          <a:p>
-            <a:pPr marL="0" marR="0" lvl="0" indent="0" algn="l" rtl="0">
-              <a:lnSpc>
-                <a:spcPct val="100000"/>
-              </a:lnSpc>
-              <a:spcBef>
-                <a:spcPts val="0"/>
-              </a:spcBef>
-              <a:spcAft>
-                <a:spcPts val="0"/>
-              </a:spcAft>
-              <a:buClr>
-                <a:srgbClr val="F8F8F8"/>
-              </a:buClr>
-              <a:buSzPct val="25000"/>
-              <a:buFont typeface="Consolas"/>
-              <a:buNone/>
-            </a:pPr>
-            <a:r>
-              <a:rPr lang="en-US" sz="2300" b="0" i="0" u="none" strike="noStrike" cap="none" dirty="0">
-                <a:solidFill>
-                  <a:srgbClr val="F8F8F8"/>
-                </a:solidFill>
-                <a:latin typeface="Consolas"/>
-                <a:ea typeface="Consolas"/>
-                <a:cs typeface="Consolas"/>
-                <a:sym typeface="Consolas"/>
-              </a:rPr>
-              <a:t>  </a:t>
-            </a:r>
-            <a:r>
-              <a:rPr lang="en-US" sz="2300" b="0" i="0" u="none" strike="noStrike" cap="none" dirty="0">
-                <a:solidFill>
-                  <a:srgbClr val="E28964"/>
-                </a:solidFill>
-                <a:latin typeface="Consolas"/>
-                <a:ea typeface="Consolas"/>
-                <a:cs typeface="Consolas"/>
-                <a:sym typeface="Consolas"/>
-              </a:rPr>
-              <a:t>if</a:t>
-            </a:r>
-            <a:r>
-              <a:rPr lang="en-US" sz="2300" b="0" i="0" u="none" strike="noStrike" cap="none" dirty="0">
-                <a:solidFill>
-                  <a:srgbClr val="F8F8F8"/>
-                </a:solidFill>
-                <a:latin typeface="Consolas"/>
-                <a:ea typeface="Consolas"/>
-                <a:cs typeface="Consolas"/>
-                <a:sym typeface="Consolas"/>
-              </a:rPr>
-              <a:t> (</a:t>
-            </a:r>
-            <a:r>
-              <a:rPr lang="en-US" sz="2300" b="0" i="0" u="none" strike="noStrike" cap="none" dirty="0">
-                <a:solidFill>
-                  <a:srgbClr val="3387CC"/>
-                </a:solidFill>
-                <a:latin typeface="Consolas"/>
-                <a:ea typeface="Consolas"/>
-                <a:cs typeface="Consolas"/>
-                <a:sym typeface="Consolas"/>
-              </a:rPr>
-              <a:t>true</a:t>
-            </a:r>
-            <a:r>
-              <a:rPr lang="en-US" sz="2300" b="0" i="0" u="none" strike="noStrike" cap="none" dirty="0">
-                <a:solidFill>
-                  <a:srgbClr val="F8F8F8"/>
-                </a:solidFill>
-                <a:latin typeface="Consolas"/>
-                <a:ea typeface="Consolas"/>
-                <a:cs typeface="Consolas"/>
-                <a:sym typeface="Consolas"/>
-              </a:rPr>
-              <a:t>) {</a:t>
-            </a:r>
-          </a:p>
-          <a:p>
-            <a:pPr marL="0" marR="0" lvl="0" indent="0" algn="l" rtl="0">
-              <a:lnSpc>
-                <a:spcPct val="100000"/>
-              </a:lnSpc>
-              <a:spcBef>
-                <a:spcPts val="0"/>
-              </a:spcBef>
-              <a:spcAft>
-                <a:spcPts val="0"/>
-              </a:spcAft>
-              <a:buClr>
-                <a:srgbClr val="F8F8F8"/>
-              </a:buClr>
-              <a:buSzPct val="25000"/>
-              <a:buFont typeface="Consolas"/>
-              <a:buNone/>
-            </a:pPr>
-            <a:r>
-              <a:rPr lang="en-US" sz="2300" b="0" i="0" u="none" strike="noStrike" cap="none" dirty="0">
-                <a:solidFill>
-                  <a:srgbClr val="F8F8F8"/>
-                </a:solidFill>
-                <a:latin typeface="Consolas"/>
-                <a:ea typeface="Consolas"/>
-                <a:cs typeface="Consolas"/>
-                <a:sym typeface="Consolas"/>
-              </a:rPr>
-              <a:t>    let x </a:t>
-            </a:r>
-            <a:r>
-              <a:rPr lang="en-US" sz="2300" b="0" i="0" u="none" strike="noStrike" cap="none" dirty="0">
-                <a:solidFill>
-                  <a:srgbClr val="E28964"/>
-                </a:solidFill>
-                <a:latin typeface="Consolas"/>
-                <a:ea typeface="Consolas"/>
-                <a:cs typeface="Consolas"/>
-                <a:sym typeface="Consolas"/>
-              </a:rPr>
-              <a:t>=</a:t>
-            </a:r>
-            <a:r>
-              <a:rPr lang="en-US" sz="2300" b="0" i="0" u="none" strike="noStrike" cap="none" dirty="0">
-                <a:solidFill>
-                  <a:srgbClr val="F8F8F8"/>
-                </a:solidFill>
-                <a:latin typeface="Consolas"/>
-                <a:ea typeface="Consolas"/>
-                <a:cs typeface="Consolas"/>
-                <a:sym typeface="Consolas"/>
-              </a:rPr>
-              <a:t> </a:t>
-            </a:r>
-            <a:r>
-              <a:rPr lang="en-US" sz="2300" b="0" i="0" u="none" strike="noStrike" cap="none" dirty="0">
-                <a:solidFill>
-                  <a:srgbClr val="65B042"/>
-                </a:solidFill>
-                <a:latin typeface="Consolas"/>
-                <a:ea typeface="Consolas"/>
-                <a:cs typeface="Consolas"/>
-                <a:sym typeface="Consolas"/>
-              </a:rPr>
-              <a:t>"test"</a:t>
-            </a:r>
-            <a:r>
-              <a:rPr lang="en-US" sz="2300" b="0" i="0" u="none" strike="noStrike" cap="none" dirty="0">
-                <a:solidFill>
-                  <a:srgbClr val="F8F8F8"/>
-                </a:solidFill>
-                <a:latin typeface="Consolas"/>
-                <a:ea typeface="Consolas"/>
-                <a:cs typeface="Consolas"/>
-                <a:sym typeface="Consolas"/>
-              </a:rPr>
-              <a:t>;</a:t>
-            </a:r>
-          </a:p>
-          <a:p>
-            <a:pPr marL="0" marR="0" lvl="0" indent="0" algn="l" rtl="0">
-              <a:lnSpc>
-                <a:spcPct val="100000"/>
-              </a:lnSpc>
-              <a:spcBef>
-                <a:spcPts val="0"/>
-              </a:spcBef>
-              <a:spcAft>
-                <a:spcPts val="0"/>
-              </a:spcAft>
-              <a:buClr>
-                <a:srgbClr val="F8F8F8"/>
-              </a:buClr>
-              <a:buSzPct val="25000"/>
-              <a:buFont typeface="Consolas"/>
-              <a:buNone/>
-            </a:pPr>
-            <a:r>
-              <a:rPr lang="en-US" sz="2300" b="0" i="0" u="none" strike="noStrike" cap="none" dirty="0">
-                <a:solidFill>
-                  <a:srgbClr val="F8F8F8"/>
-                </a:solidFill>
-                <a:latin typeface="Consolas"/>
-                <a:ea typeface="Consolas"/>
-                <a:cs typeface="Consolas"/>
-                <a:sym typeface="Consolas"/>
-              </a:rPr>
-              <a:t>  }</a:t>
-            </a:r>
-          </a:p>
-          <a:p>
-            <a:pPr marL="0" marR="0" lvl="0" indent="0" algn="l" rtl="0">
-              <a:lnSpc>
-                <a:spcPct val="100000"/>
-              </a:lnSpc>
-              <a:spcBef>
-                <a:spcPts val="0"/>
-              </a:spcBef>
-              <a:spcAft>
-                <a:spcPts val="0"/>
-              </a:spcAft>
-              <a:buClr>
-                <a:srgbClr val="F8F8F8"/>
-              </a:buClr>
-              <a:buSzPct val="25000"/>
-              <a:buFont typeface="Consolas"/>
-              <a:buNone/>
-            </a:pPr>
-            <a:r>
-              <a:rPr lang="en-US" sz="2300" b="0" i="0" u="none" strike="noStrike" cap="none" dirty="0">
-                <a:solidFill>
-                  <a:srgbClr val="F8F8F8"/>
-                </a:solidFill>
-                <a:latin typeface="Consolas"/>
-                <a:ea typeface="Consolas"/>
-                <a:cs typeface="Consolas"/>
-                <a:sym typeface="Consolas"/>
-              </a:rPr>
-              <a:t>}</a:t>
             </a:r>
           </a:p>
         </p:txBody>

--- a/frontend-cursus/ 4 - ECMAScript 6 node-browser.pptx
+++ b/frontend-cursus/ 4 - ECMAScript 6 node-browser.pptx
@@ -8168,7 +8168,7 @@
           <a:p>
             <a:fld id="{35F65C51-E4BF-4FAD-97FA-C994B8CE38B5}" type="datetimeFigureOut">
               <a:rPr lang="nl-NL" smtClean="0"/>
-              <a:t>24-04-18</a:t>
+              <a:t>26-04-18</a:t>
             </a:fld>
             <a:endParaRPr lang="nl-NL"/>
           </a:p>
@@ -17591,6 +17591,34 @@
               <a:buFont typeface="Helvetica Neue"/>
               <a:buNone/>
             </a:pPr>
+            <a:endParaRPr lang="en-US" sz="2600" b="0" i="0" u="none" strike="noStrike" cap="none" dirty="0" smtClean="0">
+              <a:solidFill>
+                <a:srgbClr val="FF0000"/>
+              </a:solidFill>
+              <a:latin typeface="Helvetica Neue"/>
+              <a:ea typeface="Helvetica Neue"/>
+              <a:cs typeface="Helvetica Neue"/>
+              <a:sym typeface="Helvetica Neue"/>
+            </a:endParaRPr>
+          </a:p>
+          <a:p>
+            <a:pPr marL="0" marR="0" lvl="1" indent="152400" algn="ctr" rtl="0">
+              <a:lnSpc>
+                <a:spcPct val="100000"/>
+              </a:lnSpc>
+              <a:spcBef>
+                <a:spcPts val="0"/>
+              </a:spcBef>
+              <a:spcAft>
+                <a:spcPts val="0"/>
+              </a:spcAft>
+              <a:buClr>
+                <a:srgbClr val="FFFFFF"/>
+              </a:buClr>
+              <a:buSzPct val="25000"/>
+              <a:buFont typeface="Helvetica Neue"/>
+              <a:buNone/>
+            </a:pPr>
             <a:r>
               <a:rPr lang="en-US" sz="2600" b="0" i="0" u="none" strike="noStrike" cap="none" dirty="0" smtClean="0">
                 <a:solidFill>
@@ -17601,7 +17629,19 @@
                 <a:cs typeface="Helvetica Neue"/>
                 <a:sym typeface="Helvetica Neue"/>
               </a:rPr>
-              <a:t>Instead of:</a:t>
+              <a:t>Instead </a:t>
+            </a:r>
+            <a:r>
+              <a:rPr lang="en-US" sz="2600" b="0" i="0" u="none" strike="noStrike" cap="none" dirty="0" smtClean="0">
+                <a:solidFill>
+                  <a:srgbClr val="FF0000"/>
+                </a:solidFill>
+                <a:latin typeface="Helvetica Neue"/>
+                <a:ea typeface="Helvetica Neue"/>
+                <a:cs typeface="Helvetica Neue"/>
+                <a:sym typeface="Helvetica Neue"/>
+              </a:rPr>
+              <a:t>of:</a:t>
             </a:r>
             <a:endParaRPr lang="en-US" sz="2600" b="0" i="0" u="none" strike="noStrike" cap="none" dirty="0">
               <a:solidFill>
@@ -27667,12 +27707,8 @@
               <a:t> </a:t>
             </a:r>
             <a:r>
-              <a:rPr lang="en-US" dirty="0"/>
-              <a:t>m</a:t>
-            </a:r>
-            <a:r>
               <a:rPr lang="en-US" dirty="0" smtClean="0"/>
-              <a:t>ap </a:t>
+              <a:t>set </a:t>
             </a:r>
             <a:r>
               <a:rPr lang="en-US" dirty="0"/>
@@ -27690,8 +27726,8 @@
               <a:rPr lang="en-US" dirty="0"/>
             </a:br>
             <a:r>
-              <a:rPr lang="en-US" dirty="0" err="1"/>
-              <a:t>map.set</a:t>
+              <a:rPr lang="en-US" dirty="0" err="1" smtClean="0"/>
+              <a:t>set.set</a:t>
             </a:r>
             <a:r>
               <a:rPr lang="en-US" dirty="0"/>
@@ -27701,8 +27737,8 @@
               <a:rPr lang="en-US" dirty="0"/>
             </a:br>
             <a:r>
-              <a:rPr lang="en-US" dirty="0" err="1"/>
-              <a:t>map.set</a:t>
+              <a:rPr lang="en-US" dirty="0" err="1" smtClean="0"/>
+              <a:t>set.set</a:t>
             </a:r>
             <a:r>
               <a:rPr lang="en-US" dirty="0"/>
@@ -27712,26 +27748,30 @@
               <a:rPr lang="en-US" dirty="0"/>
             </a:br>
             <a:r>
-              <a:rPr lang="en-US" dirty="0" err="1"/>
-              <a:t>map.set</a:t>
+              <a:rPr lang="en-US" dirty="0" err="1" smtClean="0"/>
+              <a:t>set.set</a:t>
+            </a:r>
+            <a:r>
+              <a:rPr lang="en-US" dirty="0" smtClean="0"/>
+              <a:t>(1</a:t>
             </a:r>
             <a:r>
               <a:rPr lang="en-US" dirty="0"/>
-              <a:t>(1, 'number one');</a:t>
+              <a:t>, 'number one');</a:t>
             </a:r>
             <a:br>
               <a:rPr lang="en-US" dirty="0"/>
             </a:br>
             <a:r>
-              <a:rPr lang="en-US" dirty="0" err="1"/>
-              <a:t>map.set</a:t>
-            </a:r>
-            <a:r>
-              <a:rPr lang="en-US" dirty="0"/>
+              <a:rPr lang="en-US" dirty="0" err="1" smtClean="0"/>
+              <a:t>set.set</a:t>
+            </a:r>
+            <a:r>
+              <a:rPr lang="en-US" dirty="0" smtClean="0"/>
               <a:t>(</a:t>
             </a:r>
             <a:r>
-              <a:rPr lang="en-US" dirty="0" err="1"/>
+              <a:rPr lang="en-US" dirty="0" err="1" smtClean="0"/>
               <a:t>NaN</a:t>
             </a:r>
             <a:r>
@@ -27753,7 +27793,7 @@
                   <a:srgbClr val="FFC000"/>
                 </a:solidFill>
               </a:rPr>
-              <a:t>map.get</a:t>
+              <a:t>set.get</a:t>
             </a:r>
             <a:r>
               <a:rPr lang="en-US" dirty="0">
@@ -27799,12 +27839,20 @@
               <a:rPr lang="en-US" dirty="0"/>
             </a:br>
             <a:r>
-              <a:rPr lang="en-US" dirty="0" err="1">
+              <a:rPr lang="en-US" dirty="0" err="1" smtClean="0">
                 <a:solidFill>
                   <a:srgbClr val="FFC000"/>
                 </a:solidFill>
               </a:rPr>
-              <a:t>map.get</a:t>
+              <a:t>set.get</a:t>
+            </a:r>
+            <a:r>
+              <a:rPr lang="en-US" dirty="0" smtClean="0">
+                <a:solidFill>
+                  <a:srgbClr val="FFC000"/>
+                </a:solidFill>
+              </a:rPr>
+              <a:t>(1</a:t>
             </a:r>
             <a:r>
               <a:rPr lang="en-US" dirty="0">
@@ -27812,7 +27860,7 @@
                   <a:srgbClr val="FFC000"/>
                 </a:solidFill>
               </a:rPr>
-              <a:t>(1); </a:t>
+              <a:t>); </a:t>
             </a:r>
             <a:r>
               <a:rPr lang="en-US" dirty="0">
@@ -27838,15 +27886,15 @@
               </a:rPr>
             </a:br>
             <a:r>
-              <a:rPr lang="en-US" dirty="0" err="1">
+              <a:rPr lang="en-US" dirty="0" err="1" smtClean="0">
                 <a:solidFill>
                   <a:srgbClr val="FFC000"/>
                 </a:solidFill>
               </a:rPr>
-              <a:t>map.get</a:t>
-            </a:r>
-            <a:r>
-              <a:rPr lang="en-US" dirty="0">
+              <a:t>set.get</a:t>
+            </a:r>
+            <a:r>
+              <a:rPr lang="en-US" dirty="0" smtClean="0">
                 <a:solidFill>
                   <a:srgbClr val="FFC000"/>
                 </a:solidFill>
@@ -27854,7 +27902,7 @@
               <a:t>(</a:t>
             </a:r>
             <a:r>
-              <a:rPr lang="en-US" dirty="0" err="1">
+              <a:rPr lang="en-US" dirty="0" err="1" smtClean="0">
                 <a:solidFill>
                   <a:srgbClr val="FFC000"/>
                 </a:solidFill>
@@ -28319,23 +28367,39 @@
             <a:r>
               <a:rPr lang="en-US" sz="2400" b="0" i="0" u="none" strike="noStrike" cap="none" dirty="0">
                 <a:solidFill>
-                  <a:srgbClr val="FFFFFF"/>
-                </a:solidFill>
-                <a:latin typeface="Helvetica Neue"/>
-                <a:ea typeface="Helvetica Neue"/>
-                <a:cs typeface="Helvetica Neue"/>
-                <a:sym typeface="Helvetica Neue"/>
-              </a:rPr>
-              <a:t>Change your solutions for week 1.</a:t>
-            </a:r>
-          </a:p>
-          <a:p>
-            <a:pPr marL="571500" marR="0" lvl="1" indent="-279400" algn="l" rtl="0">
-              <a:lnSpc>
-                <a:spcPct val="100000"/>
-              </a:lnSpc>
-              <a:spcBef>
-                <a:spcPts val="2700"/>
+                  <a:srgbClr val="92D050"/>
+                </a:solidFill>
+                <a:latin typeface="Helvetica Neue"/>
+                <a:ea typeface="Helvetica Neue"/>
+                <a:cs typeface="Helvetica Neue"/>
+                <a:sym typeface="Helvetica Neue"/>
+              </a:rPr>
+              <a:t>Change your solutions for week </a:t>
+            </a:r>
+            <a:r>
+              <a:rPr lang="en-US" sz="2400" b="0" i="0" u="none" strike="noStrike" cap="none" dirty="0" smtClean="0">
+                <a:solidFill>
+                  <a:srgbClr val="92D050"/>
+                </a:solidFill>
+                <a:latin typeface="Helvetica Neue"/>
+                <a:ea typeface="Helvetica Neue"/>
+                <a:cs typeface="Helvetica Neue"/>
+                <a:sym typeface="Helvetica Neue"/>
+              </a:rPr>
+              <a:t>1</a:t>
+            </a:r>
+            <a:r>
+              <a:rPr lang="en-US" dirty="0" smtClean="0"/>
+              <a:t>:</a:t>
+            </a:r>
+          </a:p>
+          <a:p>
+            <a:pPr marL="292100" marR="0" lvl="0" indent="-292100" algn="l" rtl="0">
+              <a:lnSpc>
+                <a:spcPct val="100000"/>
+              </a:lnSpc>
+              <a:spcBef>
+                <a:spcPts val="0"/>
               </a:spcBef>
               <a:spcAft>
                 <a:spcPts val="0"/>
@@ -28347,20 +28411,48 @@
               <a:buFont typeface="Helvetica Neue"/>
               <a:buChar char="•"/>
             </a:pPr>
-            <a:r>
-              <a:rPr lang="en-US" sz="2400" b="0" i="0" u="none" strike="noStrike" cap="none" dirty="0">
-                <a:solidFill>
-                  <a:srgbClr val="FFFFFF"/>
-                </a:solidFill>
-                <a:latin typeface="Helvetica Neue"/>
-                <a:ea typeface="Helvetica Neue"/>
-                <a:cs typeface="Helvetica Neue"/>
-                <a:sym typeface="Helvetica Neue"/>
-              </a:rPr>
-              <a:t>You are </a:t>
-            </a:r>
-            <a:r>
-              <a:rPr lang="en-US" sz="2400" b="0" i="0" u="none" strike="noStrike" cap="none" dirty="0">
+            <a:endParaRPr lang="en-US" sz="2400" b="0" i="0" u="none" strike="noStrike" cap="none" dirty="0">
+              <a:solidFill>
+                <a:srgbClr val="FFFFFF"/>
+              </a:solidFill>
+              <a:latin typeface="Helvetica Neue"/>
+              <a:ea typeface="Helvetica Neue"/>
+              <a:cs typeface="Helvetica Neue"/>
+              <a:sym typeface="Helvetica Neue"/>
+            </a:endParaRPr>
+          </a:p>
+          <a:p>
+            <a:pPr lvl="1" indent="-292100">
+              <a:spcBef>
+                <a:spcPts val="0"/>
+              </a:spcBef>
+            </a:pPr>
+            <a:r>
+              <a:rPr lang="en-US" b="0" i="0" u="none" strike="noStrike" cap="none" dirty="0" smtClean="0">
+                <a:solidFill>
+                  <a:srgbClr val="FFFFFF"/>
+                </a:solidFill>
+                <a:latin typeface="Helvetica Neue"/>
+                <a:ea typeface="Helvetica Neue"/>
+                <a:cs typeface="Helvetica Neue"/>
+                <a:sym typeface="Helvetica Neue"/>
+              </a:rPr>
+              <a:t> You </a:t>
+            </a:r>
+            <a:r>
+              <a:rPr lang="en-US" b="0" i="0" u="none" strike="noStrike" cap="none" dirty="0">
+                <a:solidFill>
+                  <a:srgbClr val="FFFFFF"/>
+                </a:solidFill>
+                <a:latin typeface="Helvetica Neue"/>
+                <a:ea typeface="Helvetica Neue"/>
+                <a:cs typeface="Helvetica Neue"/>
+                <a:sym typeface="Helvetica Neue"/>
+              </a:rPr>
+              <a:t>are </a:t>
+            </a:r>
+            <a:r>
+              <a:rPr lang="en-US" b="0" i="0" u="none" strike="noStrike" cap="none" dirty="0">
                 <a:solidFill>
                   <a:srgbClr val="FF0000"/>
                 </a:solidFill>
@@ -28372,7 +28464,7 @@
               <a:t>not allowed </a:t>
             </a:r>
             <a:r>
-              <a:rPr lang="en-US" sz="2400" b="0" i="0" u="none" strike="noStrike" cap="none" dirty="0">
+              <a:rPr lang="en-US" b="0" i="0" u="none" strike="noStrike" cap="none" dirty="0">
                 <a:solidFill>
                   <a:srgbClr val="FFFFFF"/>
                 </a:solidFill>
@@ -28384,7 +28476,7 @@
               <a:t>to use ‘</a:t>
             </a:r>
             <a:r>
-              <a:rPr lang="en-US" sz="2400" b="0" i="0" u="none" strike="noStrike" cap="none" dirty="0" err="1">
+              <a:rPr lang="en-US" b="0" i="0" u="none" strike="noStrike" cap="none" dirty="0" err="1">
                 <a:solidFill>
                   <a:srgbClr val="FFFFFF"/>
                 </a:solidFill>
@@ -28396,7 +28488,7 @@
               <a:t>var</a:t>
             </a:r>
             <a:r>
-              <a:rPr lang="en-US" sz="2400" b="0" i="0" u="none" strike="noStrike" cap="none" dirty="0">
+              <a:rPr lang="en-US" b="0" i="0" u="none" strike="noStrike" cap="none" dirty="0">
                 <a:solidFill>
                   <a:srgbClr val="FFFFFF"/>
                 </a:solidFill>
@@ -28412,7 +28504,7 @@
               <a:t> or</a:t>
             </a:r>
             <a:r>
-              <a:rPr lang="en-US" sz="2400" b="0" i="0" u="none" strike="noStrike" cap="none" dirty="0">
+              <a:rPr lang="en-US" b="0" i="0" u="none" strike="noStrike" cap="none" dirty="0">
                 <a:solidFill>
                   <a:srgbClr val="FFFFFF"/>
                 </a:solidFill>

--- a/frontend-cursus/ 4 - ECMAScript 6 node-browser.pptx
+++ b/frontend-cursus/ 4 - ECMAScript 6 node-browser.pptx
@@ -8168,7 +8168,7 @@
           <a:p>
             <a:fld id="{35F65C51-E4BF-4FAD-97FA-C994B8CE38B5}" type="datetimeFigureOut">
               <a:rPr lang="nl-NL" smtClean="0"/>
-              <a:t>26-04-18</a:t>
+              <a:t>30-04-18</a:t>
             </a:fld>
             <a:endParaRPr lang="nl-NL"/>
           </a:p>
@@ -17629,19 +17629,7 @@
                 <a:cs typeface="Helvetica Neue"/>
                 <a:sym typeface="Helvetica Neue"/>
               </a:rPr>
-              <a:t>Instead </a:t>
-            </a:r>
-            <a:r>
-              <a:rPr lang="en-US" sz="2600" b="0" i="0" u="none" strike="noStrike" cap="none" dirty="0" smtClean="0">
-                <a:solidFill>
-                  <a:srgbClr val="FF0000"/>
-                </a:solidFill>
-                <a:latin typeface="Helvetica Neue"/>
-                <a:ea typeface="Helvetica Neue"/>
-                <a:cs typeface="Helvetica Neue"/>
-                <a:sym typeface="Helvetica Neue"/>
-              </a:rPr>
-              <a:t>of:</a:t>
+              <a:t>Instead of:</a:t>
             </a:r>
             <a:endParaRPr lang="en-US" sz="2600" b="0" i="0" u="none" strike="noStrike" cap="none" dirty="0">
               <a:solidFill>
@@ -21783,8 +21771,8 @@
         </p:nvSpPr>
         <p:spPr>
           <a:xfrm>
-            <a:off x="628696" y="1460003"/>
-            <a:ext cx="7475858" cy="2223600"/>
+            <a:off x="2144110" y="1497723"/>
+            <a:ext cx="5960444" cy="2837794"/>
           </a:xfrm>
           <a:prstGeom prst="rect">
             <a:avLst/>
@@ -21800,16 +21788,7 @@
           </a:bodyPr>
           <a:lstStyle/>
           <a:p>
-            <a:pPr marL="0" marR="0" lvl="0" indent="0" algn="l" rtl="0">
-              <a:lnSpc>
-                <a:spcPct val="100000"/>
-              </a:lnSpc>
-              <a:spcBef>
-                <a:spcPts val="0"/>
-              </a:spcBef>
-              <a:spcAft>
-                <a:spcPts val="0"/>
-              </a:spcAft>
+            <a:pPr lvl="1">
               <a:buClr>
                 <a:srgbClr val="AEAEAE"/>
               </a:buClr>
@@ -21852,19 +21831,51 @@
             </a:endParaRPr>
           </a:p>
           <a:p>
-            <a:pPr lvl="0">
+            <a:pPr lvl="1">
               <a:buClr>
                 <a:srgbClr val="F8F8F8"/>
               </a:buClr>
               <a:buSzPct val="25000"/>
             </a:pPr>
             <a:r>
-              <a:rPr lang="mr-IN" sz="2000" dirty="0" err="1">
+              <a:rPr lang="en-US" sz="2000" dirty="0">
                 <a:solidFill>
                   <a:schemeClr val="bg1"/>
                 </a:solidFill>
               </a:rPr>
-              <a:t>var</a:t>
+              <a:t>l</a:t>
+            </a:r>
+            <a:r>
+              <a:rPr lang="en-US" sz="2000" dirty="0" smtClean="0">
+                <a:solidFill>
+                  <a:schemeClr val="bg1"/>
+                </a:solidFill>
+              </a:rPr>
+              <a:t>et </a:t>
+            </a:r>
+            <a:r>
+              <a:rPr lang="mr-IN" sz="2000" dirty="0" err="1" smtClean="0">
+                <a:solidFill>
+                  <a:srgbClr val="00B050"/>
+                </a:solidFill>
+              </a:rPr>
+              <a:t>prop</a:t>
+            </a:r>
+            <a:r>
+              <a:rPr lang="nl-NL" sz="2000" dirty="0" err="1" smtClean="0">
+                <a:solidFill>
+                  <a:srgbClr val="00B050"/>
+                </a:solidFill>
+              </a:rPr>
+              <a:t>erty</a:t>
+            </a:r>
+            <a:r>
+              <a:rPr lang="mr-IN" sz="2000" dirty="0" smtClean="0">
+                <a:solidFill>
+                  <a:srgbClr val="00B050"/>
+                </a:solidFill>
+              </a:rPr>
+              <a:t> </a:t>
             </a:r>
             <a:r>
               <a:rPr lang="mr-IN" sz="2000" dirty="0">
@@ -21872,23 +21883,7 @@
                   <a:schemeClr val="bg1"/>
                 </a:solidFill>
               </a:rPr>
-              <a:t> </a:t>
-            </a:r>
-            <a:r>
-              <a:rPr lang="mr-IN" sz="2000" dirty="0" err="1">
-                <a:solidFill>
-                  <a:schemeClr val="bg1"/>
-                </a:solidFill>
-              </a:rPr>
-              <a:t>prop</a:t>
-            </a:r>
-            <a:r>
-              <a:rPr lang="mr-IN" sz="2000" dirty="0">
-                <a:solidFill>
-                  <a:schemeClr val="bg1"/>
-                </a:solidFill>
-              </a:rPr>
-              <a:t> = '</a:t>
+              <a:t>= '</a:t>
             </a:r>
             <a:r>
               <a:rPr lang="mr-IN" sz="2000" dirty="0" err="1">
@@ -21913,44 +21908,12 @@
             </a:endParaRPr>
           </a:p>
           <a:p>
-            <a:pPr lvl="0">
+            <a:pPr lvl="1">
               <a:buClr>
                 <a:srgbClr val="F8F8F8"/>
               </a:buClr>
               <a:buSzPct val="25000"/>
             </a:pPr>
-            <a:r>
-              <a:rPr lang="mr-IN" sz="2000" dirty="0" err="1" smtClean="0">
-                <a:solidFill>
-                  <a:schemeClr val="bg1"/>
-                </a:solidFill>
-              </a:rPr>
-              <a:t>var</a:t>
-            </a:r>
-            <a:r>
-              <a:rPr lang="mr-IN" sz="2000" dirty="0" smtClean="0">
-                <a:solidFill>
-                  <a:schemeClr val="bg1"/>
-                </a:solidFill>
-              </a:rPr>
-              <a:t> </a:t>
-            </a:r>
-            <a:r>
-              <a:rPr lang="mr-IN" sz="2000" dirty="0" err="1">
-                <a:solidFill>
-                  <a:schemeClr val="bg1"/>
-                </a:solidFill>
-              </a:rPr>
-              <a:t>o</a:t>
-            </a:r>
-            <a:r>
-              <a:rPr lang="mr-IN" sz="2000" dirty="0">
-                <a:solidFill>
-                  <a:schemeClr val="bg1"/>
-                </a:solidFill>
-              </a:rPr>
-              <a:t> = { </a:t>
-            </a:r>
             <a:endParaRPr lang="nl-NL" sz="2000" dirty="0" smtClean="0">
               <a:solidFill>
                 <a:schemeClr val="bg1"/>
@@ -21958,59 +21921,67 @@
             </a:endParaRPr>
           </a:p>
           <a:p>
-            <a:pPr lvl="0">
+            <a:pPr lvl="1">
               <a:buClr>
                 <a:srgbClr val="F8F8F8"/>
               </a:buClr>
               <a:buSzPct val="25000"/>
             </a:pPr>
             <a:r>
+              <a:rPr lang="nl-NL" sz="2000" dirty="0">
+                <a:solidFill>
+                  <a:schemeClr val="bg1"/>
+                </a:solidFill>
+              </a:rPr>
+              <a:t>l</a:t>
+            </a:r>
+            <a:r>
               <a:rPr lang="nl-NL" sz="2000" dirty="0" smtClean="0">
                 <a:solidFill>
                   <a:schemeClr val="bg1"/>
                 </a:solidFill>
               </a:rPr>
-              <a:t>       </a:t>
+              <a:t>et </a:t>
+            </a:r>
+            <a:r>
+              <a:rPr lang="mr-IN" sz="2000" dirty="0" err="1" smtClean="0">
+                <a:solidFill>
+                  <a:srgbClr val="FFFF00"/>
+                </a:solidFill>
+              </a:rPr>
+              <a:t>o</a:t>
+            </a:r>
+            <a:r>
+              <a:rPr lang="nl-NL" sz="2000" dirty="0" err="1" smtClean="0">
+                <a:solidFill>
+                  <a:srgbClr val="FFFF00"/>
+                </a:solidFill>
+              </a:rPr>
+              <a:t>bj</a:t>
             </a:r>
             <a:r>
               <a:rPr lang="mr-IN" sz="2000" dirty="0" smtClean="0">
                 <a:solidFill>
+                  <a:srgbClr val="FFFF00"/>
+                </a:solidFill>
+              </a:rPr>
+              <a:t> </a:t>
+            </a:r>
+            <a:r>
+              <a:rPr lang="mr-IN" sz="2000" dirty="0" smtClean="0">
+                <a:solidFill>
                   <a:schemeClr val="bg1"/>
                 </a:solidFill>
               </a:rPr>
-              <a:t>[</a:t>
-            </a:r>
-            <a:r>
-              <a:rPr lang="mr-IN" sz="2000" dirty="0" err="1">
+              <a:t>= </a:t>
+            </a:r>
+            <a:r>
+              <a:rPr lang="mr-IN" sz="2000" dirty="0">
                 <a:solidFill>
                   <a:schemeClr val="bg1"/>
                 </a:solidFill>
               </a:rPr>
-              <a:t>prop</a:t>
-            </a:r>
-            <a:r>
-              <a:rPr lang="mr-IN" sz="2000" dirty="0">
-                <a:solidFill>
-                  <a:schemeClr val="bg1"/>
-                </a:solidFill>
-              </a:rPr>
-              <a:t>]: '</a:t>
-            </a:r>
-            <a:r>
-              <a:rPr lang="mr-IN" sz="2000" dirty="0" err="1">
-                <a:solidFill>
-                  <a:schemeClr val="bg1"/>
-                </a:solidFill>
-              </a:rPr>
-              <a:t>hey</a:t>
-            </a:r>
-            <a:r>
-              <a:rPr lang="mr-IN" sz="2000" dirty="0">
-                <a:solidFill>
-                  <a:schemeClr val="bg1"/>
-                </a:solidFill>
-              </a:rPr>
-              <a:t>', </a:t>
+              <a:t>{ </a:t>
             </a:r>
             <a:endParaRPr lang="nl-NL" sz="2000" dirty="0" smtClean="0">
               <a:solidFill>
@@ -22019,27 +21990,43 @@
             </a:endParaRPr>
           </a:p>
           <a:p>
-            <a:pPr lvl="0">
+            <a:pPr lvl="1">
               <a:buClr>
                 <a:srgbClr val="F8F8F8"/>
               </a:buClr>
               <a:buSzPct val="25000"/>
             </a:pPr>
             <a:r>
-              <a:rPr lang="nl-NL" sz="2000" dirty="0">
+              <a:rPr lang="nl-NL" sz="2000" dirty="0" smtClean="0">
                 <a:solidFill>
                   <a:schemeClr val="bg1"/>
                 </a:solidFill>
               </a:rPr>
-              <a:t> </a:t>
-            </a:r>
-            <a:r>
-              <a:rPr lang="nl-NL" sz="2000" dirty="0" smtClean="0">
+              <a:t>       </a:t>
+            </a:r>
+            <a:r>
+              <a:rPr lang="mr-IN" sz="2000" dirty="0" smtClean="0">
                 <a:solidFill>
                   <a:schemeClr val="bg1"/>
                 </a:solidFill>
               </a:rPr>
-              <a:t>      </a:t>
+              <a:t>[</a:t>
+            </a:r>
+            <a:r>
+              <a:rPr lang="mr-IN" sz="2000" dirty="0" err="1" smtClean="0">
+                <a:solidFill>
+                  <a:srgbClr val="00B050"/>
+                </a:solidFill>
+              </a:rPr>
+              <a:t>prop</a:t>
+            </a:r>
+            <a:r>
+              <a:rPr lang="nl-NL" sz="2000" dirty="0" err="1" smtClean="0">
+                <a:solidFill>
+                  <a:srgbClr val="00B050"/>
+                </a:solidFill>
+              </a:rPr>
+              <a:t>erty</a:t>
             </a:r>
             <a:r>
               <a:rPr lang="mr-IN" sz="2000" dirty="0" smtClean="0">
@@ -22047,7 +22034,7 @@
                   <a:schemeClr val="bg1"/>
                 </a:solidFill>
               </a:rPr>
-              <a:t>[</a:t>
+              <a:t>]: </a:t>
             </a:r>
             <a:r>
               <a:rPr lang="mr-IN" sz="2000" dirty="0">
@@ -22063,7 +22050,7 @@
                   <a:schemeClr val="bg1"/>
                 </a:solidFill>
               </a:rPr>
-              <a:t>b</a:t>
+              <a:t>hey</a:t>
             </a:r>
             <a:r>
               <a:rPr lang="mr-IN" sz="2000" dirty="0">
@@ -22071,39 +22058,7 @@
                   <a:schemeClr val="bg1"/>
                 </a:solidFill>
               </a:rPr>
-              <a:t>' + '</a:t>
-            </a:r>
-            <a:r>
-              <a:rPr lang="mr-IN" sz="2000" dirty="0" err="1">
-                <a:solidFill>
-                  <a:schemeClr val="bg1"/>
-                </a:solidFill>
-              </a:rPr>
-              <a:t>ar</a:t>
-            </a:r>
-            <a:r>
-              <a:rPr lang="mr-IN" sz="2000" dirty="0">
-                <a:solidFill>
-                  <a:schemeClr val="bg1"/>
-                </a:solidFill>
-              </a:rPr>
-              <a:t>']: '</a:t>
-            </a:r>
-            <a:r>
-              <a:rPr lang="mr-IN" sz="2000" dirty="0" err="1">
-                <a:solidFill>
-                  <a:schemeClr val="bg1"/>
-                </a:solidFill>
-              </a:rPr>
-              <a:t>there</a:t>
-            </a:r>
-            <a:r>
-              <a:rPr lang="mr-IN" sz="2000" dirty="0">
-                <a:solidFill>
-                  <a:schemeClr val="bg1"/>
-                </a:solidFill>
-              </a:rPr>
-              <a:t>' </a:t>
+              <a:t>', </a:t>
             </a:r>
             <a:endParaRPr lang="nl-NL" sz="2000" dirty="0" smtClean="0">
               <a:solidFill>
@@ -22112,7 +22067,108 @@
             </a:endParaRPr>
           </a:p>
           <a:p>
-            <a:pPr lvl="0">
+            <a:pPr lvl="1">
+              <a:buClr>
+                <a:srgbClr val="F8F8F8"/>
+              </a:buClr>
+              <a:buSzPct val="25000"/>
+            </a:pPr>
+            <a:r>
+              <a:rPr lang="nl-NL" sz="2000" dirty="0">
+                <a:solidFill>
+                  <a:schemeClr val="bg1"/>
+                </a:solidFill>
+              </a:rPr>
+              <a:t> </a:t>
+            </a:r>
+            <a:r>
+              <a:rPr lang="nl-NL" sz="2000" dirty="0" smtClean="0">
+                <a:solidFill>
+                  <a:schemeClr val="bg1"/>
+                </a:solidFill>
+              </a:rPr>
+              <a:t>      </a:t>
+            </a:r>
+            <a:r>
+              <a:rPr lang="mr-IN" sz="2000" dirty="0" smtClean="0">
+                <a:solidFill>
+                  <a:schemeClr val="bg1"/>
+                </a:solidFill>
+              </a:rPr>
+              <a:t>[</a:t>
+            </a:r>
+            <a:r>
+              <a:rPr lang="mr-IN" sz="2000" dirty="0">
+                <a:solidFill>
+                  <a:srgbClr val="FFC000"/>
+                </a:solidFill>
+              </a:rPr>
+              <a:t>'</a:t>
+            </a:r>
+            <a:r>
+              <a:rPr lang="mr-IN" sz="2000" dirty="0" err="1">
+                <a:solidFill>
+                  <a:srgbClr val="FFC000"/>
+                </a:solidFill>
+              </a:rPr>
+              <a:t>b</a:t>
+            </a:r>
+            <a:r>
+              <a:rPr lang="mr-IN" sz="2000" dirty="0">
+                <a:solidFill>
+                  <a:srgbClr val="FFC000"/>
+                </a:solidFill>
+              </a:rPr>
+              <a:t>' + '</a:t>
+            </a:r>
+            <a:r>
+              <a:rPr lang="mr-IN" sz="2000" dirty="0" err="1">
+                <a:solidFill>
+                  <a:srgbClr val="FFC000"/>
+                </a:solidFill>
+              </a:rPr>
+              <a:t>ar</a:t>
+            </a:r>
+            <a:r>
+              <a:rPr lang="mr-IN" sz="2000" dirty="0">
+                <a:solidFill>
+                  <a:srgbClr val="FFC000"/>
+                </a:solidFill>
+              </a:rPr>
+              <a:t>'</a:t>
+            </a:r>
+            <a:r>
+              <a:rPr lang="mr-IN" sz="2000" dirty="0">
+                <a:solidFill>
+                  <a:schemeClr val="bg1"/>
+                </a:solidFill>
+              </a:rPr>
+              <a:t>]: '</a:t>
+            </a:r>
+            <a:r>
+              <a:rPr lang="mr-IN" sz="2000" dirty="0" err="1">
+                <a:solidFill>
+                  <a:schemeClr val="bg1"/>
+                </a:solidFill>
+              </a:rPr>
+              <a:t>there</a:t>
+            </a:r>
+            <a:r>
+              <a:rPr lang="mr-IN" sz="2000" dirty="0">
+                <a:solidFill>
+                  <a:schemeClr val="bg1"/>
+                </a:solidFill>
+              </a:rPr>
+              <a:t>' </a:t>
+            </a:r>
+            <a:endParaRPr lang="nl-NL" sz="2000" dirty="0" smtClean="0">
+              <a:solidFill>
+                <a:schemeClr val="bg1"/>
+              </a:solidFill>
+            </a:endParaRPr>
+          </a:p>
+          <a:p>
+            <a:pPr lvl="1">
               <a:buClr>
                 <a:srgbClr val="F8F8F8"/>
               </a:buClr>
@@ -22417,7 +22473,23 @@
                   <a:schemeClr val="bg1"/>
                 </a:solidFill>
               </a:rPr>
-              <a:t>); // 1 </a:t>
+              <a:t>); </a:t>
+            </a:r>
+            <a:r>
+              <a:rPr lang="mr-IN" sz="2400" i="1" dirty="0">
+                <a:solidFill>
+                  <a:srgbClr val="FFFF00"/>
+                </a:solidFill>
+              </a:rPr>
+              <a:t>// 1</a:t>
+            </a:r>
+            <a:r>
+              <a:rPr lang="mr-IN" sz="2400" dirty="0">
+                <a:solidFill>
+                  <a:schemeClr val="bg1"/>
+                </a:solidFill>
+              </a:rPr>
+              <a:t> </a:t>
             </a:r>
             <a:endParaRPr lang="nl-NL" sz="2400" dirty="0" smtClean="0">
               <a:solidFill>
@@ -22462,9 +22534,25 @@
                   <a:schemeClr val="bg1"/>
                 </a:solidFill>
               </a:rPr>
-              <a:t>); // 2 </a:t>
-            </a:r>
-            <a:endParaRPr lang="nl-NL" sz="2400" dirty="0" smtClean="0">
+              <a:t>); </a:t>
+            </a:r>
+            <a:r>
+              <a:rPr lang="mr-IN" sz="2400" i="1" dirty="0">
+                <a:solidFill>
+                  <a:srgbClr val="FFFF00"/>
+                </a:solidFill>
+              </a:rPr>
+              <a:t>// 2</a:t>
+            </a:r>
+            <a:r>
+              <a:rPr lang="mr-IN" sz="2400" i="1" dirty="0">
+                <a:solidFill>
+                  <a:schemeClr val="bg1"/>
+                </a:solidFill>
+              </a:rPr>
+              <a:t> </a:t>
+            </a:r>
+            <a:endParaRPr lang="nl-NL" sz="2400" i="1" dirty="0" smtClean="0">
               <a:solidFill>
                 <a:schemeClr val="bg1"/>
               </a:solidFill>
@@ -22515,11 +22603,19 @@
                   <a:schemeClr val="bg1"/>
                 </a:solidFill>
               </a:rPr>
-              <a:t>); // [3, 4, 5] </a:t>
-            </a:r>
-            <a:endParaRPr lang="nl-NL" sz="2400" dirty="0" smtClean="0">
+              <a:t>); </a:t>
+            </a:r>
+            <a:r>
+              <a:rPr lang="mr-IN" sz="2400" i="1" dirty="0">
+                <a:solidFill>
+                  <a:srgbClr val="FFFF00"/>
+                </a:solidFill>
+              </a:rPr>
+              <a:t>// [3, 4, 5] </a:t>
+            </a:r>
+            <a:endParaRPr lang="nl-NL" sz="2400" i="1" dirty="0" smtClean="0">
               <a:solidFill>
-                <a:schemeClr val="bg1"/>
+                <a:srgbClr val="FFFF00"/>
               </a:solidFill>
             </a:endParaRPr>
           </a:p>
@@ -22658,7 +22754,23 @@
                   <a:schemeClr val="bg1"/>
                 </a:solidFill>
               </a:rPr>
-              <a:t>); // 1 </a:t>
+              <a:t>); </a:t>
+            </a:r>
+            <a:r>
+              <a:rPr lang="mr-IN" sz="2400" i="1" dirty="0">
+                <a:solidFill>
+                  <a:srgbClr val="FFFF00"/>
+                </a:solidFill>
+              </a:rPr>
+              <a:t>// 1</a:t>
+            </a:r>
+            <a:r>
+              <a:rPr lang="mr-IN" sz="2400" dirty="0">
+                <a:solidFill>
+                  <a:schemeClr val="bg1"/>
+                </a:solidFill>
+              </a:rPr>
+              <a:t> </a:t>
             </a:r>
             <a:endParaRPr lang="nl-NL" sz="2400" dirty="0" smtClean="0">
               <a:solidFill>
@@ -22703,11 +22815,19 @@
                   <a:schemeClr val="bg1"/>
                 </a:solidFill>
               </a:rPr>
-              <a:t>); // 2</a:t>
-            </a:r>
-            <a:endParaRPr lang="en-US" sz="2300" b="0" i="0" u="none" strike="noStrike" cap="none" dirty="0">
+              <a:t>); </a:t>
+            </a:r>
+            <a:r>
+              <a:rPr lang="mr-IN" sz="2400" i="1" dirty="0">
+                <a:solidFill>
+                  <a:srgbClr val="FFFF00"/>
+                </a:solidFill>
+              </a:rPr>
+              <a:t>// 2</a:t>
+            </a:r>
+            <a:endParaRPr lang="en-US" sz="2300" b="0" i="1" u="none" strike="noStrike" cap="none" dirty="0">
               <a:solidFill>
-                <a:schemeClr val="bg1"/>
+                <a:srgbClr val="FFFF00"/>
               </a:solidFill>
               <a:latin typeface="Consolas"/>
               <a:ea typeface="Consolas"/>
@@ -22979,13 +23099,29 @@
             <a:r>
               <a:rPr lang="en-US" sz="2400" b="1" dirty="0" smtClean="0">
                 <a:solidFill>
+                  <a:srgbClr val="FFFF00"/>
+                </a:solidFill>
+              </a:rPr>
+              <a:t>export</a:t>
+            </a:r>
+            <a:r>
+              <a:rPr lang="en-US" sz="2400" dirty="0" smtClean="0">
+                <a:solidFill>
+                  <a:srgbClr val="FFFF00"/>
+                </a:solidFill>
+              </a:rPr>
+              <a:t> </a:t>
+            </a:r>
+            <a:r>
+              <a:rPr lang="en-US" sz="2400" b="1" dirty="0">
+                <a:solidFill>
                   <a:schemeClr val="bg1"/>
                 </a:solidFill>
               </a:rPr>
-              <a:t>export</a:t>
-            </a:r>
-            <a:r>
-              <a:rPr lang="en-US" sz="2400" dirty="0" smtClean="0">
+              <a:t>function</a:t>
+            </a:r>
+            <a:r>
+              <a:rPr lang="en-US" sz="2400" dirty="0">
                 <a:solidFill>
                   <a:schemeClr val="bg1"/>
                 </a:solidFill>
@@ -22995,23 +23131,7 @@
             <a:r>
               <a:rPr lang="en-US" sz="2400" b="1" dirty="0">
                 <a:solidFill>
-                  <a:schemeClr val="bg1"/>
-                </a:solidFill>
-              </a:rPr>
-              <a:t>function</a:t>
-            </a:r>
-            <a:r>
-              <a:rPr lang="en-US" sz="2400" dirty="0">
-                <a:solidFill>
-                  <a:schemeClr val="bg1"/>
-                </a:solidFill>
-              </a:rPr>
-              <a:t> </a:t>
-            </a:r>
-            <a:r>
-              <a:rPr lang="en-US" sz="2400" b="1" dirty="0">
-                <a:solidFill>
-                  <a:schemeClr val="bg1"/>
+                  <a:srgbClr val="C00000"/>
                 </a:solidFill>
               </a:rPr>
               <a:t>square</a:t>
@@ -23056,13 +23176,29 @@
             <a:r>
               <a:rPr lang="en-US" sz="2400" b="1" dirty="0" smtClean="0">
                 <a:solidFill>
+                  <a:srgbClr val="FFFF00"/>
+                </a:solidFill>
+              </a:rPr>
+              <a:t>export</a:t>
+            </a:r>
+            <a:r>
+              <a:rPr lang="en-US" sz="2400" dirty="0" smtClean="0">
+                <a:solidFill>
+                  <a:srgbClr val="FFFF00"/>
+                </a:solidFill>
+              </a:rPr>
+              <a:t> </a:t>
+            </a:r>
+            <a:r>
+              <a:rPr lang="en-US" sz="2400" b="1" dirty="0">
+                <a:solidFill>
                   <a:schemeClr val="bg1"/>
                 </a:solidFill>
               </a:rPr>
-              <a:t>export</a:t>
-            </a:r>
-            <a:r>
-              <a:rPr lang="en-US" sz="2400" dirty="0" smtClean="0">
+              <a:t>function</a:t>
+            </a:r>
+            <a:r>
+              <a:rPr lang="en-US" sz="2400" dirty="0">
                 <a:solidFill>
                   <a:schemeClr val="bg1"/>
                 </a:solidFill>
@@ -23070,25 +23206,9 @@
               <a:t> </a:t>
             </a:r>
             <a:r>
-              <a:rPr lang="en-US" sz="2400" b="1" dirty="0">
-                <a:solidFill>
-                  <a:schemeClr val="bg1"/>
-                </a:solidFill>
-              </a:rPr>
-              <a:t>function</a:t>
-            </a:r>
-            <a:r>
-              <a:rPr lang="en-US" sz="2400" dirty="0">
-                <a:solidFill>
-                  <a:schemeClr val="bg1"/>
-                </a:solidFill>
-              </a:rPr>
-              <a:t> </a:t>
-            </a:r>
-            <a:r>
               <a:rPr lang="en-US" sz="2400" b="1" dirty="0" err="1">
                 <a:solidFill>
-                  <a:schemeClr val="bg1"/>
+                  <a:srgbClr val="C00000"/>
                 </a:solidFill>
               </a:rPr>
               <a:t>diag</a:t>
@@ -23210,18 +23330,26 @@
             <a:r>
               <a:rPr lang="en-US" sz="2400" b="1" dirty="0">
                 <a:solidFill>
+                  <a:srgbClr val="FFC000"/>
+                </a:solidFill>
+              </a:rPr>
+              <a:t>import</a:t>
+            </a:r>
+            <a:r>
+              <a:rPr lang="en-US" sz="2400" dirty="0">
+                <a:solidFill>
+                  <a:srgbClr val="FFC000"/>
+                </a:solidFill>
+              </a:rPr>
+              <a:t> </a:t>
+            </a:r>
+            <a:r>
+              <a:rPr lang="en-US" sz="2400" dirty="0">
+                <a:solidFill>
                   <a:schemeClr val="bg1"/>
                 </a:solidFill>
               </a:rPr>
-              <a:t>import</a:t>
-            </a:r>
-            <a:r>
-              <a:rPr lang="en-US" sz="2400" dirty="0">
-                <a:solidFill>
-                  <a:schemeClr val="bg1"/>
-                </a:solidFill>
-              </a:rPr>
-              <a:t> { square, </a:t>
+              <a:t>{ square, </a:t>
             </a:r>
             <a:r>
               <a:rPr lang="en-US" sz="2400" dirty="0" err="1">
@@ -23290,7 +23418,23 @@
                   <a:schemeClr val="bg1"/>
                 </a:solidFill>
               </a:rPr>
-              <a:t>(square(11</a:t>
+              <a:t>(</a:t>
+            </a:r>
+            <a:r>
+              <a:rPr lang="en-US" sz="2400" dirty="0" smtClean="0">
+                <a:solidFill>
+                  <a:srgbClr val="C00000"/>
+                </a:solidFill>
+              </a:rPr>
+              <a:t>square</a:t>
+            </a:r>
+            <a:r>
+              <a:rPr lang="en-US" sz="2400" dirty="0" smtClean="0">
+                <a:solidFill>
+                  <a:schemeClr val="bg1"/>
+                </a:solidFill>
+              </a:rPr>
+              <a:t>(11</a:t>
             </a:r>
             <a:r>
               <a:rPr lang="en-US" sz="2400" dirty="0">
@@ -23340,7 +23484,7 @@
             <a:r>
               <a:rPr lang="en-US" sz="2400" dirty="0" err="1" smtClean="0">
                 <a:solidFill>
-                  <a:schemeClr val="bg1"/>
+                  <a:srgbClr val="C00000"/>
                 </a:solidFill>
               </a:rPr>
               <a:t>diag</a:t>
@@ -27439,7 +27583,31 @@
             </a:r>
             <a:r>
               <a:rPr lang="en-US" dirty="0"/>
-              <a:t>= new Map();</a:t>
+              <a:t>= new </a:t>
+            </a:r>
+            <a:r>
+              <a:rPr lang="en-US" dirty="0">
+                <a:solidFill>
+                  <a:srgbClr val="C00000"/>
+                </a:solidFill>
+              </a:rPr>
+              <a:t>Map</a:t>
+            </a:r>
+            <a:r>
+              <a:rPr lang="en-US" dirty="0" smtClean="0">
+                <a:solidFill>
+                  <a:srgbClr val="C00000"/>
+                </a:solidFill>
+              </a:rPr>
+              <a:t>( )</a:t>
+            </a:r>
+            <a:r>
+              <a:rPr lang="en-US" dirty="0" smtClean="0"/>
+              <a:t>;</a:t>
+            </a:r>
+            <a:r>
+              <a:rPr lang="en-US" dirty="0"/>
+              <a:t/>
             </a:r>
             <a:br>
               <a:rPr lang="en-US" dirty="0"/>
@@ -27715,8 +27883,24 @@
               <a:t>= new </a:t>
             </a:r>
             <a:r>
+              <a:rPr lang="en-US" dirty="0" smtClean="0">
+                <a:solidFill>
+                  <a:srgbClr val="C00000"/>
+                </a:solidFill>
+              </a:rPr>
+              <a:t>Set</a:t>
+            </a:r>
+            <a:r>
+              <a:rPr lang="en-US" dirty="0" smtClean="0">
+                <a:solidFill>
+                  <a:srgbClr val="C00000"/>
+                </a:solidFill>
+              </a:rPr>
+              <a:t>( )</a:t>
+            </a:r>
+            <a:r>
               <a:rPr lang="en-US" dirty="0" smtClean="0"/>
-              <a:t>Set();</a:t>
+              <a:t>;</a:t>
             </a:r>
             <a:r>
               <a:rPr lang="en-US" dirty="0"/>

--- a/frontend-cursus/ 4 - ECMAScript 6 node-browser.pptx
+++ b/frontend-cursus/ 4 - ECMAScript 6 node-browser.pptx
@@ -5,7 +5,7 @@
     <p:sldMasterId id="2147483660" r:id="rId1"/>
   </p:sldMasterIdLst>
   <p:notesMasterIdLst>
-    <p:notesMasterId r:id="rId46"/>
+    <p:notesMasterId r:id="rId37"/>
   </p:notesMasterIdLst>
   <p:sldIdLst>
     <p:sldId id="256" r:id="rId2"/>
@@ -43,15 +43,6 @@
     <p:sldId id="299" r:id="rId34"/>
     <p:sldId id="286" r:id="rId35"/>
     <p:sldId id="287" r:id="rId36"/>
-    <p:sldId id="288" r:id="rId37"/>
-    <p:sldId id="289" r:id="rId38"/>
-    <p:sldId id="290" r:id="rId39"/>
-    <p:sldId id="291" r:id="rId40"/>
-    <p:sldId id="292" r:id="rId41"/>
-    <p:sldId id="293" r:id="rId42"/>
-    <p:sldId id="294" r:id="rId43"/>
-    <p:sldId id="295" r:id="rId44"/>
-    <p:sldId id="296" r:id="rId45"/>
   </p:sldIdLst>
   <p:sldSz cx="9144000" cy="5143500" type="screen16x9"/>
   <p:notesSz cx="6858000" cy="9144000"/>
@@ -4788,612 +4779,6 @@
 </p:notes>
 </file>
 
-<file path=ppt/notesSlides/notesSlide34.xml><?xml version="1.0" encoding="utf-8"?>
-<p:notes xmlns:a="http://schemas.openxmlformats.org/drawingml/2006/main" xmlns:r="http://schemas.openxmlformats.org/officeDocument/2006/relationships" xmlns:p="http://schemas.openxmlformats.org/presentationml/2006/main" showMasterSp="0" showMasterPhAnim="0">
-  <p:cSld>
-    <p:spTree>
-      <p:nvGrpSpPr>
-        <p:cNvPr id="1" name="Shape 249"/>
-        <p:cNvGrpSpPr/>
-        <p:nvPr/>
-      </p:nvGrpSpPr>
-      <p:grpSpPr>
-        <a:xfrm>
-          <a:off x="0" y="0"/>
-          <a:ext cx="0" cy="0"/>
-          <a:chOff x="0" y="0"/>
-          <a:chExt cx="0" cy="0"/>
-        </a:xfrm>
-      </p:grpSpPr>
-      <p:sp>
-        <p:nvSpPr>
-          <p:cNvPr id="250" name="Shape 250"/>
-          <p:cNvSpPr txBox="1">
-            <a:spLocks noGrp="1"/>
-          </p:cNvSpPr>
-          <p:nvPr>
-            <p:ph type="body" idx="1"/>
-          </p:nvPr>
-        </p:nvSpPr>
-        <p:spPr>
-          <a:xfrm>
-            <a:off x="914400" y="4343400"/>
-            <a:ext cx="5029199" cy="4114800"/>
-          </a:xfrm>
-          <a:prstGeom prst="rect">
-            <a:avLst/>
-          </a:prstGeom>
-        </p:spPr>
-        <p:txBody>
-          <a:bodyPr lIns="91425" tIns="91425" rIns="91425" bIns="91425" anchor="t" anchorCtr="0">
-            <a:noAutofit/>
-          </a:bodyPr>
-          <a:lstStyle/>
-          <a:p>
-            <a:pPr lvl="0">
-              <a:spcBef>
-                <a:spcPts val="0"/>
-              </a:spcBef>
-              <a:buNone/>
-            </a:pPr>
-            <a:endParaRPr/>
-          </a:p>
-        </p:txBody>
-      </p:sp>
-      <p:sp>
-        <p:nvSpPr>
-          <p:cNvPr id="251" name="Shape 251"/>
-          <p:cNvSpPr>
-            <a:spLocks noGrp="1" noRot="1" noChangeAspect="1"/>
-          </p:cNvSpPr>
-          <p:nvPr>
-            <p:ph type="sldImg" idx="2"/>
-          </p:nvPr>
-        </p:nvSpPr>
-        <p:spPr>
-          <a:xfrm>
-            <a:off x="380999" y="685800"/>
-            <a:ext cx="6096000" cy="3429000"/>
-          </a:xfrm>
-          <a:custGeom>
-            <a:avLst/>
-            <a:gdLst/>
-            <a:ahLst/>
-            <a:cxnLst/>
-            <a:rect l="0" t="0" r="0" b="0"/>
-            <a:pathLst>
-              <a:path w="120000" h="120000" extrusionOk="0">
-                <a:moveTo>
-                  <a:pt x="0" y="0"/>
-                </a:moveTo>
-                <a:lnTo>
-                  <a:pt x="120000" y="0"/>
-                </a:lnTo>
-                <a:lnTo>
-                  <a:pt x="120000" y="120000"/>
-                </a:lnTo>
-                <a:lnTo>
-                  <a:pt x="0" y="120000"/>
-                </a:lnTo>
-                <a:close/>
-              </a:path>
-            </a:pathLst>
-          </a:custGeom>
-        </p:spPr>
-      </p:sp>
-    </p:spTree>
-  </p:cSld>
-  <p:clrMapOvr>
-    <a:masterClrMapping/>
-  </p:clrMapOvr>
-</p:notes>
-</file>
-
-<file path=ppt/notesSlides/notesSlide35.xml><?xml version="1.0" encoding="utf-8"?>
-<p:notes xmlns:a="http://schemas.openxmlformats.org/drawingml/2006/main" xmlns:r="http://schemas.openxmlformats.org/officeDocument/2006/relationships" xmlns:p="http://schemas.openxmlformats.org/presentationml/2006/main" showMasterSp="0" showMasterPhAnim="0">
-  <p:cSld>
-    <p:spTree>
-      <p:nvGrpSpPr>
-        <p:cNvPr id="1" name="Shape 254"/>
-        <p:cNvGrpSpPr/>
-        <p:nvPr/>
-      </p:nvGrpSpPr>
-      <p:grpSpPr>
-        <a:xfrm>
-          <a:off x="0" y="0"/>
-          <a:ext cx="0" cy="0"/>
-          <a:chOff x="0" y="0"/>
-          <a:chExt cx="0" cy="0"/>
-        </a:xfrm>
-      </p:grpSpPr>
-      <p:sp>
-        <p:nvSpPr>
-          <p:cNvPr id="255" name="Shape 255"/>
-          <p:cNvSpPr txBox="1">
-            <a:spLocks noGrp="1"/>
-          </p:cNvSpPr>
-          <p:nvPr>
-            <p:ph type="body" idx="1"/>
-          </p:nvPr>
-        </p:nvSpPr>
-        <p:spPr>
-          <a:xfrm>
-            <a:off x="914400" y="4343400"/>
-            <a:ext cx="5029199" cy="4114800"/>
-          </a:xfrm>
-          <a:prstGeom prst="rect">
-            <a:avLst/>
-          </a:prstGeom>
-        </p:spPr>
-        <p:txBody>
-          <a:bodyPr lIns="91425" tIns="91425" rIns="91425" bIns="91425" anchor="t" anchorCtr="0">
-            <a:noAutofit/>
-          </a:bodyPr>
-          <a:lstStyle/>
-          <a:p>
-            <a:pPr lvl="0">
-              <a:spcBef>
-                <a:spcPts val="0"/>
-              </a:spcBef>
-              <a:buNone/>
-            </a:pPr>
-            <a:endParaRPr/>
-          </a:p>
-        </p:txBody>
-      </p:sp>
-      <p:sp>
-        <p:nvSpPr>
-          <p:cNvPr id="256" name="Shape 256"/>
-          <p:cNvSpPr>
-            <a:spLocks noGrp="1" noRot="1" noChangeAspect="1"/>
-          </p:cNvSpPr>
-          <p:nvPr>
-            <p:ph type="sldImg" idx="2"/>
-          </p:nvPr>
-        </p:nvSpPr>
-        <p:spPr>
-          <a:xfrm>
-            <a:off x="380999" y="685800"/>
-            <a:ext cx="6096000" cy="3429000"/>
-          </a:xfrm>
-          <a:custGeom>
-            <a:avLst/>
-            <a:gdLst/>
-            <a:ahLst/>
-            <a:cxnLst/>
-            <a:rect l="0" t="0" r="0" b="0"/>
-            <a:pathLst>
-              <a:path w="120000" h="120000" extrusionOk="0">
-                <a:moveTo>
-                  <a:pt x="0" y="0"/>
-                </a:moveTo>
-                <a:lnTo>
-                  <a:pt x="120000" y="0"/>
-                </a:lnTo>
-                <a:lnTo>
-                  <a:pt x="120000" y="120000"/>
-                </a:lnTo>
-                <a:lnTo>
-                  <a:pt x="0" y="120000"/>
-                </a:lnTo>
-                <a:close/>
-              </a:path>
-            </a:pathLst>
-          </a:custGeom>
-        </p:spPr>
-      </p:sp>
-    </p:spTree>
-  </p:cSld>
-  <p:clrMapOvr>
-    <a:masterClrMapping/>
-  </p:clrMapOvr>
-</p:notes>
-</file>
-
-<file path=ppt/notesSlides/notesSlide36.xml><?xml version="1.0" encoding="utf-8"?>
-<p:notes xmlns:a="http://schemas.openxmlformats.org/drawingml/2006/main" xmlns:r="http://schemas.openxmlformats.org/officeDocument/2006/relationships" xmlns:p="http://schemas.openxmlformats.org/presentationml/2006/main" showMasterSp="0" showMasterPhAnim="0">
-  <p:cSld>
-    <p:spTree>
-      <p:nvGrpSpPr>
-        <p:cNvPr id="1" name="Shape 259"/>
-        <p:cNvGrpSpPr/>
-        <p:nvPr/>
-      </p:nvGrpSpPr>
-      <p:grpSpPr>
-        <a:xfrm>
-          <a:off x="0" y="0"/>
-          <a:ext cx="0" cy="0"/>
-          <a:chOff x="0" y="0"/>
-          <a:chExt cx="0" cy="0"/>
-        </a:xfrm>
-      </p:grpSpPr>
-      <p:sp>
-        <p:nvSpPr>
-          <p:cNvPr id="260" name="Shape 260"/>
-          <p:cNvSpPr txBox="1">
-            <a:spLocks noGrp="1"/>
-          </p:cNvSpPr>
-          <p:nvPr>
-            <p:ph type="body" idx="1"/>
-          </p:nvPr>
-        </p:nvSpPr>
-        <p:spPr>
-          <a:xfrm>
-            <a:off x="914400" y="4343400"/>
-            <a:ext cx="5029199" cy="4114800"/>
-          </a:xfrm>
-          <a:prstGeom prst="rect">
-            <a:avLst/>
-          </a:prstGeom>
-        </p:spPr>
-        <p:txBody>
-          <a:bodyPr lIns="91425" tIns="91425" rIns="91425" bIns="91425" anchor="t" anchorCtr="0">
-            <a:noAutofit/>
-          </a:bodyPr>
-          <a:lstStyle/>
-          <a:p>
-            <a:pPr lvl="0">
-              <a:spcBef>
-                <a:spcPts val="0"/>
-              </a:spcBef>
-              <a:buNone/>
-            </a:pPr>
-            <a:endParaRPr/>
-          </a:p>
-        </p:txBody>
-      </p:sp>
-      <p:sp>
-        <p:nvSpPr>
-          <p:cNvPr id="261" name="Shape 261"/>
-          <p:cNvSpPr>
-            <a:spLocks noGrp="1" noRot="1" noChangeAspect="1"/>
-          </p:cNvSpPr>
-          <p:nvPr>
-            <p:ph type="sldImg" idx="2"/>
-          </p:nvPr>
-        </p:nvSpPr>
-        <p:spPr>
-          <a:xfrm>
-            <a:off x="380999" y="685800"/>
-            <a:ext cx="6096000" cy="3429000"/>
-          </a:xfrm>
-          <a:custGeom>
-            <a:avLst/>
-            <a:gdLst/>
-            <a:ahLst/>
-            <a:cxnLst/>
-            <a:rect l="0" t="0" r="0" b="0"/>
-            <a:pathLst>
-              <a:path w="120000" h="120000" extrusionOk="0">
-                <a:moveTo>
-                  <a:pt x="0" y="0"/>
-                </a:moveTo>
-                <a:lnTo>
-                  <a:pt x="120000" y="0"/>
-                </a:lnTo>
-                <a:lnTo>
-                  <a:pt x="120000" y="120000"/>
-                </a:lnTo>
-                <a:lnTo>
-                  <a:pt x="0" y="120000"/>
-                </a:lnTo>
-                <a:close/>
-              </a:path>
-            </a:pathLst>
-          </a:custGeom>
-        </p:spPr>
-      </p:sp>
-    </p:spTree>
-  </p:cSld>
-  <p:clrMapOvr>
-    <a:masterClrMapping/>
-  </p:clrMapOvr>
-</p:notes>
-</file>
-
-<file path=ppt/notesSlides/notesSlide37.xml><?xml version="1.0" encoding="utf-8"?>
-<p:notes xmlns:a="http://schemas.openxmlformats.org/drawingml/2006/main" xmlns:r="http://schemas.openxmlformats.org/officeDocument/2006/relationships" xmlns:p="http://schemas.openxmlformats.org/presentationml/2006/main" showMasterSp="0" showMasterPhAnim="0">
-  <p:cSld>
-    <p:spTree>
-      <p:nvGrpSpPr>
-        <p:cNvPr id="1" name="Shape 265"/>
-        <p:cNvGrpSpPr/>
-        <p:nvPr/>
-      </p:nvGrpSpPr>
-      <p:grpSpPr>
-        <a:xfrm>
-          <a:off x="0" y="0"/>
-          <a:ext cx="0" cy="0"/>
-          <a:chOff x="0" y="0"/>
-          <a:chExt cx="0" cy="0"/>
-        </a:xfrm>
-      </p:grpSpPr>
-      <p:sp>
-        <p:nvSpPr>
-          <p:cNvPr id="266" name="Shape 266"/>
-          <p:cNvSpPr txBox="1">
-            <a:spLocks noGrp="1"/>
-          </p:cNvSpPr>
-          <p:nvPr>
-            <p:ph type="body" idx="1"/>
-          </p:nvPr>
-        </p:nvSpPr>
-        <p:spPr>
-          <a:xfrm>
-            <a:off x="914400" y="4343400"/>
-            <a:ext cx="5029199" cy="4114800"/>
-          </a:xfrm>
-          <a:prstGeom prst="rect">
-            <a:avLst/>
-          </a:prstGeom>
-        </p:spPr>
-        <p:txBody>
-          <a:bodyPr lIns="91425" tIns="91425" rIns="91425" bIns="91425" anchor="t" anchorCtr="0">
-            <a:noAutofit/>
-          </a:bodyPr>
-          <a:lstStyle/>
-          <a:p>
-            <a:pPr lvl="0">
-              <a:spcBef>
-                <a:spcPts val="0"/>
-              </a:spcBef>
-              <a:buNone/>
-            </a:pPr>
-            <a:endParaRPr/>
-          </a:p>
-        </p:txBody>
-      </p:sp>
-      <p:sp>
-        <p:nvSpPr>
-          <p:cNvPr id="267" name="Shape 267"/>
-          <p:cNvSpPr>
-            <a:spLocks noGrp="1" noRot="1" noChangeAspect="1"/>
-          </p:cNvSpPr>
-          <p:nvPr>
-            <p:ph type="sldImg" idx="2"/>
-          </p:nvPr>
-        </p:nvSpPr>
-        <p:spPr>
-          <a:xfrm>
-            <a:off x="380999" y="685800"/>
-            <a:ext cx="6096000" cy="3429000"/>
-          </a:xfrm>
-          <a:custGeom>
-            <a:avLst/>
-            <a:gdLst/>
-            <a:ahLst/>
-            <a:cxnLst/>
-            <a:rect l="0" t="0" r="0" b="0"/>
-            <a:pathLst>
-              <a:path w="120000" h="120000" extrusionOk="0">
-                <a:moveTo>
-                  <a:pt x="0" y="0"/>
-                </a:moveTo>
-                <a:lnTo>
-                  <a:pt x="120000" y="0"/>
-                </a:lnTo>
-                <a:lnTo>
-                  <a:pt x="120000" y="120000"/>
-                </a:lnTo>
-                <a:lnTo>
-                  <a:pt x="0" y="120000"/>
-                </a:lnTo>
-                <a:close/>
-              </a:path>
-            </a:pathLst>
-          </a:custGeom>
-        </p:spPr>
-      </p:sp>
-    </p:spTree>
-  </p:cSld>
-  <p:clrMapOvr>
-    <a:masterClrMapping/>
-  </p:clrMapOvr>
-</p:notes>
-</file>
-
-<file path=ppt/notesSlides/notesSlide38.xml><?xml version="1.0" encoding="utf-8"?>
-<p:notes xmlns:a="http://schemas.openxmlformats.org/drawingml/2006/main" xmlns:r="http://schemas.openxmlformats.org/officeDocument/2006/relationships" xmlns:p="http://schemas.openxmlformats.org/presentationml/2006/main" showMasterSp="0" showMasterPhAnim="0">
-  <p:cSld>
-    <p:spTree>
-      <p:nvGrpSpPr>
-        <p:cNvPr id="1" name="Shape 271"/>
-        <p:cNvGrpSpPr/>
-        <p:nvPr/>
-      </p:nvGrpSpPr>
-      <p:grpSpPr>
-        <a:xfrm>
-          <a:off x="0" y="0"/>
-          <a:ext cx="0" cy="0"/>
-          <a:chOff x="0" y="0"/>
-          <a:chExt cx="0" cy="0"/>
-        </a:xfrm>
-      </p:grpSpPr>
-      <p:sp>
-        <p:nvSpPr>
-          <p:cNvPr id="272" name="Shape 272"/>
-          <p:cNvSpPr txBox="1">
-            <a:spLocks noGrp="1"/>
-          </p:cNvSpPr>
-          <p:nvPr>
-            <p:ph type="body" idx="1"/>
-          </p:nvPr>
-        </p:nvSpPr>
-        <p:spPr>
-          <a:xfrm>
-            <a:off x="914400" y="4343400"/>
-            <a:ext cx="5029199" cy="4114800"/>
-          </a:xfrm>
-          <a:prstGeom prst="rect">
-            <a:avLst/>
-          </a:prstGeom>
-        </p:spPr>
-        <p:txBody>
-          <a:bodyPr lIns="91425" tIns="91425" rIns="91425" bIns="91425" anchor="t" anchorCtr="0">
-            <a:noAutofit/>
-          </a:bodyPr>
-          <a:lstStyle/>
-          <a:p>
-            <a:pPr lvl="0">
-              <a:spcBef>
-                <a:spcPts val="0"/>
-              </a:spcBef>
-              <a:buNone/>
-            </a:pPr>
-            <a:endParaRPr/>
-          </a:p>
-        </p:txBody>
-      </p:sp>
-      <p:sp>
-        <p:nvSpPr>
-          <p:cNvPr id="273" name="Shape 273"/>
-          <p:cNvSpPr>
-            <a:spLocks noGrp="1" noRot="1" noChangeAspect="1"/>
-          </p:cNvSpPr>
-          <p:nvPr>
-            <p:ph type="sldImg" idx="2"/>
-          </p:nvPr>
-        </p:nvSpPr>
-        <p:spPr>
-          <a:xfrm>
-            <a:off x="380999" y="685800"/>
-            <a:ext cx="6096000" cy="3429000"/>
-          </a:xfrm>
-          <a:custGeom>
-            <a:avLst/>
-            <a:gdLst/>
-            <a:ahLst/>
-            <a:cxnLst/>
-            <a:rect l="0" t="0" r="0" b="0"/>
-            <a:pathLst>
-              <a:path w="120000" h="120000" extrusionOk="0">
-                <a:moveTo>
-                  <a:pt x="0" y="0"/>
-                </a:moveTo>
-                <a:lnTo>
-                  <a:pt x="120000" y="0"/>
-                </a:lnTo>
-                <a:lnTo>
-                  <a:pt x="120000" y="120000"/>
-                </a:lnTo>
-                <a:lnTo>
-                  <a:pt x="0" y="120000"/>
-                </a:lnTo>
-                <a:close/>
-              </a:path>
-            </a:pathLst>
-          </a:custGeom>
-        </p:spPr>
-      </p:sp>
-    </p:spTree>
-  </p:cSld>
-  <p:clrMapOvr>
-    <a:masterClrMapping/>
-  </p:clrMapOvr>
-</p:notes>
-</file>
-
-<file path=ppt/notesSlides/notesSlide39.xml><?xml version="1.0" encoding="utf-8"?>
-<p:notes xmlns:a="http://schemas.openxmlformats.org/drawingml/2006/main" xmlns:r="http://schemas.openxmlformats.org/officeDocument/2006/relationships" xmlns:p="http://schemas.openxmlformats.org/presentationml/2006/main" showMasterSp="0" showMasterPhAnim="0">
-  <p:cSld>
-    <p:spTree>
-      <p:nvGrpSpPr>
-        <p:cNvPr id="1" name="Shape 278"/>
-        <p:cNvGrpSpPr/>
-        <p:nvPr/>
-      </p:nvGrpSpPr>
-      <p:grpSpPr>
-        <a:xfrm>
-          <a:off x="0" y="0"/>
-          <a:ext cx="0" cy="0"/>
-          <a:chOff x="0" y="0"/>
-          <a:chExt cx="0" cy="0"/>
-        </a:xfrm>
-      </p:grpSpPr>
-      <p:sp>
-        <p:nvSpPr>
-          <p:cNvPr id="279" name="Shape 279"/>
-          <p:cNvSpPr txBox="1">
-            <a:spLocks noGrp="1"/>
-          </p:cNvSpPr>
-          <p:nvPr>
-            <p:ph type="body" idx="1"/>
-          </p:nvPr>
-        </p:nvSpPr>
-        <p:spPr>
-          <a:xfrm>
-            <a:off x="914400" y="4343400"/>
-            <a:ext cx="5029199" cy="4114800"/>
-          </a:xfrm>
-          <a:prstGeom prst="rect">
-            <a:avLst/>
-          </a:prstGeom>
-        </p:spPr>
-        <p:txBody>
-          <a:bodyPr lIns="91425" tIns="91425" rIns="91425" bIns="91425" anchor="t" anchorCtr="0">
-            <a:noAutofit/>
-          </a:bodyPr>
-          <a:lstStyle/>
-          <a:p>
-            <a:pPr lvl="0">
-              <a:spcBef>
-                <a:spcPts val="0"/>
-              </a:spcBef>
-              <a:buNone/>
-            </a:pPr>
-            <a:endParaRPr/>
-          </a:p>
-        </p:txBody>
-      </p:sp>
-      <p:sp>
-        <p:nvSpPr>
-          <p:cNvPr id="280" name="Shape 280"/>
-          <p:cNvSpPr>
-            <a:spLocks noGrp="1" noRot="1" noChangeAspect="1"/>
-          </p:cNvSpPr>
-          <p:nvPr>
-            <p:ph type="sldImg" idx="2"/>
-          </p:nvPr>
-        </p:nvSpPr>
-        <p:spPr>
-          <a:xfrm>
-            <a:off x="380999" y="685800"/>
-            <a:ext cx="6096000" cy="3429000"/>
-          </a:xfrm>
-          <a:custGeom>
-            <a:avLst/>
-            <a:gdLst/>
-            <a:ahLst/>
-            <a:cxnLst/>
-            <a:rect l="0" t="0" r="0" b="0"/>
-            <a:pathLst>
-              <a:path w="120000" h="120000" extrusionOk="0">
-                <a:moveTo>
-                  <a:pt x="0" y="0"/>
-                </a:moveTo>
-                <a:lnTo>
-                  <a:pt x="120000" y="0"/>
-                </a:lnTo>
-                <a:lnTo>
-                  <a:pt x="120000" y="120000"/>
-                </a:lnTo>
-                <a:lnTo>
-                  <a:pt x="0" y="120000"/>
-                </a:lnTo>
-                <a:close/>
-              </a:path>
-            </a:pathLst>
-          </a:custGeom>
-        </p:spPr>
-      </p:sp>
-    </p:spTree>
-  </p:cSld>
-  <p:clrMapOvr>
-    <a:masterClrMapping/>
-  </p:clrMapOvr>
-</p:notes>
-</file>
-
 <file path=ppt/notesSlides/notesSlide4.xml><?xml version="1.0" encoding="utf-8"?>
 <p:notes xmlns:a="http://schemas.openxmlformats.org/drawingml/2006/main" xmlns:r="http://schemas.openxmlformats.org/officeDocument/2006/relationships" xmlns:p="http://schemas.openxmlformats.org/presentationml/2006/main" showMasterSp="0" showMasterPhAnim="0">
   <p:cSld>
@@ -5452,309 +4837,6 @@
       <p:sp>
         <p:nvSpPr>
           <p:cNvPr id="75" name="Shape 75"/>
-          <p:cNvSpPr>
-            <a:spLocks noGrp="1" noRot="1" noChangeAspect="1"/>
-          </p:cNvSpPr>
-          <p:nvPr>
-            <p:ph type="sldImg" idx="2"/>
-          </p:nvPr>
-        </p:nvSpPr>
-        <p:spPr>
-          <a:xfrm>
-            <a:off x="380999" y="685800"/>
-            <a:ext cx="6096000" cy="3429000"/>
-          </a:xfrm>
-          <a:custGeom>
-            <a:avLst/>
-            <a:gdLst/>
-            <a:ahLst/>
-            <a:cxnLst/>
-            <a:rect l="0" t="0" r="0" b="0"/>
-            <a:pathLst>
-              <a:path w="120000" h="120000" extrusionOk="0">
-                <a:moveTo>
-                  <a:pt x="0" y="0"/>
-                </a:moveTo>
-                <a:lnTo>
-                  <a:pt x="120000" y="0"/>
-                </a:lnTo>
-                <a:lnTo>
-                  <a:pt x="120000" y="120000"/>
-                </a:lnTo>
-                <a:lnTo>
-                  <a:pt x="0" y="120000"/>
-                </a:lnTo>
-                <a:close/>
-              </a:path>
-            </a:pathLst>
-          </a:custGeom>
-        </p:spPr>
-      </p:sp>
-    </p:spTree>
-  </p:cSld>
-  <p:clrMapOvr>
-    <a:masterClrMapping/>
-  </p:clrMapOvr>
-</p:notes>
-</file>
-
-<file path=ppt/notesSlides/notesSlide40.xml><?xml version="1.0" encoding="utf-8"?>
-<p:notes xmlns:a="http://schemas.openxmlformats.org/drawingml/2006/main" xmlns:r="http://schemas.openxmlformats.org/officeDocument/2006/relationships" xmlns:p="http://schemas.openxmlformats.org/presentationml/2006/main" showMasterSp="0" showMasterPhAnim="0">
-  <p:cSld>
-    <p:spTree>
-      <p:nvGrpSpPr>
-        <p:cNvPr id="1" name="Shape 284"/>
-        <p:cNvGrpSpPr/>
-        <p:nvPr/>
-      </p:nvGrpSpPr>
-      <p:grpSpPr>
-        <a:xfrm>
-          <a:off x="0" y="0"/>
-          <a:ext cx="0" cy="0"/>
-          <a:chOff x="0" y="0"/>
-          <a:chExt cx="0" cy="0"/>
-        </a:xfrm>
-      </p:grpSpPr>
-      <p:sp>
-        <p:nvSpPr>
-          <p:cNvPr id="285" name="Shape 285"/>
-          <p:cNvSpPr txBox="1">
-            <a:spLocks noGrp="1"/>
-          </p:cNvSpPr>
-          <p:nvPr>
-            <p:ph type="body" idx="1"/>
-          </p:nvPr>
-        </p:nvSpPr>
-        <p:spPr>
-          <a:xfrm>
-            <a:off x="914400" y="4343400"/>
-            <a:ext cx="5029199" cy="4114800"/>
-          </a:xfrm>
-          <a:prstGeom prst="rect">
-            <a:avLst/>
-          </a:prstGeom>
-        </p:spPr>
-        <p:txBody>
-          <a:bodyPr lIns="91425" tIns="91425" rIns="91425" bIns="91425" anchor="t" anchorCtr="0">
-            <a:noAutofit/>
-          </a:bodyPr>
-          <a:lstStyle/>
-          <a:p>
-            <a:pPr lvl="0">
-              <a:spcBef>
-                <a:spcPts val="0"/>
-              </a:spcBef>
-              <a:buNone/>
-            </a:pPr>
-            <a:endParaRPr/>
-          </a:p>
-        </p:txBody>
-      </p:sp>
-      <p:sp>
-        <p:nvSpPr>
-          <p:cNvPr id="286" name="Shape 286"/>
-          <p:cNvSpPr>
-            <a:spLocks noGrp="1" noRot="1" noChangeAspect="1"/>
-          </p:cNvSpPr>
-          <p:nvPr>
-            <p:ph type="sldImg" idx="2"/>
-          </p:nvPr>
-        </p:nvSpPr>
-        <p:spPr>
-          <a:xfrm>
-            <a:off x="381000" y="685800"/>
-            <a:ext cx="6096000" cy="3429000"/>
-          </a:xfrm>
-          <a:custGeom>
-            <a:avLst/>
-            <a:gdLst/>
-            <a:ahLst/>
-            <a:cxnLst/>
-            <a:rect l="0" t="0" r="0" b="0"/>
-            <a:pathLst>
-              <a:path w="120000" h="120000" extrusionOk="0">
-                <a:moveTo>
-                  <a:pt x="0" y="0"/>
-                </a:moveTo>
-                <a:lnTo>
-                  <a:pt x="120000" y="0"/>
-                </a:lnTo>
-                <a:lnTo>
-                  <a:pt x="120000" y="120000"/>
-                </a:lnTo>
-                <a:lnTo>
-                  <a:pt x="0" y="120000"/>
-                </a:lnTo>
-                <a:close/>
-              </a:path>
-            </a:pathLst>
-          </a:custGeom>
-        </p:spPr>
-      </p:sp>
-    </p:spTree>
-  </p:cSld>
-  <p:clrMapOvr>
-    <a:masterClrMapping/>
-  </p:clrMapOvr>
-</p:notes>
-</file>
-
-<file path=ppt/notesSlides/notesSlide41.xml><?xml version="1.0" encoding="utf-8"?>
-<p:notes xmlns:a="http://schemas.openxmlformats.org/drawingml/2006/main" xmlns:r="http://schemas.openxmlformats.org/officeDocument/2006/relationships" xmlns:p="http://schemas.openxmlformats.org/presentationml/2006/main" showMasterSp="0" showMasterPhAnim="0">
-  <p:cSld>
-    <p:spTree>
-      <p:nvGrpSpPr>
-        <p:cNvPr id="1" name="Shape 290"/>
-        <p:cNvGrpSpPr/>
-        <p:nvPr/>
-      </p:nvGrpSpPr>
-      <p:grpSpPr>
-        <a:xfrm>
-          <a:off x="0" y="0"/>
-          <a:ext cx="0" cy="0"/>
-          <a:chOff x="0" y="0"/>
-          <a:chExt cx="0" cy="0"/>
-        </a:xfrm>
-      </p:grpSpPr>
-      <p:sp>
-        <p:nvSpPr>
-          <p:cNvPr id="291" name="Shape 291"/>
-          <p:cNvSpPr txBox="1">
-            <a:spLocks noGrp="1"/>
-          </p:cNvSpPr>
-          <p:nvPr>
-            <p:ph type="body" idx="1"/>
-          </p:nvPr>
-        </p:nvSpPr>
-        <p:spPr>
-          <a:xfrm>
-            <a:off x="914400" y="4343400"/>
-            <a:ext cx="5029199" cy="4114800"/>
-          </a:xfrm>
-          <a:prstGeom prst="rect">
-            <a:avLst/>
-          </a:prstGeom>
-        </p:spPr>
-        <p:txBody>
-          <a:bodyPr lIns="91425" tIns="91425" rIns="91425" bIns="91425" anchor="t" anchorCtr="0">
-            <a:noAutofit/>
-          </a:bodyPr>
-          <a:lstStyle/>
-          <a:p>
-            <a:pPr lvl="0">
-              <a:spcBef>
-                <a:spcPts val="0"/>
-              </a:spcBef>
-              <a:buNone/>
-            </a:pPr>
-            <a:endParaRPr/>
-          </a:p>
-        </p:txBody>
-      </p:sp>
-      <p:sp>
-        <p:nvSpPr>
-          <p:cNvPr id="292" name="Shape 292"/>
-          <p:cNvSpPr>
-            <a:spLocks noGrp="1" noRot="1" noChangeAspect="1"/>
-          </p:cNvSpPr>
-          <p:nvPr>
-            <p:ph type="sldImg" idx="2"/>
-          </p:nvPr>
-        </p:nvSpPr>
-        <p:spPr>
-          <a:xfrm>
-            <a:off x="380999" y="685800"/>
-            <a:ext cx="6096000" cy="3429000"/>
-          </a:xfrm>
-          <a:custGeom>
-            <a:avLst/>
-            <a:gdLst/>
-            <a:ahLst/>
-            <a:cxnLst/>
-            <a:rect l="0" t="0" r="0" b="0"/>
-            <a:pathLst>
-              <a:path w="120000" h="120000" extrusionOk="0">
-                <a:moveTo>
-                  <a:pt x="0" y="0"/>
-                </a:moveTo>
-                <a:lnTo>
-                  <a:pt x="120000" y="0"/>
-                </a:lnTo>
-                <a:lnTo>
-                  <a:pt x="120000" y="120000"/>
-                </a:lnTo>
-                <a:lnTo>
-                  <a:pt x="0" y="120000"/>
-                </a:lnTo>
-                <a:close/>
-              </a:path>
-            </a:pathLst>
-          </a:custGeom>
-        </p:spPr>
-      </p:sp>
-    </p:spTree>
-  </p:cSld>
-  <p:clrMapOvr>
-    <a:masterClrMapping/>
-  </p:clrMapOvr>
-</p:notes>
-</file>
-
-<file path=ppt/notesSlides/notesSlide42.xml><?xml version="1.0" encoding="utf-8"?>
-<p:notes xmlns:a="http://schemas.openxmlformats.org/drawingml/2006/main" xmlns:r="http://schemas.openxmlformats.org/officeDocument/2006/relationships" xmlns:p="http://schemas.openxmlformats.org/presentationml/2006/main" showMasterSp="0" showMasterPhAnim="0">
-  <p:cSld>
-    <p:spTree>
-      <p:nvGrpSpPr>
-        <p:cNvPr id="1" name="Shape 295"/>
-        <p:cNvGrpSpPr/>
-        <p:nvPr/>
-      </p:nvGrpSpPr>
-      <p:grpSpPr>
-        <a:xfrm>
-          <a:off x="0" y="0"/>
-          <a:ext cx="0" cy="0"/>
-          <a:chOff x="0" y="0"/>
-          <a:chExt cx="0" cy="0"/>
-        </a:xfrm>
-      </p:grpSpPr>
-      <p:sp>
-        <p:nvSpPr>
-          <p:cNvPr id="296" name="Shape 296"/>
-          <p:cNvSpPr txBox="1">
-            <a:spLocks noGrp="1"/>
-          </p:cNvSpPr>
-          <p:nvPr>
-            <p:ph type="body" idx="1"/>
-          </p:nvPr>
-        </p:nvSpPr>
-        <p:spPr>
-          <a:xfrm>
-            <a:off x="914400" y="4343400"/>
-            <a:ext cx="5029199" cy="4114800"/>
-          </a:xfrm>
-          <a:prstGeom prst="rect">
-            <a:avLst/>
-          </a:prstGeom>
-        </p:spPr>
-        <p:txBody>
-          <a:bodyPr lIns="91425" tIns="91425" rIns="91425" bIns="91425" anchor="t" anchorCtr="0">
-            <a:noAutofit/>
-          </a:bodyPr>
-          <a:lstStyle/>
-          <a:p>
-            <a:pPr lvl="0">
-              <a:spcBef>
-                <a:spcPts val="0"/>
-              </a:spcBef>
-              <a:buNone/>
-            </a:pPr>
-            <a:endParaRPr/>
-          </a:p>
-        </p:txBody>
-      </p:sp>
-      <p:sp>
-        <p:nvSpPr>
-          <p:cNvPr id="297" name="Shape 297"/>
           <p:cNvSpPr>
             <a:spLocks noGrp="1" noRot="1" noChangeAspect="1"/>
           </p:cNvSpPr>
@@ -6972,631 +6054,6 @@
 
 <file path=ppt/slideLayouts/slideLayout10.xml><?xml version="1.0" encoding="utf-8"?>
 <p:sldLayout xmlns:a="http://schemas.openxmlformats.org/drawingml/2006/main" xmlns:r="http://schemas.openxmlformats.org/officeDocument/2006/relationships" xmlns:p="http://schemas.openxmlformats.org/presentationml/2006/main">
-  <p:cSld name="Quote">
-    <p:spTree>
-      <p:nvGrpSpPr>
-        <p:cNvPr id="1" name="Shape 46"/>
-        <p:cNvGrpSpPr/>
-        <p:nvPr/>
-      </p:nvGrpSpPr>
-      <p:grpSpPr>
-        <a:xfrm>
-          <a:off x="0" y="0"/>
-          <a:ext cx="0" cy="0"/>
-          <a:chOff x="0" y="0"/>
-          <a:chExt cx="0" cy="0"/>
-        </a:xfrm>
-      </p:grpSpPr>
-      <p:sp>
-        <p:nvSpPr>
-          <p:cNvPr id="47" name="Shape 47"/>
-          <p:cNvSpPr txBox="1">
-            <a:spLocks noGrp="1"/>
-          </p:cNvSpPr>
-          <p:nvPr>
-            <p:ph type="body" idx="1"/>
-          </p:nvPr>
-        </p:nvSpPr>
-        <p:spPr>
-          <a:xfrm>
-            <a:off x="892968" y="3355330"/>
-            <a:ext cx="7358100" cy="247800"/>
-          </a:xfrm>
-          <a:prstGeom prst="rect">
-            <a:avLst/>
-          </a:prstGeom>
-          <a:noFill/>
-          <a:ln>
-            <a:noFill/>
-          </a:ln>
-        </p:spPr>
-        <p:txBody>
-          <a:bodyPr lIns="58925" tIns="58925" rIns="58925" bIns="58925" anchor="t" anchorCtr="0"/>
-          <a:lstStyle>
-            <a:lvl1pPr marL="0" marR="0" lvl="0" indent="0" algn="ctr" rtl="0">
-              <a:lnSpc>
-                <a:spcPct val="100000"/>
-              </a:lnSpc>
-              <a:spcBef>
-                <a:spcPts val="0"/>
-              </a:spcBef>
-              <a:spcAft>
-                <a:spcPts val="0"/>
-              </a:spcAft>
-              <a:buClr>
-                <a:srgbClr val="FFFFFF"/>
-              </a:buClr>
-              <a:buFont typeface="Helvetica Neue"/>
-              <a:buNone/>
-              <a:defRPr sz="1500" b="0" i="1" u="none" strike="noStrike" cap="none">
-                <a:solidFill>
-                  <a:srgbClr val="FFFFFF"/>
-                </a:solidFill>
-                <a:latin typeface="Helvetica Neue"/>
-                <a:ea typeface="Helvetica Neue"/>
-                <a:cs typeface="Helvetica Neue"/>
-                <a:sym typeface="Helvetica Neue"/>
-              </a:defRPr>
-            </a:lvl1pPr>
-            <a:lvl2pPr marL="571500" marR="0" lvl="1" indent="-165100" algn="l" rtl="0">
-              <a:lnSpc>
-                <a:spcPct val="100000"/>
-              </a:lnSpc>
-              <a:spcBef>
-                <a:spcPts val="2700"/>
-              </a:spcBef>
-              <a:spcAft>
-                <a:spcPts val="0"/>
-              </a:spcAft>
-              <a:buClr>
-                <a:srgbClr val="FFFFFF"/>
-              </a:buClr>
-              <a:buSzPct val="75000"/>
-              <a:buFont typeface="Helvetica Neue"/>
-              <a:buChar char="•"/>
-              <a:defRPr sz="2400" b="0" i="0" u="none" strike="noStrike" cap="none">
-                <a:solidFill>
-                  <a:srgbClr val="FFFFFF"/>
-                </a:solidFill>
-                <a:latin typeface="Helvetica Neue"/>
-                <a:ea typeface="Helvetica Neue"/>
-                <a:cs typeface="Helvetica Neue"/>
-                <a:sym typeface="Helvetica Neue"/>
-              </a:defRPr>
-            </a:lvl2pPr>
-            <a:lvl3pPr marL="863600" marR="0" lvl="2" indent="-177800" algn="l" rtl="0">
-              <a:lnSpc>
-                <a:spcPct val="100000"/>
-              </a:lnSpc>
-              <a:spcBef>
-                <a:spcPts val="2700"/>
-              </a:spcBef>
-              <a:spcAft>
-                <a:spcPts val="0"/>
-              </a:spcAft>
-              <a:buClr>
-                <a:srgbClr val="FFFFFF"/>
-              </a:buClr>
-              <a:buSzPct val="75000"/>
-              <a:buFont typeface="Helvetica Neue"/>
-              <a:buChar char="•"/>
-              <a:defRPr sz="2400" b="0" i="0" u="none" strike="noStrike" cap="none">
-                <a:solidFill>
-                  <a:srgbClr val="FFFFFF"/>
-                </a:solidFill>
-                <a:latin typeface="Helvetica Neue"/>
-                <a:ea typeface="Helvetica Neue"/>
-                <a:cs typeface="Helvetica Neue"/>
-                <a:sym typeface="Helvetica Neue"/>
-              </a:defRPr>
-            </a:lvl3pPr>
-            <a:lvl4pPr marL="1143000" marR="0" lvl="3" indent="-165100" algn="l" rtl="0">
-              <a:lnSpc>
-                <a:spcPct val="100000"/>
-              </a:lnSpc>
-              <a:spcBef>
-                <a:spcPts val="2700"/>
-              </a:spcBef>
-              <a:spcAft>
-                <a:spcPts val="0"/>
-              </a:spcAft>
-              <a:buClr>
-                <a:srgbClr val="FFFFFF"/>
-              </a:buClr>
-              <a:buSzPct val="75000"/>
-              <a:buFont typeface="Helvetica Neue"/>
-              <a:buChar char="•"/>
-              <a:defRPr sz="2400" b="0" i="0" u="none" strike="noStrike" cap="none">
-                <a:solidFill>
-                  <a:srgbClr val="FFFFFF"/>
-                </a:solidFill>
-                <a:latin typeface="Helvetica Neue"/>
-                <a:ea typeface="Helvetica Neue"/>
-                <a:cs typeface="Helvetica Neue"/>
-                <a:sym typeface="Helvetica Neue"/>
-              </a:defRPr>
-            </a:lvl4pPr>
-            <a:lvl5pPr marL="1435100" marR="0" lvl="4" indent="-177800" algn="l" rtl="0">
-              <a:lnSpc>
-                <a:spcPct val="100000"/>
-              </a:lnSpc>
-              <a:spcBef>
-                <a:spcPts val="2700"/>
-              </a:spcBef>
-              <a:spcAft>
-                <a:spcPts val="0"/>
-              </a:spcAft>
-              <a:buClr>
-                <a:srgbClr val="FFFFFF"/>
-              </a:buClr>
-              <a:buSzPct val="75000"/>
-              <a:buFont typeface="Helvetica Neue"/>
-              <a:buChar char="•"/>
-              <a:defRPr sz="2400" b="0" i="0" u="none" strike="noStrike" cap="none">
-                <a:solidFill>
-                  <a:srgbClr val="FFFFFF"/>
-                </a:solidFill>
-                <a:latin typeface="Helvetica Neue"/>
-                <a:ea typeface="Helvetica Neue"/>
-                <a:cs typeface="Helvetica Neue"/>
-                <a:sym typeface="Helvetica Neue"/>
-              </a:defRPr>
-            </a:lvl5pPr>
-            <a:lvl6pPr marL="1714500" marR="0" lvl="5" indent="-165100" algn="l" rtl="0">
-              <a:lnSpc>
-                <a:spcPct val="100000"/>
-              </a:lnSpc>
-              <a:spcBef>
-                <a:spcPts val="2700"/>
-              </a:spcBef>
-              <a:spcAft>
-                <a:spcPts val="0"/>
-              </a:spcAft>
-              <a:buClr>
-                <a:srgbClr val="FFFFFF"/>
-              </a:buClr>
-              <a:buSzPct val="75000"/>
-              <a:buFont typeface="Helvetica Neue"/>
-              <a:buChar char="•"/>
-              <a:defRPr sz="2400" b="0" i="0" u="none" strike="noStrike" cap="none">
-                <a:solidFill>
-                  <a:srgbClr val="FFFFFF"/>
-                </a:solidFill>
-                <a:latin typeface="Helvetica Neue"/>
-                <a:ea typeface="Helvetica Neue"/>
-                <a:cs typeface="Helvetica Neue"/>
-                <a:sym typeface="Helvetica Neue"/>
-              </a:defRPr>
-            </a:lvl6pPr>
-            <a:lvl7pPr marL="2006600" marR="0" lvl="6" indent="-165100" algn="l" rtl="0">
-              <a:lnSpc>
-                <a:spcPct val="100000"/>
-              </a:lnSpc>
-              <a:spcBef>
-                <a:spcPts val="2700"/>
-              </a:spcBef>
-              <a:spcAft>
-                <a:spcPts val="0"/>
-              </a:spcAft>
-              <a:buClr>
-                <a:srgbClr val="FFFFFF"/>
-              </a:buClr>
-              <a:buSzPct val="75000"/>
-              <a:buFont typeface="Helvetica Neue"/>
-              <a:buChar char="•"/>
-              <a:defRPr sz="2400" b="0" i="0" u="none" strike="noStrike" cap="none">
-                <a:solidFill>
-                  <a:srgbClr val="FFFFFF"/>
-                </a:solidFill>
-                <a:latin typeface="Helvetica Neue"/>
-                <a:ea typeface="Helvetica Neue"/>
-                <a:cs typeface="Helvetica Neue"/>
-                <a:sym typeface="Helvetica Neue"/>
-              </a:defRPr>
-            </a:lvl7pPr>
-            <a:lvl8pPr marL="2286000" marR="0" lvl="7" indent="-165100" algn="l" rtl="0">
-              <a:lnSpc>
-                <a:spcPct val="100000"/>
-              </a:lnSpc>
-              <a:spcBef>
-                <a:spcPts val="2700"/>
-              </a:spcBef>
-              <a:spcAft>
-                <a:spcPts val="0"/>
-              </a:spcAft>
-              <a:buClr>
-                <a:srgbClr val="FFFFFF"/>
-              </a:buClr>
-              <a:buSzPct val="75000"/>
-              <a:buFont typeface="Helvetica Neue"/>
-              <a:buChar char="•"/>
-              <a:defRPr sz="2400" b="0" i="0" u="none" strike="noStrike" cap="none">
-                <a:solidFill>
-                  <a:srgbClr val="FFFFFF"/>
-                </a:solidFill>
-                <a:latin typeface="Helvetica Neue"/>
-                <a:ea typeface="Helvetica Neue"/>
-                <a:cs typeface="Helvetica Neue"/>
-                <a:sym typeface="Helvetica Neue"/>
-              </a:defRPr>
-            </a:lvl8pPr>
-            <a:lvl9pPr marL="2578100" marR="0" lvl="8" indent="-165100" algn="l" rtl="0">
-              <a:lnSpc>
-                <a:spcPct val="100000"/>
-              </a:lnSpc>
-              <a:spcBef>
-                <a:spcPts val="2700"/>
-              </a:spcBef>
-              <a:spcAft>
-                <a:spcPts val="0"/>
-              </a:spcAft>
-              <a:buClr>
-                <a:srgbClr val="FFFFFF"/>
-              </a:buClr>
-              <a:buSzPct val="75000"/>
-              <a:buFont typeface="Helvetica Neue"/>
-              <a:buChar char="•"/>
-              <a:defRPr sz="2400" b="0" i="0" u="none" strike="noStrike" cap="none">
-                <a:solidFill>
-                  <a:srgbClr val="FFFFFF"/>
-                </a:solidFill>
-                <a:latin typeface="Helvetica Neue"/>
-                <a:ea typeface="Helvetica Neue"/>
-                <a:cs typeface="Helvetica Neue"/>
-                <a:sym typeface="Helvetica Neue"/>
-              </a:defRPr>
-            </a:lvl9pPr>
-          </a:lstStyle>
-          <a:p>
-            <a:endParaRPr/>
-          </a:p>
-        </p:txBody>
-      </p:sp>
-      <p:sp>
-        <p:nvSpPr>
-          <p:cNvPr id="48" name="Shape 48"/>
-          <p:cNvSpPr txBox="1">
-            <a:spLocks noGrp="1"/>
-          </p:cNvSpPr>
-          <p:nvPr>
-            <p:ph type="body" idx="2"/>
-          </p:nvPr>
-        </p:nvSpPr>
-        <p:spPr>
-          <a:xfrm>
-            <a:off x="892968" y="2250281"/>
-            <a:ext cx="7358100" cy="361800"/>
-          </a:xfrm>
-          <a:prstGeom prst="rect">
-            <a:avLst/>
-          </a:prstGeom>
-          <a:noFill/>
-          <a:ln>
-            <a:noFill/>
-          </a:ln>
-        </p:spPr>
-        <p:txBody>
-          <a:bodyPr lIns="58925" tIns="58925" rIns="58925" bIns="58925" anchor="ctr" anchorCtr="0"/>
-          <a:lstStyle>
-            <a:lvl1pPr marL="0" marR="0" lvl="0" indent="0" algn="ctr" rtl="0">
-              <a:lnSpc>
-                <a:spcPct val="100000"/>
-              </a:lnSpc>
-              <a:spcBef>
-                <a:spcPts val="0"/>
-              </a:spcBef>
-              <a:spcAft>
-                <a:spcPts val="0"/>
-              </a:spcAft>
-              <a:buClr>
-                <a:srgbClr val="FFFFFF"/>
-              </a:buClr>
-              <a:buFont typeface="Helvetica Neue"/>
-              <a:buNone/>
-              <a:defRPr sz="2400" b="0" i="0" u="none" strike="noStrike" cap="none">
-                <a:solidFill>
-                  <a:srgbClr val="FFFFFF"/>
-                </a:solidFill>
-                <a:latin typeface="Helvetica Neue"/>
-                <a:ea typeface="Helvetica Neue"/>
-                <a:cs typeface="Helvetica Neue"/>
-                <a:sym typeface="Helvetica Neue"/>
-              </a:defRPr>
-            </a:lvl1pPr>
-            <a:lvl2pPr marL="571500" marR="0" lvl="1" indent="-165100" algn="l" rtl="0">
-              <a:lnSpc>
-                <a:spcPct val="100000"/>
-              </a:lnSpc>
-              <a:spcBef>
-                <a:spcPts val="2700"/>
-              </a:spcBef>
-              <a:spcAft>
-                <a:spcPts val="0"/>
-              </a:spcAft>
-              <a:buClr>
-                <a:srgbClr val="FFFFFF"/>
-              </a:buClr>
-              <a:buSzPct val="75000"/>
-              <a:buFont typeface="Helvetica Neue"/>
-              <a:buChar char="•"/>
-              <a:defRPr sz="2400" b="0" i="0" u="none" strike="noStrike" cap="none">
-                <a:solidFill>
-                  <a:srgbClr val="FFFFFF"/>
-                </a:solidFill>
-                <a:latin typeface="Helvetica Neue"/>
-                <a:ea typeface="Helvetica Neue"/>
-                <a:cs typeface="Helvetica Neue"/>
-                <a:sym typeface="Helvetica Neue"/>
-              </a:defRPr>
-            </a:lvl2pPr>
-            <a:lvl3pPr marL="863600" marR="0" lvl="2" indent="-177800" algn="l" rtl="0">
-              <a:lnSpc>
-                <a:spcPct val="100000"/>
-              </a:lnSpc>
-              <a:spcBef>
-                <a:spcPts val="2700"/>
-              </a:spcBef>
-              <a:spcAft>
-                <a:spcPts val="0"/>
-              </a:spcAft>
-              <a:buClr>
-                <a:srgbClr val="FFFFFF"/>
-              </a:buClr>
-              <a:buSzPct val="75000"/>
-              <a:buFont typeface="Helvetica Neue"/>
-              <a:buChar char="•"/>
-              <a:defRPr sz="2400" b="0" i="0" u="none" strike="noStrike" cap="none">
-                <a:solidFill>
-                  <a:srgbClr val="FFFFFF"/>
-                </a:solidFill>
-                <a:latin typeface="Helvetica Neue"/>
-                <a:ea typeface="Helvetica Neue"/>
-                <a:cs typeface="Helvetica Neue"/>
-                <a:sym typeface="Helvetica Neue"/>
-              </a:defRPr>
-            </a:lvl3pPr>
-            <a:lvl4pPr marL="1143000" marR="0" lvl="3" indent="-165100" algn="l" rtl="0">
-              <a:lnSpc>
-                <a:spcPct val="100000"/>
-              </a:lnSpc>
-              <a:spcBef>
-                <a:spcPts val="2700"/>
-              </a:spcBef>
-              <a:spcAft>
-                <a:spcPts val="0"/>
-              </a:spcAft>
-              <a:buClr>
-                <a:srgbClr val="FFFFFF"/>
-              </a:buClr>
-              <a:buSzPct val="75000"/>
-              <a:buFont typeface="Helvetica Neue"/>
-              <a:buChar char="•"/>
-              <a:defRPr sz="2400" b="0" i="0" u="none" strike="noStrike" cap="none">
-                <a:solidFill>
-                  <a:srgbClr val="FFFFFF"/>
-                </a:solidFill>
-                <a:latin typeface="Helvetica Neue"/>
-                <a:ea typeface="Helvetica Neue"/>
-                <a:cs typeface="Helvetica Neue"/>
-                <a:sym typeface="Helvetica Neue"/>
-              </a:defRPr>
-            </a:lvl4pPr>
-            <a:lvl5pPr marL="1435100" marR="0" lvl="4" indent="-177800" algn="l" rtl="0">
-              <a:lnSpc>
-                <a:spcPct val="100000"/>
-              </a:lnSpc>
-              <a:spcBef>
-                <a:spcPts val="2700"/>
-              </a:spcBef>
-              <a:spcAft>
-                <a:spcPts val="0"/>
-              </a:spcAft>
-              <a:buClr>
-                <a:srgbClr val="FFFFFF"/>
-              </a:buClr>
-              <a:buSzPct val="75000"/>
-              <a:buFont typeface="Helvetica Neue"/>
-              <a:buChar char="•"/>
-              <a:defRPr sz="2400" b="0" i="0" u="none" strike="noStrike" cap="none">
-                <a:solidFill>
-                  <a:srgbClr val="FFFFFF"/>
-                </a:solidFill>
-                <a:latin typeface="Helvetica Neue"/>
-                <a:ea typeface="Helvetica Neue"/>
-                <a:cs typeface="Helvetica Neue"/>
-                <a:sym typeface="Helvetica Neue"/>
-              </a:defRPr>
-            </a:lvl5pPr>
-            <a:lvl6pPr marL="1714500" marR="0" lvl="5" indent="-165100" algn="l" rtl="0">
-              <a:lnSpc>
-                <a:spcPct val="100000"/>
-              </a:lnSpc>
-              <a:spcBef>
-                <a:spcPts val="2700"/>
-              </a:spcBef>
-              <a:spcAft>
-                <a:spcPts val="0"/>
-              </a:spcAft>
-              <a:buClr>
-                <a:srgbClr val="FFFFFF"/>
-              </a:buClr>
-              <a:buSzPct val="75000"/>
-              <a:buFont typeface="Helvetica Neue"/>
-              <a:buChar char="•"/>
-              <a:defRPr sz="2400" b="0" i="0" u="none" strike="noStrike" cap="none">
-                <a:solidFill>
-                  <a:srgbClr val="FFFFFF"/>
-                </a:solidFill>
-                <a:latin typeface="Helvetica Neue"/>
-                <a:ea typeface="Helvetica Neue"/>
-                <a:cs typeface="Helvetica Neue"/>
-                <a:sym typeface="Helvetica Neue"/>
-              </a:defRPr>
-            </a:lvl6pPr>
-            <a:lvl7pPr marL="2006600" marR="0" lvl="6" indent="-165100" algn="l" rtl="0">
-              <a:lnSpc>
-                <a:spcPct val="100000"/>
-              </a:lnSpc>
-              <a:spcBef>
-                <a:spcPts val="2700"/>
-              </a:spcBef>
-              <a:spcAft>
-                <a:spcPts val="0"/>
-              </a:spcAft>
-              <a:buClr>
-                <a:srgbClr val="FFFFFF"/>
-              </a:buClr>
-              <a:buSzPct val="75000"/>
-              <a:buFont typeface="Helvetica Neue"/>
-              <a:buChar char="•"/>
-              <a:defRPr sz="2400" b="0" i="0" u="none" strike="noStrike" cap="none">
-                <a:solidFill>
-                  <a:srgbClr val="FFFFFF"/>
-                </a:solidFill>
-                <a:latin typeface="Helvetica Neue"/>
-                <a:ea typeface="Helvetica Neue"/>
-                <a:cs typeface="Helvetica Neue"/>
-                <a:sym typeface="Helvetica Neue"/>
-              </a:defRPr>
-            </a:lvl7pPr>
-            <a:lvl8pPr marL="2286000" marR="0" lvl="7" indent="-165100" algn="l" rtl="0">
-              <a:lnSpc>
-                <a:spcPct val="100000"/>
-              </a:lnSpc>
-              <a:spcBef>
-                <a:spcPts val="2700"/>
-              </a:spcBef>
-              <a:spcAft>
-                <a:spcPts val="0"/>
-              </a:spcAft>
-              <a:buClr>
-                <a:srgbClr val="FFFFFF"/>
-              </a:buClr>
-              <a:buSzPct val="75000"/>
-              <a:buFont typeface="Helvetica Neue"/>
-              <a:buChar char="•"/>
-              <a:defRPr sz="2400" b="0" i="0" u="none" strike="noStrike" cap="none">
-                <a:solidFill>
-                  <a:srgbClr val="FFFFFF"/>
-                </a:solidFill>
-                <a:latin typeface="Helvetica Neue"/>
-                <a:ea typeface="Helvetica Neue"/>
-                <a:cs typeface="Helvetica Neue"/>
-                <a:sym typeface="Helvetica Neue"/>
-              </a:defRPr>
-            </a:lvl8pPr>
-            <a:lvl9pPr marL="2578100" marR="0" lvl="8" indent="-165100" algn="l" rtl="0">
-              <a:lnSpc>
-                <a:spcPct val="100000"/>
-              </a:lnSpc>
-              <a:spcBef>
-                <a:spcPts val="2700"/>
-              </a:spcBef>
-              <a:spcAft>
-                <a:spcPts val="0"/>
-              </a:spcAft>
-              <a:buClr>
-                <a:srgbClr val="FFFFFF"/>
-              </a:buClr>
-              <a:buSzPct val="75000"/>
-              <a:buFont typeface="Helvetica Neue"/>
-              <a:buChar char="•"/>
-              <a:defRPr sz="2400" b="0" i="0" u="none" strike="noStrike" cap="none">
-                <a:solidFill>
-                  <a:srgbClr val="FFFFFF"/>
-                </a:solidFill>
-                <a:latin typeface="Helvetica Neue"/>
-                <a:ea typeface="Helvetica Neue"/>
-                <a:cs typeface="Helvetica Neue"/>
-                <a:sym typeface="Helvetica Neue"/>
-              </a:defRPr>
-            </a:lvl9pPr>
-          </a:lstStyle>
-          <a:p>
-            <a:endParaRPr/>
-          </a:p>
-        </p:txBody>
-      </p:sp>
-      <p:sp>
-        <p:nvSpPr>
-          <p:cNvPr id="49" name="Shape 49"/>
-          <p:cNvSpPr txBox="1">
-            <a:spLocks noGrp="1"/>
-          </p:cNvSpPr>
-          <p:nvPr>
-            <p:ph type="sldNum" idx="12"/>
-          </p:nvPr>
-        </p:nvSpPr>
-        <p:spPr>
-          <a:xfrm>
-            <a:off x="4437983" y="4882306"/>
-            <a:ext cx="259200" cy="201000"/>
-          </a:xfrm>
-          <a:prstGeom prst="rect">
-            <a:avLst/>
-          </a:prstGeom>
-          <a:noFill/>
-          <a:ln>
-            <a:noFill/>
-          </a:ln>
-        </p:spPr>
-        <p:txBody>
-          <a:bodyPr lIns="32750" tIns="32750" rIns="32750" bIns="32750" anchor="t" anchorCtr="0">
-            <a:noAutofit/>
-          </a:bodyPr>
-          <a:lstStyle/>
-          <a:p>
-            <a:pPr marL="0" marR="0" lvl="0" indent="0" algn="ctr" rtl="0">
-              <a:lnSpc>
-                <a:spcPct val="100000"/>
-              </a:lnSpc>
-              <a:spcBef>
-                <a:spcPts val="0"/>
-              </a:spcBef>
-              <a:spcAft>
-                <a:spcPts val="0"/>
-              </a:spcAft>
-              <a:buClr>
-                <a:srgbClr val="FFFFFF"/>
-              </a:buClr>
-              <a:buSzPct val="25000"/>
-              <a:buFont typeface="Helvetica Neue"/>
-              <a:buNone/>
-            </a:pPr>
-            <a:fld id="{00000000-1234-1234-1234-123412341234}" type="slidenum">
-              <a:rPr lang="en-US" sz="1200" b="0" i="0" u="none" strike="noStrike" cap="none">
-                <a:solidFill>
-                  <a:srgbClr val="FFFFFF"/>
-                </a:solidFill>
-                <a:latin typeface="Helvetica Neue"/>
-                <a:ea typeface="Helvetica Neue"/>
-                <a:cs typeface="Helvetica Neue"/>
-                <a:sym typeface="Helvetica Neue"/>
-              </a:rPr>
-              <a:t>‹#›</a:t>
-            </a:fld>
-            <a:endParaRPr lang="en-US" sz="1200" b="0" i="0" u="none" strike="noStrike" cap="none">
-              <a:solidFill>
-                <a:srgbClr val="FFFFFF"/>
-              </a:solidFill>
-              <a:latin typeface="Helvetica Neue"/>
-              <a:ea typeface="Helvetica Neue"/>
-              <a:cs typeface="Helvetica Neue"/>
-              <a:sym typeface="Helvetica Neue"/>
-            </a:endParaRPr>
-          </a:p>
-        </p:txBody>
-      </p:sp>
-    </p:spTree>
-  </p:cSld>
-  <p:clrMapOvr>
-    <a:masterClrMapping/>
-  </p:clrMapOvr>
-</p:sldLayout>
-</file>
-
-<file path=ppt/slideLayouts/slideLayout11.xml><?xml version="1.0" encoding="utf-8"?>
-<p:sldLayout xmlns:a="http://schemas.openxmlformats.org/drawingml/2006/main" xmlns:r="http://schemas.openxmlformats.org/officeDocument/2006/relationships" xmlns:p="http://schemas.openxmlformats.org/presentationml/2006/main">
   <p:cSld name="Photo">
     <p:spTree>
       <p:nvGrpSpPr>
@@ -7956,7 +6413,7 @@
 </p:sldLayout>
 </file>
 
-<file path=ppt/slideLayouts/slideLayout12.xml><?xml version="1.0" encoding="utf-8"?>
+<file path=ppt/slideLayouts/slideLayout11.xml><?xml version="1.0" encoding="utf-8"?>
 <p:sldLayout xmlns:a="http://schemas.openxmlformats.org/drawingml/2006/main" xmlns:r="http://schemas.openxmlformats.org/officeDocument/2006/relationships" xmlns:p="http://schemas.openxmlformats.org/presentationml/2006/main">
   <p:cSld name="Blank">
     <p:spTree>
@@ -8051,7 +6508,7 @@
 </p:sldLayout>
 </file>
 
-<file path=ppt/slideLayouts/slideLayout13.xml><?xml version="1.0" encoding="utf-8"?>
+<file path=ppt/slideLayouts/slideLayout12.xml><?xml version="1.0" encoding="utf-8"?>
 <p:sldLayout xmlns:a="http://schemas.openxmlformats.org/drawingml/2006/main" xmlns:r="http://schemas.openxmlformats.org/officeDocument/2006/relationships" xmlns:p="http://schemas.openxmlformats.org/presentationml/2006/main" type="obj">
   <p:cSld name="Titel en object">
     <p:spTree>
@@ -8168,7 +6625,7 @@
           <a:p>
             <a:fld id="{35F65C51-E4BF-4FAD-97FA-C994B8CE38B5}" type="datetimeFigureOut">
               <a:rPr lang="nl-NL" smtClean="0"/>
-              <a:t>30-04-18</a:t>
+              <a:t>08-07-18</a:t>
             </a:fld>
             <a:endParaRPr lang="nl-NL"/>
           </a:p>
@@ -9209,367 +7666,6 @@
 
 <file path=ppt/slideLayouts/slideLayout4.xml><?xml version="1.0" encoding="utf-8"?>
 <p:sldLayout xmlns:a="http://schemas.openxmlformats.org/drawingml/2006/main" xmlns:r="http://schemas.openxmlformats.org/officeDocument/2006/relationships" xmlns:p="http://schemas.openxmlformats.org/presentationml/2006/main">
-  <p:cSld name="Bullets">
-    <p:spTree>
-      <p:nvGrpSpPr>
-        <p:cNvPr id="1" name="Shape 20"/>
-        <p:cNvGrpSpPr/>
-        <p:nvPr/>
-      </p:nvGrpSpPr>
-      <p:grpSpPr>
-        <a:xfrm>
-          <a:off x="0" y="0"/>
-          <a:ext cx="0" cy="0"/>
-          <a:chOff x="0" y="0"/>
-          <a:chExt cx="0" cy="0"/>
-        </a:xfrm>
-      </p:grpSpPr>
-      <p:sp>
-        <p:nvSpPr>
-          <p:cNvPr id="21" name="Shape 21"/>
-          <p:cNvSpPr txBox="1">
-            <a:spLocks noGrp="1"/>
-          </p:cNvSpPr>
-          <p:nvPr>
-            <p:ph type="body" idx="1"/>
-          </p:nvPr>
-        </p:nvSpPr>
-        <p:spPr>
-          <a:xfrm>
-            <a:off x="669726" y="669726"/>
-            <a:ext cx="7804500" cy="3804000"/>
-          </a:xfrm>
-          <a:prstGeom prst="rect">
-            <a:avLst/>
-          </a:prstGeom>
-          <a:noFill/>
-          <a:ln>
-            <a:noFill/>
-          </a:ln>
-        </p:spPr>
-        <p:txBody>
-          <a:bodyPr lIns="58925" tIns="58925" rIns="58925" bIns="58925" anchor="ctr" anchorCtr="0"/>
-          <a:lstStyle>
-            <a:lvl1pPr marL="292100" marR="0" lvl="0" indent="-177800" algn="l" rtl="0">
-              <a:lnSpc>
-                <a:spcPct val="100000"/>
-              </a:lnSpc>
-              <a:spcBef>
-                <a:spcPts val="2700"/>
-              </a:spcBef>
-              <a:spcAft>
-                <a:spcPts val="0"/>
-              </a:spcAft>
-              <a:buClr>
-                <a:srgbClr val="FFFFFF"/>
-              </a:buClr>
-              <a:buSzPct val="75000"/>
-              <a:buFont typeface="Helvetica Neue"/>
-              <a:buChar char="•"/>
-              <a:defRPr sz="2400" b="0" i="0" u="none" strike="noStrike" cap="none">
-                <a:solidFill>
-                  <a:srgbClr val="FFFFFF"/>
-                </a:solidFill>
-                <a:latin typeface="Helvetica Neue"/>
-                <a:ea typeface="Helvetica Neue"/>
-                <a:cs typeface="Helvetica Neue"/>
-                <a:sym typeface="Helvetica Neue"/>
-              </a:defRPr>
-            </a:lvl1pPr>
-            <a:lvl2pPr marL="571500" marR="0" lvl="1" indent="-165100" algn="l" rtl="0">
-              <a:lnSpc>
-                <a:spcPct val="100000"/>
-              </a:lnSpc>
-              <a:spcBef>
-                <a:spcPts val="2700"/>
-              </a:spcBef>
-              <a:spcAft>
-                <a:spcPts val="0"/>
-              </a:spcAft>
-              <a:buClr>
-                <a:srgbClr val="FFFFFF"/>
-              </a:buClr>
-              <a:buSzPct val="75000"/>
-              <a:buFont typeface="Helvetica Neue"/>
-              <a:buChar char="•"/>
-              <a:defRPr sz="2400" b="0" i="0" u="none" strike="noStrike" cap="none">
-                <a:solidFill>
-                  <a:srgbClr val="FFFFFF"/>
-                </a:solidFill>
-                <a:latin typeface="Helvetica Neue"/>
-                <a:ea typeface="Helvetica Neue"/>
-                <a:cs typeface="Helvetica Neue"/>
-                <a:sym typeface="Helvetica Neue"/>
-              </a:defRPr>
-            </a:lvl2pPr>
-            <a:lvl3pPr marL="863600" marR="0" lvl="2" indent="-177800" algn="l" rtl="0">
-              <a:lnSpc>
-                <a:spcPct val="100000"/>
-              </a:lnSpc>
-              <a:spcBef>
-                <a:spcPts val="2700"/>
-              </a:spcBef>
-              <a:spcAft>
-                <a:spcPts val="0"/>
-              </a:spcAft>
-              <a:buClr>
-                <a:srgbClr val="FFFFFF"/>
-              </a:buClr>
-              <a:buSzPct val="75000"/>
-              <a:buFont typeface="Helvetica Neue"/>
-              <a:buChar char="•"/>
-              <a:defRPr sz="2400" b="0" i="0" u="none" strike="noStrike" cap="none">
-                <a:solidFill>
-                  <a:srgbClr val="FFFFFF"/>
-                </a:solidFill>
-                <a:latin typeface="Helvetica Neue"/>
-                <a:ea typeface="Helvetica Neue"/>
-                <a:cs typeface="Helvetica Neue"/>
-                <a:sym typeface="Helvetica Neue"/>
-              </a:defRPr>
-            </a:lvl3pPr>
-            <a:lvl4pPr marL="1143000" marR="0" lvl="3" indent="-165100" algn="l" rtl="0">
-              <a:lnSpc>
-                <a:spcPct val="100000"/>
-              </a:lnSpc>
-              <a:spcBef>
-                <a:spcPts val="2700"/>
-              </a:spcBef>
-              <a:spcAft>
-                <a:spcPts val="0"/>
-              </a:spcAft>
-              <a:buClr>
-                <a:srgbClr val="FFFFFF"/>
-              </a:buClr>
-              <a:buSzPct val="75000"/>
-              <a:buFont typeface="Helvetica Neue"/>
-              <a:buChar char="•"/>
-              <a:defRPr sz="2400" b="0" i="0" u="none" strike="noStrike" cap="none">
-                <a:solidFill>
-                  <a:srgbClr val="FFFFFF"/>
-                </a:solidFill>
-                <a:latin typeface="Helvetica Neue"/>
-                <a:ea typeface="Helvetica Neue"/>
-                <a:cs typeface="Helvetica Neue"/>
-                <a:sym typeface="Helvetica Neue"/>
-              </a:defRPr>
-            </a:lvl4pPr>
-            <a:lvl5pPr marL="1435100" marR="0" lvl="4" indent="-177800" algn="l" rtl="0">
-              <a:lnSpc>
-                <a:spcPct val="100000"/>
-              </a:lnSpc>
-              <a:spcBef>
-                <a:spcPts val="2700"/>
-              </a:spcBef>
-              <a:spcAft>
-                <a:spcPts val="0"/>
-              </a:spcAft>
-              <a:buClr>
-                <a:srgbClr val="FFFFFF"/>
-              </a:buClr>
-              <a:buSzPct val="75000"/>
-              <a:buFont typeface="Helvetica Neue"/>
-              <a:buChar char="•"/>
-              <a:defRPr sz="2400" b="0" i="0" u="none" strike="noStrike" cap="none">
-                <a:solidFill>
-                  <a:srgbClr val="FFFFFF"/>
-                </a:solidFill>
-                <a:latin typeface="Helvetica Neue"/>
-                <a:ea typeface="Helvetica Neue"/>
-                <a:cs typeface="Helvetica Neue"/>
-                <a:sym typeface="Helvetica Neue"/>
-              </a:defRPr>
-            </a:lvl5pPr>
-            <a:lvl6pPr marL="1714500" marR="0" lvl="5" indent="-165100" algn="l" rtl="0">
-              <a:lnSpc>
-                <a:spcPct val="100000"/>
-              </a:lnSpc>
-              <a:spcBef>
-                <a:spcPts val="2700"/>
-              </a:spcBef>
-              <a:spcAft>
-                <a:spcPts val="0"/>
-              </a:spcAft>
-              <a:buClr>
-                <a:srgbClr val="FFFFFF"/>
-              </a:buClr>
-              <a:buSzPct val="75000"/>
-              <a:buFont typeface="Helvetica Neue"/>
-              <a:buChar char="•"/>
-              <a:defRPr sz="2400" b="0" i="0" u="none" strike="noStrike" cap="none">
-                <a:solidFill>
-                  <a:srgbClr val="FFFFFF"/>
-                </a:solidFill>
-                <a:latin typeface="Helvetica Neue"/>
-                <a:ea typeface="Helvetica Neue"/>
-                <a:cs typeface="Helvetica Neue"/>
-                <a:sym typeface="Helvetica Neue"/>
-              </a:defRPr>
-            </a:lvl6pPr>
-            <a:lvl7pPr marL="2006600" marR="0" lvl="6" indent="-165100" algn="l" rtl="0">
-              <a:lnSpc>
-                <a:spcPct val="100000"/>
-              </a:lnSpc>
-              <a:spcBef>
-                <a:spcPts val="2700"/>
-              </a:spcBef>
-              <a:spcAft>
-                <a:spcPts val="0"/>
-              </a:spcAft>
-              <a:buClr>
-                <a:srgbClr val="FFFFFF"/>
-              </a:buClr>
-              <a:buSzPct val="75000"/>
-              <a:buFont typeface="Helvetica Neue"/>
-              <a:buChar char="•"/>
-              <a:defRPr sz="2400" b="0" i="0" u="none" strike="noStrike" cap="none">
-                <a:solidFill>
-                  <a:srgbClr val="FFFFFF"/>
-                </a:solidFill>
-                <a:latin typeface="Helvetica Neue"/>
-                <a:ea typeface="Helvetica Neue"/>
-                <a:cs typeface="Helvetica Neue"/>
-                <a:sym typeface="Helvetica Neue"/>
-              </a:defRPr>
-            </a:lvl7pPr>
-            <a:lvl8pPr marL="2286000" marR="0" lvl="7" indent="-165100" algn="l" rtl="0">
-              <a:lnSpc>
-                <a:spcPct val="100000"/>
-              </a:lnSpc>
-              <a:spcBef>
-                <a:spcPts val="2700"/>
-              </a:spcBef>
-              <a:spcAft>
-                <a:spcPts val="0"/>
-              </a:spcAft>
-              <a:buClr>
-                <a:srgbClr val="FFFFFF"/>
-              </a:buClr>
-              <a:buSzPct val="75000"/>
-              <a:buFont typeface="Helvetica Neue"/>
-              <a:buChar char="•"/>
-              <a:defRPr sz="2400" b="0" i="0" u="none" strike="noStrike" cap="none">
-                <a:solidFill>
-                  <a:srgbClr val="FFFFFF"/>
-                </a:solidFill>
-                <a:latin typeface="Helvetica Neue"/>
-                <a:ea typeface="Helvetica Neue"/>
-                <a:cs typeface="Helvetica Neue"/>
-                <a:sym typeface="Helvetica Neue"/>
-              </a:defRPr>
-            </a:lvl8pPr>
-            <a:lvl9pPr marL="2578100" marR="0" lvl="8" indent="-165100" algn="l" rtl="0">
-              <a:lnSpc>
-                <a:spcPct val="100000"/>
-              </a:lnSpc>
-              <a:spcBef>
-                <a:spcPts val="2700"/>
-              </a:spcBef>
-              <a:spcAft>
-                <a:spcPts val="0"/>
-              </a:spcAft>
-              <a:buClr>
-                <a:srgbClr val="FFFFFF"/>
-              </a:buClr>
-              <a:buSzPct val="75000"/>
-              <a:buFont typeface="Helvetica Neue"/>
-              <a:buChar char="•"/>
-              <a:defRPr sz="2400" b="0" i="0" u="none" strike="noStrike" cap="none">
-                <a:solidFill>
-                  <a:srgbClr val="FFFFFF"/>
-                </a:solidFill>
-                <a:latin typeface="Helvetica Neue"/>
-                <a:ea typeface="Helvetica Neue"/>
-                <a:cs typeface="Helvetica Neue"/>
-                <a:sym typeface="Helvetica Neue"/>
-              </a:defRPr>
-            </a:lvl9pPr>
-          </a:lstStyle>
-          <a:p>
-            <a:endParaRPr/>
-          </a:p>
-        </p:txBody>
-      </p:sp>
-      <p:sp>
-        <p:nvSpPr>
-          <p:cNvPr id="22" name="Shape 22"/>
-          <p:cNvSpPr txBox="1">
-            <a:spLocks noGrp="1"/>
-          </p:cNvSpPr>
-          <p:nvPr>
-            <p:ph type="sldNum" idx="12"/>
-          </p:nvPr>
-        </p:nvSpPr>
-        <p:spPr>
-          <a:xfrm>
-            <a:off x="4437983" y="4882306"/>
-            <a:ext cx="259200" cy="201000"/>
-          </a:xfrm>
-          <a:prstGeom prst="rect">
-            <a:avLst/>
-          </a:prstGeom>
-          <a:noFill/>
-          <a:ln>
-            <a:noFill/>
-          </a:ln>
-        </p:spPr>
-        <p:txBody>
-          <a:bodyPr lIns="32750" tIns="32750" rIns="32750" bIns="32750" anchor="t" anchorCtr="0">
-            <a:noAutofit/>
-          </a:bodyPr>
-          <a:lstStyle/>
-          <a:p>
-            <a:pPr marL="0" marR="0" lvl="0" indent="0" algn="ctr" rtl="0">
-              <a:lnSpc>
-                <a:spcPct val="100000"/>
-              </a:lnSpc>
-              <a:spcBef>
-                <a:spcPts val="0"/>
-              </a:spcBef>
-              <a:spcAft>
-                <a:spcPts val="0"/>
-              </a:spcAft>
-              <a:buClr>
-                <a:srgbClr val="FFFFFF"/>
-              </a:buClr>
-              <a:buSzPct val="25000"/>
-              <a:buFont typeface="Helvetica Neue"/>
-              <a:buNone/>
-            </a:pPr>
-            <a:fld id="{00000000-1234-1234-1234-123412341234}" type="slidenum">
-              <a:rPr lang="en-US" sz="1200" b="0" i="0" u="none" strike="noStrike" cap="none">
-                <a:solidFill>
-                  <a:srgbClr val="FFFFFF"/>
-                </a:solidFill>
-                <a:latin typeface="Helvetica Neue"/>
-                <a:ea typeface="Helvetica Neue"/>
-                <a:cs typeface="Helvetica Neue"/>
-                <a:sym typeface="Helvetica Neue"/>
-              </a:rPr>
-              <a:t>‹#›</a:t>
-            </a:fld>
-            <a:endParaRPr lang="en-US" sz="1200" b="0" i="0" u="none" strike="noStrike" cap="none">
-              <a:solidFill>
-                <a:srgbClr val="FFFFFF"/>
-              </a:solidFill>
-              <a:latin typeface="Helvetica Neue"/>
-              <a:ea typeface="Helvetica Neue"/>
-              <a:cs typeface="Helvetica Neue"/>
-              <a:sym typeface="Helvetica Neue"/>
-            </a:endParaRPr>
-          </a:p>
-        </p:txBody>
-      </p:sp>
-    </p:spTree>
-  </p:cSld>
-  <p:clrMapOvr>
-    <a:masterClrMapping/>
-  </p:clrMapOvr>
-</p:sldLayout>
-</file>
-
-<file path=ppt/slideLayouts/slideLayout5.xml><?xml version="1.0" encoding="utf-8"?>
-<p:sldLayout xmlns:a="http://schemas.openxmlformats.org/drawingml/2006/main" xmlns:r="http://schemas.openxmlformats.org/officeDocument/2006/relationships" xmlns:p="http://schemas.openxmlformats.org/presentationml/2006/main">
   <p:cSld name="Photo - Horizontal">
     <p:spTree>
       <p:nvGrpSpPr>
@@ -10447,7 +8543,7 @@
 </p:sldLayout>
 </file>
 
-<file path=ppt/slideLayouts/slideLayout6.xml><?xml version="1.0" encoding="utf-8"?>
+<file path=ppt/slideLayouts/slideLayout5.xml><?xml version="1.0" encoding="utf-8"?>
 <p:sldLayout xmlns:a="http://schemas.openxmlformats.org/drawingml/2006/main" xmlns:r="http://schemas.openxmlformats.org/officeDocument/2006/relationships" xmlns:p="http://schemas.openxmlformats.org/presentationml/2006/main">
   <p:cSld name="Photo - Vertical">
     <p:spTree>
@@ -11326,7 +9422,7 @@
 </p:sldLayout>
 </file>
 
-<file path=ppt/slideLayouts/slideLayout7.xml><?xml version="1.0" encoding="utf-8"?>
+<file path=ppt/slideLayouts/slideLayout6.xml><?xml version="1.0" encoding="utf-8"?>
 <p:sldLayout xmlns:a="http://schemas.openxmlformats.org/drawingml/2006/main" xmlns:r="http://schemas.openxmlformats.org/officeDocument/2006/relationships" xmlns:p="http://schemas.openxmlformats.org/presentationml/2006/main">
   <p:cSld name="Title - Top">
     <p:spTree>
@@ -11678,7 +9774,7 @@
 </p:sldLayout>
 </file>
 
-<file path=ppt/slideLayouts/slideLayout8.xml><?xml version="1.0" encoding="utf-8"?>
+<file path=ppt/slideLayouts/slideLayout7.xml><?xml version="1.0" encoding="utf-8"?>
 <p:sldLayout xmlns:a="http://schemas.openxmlformats.org/drawingml/2006/main" xmlns:r="http://schemas.openxmlformats.org/officeDocument/2006/relationships" xmlns:p="http://schemas.openxmlformats.org/presentationml/2006/main">
   <p:cSld name="Title, Bullets &amp; Photo">
     <p:spTree>
@@ -12562,7 +10658,7 @@
 </p:sldLayout>
 </file>
 
-<file path=ppt/slideLayouts/slideLayout9.xml><?xml version="1.0" encoding="utf-8"?>
+<file path=ppt/slideLayouts/slideLayout8.xml><?xml version="1.0" encoding="utf-8"?>
 <p:sldLayout xmlns:a="http://schemas.openxmlformats.org/drawingml/2006/main" xmlns:r="http://schemas.openxmlformats.org/officeDocument/2006/relationships" xmlns:p="http://schemas.openxmlformats.org/presentationml/2006/main">
   <p:cSld name="Photo - 3 Up">
     <p:spTree>
@@ -13380,6 +11476,631 @@
       <p:sp>
         <p:nvSpPr>
           <p:cNvPr id="45" name="Shape 45"/>
+          <p:cNvSpPr txBox="1">
+            <a:spLocks noGrp="1"/>
+          </p:cNvSpPr>
+          <p:nvPr>
+            <p:ph type="sldNum" idx="12"/>
+          </p:nvPr>
+        </p:nvSpPr>
+        <p:spPr>
+          <a:xfrm>
+            <a:off x="4437983" y="4882306"/>
+            <a:ext cx="259200" cy="201000"/>
+          </a:xfrm>
+          <a:prstGeom prst="rect">
+            <a:avLst/>
+          </a:prstGeom>
+          <a:noFill/>
+          <a:ln>
+            <a:noFill/>
+          </a:ln>
+        </p:spPr>
+        <p:txBody>
+          <a:bodyPr lIns="32750" tIns="32750" rIns="32750" bIns="32750" anchor="t" anchorCtr="0">
+            <a:noAutofit/>
+          </a:bodyPr>
+          <a:lstStyle/>
+          <a:p>
+            <a:pPr marL="0" marR="0" lvl="0" indent="0" algn="ctr" rtl="0">
+              <a:lnSpc>
+                <a:spcPct val="100000"/>
+              </a:lnSpc>
+              <a:spcBef>
+                <a:spcPts val="0"/>
+              </a:spcBef>
+              <a:spcAft>
+                <a:spcPts val="0"/>
+              </a:spcAft>
+              <a:buClr>
+                <a:srgbClr val="FFFFFF"/>
+              </a:buClr>
+              <a:buSzPct val="25000"/>
+              <a:buFont typeface="Helvetica Neue"/>
+              <a:buNone/>
+            </a:pPr>
+            <a:fld id="{00000000-1234-1234-1234-123412341234}" type="slidenum">
+              <a:rPr lang="en-US" sz="1200" b="0" i="0" u="none" strike="noStrike" cap="none">
+                <a:solidFill>
+                  <a:srgbClr val="FFFFFF"/>
+                </a:solidFill>
+                <a:latin typeface="Helvetica Neue"/>
+                <a:ea typeface="Helvetica Neue"/>
+                <a:cs typeface="Helvetica Neue"/>
+                <a:sym typeface="Helvetica Neue"/>
+              </a:rPr>
+              <a:t>‹#›</a:t>
+            </a:fld>
+            <a:endParaRPr lang="en-US" sz="1200" b="0" i="0" u="none" strike="noStrike" cap="none">
+              <a:solidFill>
+                <a:srgbClr val="FFFFFF"/>
+              </a:solidFill>
+              <a:latin typeface="Helvetica Neue"/>
+              <a:ea typeface="Helvetica Neue"/>
+              <a:cs typeface="Helvetica Neue"/>
+              <a:sym typeface="Helvetica Neue"/>
+            </a:endParaRPr>
+          </a:p>
+        </p:txBody>
+      </p:sp>
+    </p:spTree>
+  </p:cSld>
+  <p:clrMapOvr>
+    <a:masterClrMapping/>
+  </p:clrMapOvr>
+</p:sldLayout>
+</file>
+
+<file path=ppt/slideLayouts/slideLayout9.xml><?xml version="1.0" encoding="utf-8"?>
+<p:sldLayout xmlns:a="http://schemas.openxmlformats.org/drawingml/2006/main" xmlns:r="http://schemas.openxmlformats.org/officeDocument/2006/relationships" xmlns:p="http://schemas.openxmlformats.org/presentationml/2006/main">
+  <p:cSld name="Quote">
+    <p:spTree>
+      <p:nvGrpSpPr>
+        <p:cNvPr id="1" name="Shape 46"/>
+        <p:cNvGrpSpPr/>
+        <p:nvPr/>
+      </p:nvGrpSpPr>
+      <p:grpSpPr>
+        <a:xfrm>
+          <a:off x="0" y="0"/>
+          <a:ext cx="0" cy="0"/>
+          <a:chOff x="0" y="0"/>
+          <a:chExt cx="0" cy="0"/>
+        </a:xfrm>
+      </p:grpSpPr>
+      <p:sp>
+        <p:nvSpPr>
+          <p:cNvPr id="47" name="Shape 47"/>
+          <p:cNvSpPr txBox="1">
+            <a:spLocks noGrp="1"/>
+          </p:cNvSpPr>
+          <p:nvPr>
+            <p:ph type="body" idx="1"/>
+          </p:nvPr>
+        </p:nvSpPr>
+        <p:spPr>
+          <a:xfrm>
+            <a:off x="892968" y="3355330"/>
+            <a:ext cx="7358100" cy="247800"/>
+          </a:xfrm>
+          <a:prstGeom prst="rect">
+            <a:avLst/>
+          </a:prstGeom>
+          <a:noFill/>
+          <a:ln>
+            <a:noFill/>
+          </a:ln>
+        </p:spPr>
+        <p:txBody>
+          <a:bodyPr lIns="58925" tIns="58925" rIns="58925" bIns="58925" anchor="t" anchorCtr="0"/>
+          <a:lstStyle>
+            <a:lvl1pPr marL="0" marR="0" lvl="0" indent="0" algn="ctr" rtl="0">
+              <a:lnSpc>
+                <a:spcPct val="100000"/>
+              </a:lnSpc>
+              <a:spcBef>
+                <a:spcPts val="0"/>
+              </a:spcBef>
+              <a:spcAft>
+                <a:spcPts val="0"/>
+              </a:spcAft>
+              <a:buClr>
+                <a:srgbClr val="FFFFFF"/>
+              </a:buClr>
+              <a:buFont typeface="Helvetica Neue"/>
+              <a:buNone/>
+              <a:defRPr sz="1500" b="0" i="1" u="none" strike="noStrike" cap="none">
+                <a:solidFill>
+                  <a:srgbClr val="FFFFFF"/>
+                </a:solidFill>
+                <a:latin typeface="Helvetica Neue"/>
+                <a:ea typeface="Helvetica Neue"/>
+                <a:cs typeface="Helvetica Neue"/>
+                <a:sym typeface="Helvetica Neue"/>
+              </a:defRPr>
+            </a:lvl1pPr>
+            <a:lvl2pPr marL="571500" marR="0" lvl="1" indent="-165100" algn="l" rtl="0">
+              <a:lnSpc>
+                <a:spcPct val="100000"/>
+              </a:lnSpc>
+              <a:spcBef>
+                <a:spcPts val="2700"/>
+              </a:spcBef>
+              <a:spcAft>
+                <a:spcPts val="0"/>
+              </a:spcAft>
+              <a:buClr>
+                <a:srgbClr val="FFFFFF"/>
+              </a:buClr>
+              <a:buSzPct val="75000"/>
+              <a:buFont typeface="Helvetica Neue"/>
+              <a:buChar char="•"/>
+              <a:defRPr sz="2400" b="0" i="0" u="none" strike="noStrike" cap="none">
+                <a:solidFill>
+                  <a:srgbClr val="FFFFFF"/>
+                </a:solidFill>
+                <a:latin typeface="Helvetica Neue"/>
+                <a:ea typeface="Helvetica Neue"/>
+                <a:cs typeface="Helvetica Neue"/>
+                <a:sym typeface="Helvetica Neue"/>
+              </a:defRPr>
+            </a:lvl2pPr>
+            <a:lvl3pPr marL="863600" marR="0" lvl="2" indent="-177800" algn="l" rtl="0">
+              <a:lnSpc>
+                <a:spcPct val="100000"/>
+              </a:lnSpc>
+              <a:spcBef>
+                <a:spcPts val="2700"/>
+              </a:spcBef>
+              <a:spcAft>
+                <a:spcPts val="0"/>
+              </a:spcAft>
+              <a:buClr>
+                <a:srgbClr val="FFFFFF"/>
+              </a:buClr>
+              <a:buSzPct val="75000"/>
+              <a:buFont typeface="Helvetica Neue"/>
+              <a:buChar char="•"/>
+              <a:defRPr sz="2400" b="0" i="0" u="none" strike="noStrike" cap="none">
+                <a:solidFill>
+                  <a:srgbClr val="FFFFFF"/>
+                </a:solidFill>
+                <a:latin typeface="Helvetica Neue"/>
+                <a:ea typeface="Helvetica Neue"/>
+                <a:cs typeface="Helvetica Neue"/>
+                <a:sym typeface="Helvetica Neue"/>
+              </a:defRPr>
+            </a:lvl3pPr>
+            <a:lvl4pPr marL="1143000" marR="0" lvl="3" indent="-165100" algn="l" rtl="0">
+              <a:lnSpc>
+                <a:spcPct val="100000"/>
+              </a:lnSpc>
+              <a:spcBef>
+                <a:spcPts val="2700"/>
+              </a:spcBef>
+              <a:spcAft>
+                <a:spcPts val="0"/>
+              </a:spcAft>
+              <a:buClr>
+                <a:srgbClr val="FFFFFF"/>
+              </a:buClr>
+              <a:buSzPct val="75000"/>
+              <a:buFont typeface="Helvetica Neue"/>
+              <a:buChar char="•"/>
+              <a:defRPr sz="2400" b="0" i="0" u="none" strike="noStrike" cap="none">
+                <a:solidFill>
+                  <a:srgbClr val="FFFFFF"/>
+                </a:solidFill>
+                <a:latin typeface="Helvetica Neue"/>
+                <a:ea typeface="Helvetica Neue"/>
+                <a:cs typeface="Helvetica Neue"/>
+                <a:sym typeface="Helvetica Neue"/>
+              </a:defRPr>
+            </a:lvl4pPr>
+            <a:lvl5pPr marL="1435100" marR="0" lvl="4" indent="-177800" algn="l" rtl="0">
+              <a:lnSpc>
+                <a:spcPct val="100000"/>
+              </a:lnSpc>
+              <a:spcBef>
+                <a:spcPts val="2700"/>
+              </a:spcBef>
+              <a:spcAft>
+                <a:spcPts val="0"/>
+              </a:spcAft>
+              <a:buClr>
+                <a:srgbClr val="FFFFFF"/>
+              </a:buClr>
+              <a:buSzPct val="75000"/>
+              <a:buFont typeface="Helvetica Neue"/>
+              <a:buChar char="•"/>
+              <a:defRPr sz="2400" b="0" i="0" u="none" strike="noStrike" cap="none">
+                <a:solidFill>
+                  <a:srgbClr val="FFFFFF"/>
+                </a:solidFill>
+                <a:latin typeface="Helvetica Neue"/>
+                <a:ea typeface="Helvetica Neue"/>
+                <a:cs typeface="Helvetica Neue"/>
+                <a:sym typeface="Helvetica Neue"/>
+              </a:defRPr>
+            </a:lvl5pPr>
+            <a:lvl6pPr marL="1714500" marR="0" lvl="5" indent="-165100" algn="l" rtl="0">
+              <a:lnSpc>
+                <a:spcPct val="100000"/>
+              </a:lnSpc>
+              <a:spcBef>
+                <a:spcPts val="2700"/>
+              </a:spcBef>
+              <a:spcAft>
+                <a:spcPts val="0"/>
+              </a:spcAft>
+              <a:buClr>
+                <a:srgbClr val="FFFFFF"/>
+              </a:buClr>
+              <a:buSzPct val="75000"/>
+              <a:buFont typeface="Helvetica Neue"/>
+              <a:buChar char="•"/>
+              <a:defRPr sz="2400" b="0" i="0" u="none" strike="noStrike" cap="none">
+                <a:solidFill>
+                  <a:srgbClr val="FFFFFF"/>
+                </a:solidFill>
+                <a:latin typeface="Helvetica Neue"/>
+                <a:ea typeface="Helvetica Neue"/>
+                <a:cs typeface="Helvetica Neue"/>
+                <a:sym typeface="Helvetica Neue"/>
+              </a:defRPr>
+            </a:lvl6pPr>
+            <a:lvl7pPr marL="2006600" marR="0" lvl="6" indent="-165100" algn="l" rtl="0">
+              <a:lnSpc>
+                <a:spcPct val="100000"/>
+              </a:lnSpc>
+              <a:spcBef>
+                <a:spcPts val="2700"/>
+              </a:spcBef>
+              <a:spcAft>
+                <a:spcPts val="0"/>
+              </a:spcAft>
+              <a:buClr>
+                <a:srgbClr val="FFFFFF"/>
+              </a:buClr>
+              <a:buSzPct val="75000"/>
+              <a:buFont typeface="Helvetica Neue"/>
+              <a:buChar char="•"/>
+              <a:defRPr sz="2400" b="0" i="0" u="none" strike="noStrike" cap="none">
+                <a:solidFill>
+                  <a:srgbClr val="FFFFFF"/>
+                </a:solidFill>
+                <a:latin typeface="Helvetica Neue"/>
+                <a:ea typeface="Helvetica Neue"/>
+                <a:cs typeface="Helvetica Neue"/>
+                <a:sym typeface="Helvetica Neue"/>
+              </a:defRPr>
+            </a:lvl7pPr>
+            <a:lvl8pPr marL="2286000" marR="0" lvl="7" indent="-165100" algn="l" rtl="0">
+              <a:lnSpc>
+                <a:spcPct val="100000"/>
+              </a:lnSpc>
+              <a:spcBef>
+                <a:spcPts val="2700"/>
+              </a:spcBef>
+              <a:spcAft>
+                <a:spcPts val="0"/>
+              </a:spcAft>
+              <a:buClr>
+                <a:srgbClr val="FFFFFF"/>
+              </a:buClr>
+              <a:buSzPct val="75000"/>
+              <a:buFont typeface="Helvetica Neue"/>
+              <a:buChar char="•"/>
+              <a:defRPr sz="2400" b="0" i="0" u="none" strike="noStrike" cap="none">
+                <a:solidFill>
+                  <a:srgbClr val="FFFFFF"/>
+                </a:solidFill>
+                <a:latin typeface="Helvetica Neue"/>
+                <a:ea typeface="Helvetica Neue"/>
+                <a:cs typeface="Helvetica Neue"/>
+                <a:sym typeface="Helvetica Neue"/>
+              </a:defRPr>
+            </a:lvl8pPr>
+            <a:lvl9pPr marL="2578100" marR="0" lvl="8" indent="-165100" algn="l" rtl="0">
+              <a:lnSpc>
+                <a:spcPct val="100000"/>
+              </a:lnSpc>
+              <a:spcBef>
+                <a:spcPts val="2700"/>
+              </a:spcBef>
+              <a:spcAft>
+                <a:spcPts val="0"/>
+              </a:spcAft>
+              <a:buClr>
+                <a:srgbClr val="FFFFFF"/>
+              </a:buClr>
+              <a:buSzPct val="75000"/>
+              <a:buFont typeface="Helvetica Neue"/>
+              <a:buChar char="•"/>
+              <a:defRPr sz="2400" b="0" i="0" u="none" strike="noStrike" cap="none">
+                <a:solidFill>
+                  <a:srgbClr val="FFFFFF"/>
+                </a:solidFill>
+                <a:latin typeface="Helvetica Neue"/>
+                <a:ea typeface="Helvetica Neue"/>
+                <a:cs typeface="Helvetica Neue"/>
+                <a:sym typeface="Helvetica Neue"/>
+              </a:defRPr>
+            </a:lvl9pPr>
+          </a:lstStyle>
+          <a:p>
+            <a:endParaRPr/>
+          </a:p>
+        </p:txBody>
+      </p:sp>
+      <p:sp>
+        <p:nvSpPr>
+          <p:cNvPr id="48" name="Shape 48"/>
+          <p:cNvSpPr txBox="1">
+            <a:spLocks noGrp="1"/>
+          </p:cNvSpPr>
+          <p:nvPr>
+            <p:ph type="body" idx="2"/>
+          </p:nvPr>
+        </p:nvSpPr>
+        <p:spPr>
+          <a:xfrm>
+            <a:off x="892968" y="2250281"/>
+            <a:ext cx="7358100" cy="361800"/>
+          </a:xfrm>
+          <a:prstGeom prst="rect">
+            <a:avLst/>
+          </a:prstGeom>
+          <a:noFill/>
+          <a:ln>
+            <a:noFill/>
+          </a:ln>
+        </p:spPr>
+        <p:txBody>
+          <a:bodyPr lIns="58925" tIns="58925" rIns="58925" bIns="58925" anchor="ctr" anchorCtr="0"/>
+          <a:lstStyle>
+            <a:lvl1pPr marL="0" marR="0" lvl="0" indent="0" algn="ctr" rtl="0">
+              <a:lnSpc>
+                <a:spcPct val="100000"/>
+              </a:lnSpc>
+              <a:spcBef>
+                <a:spcPts val="0"/>
+              </a:spcBef>
+              <a:spcAft>
+                <a:spcPts val="0"/>
+              </a:spcAft>
+              <a:buClr>
+                <a:srgbClr val="FFFFFF"/>
+              </a:buClr>
+              <a:buFont typeface="Helvetica Neue"/>
+              <a:buNone/>
+              <a:defRPr sz="2400" b="0" i="0" u="none" strike="noStrike" cap="none">
+                <a:solidFill>
+                  <a:srgbClr val="FFFFFF"/>
+                </a:solidFill>
+                <a:latin typeface="Helvetica Neue"/>
+                <a:ea typeface="Helvetica Neue"/>
+                <a:cs typeface="Helvetica Neue"/>
+                <a:sym typeface="Helvetica Neue"/>
+              </a:defRPr>
+            </a:lvl1pPr>
+            <a:lvl2pPr marL="571500" marR="0" lvl="1" indent="-165100" algn="l" rtl="0">
+              <a:lnSpc>
+                <a:spcPct val="100000"/>
+              </a:lnSpc>
+              <a:spcBef>
+                <a:spcPts val="2700"/>
+              </a:spcBef>
+              <a:spcAft>
+                <a:spcPts val="0"/>
+              </a:spcAft>
+              <a:buClr>
+                <a:srgbClr val="FFFFFF"/>
+              </a:buClr>
+              <a:buSzPct val="75000"/>
+              <a:buFont typeface="Helvetica Neue"/>
+              <a:buChar char="•"/>
+              <a:defRPr sz="2400" b="0" i="0" u="none" strike="noStrike" cap="none">
+                <a:solidFill>
+                  <a:srgbClr val="FFFFFF"/>
+                </a:solidFill>
+                <a:latin typeface="Helvetica Neue"/>
+                <a:ea typeface="Helvetica Neue"/>
+                <a:cs typeface="Helvetica Neue"/>
+                <a:sym typeface="Helvetica Neue"/>
+              </a:defRPr>
+            </a:lvl2pPr>
+            <a:lvl3pPr marL="863600" marR="0" lvl="2" indent="-177800" algn="l" rtl="0">
+              <a:lnSpc>
+                <a:spcPct val="100000"/>
+              </a:lnSpc>
+              <a:spcBef>
+                <a:spcPts val="2700"/>
+              </a:spcBef>
+              <a:spcAft>
+                <a:spcPts val="0"/>
+              </a:spcAft>
+              <a:buClr>
+                <a:srgbClr val="FFFFFF"/>
+              </a:buClr>
+              <a:buSzPct val="75000"/>
+              <a:buFont typeface="Helvetica Neue"/>
+              <a:buChar char="•"/>
+              <a:defRPr sz="2400" b="0" i="0" u="none" strike="noStrike" cap="none">
+                <a:solidFill>
+                  <a:srgbClr val="FFFFFF"/>
+                </a:solidFill>
+                <a:latin typeface="Helvetica Neue"/>
+                <a:ea typeface="Helvetica Neue"/>
+                <a:cs typeface="Helvetica Neue"/>
+                <a:sym typeface="Helvetica Neue"/>
+              </a:defRPr>
+            </a:lvl3pPr>
+            <a:lvl4pPr marL="1143000" marR="0" lvl="3" indent="-165100" algn="l" rtl="0">
+              <a:lnSpc>
+                <a:spcPct val="100000"/>
+              </a:lnSpc>
+              <a:spcBef>
+                <a:spcPts val="2700"/>
+              </a:spcBef>
+              <a:spcAft>
+                <a:spcPts val="0"/>
+              </a:spcAft>
+              <a:buClr>
+                <a:srgbClr val="FFFFFF"/>
+              </a:buClr>
+              <a:buSzPct val="75000"/>
+              <a:buFont typeface="Helvetica Neue"/>
+              <a:buChar char="•"/>
+              <a:defRPr sz="2400" b="0" i="0" u="none" strike="noStrike" cap="none">
+                <a:solidFill>
+                  <a:srgbClr val="FFFFFF"/>
+                </a:solidFill>
+                <a:latin typeface="Helvetica Neue"/>
+                <a:ea typeface="Helvetica Neue"/>
+                <a:cs typeface="Helvetica Neue"/>
+                <a:sym typeface="Helvetica Neue"/>
+              </a:defRPr>
+            </a:lvl4pPr>
+            <a:lvl5pPr marL="1435100" marR="0" lvl="4" indent="-177800" algn="l" rtl="0">
+              <a:lnSpc>
+                <a:spcPct val="100000"/>
+              </a:lnSpc>
+              <a:spcBef>
+                <a:spcPts val="2700"/>
+              </a:spcBef>
+              <a:spcAft>
+                <a:spcPts val="0"/>
+              </a:spcAft>
+              <a:buClr>
+                <a:srgbClr val="FFFFFF"/>
+              </a:buClr>
+              <a:buSzPct val="75000"/>
+              <a:buFont typeface="Helvetica Neue"/>
+              <a:buChar char="•"/>
+              <a:defRPr sz="2400" b="0" i="0" u="none" strike="noStrike" cap="none">
+                <a:solidFill>
+                  <a:srgbClr val="FFFFFF"/>
+                </a:solidFill>
+                <a:latin typeface="Helvetica Neue"/>
+                <a:ea typeface="Helvetica Neue"/>
+                <a:cs typeface="Helvetica Neue"/>
+                <a:sym typeface="Helvetica Neue"/>
+              </a:defRPr>
+            </a:lvl5pPr>
+            <a:lvl6pPr marL="1714500" marR="0" lvl="5" indent="-165100" algn="l" rtl="0">
+              <a:lnSpc>
+                <a:spcPct val="100000"/>
+              </a:lnSpc>
+              <a:spcBef>
+                <a:spcPts val="2700"/>
+              </a:spcBef>
+              <a:spcAft>
+                <a:spcPts val="0"/>
+              </a:spcAft>
+              <a:buClr>
+                <a:srgbClr val="FFFFFF"/>
+              </a:buClr>
+              <a:buSzPct val="75000"/>
+              <a:buFont typeface="Helvetica Neue"/>
+              <a:buChar char="•"/>
+              <a:defRPr sz="2400" b="0" i="0" u="none" strike="noStrike" cap="none">
+                <a:solidFill>
+                  <a:srgbClr val="FFFFFF"/>
+                </a:solidFill>
+                <a:latin typeface="Helvetica Neue"/>
+                <a:ea typeface="Helvetica Neue"/>
+                <a:cs typeface="Helvetica Neue"/>
+                <a:sym typeface="Helvetica Neue"/>
+              </a:defRPr>
+            </a:lvl6pPr>
+            <a:lvl7pPr marL="2006600" marR="0" lvl="6" indent="-165100" algn="l" rtl="0">
+              <a:lnSpc>
+                <a:spcPct val="100000"/>
+              </a:lnSpc>
+              <a:spcBef>
+                <a:spcPts val="2700"/>
+              </a:spcBef>
+              <a:spcAft>
+                <a:spcPts val="0"/>
+              </a:spcAft>
+              <a:buClr>
+                <a:srgbClr val="FFFFFF"/>
+              </a:buClr>
+              <a:buSzPct val="75000"/>
+              <a:buFont typeface="Helvetica Neue"/>
+              <a:buChar char="•"/>
+              <a:defRPr sz="2400" b="0" i="0" u="none" strike="noStrike" cap="none">
+                <a:solidFill>
+                  <a:srgbClr val="FFFFFF"/>
+                </a:solidFill>
+                <a:latin typeface="Helvetica Neue"/>
+                <a:ea typeface="Helvetica Neue"/>
+                <a:cs typeface="Helvetica Neue"/>
+                <a:sym typeface="Helvetica Neue"/>
+              </a:defRPr>
+            </a:lvl7pPr>
+            <a:lvl8pPr marL="2286000" marR="0" lvl="7" indent="-165100" algn="l" rtl="0">
+              <a:lnSpc>
+                <a:spcPct val="100000"/>
+              </a:lnSpc>
+              <a:spcBef>
+                <a:spcPts val="2700"/>
+              </a:spcBef>
+              <a:spcAft>
+                <a:spcPts val="0"/>
+              </a:spcAft>
+              <a:buClr>
+                <a:srgbClr val="FFFFFF"/>
+              </a:buClr>
+              <a:buSzPct val="75000"/>
+              <a:buFont typeface="Helvetica Neue"/>
+              <a:buChar char="•"/>
+              <a:defRPr sz="2400" b="0" i="0" u="none" strike="noStrike" cap="none">
+                <a:solidFill>
+                  <a:srgbClr val="FFFFFF"/>
+                </a:solidFill>
+                <a:latin typeface="Helvetica Neue"/>
+                <a:ea typeface="Helvetica Neue"/>
+                <a:cs typeface="Helvetica Neue"/>
+                <a:sym typeface="Helvetica Neue"/>
+              </a:defRPr>
+            </a:lvl8pPr>
+            <a:lvl9pPr marL="2578100" marR="0" lvl="8" indent="-165100" algn="l" rtl="0">
+              <a:lnSpc>
+                <a:spcPct val="100000"/>
+              </a:lnSpc>
+              <a:spcBef>
+                <a:spcPts val="2700"/>
+              </a:spcBef>
+              <a:spcAft>
+                <a:spcPts val="0"/>
+              </a:spcAft>
+              <a:buClr>
+                <a:srgbClr val="FFFFFF"/>
+              </a:buClr>
+              <a:buSzPct val="75000"/>
+              <a:buFont typeface="Helvetica Neue"/>
+              <a:buChar char="•"/>
+              <a:defRPr sz="2400" b="0" i="0" u="none" strike="noStrike" cap="none">
+                <a:solidFill>
+                  <a:srgbClr val="FFFFFF"/>
+                </a:solidFill>
+                <a:latin typeface="Helvetica Neue"/>
+                <a:ea typeface="Helvetica Neue"/>
+                <a:cs typeface="Helvetica Neue"/>
+                <a:sym typeface="Helvetica Neue"/>
+              </a:defRPr>
+            </a:lvl9pPr>
+          </a:lstStyle>
+          <a:p>
+            <a:endParaRPr/>
+          </a:p>
+        </p:txBody>
+      </p:sp>
+      <p:sp>
+        <p:nvSpPr>
+          <p:cNvPr id="49" name="Shape 49"/>
           <p:cNvSpPr txBox="1">
             <a:spLocks noGrp="1"/>
           </p:cNvSpPr>
@@ -14089,16 +12810,15 @@
     <p:sldLayoutId id="2147483648" r:id="rId1"/>
     <p:sldLayoutId id="2147483649" r:id="rId2"/>
     <p:sldLayoutId id="2147483650" r:id="rId3"/>
-    <p:sldLayoutId id="2147483651" r:id="rId4"/>
-    <p:sldLayoutId id="2147483652" r:id="rId5"/>
-    <p:sldLayoutId id="2147483653" r:id="rId6"/>
-    <p:sldLayoutId id="2147483654" r:id="rId7"/>
-    <p:sldLayoutId id="2147483655" r:id="rId8"/>
-    <p:sldLayoutId id="2147483656" r:id="rId9"/>
-    <p:sldLayoutId id="2147483657" r:id="rId10"/>
-    <p:sldLayoutId id="2147483658" r:id="rId11"/>
-    <p:sldLayoutId id="2147483659" r:id="rId12"/>
-    <p:sldLayoutId id="2147483661" r:id="rId13"/>
+    <p:sldLayoutId id="2147483652" r:id="rId4"/>
+    <p:sldLayoutId id="2147483653" r:id="rId5"/>
+    <p:sldLayoutId id="2147483654" r:id="rId6"/>
+    <p:sldLayoutId id="2147483655" r:id="rId7"/>
+    <p:sldLayoutId id="2147483656" r:id="rId8"/>
+    <p:sldLayoutId id="2147483657" r:id="rId9"/>
+    <p:sldLayoutId id="2147483658" r:id="rId10"/>
+    <p:sldLayoutId id="2147483659" r:id="rId11"/>
+    <p:sldLayoutId id="2147483661" r:id="rId12"/>
   </p:sldLayoutIdLst>
   <p:hf sldNum="0" hdr="0" ftr="0" dt="0"/>
   <p:txStyles>
@@ -27888,15 +26608,7 @@
                   <a:srgbClr val="C00000"/>
                 </a:solidFill>
               </a:rPr>
-              <a:t>Set</a:t>
-            </a:r>
-            <a:r>
-              <a:rPr lang="en-US" dirty="0" smtClean="0">
-                <a:solidFill>
-                  <a:srgbClr val="C00000"/>
-                </a:solidFill>
-              </a:rPr>
-              <a:t>( )</a:t>
+              <a:t>Set( )</a:t>
             </a:r>
             <a:r>
               <a:rPr lang="en-US" dirty="0" smtClean="0"/>
@@ -28869,590 +27581,6 @@
 </p:sld>
 </file>
 
-<file path=ppt/slides/slide36.xml><?xml version="1.0" encoding="utf-8"?>
-<p:sld xmlns:a="http://schemas.openxmlformats.org/drawingml/2006/main" xmlns:r="http://schemas.openxmlformats.org/officeDocument/2006/relationships" xmlns:p="http://schemas.openxmlformats.org/presentationml/2006/main">
-  <p:cSld>
-    <p:spTree>
-      <p:nvGrpSpPr>
-        <p:cNvPr id="1" name="Shape 252"/>
-        <p:cNvGrpSpPr/>
-        <p:nvPr/>
-      </p:nvGrpSpPr>
-      <p:grpSpPr>
-        <a:xfrm>
-          <a:off x="0" y="0"/>
-          <a:ext cx="0" cy="0"/>
-          <a:chOff x="0" y="0"/>
-          <a:chExt cx="0" cy="0"/>
-        </a:xfrm>
-      </p:grpSpPr>
-      <p:pic>
-        <p:nvPicPr>
-          <p:cNvPr id="253" name="Shape 253"/>
-          <p:cNvPicPr preferRelativeResize="0"/>
-          <p:nvPr/>
-        </p:nvPicPr>
-        <p:blipFill rotWithShape="1">
-          <a:blip r:embed="rId3">
-            <a:alphaModFix/>
-          </a:blip>
-          <a:srcRect/>
-          <a:stretch/>
-        </p:blipFill>
-        <p:spPr>
-          <a:xfrm>
-            <a:off x="1714500" y="1500187"/>
-            <a:ext cx="5715000" cy="2143200"/>
-          </a:xfrm>
-          <a:prstGeom prst="rect">
-            <a:avLst/>
-          </a:prstGeom>
-          <a:noFill/>
-          <a:ln>
-            <a:noFill/>
-          </a:ln>
-        </p:spPr>
-      </p:pic>
-    </p:spTree>
-  </p:cSld>
-  <p:clrMapOvr>
-    <a:masterClrMapping/>
-  </p:clrMapOvr>
-  <p:timing>
-    <p:tnLst>
-      <p:par>
-        <p:cTn id="1" dur="indefinite" restart="never" nodeType="tmRoot"/>
-      </p:par>
-    </p:tnLst>
-  </p:timing>
-</p:sld>
-</file>
-
-<file path=ppt/slides/slide37.xml><?xml version="1.0" encoding="utf-8"?>
-<p:sld xmlns:a="http://schemas.openxmlformats.org/drawingml/2006/main" xmlns:r="http://schemas.openxmlformats.org/officeDocument/2006/relationships" xmlns:p="http://schemas.openxmlformats.org/presentationml/2006/main">
-  <p:cSld>
-    <p:spTree>
-      <p:nvGrpSpPr>
-        <p:cNvPr id="1" name="Shape 257"/>
-        <p:cNvGrpSpPr/>
-        <p:nvPr/>
-      </p:nvGrpSpPr>
-      <p:grpSpPr>
-        <a:xfrm>
-          <a:off x="0" y="0"/>
-          <a:ext cx="0" cy="0"/>
-          <a:chOff x="0" y="0"/>
-          <a:chExt cx="0" cy="0"/>
-        </a:xfrm>
-      </p:grpSpPr>
-      <p:sp>
-        <p:nvSpPr>
-          <p:cNvPr id="258" name="Shape 258"/>
-          <p:cNvSpPr txBox="1">
-            <a:spLocks noGrp="1"/>
-          </p:cNvSpPr>
-          <p:nvPr>
-            <p:ph type="title"/>
-          </p:nvPr>
-        </p:nvSpPr>
-        <p:spPr>
-          <a:xfrm>
-            <a:off x="892968" y="1701105"/>
-            <a:ext cx="7358100" cy="1741200"/>
-          </a:xfrm>
-          <a:prstGeom prst="rect">
-            <a:avLst/>
-          </a:prstGeom>
-          <a:noFill/>
-          <a:ln>
-            <a:noFill/>
-          </a:ln>
-        </p:spPr>
-        <p:txBody>
-          <a:bodyPr lIns="32750" tIns="32750" rIns="32750" bIns="32750" anchor="ctr" anchorCtr="0">
-            <a:noAutofit/>
-          </a:bodyPr>
-          <a:lstStyle/>
-          <a:p>
-            <a:pPr marL="0" marR="0" lvl="0" indent="0" algn="ctr" rtl="0">
-              <a:lnSpc>
-                <a:spcPct val="100000"/>
-              </a:lnSpc>
-              <a:spcBef>
-                <a:spcPts val="0"/>
-              </a:spcBef>
-              <a:spcAft>
-                <a:spcPts val="0"/>
-              </a:spcAft>
-              <a:buClr>
-                <a:srgbClr val="FFFFFF"/>
-              </a:buClr>
-              <a:buSzPct val="25000"/>
-              <a:buFont typeface="Helvetica Neue"/>
-              <a:buNone/>
-            </a:pPr>
-            <a:r>
-              <a:rPr lang="en-US" sz="4500" b="0" i="0" u="none" strike="noStrike" cap="none">
-                <a:solidFill>
-                  <a:srgbClr val="FFFFFF"/>
-                </a:solidFill>
-                <a:latin typeface="Helvetica Neue"/>
-                <a:ea typeface="Helvetica Neue"/>
-                <a:cs typeface="Helvetica Neue"/>
-                <a:sym typeface="Helvetica Neue"/>
-              </a:rPr>
-              <a:t>Node.js provides a JavaScript runtime environment </a:t>
-            </a:r>
-          </a:p>
-        </p:txBody>
-      </p:sp>
-    </p:spTree>
-  </p:cSld>
-  <p:clrMapOvr>
-    <a:masterClrMapping/>
-  </p:clrMapOvr>
-  <p:timing>
-    <p:tnLst>
-      <p:par>
-        <p:cTn id="1" dur="indefinite" restart="never" nodeType="tmRoot"/>
-      </p:par>
-    </p:tnLst>
-  </p:timing>
-</p:sld>
-</file>
-
-<file path=ppt/slides/slide38.xml><?xml version="1.0" encoding="utf-8"?>
-<p:sld xmlns:a="http://schemas.openxmlformats.org/drawingml/2006/main" xmlns:r="http://schemas.openxmlformats.org/officeDocument/2006/relationships" xmlns:p="http://schemas.openxmlformats.org/presentationml/2006/main">
-  <p:cSld>
-    <p:spTree>
-      <p:nvGrpSpPr>
-        <p:cNvPr id="1" name="Shape 262"/>
-        <p:cNvGrpSpPr/>
-        <p:nvPr/>
-      </p:nvGrpSpPr>
-      <p:grpSpPr>
-        <a:xfrm>
-          <a:off x="0" y="0"/>
-          <a:ext cx="0" cy="0"/>
-          <a:chOff x="0" y="0"/>
-          <a:chExt cx="0" cy="0"/>
-        </a:xfrm>
-      </p:grpSpPr>
-      <p:sp>
-        <p:nvSpPr>
-          <p:cNvPr id="263" name="Shape 263"/>
-          <p:cNvSpPr txBox="1">
-            <a:spLocks noGrp="1"/>
-          </p:cNvSpPr>
-          <p:nvPr>
-            <p:ph type="title"/>
-          </p:nvPr>
-        </p:nvSpPr>
-        <p:spPr>
-          <a:xfrm>
-            <a:off x="669726" y="133945"/>
-            <a:ext cx="7804500" cy="1138500"/>
-          </a:xfrm>
-          <a:prstGeom prst="rect">
-            <a:avLst/>
-          </a:prstGeom>
-          <a:noFill/>
-          <a:ln>
-            <a:noFill/>
-          </a:ln>
-        </p:spPr>
-        <p:txBody>
-          <a:bodyPr lIns="32750" tIns="32750" rIns="32750" bIns="32750" anchor="ctr" anchorCtr="0">
-            <a:noAutofit/>
-          </a:bodyPr>
-          <a:lstStyle/>
-          <a:p>
-            <a:pPr marL="0" marR="0" lvl="0" indent="0" algn="ctr" rtl="0">
-              <a:lnSpc>
-                <a:spcPct val="100000"/>
-              </a:lnSpc>
-              <a:spcBef>
-                <a:spcPts val="0"/>
-              </a:spcBef>
-              <a:spcAft>
-                <a:spcPts val="0"/>
-              </a:spcAft>
-              <a:buClr>
-                <a:srgbClr val="FFFFFF"/>
-              </a:buClr>
-              <a:buSzPct val="25000"/>
-              <a:buFont typeface="Helvetica Neue"/>
-              <a:buNone/>
-            </a:pPr>
-            <a:r>
-              <a:rPr lang="en-US" sz="5200" b="0" i="0" u="none" strike="noStrike" cap="none">
-                <a:solidFill>
-                  <a:srgbClr val="FFFFFF"/>
-                </a:solidFill>
-                <a:latin typeface="Helvetica Neue"/>
-                <a:ea typeface="Helvetica Neue"/>
-                <a:cs typeface="Helvetica Neue"/>
-                <a:sym typeface="Helvetica Neue"/>
-              </a:rPr>
-              <a:t>Goals</a:t>
-            </a:r>
-          </a:p>
-        </p:txBody>
-      </p:sp>
-      <p:sp>
-        <p:nvSpPr>
-          <p:cNvPr id="264" name="Shape 264"/>
-          <p:cNvSpPr txBox="1">
-            <a:spLocks noGrp="1"/>
-          </p:cNvSpPr>
-          <p:nvPr>
-            <p:ph type="body" idx="1"/>
-          </p:nvPr>
-        </p:nvSpPr>
-        <p:spPr>
-          <a:xfrm>
-            <a:off x="669726" y="1366242"/>
-            <a:ext cx="7804500" cy="3315000"/>
-          </a:xfrm>
-          <a:prstGeom prst="rect">
-            <a:avLst/>
-          </a:prstGeom>
-          <a:noFill/>
-          <a:ln>
-            <a:noFill/>
-          </a:ln>
-        </p:spPr>
-        <p:txBody>
-          <a:bodyPr lIns="32750" tIns="32750" rIns="32750" bIns="32750" anchor="ctr" anchorCtr="0">
-            <a:noAutofit/>
-          </a:bodyPr>
-          <a:lstStyle/>
-          <a:p>
-            <a:pPr marL="292100" marR="0" lvl="0" indent="-292100" algn="l" rtl="0">
-              <a:lnSpc>
-                <a:spcPct val="100000"/>
-              </a:lnSpc>
-              <a:spcBef>
-                <a:spcPts val="0"/>
-              </a:spcBef>
-              <a:spcAft>
-                <a:spcPts val="0"/>
-              </a:spcAft>
-              <a:buClr>
-                <a:srgbClr val="FFFFFF"/>
-              </a:buClr>
-              <a:buSzPct val="75000"/>
-              <a:buFont typeface="Helvetica Neue"/>
-              <a:buChar char="•"/>
-            </a:pPr>
-            <a:r>
-              <a:rPr lang="en-US" sz="2400" b="0" i="0" u="none" strike="noStrike" cap="none">
-                <a:solidFill>
-                  <a:srgbClr val="FFFFFF"/>
-                </a:solidFill>
-                <a:latin typeface="Helvetica Neue"/>
-                <a:ea typeface="Helvetica Neue"/>
-                <a:cs typeface="Helvetica Neue"/>
-                <a:sym typeface="Helvetica Neue"/>
-              </a:rPr>
-              <a:t>Provide a JavaScript runtime environment</a:t>
-            </a:r>
-          </a:p>
-          <a:p>
-            <a:pPr marL="292100" marR="0" lvl="0" indent="-292100" algn="l" rtl="0">
-              <a:lnSpc>
-                <a:spcPct val="100000"/>
-              </a:lnSpc>
-              <a:spcBef>
-                <a:spcPts val="2700"/>
-              </a:spcBef>
-              <a:spcAft>
-                <a:spcPts val="0"/>
-              </a:spcAft>
-              <a:buClr>
-                <a:srgbClr val="FFFFFF"/>
-              </a:buClr>
-              <a:buSzPct val="75000"/>
-              <a:buFont typeface="Helvetica Neue"/>
-              <a:buChar char="•"/>
-            </a:pPr>
-            <a:r>
-              <a:rPr lang="en-US" sz="2400" b="0" i="0" u="none" strike="noStrike" cap="none">
-                <a:solidFill>
-                  <a:srgbClr val="FFFFFF"/>
-                </a:solidFill>
-                <a:latin typeface="Helvetica Neue"/>
-                <a:ea typeface="Helvetica Neue"/>
-                <a:cs typeface="Helvetica Neue"/>
-                <a:sym typeface="Helvetica Neue"/>
-              </a:rPr>
-              <a:t>Event-driven, non-blocking I/O</a:t>
-            </a:r>
-          </a:p>
-          <a:p>
-            <a:pPr marL="292100" marR="0" lvl="0" indent="-292100" algn="l" rtl="0">
-              <a:lnSpc>
-                <a:spcPct val="100000"/>
-              </a:lnSpc>
-              <a:spcBef>
-                <a:spcPts val="2700"/>
-              </a:spcBef>
-              <a:spcAft>
-                <a:spcPts val="0"/>
-              </a:spcAft>
-              <a:buClr>
-                <a:srgbClr val="FFFFFF"/>
-              </a:buClr>
-              <a:buSzPct val="75000"/>
-              <a:buFont typeface="Helvetica Neue"/>
-              <a:buChar char="•"/>
-            </a:pPr>
-            <a:r>
-              <a:rPr lang="en-US" sz="2400" b="0" i="0" u="none" strike="noStrike" cap="none">
-                <a:solidFill>
-                  <a:srgbClr val="FFFFFF"/>
-                </a:solidFill>
-                <a:latin typeface="Helvetica Neue"/>
-                <a:ea typeface="Helvetica Neue"/>
-                <a:cs typeface="Helvetica Neue"/>
-                <a:sym typeface="Helvetica Neue"/>
-              </a:rPr>
-              <a:t>fast/lightweight</a:t>
-            </a:r>
-          </a:p>
-        </p:txBody>
-      </p:sp>
-    </p:spTree>
-  </p:cSld>
-  <p:clrMapOvr>
-    <a:masterClrMapping/>
-  </p:clrMapOvr>
-  <p:timing>
-    <p:tnLst>
-      <p:par>
-        <p:cTn id="1" dur="indefinite" restart="never" nodeType="tmRoot"/>
-      </p:par>
-    </p:tnLst>
-  </p:timing>
-</p:sld>
-</file>
-
-<file path=ppt/slides/slide39.xml><?xml version="1.0" encoding="utf-8"?>
-<p:sld xmlns:a="http://schemas.openxmlformats.org/drawingml/2006/main" xmlns:r="http://schemas.openxmlformats.org/officeDocument/2006/relationships" xmlns:p="http://schemas.openxmlformats.org/presentationml/2006/main">
-  <p:cSld>
-    <p:spTree>
-      <p:nvGrpSpPr>
-        <p:cNvPr id="1" name="Shape 268"/>
-        <p:cNvGrpSpPr/>
-        <p:nvPr/>
-      </p:nvGrpSpPr>
-      <p:grpSpPr>
-        <a:xfrm>
-          <a:off x="0" y="0"/>
-          <a:ext cx="0" cy="0"/>
-          <a:chOff x="0" y="0"/>
-          <a:chExt cx="0" cy="0"/>
-        </a:xfrm>
-      </p:grpSpPr>
-      <p:sp>
-        <p:nvSpPr>
-          <p:cNvPr id="269" name="Shape 269"/>
-          <p:cNvSpPr txBox="1">
-            <a:spLocks noGrp="1"/>
-          </p:cNvSpPr>
-          <p:nvPr>
-            <p:ph type="title"/>
-          </p:nvPr>
-        </p:nvSpPr>
-        <p:spPr>
-          <a:xfrm>
-            <a:off x="669726" y="133945"/>
-            <a:ext cx="7804500" cy="1138500"/>
-          </a:xfrm>
-          <a:prstGeom prst="rect">
-            <a:avLst/>
-          </a:prstGeom>
-          <a:noFill/>
-          <a:ln>
-            <a:noFill/>
-          </a:ln>
-        </p:spPr>
-        <p:txBody>
-          <a:bodyPr lIns="32750" tIns="32750" rIns="32750" bIns="32750" anchor="ctr" anchorCtr="0">
-            <a:noAutofit/>
-          </a:bodyPr>
-          <a:lstStyle/>
-          <a:p>
-            <a:pPr marL="0" marR="0" lvl="0" indent="0" algn="ctr" rtl="0">
-              <a:lnSpc>
-                <a:spcPct val="100000"/>
-              </a:lnSpc>
-              <a:spcBef>
-                <a:spcPts val="0"/>
-              </a:spcBef>
-              <a:spcAft>
-                <a:spcPts val="0"/>
-              </a:spcAft>
-              <a:buClr>
-                <a:srgbClr val="FFFFFF"/>
-              </a:buClr>
-              <a:buSzPct val="25000"/>
-              <a:buFont typeface="Helvetica Neue"/>
-              <a:buNone/>
-            </a:pPr>
-            <a:r>
-              <a:rPr lang="en-US" sz="5200" b="0" i="0" u="none" strike="noStrike" cap="none">
-                <a:solidFill>
-                  <a:srgbClr val="FFFFFF"/>
-                </a:solidFill>
-                <a:latin typeface="Helvetica Neue"/>
-                <a:ea typeface="Helvetica Neue"/>
-                <a:cs typeface="Helvetica Neue"/>
-                <a:sym typeface="Helvetica Neue"/>
-              </a:rPr>
-              <a:t>Applications</a:t>
-            </a:r>
-          </a:p>
-        </p:txBody>
-      </p:sp>
-      <p:sp>
-        <p:nvSpPr>
-          <p:cNvPr id="270" name="Shape 270"/>
-          <p:cNvSpPr txBox="1">
-            <a:spLocks noGrp="1"/>
-          </p:cNvSpPr>
-          <p:nvPr>
-            <p:ph type="body" idx="1"/>
-          </p:nvPr>
-        </p:nvSpPr>
-        <p:spPr>
-          <a:xfrm>
-            <a:off x="669726" y="1366242"/>
-            <a:ext cx="7804500" cy="3315000"/>
-          </a:xfrm>
-          <a:prstGeom prst="rect">
-            <a:avLst/>
-          </a:prstGeom>
-          <a:noFill/>
-          <a:ln>
-            <a:noFill/>
-          </a:ln>
-        </p:spPr>
-        <p:txBody>
-          <a:bodyPr lIns="32750" tIns="32750" rIns="32750" bIns="32750" anchor="ctr" anchorCtr="0">
-            <a:noAutofit/>
-          </a:bodyPr>
-          <a:lstStyle/>
-          <a:p>
-            <a:pPr marL="292100" marR="0" lvl="0" indent="-292100" algn="l" rtl="0">
-              <a:lnSpc>
-                <a:spcPct val="100000"/>
-              </a:lnSpc>
-              <a:spcBef>
-                <a:spcPts val="0"/>
-              </a:spcBef>
-              <a:spcAft>
-                <a:spcPts val="0"/>
-              </a:spcAft>
-              <a:buClr>
-                <a:srgbClr val="FFFFFF"/>
-              </a:buClr>
-              <a:buSzPct val="75000"/>
-              <a:buFont typeface="Helvetica Neue"/>
-              <a:buChar char="•"/>
-            </a:pPr>
-            <a:r>
-              <a:rPr lang="en-US" sz="2400" b="0" i="0" u="none" strike="noStrike" cap="none">
-                <a:solidFill>
-                  <a:srgbClr val="FFFFFF"/>
-                </a:solidFill>
-                <a:latin typeface="Helvetica Neue"/>
-                <a:ea typeface="Helvetica Neue"/>
-                <a:cs typeface="Helvetica Neue"/>
-                <a:sym typeface="Helvetica Neue"/>
-              </a:rPr>
-              <a:t>Can be used to create Tools, applications or services</a:t>
-            </a:r>
-          </a:p>
-          <a:p>
-            <a:pPr marL="292100" marR="0" lvl="0" indent="-292100" algn="l" rtl="0">
-              <a:lnSpc>
-                <a:spcPct val="100000"/>
-              </a:lnSpc>
-              <a:spcBef>
-                <a:spcPts val="2700"/>
-              </a:spcBef>
-              <a:spcAft>
-                <a:spcPts val="0"/>
-              </a:spcAft>
-              <a:buClr>
-                <a:srgbClr val="FFFFFF"/>
-              </a:buClr>
-              <a:buSzPct val="75000"/>
-              <a:buFont typeface="Helvetica Neue"/>
-              <a:buChar char="•"/>
-            </a:pPr>
-            <a:r>
-              <a:rPr lang="en-US" sz="2400" b="0" i="0" u="none" strike="noStrike" cap="none">
-                <a:solidFill>
-                  <a:srgbClr val="FFFFFF"/>
-                </a:solidFill>
-                <a:latin typeface="Helvetica Neue"/>
-                <a:ea typeface="Helvetica Neue"/>
-                <a:cs typeface="Helvetica Neue"/>
-                <a:sym typeface="Helvetica Neue"/>
-              </a:rPr>
-              <a:t>Powered by Chrome’s V8 JavaScript engine</a:t>
-            </a:r>
-          </a:p>
-          <a:p>
-            <a:pPr marL="292100" marR="0" lvl="0" indent="-292100" algn="l" rtl="0">
-              <a:lnSpc>
-                <a:spcPct val="100000"/>
-              </a:lnSpc>
-              <a:spcBef>
-                <a:spcPts val="2700"/>
-              </a:spcBef>
-              <a:spcAft>
-                <a:spcPts val="0"/>
-              </a:spcAft>
-              <a:buClr>
-                <a:srgbClr val="FFFFFF"/>
-              </a:buClr>
-              <a:buSzPct val="75000"/>
-              <a:buFont typeface="Helvetica Neue"/>
-              <a:buChar char="•"/>
-            </a:pPr>
-            <a:r>
-              <a:rPr lang="en-US" sz="2400" b="0" i="0" u="none" strike="noStrike" cap="none">
-                <a:solidFill>
-                  <a:srgbClr val="FFFFFF"/>
-                </a:solidFill>
-                <a:latin typeface="Helvetica Neue"/>
-                <a:ea typeface="Helvetica Neue"/>
-                <a:cs typeface="Helvetica Neue"/>
-                <a:sym typeface="Helvetica Neue"/>
-              </a:rPr>
-              <a:t>npm, package ecosystem</a:t>
-            </a:r>
-          </a:p>
-        </p:txBody>
-      </p:sp>
-    </p:spTree>
-  </p:cSld>
-  <p:clrMapOvr>
-    <a:masterClrMapping/>
-  </p:clrMapOvr>
-  <p:timing>
-    <p:tnLst>
-      <p:par>
-        <p:cTn id="1" dur="indefinite" restart="never" nodeType="tmRoot"/>
-      </p:par>
-    </p:tnLst>
-  </p:timing>
-</p:sld>
-</file>
-
 <file path=ppt/slides/slide4.xml><?xml version="1.0" encoding="utf-8"?>
 <p:sld xmlns:a="http://schemas.openxmlformats.org/drawingml/2006/main" xmlns:r="http://schemas.openxmlformats.org/officeDocument/2006/relationships" xmlns:p="http://schemas.openxmlformats.org/presentationml/2006/main">
   <p:cSld>
@@ -29681,1085 +27809,6 @@
                 <a:sym typeface="Helvetica Neue"/>
               </a:rPr>
               <a:t>Can be transpiled back to ES5</a:t>
-            </a:r>
-          </a:p>
-        </p:txBody>
-      </p:sp>
-    </p:spTree>
-  </p:cSld>
-  <p:clrMapOvr>
-    <a:masterClrMapping/>
-  </p:clrMapOvr>
-  <p:timing>
-    <p:tnLst>
-      <p:par>
-        <p:cTn id="1" dur="indefinite" restart="never" nodeType="tmRoot"/>
-      </p:par>
-    </p:tnLst>
-  </p:timing>
-</p:sld>
-</file>
-
-<file path=ppt/slides/slide40.xml><?xml version="1.0" encoding="utf-8"?>
-<p:sld xmlns:a="http://schemas.openxmlformats.org/drawingml/2006/main" xmlns:r="http://schemas.openxmlformats.org/officeDocument/2006/relationships" xmlns:p="http://schemas.openxmlformats.org/presentationml/2006/main">
-  <p:cSld>
-    <p:spTree>
-      <p:nvGrpSpPr>
-        <p:cNvPr id="1" name="Shape 274"/>
-        <p:cNvGrpSpPr/>
-        <p:nvPr/>
-      </p:nvGrpSpPr>
-      <p:grpSpPr>
-        <a:xfrm>
-          <a:off x="0" y="0"/>
-          <a:ext cx="0" cy="0"/>
-          <a:chOff x="0" y="0"/>
-          <a:chExt cx="0" cy="0"/>
-        </a:xfrm>
-      </p:grpSpPr>
-      <p:sp>
-        <p:nvSpPr>
-          <p:cNvPr id="275" name="Shape 275"/>
-          <p:cNvSpPr txBox="1">
-            <a:spLocks noGrp="1"/>
-          </p:cNvSpPr>
-          <p:nvPr>
-            <p:ph type="title"/>
-          </p:nvPr>
-        </p:nvSpPr>
-        <p:spPr>
-          <a:xfrm>
-            <a:off x="669726" y="133945"/>
-            <a:ext cx="7804500" cy="1138500"/>
-          </a:xfrm>
-          <a:prstGeom prst="rect">
-            <a:avLst/>
-          </a:prstGeom>
-          <a:noFill/>
-          <a:ln>
-            <a:noFill/>
-          </a:ln>
-        </p:spPr>
-        <p:txBody>
-          <a:bodyPr lIns="32750" tIns="32750" rIns="32750" bIns="32750" anchor="ctr" anchorCtr="0">
-            <a:noAutofit/>
-          </a:bodyPr>
-          <a:lstStyle/>
-          <a:p>
-            <a:pPr marL="0" marR="0" lvl="0" indent="0" algn="ctr" rtl="0">
-              <a:lnSpc>
-                <a:spcPct val="100000"/>
-              </a:lnSpc>
-              <a:spcBef>
-                <a:spcPts val="0"/>
-              </a:spcBef>
-              <a:spcAft>
-                <a:spcPts val="0"/>
-              </a:spcAft>
-              <a:buClr>
-                <a:srgbClr val="FFFFFF"/>
-              </a:buClr>
-              <a:buSzPct val="25000"/>
-              <a:buFont typeface="Helvetica Neue"/>
-              <a:buNone/>
-            </a:pPr>
-            <a:r>
-              <a:rPr lang="en-US" sz="5200" b="0" i="0" u="none" strike="noStrike" cap="none">
-                <a:solidFill>
-                  <a:srgbClr val="FFFFFF"/>
-                </a:solidFill>
-                <a:latin typeface="Helvetica Neue"/>
-                <a:ea typeface="Helvetica Neue"/>
-                <a:cs typeface="Helvetica Neue"/>
-                <a:sym typeface="Helvetica Neue"/>
-              </a:rPr>
-              <a:t>History</a:t>
-            </a:r>
-          </a:p>
-        </p:txBody>
-      </p:sp>
-      <p:sp>
-        <p:nvSpPr>
-          <p:cNvPr id="276" name="Shape 276"/>
-          <p:cNvSpPr txBox="1">
-            <a:spLocks noGrp="1"/>
-          </p:cNvSpPr>
-          <p:nvPr>
-            <p:ph type="body" idx="1"/>
-          </p:nvPr>
-        </p:nvSpPr>
-        <p:spPr>
-          <a:xfrm>
-            <a:off x="669726" y="1366242"/>
-            <a:ext cx="7804500" cy="3315000"/>
-          </a:xfrm>
-          <a:prstGeom prst="rect">
-            <a:avLst/>
-          </a:prstGeom>
-          <a:noFill/>
-          <a:ln>
-            <a:noFill/>
-          </a:ln>
-        </p:spPr>
-        <p:txBody>
-          <a:bodyPr lIns="32750" tIns="32750" rIns="32750" bIns="32750" anchor="ctr" anchorCtr="0">
-            <a:noAutofit/>
-          </a:bodyPr>
-          <a:lstStyle/>
-          <a:p>
-            <a:pPr marL="292100" marR="0" lvl="0" indent="-292100" algn="l" rtl="0">
-              <a:lnSpc>
-                <a:spcPct val="100000"/>
-              </a:lnSpc>
-              <a:spcBef>
-                <a:spcPts val="0"/>
-              </a:spcBef>
-              <a:spcAft>
-                <a:spcPts val="0"/>
-              </a:spcAft>
-              <a:buClr>
-                <a:srgbClr val="FFFFFF"/>
-              </a:buClr>
-              <a:buSzPct val="75000"/>
-              <a:buFont typeface="Helvetica Neue"/>
-              <a:buChar char="•"/>
-            </a:pPr>
-            <a:r>
-              <a:rPr lang="en-US" sz="2400" b="0" i="0" u="none" strike="noStrike" cap="none">
-                <a:solidFill>
-                  <a:srgbClr val="FFFFFF"/>
-                </a:solidFill>
-                <a:latin typeface="Helvetica Neue"/>
-                <a:ea typeface="Helvetica Neue"/>
-                <a:cs typeface="Helvetica Neue"/>
-                <a:sym typeface="Helvetica Neue"/>
-              </a:rPr>
-              <a:t>First written in 2009</a:t>
-            </a:r>
-          </a:p>
-          <a:p>
-            <a:pPr marL="863600" marR="0" lvl="2" indent="-292100" algn="l" rtl="0">
-              <a:lnSpc>
-                <a:spcPct val="100000"/>
-              </a:lnSpc>
-              <a:spcBef>
-                <a:spcPts val="2700"/>
-              </a:spcBef>
-              <a:spcAft>
-                <a:spcPts val="0"/>
-              </a:spcAft>
-              <a:buClr>
-                <a:srgbClr val="FFFFFF"/>
-              </a:buClr>
-              <a:buSzPct val="75000"/>
-              <a:buFont typeface="Helvetica Neue"/>
-              <a:buChar char="•"/>
-            </a:pPr>
-            <a:r>
-              <a:rPr lang="en-US" sz="2400" b="0" i="0" u="none" strike="noStrike" cap="none">
-                <a:solidFill>
-                  <a:srgbClr val="FFFFFF"/>
-                </a:solidFill>
-                <a:latin typeface="Helvetica Neue"/>
-                <a:ea typeface="Helvetica Neue"/>
-                <a:cs typeface="Helvetica Neue"/>
-                <a:sym typeface="Helvetica Neue"/>
-              </a:rPr>
-              <a:t>By Ryan Dahl</a:t>
-            </a:r>
-          </a:p>
-          <a:p>
-            <a:pPr marL="292100" marR="0" lvl="0" indent="-292100" algn="l" rtl="0">
-              <a:lnSpc>
-                <a:spcPct val="100000"/>
-              </a:lnSpc>
-              <a:spcBef>
-                <a:spcPts val="2700"/>
-              </a:spcBef>
-              <a:spcAft>
-                <a:spcPts val="0"/>
-              </a:spcAft>
-              <a:buClr>
-                <a:srgbClr val="FFFFFF"/>
-              </a:buClr>
-              <a:buSzPct val="75000"/>
-              <a:buFont typeface="Helvetica Neue"/>
-              <a:buChar char="•"/>
-            </a:pPr>
-            <a:r>
-              <a:rPr lang="en-US" sz="2400" b="0" i="0" u="none" strike="noStrike" cap="none">
-                <a:solidFill>
-                  <a:srgbClr val="FFFFFF"/>
-                </a:solidFill>
-                <a:latin typeface="Helvetica Neue"/>
-                <a:ea typeface="Helvetica Neue"/>
-                <a:cs typeface="Helvetica Neue"/>
-                <a:sym typeface="Helvetica Neue"/>
-              </a:rPr>
-              <a:t>2010 package manager npm</a:t>
-            </a:r>
-          </a:p>
-          <a:p>
-            <a:pPr marL="292100" marR="0" lvl="0" indent="-292100" algn="l" rtl="0">
-              <a:lnSpc>
-                <a:spcPct val="100000"/>
-              </a:lnSpc>
-              <a:spcBef>
-                <a:spcPts val="2700"/>
-              </a:spcBef>
-              <a:spcAft>
-                <a:spcPts val="0"/>
-              </a:spcAft>
-              <a:buClr>
-                <a:srgbClr val="FFFFFF"/>
-              </a:buClr>
-              <a:buSzPct val="75000"/>
-              <a:buFont typeface="Helvetica Neue"/>
-              <a:buChar char="•"/>
-            </a:pPr>
-            <a:r>
-              <a:rPr lang="en-US" sz="2400" b="0" i="0" u="none" strike="noStrike" cap="none">
-                <a:solidFill>
-                  <a:srgbClr val="FFFFFF"/>
-                </a:solidFill>
-                <a:latin typeface="Helvetica Neue"/>
-                <a:ea typeface="Helvetica Neue"/>
-                <a:cs typeface="Helvetica Neue"/>
-                <a:sym typeface="Helvetica Neue"/>
-              </a:rPr>
-              <a:t>2011 native Windows version</a:t>
-            </a:r>
-          </a:p>
-        </p:txBody>
-      </p:sp>
-      <p:pic>
-        <p:nvPicPr>
-          <p:cNvPr id="277" name="Shape 277"/>
-          <p:cNvPicPr preferRelativeResize="0"/>
-          <p:nvPr/>
-        </p:nvPicPr>
-        <p:blipFill rotWithShape="1">
-          <a:blip r:embed="rId3">
-            <a:alphaModFix/>
-          </a:blip>
-          <a:srcRect/>
-          <a:stretch/>
-        </p:blipFill>
-        <p:spPr>
-          <a:xfrm flipH="1">
-            <a:off x="7433754" y="1879969"/>
-            <a:ext cx="1713600" cy="1927800"/>
-          </a:xfrm>
-          <a:prstGeom prst="rect">
-            <a:avLst/>
-          </a:prstGeom>
-          <a:noFill/>
-          <a:ln>
-            <a:noFill/>
-          </a:ln>
-        </p:spPr>
-      </p:pic>
-    </p:spTree>
-  </p:cSld>
-  <p:clrMapOvr>
-    <a:masterClrMapping/>
-  </p:clrMapOvr>
-  <p:timing>
-    <p:tnLst>
-      <p:par>
-        <p:cTn id="1" dur="indefinite" restart="never" nodeType="tmRoot"/>
-      </p:par>
-    </p:tnLst>
-  </p:timing>
-</p:sld>
-</file>
-
-<file path=ppt/slides/slide41.xml><?xml version="1.0" encoding="utf-8"?>
-<p:sld xmlns:a="http://schemas.openxmlformats.org/drawingml/2006/main" xmlns:r="http://schemas.openxmlformats.org/officeDocument/2006/relationships" xmlns:p="http://schemas.openxmlformats.org/presentationml/2006/main">
-  <p:cSld>
-    <p:spTree>
-      <p:nvGrpSpPr>
-        <p:cNvPr id="1" name="Shape 281"/>
-        <p:cNvGrpSpPr/>
-        <p:nvPr/>
-      </p:nvGrpSpPr>
-      <p:grpSpPr>
-        <a:xfrm>
-          <a:off x="0" y="0"/>
-          <a:ext cx="0" cy="0"/>
-          <a:chOff x="0" y="0"/>
-          <a:chExt cx="0" cy="0"/>
-        </a:xfrm>
-      </p:grpSpPr>
-      <p:sp>
-        <p:nvSpPr>
-          <p:cNvPr id="282" name="Shape 282"/>
-          <p:cNvSpPr txBox="1">
-            <a:spLocks noGrp="1"/>
-          </p:cNvSpPr>
-          <p:nvPr>
-            <p:ph type="title"/>
-          </p:nvPr>
-        </p:nvSpPr>
-        <p:spPr>
-          <a:xfrm>
-            <a:off x="669726" y="133945"/>
-            <a:ext cx="7804500" cy="1138500"/>
-          </a:xfrm>
-          <a:prstGeom prst="rect">
-            <a:avLst/>
-          </a:prstGeom>
-          <a:noFill/>
-          <a:ln>
-            <a:noFill/>
-          </a:ln>
-        </p:spPr>
-        <p:txBody>
-          <a:bodyPr lIns="32750" tIns="32750" rIns="32750" bIns="32750" anchor="ctr" anchorCtr="0">
-            <a:noAutofit/>
-          </a:bodyPr>
-          <a:lstStyle/>
-          <a:p>
-            <a:pPr marL="0" marR="0" lvl="0" indent="0" algn="ctr" rtl="0">
-              <a:lnSpc>
-                <a:spcPct val="100000"/>
-              </a:lnSpc>
-              <a:spcBef>
-                <a:spcPts val="0"/>
-              </a:spcBef>
-              <a:spcAft>
-                <a:spcPts val="0"/>
-              </a:spcAft>
-              <a:buClr>
-                <a:srgbClr val="FFFFFF"/>
-              </a:buClr>
-              <a:buSzPct val="25000"/>
-              <a:buFont typeface="Helvetica Neue"/>
-              <a:buNone/>
-            </a:pPr>
-            <a:r>
-              <a:rPr lang="en-US" sz="5200" b="0" i="0" u="none" strike="noStrike" cap="none">
-                <a:solidFill>
-                  <a:srgbClr val="FFFFFF"/>
-                </a:solidFill>
-                <a:latin typeface="Helvetica Neue"/>
-                <a:ea typeface="Helvetica Neue"/>
-                <a:cs typeface="Helvetica Neue"/>
-                <a:sym typeface="Helvetica Neue"/>
-              </a:rPr>
-              <a:t>Utilities</a:t>
-            </a:r>
-          </a:p>
-        </p:txBody>
-      </p:sp>
-      <p:sp>
-        <p:nvSpPr>
-          <p:cNvPr id="283" name="Shape 283"/>
-          <p:cNvSpPr txBox="1">
-            <a:spLocks noGrp="1"/>
-          </p:cNvSpPr>
-          <p:nvPr>
-            <p:ph type="body" idx="1"/>
-          </p:nvPr>
-        </p:nvSpPr>
-        <p:spPr>
-          <a:xfrm>
-            <a:off x="669726" y="1369590"/>
-            <a:ext cx="7804500" cy="3315000"/>
-          </a:xfrm>
-          <a:prstGeom prst="rect">
-            <a:avLst/>
-          </a:prstGeom>
-          <a:noFill/>
-          <a:ln>
-            <a:noFill/>
-          </a:ln>
-        </p:spPr>
-        <p:txBody>
-          <a:bodyPr lIns="32750" tIns="32750" rIns="32750" bIns="32750" anchor="ctr" anchorCtr="0">
-            <a:noAutofit/>
-          </a:bodyPr>
-          <a:lstStyle/>
-          <a:p>
-            <a:pPr marL="292100" marR="0" lvl="0" indent="-292100" algn="l" rtl="0">
-              <a:lnSpc>
-                <a:spcPct val="100000"/>
-              </a:lnSpc>
-              <a:spcBef>
-                <a:spcPts val="0"/>
-              </a:spcBef>
-              <a:spcAft>
-                <a:spcPts val="0"/>
-              </a:spcAft>
-              <a:buClr>
-                <a:srgbClr val="FFFFFF"/>
-              </a:buClr>
-              <a:buSzPct val="75000"/>
-              <a:buFont typeface="Helvetica Neue"/>
-              <a:buChar char="•"/>
-            </a:pPr>
-            <a:r>
-              <a:rPr lang="en-US" sz="2400" b="0" i="0" u="none" strike="noStrike" cap="none">
-                <a:solidFill>
-                  <a:srgbClr val="FFFFFF"/>
-                </a:solidFill>
-                <a:latin typeface="Helvetica Neue"/>
-                <a:ea typeface="Helvetica Neue"/>
-                <a:cs typeface="Helvetica Neue"/>
-                <a:sym typeface="Helvetica Neue"/>
-              </a:rPr>
-              <a:t>Node comes with the following:</a:t>
-            </a:r>
-          </a:p>
-          <a:p>
-            <a:pPr marL="571500" marR="0" lvl="1" indent="-279400" algn="l" rtl="0">
-              <a:lnSpc>
-                <a:spcPct val="100000"/>
-              </a:lnSpc>
-              <a:spcBef>
-                <a:spcPts val="2700"/>
-              </a:spcBef>
-              <a:spcAft>
-                <a:spcPts val="0"/>
-              </a:spcAft>
-              <a:buClr>
-                <a:srgbClr val="FFFFFF"/>
-              </a:buClr>
-              <a:buSzPct val="75000"/>
-              <a:buFont typeface="Helvetica Neue"/>
-              <a:buChar char="•"/>
-            </a:pPr>
-            <a:r>
-              <a:rPr lang="en-US" sz="2400" b="0" i="0" u="none" strike="noStrike" cap="none">
-                <a:solidFill>
-                  <a:srgbClr val="FFFFFF"/>
-                </a:solidFill>
-                <a:latin typeface="Helvetica Neue"/>
-                <a:ea typeface="Helvetica Neue"/>
-                <a:cs typeface="Helvetica Neue"/>
-                <a:sym typeface="Helvetica Neue"/>
-              </a:rPr>
-              <a:t>I/O, Sockets(http/dns/udp/etc), crypto functions, data streams</a:t>
-            </a:r>
-          </a:p>
-          <a:p>
-            <a:pPr marL="292100" marR="0" lvl="0" indent="-292100" algn="l" rtl="0">
-              <a:lnSpc>
-                <a:spcPct val="100000"/>
-              </a:lnSpc>
-              <a:spcBef>
-                <a:spcPts val="2700"/>
-              </a:spcBef>
-              <a:spcAft>
-                <a:spcPts val="0"/>
-              </a:spcAft>
-              <a:buClr>
-                <a:srgbClr val="FFFFFF"/>
-              </a:buClr>
-              <a:buSzPct val="75000"/>
-              <a:buFont typeface="Helvetica Neue"/>
-              <a:buChar char="•"/>
-            </a:pPr>
-            <a:r>
-              <a:rPr lang="en-US" sz="2400" b="0" i="0" u="none" strike="noStrike" cap="none">
-                <a:solidFill>
-                  <a:srgbClr val="FFFFFF"/>
-                </a:solidFill>
-                <a:latin typeface="Helvetica Neue"/>
-                <a:ea typeface="Helvetica Neue"/>
-                <a:cs typeface="Helvetica Neue"/>
-                <a:sym typeface="Helvetica Neue"/>
-              </a:rPr>
-              <a:t>Runs on Linux, Mac, Windows</a:t>
-            </a:r>
-          </a:p>
-        </p:txBody>
-      </p:sp>
-    </p:spTree>
-  </p:cSld>
-  <p:clrMapOvr>
-    <a:masterClrMapping/>
-  </p:clrMapOvr>
-  <p:timing>
-    <p:tnLst>
-      <p:par>
-        <p:cTn id="1" dur="indefinite" restart="never" nodeType="tmRoot"/>
-      </p:par>
-    </p:tnLst>
-  </p:timing>
-</p:sld>
-</file>
-
-<file path=ppt/slides/slide42.xml><?xml version="1.0" encoding="utf-8"?>
-<p:sld xmlns:a="http://schemas.openxmlformats.org/drawingml/2006/main" xmlns:r="http://schemas.openxmlformats.org/officeDocument/2006/relationships" xmlns:p="http://schemas.openxmlformats.org/presentationml/2006/main">
-  <p:cSld>
-    <p:spTree>
-      <p:nvGrpSpPr>
-        <p:cNvPr id="1" name="Shape 287"/>
-        <p:cNvGrpSpPr/>
-        <p:nvPr/>
-      </p:nvGrpSpPr>
-      <p:grpSpPr>
-        <a:xfrm>
-          <a:off x="0" y="0"/>
-          <a:ext cx="0" cy="0"/>
-          <a:chOff x="0" y="0"/>
-          <a:chExt cx="0" cy="0"/>
-        </a:xfrm>
-      </p:grpSpPr>
-      <p:sp>
-        <p:nvSpPr>
-          <p:cNvPr id="288" name="Shape 288"/>
-          <p:cNvSpPr txBox="1">
-            <a:spLocks noGrp="1"/>
-          </p:cNvSpPr>
-          <p:nvPr>
-            <p:ph type="title"/>
-          </p:nvPr>
-        </p:nvSpPr>
-        <p:spPr>
-          <a:xfrm>
-            <a:off x="669726" y="133945"/>
-            <a:ext cx="7804500" cy="1138500"/>
-          </a:xfrm>
-          <a:prstGeom prst="rect">
-            <a:avLst/>
-          </a:prstGeom>
-          <a:noFill/>
-          <a:ln>
-            <a:noFill/>
-          </a:ln>
-        </p:spPr>
-        <p:txBody>
-          <a:bodyPr lIns="32750" tIns="32750" rIns="32750" bIns="32750" anchor="ctr" anchorCtr="0">
-            <a:noAutofit/>
-          </a:bodyPr>
-          <a:lstStyle/>
-          <a:p>
-            <a:pPr marL="0" marR="0" lvl="0" indent="0" algn="ctr" rtl="0">
-              <a:lnSpc>
-                <a:spcPct val="100000"/>
-              </a:lnSpc>
-              <a:spcBef>
-                <a:spcPts val="0"/>
-              </a:spcBef>
-              <a:spcAft>
-                <a:spcPts val="0"/>
-              </a:spcAft>
-              <a:buClr>
-                <a:srgbClr val="FFFFFF"/>
-              </a:buClr>
-              <a:buSzPct val="25000"/>
-              <a:buFont typeface="Helvetica Neue"/>
-              <a:buNone/>
-            </a:pPr>
-            <a:r>
-              <a:rPr lang="en-US" sz="5200" b="0" i="0" u="none" strike="noStrike" cap="none" dirty="0" err="1" smtClean="0">
-                <a:solidFill>
-                  <a:srgbClr val="FFFFFF"/>
-                </a:solidFill>
-                <a:latin typeface="Helvetica Neue"/>
-                <a:ea typeface="Helvetica Neue"/>
-                <a:cs typeface="Helvetica Neue"/>
-                <a:sym typeface="Helvetica Neue"/>
-              </a:rPr>
-              <a:t>Opdracht</a:t>
-            </a:r>
-            <a:r>
-              <a:rPr lang="en-US" dirty="0"/>
-              <a:t> </a:t>
-            </a:r>
-            <a:r>
-              <a:rPr lang="en-US" dirty="0" smtClean="0"/>
-              <a:t>Node</a:t>
-            </a:r>
-            <a:endParaRPr lang="en-US" sz="5200" b="0" i="0" u="none" strike="noStrike" cap="none" dirty="0">
-              <a:solidFill>
-                <a:srgbClr val="FFFFFF"/>
-              </a:solidFill>
-              <a:latin typeface="Helvetica Neue"/>
-              <a:ea typeface="Helvetica Neue"/>
-              <a:cs typeface="Helvetica Neue"/>
-              <a:sym typeface="Helvetica Neue"/>
-            </a:endParaRPr>
-          </a:p>
-        </p:txBody>
-      </p:sp>
-      <p:sp>
-        <p:nvSpPr>
-          <p:cNvPr id="289" name="Shape 289"/>
-          <p:cNvSpPr txBox="1">
-            <a:spLocks noGrp="1"/>
-          </p:cNvSpPr>
-          <p:nvPr>
-            <p:ph type="body" idx="1"/>
-          </p:nvPr>
-        </p:nvSpPr>
-        <p:spPr>
-          <a:xfrm>
-            <a:off x="669726" y="1369590"/>
-            <a:ext cx="7804500" cy="3315000"/>
-          </a:xfrm>
-          <a:prstGeom prst="rect">
-            <a:avLst/>
-          </a:prstGeom>
-          <a:noFill/>
-          <a:ln>
-            <a:noFill/>
-          </a:ln>
-        </p:spPr>
-        <p:txBody>
-          <a:bodyPr lIns="32750" tIns="32750" rIns="32750" bIns="32750" anchor="ctr" anchorCtr="0">
-            <a:noAutofit/>
-          </a:bodyPr>
-          <a:lstStyle/>
-          <a:p>
-            <a:pPr marL="0" lvl="0" indent="0" algn="ctr">
-              <a:spcBef>
-                <a:spcPts val="0"/>
-              </a:spcBef>
-              <a:buNone/>
-            </a:pPr>
-            <a:r>
-              <a:rPr lang="en-US" sz="2400" b="0" i="0" u="sng" strike="noStrike" cap="none" dirty="0" smtClean="0">
-                <a:solidFill>
-                  <a:srgbClr val="FFC000"/>
-                </a:solidFill>
-                <a:sym typeface="Helvetica Neue"/>
-              </a:rPr>
-              <a:t>Open map:</a:t>
-            </a:r>
-            <a:r>
-              <a:rPr lang="en-US" u="sng" dirty="0" smtClean="0">
-                <a:solidFill>
-                  <a:srgbClr val="FFC000"/>
-                </a:solidFill>
-              </a:rPr>
-              <a:t> </a:t>
-            </a:r>
-          </a:p>
-          <a:p>
-            <a:pPr marL="0" lvl="0" indent="0" algn="ctr">
-              <a:spcBef>
-                <a:spcPts val="0"/>
-              </a:spcBef>
-              <a:buNone/>
-            </a:pPr>
-            <a:r>
-              <a:rPr lang="en-US" dirty="0" smtClean="0"/>
-              <a:t>3 </a:t>
-            </a:r>
-            <a:r>
-              <a:rPr lang="en-US" dirty="0"/>
-              <a:t>- </a:t>
-            </a:r>
-            <a:r>
-              <a:rPr lang="en-US" dirty="0" err="1"/>
-              <a:t>Javascript</a:t>
-            </a:r>
-            <a:r>
-              <a:rPr lang="en-US" dirty="0"/>
-              <a:t> + ECMAScript </a:t>
-            </a:r>
-            <a:r>
-              <a:rPr lang="en-US" dirty="0" smtClean="0"/>
-              <a:t>6/ECMAScript 6</a:t>
-            </a:r>
-            <a:r>
-              <a:rPr lang="en-US" sz="2400" b="0" i="0" u="none" strike="noStrike" cap="none" dirty="0" smtClean="0">
-                <a:solidFill>
-                  <a:srgbClr val="FFFFFF"/>
-                </a:solidFill>
-                <a:latin typeface="Helvetica Neue"/>
-                <a:ea typeface="Helvetica Neue"/>
-                <a:cs typeface="Helvetica Neue"/>
-                <a:sym typeface="Helvetica Neue"/>
-              </a:rPr>
-              <a:t>/</a:t>
-            </a:r>
-            <a:r>
-              <a:rPr lang="en-US" dirty="0" err="1" smtClean="0"/>
-              <a:t>Readme</a:t>
-            </a:r>
-            <a:r>
-              <a:rPr lang="en-US" sz="2400" b="0" i="0" u="none" strike="noStrike" cap="none" dirty="0" err="1" smtClean="0">
-                <a:solidFill>
-                  <a:srgbClr val="FFFFFF"/>
-                </a:solidFill>
-                <a:latin typeface="Helvetica Neue"/>
-                <a:ea typeface="Helvetica Neue"/>
-                <a:cs typeface="Helvetica Neue"/>
-                <a:sym typeface="Helvetica Neue"/>
-              </a:rPr>
-              <a:t>.</a:t>
-            </a:r>
-            <a:r>
-              <a:rPr lang="en-US" dirty="0" err="1" smtClean="0"/>
-              <a:t>md</a:t>
-            </a:r>
-            <a:endParaRPr lang="en-US" dirty="0"/>
-          </a:p>
-          <a:p>
-            <a:pPr marL="292100" marR="0" lvl="1" indent="0" algn="ctr" rtl="0">
-              <a:lnSpc>
-                <a:spcPct val="100000"/>
-              </a:lnSpc>
-              <a:spcBef>
-                <a:spcPts val="2700"/>
-              </a:spcBef>
-              <a:spcAft>
-                <a:spcPts val="0"/>
-              </a:spcAft>
-              <a:buClr>
-                <a:srgbClr val="FFFFFF"/>
-              </a:buClr>
-              <a:buSzPct val="75000"/>
-              <a:buNone/>
-            </a:pPr>
-            <a:r>
-              <a:rPr lang="en-US" sz="2400" b="0" i="0" u="none" strike="noStrike" cap="none" dirty="0" err="1" smtClean="0">
-                <a:solidFill>
-                  <a:srgbClr val="FFC000"/>
-                </a:solidFill>
-                <a:latin typeface="Helvetica Neue"/>
-                <a:ea typeface="Helvetica Neue"/>
-                <a:cs typeface="Helvetica Neue"/>
-                <a:sym typeface="Helvetica Neue"/>
-              </a:rPr>
-              <a:t>Opdracht</a:t>
-            </a:r>
-            <a:r>
-              <a:rPr lang="en-US" sz="2400" b="0" i="0" u="none" strike="noStrike" cap="none" dirty="0" smtClean="0">
-                <a:solidFill>
-                  <a:srgbClr val="FFC000"/>
-                </a:solidFill>
-                <a:latin typeface="Helvetica Neue"/>
-                <a:ea typeface="Helvetica Neue"/>
-                <a:cs typeface="Helvetica Neue"/>
-                <a:sym typeface="Helvetica Neue"/>
-              </a:rPr>
-              <a:t>: </a:t>
-            </a:r>
-          </a:p>
-          <a:p>
-            <a:pPr marL="292100" marR="0" lvl="1" indent="0" algn="ctr" rtl="0">
-              <a:lnSpc>
-                <a:spcPct val="100000"/>
-              </a:lnSpc>
-              <a:spcBef>
-                <a:spcPts val="2700"/>
-              </a:spcBef>
-              <a:spcAft>
-                <a:spcPts val="0"/>
-              </a:spcAft>
-              <a:buClr>
-                <a:srgbClr val="FFFFFF"/>
-              </a:buClr>
-              <a:buSzPct val="75000"/>
-              <a:buNone/>
-            </a:pPr>
-            <a:r>
-              <a:rPr lang="en-US" sz="2400" b="0" i="0" u="none" strike="noStrike" cap="none" dirty="0" smtClean="0">
-                <a:solidFill>
-                  <a:srgbClr val="FFFFFF"/>
-                </a:solidFill>
-                <a:latin typeface="Helvetica Neue"/>
-                <a:ea typeface="Helvetica Neue"/>
-                <a:cs typeface="Helvetica Neue"/>
-                <a:sym typeface="Helvetica Neue"/>
-              </a:rPr>
-              <a:t>Implement </a:t>
-            </a:r>
-            <a:r>
-              <a:rPr lang="en-US" sz="2400" b="0" i="0" u="none" strike="noStrike" cap="none" dirty="0">
-                <a:solidFill>
-                  <a:srgbClr val="FFFFFF"/>
-                </a:solidFill>
-                <a:latin typeface="Helvetica Neue"/>
-                <a:ea typeface="Helvetica Neue"/>
-                <a:cs typeface="Helvetica Neue"/>
-                <a:sym typeface="Helvetica Neue"/>
-              </a:rPr>
-              <a:t>a directory walker</a:t>
-            </a:r>
-          </a:p>
-        </p:txBody>
-      </p:sp>
-    </p:spTree>
-  </p:cSld>
-  <p:clrMapOvr>
-    <a:masterClrMapping/>
-  </p:clrMapOvr>
-  <p:timing>
-    <p:tnLst>
-      <p:par>
-        <p:cTn id="1" dur="indefinite" restart="never" nodeType="tmRoot"/>
-      </p:par>
-    </p:tnLst>
-  </p:timing>
-</p:sld>
-</file>
-
-<file path=ppt/slides/slide43.xml><?xml version="1.0" encoding="utf-8"?>
-<p:sld xmlns:a="http://schemas.openxmlformats.org/drawingml/2006/main" xmlns:r="http://schemas.openxmlformats.org/officeDocument/2006/relationships" xmlns:p="http://schemas.openxmlformats.org/presentationml/2006/main">
-  <p:cSld>
-    <p:spTree>
-      <p:nvGrpSpPr>
-        <p:cNvPr id="1" name="Shape 293"/>
-        <p:cNvGrpSpPr/>
-        <p:nvPr/>
-      </p:nvGrpSpPr>
-      <p:grpSpPr>
-        <a:xfrm>
-          <a:off x="0" y="0"/>
-          <a:ext cx="0" cy="0"/>
-          <a:chOff x="0" y="0"/>
-          <a:chExt cx="0" cy="0"/>
-        </a:xfrm>
-      </p:grpSpPr>
-      <p:sp>
-        <p:nvSpPr>
-          <p:cNvPr id="294" name="Shape 294"/>
-          <p:cNvSpPr txBox="1">
-            <a:spLocks noGrp="1"/>
-          </p:cNvSpPr>
-          <p:nvPr>
-            <p:ph type="title"/>
-          </p:nvPr>
-        </p:nvSpPr>
-        <p:spPr>
-          <a:xfrm>
-            <a:off x="892968" y="1701105"/>
-            <a:ext cx="7358100" cy="1741200"/>
-          </a:xfrm>
-          <a:prstGeom prst="rect">
-            <a:avLst/>
-          </a:prstGeom>
-          <a:noFill/>
-          <a:ln>
-            <a:noFill/>
-          </a:ln>
-        </p:spPr>
-        <p:txBody>
-          <a:bodyPr lIns="32750" tIns="32750" rIns="32750" bIns="32750" anchor="ctr" anchorCtr="0">
-            <a:noAutofit/>
-          </a:bodyPr>
-          <a:lstStyle/>
-          <a:p>
-            <a:pPr marL="0" marR="0" lvl="0" indent="0" algn="ctr" rtl="0">
-              <a:lnSpc>
-                <a:spcPct val="100000"/>
-              </a:lnSpc>
-              <a:spcBef>
-                <a:spcPts val="0"/>
-              </a:spcBef>
-              <a:spcAft>
-                <a:spcPts val="0"/>
-              </a:spcAft>
-              <a:buClr>
-                <a:srgbClr val="FFFFFF"/>
-              </a:buClr>
-              <a:buSzPct val="25000"/>
-              <a:buFont typeface="Helvetica Neue"/>
-              <a:buNone/>
-            </a:pPr>
-            <a:r>
-              <a:rPr lang="en-US" sz="5200" b="0" i="0" u="none" strike="noStrike" cap="none">
-                <a:solidFill>
-                  <a:srgbClr val="FFFFFF"/>
-                </a:solidFill>
-                <a:latin typeface="Helvetica Neue"/>
-                <a:ea typeface="Helvetica Neue"/>
-                <a:cs typeface="Helvetica Neue"/>
-                <a:sym typeface="Helvetica Neue"/>
-              </a:rPr>
-              <a:t>To Conclude</a:t>
-            </a:r>
-          </a:p>
-        </p:txBody>
-      </p:sp>
-    </p:spTree>
-  </p:cSld>
-  <p:clrMapOvr>
-    <a:masterClrMapping/>
-  </p:clrMapOvr>
-  <p:timing>
-    <p:tnLst>
-      <p:par>
-        <p:cTn id="1" dur="indefinite" restart="never" nodeType="tmRoot"/>
-      </p:par>
-    </p:tnLst>
-  </p:timing>
-</p:sld>
-</file>
-
-<file path=ppt/slides/slide44.xml><?xml version="1.0" encoding="utf-8"?>
-<p:sld xmlns:a="http://schemas.openxmlformats.org/drawingml/2006/main" xmlns:r="http://schemas.openxmlformats.org/officeDocument/2006/relationships" xmlns:p="http://schemas.openxmlformats.org/presentationml/2006/main">
-  <p:cSld>
-    <p:spTree>
-      <p:nvGrpSpPr>
-        <p:cNvPr id="1" name="Shape 298"/>
-        <p:cNvGrpSpPr/>
-        <p:nvPr/>
-      </p:nvGrpSpPr>
-      <p:grpSpPr>
-        <a:xfrm>
-          <a:off x="0" y="0"/>
-          <a:ext cx="0" cy="0"/>
-          <a:chOff x="0" y="0"/>
-          <a:chExt cx="0" cy="0"/>
-        </a:xfrm>
-      </p:grpSpPr>
-      <p:sp>
-        <p:nvSpPr>
-          <p:cNvPr id="299" name="Shape 299"/>
-          <p:cNvSpPr txBox="1">
-            <a:spLocks noGrp="1"/>
-          </p:cNvSpPr>
-          <p:nvPr>
-            <p:ph type="body" idx="1"/>
-          </p:nvPr>
-        </p:nvSpPr>
-        <p:spPr>
-          <a:xfrm>
-            <a:off x="669726" y="669726"/>
-            <a:ext cx="7804500" cy="3804000"/>
-          </a:xfrm>
-          <a:prstGeom prst="rect">
-            <a:avLst/>
-          </a:prstGeom>
-          <a:noFill/>
-          <a:ln>
-            <a:noFill/>
-          </a:ln>
-        </p:spPr>
-        <p:txBody>
-          <a:bodyPr lIns="32750" tIns="32750" rIns="32750" bIns="32750" anchor="ctr" anchorCtr="0">
-            <a:noAutofit/>
-          </a:bodyPr>
-          <a:lstStyle/>
-          <a:p>
-            <a:pPr marL="292100" marR="0" lvl="0" indent="-292100" algn="l" rtl="0">
-              <a:lnSpc>
-                <a:spcPct val="100000"/>
-              </a:lnSpc>
-              <a:spcBef>
-                <a:spcPts val="0"/>
-              </a:spcBef>
-              <a:spcAft>
-                <a:spcPts val="0"/>
-              </a:spcAft>
-              <a:buClr>
-                <a:srgbClr val="FFFFFF"/>
-              </a:buClr>
-              <a:buSzPct val="75000"/>
-              <a:buFont typeface="Helvetica Neue"/>
-              <a:buChar char="•"/>
-            </a:pPr>
-            <a:r>
-              <a:rPr lang="en-US" sz="2400" b="0" i="0" u="none" strike="noStrike" cap="none">
-                <a:solidFill>
-                  <a:srgbClr val="FFFFFF"/>
-                </a:solidFill>
-                <a:latin typeface="Helvetica Neue"/>
-                <a:ea typeface="Helvetica Neue"/>
-                <a:cs typeface="Helvetica Neue"/>
-                <a:sym typeface="Helvetica Neue"/>
-              </a:rPr>
-              <a:t>ECMAScript 6</a:t>
-            </a:r>
-          </a:p>
-          <a:p>
-            <a:pPr marL="571500" marR="0" lvl="1" indent="-279400" algn="l" rtl="0">
-              <a:lnSpc>
-                <a:spcPct val="100000"/>
-              </a:lnSpc>
-              <a:spcBef>
-                <a:spcPts val="2700"/>
-              </a:spcBef>
-              <a:spcAft>
-                <a:spcPts val="0"/>
-              </a:spcAft>
-              <a:buClr>
-                <a:srgbClr val="FFFFFF"/>
-              </a:buClr>
-              <a:buSzPct val="75000"/>
-              <a:buFont typeface="Helvetica Neue"/>
-              <a:buChar char="•"/>
-            </a:pPr>
-            <a:r>
-              <a:rPr lang="en-US" sz="2400" b="0" i="0" u="none" strike="noStrike" cap="none">
-                <a:solidFill>
-                  <a:srgbClr val="FFFFFF"/>
-                </a:solidFill>
-                <a:latin typeface="Helvetica Neue"/>
-                <a:ea typeface="Helvetica Neue"/>
-                <a:cs typeface="Helvetica Neue"/>
-                <a:sym typeface="Helvetica Neue"/>
-              </a:rPr>
-              <a:t>Promises, Classes, destructering, let, const, arrow functions, var-args … etc</a:t>
-            </a:r>
-          </a:p>
-          <a:p>
-            <a:pPr marL="292100" marR="0" lvl="0" indent="-292100" algn="l" rtl="0">
-              <a:lnSpc>
-                <a:spcPct val="100000"/>
-              </a:lnSpc>
-              <a:spcBef>
-                <a:spcPts val="2700"/>
-              </a:spcBef>
-              <a:spcAft>
-                <a:spcPts val="0"/>
-              </a:spcAft>
-              <a:buClr>
-                <a:srgbClr val="FFFFFF"/>
-              </a:buClr>
-              <a:buSzPct val="75000"/>
-              <a:buFont typeface="Helvetica Neue"/>
-              <a:buChar char="•"/>
-            </a:pPr>
-            <a:r>
-              <a:rPr lang="en-US" sz="2400" b="0" i="0" u="none" strike="noStrike" cap="none">
-                <a:solidFill>
-                  <a:srgbClr val="FFFFFF"/>
-                </a:solidFill>
-                <a:latin typeface="Helvetica Neue"/>
-                <a:ea typeface="Helvetica Neue"/>
-                <a:cs typeface="Helvetica Neue"/>
-                <a:sym typeface="Helvetica Neue"/>
-              </a:rPr>
-              <a:t>Node.js</a:t>
-            </a:r>
-          </a:p>
-          <a:p>
-            <a:pPr marL="571500" marR="0" lvl="1" indent="-279400" algn="l" rtl="0">
-              <a:lnSpc>
-                <a:spcPct val="100000"/>
-              </a:lnSpc>
-              <a:spcBef>
-                <a:spcPts val="2700"/>
-              </a:spcBef>
-              <a:spcAft>
-                <a:spcPts val="0"/>
-              </a:spcAft>
-              <a:buClr>
-                <a:srgbClr val="FFFFFF"/>
-              </a:buClr>
-              <a:buSzPct val="75000"/>
-              <a:buFont typeface="Helvetica Neue"/>
-              <a:buChar char="•"/>
-            </a:pPr>
-            <a:r>
-              <a:rPr lang="en-US" sz="2400" b="0" i="0" u="none" strike="noStrike" cap="none">
-                <a:solidFill>
-                  <a:srgbClr val="FFFFFF"/>
-                </a:solidFill>
-                <a:latin typeface="Helvetica Neue"/>
-                <a:ea typeface="Helvetica Neue"/>
-                <a:cs typeface="Helvetica Neue"/>
-                <a:sym typeface="Helvetica Neue"/>
-              </a:rPr>
-              <a:t>What/Why/When/How</a:t>
             </a:r>
           </a:p>
         </p:txBody>

--- a/frontend-cursus/ 4 - ECMAScript 6 node-browser.pptx
+++ b/frontend-cursus/ 4 - ECMAScript 6 node-browser.pptx
@@ -652,15 +652,15 @@
               <a:buNone/>
             </a:pPr>
             <a:r>
-              <a:rPr lang="en-US" dirty="0" smtClean="0"/>
+              <a:rPr lang="en-US" dirty="0"/>
               <a:t>https://</a:t>
             </a:r>
             <a:r>
-              <a:rPr lang="en-US" dirty="0" err="1" smtClean="0"/>
+              <a:rPr lang="en-US" dirty="0" err="1"/>
               <a:t>codeburst.io</a:t>
             </a:r>
             <a:r>
-              <a:rPr lang="en-US" dirty="0" smtClean="0"/>
+              <a:rPr lang="en-US" dirty="0"/>
               <a:t>/es6-tutorial-for-beginners-5f3c4e7960be</a:t>
             </a:r>
             <a:endParaRPr dirty="0"/>
@@ -679,7 +679,7 @@
         </p:nvSpPr>
         <p:spPr>
           <a:xfrm>
-            <a:off x="380999" y="685800"/>
+            <a:off x="381000" y="685800"/>
             <a:ext cx="6096000" cy="3429000"/>
           </a:xfrm>
           <a:custGeom>
@@ -869,47 +869,47 @@
               <a:buNone/>
             </a:pPr>
             <a:r>
-              <a:rPr lang="nl-NL" dirty="0" smtClean="0"/>
+              <a:rPr lang="nl-NL" dirty="0"/>
               <a:t>‘</a:t>
             </a:r>
             <a:r>
-              <a:rPr lang="nl-NL" dirty="0" err="1" smtClean="0"/>
+              <a:rPr lang="nl-NL" dirty="0" err="1"/>
               <a:t>const</a:t>
             </a:r>
             <a:r>
-              <a:rPr lang="nl-NL" dirty="0" smtClean="0"/>
+              <a:rPr lang="nl-NL" dirty="0"/>
               <a:t>’ </a:t>
             </a:r>
             <a:r>
-              <a:rPr lang="nl-NL" dirty="0" err="1" smtClean="0"/>
+              <a:rPr lang="nl-NL" dirty="0" err="1"/>
               <a:t>works</a:t>
             </a:r>
             <a:r>
-              <a:rPr lang="nl-NL" dirty="0" smtClean="0"/>
+              <a:rPr lang="nl-NL" dirty="0"/>
               <a:t> </a:t>
             </a:r>
             <a:r>
-              <a:rPr lang="nl-NL" dirty="0" err="1" smtClean="0"/>
+              <a:rPr lang="nl-NL" dirty="0" err="1"/>
               <a:t>only</a:t>
             </a:r>
             <a:r>
-              <a:rPr lang="nl-NL" dirty="0" smtClean="0"/>
+              <a:rPr lang="nl-NL" dirty="0"/>
               <a:t> </a:t>
             </a:r>
             <a:r>
-              <a:rPr lang="nl-NL" dirty="0" err="1" smtClean="0"/>
+              <a:rPr lang="nl-NL" dirty="0" err="1"/>
               <a:t>one</a:t>
             </a:r>
             <a:r>
-              <a:rPr lang="nl-NL" dirty="0" smtClean="0"/>
+              <a:rPr lang="nl-NL" dirty="0"/>
               <a:t> level </a:t>
             </a:r>
             <a:r>
-              <a:rPr lang="nl-NL" dirty="0" err="1" smtClean="0"/>
+              <a:rPr lang="nl-NL" dirty="0" err="1"/>
               <a:t>deep</a:t>
             </a:r>
             <a:r>
-              <a:rPr lang="nl-NL" dirty="0" smtClean="0"/>
+              <a:rPr lang="nl-NL" dirty="0"/>
               <a:t>.</a:t>
             </a:r>
           </a:p>
@@ -920,7 +920,7 @@
               </a:spcBef>
               <a:buNone/>
             </a:pPr>
-            <a:endParaRPr lang="nl-NL" dirty="0" smtClean="0"/>
+            <a:endParaRPr lang="nl-NL" dirty="0"/>
           </a:p>
           <a:p>
             <a:pPr lvl="0">
@@ -930,7 +930,7 @@
               <a:buNone/>
             </a:pPr>
             <a:r>
-              <a:rPr lang="nl-NL" sz="2200" b="0" i="0" u="none" strike="noStrike" kern="1200" cap="none" dirty="0" err="1" smtClean="0">
+              <a:rPr lang="nl-NL" sz="2200" b="0" i="0" u="none" strike="noStrike" kern="1200" cap="none" dirty="0" err="1">
                 <a:solidFill>
                   <a:schemeClr val="tx1"/>
                 </a:solidFill>
@@ -943,7 +943,7 @@
               <a:t>Object.freeze</a:t>
             </a:r>
             <a:r>
-              <a:rPr lang="nl-NL" sz="2200" b="0" i="0" u="none" strike="noStrike" kern="1200" cap="none" dirty="0" smtClean="0">
+              <a:rPr lang="nl-NL" sz="2200" b="0" i="0" u="none" strike="noStrike" kern="1200" cap="none" dirty="0">
                 <a:solidFill>
                   <a:schemeClr val="tx1"/>
                 </a:solidFill>
@@ -963,7 +963,7 @@
               </a:spcBef>
               <a:buNone/>
             </a:pPr>
-            <a:endParaRPr lang="nl-NL" sz="2200" b="0" i="0" u="none" strike="noStrike" kern="1200" cap="none" dirty="0" smtClean="0">
+            <a:endParaRPr lang="nl-NL" sz="2200" b="0" i="0" u="none" strike="noStrike" kern="1200" cap="none" dirty="0">
               <a:solidFill>
                 <a:schemeClr val="tx1"/>
               </a:solidFill>
@@ -982,7 +982,7 @@
               <a:buNone/>
             </a:pPr>
             <a:r>
-              <a:rPr lang="nl-NL" sz="2200" b="0" i="0" u="none" strike="noStrike" kern="1200" cap="none" dirty="0" smtClean="0">
+              <a:rPr lang="nl-NL" sz="2200" b="0" i="0" u="none" strike="noStrike" kern="1200" cap="none" dirty="0">
                 <a:solidFill>
                   <a:schemeClr val="tx1"/>
                 </a:solidFill>
@@ -995,19 +995,19 @@
               <a:t>The </a:t>
             </a:r>
             <a:r>
-              <a:rPr lang="nl-NL" b="1" dirty="0" err="1" smtClean="0">
+              <a:rPr lang="nl-NL" b="1" dirty="0" err="1">
                 <a:effectLst/>
               </a:rPr>
               <a:t>Object.freeze</a:t>
             </a:r>
             <a:r>
-              <a:rPr lang="nl-NL" b="1" dirty="0" smtClean="0">
+              <a:rPr lang="nl-NL" b="1" dirty="0">
                 <a:effectLst/>
               </a:rPr>
               <a:t>()</a:t>
             </a:r>
             <a:r>
-              <a:rPr lang="nl-NL" sz="2200" b="0" i="0" u="none" strike="noStrike" kern="1200" cap="none" dirty="0" smtClean="0">
+              <a:rPr lang="nl-NL" sz="2200" b="0" i="0" u="none" strike="noStrike" kern="1200" cap="none" dirty="0">
                 <a:solidFill>
                   <a:schemeClr val="tx1"/>
                 </a:solidFill>
@@ -1020,7 +1020,7 @@
               <a:t> </a:t>
             </a:r>
             <a:r>
-              <a:rPr lang="nl-NL" sz="2200" b="0" i="0" u="none" strike="noStrike" kern="1200" cap="none" dirty="0" err="1" smtClean="0">
+              <a:rPr lang="nl-NL" sz="2200" b="0" i="0" u="none" strike="noStrike" kern="1200" cap="none" dirty="0" err="1">
                 <a:solidFill>
                   <a:schemeClr val="tx1"/>
                 </a:solidFill>
@@ -1033,7 +1033,7 @@
               <a:t>method</a:t>
             </a:r>
             <a:r>
-              <a:rPr lang="nl-NL" sz="2200" b="0" i="0" u="none" strike="noStrike" kern="1200" cap="none" dirty="0" smtClean="0">
+              <a:rPr lang="nl-NL" sz="2200" b="0" i="0" u="none" strike="noStrike" kern="1200" cap="none" dirty="0">
                 <a:solidFill>
                   <a:schemeClr val="tx1"/>
                 </a:solidFill>
@@ -1046,7 +1046,7 @@
               <a:t> </a:t>
             </a:r>
             <a:r>
-              <a:rPr lang="nl-NL" sz="2200" b="0" i="0" u="none" strike="noStrike" kern="1200" cap="none" dirty="0" err="1" smtClean="0">
+              <a:rPr lang="nl-NL" sz="2200" b="0" i="0" u="none" strike="noStrike" kern="1200" cap="none" dirty="0" err="1">
                 <a:solidFill>
                   <a:schemeClr val="tx1"/>
                 </a:solidFill>
@@ -1059,7 +1059,7 @@
               <a:t>freezes</a:t>
             </a:r>
             <a:r>
-              <a:rPr lang="nl-NL" sz="2200" b="0" i="0" u="none" strike="noStrike" kern="1200" cap="none" dirty="0" smtClean="0">
+              <a:rPr lang="nl-NL" sz="2200" b="0" i="0" u="none" strike="noStrike" kern="1200" cap="none" dirty="0">
                 <a:solidFill>
                   <a:schemeClr val="tx1"/>
                 </a:solidFill>
@@ -1072,7 +1072,7 @@
               <a:t> </a:t>
             </a:r>
             <a:r>
-              <a:rPr lang="nl-NL" sz="2200" b="0" i="0" u="none" strike="noStrike" kern="1200" cap="none" dirty="0" err="1" smtClean="0">
+              <a:rPr lang="nl-NL" sz="2200" b="0" i="0" u="none" strike="noStrike" kern="1200" cap="none" dirty="0" err="1">
                 <a:solidFill>
                   <a:schemeClr val="tx1"/>
                 </a:solidFill>
@@ -1085,7 +1085,7 @@
               <a:t>an</a:t>
             </a:r>
             <a:r>
-              <a:rPr lang="nl-NL" sz="2200" b="0" i="0" u="none" strike="noStrike" kern="1200" cap="none" dirty="0" smtClean="0">
+              <a:rPr lang="nl-NL" sz="2200" b="0" i="0" u="none" strike="noStrike" kern="1200" cap="none" dirty="0">
                 <a:solidFill>
                   <a:schemeClr val="tx1"/>
                 </a:solidFill>
@@ -1098,7 +1098,7 @@
               <a:t> object: </a:t>
             </a:r>
             <a:r>
-              <a:rPr lang="nl-NL" sz="2200" b="0" i="0" u="none" strike="noStrike" kern="1200" cap="none" dirty="0" err="1" smtClean="0">
+              <a:rPr lang="nl-NL" sz="2200" b="0" i="0" u="none" strike="noStrike" kern="1200" cap="none" dirty="0" err="1">
                 <a:solidFill>
                   <a:schemeClr val="tx1"/>
                 </a:solidFill>
@@ -1111,7 +1111,7 @@
               <a:t>that</a:t>
             </a:r>
             <a:r>
-              <a:rPr lang="nl-NL" sz="2200" b="0" i="0" u="none" strike="noStrike" kern="1200" cap="none" dirty="0" smtClean="0">
+              <a:rPr lang="nl-NL" sz="2200" b="0" i="0" u="none" strike="noStrike" kern="1200" cap="none" dirty="0">
                 <a:solidFill>
                   <a:schemeClr val="tx1"/>
                 </a:solidFill>
@@ -1124,7 +1124,7 @@
               <a:t> is, </a:t>
             </a:r>
             <a:r>
-              <a:rPr lang="nl-NL" sz="2200" b="0" i="0" u="none" strike="noStrike" kern="1200" cap="none" dirty="0" err="1" smtClean="0">
+              <a:rPr lang="nl-NL" sz="2200" b="0" i="0" u="none" strike="noStrike" kern="1200" cap="none" dirty="0" err="1">
                 <a:solidFill>
                   <a:schemeClr val="tx1"/>
                 </a:solidFill>
@@ -1137,7 +1137,7 @@
               <a:t>prevents</a:t>
             </a:r>
             <a:r>
-              <a:rPr lang="nl-NL" sz="2200" b="0" i="0" u="none" strike="noStrike" kern="1200" cap="none" dirty="0" smtClean="0">
+              <a:rPr lang="nl-NL" sz="2200" b="0" i="0" u="none" strike="noStrike" kern="1200" cap="none" dirty="0">
                 <a:solidFill>
                   <a:schemeClr val="tx1"/>
                 </a:solidFill>
@@ -1150,7 +1150,7 @@
               <a:t> new </a:t>
             </a:r>
             <a:r>
-              <a:rPr lang="nl-NL" sz="2200" b="0" i="0" u="none" strike="noStrike" kern="1200" cap="none" dirty="0" err="1" smtClean="0">
+              <a:rPr lang="nl-NL" sz="2200" b="0" i="0" u="none" strike="noStrike" kern="1200" cap="none" dirty="0" err="1">
                 <a:solidFill>
                   <a:schemeClr val="tx1"/>
                 </a:solidFill>
@@ -1163,7 +1163,7 @@
               <a:t>properties</a:t>
             </a:r>
             <a:r>
-              <a:rPr lang="nl-NL" sz="2200" b="0" i="0" u="none" strike="noStrike" kern="1200" cap="none" dirty="0" smtClean="0">
+              <a:rPr lang="nl-NL" sz="2200" b="0" i="0" u="none" strike="noStrike" kern="1200" cap="none" dirty="0">
                 <a:solidFill>
                   <a:schemeClr val="tx1"/>
                 </a:solidFill>
@@ -1176,7 +1176,7 @@
               <a:t> </a:t>
             </a:r>
             <a:r>
-              <a:rPr lang="nl-NL" sz="2200" b="0" i="0" u="none" strike="noStrike" kern="1200" cap="none" dirty="0" err="1" smtClean="0">
+              <a:rPr lang="nl-NL" sz="2200" b="0" i="0" u="none" strike="noStrike" kern="1200" cap="none" dirty="0" err="1">
                 <a:solidFill>
                   <a:schemeClr val="tx1"/>
                 </a:solidFill>
@@ -1189,7 +1189,7 @@
               <a:t>from</a:t>
             </a:r>
             <a:r>
-              <a:rPr lang="nl-NL" sz="2200" b="0" i="0" u="none" strike="noStrike" kern="1200" cap="none" dirty="0" smtClean="0">
+              <a:rPr lang="nl-NL" sz="2200" b="0" i="0" u="none" strike="noStrike" kern="1200" cap="none" dirty="0">
                 <a:solidFill>
                   <a:schemeClr val="tx1"/>
                 </a:solidFill>
@@ -1202,7 +1202,7 @@
               <a:t> </a:t>
             </a:r>
             <a:r>
-              <a:rPr lang="nl-NL" sz="2200" b="0" i="0" u="none" strike="noStrike" kern="1200" cap="none" dirty="0" err="1" smtClean="0">
+              <a:rPr lang="nl-NL" sz="2200" b="0" i="0" u="none" strike="noStrike" kern="1200" cap="none" dirty="0" err="1">
                 <a:solidFill>
                   <a:schemeClr val="tx1"/>
                 </a:solidFill>
@@ -1215,7 +1215,7 @@
               <a:t>being</a:t>
             </a:r>
             <a:r>
-              <a:rPr lang="nl-NL" sz="2200" b="0" i="0" u="none" strike="noStrike" kern="1200" cap="none" dirty="0" smtClean="0">
+              <a:rPr lang="nl-NL" sz="2200" b="0" i="0" u="none" strike="noStrike" kern="1200" cap="none" dirty="0">
                 <a:solidFill>
                   <a:schemeClr val="tx1"/>
                 </a:solidFill>
@@ -1228,7 +1228,7 @@
               <a:t> </a:t>
             </a:r>
             <a:r>
-              <a:rPr lang="nl-NL" sz="2200" b="0" i="0" u="none" strike="noStrike" kern="1200" cap="none" dirty="0" err="1" smtClean="0">
+              <a:rPr lang="nl-NL" sz="2200" b="0" i="0" u="none" strike="noStrike" kern="1200" cap="none" dirty="0" err="1">
                 <a:solidFill>
                   <a:schemeClr val="tx1"/>
                 </a:solidFill>
@@ -1241,7 +1241,7 @@
               <a:t>added</a:t>
             </a:r>
             <a:r>
-              <a:rPr lang="nl-NL" sz="2200" b="0" i="0" u="none" strike="noStrike" kern="1200" cap="none" dirty="0" smtClean="0">
+              <a:rPr lang="nl-NL" sz="2200" b="0" i="0" u="none" strike="noStrike" kern="1200" cap="none" dirty="0">
                 <a:solidFill>
                   <a:schemeClr val="tx1"/>
                 </a:solidFill>
@@ -1254,7 +1254,7 @@
               <a:t> </a:t>
             </a:r>
             <a:r>
-              <a:rPr lang="nl-NL" sz="2200" b="0" i="0" u="none" strike="noStrike" kern="1200" cap="none" dirty="0" err="1" smtClean="0">
+              <a:rPr lang="nl-NL" sz="2200" b="0" i="0" u="none" strike="noStrike" kern="1200" cap="none" dirty="0" err="1">
                 <a:solidFill>
                   <a:schemeClr val="tx1"/>
                 </a:solidFill>
@@ -1267,7 +1267,7 @@
               <a:t>to</a:t>
             </a:r>
             <a:r>
-              <a:rPr lang="nl-NL" sz="2200" b="0" i="0" u="none" strike="noStrike" kern="1200" cap="none" dirty="0" smtClean="0">
+              <a:rPr lang="nl-NL" sz="2200" b="0" i="0" u="none" strike="noStrike" kern="1200" cap="none" dirty="0">
                 <a:solidFill>
                   <a:schemeClr val="tx1"/>
                 </a:solidFill>
@@ -1280,7 +1280,7 @@
               <a:t> </a:t>
             </a:r>
             <a:r>
-              <a:rPr lang="nl-NL" sz="2200" b="0" i="0" u="none" strike="noStrike" kern="1200" cap="none" dirty="0" err="1" smtClean="0">
+              <a:rPr lang="nl-NL" sz="2200" b="0" i="0" u="none" strike="noStrike" kern="1200" cap="none" dirty="0" err="1">
                 <a:solidFill>
                   <a:schemeClr val="tx1"/>
                 </a:solidFill>
@@ -1293,7 +1293,7 @@
               <a:t>it</a:t>
             </a:r>
             <a:r>
-              <a:rPr lang="nl-NL" sz="2200" b="0" i="0" u="none" strike="noStrike" kern="1200" cap="none" dirty="0" smtClean="0">
+              <a:rPr lang="nl-NL" sz="2200" b="0" i="0" u="none" strike="noStrike" kern="1200" cap="none" dirty="0">
                 <a:solidFill>
                   <a:schemeClr val="tx1"/>
                 </a:solidFill>
@@ -1306,7 +1306,7 @@
               <a:t>; </a:t>
             </a:r>
             <a:r>
-              <a:rPr lang="nl-NL" sz="2200" b="0" i="0" u="none" strike="noStrike" kern="1200" cap="none" dirty="0" err="1" smtClean="0">
+              <a:rPr lang="nl-NL" sz="2200" b="0" i="0" u="none" strike="noStrike" kern="1200" cap="none" dirty="0" err="1">
                 <a:solidFill>
                   <a:schemeClr val="tx1"/>
                 </a:solidFill>
@@ -1319,7 +1319,7 @@
               <a:t>prevents</a:t>
             </a:r>
             <a:r>
-              <a:rPr lang="nl-NL" sz="2200" b="0" i="0" u="none" strike="noStrike" kern="1200" cap="none" dirty="0" smtClean="0">
+              <a:rPr lang="nl-NL" sz="2200" b="0" i="0" u="none" strike="noStrike" kern="1200" cap="none" dirty="0">
                 <a:solidFill>
                   <a:schemeClr val="tx1"/>
                 </a:solidFill>
@@ -1332,7 +1332,7 @@
               <a:t> </a:t>
             </a:r>
             <a:r>
-              <a:rPr lang="nl-NL" sz="2200" b="0" i="0" u="none" strike="noStrike" kern="1200" cap="none" dirty="0" err="1" smtClean="0">
+              <a:rPr lang="nl-NL" sz="2200" b="0" i="0" u="none" strike="noStrike" kern="1200" cap="none" dirty="0" err="1">
                 <a:solidFill>
                   <a:schemeClr val="tx1"/>
                 </a:solidFill>
@@ -1345,7 +1345,7 @@
               <a:t>existing</a:t>
             </a:r>
             <a:r>
-              <a:rPr lang="nl-NL" sz="2200" b="0" i="0" u="none" strike="noStrike" kern="1200" cap="none" dirty="0" smtClean="0">
+              <a:rPr lang="nl-NL" sz="2200" b="0" i="0" u="none" strike="noStrike" kern="1200" cap="none" dirty="0">
                 <a:solidFill>
                   <a:schemeClr val="tx1"/>
                 </a:solidFill>
@@ -1358,7 +1358,7 @@
               <a:t> </a:t>
             </a:r>
             <a:r>
-              <a:rPr lang="nl-NL" sz="2200" b="0" i="0" u="none" strike="noStrike" kern="1200" cap="none" dirty="0" err="1" smtClean="0">
+              <a:rPr lang="nl-NL" sz="2200" b="0" i="0" u="none" strike="noStrike" kern="1200" cap="none" dirty="0" err="1">
                 <a:solidFill>
                   <a:schemeClr val="tx1"/>
                 </a:solidFill>
@@ -1371,7 +1371,7 @@
               <a:t>properties</a:t>
             </a:r>
             <a:r>
-              <a:rPr lang="nl-NL" sz="2200" b="0" i="0" u="none" strike="noStrike" kern="1200" cap="none" dirty="0" smtClean="0">
+              <a:rPr lang="nl-NL" sz="2200" b="0" i="0" u="none" strike="noStrike" kern="1200" cap="none" dirty="0">
                 <a:solidFill>
                   <a:schemeClr val="tx1"/>
                 </a:solidFill>
@@ -1384,7 +1384,7 @@
               <a:t> </a:t>
             </a:r>
             <a:r>
-              <a:rPr lang="nl-NL" sz="2200" b="0" i="0" u="none" strike="noStrike" kern="1200" cap="none" dirty="0" err="1" smtClean="0">
+              <a:rPr lang="nl-NL" sz="2200" b="0" i="0" u="none" strike="noStrike" kern="1200" cap="none" dirty="0" err="1">
                 <a:solidFill>
                   <a:schemeClr val="tx1"/>
                 </a:solidFill>
@@ -1397,7 +1397,7 @@
               <a:t>from</a:t>
             </a:r>
             <a:r>
-              <a:rPr lang="nl-NL" sz="2200" b="0" i="0" u="none" strike="noStrike" kern="1200" cap="none" dirty="0" smtClean="0">
+              <a:rPr lang="nl-NL" sz="2200" b="0" i="0" u="none" strike="noStrike" kern="1200" cap="none" dirty="0">
                 <a:solidFill>
                   <a:schemeClr val="tx1"/>
                 </a:solidFill>
@@ -1410,7 +1410,7 @@
               <a:t> </a:t>
             </a:r>
             <a:r>
-              <a:rPr lang="nl-NL" sz="2200" b="0" i="0" u="none" strike="noStrike" kern="1200" cap="none" dirty="0" err="1" smtClean="0">
+              <a:rPr lang="nl-NL" sz="2200" b="0" i="0" u="none" strike="noStrike" kern="1200" cap="none" dirty="0" err="1">
                 <a:solidFill>
                   <a:schemeClr val="tx1"/>
                 </a:solidFill>
@@ -1423,7 +1423,7 @@
               <a:t>being</a:t>
             </a:r>
             <a:r>
-              <a:rPr lang="nl-NL" sz="2200" b="0" i="0" u="none" strike="noStrike" kern="1200" cap="none" dirty="0" smtClean="0">
+              <a:rPr lang="nl-NL" sz="2200" b="0" i="0" u="none" strike="noStrike" kern="1200" cap="none" dirty="0">
                 <a:solidFill>
                   <a:schemeClr val="tx1"/>
                 </a:solidFill>
@@ -1436,7 +1436,7 @@
               <a:t> </a:t>
             </a:r>
             <a:r>
-              <a:rPr lang="nl-NL" sz="2200" b="0" i="0" u="none" strike="noStrike" kern="1200" cap="none" dirty="0" err="1" smtClean="0">
+              <a:rPr lang="nl-NL" sz="2200" b="0" i="0" u="none" strike="noStrike" kern="1200" cap="none" dirty="0" err="1">
                 <a:solidFill>
                   <a:schemeClr val="tx1"/>
                 </a:solidFill>
@@ -1449,7 +1449,7 @@
               <a:t>removed</a:t>
             </a:r>
             <a:r>
-              <a:rPr lang="nl-NL" sz="2200" b="0" i="0" u="none" strike="noStrike" kern="1200" cap="none" dirty="0" smtClean="0">
+              <a:rPr lang="nl-NL" sz="2200" b="0" i="0" u="none" strike="noStrike" kern="1200" cap="none" dirty="0">
                 <a:solidFill>
                   <a:schemeClr val="tx1"/>
                 </a:solidFill>
@@ -1462,7 +1462,7 @@
               <a:t>; </a:t>
             </a:r>
             <a:r>
-              <a:rPr lang="nl-NL" sz="2200" b="0" i="0" u="none" strike="noStrike" kern="1200" cap="none" dirty="0" err="1" smtClean="0">
+              <a:rPr lang="nl-NL" sz="2200" b="0" i="0" u="none" strike="noStrike" kern="1200" cap="none" dirty="0" err="1">
                 <a:solidFill>
                   <a:schemeClr val="tx1"/>
                 </a:solidFill>
@@ -1475,7 +1475,7 @@
               <a:t>and</a:t>
             </a:r>
             <a:r>
-              <a:rPr lang="nl-NL" sz="2200" b="0" i="0" u="none" strike="noStrike" kern="1200" cap="none" dirty="0" smtClean="0">
+              <a:rPr lang="nl-NL" sz="2200" b="0" i="0" u="none" strike="noStrike" kern="1200" cap="none" dirty="0">
                 <a:solidFill>
                   <a:schemeClr val="tx1"/>
                 </a:solidFill>
@@ -1488,7 +1488,7 @@
               <a:t> </a:t>
             </a:r>
             <a:r>
-              <a:rPr lang="nl-NL" sz="2200" b="0" i="0" u="none" strike="noStrike" kern="1200" cap="none" dirty="0" err="1" smtClean="0">
+              <a:rPr lang="nl-NL" sz="2200" b="0" i="0" u="none" strike="noStrike" kern="1200" cap="none" dirty="0" err="1">
                 <a:solidFill>
                   <a:schemeClr val="tx1"/>
                 </a:solidFill>
@@ -1501,7 +1501,7 @@
               <a:t>prevents</a:t>
             </a:r>
             <a:r>
-              <a:rPr lang="nl-NL" sz="2200" b="0" i="0" u="none" strike="noStrike" kern="1200" cap="none" dirty="0" smtClean="0">
+              <a:rPr lang="nl-NL" sz="2200" b="0" i="0" u="none" strike="noStrike" kern="1200" cap="none" dirty="0">
                 <a:solidFill>
                   <a:schemeClr val="tx1"/>
                 </a:solidFill>
@@ -1514,7 +1514,7 @@
               <a:t> </a:t>
             </a:r>
             <a:r>
-              <a:rPr lang="nl-NL" sz="2200" b="0" i="0" u="none" strike="noStrike" kern="1200" cap="none" dirty="0" err="1" smtClean="0">
+              <a:rPr lang="nl-NL" sz="2200" b="0" i="0" u="none" strike="noStrike" kern="1200" cap="none" dirty="0" err="1">
                 <a:solidFill>
                   <a:schemeClr val="tx1"/>
                 </a:solidFill>
@@ -1527,7 +1527,7 @@
               <a:t>existing</a:t>
             </a:r>
             <a:r>
-              <a:rPr lang="nl-NL" sz="2200" b="0" i="0" u="none" strike="noStrike" kern="1200" cap="none" dirty="0" smtClean="0">
+              <a:rPr lang="nl-NL" sz="2200" b="0" i="0" u="none" strike="noStrike" kern="1200" cap="none" dirty="0">
                 <a:solidFill>
                   <a:schemeClr val="tx1"/>
                 </a:solidFill>
@@ -1540,7 +1540,7 @@
               <a:t> </a:t>
             </a:r>
             <a:r>
-              <a:rPr lang="nl-NL" sz="2200" b="0" i="0" u="none" strike="noStrike" kern="1200" cap="none" dirty="0" err="1" smtClean="0">
+              <a:rPr lang="nl-NL" sz="2200" b="0" i="0" u="none" strike="noStrike" kern="1200" cap="none" dirty="0" err="1">
                 <a:solidFill>
                   <a:schemeClr val="tx1"/>
                 </a:solidFill>
@@ -1553,7 +1553,7 @@
               <a:t>properties</a:t>
             </a:r>
             <a:r>
-              <a:rPr lang="nl-NL" sz="2200" b="0" i="0" u="none" strike="noStrike" kern="1200" cap="none" dirty="0" smtClean="0">
+              <a:rPr lang="nl-NL" sz="2200" b="0" i="0" u="none" strike="noStrike" kern="1200" cap="none" dirty="0">
                 <a:solidFill>
                   <a:schemeClr val="tx1"/>
                 </a:solidFill>
@@ -1566,7 +1566,7 @@
               <a:t>, or </a:t>
             </a:r>
             <a:r>
-              <a:rPr lang="nl-NL" sz="2200" b="0" i="0" u="none" strike="noStrike" kern="1200" cap="none" dirty="0" err="1" smtClean="0">
+              <a:rPr lang="nl-NL" sz="2200" b="0" i="0" u="none" strike="noStrike" kern="1200" cap="none" dirty="0" err="1">
                 <a:solidFill>
                   <a:schemeClr val="tx1"/>
                 </a:solidFill>
@@ -1579,7 +1579,7 @@
               <a:t>their</a:t>
             </a:r>
             <a:r>
-              <a:rPr lang="nl-NL" sz="2200" b="0" i="0" u="none" strike="noStrike" kern="1200" cap="none" dirty="0" smtClean="0">
+              <a:rPr lang="nl-NL" sz="2200" b="0" i="0" u="none" strike="noStrike" kern="1200" cap="none" dirty="0">
                 <a:solidFill>
                   <a:schemeClr val="tx1"/>
                 </a:solidFill>
@@ -1592,7 +1592,7 @@
               <a:t> </a:t>
             </a:r>
             <a:r>
-              <a:rPr lang="nl-NL" sz="2200" b="0" i="0" u="none" strike="noStrike" kern="1200" cap="none" dirty="0" err="1" smtClean="0">
+              <a:rPr lang="nl-NL" sz="2200" b="0" i="0" u="none" strike="noStrike" kern="1200" cap="none" dirty="0" err="1">
                 <a:solidFill>
                   <a:schemeClr val="tx1"/>
                 </a:solidFill>
@@ -1605,7 +1605,7 @@
               <a:t>enumerability</a:t>
             </a:r>
             <a:r>
-              <a:rPr lang="nl-NL" sz="2200" b="0" i="0" u="none" strike="noStrike" kern="1200" cap="none" dirty="0" smtClean="0">
+              <a:rPr lang="nl-NL" sz="2200" b="0" i="0" u="none" strike="noStrike" kern="1200" cap="none" dirty="0">
                 <a:solidFill>
                   <a:schemeClr val="tx1"/>
                 </a:solidFill>
@@ -1618,7 +1618,7 @@
               <a:t>, </a:t>
             </a:r>
             <a:r>
-              <a:rPr lang="nl-NL" sz="2200" b="0" i="0" u="none" strike="noStrike" kern="1200" cap="none" dirty="0" err="1" smtClean="0">
+              <a:rPr lang="nl-NL" sz="2200" b="0" i="0" u="none" strike="noStrike" kern="1200" cap="none" dirty="0" err="1">
                 <a:solidFill>
                   <a:schemeClr val="tx1"/>
                 </a:solidFill>
@@ -1631,7 +1631,7 @@
               <a:t>configurability</a:t>
             </a:r>
             <a:r>
-              <a:rPr lang="nl-NL" sz="2200" b="0" i="0" u="none" strike="noStrike" kern="1200" cap="none" dirty="0" smtClean="0">
+              <a:rPr lang="nl-NL" sz="2200" b="0" i="0" u="none" strike="noStrike" kern="1200" cap="none" dirty="0">
                 <a:solidFill>
                   <a:schemeClr val="tx1"/>
                 </a:solidFill>
@@ -1644,7 +1644,7 @@
               <a:t>, or </a:t>
             </a:r>
             <a:r>
-              <a:rPr lang="nl-NL" sz="2200" b="0" i="0" u="none" strike="noStrike" kern="1200" cap="none" dirty="0" err="1" smtClean="0">
+              <a:rPr lang="nl-NL" sz="2200" b="0" i="0" u="none" strike="noStrike" kern="1200" cap="none" dirty="0" err="1">
                 <a:solidFill>
                   <a:schemeClr val="tx1"/>
                 </a:solidFill>
@@ -1657,7 +1657,7 @@
               <a:t>writability</a:t>
             </a:r>
             <a:r>
-              <a:rPr lang="nl-NL" sz="2200" b="0" i="0" u="none" strike="noStrike" kern="1200" cap="none" dirty="0" smtClean="0">
+              <a:rPr lang="nl-NL" sz="2200" b="0" i="0" u="none" strike="noStrike" kern="1200" cap="none" dirty="0">
                 <a:solidFill>
                   <a:schemeClr val="tx1"/>
                 </a:solidFill>
@@ -1670,7 +1670,7 @@
               <a:t>, </a:t>
             </a:r>
             <a:r>
-              <a:rPr lang="nl-NL" sz="2200" b="0" i="0" u="none" strike="noStrike" kern="1200" cap="none" dirty="0" err="1" smtClean="0">
+              <a:rPr lang="nl-NL" sz="2200" b="0" i="0" u="none" strike="noStrike" kern="1200" cap="none" dirty="0" err="1">
                 <a:solidFill>
                   <a:schemeClr val="tx1"/>
                 </a:solidFill>
@@ -1683,7 +1683,7 @@
               <a:t>from</a:t>
             </a:r>
             <a:r>
-              <a:rPr lang="nl-NL" sz="2200" b="0" i="0" u="none" strike="noStrike" kern="1200" cap="none" dirty="0" smtClean="0">
+              <a:rPr lang="nl-NL" sz="2200" b="0" i="0" u="none" strike="noStrike" kern="1200" cap="none" dirty="0">
                 <a:solidFill>
                   <a:schemeClr val="tx1"/>
                 </a:solidFill>
@@ -1696,7 +1696,7 @@
               <a:t> </a:t>
             </a:r>
             <a:r>
-              <a:rPr lang="nl-NL" sz="2200" b="0" i="0" u="none" strike="noStrike" kern="1200" cap="none" dirty="0" err="1" smtClean="0">
+              <a:rPr lang="nl-NL" sz="2200" b="0" i="0" u="none" strike="noStrike" kern="1200" cap="none" dirty="0" err="1">
                 <a:solidFill>
                   <a:schemeClr val="tx1"/>
                 </a:solidFill>
@@ -1709,7 +1709,7 @@
               <a:t>being</a:t>
             </a:r>
             <a:r>
-              <a:rPr lang="nl-NL" sz="2200" b="0" i="0" u="none" strike="noStrike" kern="1200" cap="none" dirty="0" smtClean="0">
+              <a:rPr lang="nl-NL" sz="2200" b="0" i="0" u="none" strike="noStrike" kern="1200" cap="none" dirty="0">
                 <a:solidFill>
                   <a:schemeClr val="tx1"/>
                 </a:solidFill>
@@ -1722,7 +1722,7 @@
               <a:t> </a:t>
             </a:r>
             <a:r>
-              <a:rPr lang="nl-NL" sz="2200" b="0" i="0" u="none" strike="noStrike" kern="1200" cap="none" dirty="0" err="1" smtClean="0">
+              <a:rPr lang="nl-NL" sz="2200" b="0" i="0" u="none" strike="noStrike" kern="1200" cap="none" dirty="0" err="1">
                 <a:solidFill>
                   <a:schemeClr val="tx1"/>
                 </a:solidFill>
@@ -1735,7 +1735,7 @@
               <a:t>changed</a:t>
             </a:r>
             <a:r>
-              <a:rPr lang="nl-NL" sz="2200" b="0" i="0" u="none" strike="noStrike" kern="1200" cap="none" dirty="0" smtClean="0">
+              <a:rPr lang="nl-NL" sz="2200" b="0" i="0" u="none" strike="noStrike" kern="1200" cap="none" dirty="0">
                 <a:solidFill>
                   <a:schemeClr val="tx1"/>
                 </a:solidFill>
@@ -1748,7 +1748,7 @@
               <a:t>, </a:t>
             </a:r>
             <a:r>
-              <a:rPr lang="nl-NL" sz="2200" b="0" i="0" u="none" strike="noStrike" kern="1200" cap="none" dirty="0" err="1" smtClean="0">
+              <a:rPr lang="nl-NL" sz="2200" b="0" i="0" u="none" strike="noStrike" kern="1200" cap="none" dirty="0" err="1">
                 <a:solidFill>
                   <a:schemeClr val="tx1"/>
                 </a:solidFill>
@@ -1761,7 +1761,7 @@
               <a:t>it</a:t>
             </a:r>
             <a:r>
-              <a:rPr lang="nl-NL" sz="2200" b="0" i="0" u="none" strike="noStrike" kern="1200" cap="none" dirty="0" smtClean="0">
+              <a:rPr lang="nl-NL" sz="2200" b="0" i="0" u="none" strike="noStrike" kern="1200" cap="none" dirty="0">
                 <a:solidFill>
                   <a:schemeClr val="tx1"/>
                 </a:solidFill>
@@ -1774,7 +1774,7 @@
               <a:t> </a:t>
             </a:r>
             <a:r>
-              <a:rPr lang="nl-NL" sz="2200" b="0" i="0" u="none" strike="noStrike" kern="1200" cap="none" dirty="0" err="1" smtClean="0">
+              <a:rPr lang="nl-NL" sz="2200" b="0" i="0" u="none" strike="noStrike" kern="1200" cap="none" dirty="0" err="1">
                 <a:solidFill>
                   <a:schemeClr val="tx1"/>
                 </a:solidFill>
@@ -1787,7 +1787,7 @@
               <a:t>also</a:t>
             </a:r>
             <a:r>
-              <a:rPr lang="nl-NL" sz="2200" b="0" i="0" u="none" strike="noStrike" kern="1200" cap="none" dirty="0" smtClean="0">
+              <a:rPr lang="nl-NL" sz="2200" b="0" i="0" u="none" strike="noStrike" kern="1200" cap="none" dirty="0">
                 <a:solidFill>
                   <a:schemeClr val="tx1"/>
                 </a:solidFill>
@@ -1800,7 +1800,7 @@
               <a:t> </a:t>
             </a:r>
             <a:r>
-              <a:rPr lang="nl-NL" sz="2200" b="0" i="0" u="none" strike="noStrike" kern="1200" cap="none" dirty="0" err="1" smtClean="0">
+              <a:rPr lang="nl-NL" sz="2200" b="0" i="0" u="none" strike="noStrike" kern="1200" cap="none" dirty="0" err="1">
                 <a:solidFill>
                   <a:schemeClr val="tx1"/>
                 </a:solidFill>
@@ -1813,7 +1813,7 @@
               <a:t>prevents</a:t>
             </a:r>
             <a:r>
-              <a:rPr lang="nl-NL" sz="2200" b="0" i="0" u="none" strike="noStrike" kern="1200" cap="none" dirty="0" smtClean="0">
+              <a:rPr lang="nl-NL" sz="2200" b="0" i="0" u="none" strike="noStrike" kern="1200" cap="none" dirty="0">
                 <a:solidFill>
                   <a:schemeClr val="tx1"/>
                 </a:solidFill>
@@ -1826,7 +1826,7 @@
               <a:t> </a:t>
             </a:r>
             <a:r>
-              <a:rPr lang="nl-NL" sz="2200" b="0" i="0" u="none" strike="noStrike" kern="1200" cap="none" dirty="0" err="1" smtClean="0">
+              <a:rPr lang="nl-NL" sz="2200" b="0" i="0" u="none" strike="noStrike" kern="1200" cap="none" dirty="0" err="1">
                 <a:solidFill>
                   <a:schemeClr val="tx1"/>
                 </a:solidFill>
@@ -1839,7 +1839,7 @@
               <a:t>the</a:t>
             </a:r>
             <a:r>
-              <a:rPr lang="nl-NL" sz="2200" b="0" i="0" u="none" strike="noStrike" kern="1200" cap="none" dirty="0" smtClean="0">
+              <a:rPr lang="nl-NL" sz="2200" b="0" i="0" u="none" strike="noStrike" kern="1200" cap="none" dirty="0">
                 <a:solidFill>
                   <a:schemeClr val="tx1"/>
                 </a:solidFill>
@@ -1852,7 +1852,7 @@
               <a:t> prototype </a:t>
             </a:r>
             <a:r>
-              <a:rPr lang="nl-NL" sz="2200" b="0" i="0" u="none" strike="noStrike" kern="1200" cap="none" dirty="0" err="1" smtClean="0">
+              <a:rPr lang="nl-NL" sz="2200" b="0" i="0" u="none" strike="noStrike" kern="1200" cap="none" dirty="0" err="1">
                 <a:solidFill>
                   <a:schemeClr val="tx1"/>
                 </a:solidFill>
@@ -1865,7 +1865,7 @@
               <a:t>from</a:t>
             </a:r>
             <a:r>
-              <a:rPr lang="nl-NL" sz="2200" b="0" i="0" u="none" strike="noStrike" kern="1200" cap="none" dirty="0" smtClean="0">
+              <a:rPr lang="nl-NL" sz="2200" b="0" i="0" u="none" strike="noStrike" kern="1200" cap="none" dirty="0">
                 <a:solidFill>
                   <a:schemeClr val="tx1"/>
                 </a:solidFill>
@@ -1878,7 +1878,7 @@
               <a:t> </a:t>
             </a:r>
             <a:r>
-              <a:rPr lang="nl-NL" sz="2200" b="0" i="0" u="none" strike="noStrike" kern="1200" cap="none" dirty="0" err="1" smtClean="0">
+              <a:rPr lang="nl-NL" sz="2200" b="0" i="0" u="none" strike="noStrike" kern="1200" cap="none" dirty="0" err="1">
                 <a:solidFill>
                   <a:schemeClr val="tx1"/>
                 </a:solidFill>
@@ -1891,7 +1891,7 @@
               <a:t>being</a:t>
             </a:r>
             <a:r>
-              <a:rPr lang="nl-NL" sz="2200" b="0" i="0" u="none" strike="noStrike" kern="1200" cap="none" dirty="0" smtClean="0">
+              <a:rPr lang="nl-NL" sz="2200" b="0" i="0" u="none" strike="noStrike" kern="1200" cap="none" dirty="0">
                 <a:solidFill>
                   <a:schemeClr val="tx1"/>
                 </a:solidFill>
@@ -1904,7 +1904,7 @@
               <a:t> </a:t>
             </a:r>
             <a:r>
-              <a:rPr lang="nl-NL" sz="2200" b="0" i="0" u="none" strike="noStrike" kern="1200" cap="none" dirty="0" err="1" smtClean="0">
+              <a:rPr lang="nl-NL" sz="2200" b="0" i="0" u="none" strike="noStrike" kern="1200" cap="none" dirty="0" err="1">
                 <a:solidFill>
                   <a:schemeClr val="tx1"/>
                 </a:solidFill>
@@ -1917,7 +1917,7 @@
               <a:t>changed</a:t>
             </a:r>
             <a:r>
-              <a:rPr lang="nl-NL" sz="2200" b="0" i="0" u="none" strike="noStrike" kern="1200" cap="none" dirty="0" smtClean="0">
+              <a:rPr lang="nl-NL" sz="2200" b="0" i="0" u="none" strike="noStrike" kern="1200" cap="none" dirty="0">
                 <a:solidFill>
                   <a:schemeClr val="tx1"/>
                 </a:solidFill>
@@ -1930,7 +1930,7 @@
               <a:t>.  The </a:t>
             </a:r>
             <a:r>
-              <a:rPr lang="nl-NL" sz="2200" b="0" i="0" u="none" strike="noStrike" kern="1200" cap="none" dirty="0" err="1" smtClean="0">
+              <a:rPr lang="nl-NL" sz="2200" b="0" i="0" u="none" strike="noStrike" kern="1200" cap="none" dirty="0" err="1">
                 <a:solidFill>
                   <a:schemeClr val="tx1"/>
                 </a:solidFill>
@@ -1943,7 +1943,7 @@
               <a:t>method</a:t>
             </a:r>
             <a:r>
-              <a:rPr lang="nl-NL" sz="2200" b="0" i="0" u="none" strike="noStrike" kern="1200" cap="none" dirty="0" smtClean="0">
+              <a:rPr lang="nl-NL" sz="2200" b="0" i="0" u="none" strike="noStrike" kern="1200" cap="none" dirty="0">
                 <a:solidFill>
                   <a:schemeClr val="tx1"/>
                 </a:solidFill>
@@ -1956,7 +1956,7 @@
               <a:t> returns </a:t>
             </a:r>
             <a:r>
-              <a:rPr lang="nl-NL" sz="2200" b="0" i="0" u="none" strike="noStrike" kern="1200" cap="none" dirty="0" err="1" smtClean="0">
+              <a:rPr lang="nl-NL" sz="2200" b="0" i="0" u="none" strike="noStrike" kern="1200" cap="none" dirty="0" err="1">
                 <a:solidFill>
                   <a:schemeClr val="tx1"/>
                 </a:solidFill>
@@ -1969,7 +1969,7 @@
               <a:t>the</a:t>
             </a:r>
             <a:r>
-              <a:rPr lang="nl-NL" sz="2200" b="0" i="0" u="none" strike="noStrike" kern="1200" cap="none" dirty="0" smtClean="0">
+              <a:rPr lang="nl-NL" sz="2200" b="0" i="0" u="none" strike="noStrike" kern="1200" cap="none" dirty="0">
                 <a:solidFill>
                   <a:schemeClr val="tx1"/>
                 </a:solidFill>
@@ -1982,7 +1982,7 @@
               <a:t> </a:t>
             </a:r>
             <a:r>
-              <a:rPr lang="nl-NL" sz="2200" b="0" i="0" u="none" strike="noStrike" kern="1200" cap="none" dirty="0" err="1" smtClean="0">
+              <a:rPr lang="nl-NL" sz="2200" b="0" i="0" u="none" strike="noStrike" kern="1200" cap="none" dirty="0" err="1">
                 <a:solidFill>
                   <a:schemeClr val="tx1"/>
                 </a:solidFill>
@@ -1995,7 +1995,7 @@
               <a:t>passed</a:t>
             </a:r>
             <a:r>
-              <a:rPr lang="nl-NL" sz="2200" b="0" i="0" u="none" strike="noStrike" kern="1200" cap="none" dirty="0" smtClean="0">
+              <a:rPr lang="nl-NL" sz="2200" b="0" i="0" u="none" strike="noStrike" kern="1200" cap="none" dirty="0">
                 <a:solidFill>
                   <a:schemeClr val="tx1"/>
                 </a:solidFill>
@@ -2305,7 +2305,7 @@
           <a:lstStyle/>
           <a:p>
             <a:r>
-              <a:rPr lang="en-US" sz="2200" b="0" i="0" u="none" strike="noStrike" kern="1200" cap="none" dirty="0" smtClean="0">
+              <a:rPr lang="en-US" sz="2200" b="0" i="0" u="none" strike="noStrike" kern="1200" cap="none" dirty="0">
                 <a:solidFill>
                   <a:schemeClr val="tx1"/>
                 </a:solidFill>
@@ -2318,7 +2318,7 @@
               <a:t>The first part is just </a:t>
             </a:r>
             <a:r>
-              <a:rPr lang="en-US" sz="2200" b="1" i="0" u="none" strike="noStrike" kern="1200" cap="none" dirty="0" smtClean="0">
+              <a:rPr lang="en-US" sz="2200" b="1" i="0" u="none" strike="noStrike" kern="1200" cap="none" dirty="0">
                 <a:solidFill>
                   <a:schemeClr val="tx1"/>
                 </a:solidFill>
@@ -2331,7 +2331,7 @@
               <a:t>declaring a variable and assigning the function (</a:t>
             </a:r>
             <a:r>
-              <a:rPr lang="en-US" sz="2200" b="1" i="0" u="none" strike="noStrike" kern="1200" cap="none" dirty="0" err="1" smtClean="0">
+              <a:rPr lang="en-US" sz="2200" b="1" i="0" u="none" strike="noStrike" kern="1200" cap="none" dirty="0" err="1">
                 <a:solidFill>
                   <a:schemeClr val="tx1"/>
                 </a:solidFill>
@@ -2344,7 +2344,7 @@
               <a:t>i.e</a:t>
             </a:r>
             <a:r>
-              <a:rPr lang="en-US" sz="2200" b="1" i="0" u="none" strike="noStrike" kern="1200" cap="none" dirty="0" smtClean="0">
+              <a:rPr lang="en-US" sz="2200" b="1" i="0" u="none" strike="noStrike" kern="1200" cap="none" dirty="0">
                 <a:solidFill>
                   <a:schemeClr val="tx1"/>
                 </a:solidFill>
@@ -2357,7 +2357,7 @@
               <a:t>) () to it</a:t>
             </a:r>
             <a:r>
-              <a:rPr lang="en-US" sz="2200" b="0" i="0" u="none" strike="noStrike" kern="1200" cap="none" dirty="0" smtClean="0">
+              <a:rPr lang="en-US" sz="2200" b="0" i="0" u="none" strike="noStrike" kern="1200" cap="none" dirty="0">
                 <a:solidFill>
                   <a:schemeClr val="tx1"/>
                 </a:solidFill>
@@ -2372,7 +2372,7 @@
           </a:p>
           <a:p>
             <a:r>
-              <a:rPr lang="en-US" sz="2200" b="0" i="0" u="none" strike="noStrike" kern="1200" cap="none" dirty="0" smtClean="0">
+              <a:rPr lang="en-US" sz="2200" b="0" i="0" u="none" strike="noStrike" kern="1200" cap="none" dirty="0">
                 <a:solidFill>
                   <a:schemeClr val="tx1"/>
                 </a:solidFill>
@@ -2385,7 +2385,7 @@
               <a:t>Then the second part is </a:t>
             </a:r>
             <a:r>
-              <a:rPr lang="en-US" sz="2200" b="1" i="0" u="none" strike="noStrike" kern="1200" cap="none" dirty="0" smtClean="0">
+              <a:rPr lang="en-US" sz="2200" b="1" i="0" u="none" strike="noStrike" kern="1200" cap="none" dirty="0">
                 <a:solidFill>
                   <a:schemeClr val="tx1"/>
                 </a:solidFill>
@@ -2398,7 +2398,7 @@
               <a:t>declaring the body part of the function</a:t>
             </a:r>
             <a:r>
-              <a:rPr lang="en-US" sz="2200" b="0" i="0" u="none" strike="noStrike" kern="1200" cap="none" dirty="0" smtClean="0">
+              <a:rPr lang="en-US" sz="2200" b="0" i="0" u="none" strike="noStrike" kern="1200" cap="none" dirty="0">
                 <a:solidFill>
                   <a:schemeClr val="tx1"/>
                 </a:solidFill>
@@ -3527,7 +3527,7 @@
               <a:buNone/>
             </a:pPr>
             <a:r>
-              <a:rPr lang="en-US" sz="2200" b="0" i="0" u="none" strike="noStrike" kern="1200" cap="none" dirty="0" smtClean="0">
+              <a:rPr lang="en-US" sz="2200" b="0" i="0" u="none" strike="noStrike" kern="1200" cap="none" dirty="0">
                 <a:solidFill>
                   <a:schemeClr val="tx1"/>
                 </a:solidFill>
@@ -3540,7 +3540,7 @@
               <a:t>MDN: The </a:t>
             </a:r>
             <a:r>
-              <a:rPr lang="en-US" sz="2200" b="1" i="0" u="none" strike="noStrike" kern="1200" cap="none" dirty="0" err="1" smtClean="0">
+              <a:rPr lang="en-US" sz="2200" b="1" i="0" u="none" strike="noStrike" kern="1200" cap="none" dirty="0" err="1">
                 <a:solidFill>
                   <a:schemeClr val="tx1"/>
                 </a:solidFill>
@@ -3553,7 +3553,7 @@
               <a:t>destructuring</a:t>
             </a:r>
             <a:r>
-              <a:rPr lang="en-US" sz="2200" b="1" i="0" u="none" strike="noStrike" kern="1200" cap="none" dirty="0" smtClean="0">
+              <a:rPr lang="en-US" sz="2200" b="1" i="0" u="none" strike="noStrike" kern="1200" cap="none" dirty="0">
                 <a:solidFill>
                   <a:schemeClr val="tx1"/>
                 </a:solidFill>
@@ -3566,7 +3566,7 @@
               <a:t> assignment</a:t>
             </a:r>
             <a:r>
-              <a:rPr lang="en-US" sz="2200" b="0" i="0" u="none" strike="noStrike" kern="1200" cap="none" dirty="0" smtClean="0">
+              <a:rPr lang="en-US" sz="2200" b="0" i="0" u="none" strike="noStrike" kern="1200" cap="none" dirty="0">
                 <a:solidFill>
                   <a:schemeClr val="tx1"/>
                 </a:solidFill>
@@ -3681,42 +3681,29 @@
             </a:pPr>
             <a:r>
               <a:rPr lang="en-US" dirty="0"/>
-              <a:t>export compare to </a:t>
-            </a:r>
-            <a:r>
-              <a:rPr lang="en-US" dirty="0" smtClean="0"/>
-              <a:t>public </a:t>
-            </a:r>
+              <a:t>export compare to public in Java .</a:t>
+            </a:r>
+          </a:p>
+          <a:p>
+            <a:pPr lvl="0">
+              <a:spcBef>
+                <a:spcPts val="0"/>
+              </a:spcBef>
+              <a:buNone/>
+            </a:pPr>
+            <a:endParaRPr lang="en-US" dirty="0"/>
+          </a:p>
+          <a:p>
+            <a:pPr lvl="0">
+              <a:spcBef>
+                <a:spcPts val="0"/>
+              </a:spcBef>
+              <a:buNone/>
+            </a:pPr>
             <a:r>
               <a:rPr lang="en-US" dirty="0"/>
-              <a:t>in Java </a:t>
-            </a:r>
-            <a:r>
-              <a:rPr lang="en-US" dirty="0" smtClean="0"/>
-              <a:t>.</a:t>
-            </a:r>
-          </a:p>
-          <a:p>
-            <a:pPr lvl="0">
-              <a:spcBef>
-                <a:spcPts val="0"/>
-              </a:spcBef>
-              <a:buNone/>
-            </a:pPr>
-            <a:endParaRPr lang="en-US" dirty="0" smtClean="0"/>
-          </a:p>
-          <a:p>
-            <a:pPr lvl="0">
-              <a:spcBef>
-                <a:spcPts val="0"/>
-              </a:spcBef>
-              <a:buNone/>
-            </a:pPr>
-            <a:r>
-              <a:rPr lang="en-US" dirty="0" smtClean="0"/>
               <a:t>http://2ality.com/2014/09/es6-modules-final.html</a:t>
             </a:r>
-            <a:endParaRPr lang="en-US" dirty="0"/>
           </a:p>
         </p:txBody>
       </p:sp>
@@ -4933,10 +4920,9 @@
           <a:lstStyle/>
           <a:p>
             <a:r>
-              <a:rPr lang="nl-NL" dirty="0" smtClean="0"/>
+              <a:rPr lang="nl-NL" dirty="0"/>
               <a:t>`Wat zijn de voordelen van typescript</a:t>
             </a:r>
-            <a:endParaRPr lang="nl-NL" dirty="0"/>
           </a:p>
         </p:txBody>
       </p:sp>
@@ -6541,10 +6527,9 @@
           <a:lstStyle/>
           <a:p>
             <a:r>
-              <a:rPr lang="nl-NL" smtClean="0"/>
+              <a:rPr lang="nl-NL"/>
               <a:t>Klik om de stijl te bewerken</a:t>
             </a:r>
-            <a:endParaRPr lang="nl-NL"/>
           </a:p>
         </p:txBody>
       </p:sp>
@@ -6565,38 +6550,37 @@
           <a:p>
             <a:pPr lvl="0"/>
             <a:r>
-              <a:rPr lang="nl-NL" smtClean="0"/>
+              <a:rPr lang="nl-NL"/>
               <a:t>Klik om de modelstijlen te bewerken</a:t>
             </a:r>
           </a:p>
           <a:p>
             <a:pPr lvl="1"/>
             <a:r>
-              <a:rPr lang="nl-NL" smtClean="0"/>
+              <a:rPr lang="nl-NL"/>
               <a:t>Tweede niveau</a:t>
             </a:r>
           </a:p>
           <a:p>
             <a:pPr lvl="2"/>
             <a:r>
-              <a:rPr lang="nl-NL" smtClean="0"/>
+              <a:rPr lang="nl-NL"/>
               <a:t>Derde niveau</a:t>
             </a:r>
           </a:p>
           <a:p>
             <a:pPr lvl="3"/>
             <a:r>
-              <a:rPr lang="nl-NL" smtClean="0"/>
+              <a:rPr lang="nl-NL"/>
               <a:t>Vierde niveau</a:t>
             </a:r>
           </a:p>
           <a:p>
             <a:pPr lvl="4"/>
             <a:r>
-              <a:rPr lang="nl-NL" smtClean="0"/>
+              <a:rPr lang="nl-NL"/>
               <a:t>Vijfde niveau</a:t>
             </a:r>
-            <a:endParaRPr lang="nl-NL"/>
           </a:p>
         </p:txBody>
       </p:sp>
@@ -6625,7 +6609,7 @@
           <a:p>
             <a:fld id="{35F65C51-E4BF-4FAD-97FA-C994B8CE38B5}" type="datetimeFigureOut">
               <a:rPr lang="nl-NL" smtClean="0"/>
-              <a:t>08-07-18</a:t>
+              <a:t>04-04-19</a:t>
             </a:fld>
             <a:endParaRPr lang="nl-NL"/>
           </a:p>
@@ -13328,7 +13312,7 @@
               <a:buNone/>
             </a:pPr>
             <a:r>
-              <a:rPr lang="en-US" sz="5200" b="0" i="0" u="none" strike="noStrike" cap="none">
+              <a:rPr lang="en-US" sz="5200" b="0" i="0" u="none" strike="noStrike" cap="none" dirty="0">
                 <a:solidFill>
                   <a:srgbClr val="FFFFFF"/>
                 </a:solidFill>
@@ -13338,37 +13322,6 @@
                 <a:sym typeface="Helvetica Neue"/>
               </a:rPr>
               <a:t>ECMAScript 6</a:t>
-            </a:r>
-          </a:p>
-          <a:p>
-            <a:pPr marL="0" marR="0" lvl="0" indent="0" algn="ctr" rtl="0">
-              <a:lnSpc>
-                <a:spcPct val="100000"/>
-              </a:lnSpc>
-              <a:spcBef>
-                <a:spcPts val="0"/>
-              </a:spcBef>
-              <a:spcAft>
-                <a:spcPts val="0"/>
-              </a:spcAft>
-              <a:buClr>
-                <a:srgbClr val="FFFFFF"/>
-              </a:buClr>
-              <a:buSzPct val="25000"/>
-              <a:buFont typeface="Helvetica Neue"/>
-              <a:buNone/>
-            </a:pPr>
-            <a:r>
-              <a:rPr lang="en-US" sz="5200" b="0" i="0" u="none" strike="noStrike" cap="none">
-                <a:solidFill>
-                  <a:srgbClr val="FFFFFF"/>
-                </a:solidFill>
-                <a:latin typeface="Helvetica Neue"/>
-                <a:ea typeface="Helvetica Neue"/>
-                <a:cs typeface="Helvetica Neue"/>
-                <a:sym typeface="Helvetica Neue"/>
-              </a:rPr>
-              <a:t>node/browser</a:t>
             </a:r>
           </a:p>
         </p:txBody>
@@ -13419,18 +13372,15 @@
               <a:buFont typeface="Helvetica Neue"/>
               <a:buNone/>
             </a:pPr>
-            <a:r>
-              <a:rPr lang="en-US" sz="2100" b="0" i="0" u="none" strike="noStrike" cap="none">
-                <a:solidFill>
-                  <a:srgbClr val="FFFFFF"/>
-                </a:solidFill>
-                <a:latin typeface="Helvetica Neue"/>
-                <a:ea typeface="Helvetica Neue"/>
-                <a:cs typeface="Helvetica Neue"/>
-                <a:sym typeface="Helvetica Neue"/>
-              </a:rPr>
-              <a:t>week 2</a:t>
-            </a:r>
+            <a:endParaRPr lang="en-US" sz="2100" b="0" i="0" u="none" strike="noStrike" cap="none" dirty="0">
+              <a:solidFill>
+                <a:srgbClr val="FFFFFF"/>
+              </a:solidFill>
+              <a:latin typeface="Helvetica Neue"/>
+              <a:ea typeface="Helvetica Neue"/>
+              <a:cs typeface="Helvetica Neue"/>
+              <a:sym typeface="Helvetica Neue"/>
+            </a:endParaRPr>
           </a:p>
         </p:txBody>
       </p:sp>
@@ -13439,13 +13389,6 @@
   <p:clrMapOvr>
     <a:masterClrMapping/>
   </p:clrMapOvr>
-  <p:timing>
-    <p:tnLst>
-      <p:par>
-        <p:cTn id="1" dur="indefinite" restart="never" nodeType="tmRoot"/>
-      </p:par>
-    </p:tnLst>
-  </p:timing>
 </p:sld>
 </file>
 
@@ -13924,13 +13867,6 @@
   <p:clrMapOvr>
     <a:masterClrMapping/>
   </p:clrMapOvr>
-  <p:timing>
-    <p:tnLst>
-      <p:par>
-        <p:cTn id="1" dur="indefinite" restart="never" nodeType="tmRoot"/>
-      </p:par>
-    </p:tnLst>
-  </p:timing>
 </p:sld>
 </file>
 
@@ -14532,25 +14468,13 @@
                 <a:cs typeface="Helvetica Neue"/>
                 <a:sym typeface="Helvetica Neue"/>
               </a:rPr>
-              <a:t>   </a:t>
-            </a:r>
-            <a:r>
-              <a:rPr lang="en-US" sz="2300" b="0" i="1" u="none" strike="noStrike" cap="none" dirty="0" smtClean="0">
+              <a:t>   	</a:t>
+            </a:r>
+            <a:r>
+              <a:rPr lang="en-US" sz="2300" b="0" i="0" u="none" strike="noStrike" cap="none" dirty="0" err="1">
                 <a:solidFill>
                   <a:srgbClr val="F8F8F8"/>
                 </a:solidFill>
-                <a:latin typeface="Helvetica Neue"/>
-                <a:ea typeface="Helvetica Neue"/>
-                <a:cs typeface="Helvetica Neue"/>
-                <a:sym typeface="Helvetica Neue"/>
-              </a:rPr>
-              <a:t>	</a:t>
-            </a:r>
-            <a:r>
-              <a:rPr lang="en-US" sz="2300" b="0" i="0" u="none" strike="noStrike" cap="none" dirty="0" err="1" smtClean="0">
-                <a:solidFill>
-                  <a:srgbClr val="F8F8F8"/>
-                </a:solidFill>
                 <a:latin typeface="Consolas"/>
                 <a:ea typeface="Consolas"/>
                 <a:cs typeface="Consolas"/>
@@ -14559,7 +14483,7 @@
               <a:t>y.</a:t>
             </a:r>
             <a:r>
-              <a:rPr lang="en-US" sz="2300" b="0" i="0" u="none" strike="noStrike" cap="none" dirty="0" err="1" smtClean="0">
+              <a:rPr lang="en-US" sz="2300" b="0" i="0" u="none" strike="noStrike" cap="none" dirty="0" err="1">
                 <a:solidFill>
                   <a:srgbClr val="CF6A4C"/>
                 </a:solidFill>
@@ -14571,7 +14495,7 @@
               <a:t>y</a:t>
             </a:r>
             <a:r>
-              <a:rPr lang="en-US" sz="2300" b="0" i="0" u="none" strike="noStrike" cap="none" dirty="0" smtClean="0">
+              <a:rPr lang="en-US" sz="2300" b="0" i="0" u="none" strike="noStrike" cap="none" dirty="0">
                 <a:solidFill>
                   <a:srgbClr val="F8F8F8"/>
                 </a:solidFill>
@@ -14681,13 +14605,6 @@
   <p:clrMapOvr>
     <a:masterClrMapping/>
   </p:clrMapOvr>
-  <p:timing>
-    <p:tnLst>
-      <p:par>
-        <p:cTn id="1" dur="indefinite" restart="never" nodeType="tmRoot"/>
-      </p:par>
-    </p:tnLst>
-  </p:timing>
 </p:sld>
 </file>
 
@@ -14835,13 +14752,6 @@
   <p:clrMapOvr>
     <a:masterClrMapping/>
   </p:clrMapOvr>
-  <p:timing>
-    <p:tnLst>
-      <p:par>
-        <p:cTn id="1" dur="indefinite" restart="never" nodeType="tmRoot"/>
-      </p:par>
-    </p:tnLst>
-  </p:timing>
 </p:sld>
 </file>
 
@@ -14962,14 +14872,6 @@
               </a:rPr>
               <a:t>// Old Syntax</a:t>
             </a:r>
-            <a:r>
-              <a:rPr lang="en-US" sz="2400" dirty="0">
-                <a:solidFill>
-                  <a:schemeClr val="bg1"/>
-                </a:solidFill>
-              </a:rPr>
-              <a:t/>
-            </a:r>
             <a:br>
               <a:rPr lang="en-US" sz="2400" dirty="0">
                 <a:solidFill>
@@ -14999,23 +14901,7 @@
                   <a:schemeClr val="bg1"/>
                 </a:solidFill>
               </a:rPr>
-              <a:t>() </a:t>
-            </a:r>
-            <a:r>
-              <a:rPr lang="en-US" sz="2400" dirty="0" smtClean="0">
-                <a:solidFill>
-                  <a:schemeClr val="bg1"/>
-                </a:solidFill>
-              </a:rPr>
-              <a:t> {</a:t>
-            </a:r>
-            <a:r>
-              <a:rPr lang="en-US" sz="2400" dirty="0">
-                <a:solidFill>
-                  <a:schemeClr val="bg1"/>
-                </a:solidFill>
-              </a:rPr>
-              <a:t/>
+              <a:t>()  {</a:t>
             </a:r>
             <a:br>
               <a:rPr lang="en-US" sz="2400" dirty="0">
@@ -15025,7 +14911,7 @@
               </a:rPr>
             </a:br>
             <a:r>
-              <a:rPr lang="en-US" sz="2400" dirty="0" smtClean="0">
+              <a:rPr lang="en-US" sz="2400" dirty="0">
                 <a:solidFill>
                   <a:schemeClr val="bg1"/>
                 </a:solidFill>
@@ -15033,7 +14919,7 @@
               <a:t>	</a:t>
             </a:r>
             <a:r>
-              <a:rPr lang="en-US" sz="2400" dirty="0" err="1" smtClean="0">
+              <a:rPr lang="en-US" sz="2400" dirty="0" err="1">
                 <a:solidFill>
                   <a:schemeClr val="bg1"/>
                 </a:solidFill>
@@ -15117,7 +15003,7 @@
               <a:buFont typeface="Helvetica Neue"/>
               <a:buNone/>
             </a:pPr>
-            <a:endParaRPr lang="en-US" sz="2600" b="0" i="0" u="none" strike="noStrike" cap="none" dirty="0" smtClean="0">
+            <a:endParaRPr lang="en-US" sz="2600" b="0" i="0" u="none" strike="noStrike" cap="none" dirty="0">
               <a:solidFill>
                 <a:srgbClr val="FF0000"/>
               </a:solidFill>
@@ -15166,15 +15052,7 @@
                   <a:srgbClr val="92D050"/>
                 </a:solidFill>
               </a:rPr>
-              <a:t>// New </a:t>
-            </a:r>
-            <a:r>
-              <a:rPr lang="en-US" sz="2400" dirty="0" smtClean="0">
-                <a:solidFill>
-                  <a:srgbClr val="92D050"/>
-                </a:solidFill>
-              </a:rPr>
-              <a:t>Syntax</a:t>
+              <a:t>// New Syntax</a:t>
             </a:r>
           </a:p>
           <a:p>
@@ -15185,7 +15063,7 @@
               <a:buSzPct val="25000"/>
             </a:pPr>
             <a:r>
-              <a:rPr lang="en-US" sz="2400" dirty="0" smtClean="0">
+              <a:rPr lang="en-US" sz="2400" dirty="0">
                 <a:solidFill>
                   <a:schemeClr val="bg1"/>
                 </a:solidFill>
@@ -15193,7 +15071,7 @@
               <a:t> </a:t>
             </a:r>
             <a:r>
-              <a:rPr lang="en-US" sz="2400" dirty="0" err="1" smtClean="0">
+              <a:rPr lang="en-US" sz="2400" dirty="0" err="1">
                 <a:solidFill>
                   <a:schemeClr val="bg1"/>
                 </a:solidFill>
@@ -15201,7 +15079,7 @@
               <a:t>var</a:t>
             </a:r>
             <a:r>
-              <a:rPr lang="en-US" sz="2400" dirty="0" smtClean="0">
+              <a:rPr lang="en-US" sz="2400" dirty="0">
                 <a:solidFill>
                   <a:schemeClr val="bg1"/>
                 </a:solidFill>
@@ -15209,7 +15087,7 @@
               <a:t> </a:t>
             </a:r>
             <a:r>
-              <a:rPr lang="en-US" sz="2400" dirty="0" err="1" smtClean="0">
+              <a:rPr lang="en-US" sz="2400" dirty="0" err="1">
                 <a:solidFill>
                   <a:schemeClr val="bg1"/>
                 </a:solidFill>
@@ -15217,20 +15095,12 @@
               <a:t>newOne</a:t>
             </a:r>
             <a:r>
-              <a:rPr lang="en-US" sz="2400" dirty="0" smtClean="0">
+              <a:rPr lang="en-US" sz="2400" dirty="0">
                 <a:solidFill>
                   <a:schemeClr val="bg1"/>
                 </a:solidFill>
               </a:rPr>
-              <a:t> </a:t>
-            </a:r>
-            <a:r>
-              <a:rPr lang="en-US" sz="2400" dirty="0">
-                <a:solidFill>
-                  <a:schemeClr val="bg1"/>
-                </a:solidFill>
-              </a:rPr>
-              <a:t>= () =&gt; {</a:t>
+              <a:t> = () =&gt; {</a:t>
             </a:r>
             <a:br>
               <a:rPr lang="en-US" sz="2400" dirty="0">
@@ -15240,7 +15110,7 @@
               </a:rPr>
             </a:br>
             <a:r>
-              <a:rPr lang="en-US" sz="2400" dirty="0" smtClean="0">
+              <a:rPr lang="en-US" sz="2400" dirty="0">
                 <a:solidFill>
                   <a:schemeClr val="bg1"/>
                 </a:solidFill>
@@ -15248,7 +15118,7 @@
               <a:t>	</a:t>
             </a:r>
             <a:r>
-              <a:rPr lang="en-US" sz="2400" dirty="0" err="1" smtClean="0">
+              <a:rPr lang="en-US" sz="2400" dirty="0" err="1">
                 <a:solidFill>
                   <a:schemeClr val="bg1"/>
                 </a:solidFill>
@@ -15295,13 +15165,6 @@
   <p:clrMapOvr>
     <a:masterClrMapping/>
   </p:clrMapOvr>
-  <p:timing>
-    <p:tnLst>
-      <p:par>
-        <p:cTn id="1" dur="indefinite" restart="never" nodeType="tmRoot"/>
-      </p:par>
-    </p:tnLst>
-  </p:timing>
 </p:sld>
 </file>
 
@@ -15418,7 +15281,7 @@
             </a:r>
           </a:p>
           <a:p>
-            <a:endParaRPr lang="en-US" sz="2400" dirty="0" smtClean="0">
+            <a:endParaRPr lang="en-US" sz="2400" dirty="0">
               <a:solidFill>
                 <a:schemeClr val="bg1"/>
               </a:solidFill>
@@ -15429,7 +15292,7 @@
               <a:buAutoNum type="arabicPeriod"/>
             </a:pPr>
             <a:r>
-              <a:rPr lang="en-US" sz="2400" dirty="0" err="1" smtClean="0">
+              <a:rPr lang="en-US" sz="2400" dirty="0" err="1">
                 <a:solidFill>
                   <a:srgbClr val="FFC000"/>
                 </a:solidFill>
@@ -15437,7 +15300,7 @@
               <a:t>var</a:t>
             </a:r>
             <a:r>
-              <a:rPr lang="en-US" sz="2400" dirty="0" smtClean="0">
+              <a:rPr lang="en-US" sz="2400" dirty="0">
                 <a:solidFill>
                   <a:srgbClr val="FFC000"/>
                 </a:solidFill>
@@ -15458,15 +15321,7 @@
                   <a:srgbClr val="FFC000"/>
                 </a:solidFill>
               </a:rPr>
-              <a:t> = </a:t>
-            </a:r>
-            <a:r>
-              <a:rPr lang="en-US" sz="2400" dirty="0" smtClean="0">
-                <a:solidFill>
-                  <a:srgbClr val="FFC000"/>
-                </a:solidFill>
-              </a:rPr>
-              <a:t>()</a:t>
+              <a:t> = ()</a:t>
             </a:r>
           </a:p>
           <a:p>
@@ -15481,7 +15336,7 @@
           </a:p>
           <a:p>
             <a:r>
-              <a:rPr lang="en-US" sz="2400" dirty="0" smtClean="0">
+              <a:rPr lang="en-US" sz="2400" dirty="0">
                 <a:solidFill>
                   <a:schemeClr val="bg1"/>
                 </a:solidFill>
@@ -15489,20 +15344,12 @@
               <a:t>2. </a:t>
             </a:r>
             <a:r>
-              <a:rPr lang="en-US" sz="2400" dirty="0" smtClean="0">
+              <a:rPr lang="en-US" sz="2400" dirty="0">
                 <a:solidFill>
                   <a:srgbClr val="FFFF00"/>
                 </a:solidFill>
               </a:rPr>
-              <a:t>=&gt; </a:t>
-            </a:r>
-            <a:r>
-              <a:rPr lang="en-US" sz="2400" dirty="0">
-                <a:solidFill>
-                  <a:srgbClr val="FFFF00"/>
-                </a:solidFill>
-              </a:rPr>
-              <a:t>{}</a:t>
+              <a:t>=&gt; {}</a:t>
             </a:r>
           </a:p>
         </p:txBody>
@@ -15549,7 +15396,7 @@
               <a:buFont typeface="Helvetica Neue"/>
               <a:buNone/>
             </a:pPr>
-            <a:endParaRPr lang="en-US" sz="2600" b="0" i="0" u="none" strike="noStrike" cap="none" dirty="0" smtClean="0">
+            <a:endParaRPr lang="en-US" sz="2600" b="0" i="0" u="none" strike="noStrike" cap="none" dirty="0">
               <a:solidFill>
                 <a:srgbClr val="FF0000"/>
               </a:solidFill>
@@ -15571,13 +15418,6 @@
   <p:clrMapOvr>
     <a:masterClrMapping/>
   </p:clrMapOvr>
-  <p:timing>
-    <p:tnLst>
-      <p:par>
-        <p:cTn id="1" dur="indefinite" restart="never" nodeType="tmRoot"/>
-      </p:par>
-    </p:tnLst>
-  </p:timing>
 </p:sld>
 </file>
 
@@ -15714,7 +15554,7 @@
               <a:t>e</a:t>
             </a:r>
             <a:r>
-              <a:rPr lang="en-US" sz="2300" b="0" i="0" u="none" strike="noStrike" cap="none" dirty="0" smtClean="0">
+              <a:rPr lang="en-US" sz="2300" b="0" i="0" u="none" strike="noStrike" cap="none" dirty="0">
                 <a:solidFill>
                   <a:srgbClr val="F8F8F8"/>
                 </a:solidFill>
@@ -15745,7 +15585,7 @@
               <a:buNone/>
             </a:pPr>
             <a:r>
-              <a:rPr lang="en-US" sz="2300" b="0" i="0" u="none" strike="noStrike" cap="none" dirty="0" smtClean="0">
+              <a:rPr lang="en-US" sz="2300" b="0" i="0" u="none" strike="noStrike" cap="none" dirty="0">
                 <a:solidFill>
                   <a:srgbClr val="F8F8F8"/>
                 </a:solidFill>
@@ -16283,74 +16123,6 @@
               <a:buFont typeface="Helvetica Neue"/>
               <a:buNone/>
             </a:pPr>
-            <a:endParaRPr lang="en-US" sz="2600" b="0" i="0" u="none" strike="noStrike" cap="none" dirty="0" smtClean="0">
-              <a:solidFill>
-                <a:srgbClr val="FF0000"/>
-              </a:solidFill>
-              <a:latin typeface="Helvetica Neue"/>
-              <a:ea typeface="Helvetica Neue"/>
-              <a:cs typeface="Helvetica Neue"/>
-              <a:sym typeface="Helvetica Neue"/>
-            </a:endParaRPr>
-          </a:p>
-          <a:p>
-            <a:pPr marL="0" marR="0" lvl="1" indent="152400" algn="ctr" rtl="0">
-              <a:lnSpc>
-                <a:spcPct val="100000"/>
-              </a:lnSpc>
-              <a:spcBef>
-                <a:spcPts val="0"/>
-              </a:spcBef>
-              <a:spcAft>
-                <a:spcPts val="0"/>
-              </a:spcAft>
-              <a:buClr>
-                <a:srgbClr val="FFFFFF"/>
-              </a:buClr>
-              <a:buSzPct val="25000"/>
-              <a:buFont typeface="Helvetica Neue"/>
-              <a:buNone/>
-            </a:pPr>
-            <a:endParaRPr lang="en-US" sz="2600" b="0" i="0" u="none" strike="noStrike" cap="none" dirty="0" smtClean="0">
-              <a:solidFill>
-                <a:srgbClr val="FF0000"/>
-              </a:solidFill>
-              <a:latin typeface="Helvetica Neue"/>
-              <a:ea typeface="Helvetica Neue"/>
-              <a:cs typeface="Helvetica Neue"/>
-              <a:sym typeface="Helvetica Neue"/>
-            </a:endParaRPr>
-          </a:p>
-          <a:p>
-            <a:pPr marL="0" marR="0" lvl="1" indent="152400" algn="ctr" rtl="0">
-              <a:lnSpc>
-                <a:spcPct val="100000"/>
-              </a:lnSpc>
-              <a:spcBef>
-                <a:spcPts val="0"/>
-              </a:spcBef>
-              <a:spcAft>
-                <a:spcPts val="0"/>
-              </a:spcAft>
-              <a:buClr>
-                <a:srgbClr val="FFFFFF"/>
-              </a:buClr>
-              <a:buSzPct val="25000"/>
-              <a:buFont typeface="Helvetica Neue"/>
-              <a:buNone/>
-            </a:pPr>
-            <a:r>
-              <a:rPr lang="en-US" sz="2600" b="0" i="0" u="none" strike="noStrike" cap="none" dirty="0" smtClean="0">
-                <a:solidFill>
-                  <a:srgbClr val="FF0000"/>
-                </a:solidFill>
-                <a:latin typeface="Helvetica Neue"/>
-                <a:ea typeface="Helvetica Neue"/>
-                <a:cs typeface="Helvetica Neue"/>
-                <a:sym typeface="Helvetica Neue"/>
-              </a:rPr>
-              <a:t>Instead of:</a:t>
-            </a:r>
             <a:endParaRPr lang="en-US" sz="2600" b="0" i="0" u="none" strike="noStrike" cap="none" dirty="0">
               <a:solidFill>
                 <a:srgbClr val="FF0000"/>
@@ -16360,6 +16132,65 @@
               <a:cs typeface="Helvetica Neue"/>
               <a:sym typeface="Helvetica Neue"/>
             </a:endParaRPr>
+          </a:p>
+          <a:p>
+            <a:pPr marL="0" marR="0" lvl="1" indent="152400" algn="ctr" rtl="0">
+              <a:lnSpc>
+                <a:spcPct val="100000"/>
+              </a:lnSpc>
+              <a:spcBef>
+                <a:spcPts val="0"/>
+              </a:spcBef>
+              <a:spcAft>
+                <a:spcPts val="0"/>
+              </a:spcAft>
+              <a:buClr>
+                <a:srgbClr val="FFFFFF"/>
+              </a:buClr>
+              <a:buSzPct val="25000"/>
+              <a:buFont typeface="Helvetica Neue"/>
+              <a:buNone/>
+            </a:pPr>
+            <a:endParaRPr lang="en-US" sz="2600" b="0" i="0" u="none" strike="noStrike" cap="none" dirty="0">
+              <a:solidFill>
+                <a:srgbClr val="FF0000"/>
+              </a:solidFill>
+              <a:latin typeface="Helvetica Neue"/>
+              <a:ea typeface="Helvetica Neue"/>
+              <a:cs typeface="Helvetica Neue"/>
+              <a:sym typeface="Helvetica Neue"/>
+            </a:endParaRPr>
+          </a:p>
+          <a:p>
+            <a:pPr marL="0" marR="0" lvl="1" indent="152400" algn="ctr" rtl="0">
+              <a:lnSpc>
+                <a:spcPct val="100000"/>
+              </a:lnSpc>
+              <a:spcBef>
+                <a:spcPts val="0"/>
+              </a:spcBef>
+              <a:spcAft>
+                <a:spcPts val="0"/>
+              </a:spcAft>
+              <a:buClr>
+                <a:srgbClr val="FFFFFF"/>
+              </a:buClr>
+              <a:buSzPct val="25000"/>
+              <a:buFont typeface="Helvetica Neue"/>
+              <a:buNone/>
+            </a:pPr>
+            <a:r>
+              <a:rPr lang="en-US" sz="2600" b="0" i="0" u="none" strike="noStrike" cap="none" dirty="0">
+                <a:solidFill>
+                  <a:srgbClr val="FF0000"/>
+                </a:solidFill>
+                <a:latin typeface="Helvetica Neue"/>
+                <a:ea typeface="Helvetica Neue"/>
+                <a:cs typeface="Helvetica Neue"/>
+                <a:sym typeface="Helvetica Neue"/>
+              </a:rPr>
+              <a:t>Instead of:</a:t>
+            </a:r>
           </a:p>
         </p:txBody>
       </p:sp>
@@ -16665,7 +16496,7 @@
               <a:t> (v) { </a:t>
             </a:r>
             <a:r>
-              <a:rPr lang="en-US" sz="1600" b="0" i="0" u="none" strike="noStrike" cap="none" dirty="0" smtClean="0">
+              <a:rPr lang="en-US" sz="1600" b="0" i="0" u="none" strike="noStrike" cap="none" dirty="0">
                 <a:solidFill>
                   <a:srgbClr val="E28964"/>
                 </a:solidFill>
@@ -16677,7 +16508,7 @@
               <a:t>return</a:t>
             </a:r>
             <a:r>
-              <a:rPr lang="en-US" sz="1600" b="0" i="0" u="none" strike="noStrike" cap="none" dirty="0" smtClean="0">
+              <a:rPr lang="en-US" sz="1600" b="0" i="0" u="none" strike="noStrike" cap="none" dirty="0">
                 <a:solidFill>
                   <a:srgbClr val="F8F8F8"/>
                 </a:solidFill>
@@ -16686,19 +16517,7 @@
                 <a:cs typeface="Consolas"/>
                 <a:sym typeface="Consolas"/>
               </a:rPr>
-              <a:t> </a:t>
-            </a:r>
-            <a:r>
-              <a:rPr lang="en-US" sz="1600" b="0" i="0" u="none" strike="noStrike" cap="none" dirty="0">
-                <a:solidFill>
-                  <a:srgbClr val="F8F8F8"/>
-                </a:solidFill>
-                <a:latin typeface="Consolas"/>
-                <a:ea typeface="Consolas"/>
-                <a:cs typeface="Consolas"/>
-                <a:sym typeface="Consolas"/>
-              </a:rPr>
-              <a:t>{ even: v, odd: v </a:t>
+              <a:t> { even: v, odd: v </a:t>
             </a:r>
             <a:r>
               <a:rPr lang="en-US" sz="1600" b="0" i="0" u="none" strike="noStrike" cap="none" dirty="0">
@@ -16972,13 +16791,6 @@
   <p:clrMapOvr>
     <a:masterClrMapping/>
   </p:clrMapOvr>
-  <p:timing>
-    <p:tnLst>
-      <p:par>
-        <p:cTn id="1" dur="indefinite" restart="never" nodeType="tmRoot"/>
-      </p:par>
-    </p:tnLst>
-  </p:timing>
 </p:sld>
 </file>
 
@@ -17247,13 +17059,6 @@
   <p:clrMapOvr>
     <a:masterClrMapping/>
   </p:clrMapOvr>
-  <p:timing>
-    <p:tnLst>
-      <p:par>
-        <p:cTn id="1" dur="indefinite" restart="never" nodeType="tmRoot"/>
-      </p:par>
-    </p:tnLst>
-  </p:timing>
 </p:sld>
 </file>
 
@@ -17973,13 +17778,6 @@
   <p:clrMapOvr>
     <a:masterClrMapping/>
   </p:clrMapOvr>
-  <p:timing>
-    <p:tnLst>
-      <p:par>
-        <p:cTn id="1" dur="indefinite" restart="never" nodeType="tmRoot"/>
-      </p:par>
-    </p:tnLst>
-  </p:timing>
 </p:sld>
 </file>
 
@@ -18490,13 +18288,6 @@
   <p:clrMapOvr>
     <a:masterClrMapping/>
   </p:clrMapOvr>
-  <p:timing>
-    <p:tnLst>
-      <p:par>
-        <p:cTn id="1" dur="indefinite" restart="never" nodeType="tmRoot"/>
-      </p:par>
-    </p:tnLst>
-  </p:timing>
 </p:sld>
 </file>
 
@@ -18552,22 +18343,13 @@
               <a:t>Spread attributes</a:t>
             </a:r>
             <a:r>
-              <a:rPr lang="en-US" sz="4000" b="0" i="0" u="none" strike="noStrike" cap="none" dirty="0" smtClean="0">
-                <a:solidFill>
-                  <a:srgbClr val="FFFFFF"/>
-                </a:solidFill>
-                <a:sym typeface="Helvetica Neue"/>
-              </a:rPr>
-              <a:t>/Rest </a:t>
-            </a:r>
-            <a:r>
               <a:rPr lang="en-US" sz="4000" b="0" i="0" u="none" strike="noStrike" cap="none" dirty="0">
                 <a:solidFill>
                   <a:srgbClr val="FFFFFF"/>
                 </a:solidFill>
                 <a:sym typeface="Helvetica Neue"/>
               </a:rPr>
-              <a:t>parameter</a:t>
+              <a:t>/Rest parameter</a:t>
             </a:r>
           </a:p>
         </p:txBody>
@@ -18766,7 +18548,7 @@
               <a:t> </a:t>
             </a:r>
             <a:r>
-              <a:rPr lang="en-US" sz="2300" b="0" i="0" u="none" strike="noStrike" cap="none" dirty="0" err="1" smtClean="0">
+              <a:rPr lang="en-US" sz="2300" b="0" i="0" u="none" strike="noStrike" cap="none" dirty="0" err="1">
                 <a:solidFill>
                   <a:srgbClr val="F8F8F8"/>
                 </a:solidFill>
@@ -18778,7 +18560,7 @@
               <a:t>a.</a:t>
             </a:r>
             <a:r>
-              <a:rPr lang="en-US" sz="2300" b="0" i="0" u="none" strike="noStrike" cap="none" dirty="0" err="1" smtClean="0">
+              <a:rPr lang="en-US" sz="2300" b="0" i="0" u="none" strike="noStrike" cap="none" dirty="0" err="1">
                 <a:solidFill>
                   <a:srgbClr val="CF6A4C"/>
                 </a:solidFill>
@@ -19108,13 +18890,6 @@
   <p:clrMapOvr>
     <a:masterClrMapping/>
   </p:clrMapOvr>
-  <p:timing>
-    <p:tnLst>
-      <p:par>
-        <p:cTn id="1" dur="indefinite" restart="never" nodeType="tmRoot"/>
-      </p:par>
-    </p:tnLst>
-  </p:timing>
 </p:sld>
 </file>
 
@@ -19293,13 +19068,6 @@
   <p:clrMapOvr>
     <a:masterClrMapping/>
   </p:clrMapOvr>
-  <p:timing>
-    <p:tnLst>
-      <p:par>
-        <p:cTn id="1" dur="indefinite" restart="never" nodeType="tmRoot"/>
-      </p:par>
-    </p:tnLst>
-  </p:timing>
 </p:sld>
 </file>
 
@@ -19356,16 +19124,7 @@
                 </a:solidFill>
                 <a:sym typeface="Helvetica Neue"/>
               </a:rPr>
-              <a:t>String </a:t>
-            </a:r>
-            <a:r>
-              <a:rPr lang="en-US" sz="3200" b="0" i="0" u="none" strike="noStrike" cap="none" dirty="0" smtClean="0">
-                <a:solidFill>
-                  <a:srgbClr val="FFFFFF"/>
-                </a:solidFill>
-                <a:sym typeface="Helvetica Neue"/>
-              </a:rPr>
-              <a:t>interpolation/</a:t>
+              <a:t>String interpolation/</a:t>
             </a:r>
             <a:r>
               <a:rPr lang="en-US" sz="3200" b="1" dirty="0"/>
@@ -19846,7 +19605,7 @@
               <a:t>1</a:t>
             </a:r>
             <a:r>
-              <a:rPr lang="en-US" sz="2300" b="0" i="0" u="none" strike="noStrike" cap="none" dirty="0" smtClean="0">
+              <a:rPr lang="en-US" sz="2300" b="0" i="0" u="none" strike="noStrike" cap="none" dirty="0">
                 <a:solidFill>
                   <a:srgbClr val="F8F8F8"/>
                 </a:solidFill>
@@ -19921,13 +19680,6 @@
   <p:clrMapOvr>
     <a:masterClrMapping/>
   </p:clrMapOvr>
-  <p:timing>
-    <p:tnLst>
-      <p:par>
-        <p:cTn id="1" dur="indefinite" restart="never" nodeType="tmRoot"/>
-      </p:par>
-    </p:tnLst>
-  </p:timing>
 </p:sld>
 </file>
 
@@ -20395,13 +20147,6 @@
   <p:clrMapOvr>
     <a:masterClrMapping/>
   </p:clrMapOvr>
-  <p:timing>
-    <p:tnLst>
-      <p:par>
-        <p:cTn id="1" dur="indefinite" restart="never" nodeType="tmRoot"/>
-      </p:par>
-    </p:tnLst>
-  </p:timing>
 </p:sld>
 </file>
 
@@ -20526,19 +20271,7 @@
                 <a:cs typeface="Helvetica Neue"/>
                 <a:sym typeface="Helvetica Neue"/>
               </a:rPr>
-              <a:t>// </a:t>
-            </a:r>
-            <a:r>
-              <a:rPr lang="en-US" sz="1900" b="0" i="1" u="none" strike="noStrike" cap="none" dirty="0" smtClean="0">
-                <a:solidFill>
-                  <a:srgbClr val="AEAEAE"/>
-                </a:solidFill>
-                <a:latin typeface="Helvetica Neue"/>
-                <a:ea typeface="Helvetica Neue"/>
-                <a:cs typeface="Helvetica Neue"/>
-                <a:sym typeface="Helvetica Neue"/>
-              </a:rPr>
-              <a:t>Computed property names</a:t>
+              <a:t>// Computed property names</a:t>
             </a:r>
             <a:endParaRPr lang="en-US" sz="1900" b="0" i="1" u="none" strike="noStrike" cap="none" dirty="0">
               <a:solidFill>
@@ -20563,39 +20296,47 @@
                   <a:schemeClr val="bg1"/>
                 </a:solidFill>
               </a:rPr>
-              <a:t>l</a:t>
-            </a:r>
-            <a:r>
-              <a:rPr lang="en-US" sz="2000" dirty="0" smtClean="0">
+              <a:t>let </a:t>
+            </a:r>
+            <a:r>
+              <a:rPr lang="mr-IN" sz="2000" dirty="0" err="1">
+                <a:solidFill>
+                  <a:srgbClr val="00B050"/>
+                </a:solidFill>
+              </a:rPr>
+              <a:t>prop</a:t>
+            </a:r>
+            <a:r>
+              <a:rPr lang="nl-NL" sz="2000" dirty="0" err="1">
+                <a:solidFill>
+                  <a:srgbClr val="00B050"/>
+                </a:solidFill>
+              </a:rPr>
+              <a:t>erty</a:t>
+            </a:r>
+            <a:r>
+              <a:rPr lang="mr-IN" sz="2000" dirty="0">
+                <a:solidFill>
+                  <a:srgbClr val="00B050"/>
+                </a:solidFill>
+              </a:rPr>
+              <a:t> </a:t>
+            </a:r>
+            <a:r>
+              <a:rPr lang="mr-IN" sz="2000" dirty="0">
                 <a:solidFill>
                   <a:schemeClr val="bg1"/>
                 </a:solidFill>
               </a:rPr>
-              <a:t>et </a:t>
-            </a:r>
-            <a:r>
-              <a:rPr lang="mr-IN" sz="2000" dirty="0" err="1" smtClean="0">
-                <a:solidFill>
-                  <a:srgbClr val="00B050"/>
-                </a:solidFill>
-              </a:rPr>
-              <a:t>prop</a:t>
-            </a:r>
-            <a:r>
-              <a:rPr lang="nl-NL" sz="2000" dirty="0" err="1" smtClean="0">
-                <a:solidFill>
-                  <a:srgbClr val="00B050"/>
-                </a:solidFill>
-              </a:rPr>
-              <a:t>erty</a:t>
-            </a:r>
-            <a:r>
-              <a:rPr lang="mr-IN" sz="2000" dirty="0" smtClean="0">
-                <a:solidFill>
-                  <a:srgbClr val="00B050"/>
-                </a:solidFill>
-              </a:rPr>
-              <a:t> </a:t>
+              <a:t>= '</a:t>
+            </a:r>
+            <a:r>
+              <a:rPr lang="mr-IN" sz="2000" dirty="0" err="1">
+                <a:solidFill>
+                  <a:schemeClr val="bg1"/>
+                </a:solidFill>
+              </a:rPr>
+              <a:t>foo</a:t>
             </a:r>
             <a:r>
               <a:rPr lang="mr-IN" sz="2000" dirty="0">
@@ -20603,25 +20344,9 @@
                   <a:schemeClr val="bg1"/>
                 </a:solidFill>
               </a:rPr>
-              <a:t>= '</a:t>
-            </a:r>
-            <a:r>
-              <a:rPr lang="mr-IN" sz="2000" dirty="0" err="1">
-                <a:solidFill>
-                  <a:schemeClr val="bg1"/>
-                </a:solidFill>
-              </a:rPr>
-              <a:t>foo</a:t>
-            </a:r>
-            <a:r>
-              <a:rPr lang="mr-IN" sz="2000" dirty="0">
-                <a:solidFill>
-                  <a:schemeClr val="bg1"/>
-                </a:solidFill>
-              </a:rPr>
               <a:t>'; </a:t>
             </a:r>
-            <a:endParaRPr lang="nl-NL" sz="2000" dirty="0" smtClean="0">
+            <a:endParaRPr lang="nl-NL" sz="2000" dirty="0">
               <a:solidFill>
                 <a:schemeClr val="bg1"/>
               </a:solidFill>
@@ -20634,7 +20359,7 @@
               </a:buClr>
               <a:buSzPct val="25000"/>
             </a:pPr>
-            <a:endParaRPr lang="nl-NL" sz="2000" dirty="0" smtClean="0">
+            <a:endParaRPr lang="nl-NL" sz="2000" dirty="0">
               <a:solidFill>
                 <a:schemeClr val="bg1"/>
               </a:solidFill>
@@ -20653,57 +20378,41 @@
                   <a:schemeClr val="bg1"/>
                 </a:solidFill>
               </a:rPr>
-              <a:t>l</a:t>
-            </a:r>
-            <a:r>
-              <a:rPr lang="nl-NL" sz="2000" dirty="0" smtClean="0">
+              <a:t>let </a:t>
+            </a:r>
+            <a:r>
+              <a:rPr lang="mr-IN" sz="2000" dirty="0" err="1">
+                <a:solidFill>
+                  <a:srgbClr val="FFFF00"/>
+                </a:solidFill>
+              </a:rPr>
+              <a:t>o</a:t>
+            </a:r>
+            <a:r>
+              <a:rPr lang="nl-NL" sz="2000" dirty="0" err="1">
+                <a:solidFill>
+                  <a:srgbClr val="FFFF00"/>
+                </a:solidFill>
+              </a:rPr>
+              <a:t>bj</a:t>
+            </a:r>
+            <a:r>
+              <a:rPr lang="mr-IN" sz="2000" dirty="0">
+                <a:solidFill>
+                  <a:srgbClr val="FFFF00"/>
+                </a:solidFill>
+              </a:rPr>
+              <a:t> </a:t>
+            </a:r>
+            <a:r>
+              <a:rPr lang="mr-IN" sz="2000" dirty="0">
                 <a:solidFill>
                   <a:schemeClr val="bg1"/>
                 </a:solidFill>
               </a:rPr>
-              <a:t>et </a:t>
-            </a:r>
-            <a:r>
-              <a:rPr lang="mr-IN" sz="2000" dirty="0" err="1" smtClean="0">
-                <a:solidFill>
-                  <a:srgbClr val="FFFF00"/>
-                </a:solidFill>
-              </a:rPr>
-              <a:t>o</a:t>
-            </a:r>
-            <a:r>
-              <a:rPr lang="nl-NL" sz="2000" dirty="0" err="1" smtClean="0">
-                <a:solidFill>
-                  <a:srgbClr val="FFFF00"/>
-                </a:solidFill>
-              </a:rPr>
-              <a:t>bj</a:t>
-            </a:r>
-            <a:r>
-              <a:rPr lang="mr-IN" sz="2000" dirty="0" smtClean="0">
-                <a:solidFill>
-                  <a:srgbClr val="FFFF00"/>
-                </a:solidFill>
-              </a:rPr>
-              <a:t> </a:t>
-            </a:r>
-            <a:r>
-              <a:rPr lang="mr-IN" sz="2000" dirty="0" smtClean="0">
-                <a:solidFill>
-                  <a:schemeClr val="bg1"/>
-                </a:solidFill>
-              </a:rPr>
-              <a:t>= </a:t>
-            </a:r>
-            <a:r>
-              <a:rPr lang="mr-IN" sz="2000" dirty="0">
-                <a:solidFill>
-                  <a:schemeClr val="bg1"/>
-                </a:solidFill>
-              </a:rPr>
-              <a:t>{ </a:t>
-            </a:r>
-            <a:endParaRPr lang="nl-NL" sz="2000" dirty="0" smtClean="0">
+              <a:t>= { </a:t>
+            </a:r>
+            <a:endParaRPr lang="nl-NL" sz="2000" dirty="0">
               <a:solidFill>
                 <a:schemeClr val="bg1"/>
               </a:solidFill>
@@ -20717,7 +20426,7 @@
               <a:buSzPct val="25000"/>
             </a:pPr>
             <a:r>
-              <a:rPr lang="nl-NL" sz="2000" dirty="0" smtClean="0">
+              <a:rPr lang="nl-NL" sz="2000" dirty="0">
                 <a:solidFill>
                   <a:schemeClr val="bg1"/>
                 </a:solidFill>
@@ -20725,7 +20434,7 @@
               <a:t>       </a:t>
             </a:r>
             <a:r>
-              <a:rPr lang="mr-IN" sz="2000" dirty="0" smtClean="0">
+              <a:rPr lang="mr-IN" sz="2000" dirty="0">
                 <a:solidFill>
                   <a:schemeClr val="bg1"/>
                 </a:solidFill>
@@ -20733,7 +20442,7 @@
               <a:t>[</a:t>
             </a:r>
             <a:r>
-              <a:rPr lang="mr-IN" sz="2000" dirty="0" err="1" smtClean="0">
+              <a:rPr lang="mr-IN" sz="2000" dirty="0" err="1">
                 <a:solidFill>
                   <a:srgbClr val="00B050"/>
                 </a:solidFill>
@@ -20741,7 +20450,7 @@
               <a:t>prop</a:t>
             </a:r>
             <a:r>
-              <a:rPr lang="nl-NL" sz="2000" dirty="0" err="1" smtClean="0">
+              <a:rPr lang="nl-NL" sz="2000" dirty="0" err="1">
                 <a:solidFill>
                   <a:srgbClr val="00B050"/>
                 </a:solidFill>
@@ -20749,12 +20458,20 @@
               <a:t>erty</a:t>
             </a:r>
             <a:r>
-              <a:rPr lang="mr-IN" sz="2000" dirty="0" smtClean="0">
+              <a:rPr lang="mr-IN" sz="2000" dirty="0">
                 <a:solidFill>
                   <a:schemeClr val="bg1"/>
                 </a:solidFill>
               </a:rPr>
-              <a:t>]: </a:t>
+              <a:t>]: '</a:t>
+            </a:r>
+            <a:r>
+              <a:rPr lang="mr-IN" sz="2000" dirty="0" err="1">
+                <a:solidFill>
+                  <a:schemeClr val="bg1"/>
+                </a:solidFill>
+              </a:rPr>
+              <a:t>hey</a:t>
             </a:r>
             <a:r>
               <a:rPr lang="mr-IN" sz="2000" dirty="0">
@@ -20762,25 +20479,9 @@
                   <a:schemeClr val="bg1"/>
                 </a:solidFill>
               </a:rPr>
-              <a:t>'</a:t>
-            </a:r>
-            <a:r>
-              <a:rPr lang="mr-IN" sz="2000" dirty="0" err="1">
-                <a:solidFill>
-                  <a:schemeClr val="bg1"/>
-                </a:solidFill>
-              </a:rPr>
-              <a:t>hey</a:t>
-            </a:r>
-            <a:r>
-              <a:rPr lang="mr-IN" sz="2000" dirty="0">
-                <a:solidFill>
-                  <a:schemeClr val="bg1"/>
-                </a:solidFill>
-              </a:rPr>
               <a:t>', </a:t>
             </a:r>
-            <a:endParaRPr lang="nl-NL" sz="2000" dirty="0" smtClean="0">
+            <a:endParaRPr lang="nl-NL" sz="2000" dirty="0">
               <a:solidFill>
                 <a:schemeClr val="bg1"/>
               </a:solidFill>
@@ -20799,89 +20500,81 @@
                   <a:schemeClr val="bg1"/>
                 </a:solidFill>
               </a:rPr>
-              <a:t> </a:t>
-            </a:r>
-            <a:r>
-              <a:rPr lang="nl-NL" sz="2000" dirty="0" smtClean="0">
+              <a:t>       </a:t>
+            </a:r>
+            <a:r>
+              <a:rPr lang="mr-IN" sz="2000" dirty="0">
                 <a:solidFill>
                   <a:schemeClr val="bg1"/>
                 </a:solidFill>
               </a:rPr>
-              <a:t>      </a:t>
-            </a:r>
-            <a:r>
-              <a:rPr lang="mr-IN" sz="2000" dirty="0" smtClean="0">
+              <a:t>[</a:t>
+            </a:r>
+            <a:r>
+              <a:rPr lang="mr-IN" sz="2000" dirty="0">
+                <a:solidFill>
+                  <a:srgbClr val="FFC000"/>
+                </a:solidFill>
+              </a:rPr>
+              <a:t>'</a:t>
+            </a:r>
+            <a:r>
+              <a:rPr lang="mr-IN" sz="2000" dirty="0" err="1">
+                <a:solidFill>
+                  <a:srgbClr val="FFC000"/>
+                </a:solidFill>
+              </a:rPr>
+              <a:t>b</a:t>
+            </a:r>
+            <a:r>
+              <a:rPr lang="mr-IN" sz="2000" dirty="0">
+                <a:solidFill>
+                  <a:srgbClr val="FFC000"/>
+                </a:solidFill>
+              </a:rPr>
+              <a:t>' + '</a:t>
+            </a:r>
+            <a:r>
+              <a:rPr lang="mr-IN" sz="2000" dirty="0" err="1">
+                <a:solidFill>
+                  <a:srgbClr val="FFC000"/>
+                </a:solidFill>
+              </a:rPr>
+              <a:t>ar</a:t>
+            </a:r>
+            <a:r>
+              <a:rPr lang="mr-IN" sz="2000" dirty="0">
+                <a:solidFill>
+                  <a:srgbClr val="FFC000"/>
+                </a:solidFill>
+              </a:rPr>
+              <a:t>'</a:t>
+            </a:r>
+            <a:r>
+              <a:rPr lang="mr-IN" sz="2000" dirty="0">
                 <a:solidFill>
                   <a:schemeClr val="bg1"/>
                 </a:solidFill>
               </a:rPr>
-              <a:t>[</a:t>
+              <a:t>]: '</a:t>
+            </a:r>
+            <a:r>
+              <a:rPr lang="mr-IN" sz="2000" dirty="0" err="1">
+                <a:solidFill>
+                  <a:schemeClr val="bg1"/>
+                </a:solidFill>
+              </a:rPr>
+              <a:t>there</a:t>
             </a:r>
             <a:r>
               <a:rPr lang="mr-IN" sz="2000" dirty="0">
                 <a:solidFill>
-                  <a:srgbClr val="FFC000"/>
-                </a:solidFill>
-              </a:rPr>
-              <a:t>'</a:t>
-            </a:r>
-            <a:r>
-              <a:rPr lang="mr-IN" sz="2000" dirty="0" err="1">
-                <a:solidFill>
-                  <a:srgbClr val="FFC000"/>
-                </a:solidFill>
-              </a:rPr>
-              <a:t>b</a:t>
-            </a:r>
-            <a:r>
-              <a:rPr lang="mr-IN" sz="2000" dirty="0">
-                <a:solidFill>
-                  <a:srgbClr val="FFC000"/>
-                </a:solidFill>
-              </a:rPr>
-              <a:t>' + '</a:t>
-            </a:r>
-            <a:r>
-              <a:rPr lang="mr-IN" sz="2000" dirty="0" err="1">
-                <a:solidFill>
-                  <a:srgbClr val="FFC000"/>
-                </a:solidFill>
-              </a:rPr>
-              <a:t>ar</a:t>
-            </a:r>
-            <a:r>
-              <a:rPr lang="mr-IN" sz="2000" dirty="0">
-                <a:solidFill>
-                  <a:srgbClr val="FFC000"/>
-                </a:solidFill>
-              </a:rPr>
-              <a:t>'</a:t>
-            </a:r>
-            <a:r>
-              <a:rPr lang="mr-IN" sz="2000" dirty="0">
-                <a:solidFill>
                   <a:schemeClr val="bg1"/>
                 </a:solidFill>
               </a:rPr>
-              <a:t>]: '</a:t>
-            </a:r>
-            <a:r>
-              <a:rPr lang="mr-IN" sz="2000" dirty="0" err="1">
-                <a:solidFill>
-                  <a:schemeClr val="bg1"/>
-                </a:solidFill>
-              </a:rPr>
-              <a:t>there</a:t>
-            </a:r>
-            <a:r>
-              <a:rPr lang="mr-IN" sz="2000" dirty="0">
-                <a:solidFill>
-                  <a:schemeClr val="bg1"/>
-                </a:solidFill>
-              </a:rPr>
               <a:t>' </a:t>
             </a:r>
-            <a:endParaRPr lang="nl-NL" sz="2000" dirty="0" smtClean="0">
+            <a:endParaRPr lang="nl-NL" sz="2000" dirty="0">
               <a:solidFill>
                 <a:schemeClr val="bg1"/>
               </a:solidFill>
@@ -20895,14 +20588,14 @@
               <a:buSzPct val="25000"/>
             </a:pPr>
             <a:r>
-              <a:rPr lang="mr-IN" sz="2000" dirty="0" smtClean="0">
+              <a:rPr lang="mr-IN" sz="2000" dirty="0">
                 <a:solidFill>
                   <a:schemeClr val="bg1"/>
                 </a:solidFill>
               </a:rPr>
               <a:t>};</a:t>
             </a:r>
-            <a:endParaRPr lang="nl-NL" sz="2000" dirty="0" smtClean="0">
+            <a:endParaRPr lang="nl-NL" sz="2000" dirty="0">
               <a:solidFill>
                 <a:schemeClr val="bg1"/>
               </a:solidFill>
@@ -20932,13 +20625,6 @@
   <p:clrMapOvr>
     <a:masterClrMapping/>
   </p:clrMapOvr>
-  <p:timing>
-    <p:tnLst>
-      <p:par>
-        <p:cTn id="1" dur="indefinite" restart="never" nodeType="tmRoot"/>
-      </p:par>
-    </p:tnLst>
-  </p:timing>
 </p:sld>
 </file>
 
@@ -21072,19 +20758,7 @@
                 <a:cs typeface="Helvetica Neue"/>
                 <a:sym typeface="Helvetica Neue"/>
               </a:rPr>
-              <a:t>// </a:t>
-            </a:r>
-            <a:r>
-              <a:rPr lang="en-US" sz="2300" b="0" i="1" u="none" strike="noStrike" cap="none" dirty="0" smtClean="0">
-                <a:solidFill>
-                  <a:srgbClr val="AEAEAE"/>
-                </a:solidFill>
-                <a:latin typeface="Helvetica Neue"/>
-                <a:ea typeface="Helvetica Neue"/>
-                <a:cs typeface="Helvetica Neue"/>
-                <a:sym typeface="Helvetica Neue"/>
-              </a:rPr>
-              <a:t>Arrays</a:t>
+              <a:t>// Arrays</a:t>
             </a:r>
           </a:p>
           <a:p>
@@ -21095,7 +20769,7 @@
               <a:buSzPct val="25000"/>
             </a:pPr>
             <a:r>
-              <a:rPr lang="mr-IN" sz="2400" dirty="0" smtClean="0">
+              <a:rPr lang="mr-IN" sz="2400" dirty="0">
                 <a:solidFill>
                   <a:schemeClr val="bg1"/>
                 </a:solidFill>
@@ -21150,7 +20824,7 @@
               </a:rPr>
               <a:t>] = [1, 2, 3, 4, 5]; </a:t>
             </a:r>
-            <a:endParaRPr lang="nl-NL" sz="2400" dirty="0" smtClean="0">
+            <a:endParaRPr lang="nl-NL" sz="2400" dirty="0">
               <a:solidFill>
                 <a:schemeClr val="bg1"/>
               </a:solidFill>
@@ -21164,7 +20838,7 @@
               <a:buSzPct val="25000"/>
             </a:pPr>
             <a:r>
-              <a:rPr lang="mr-IN" sz="2400" dirty="0" err="1" smtClean="0">
+              <a:rPr lang="mr-IN" sz="2400" dirty="0" err="1">
                 <a:solidFill>
                   <a:schemeClr val="bg1"/>
                 </a:solidFill>
@@ -21172,7 +20846,7 @@
               <a:t>console.log</a:t>
             </a:r>
             <a:r>
-              <a:rPr lang="mr-IN" sz="2400" dirty="0" smtClean="0">
+              <a:rPr lang="mr-IN" sz="2400" dirty="0">
                 <a:solidFill>
                   <a:schemeClr val="bg1"/>
                 </a:solidFill>
@@ -21180,7 +20854,7 @@
               <a:t>(</a:t>
             </a:r>
             <a:r>
-              <a:rPr lang="mr-IN" sz="2400" dirty="0" err="1" smtClean="0">
+              <a:rPr lang="mr-IN" sz="2400" dirty="0" err="1">
                 <a:solidFill>
                   <a:schemeClr val="bg1"/>
                 </a:solidFill>
@@ -21211,7 +20885,7 @@
               </a:rPr>
               <a:t> </a:t>
             </a:r>
-            <a:endParaRPr lang="nl-NL" sz="2400" dirty="0" smtClean="0">
+            <a:endParaRPr lang="nl-NL" sz="2400" dirty="0">
               <a:solidFill>
                 <a:schemeClr val="bg1"/>
               </a:solidFill>
@@ -21225,7 +20899,7 @@
               <a:buSzPct val="25000"/>
             </a:pPr>
             <a:r>
-              <a:rPr lang="mr-IN" sz="2400" dirty="0" err="1" smtClean="0">
+              <a:rPr lang="mr-IN" sz="2400" dirty="0" err="1">
                 <a:solidFill>
                   <a:schemeClr val="bg1"/>
                 </a:solidFill>
@@ -21233,7 +20907,7 @@
               <a:t>console.log</a:t>
             </a:r>
             <a:r>
-              <a:rPr lang="mr-IN" sz="2400" dirty="0" smtClean="0">
+              <a:rPr lang="mr-IN" sz="2400" dirty="0">
                 <a:solidFill>
                   <a:schemeClr val="bg1"/>
                 </a:solidFill>
@@ -21241,7 +20915,7 @@
               <a:t>(</a:t>
             </a:r>
             <a:r>
-              <a:rPr lang="mr-IN" sz="2400" dirty="0" err="1" smtClean="0">
+              <a:rPr lang="mr-IN" sz="2400" dirty="0" err="1">
                 <a:solidFill>
                   <a:schemeClr val="bg1"/>
                 </a:solidFill>
@@ -21272,7 +20946,7 @@
               </a:rPr>
               <a:t> </a:t>
             </a:r>
-            <a:endParaRPr lang="nl-NL" sz="2400" i="1" dirty="0" smtClean="0">
+            <a:endParaRPr lang="nl-NL" sz="2400" i="1" dirty="0">
               <a:solidFill>
                 <a:schemeClr val="bg1"/>
               </a:solidFill>
@@ -21286,7 +20960,7 @@
               <a:buSzPct val="25000"/>
             </a:pPr>
             <a:r>
-              <a:rPr lang="nl-NL" sz="2400" dirty="0" smtClean="0">
+              <a:rPr lang="nl-NL" sz="2400" dirty="0">
                 <a:solidFill>
                   <a:schemeClr val="bg1"/>
                 </a:solidFill>
@@ -21294,7 +20968,7 @@
               <a:t>c</a:t>
             </a:r>
             <a:r>
-              <a:rPr lang="mr-IN" sz="2400" dirty="0" err="1" smtClean="0">
+              <a:rPr lang="mr-IN" sz="2400" dirty="0" err="1">
                 <a:solidFill>
                   <a:schemeClr val="bg1"/>
                 </a:solidFill>
@@ -21302,7 +20976,7 @@
               <a:t>onsole.log</a:t>
             </a:r>
             <a:r>
-              <a:rPr lang="mr-IN" sz="2400" dirty="0" smtClean="0">
+              <a:rPr lang="mr-IN" sz="2400" dirty="0">
                 <a:solidFill>
                   <a:schemeClr val="bg1"/>
                 </a:solidFill>
@@ -21310,7 +20984,7 @@
               <a:t>(</a:t>
             </a:r>
             <a:r>
-              <a:rPr lang="mr-IN" sz="2400" dirty="0" err="1" smtClean="0">
+              <a:rPr lang="mr-IN" sz="2400" dirty="0" err="1">
                 <a:solidFill>
                   <a:schemeClr val="bg1"/>
                 </a:solidFill>
@@ -21333,7 +21007,7 @@
               </a:rPr>
               <a:t>// [3, 4, 5] </a:t>
             </a:r>
-            <a:endParaRPr lang="nl-NL" sz="2400" i="1" dirty="0" smtClean="0">
+            <a:endParaRPr lang="nl-NL" sz="2400" i="1" dirty="0">
               <a:solidFill>
                 <a:srgbClr val="FFFF00"/>
               </a:solidFill>
@@ -21346,7 +21020,7 @@
               </a:buClr>
               <a:buSzPct val="25000"/>
             </a:pPr>
-            <a:endParaRPr lang="nl-NL" sz="2400" dirty="0" smtClean="0">
+            <a:endParaRPr lang="nl-NL" sz="2400" dirty="0">
               <a:solidFill>
                 <a:schemeClr val="bg1"/>
               </a:solidFill>
@@ -21360,7 +21034,7 @@
               <a:buSzPct val="25000"/>
             </a:pPr>
             <a:r>
-              <a:rPr lang="en-US" sz="2300" b="0" i="1" u="none" strike="noStrike" cap="none" dirty="0" smtClean="0">
+              <a:rPr lang="en-US" sz="2300" b="0" i="1" u="none" strike="noStrike" cap="none" dirty="0">
                 <a:solidFill>
                   <a:srgbClr val="AEAEAE"/>
                 </a:solidFill>
@@ -21369,19 +21043,7 @@
                 <a:cs typeface="Helvetica Neue"/>
                 <a:sym typeface="Helvetica Neue"/>
               </a:rPr>
-              <a:t>// </a:t>
-            </a:r>
-            <a:r>
-              <a:rPr lang="en-US" sz="2300" b="0" i="1" u="none" strike="noStrike" cap="none" dirty="0">
-                <a:solidFill>
-                  <a:srgbClr val="AEAEAE"/>
-                </a:solidFill>
-                <a:latin typeface="Helvetica Neue"/>
-                <a:ea typeface="Helvetica Neue"/>
-                <a:cs typeface="Helvetica Neue"/>
-                <a:sym typeface="Helvetica Neue"/>
-              </a:rPr>
-              <a:t>Objects</a:t>
+              <a:t>// Objects</a:t>
             </a:r>
           </a:p>
           <a:p>
@@ -21431,7 +21093,7 @@
               </a:rPr>
               <a:t>} = {a:1, b:2}); </a:t>
             </a:r>
-            <a:endParaRPr lang="nl-NL" sz="2400" dirty="0" smtClean="0">
+            <a:endParaRPr lang="nl-NL" sz="2400" dirty="0">
               <a:solidFill>
                 <a:schemeClr val="bg1"/>
               </a:solidFill>
@@ -21445,7 +21107,7 @@
               <a:buSzPct val="25000"/>
             </a:pPr>
             <a:r>
-              <a:rPr lang="mr-IN" sz="2400" dirty="0" err="1" smtClean="0">
+              <a:rPr lang="mr-IN" sz="2400" dirty="0" err="1">
                 <a:solidFill>
                   <a:schemeClr val="bg1"/>
                 </a:solidFill>
@@ -21453,7 +21115,7 @@
               <a:t>console.log</a:t>
             </a:r>
             <a:r>
-              <a:rPr lang="mr-IN" sz="2400" dirty="0" smtClean="0">
+              <a:rPr lang="mr-IN" sz="2400" dirty="0">
                 <a:solidFill>
                   <a:schemeClr val="bg1"/>
                 </a:solidFill>
@@ -21461,7 +21123,7 @@
               <a:t>(</a:t>
             </a:r>
             <a:r>
-              <a:rPr lang="mr-IN" sz="2400" dirty="0" err="1" smtClean="0">
+              <a:rPr lang="mr-IN" sz="2400" dirty="0" err="1">
                 <a:solidFill>
                   <a:schemeClr val="bg1"/>
                 </a:solidFill>
@@ -21492,7 +21154,7 @@
               </a:rPr>
               <a:t> </a:t>
             </a:r>
-            <a:endParaRPr lang="nl-NL" sz="2400" dirty="0" smtClean="0">
+            <a:endParaRPr lang="nl-NL" sz="2400" dirty="0">
               <a:solidFill>
                 <a:schemeClr val="bg1"/>
               </a:solidFill>
@@ -21506,7 +21168,7 @@
               <a:buSzPct val="25000"/>
             </a:pPr>
             <a:r>
-              <a:rPr lang="mr-IN" sz="2400" dirty="0" err="1" smtClean="0">
+              <a:rPr lang="mr-IN" sz="2400" dirty="0" err="1">
                 <a:solidFill>
                   <a:schemeClr val="bg1"/>
                 </a:solidFill>
@@ -21514,7 +21176,7 @@
               <a:t>console.log</a:t>
             </a:r>
             <a:r>
-              <a:rPr lang="mr-IN" sz="2400" dirty="0" smtClean="0">
+              <a:rPr lang="mr-IN" sz="2400" dirty="0">
                 <a:solidFill>
                   <a:schemeClr val="bg1"/>
                 </a:solidFill>
@@ -21522,7 +21184,7 @@
               <a:t>(</a:t>
             </a:r>
             <a:r>
-              <a:rPr lang="mr-IN" sz="2400" dirty="0" err="1" smtClean="0">
+              <a:rPr lang="mr-IN" sz="2400" dirty="0" err="1">
                 <a:solidFill>
                   <a:schemeClr val="bg1"/>
                 </a:solidFill>
@@ -21562,13 +21224,6 @@
   <p:clrMapOvr>
     <a:masterClrMapping/>
   </p:clrMapOvr>
-  <p:timing>
-    <p:tnLst>
-      <p:par>
-        <p:cTn id="1" dur="indefinite" restart="never" nodeType="tmRoot"/>
-      </p:par>
-    </p:tnLst>
-  </p:timing>
 </p:sld>
 </file>
 
@@ -21681,7 +21336,7 @@
               </a:buClr>
               <a:buSzPct val="25000"/>
             </a:pPr>
-            <a:endParaRPr lang="en-US" sz="2400" dirty="0" smtClean="0">
+            <a:endParaRPr lang="en-US" sz="2400" dirty="0">
               <a:solidFill>
                 <a:schemeClr val="bg1"/>
               </a:solidFill>
@@ -21695,7 +21350,7 @@
               <a:buSzPct val="25000"/>
             </a:pPr>
             <a:r>
-              <a:rPr lang="en-US" sz="2400" dirty="0" smtClean="0">
+              <a:rPr lang="en-US" sz="2400" dirty="0">
                 <a:solidFill>
                   <a:schemeClr val="bg1"/>
                 </a:solidFill>
@@ -21718,11 +21373,6 @@
               </a:rPr>
               <a:t> ------ </a:t>
             </a:r>
-            <a:endParaRPr lang="en-US" sz="2400" dirty="0" smtClean="0">
-              <a:solidFill>
-                <a:schemeClr val="bg1"/>
-              </a:solidFill>
-            </a:endParaRPr>
           </a:p>
           <a:p>
             <a:pPr lvl="0">
@@ -21732,7 +21382,7 @@
               <a:buSzPct val="25000"/>
             </a:pPr>
             <a:r>
-              <a:rPr lang="en-US" sz="2400" b="1" dirty="0" smtClean="0">
+              <a:rPr lang="en-US" sz="2400" b="1" dirty="0">
                 <a:solidFill>
                   <a:schemeClr val="bg1"/>
                 </a:solidFill>
@@ -21740,7 +21390,7 @@
               <a:t>export</a:t>
             </a:r>
             <a:r>
-              <a:rPr lang="en-US" sz="2400" dirty="0" smtClean="0">
+              <a:rPr lang="en-US" sz="2400" dirty="0">
                 <a:solidFill>
                   <a:schemeClr val="bg1"/>
                 </a:solidFill>
@@ -21803,11 +21453,6 @@
               </a:rPr>
               <a:t>; </a:t>
             </a:r>
-            <a:endParaRPr lang="en-US" sz="2400" dirty="0" smtClean="0">
-              <a:solidFill>
-                <a:schemeClr val="bg1"/>
-              </a:solidFill>
-            </a:endParaRPr>
           </a:p>
           <a:p>
             <a:pPr lvl="0">
@@ -21817,7 +21462,7 @@
               <a:buSzPct val="25000"/>
             </a:pPr>
             <a:r>
-              <a:rPr lang="en-US" sz="2400" b="1" dirty="0" smtClean="0">
+              <a:rPr lang="en-US" sz="2400" b="1" dirty="0">
                 <a:solidFill>
                   <a:srgbClr val="FFFF00"/>
                 </a:solidFill>
@@ -21825,7 +21470,7 @@
               <a:t>export</a:t>
             </a:r>
             <a:r>
-              <a:rPr lang="en-US" sz="2400" dirty="0" smtClean="0">
+              <a:rPr lang="en-US" sz="2400" dirty="0">
                 <a:solidFill>
                   <a:srgbClr val="FFFF00"/>
                 </a:solidFill>
@@ -21880,11 +21525,6 @@
               </a:rPr>
               <a:t> x * x; } </a:t>
             </a:r>
-            <a:endParaRPr lang="en-US" sz="2400" dirty="0" smtClean="0">
-              <a:solidFill>
-                <a:schemeClr val="bg1"/>
-              </a:solidFill>
-            </a:endParaRPr>
           </a:p>
           <a:p>
             <a:pPr lvl="0">
@@ -21894,7 +21534,7 @@
               <a:buSzPct val="25000"/>
             </a:pPr>
             <a:r>
-              <a:rPr lang="en-US" sz="2400" b="1" dirty="0" smtClean="0">
+              <a:rPr lang="en-US" sz="2400" b="1" dirty="0">
                 <a:solidFill>
                   <a:srgbClr val="FFFF00"/>
                 </a:solidFill>
@@ -21902,7 +21542,7 @@
               <a:t>export</a:t>
             </a:r>
             <a:r>
-              <a:rPr lang="en-US" sz="2400" dirty="0" smtClean="0">
+              <a:rPr lang="en-US" sz="2400" dirty="0">
                 <a:solidFill>
                   <a:srgbClr val="FFFF00"/>
                 </a:solidFill>
@@ -21973,11 +21613,6 @@
               </a:rPr>
               <a:t>(square(x) + square(y)); } </a:t>
             </a:r>
-            <a:endParaRPr lang="en-US" sz="2400" dirty="0" smtClean="0">
-              <a:solidFill>
-                <a:schemeClr val="bg1"/>
-              </a:solidFill>
-            </a:endParaRPr>
           </a:p>
           <a:p>
             <a:pPr lvl="0">
@@ -22000,7 +21635,7 @@
               <a:buSzPct val="25000"/>
             </a:pPr>
             <a:r>
-              <a:rPr lang="en-US" sz="2400" dirty="0" smtClean="0">
+              <a:rPr lang="en-US" sz="2400" dirty="0">
                 <a:solidFill>
                   <a:schemeClr val="bg1"/>
                 </a:solidFill>
@@ -22021,15 +21656,7 @@
                   <a:schemeClr val="bg1"/>
                 </a:solidFill>
               </a:rPr>
-              <a:t> </a:t>
-            </a:r>
-            <a:r>
-              <a:rPr lang="en-US" sz="2400" dirty="0" smtClean="0">
-                <a:solidFill>
-                  <a:schemeClr val="bg1"/>
-                </a:solidFill>
-              </a:rPr>
-              <a:t>------</a:t>
+              <a:t> ------</a:t>
             </a:r>
           </a:p>
           <a:p>
@@ -22040,7 +21667,7 @@
               <a:buSzPct val="25000"/>
             </a:pPr>
             <a:r>
-              <a:rPr lang="en-US" sz="2400" dirty="0" smtClean="0">
+              <a:rPr lang="en-US" sz="2400" dirty="0">
                 <a:solidFill>
                   <a:schemeClr val="bg1"/>
                 </a:solidFill>
@@ -22103,11 +21730,6 @@
               </a:rPr>
               <a:t> 'lib'; </a:t>
             </a:r>
-            <a:endParaRPr lang="en-US" sz="2400" dirty="0" smtClean="0">
-              <a:solidFill>
-                <a:schemeClr val="bg1"/>
-              </a:solidFill>
-            </a:endParaRPr>
           </a:p>
           <a:p>
             <a:pPr lvl="0">
@@ -22117,7 +21739,7 @@
               <a:buSzPct val="25000"/>
             </a:pPr>
             <a:r>
-              <a:rPr lang="en-US" sz="2400" b="1" dirty="0" err="1" smtClean="0">
+              <a:rPr lang="en-US" sz="2400" b="1" dirty="0" err="1">
                 <a:solidFill>
                   <a:schemeClr val="bg1"/>
                 </a:solidFill>
@@ -22125,7 +21747,7 @@
               <a:t>console</a:t>
             </a:r>
             <a:r>
-              <a:rPr lang="en-US" sz="2400" dirty="0" err="1" smtClean="0">
+              <a:rPr lang="en-US" sz="2400" dirty="0" err="1">
                 <a:solidFill>
                   <a:schemeClr val="bg1"/>
                 </a:solidFill>
@@ -22133,7 +21755,7 @@
               <a:t>.log</a:t>
             </a:r>
             <a:r>
-              <a:rPr lang="en-US" sz="2400" dirty="0" smtClean="0">
+              <a:rPr lang="en-US" sz="2400" dirty="0">
                 <a:solidFill>
                   <a:schemeClr val="bg1"/>
                 </a:solidFill>
@@ -22141,7 +21763,7 @@
               <a:t>(</a:t>
             </a:r>
             <a:r>
-              <a:rPr lang="en-US" sz="2400" dirty="0" smtClean="0">
+              <a:rPr lang="en-US" sz="2400" dirty="0">
                 <a:solidFill>
                   <a:srgbClr val="C00000"/>
                 </a:solidFill>
@@ -22149,26 +21771,13 @@
               <a:t>square</a:t>
             </a:r>
             <a:r>
-              <a:rPr lang="en-US" sz="2400" dirty="0" smtClean="0">
+              <a:rPr lang="en-US" sz="2400" dirty="0">
                 <a:solidFill>
                   <a:schemeClr val="bg1"/>
                 </a:solidFill>
               </a:rPr>
-              <a:t>(11</a:t>
-            </a:r>
-            <a:r>
-              <a:rPr lang="en-US" sz="2400" dirty="0">
-                <a:solidFill>
-                  <a:schemeClr val="bg1"/>
-                </a:solidFill>
-              </a:rPr>
-              <a:t>)); // 121 </a:t>
-            </a:r>
-            <a:endParaRPr lang="en-US" sz="2400" dirty="0" smtClean="0">
-              <a:solidFill>
-                <a:schemeClr val="bg1"/>
-              </a:solidFill>
-            </a:endParaRPr>
+              <a:t>(11)); // 121 </a:t>
+            </a:r>
           </a:p>
           <a:p>
             <a:pPr lvl="0">
@@ -22178,7 +21787,7 @@
               <a:buSzPct val="25000"/>
             </a:pPr>
             <a:r>
-              <a:rPr lang="en-US" sz="2400" b="1" dirty="0" err="1" smtClean="0">
+              <a:rPr lang="en-US" sz="2400" b="1" dirty="0" err="1">
                 <a:solidFill>
                   <a:schemeClr val="bg1"/>
                 </a:solidFill>
@@ -22186,7 +21795,7 @@
               <a:t>console</a:t>
             </a:r>
             <a:r>
-              <a:rPr lang="en-US" sz="2400" dirty="0" err="1" smtClean="0">
+              <a:rPr lang="en-US" sz="2400" dirty="0" err="1">
                 <a:solidFill>
                   <a:schemeClr val="bg1"/>
                 </a:solidFill>
@@ -22194,7 +21803,7 @@
               <a:t>.log</a:t>
             </a:r>
             <a:r>
-              <a:rPr lang="en-US" sz="2400" dirty="0" smtClean="0">
+              <a:rPr lang="en-US" sz="2400" dirty="0">
                 <a:solidFill>
                   <a:schemeClr val="bg1"/>
                 </a:solidFill>
@@ -22202,7 +21811,7 @@
               <a:t>(</a:t>
             </a:r>
             <a:r>
-              <a:rPr lang="en-US" sz="2400" dirty="0" err="1" smtClean="0">
+              <a:rPr lang="en-US" sz="2400" dirty="0" err="1">
                 <a:solidFill>
                   <a:srgbClr val="C00000"/>
                 </a:solidFill>
@@ -22210,20 +21819,12 @@
               <a:t>diag</a:t>
             </a:r>
             <a:r>
-              <a:rPr lang="en-US" sz="2400" dirty="0" smtClean="0">
+              <a:rPr lang="en-US" sz="2400" dirty="0">
                 <a:solidFill>
                   <a:schemeClr val="bg1"/>
                 </a:solidFill>
               </a:rPr>
-              <a:t>(4</a:t>
-            </a:r>
-            <a:r>
-              <a:rPr lang="en-US" sz="2400" dirty="0">
-                <a:solidFill>
-                  <a:schemeClr val="bg1"/>
-                </a:solidFill>
-              </a:rPr>
-              <a:t>, 3)); // 5</a:t>
+              <a:t>(4, 3)); // 5</a:t>
             </a:r>
             <a:endParaRPr lang="en-US" sz="2300" b="0" i="0" u="none" strike="noStrike" cap="none" dirty="0">
               <a:solidFill>
@@ -22242,13 +21843,6 @@
   <p:clrMapOvr>
     <a:masterClrMapping/>
   </p:clrMapOvr>
-  <p:timing>
-    <p:tnLst>
-      <p:par>
-        <p:cTn id="1" dur="indefinite" restart="never" nodeType="tmRoot"/>
-      </p:par>
-    </p:tnLst>
-  </p:timing>
 </p:sld>
 </file>
 
@@ -22462,15 +22056,6 @@
               </a:rPr>
               <a:t> helps </a:t>
             </a:r>
-            <a:endParaRPr lang="en-US" sz="2400" b="0" i="0" u="none" strike="noStrike" cap="none" dirty="0" smtClean="0">
-              <a:solidFill>
-                <a:srgbClr val="FFFFFF"/>
-              </a:solidFill>
-              <a:latin typeface="Helvetica Neue"/>
-              <a:ea typeface="Helvetica Neue"/>
-              <a:cs typeface="Helvetica Neue"/>
-              <a:sym typeface="Helvetica Neue"/>
-            </a:endParaRPr>
           </a:p>
           <a:p>
             <a:pPr lvl="3" indent="-279400"/>
@@ -22495,13 +22080,6 @@
   <p:clrMapOvr>
     <a:masterClrMapping/>
   </p:clrMapOvr>
-  <p:timing>
-    <p:tnLst>
-      <p:par>
-        <p:cTn id="1" dur="indefinite" restart="never" nodeType="tmRoot"/>
-      </p:par>
-    </p:tnLst>
-  </p:timing>
 </p:sld>
 </file>
 
@@ -23495,13 +23073,6 @@
   <p:clrMapOvr>
     <a:masterClrMapping/>
   </p:clrMapOvr>
-  <p:timing>
-    <p:tnLst>
-      <p:par>
-        <p:cTn id="1" dur="indefinite" restart="never" nodeType="tmRoot"/>
-      </p:par>
-    </p:tnLst>
-  </p:timing>
 </p:sld>
 </file>
 
@@ -23995,13 +23566,6 @@
   <p:clrMapOvr>
     <a:masterClrMapping/>
   </p:clrMapOvr>
-  <p:timing>
-    <p:tnLst>
-      <p:par>
-        <p:cTn id="1" dur="indefinite" restart="never" nodeType="tmRoot"/>
-      </p:par>
-    </p:tnLst>
-  </p:timing>
 </p:sld>
 </file>
 
@@ -24564,13 +24128,6 @@
   <p:clrMapOvr>
     <a:masterClrMapping/>
   </p:clrMapOvr>
-  <p:timing>
-    <p:tnLst>
-      <p:par>
-        <p:cTn id="1" dur="indefinite" restart="never" nodeType="tmRoot"/>
-      </p:par>
-    </p:tnLst>
-  </p:timing>
 </p:sld>
 </file>
 
@@ -24780,13 +24337,6 @@
   <p:clrMapOvr>
     <a:masterClrMapping/>
   </p:clrMapOvr>
-  <p:timing>
-    <p:tnLst>
-      <p:par>
-        <p:cTn id="1" dur="indefinite" restart="never" nodeType="tmRoot"/>
-      </p:par>
-    </p:tnLst>
-  </p:timing>
 </p:sld>
 </file>
 
@@ -24934,13 +24484,6 @@
   <p:clrMapOvr>
     <a:masterClrMapping/>
   </p:clrMapOvr>
-  <p:timing>
-    <p:tnLst>
-      <p:par>
-        <p:cTn id="1" dur="indefinite" restart="never" nodeType="tmRoot"/>
-      </p:par>
-    </p:tnLst>
-  </p:timing>
 </p:sld>
 </file>
 
@@ -25602,13 +25145,6 @@
   <p:clrMapOvr>
     <a:masterClrMapping/>
   </p:clrMapOvr>
-  <p:timing>
-    <p:tnLst>
-      <p:par>
-        <p:cTn id="1" dur="indefinite" restart="never" nodeType="tmRoot"/>
-      </p:par>
-    </p:tnLst>
-  </p:timing>
 </p:sld>
 </file>
 
@@ -26217,13 +25753,6 @@
   <p:clrMapOvr>
     <a:masterClrMapping/>
   </p:clrMapOvr>
-  <p:timing>
-    <p:tnLst>
-      <p:par>
-        <p:cTn id="1" dur="indefinite" restart="never" nodeType="tmRoot"/>
-      </p:par>
-    </p:tnLst>
-  </p:timing>
 </p:sld>
 </file>
 
@@ -26260,10 +25789,9 @@
           <a:lstStyle/>
           <a:p>
             <a:r>
-              <a:rPr lang="en-US" dirty="0" smtClean="0"/>
+              <a:rPr lang="en-US" dirty="0"/>
               <a:t>Map</a:t>
             </a:r>
-            <a:endParaRPr lang="en-US" dirty="0"/>
           </a:p>
         </p:txBody>
       </p:sp>
@@ -26294,16 +25822,12 @@
               <a:t> </a:t>
             </a:r>
             <a:r>
-              <a:rPr lang="en-US" dirty="0" err="1" smtClean="0"/>
+              <a:rPr lang="en-US" dirty="0" err="1"/>
               <a:t>newMap</a:t>
             </a:r>
             <a:r>
-              <a:rPr lang="en-US" dirty="0" smtClean="0"/>
-              <a:t> </a:t>
-            </a:r>
-            <a:r>
               <a:rPr lang="en-US" dirty="0"/>
-              <a:t>= new </a:t>
+              <a:t> = new </a:t>
             </a:r>
             <a:r>
               <a:rPr lang="en-US" dirty="0">
@@ -26311,29 +25835,17 @@
                   <a:srgbClr val="C00000"/>
                 </a:solidFill>
               </a:rPr>
-              <a:t>Map</a:t>
-            </a:r>
-            <a:r>
-              <a:rPr lang="en-US" dirty="0" smtClean="0">
-                <a:solidFill>
-                  <a:srgbClr val="C00000"/>
-                </a:solidFill>
-              </a:rPr>
-              <a:t>( )</a:t>
-            </a:r>
-            <a:r>
-              <a:rPr lang="en-US" dirty="0" smtClean="0"/>
+              <a:t>Map( )</a:t>
+            </a:r>
+            <a:r>
+              <a:rPr lang="en-US" dirty="0"/>
               <a:t>;</a:t>
-            </a:r>
-            <a:r>
-              <a:rPr lang="en-US" dirty="0"/>
-              <a:t/>
             </a:r>
             <a:br>
               <a:rPr lang="en-US" dirty="0"/>
             </a:br>
             <a:r>
-              <a:rPr lang="en-US" dirty="0" err="1" smtClean="0"/>
+              <a:rPr lang="en-US" dirty="0" err="1"/>
               <a:t>newMap.set</a:t>
             </a:r>
             <a:r>
@@ -26344,7 +25856,7 @@
               <a:rPr lang="en-US" dirty="0"/>
             </a:br>
             <a:r>
-              <a:rPr lang="en-US" dirty="0" err="1" smtClean="0"/>
+              <a:rPr lang="en-US" dirty="0" err="1"/>
               <a:t>newMap.set</a:t>
             </a:r>
             <a:r>
@@ -26355,7 +25867,7 @@
               <a:rPr lang="en-US" dirty="0"/>
             </a:br>
             <a:r>
-              <a:rPr lang="en-US" dirty="0" err="1" smtClean="0"/>
+              <a:rPr lang="en-US" dirty="0" err="1"/>
               <a:t>newMap.set</a:t>
             </a:r>
             <a:r>
@@ -26368,11 +25880,7 @@
             </a:r>
             <a:r>
               <a:rPr lang="en-US" dirty="0"/>
-              <a:t>', 'ruby', 'python</a:t>
-            </a:r>
-            <a:r>
-              <a:rPr lang="en-US" dirty="0" smtClean="0"/>
-              <a:t>']);</a:t>
+              <a:t>', 'ruby', 'python']);</a:t>
             </a:r>
           </a:p>
           <a:p>
@@ -26385,39 +25893,23 @@
                   <a:srgbClr val="FFC000"/>
                 </a:solidFill>
               </a:rPr>
-              <a:t>n</a:t>
-            </a:r>
-            <a:r>
-              <a:rPr lang="en-US" dirty="0" err="1" smtClean="0">
+              <a:t>newMap.get</a:t>
+            </a:r>
+            <a:r>
+              <a:rPr lang="en-US" dirty="0">
                 <a:solidFill>
                   <a:srgbClr val="FFC000"/>
                 </a:solidFill>
               </a:rPr>
-              <a:t>ewMap.get</a:t>
+              <a:t>('name'); </a:t>
             </a:r>
             <a:r>
               <a:rPr lang="en-US" dirty="0">
                 <a:solidFill>
-                  <a:srgbClr val="FFC000"/>
-                </a:solidFill>
-              </a:rPr>
-              <a:t>('name'); </a:t>
-            </a:r>
-            <a:r>
-              <a:rPr lang="en-US" dirty="0">
-                <a:solidFill>
                   <a:srgbClr val="FFFF00"/>
                 </a:solidFill>
               </a:rPr>
               <a:t>// John</a:t>
-            </a:r>
-            <a:r>
-              <a:rPr lang="en-US" dirty="0">
-                <a:solidFill>
-                  <a:srgbClr val="FFC000"/>
-                </a:solidFill>
-              </a:rPr>
-              <a:t/>
             </a:r>
             <a:br>
               <a:rPr lang="en-US" dirty="0">
@@ -26427,7 +25919,7 @@
               </a:rPr>
             </a:br>
             <a:r>
-              <a:rPr lang="en-US" dirty="0" err="1" smtClean="0">
+              <a:rPr lang="en-US" dirty="0" err="1">
                 <a:solidFill>
                   <a:srgbClr val="FFC000"/>
                 </a:solidFill>
@@ -26449,14 +25941,6 @@
                 </a:solidFill>
               </a:rPr>
               <a:t>// 2345796</a:t>
-            </a:r>
-            <a:r>
-              <a:rPr lang="en-US" dirty="0">
-                <a:solidFill>
-                  <a:srgbClr val="FFC000"/>
-                </a:solidFill>
-              </a:rPr>
-              <a:t/>
             </a:r>
             <a:br>
               <a:rPr lang="en-US" dirty="0">
@@ -26466,7 +25950,7 @@
               </a:rPr>
             </a:br>
             <a:r>
-              <a:rPr lang="en-US" dirty="0" err="1" smtClean="0">
+              <a:rPr lang="en-US" dirty="0" err="1">
                 <a:solidFill>
                   <a:srgbClr val="FFC000"/>
                 </a:solidFill>
@@ -26518,13 +26002,6 @@
   <p:clrMapOvr>
     <a:masterClrMapping/>
   </p:clrMapOvr>
-  <p:timing>
-    <p:tnLst>
-      <p:par>
-        <p:cTn id="1" dur="indefinite" restart="never" nodeType="tmRoot"/>
-      </p:par>
-    </p:tnLst>
-  </p:timing>
 </p:sld>
 </file>
 
@@ -26561,10 +26038,9 @@
           <a:lstStyle/>
           <a:p>
             <a:r>
-              <a:rPr lang="en-US" dirty="0" smtClean="0"/>
+              <a:rPr lang="en-US" dirty="0"/>
               <a:t>Set</a:t>
             </a:r>
-            <a:endParaRPr lang="en-US" dirty="0"/>
           </a:p>
         </p:txBody>
       </p:sp>
@@ -26592,37 +26068,25 @@
             </a:r>
             <a:r>
               <a:rPr lang="en-US" dirty="0"/>
-              <a:t> </a:t>
-            </a:r>
-            <a:r>
-              <a:rPr lang="en-US" dirty="0" smtClean="0"/>
-              <a:t>set </a:t>
+              <a:t> set = new </a:t>
+            </a:r>
+            <a:r>
+              <a:rPr lang="en-US" dirty="0">
+                <a:solidFill>
+                  <a:srgbClr val="C00000"/>
+                </a:solidFill>
+              </a:rPr>
+              <a:t>Set( )</a:t>
             </a:r>
             <a:r>
               <a:rPr lang="en-US" dirty="0"/>
-              <a:t>= new </a:t>
-            </a:r>
-            <a:r>
-              <a:rPr lang="en-US" dirty="0" smtClean="0">
-                <a:solidFill>
-                  <a:srgbClr val="C00000"/>
-                </a:solidFill>
-              </a:rPr>
-              <a:t>Set( )</a:t>
-            </a:r>
-            <a:r>
-              <a:rPr lang="en-US" dirty="0" smtClean="0"/>
               <a:t>;</a:t>
-            </a:r>
-            <a:r>
-              <a:rPr lang="en-US" dirty="0"/>
-              <a:t/>
             </a:r>
             <a:br>
               <a:rPr lang="en-US" dirty="0"/>
             </a:br>
             <a:r>
-              <a:rPr lang="en-US" dirty="0" err="1" smtClean="0"/>
+              <a:rPr lang="en-US" dirty="0" err="1"/>
               <a:t>set.set</a:t>
             </a:r>
             <a:r>
@@ -26633,7 +26097,7 @@
               <a:rPr lang="en-US" dirty="0"/>
             </a:br>
             <a:r>
-              <a:rPr lang="en-US" dirty="0" err="1" smtClean="0"/>
+              <a:rPr lang="en-US" dirty="0" err="1"/>
               <a:t>set.set</a:t>
             </a:r>
             <a:r>
@@ -26644,39 +26108,31 @@
               <a:rPr lang="en-US" dirty="0"/>
             </a:br>
             <a:r>
-              <a:rPr lang="en-US" dirty="0" err="1" smtClean="0"/>
+              <a:rPr lang="en-US" dirty="0" err="1"/>
               <a:t>set.set</a:t>
             </a:r>
             <a:r>
-              <a:rPr lang="en-US" dirty="0" smtClean="0"/>
-              <a:t>(1</a:t>
-            </a:r>
-            <a:r>
               <a:rPr lang="en-US" dirty="0"/>
-              <a:t>, 'number one');</a:t>
+              <a:t>(1, 'number one');</a:t>
             </a:r>
             <a:br>
               <a:rPr lang="en-US" dirty="0"/>
             </a:br>
             <a:r>
-              <a:rPr lang="en-US" dirty="0" err="1" smtClean="0"/>
+              <a:rPr lang="en-US" dirty="0" err="1"/>
               <a:t>set.set</a:t>
             </a:r>
             <a:r>
-              <a:rPr lang="en-US" dirty="0" smtClean="0"/>
+              <a:rPr lang="en-US" dirty="0"/>
               <a:t>(</a:t>
             </a:r>
             <a:r>
-              <a:rPr lang="en-US" dirty="0" err="1" smtClean="0"/>
+              <a:rPr lang="en-US" dirty="0" err="1"/>
               <a:t>NaN</a:t>
             </a:r>
             <a:r>
               <a:rPr lang="en-US" dirty="0"/>
-              <a:t>, 'No value</a:t>
-            </a:r>
-            <a:r>
-              <a:rPr lang="en-US" dirty="0" smtClean="0"/>
-              <a:t>');</a:t>
+              <a:t>, 'No value');</a:t>
             </a:r>
           </a:p>
           <a:p>
@@ -26684,7 +26140,7 @@
               <a:buNone/>
             </a:pPr>
             <a:r>
-              <a:rPr lang="en-US" dirty="0" err="1" smtClean="0">
+              <a:rPr lang="en-US" dirty="0" err="1">
                 <a:solidFill>
                   <a:srgbClr val="FFC000"/>
                 </a:solidFill>
@@ -26709,15 +26165,7 @@
                   <a:srgbClr val="FFFF00"/>
                 </a:solidFill>
               </a:rPr>
-              <a:t>// Andy</a:t>
-            </a:r>
-            <a:r>
-              <a:rPr lang="en-US" dirty="0" smtClean="0">
-                <a:solidFill>
-                  <a:srgbClr val="FFFF00"/>
-                </a:solidFill>
-              </a:rPr>
-              <a:t>. </a:t>
+              <a:t>// Andy. </a:t>
             </a:r>
             <a:r>
               <a:rPr lang="en-US" sz="1800" dirty="0">
@@ -26726,16 +26174,12 @@
                 </a:solidFill>
               </a:rPr>
               <a:t>Note John is replaced by Andy.</a:t>
-            </a:r>
-            <a:r>
-              <a:rPr lang="en-US" dirty="0"/>
-              <a:t/>
             </a:r>
             <a:br>
               <a:rPr lang="en-US" dirty="0"/>
             </a:br>
             <a:r>
-              <a:rPr lang="en-US" dirty="0" err="1" smtClean="0">
+              <a:rPr lang="en-US" dirty="0" err="1">
                 <a:solidFill>
                   <a:srgbClr val="FFC000"/>
                 </a:solidFill>
@@ -26743,36 +26187,20 @@
               <a:t>set.get</a:t>
             </a:r>
             <a:r>
-              <a:rPr lang="en-US" dirty="0" smtClean="0">
+              <a:rPr lang="en-US" dirty="0">
                 <a:solidFill>
                   <a:srgbClr val="FFC000"/>
                 </a:solidFill>
               </a:rPr>
-              <a:t>(1</a:t>
+              <a:t>(1); </a:t>
             </a:r>
             <a:r>
               <a:rPr lang="en-US" dirty="0">
                 <a:solidFill>
-                  <a:srgbClr val="FFC000"/>
-                </a:solidFill>
-              </a:rPr>
-              <a:t>); </a:t>
-            </a:r>
-            <a:r>
-              <a:rPr lang="en-US" dirty="0">
-                <a:solidFill>
                   <a:srgbClr val="FFFF00"/>
                 </a:solidFill>
               </a:rPr>
               <a:t>// number one</a:t>
-            </a:r>
-            <a:r>
-              <a:rPr lang="en-US" dirty="0">
-                <a:solidFill>
-                  <a:srgbClr val="FFC000"/>
-                </a:solidFill>
-              </a:rPr>
-              <a:t/>
             </a:r>
             <a:br>
               <a:rPr lang="en-US" dirty="0">
@@ -26782,7 +26210,7 @@
               </a:rPr>
             </a:br>
             <a:r>
-              <a:rPr lang="en-US" dirty="0" err="1" smtClean="0">
+              <a:rPr lang="en-US" dirty="0" err="1">
                 <a:solidFill>
                   <a:srgbClr val="FFC000"/>
                 </a:solidFill>
@@ -26790,7 +26218,7 @@
               <a:t>set.get</a:t>
             </a:r>
             <a:r>
-              <a:rPr lang="en-US" dirty="0" smtClean="0">
+              <a:rPr lang="en-US" dirty="0">
                 <a:solidFill>
                   <a:srgbClr val="FFC000"/>
                 </a:solidFill>
@@ -26798,7 +26226,7 @@
               <a:t>(</a:t>
             </a:r>
             <a:r>
-              <a:rPr lang="en-US" dirty="0" err="1" smtClean="0">
+              <a:rPr lang="en-US" dirty="0" err="1">
                 <a:solidFill>
                   <a:srgbClr val="FFC000"/>
                 </a:solidFill>
@@ -26834,13 +26262,6 @@
   <p:clrMapOvr>
     <a:masterClrMapping/>
   </p:clrMapOvr>
-  <p:timing>
-    <p:tnLst>
-      <p:par>
-        <p:cTn id="1" dur="indefinite" restart="never" nodeType="tmRoot"/>
-      </p:par>
-    </p:tnLst>
-  </p:timing>
 </p:sld>
 </file>
 
@@ -26978,31 +26399,7 @@
                 <a:cs typeface="Helvetica Neue"/>
                 <a:sym typeface="Helvetica Neue"/>
               </a:rPr>
-              <a:t>Symbols, generators, </a:t>
-            </a:r>
-            <a:r>
-              <a:rPr lang="en-US" sz="2400" b="0" i="0" u="none" strike="noStrike" cap="none" dirty="0" smtClean="0">
-                <a:solidFill>
-                  <a:srgbClr val="FFFFFF"/>
-                </a:solidFill>
-                <a:latin typeface="Helvetica Neue"/>
-                <a:ea typeface="Helvetica Neue"/>
-                <a:cs typeface="Helvetica Neue"/>
-                <a:sym typeface="Helvetica Neue"/>
-              </a:rPr>
-              <a:t>Weak </a:t>
-            </a:r>
-            <a:r>
-              <a:rPr lang="en-US" sz="2400" b="0" i="0" u="none" strike="noStrike" cap="none" dirty="0">
-                <a:solidFill>
-                  <a:srgbClr val="FFFFFF"/>
-                </a:solidFill>
-                <a:latin typeface="Helvetica Neue"/>
-                <a:ea typeface="Helvetica Neue"/>
-                <a:cs typeface="Helvetica Neue"/>
-                <a:sym typeface="Helvetica Neue"/>
-              </a:rPr>
-              <a:t>Link datasets</a:t>
+              <a:t>Symbols, generators, Weak Link datasets</a:t>
             </a:r>
           </a:p>
           <a:p>
@@ -27110,13 +26507,6 @@
   <p:clrMapOvr>
     <a:masterClrMapping/>
   </p:clrMapOvr>
-  <p:timing>
-    <p:tnLst>
-      <p:par>
-        <p:cTn id="1" dur="indefinite" restart="never" nodeType="tmRoot"/>
-      </p:par>
-    </p:tnLst>
-  </p:timing>
 </p:sld>
 </file>
 
@@ -27184,22 +26574,10 @@
               <a:buNone/>
             </a:pPr>
             <a:r>
-              <a:rPr lang="en-US" sz="4800" dirty="0" err="1" smtClean="0"/>
+              <a:rPr lang="en-US" sz="4800" dirty="0" err="1"/>
               <a:t>Opdracht</a:t>
             </a:r>
             <a:r>
-              <a:rPr lang="en-US" sz="4800" b="0" i="0" u="none" strike="noStrike" cap="none" dirty="0" smtClean="0">
-                <a:solidFill>
-                  <a:srgbClr val="FFFFFF"/>
-                </a:solidFill>
-                <a:latin typeface="Helvetica Neue"/>
-                <a:ea typeface="Helvetica Neue"/>
-                <a:cs typeface="Helvetica Neue"/>
-                <a:sym typeface="Helvetica Neue"/>
-              </a:rPr>
-              <a:t> </a:t>
-            </a:r>
-            <a:r>
               <a:rPr lang="en-US" sz="4800" b="0" i="0" u="none" strike="noStrike" cap="none" dirty="0">
                 <a:solidFill>
                   <a:srgbClr val="FFFFFF"/>
@@ -27209,7 +26587,7 @@
                 <a:cs typeface="Helvetica Neue"/>
                 <a:sym typeface="Helvetica Neue"/>
               </a:rPr>
-              <a:t>ES6</a:t>
+              <a:t> ES6</a:t>
             </a:r>
           </a:p>
         </p:txBody>
@@ -27270,22 +26648,10 @@
                 <a:cs typeface="Helvetica Neue"/>
                 <a:sym typeface="Helvetica Neue"/>
               </a:rPr>
-              <a:t>Change your solutions for week </a:t>
-            </a:r>
-            <a:r>
-              <a:rPr lang="en-US" sz="2400" b="0" i="0" u="none" strike="noStrike" cap="none" dirty="0" smtClean="0">
-                <a:solidFill>
-                  <a:srgbClr val="92D050"/>
-                </a:solidFill>
-                <a:latin typeface="Helvetica Neue"/>
-                <a:ea typeface="Helvetica Neue"/>
-                <a:cs typeface="Helvetica Neue"/>
-                <a:sym typeface="Helvetica Neue"/>
-              </a:rPr>
-              <a:t>1</a:t>
-            </a:r>
-            <a:r>
-              <a:rPr lang="en-US" dirty="0" smtClean="0"/>
+              <a:t>Change your solutions for week 1</a:t>
+            </a:r>
+            <a:r>
+              <a:rPr lang="en-US" dirty="0"/>
               <a:t>:</a:t>
             </a:r>
           </a:p>
@@ -27324,18 +26690,6 @@
               </a:spcBef>
             </a:pPr>
             <a:r>
-              <a:rPr lang="en-US" b="0" i="0" u="none" strike="noStrike" cap="none" dirty="0" smtClean="0">
-                <a:solidFill>
-                  <a:srgbClr val="FFFFFF"/>
-                </a:solidFill>
-                <a:latin typeface="Helvetica Neue"/>
-                <a:ea typeface="Helvetica Neue"/>
-                <a:cs typeface="Helvetica Neue"/>
-                <a:sym typeface="Helvetica Neue"/>
-              </a:rPr>
-              <a:t> You </a:t>
-            </a:r>
-            <a:r>
               <a:rPr lang="en-US" b="0" i="0" u="none" strike="noStrike" cap="none" dirty="0">
                 <a:solidFill>
                   <a:srgbClr val="FFFFFF"/>
@@ -27345,7 +26699,7 @@
                 <a:cs typeface="Helvetica Neue"/>
                 <a:sym typeface="Helvetica Neue"/>
               </a:rPr>
-              <a:t>are </a:t>
+              <a:t> You are </a:t>
             </a:r>
             <a:r>
               <a:rPr lang="en-US" b="0" i="0" u="none" strike="noStrike" cap="none" dirty="0">
@@ -27431,18 +26785,6 @@
               <a:buChar char="•"/>
             </a:pPr>
             <a:r>
-              <a:rPr lang="en-US" sz="2400" b="0" i="0" u="none" strike="noStrike" cap="none" dirty="0" smtClean="0">
-                <a:solidFill>
-                  <a:srgbClr val="FFFFFF"/>
-                </a:solidFill>
-                <a:latin typeface="Helvetica Neue"/>
-                <a:ea typeface="Helvetica Neue"/>
-                <a:cs typeface="Helvetica Neue"/>
-                <a:sym typeface="Helvetica Neue"/>
-              </a:rPr>
-              <a:t>Only </a:t>
-            </a:r>
-            <a:r>
               <a:rPr lang="en-US" sz="2400" b="0" i="0" u="none" strike="noStrike" cap="none" dirty="0">
                 <a:solidFill>
                   <a:srgbClr val="FFFFFF"/>
@@ -27452,7 +26794,7 @@
                 <a:cs typeface="Helvetica Neue"/>
                 <a:sym typeface="Helvetica Neue"/>
               </a:rPr>
-              <a:t>use </a:t>
+              <a:t>Only use </a:t>
             </a:r>
             <a:r>
               <a:rPr lang="en-US" sz="2400" b="0" i="0" u="none" strike="noStrike" cap="none" dirty="0">
@@ -27512,25 +26854,13 @@
                 <a:cs typeface="Helvetica Neue"/>
                 <a:sym typeface="Helvetica Neue"/>
               </a:rPr>
-              <a:t>‘let</a:t>
-            </a:r>
-            <a:r>
-              <a:rPr lang="en-US" sz="2400" b="0" i="0" u="none" strike="noStrike" cap="none" dirty="0" smtClean="0">
-                <a:solidFill>
-                  <a:srgbClr val="92D050"/>
-                </a:solidFill>
-                <a:latin typeface="Helvetica Neue"/>
-                <a:ea typeface="Helvetica Neue"/>
-                <a:cs typeface="Helvetica Neue"/>
-                <a:sym typeface="Helvetica Neue"/>
-              </a:rPr>
-              <a:t>’</a:t>
+              <a:t>‘let’</a:t>
             </a:r>
           </a:p>
           <a:p>
             <a:pPr lvl="1" indent="-279400"/>
             <a:r>
-              <a:rPr lang="en-US" dirty="0" smtClean="0"/>
+              <a:rPr lang="en-US" dirty="0"/>
               <a:t>HINT: </a:t>
             </a:r>
             <a:r>
@@ -27571,13 +26901,6 @@
   <p:clrMapOvr>
     <a:masterClrMapping/>
   </p:clrMapOvr>
-  <p:timing>
-    <p:tnLst>
-      <p:par>
-        <p:cTn id="1" dur="indefinite" restart="never" nodeType="tmRoot"/>
-      </p:par>
-    </p:tnLst>
-  </p:timing>
 </p:sld>
 </file>
 
@@ -27818,13 +27141,6 @@
   <p:clrMapOvr>
     <a:masterClrMapping/>
   </p:clrMapOvr>
-  <p:timing>
-    <p:tnLst>
-      <p:par>
-        <p:cTn id="1" dur="indefinite" restart="never" nodeType="tmRoot"/>
-      </p:par>
-    </p:tnLst>
-  </p:timing>
 </p:sld>
 </file>
 
@@ -27861,7 +27177,7 @@
           <a:lstStyle/>
           <a:p>
             <a:r>
-              <a:rPr lang="nl-NL" dirty="0" smtClean="0">
+              <a:rPr lang="nl-NL" dirty="0">
                 <a:solidFill>
                   <a:srgbClr val="FFC000"/>
                 </a:solidFill>
@@ -27888,37 +27204,27 @@
           <a:lstStyle/>
           <a:p>
             <a:r>
-              <a:rPr lang="en-US" dirty="0" smtClean="0"/>
-              <a:t>ES6 </a:t>
-            </a:r>
-            <a:r>
               <a:rPr lang="en-US" dirty="0"/>
-              <a:t>superset of </a:t>
-            </a:r>
-            <a:r>
-              <a:rPr lang="en-US" dirty="0" smtClean="0"/>
-              <a:t>ES5 </a:t>
-            </a:r>
-            <a:endParaRPr lang="en-US" dirty="0"/>
-          </a:p>
-          <a:p>
-            <a:r>
-              <a:rPr lang="nl-NL" dirty="0" err="1" smtClean="0"/>
+              <a:t>ES6 superset of ES5 </a:t>
+            </a:r>
+          </a:p>
+          <a:p>
+            <a:r>
+              <a:rPr lang="nl-NL" dirty="0" err="1"/>
               <a:t>Transpile</a:t>
             </a:r>
             <a:r>
-              <a:rPr lang="nl-NL" dirty="0" smtClean="0"/>
+              <a:rPr lang="nl-NL" dirty="0"/>
               <a:t> ES6 </a:t>
             </a:r>
             <a:r>
-              <a:rPr lang="nl-NL" dirty="0" err="1" smtClean="0"/>
+              <a:rPr lang="nl-NL" dirty="0" err="1"/>
               <a:t>to</a:t>
             </a:r>
             <a:r>
-              <a:rPr lang="nl-NL" dirty="0" smtClean="0"/>
+              <a:rPr lang="nl-NL" dirty="0"/>
               <a:t> ES5</a:t>
             </a:r>
-            <a:endParaRPr lang="nl-NL" dirty="0"/>
           </a:p>
         </p:txBody>
       </p:sp>
@@ -27986,14 +27292,6 @@
   <p:clrMapOvr>
     <a:masterClrMapping/>
   </p:clrMapOvr>
-  <mc:AlternateContent xmlns:mc="http://schemas.openxmlformats.org/markup-compatibility/2006" xmlns:p14="http://schemas.microsoft.com/office/powerpoint/2010/main">
-    <mc:Choice Requires="p14">
-      <p:transition spd="slow" p14:dur="2000"/>
-    </mc:Choice>
-    <mc:Fallback xmlns="">
-      <p:transition spd="slow"/>
-    </mc:Fallback>
-  </mc:AlternateContent>
   <p:timing>
     <p:tnLst>
       <p:par>
@@ -28300,7 +27598,7 @@
               <a:buNone/>
             </a:pPr>
             <a:r>
-              <a:rPr lang="en-US" sz="5200" b="0" i="0" u="none" strike="noStrike" cap="none" dirty="0" smtClean="0">
+              <a:rPr lang="en-US" sz="5200" b="0" i="0" u="none" strike="noStrike" cap="none" dirty="0">
                 <a:solidFill>
                   <a:srgbClr val="FFFFFF"/>
                 </a:solidFill>
@@ -28311,15 +27609,6 @@
               </a:rPr>
               <a:t>ES6 Support</a:t>
             </a:r>
-            <a:endParaRPr lang="en-US" sz="5200" b="0" i="0" u="none" strike="noStrike" cap="none" dirty="0">
-              <a:solidFill>
-                <a:srgbClr val="FFFFFF"/>
-              </a:solidFill>
-              <a:latin typeface="Helvetica Neue"/>
-              <a:ea typeface="Helvetica Neue"/>
-              <a:cs typeface="Helvetica Neue"/>
-              <a:sym typeface="Helvetica Neue"/>
-            </a:endParaRPr>
           </a:p>
         </p:txBody>
       </p:sp>
@@ -28466,13 +27755,6 @@
   <p:clrMapOvr>
     <a:masterClrMapping/>
   </p:clrMapOvr>
-  <p:timing>
-    <p:tnLst>
-      <p:par>
-        <p:cTn id="1" dur="indefinite" restart="never" nodeType="tmRoot"/>
-      </p:par>
-    </p:tnLst>
-  </p:timing>
 </p:sld>
 </file>
 
@@ -28559,13 +27841,6 @@
   <p:clrMapOvr>
     <a:masterClrMapping/>
   </p:clrMapOvr>
-  <p:timing>
-    <p:tnLst>
-      <p:par>
-        <p:cTn id="1" dur="indefinite" restart="never" nodeType="tmRoot"/>
-      </p:par>
-    </p:tnLst>
-  </p:timing>
 </p:sld>
 </file>
 
@@ -28713,13 +27988,6 @@
   <p:clrMapOvr>
     <a:masterClrMapping/>
   </p:clrMapOvr>
-  <p:timing>
-    <p:tnLst>
-      <p:par>
-        <p:cTn id="1" dur="indefinite" restart="never" nodeType="tmRoot"/>
-      </p:par>
-    </p:tnLst>
-  </p:timing>
 </p:sld>
 </file>
 
@@ -28848,18 +28116,6 @@
               <a:buChar char="•"/>
             </a:pPr>
             <a:r>
-              <a:rPr lang="en-US" sz="2400" b="0" i="0" u="none" strike="noStrike" cap="none" dirty="0" smtClean="0">
-                <a:solidFill>
-                  <a:srgbClr val="FFFFFF"/>
-                </a:solidFill>
-                <a:latin typeface="Helvetica Neue"/>
-                <a:ea typeface="Helvetica Neue"/>
-                <a:cs typeface="Helvetica Neue"/>
-                <a:sym typeface="Helvetica Neue"/>
-              </a:rPr>
-              <a:t>Block </a:t>
-            </a:r>
-            <a:r>
               <a:rPr lang="en-US" sz="2400" b="0" i="0" u="none" strike="noStrike" cap="none" dirty="0">
                 <a:solidFill>
                   <a:srgbClr val="FFFFFF"/>
@@ -28869,7 +28125,7 @@
                 <a:cs typeface="Helvetica Neue"/>
                 <a:sym typeface="Helvetica Neue"/>
               </a:rPr>
-              <a:t>scoped instead of function scoped</a:t>
+              <a:t>Block scoped instead of function scoped</a:t>
             </a:r>
           </a:p>
           <a:p>
@@ -28953,13 +28209,6 @@
   <p:clrMapOvr>
     <a:masterClrMapping/>
   </p:clrMapOvr>
-  <p:timing>
-    <p:tnLst>
-      <p:par>
-        <p:cTn id="1" dur="indefinite" restart="never" nodeType="tmRoot"/>
-      </p:par>
-    </p:tnLst>
-  </p:timing>
 </p:sld>
 </file>
 

--- a/frontend-cursus/ 4 - ECMAScript 6 node-browser.pptx
+++ b/frontend-cursus/ 4 - ECMAScript 6 node-browser.pptx
@@ -5,7 +5,7 @@
     <p:sldMasterId id="2147483660" r:id="rId1"/>
   </p:sldMasterIdLst>
   <p:notesMasterIdLst>
-    <p:notesMasterId r:id="rId37"/>
+    <p:notesMasterId r:id="rId38"/>
   </p:notesMasterIdLst>
   <p:sldIdLst>
     <p:sldId id="256" r:id="rId2"/>
@@ -17,32 +17,33 @@
     <p:sldId id="261" r:id="rId8"/>
     <p:sldId id="262" r:id="rId9"/>
     <p:sldId id="263" r:id="rId10"/>
-    <p:sldId id="264" r:id="rId11"/>
-    <p:sldId id="265" r:id="rId12"/>
-    <p:sldId id="266" r:id="rId13"/>
-    <p:sldId id="267" r:id="rId14"/>
-    <p:sldId id="298" r:id="rId15"/>
-    <p:sldId id="297" r:id="rId16"/>
-    <p:sldId id="268" r:id="rId17"/>
-    <p:sldId id="269" r:id="rId18"/>
-    <p:sldId id="270" r:id="rId19"/>
-    <p:sldId id="271" r:id="rId20"/>
-    <p:sldId id="272" r:id="rId21"/>
-    <p:sldId id="273" r:id="rId22"/>
-    <p:sldId id="274" r:id="rId23"/>
-    <p:sldId id="275" r:id="rId24"/>
-    <p:sldId id="276" r:id="rId25"/>
-    <p:sldId id="277" r:id="rId26"/>
-    <p:sldId id="278" r:id="rId27"/>
-    <p:sldId id="279" r:id="rId28"/>
-    <p:sldId id="280" r:id="rId29"/>
-    <p:sldId id="281" r:id="rId30"/>
-    <p:sldId id="282" r:id="rId31"/>
-    <p:sldId id="285" r:id="rId32"/>
-    <p:sldId id="300" r:id="rId33"/>
-    <p:sldId id="299" r:id="rId34"/>
-    <p:sldId id="286" r:id="rId35"/>
-    <p:sldId id="287" r:id="rId36"/>
+    <p:sldId id="302" r:id="rId11"/>
+    <p:sldId id="264" r:id="rId12"/>
+    <p:sldId id="265" r:id="rId13"/>
+    <p:sldId id="266" r:id="rId14"/>
+    <p:sldId id="267" r:id="rId15"/>
+    <p:sldId id="298" r:id="rId16"/>
+    <p:sldId id="297" r:id="rId17"/>
+    <p:sldId id="268" r:id="rId18"/>
+    <p:sldId id="269" r:id="rId19"/>
+    <p:sldId id="270" r:id="rId20"/>
+    <p:sldId id="271" r:id="rId21"/>
+    <p:sldId id="272" r:id="rId22"/>
+    <p:sldId id="273" r:id="rId23"/>
+    <p:sldId id="274" r:id="rId24"/>
+    <p:sldId id="275" r:id="rId25"/>
+    <p:sldId id="276" r:id="rId26"/>
+    <p:sldId id="277" r:id="rId27"/>
+    <p:sldId id="278" r:id="rId28"/>
+    <p:sldId id="279" r:id="rId29"/>
+    <p:sldId id="280" r:id="rId30"/>
+    <p:sldId id="281" r:id="rId31"/>
+    <p:sldId id="282" r:id="rId32"/>
+    <p:sldId id="285" r:id="rId33"/>
+    <p:sldId id="300" r:id="rId34"/>
+    <p:sldId id="299" r:id="rId35"/>
+    <p:sldId id="286" r:id="rId36"/>
+    <p:sldId id="287" r:id="rId37"/>
   </p:sldIdLst>
   <p:sldSz cx="9144000" cy="5143500" type="screen16x9"/>
   <p:notesSz cx="6858000" cy="9144000"/>
@@ -6609,7 +6610,7 @@
           <a:p>
             <a:fld id="{35F65C51-E4BF-4FAD-97FA-C994B8CE38B5}" type="datetimeFigureOut">
               <a:rPr lang="nl-NL" smtClean="0"/>
-              <a:t>04-04-19</a:t>
+              <a:t>10-04-19</a:t>
             </a:fld>
             <a:endParaRPr lang="nl-NL"/>
           </a:p>
@@ -13397,6 +13398,86 @@
   <p:cSld>
     <p:spTree>
       <p:nvGrpSpPr>
+        <p:cNvPr id="1" name=""/>
+        <p:cNvGrpSpPr/>
+        <p:nvPr/>
+      </p:nvGrpSpPr>
+      <p:grpSpPr>
+        <a:xfrm>
+          <a:off x="0" y="0"/>
+          <a:ext cx="0" cy="0"/>
+          <a:chOff x="0" y="0"/>
+          <a:chExt cx="0" cy="0"/>
+        </a:xfrm>
+      </p:grpSpPr>
+      <p:sp>
+        <p:nvSpPr>
+          <p:cNvPr id="2" name="Title 1">
+            <a:extLst>
+              <a:ext uri="{FF2B5EF4-FFF2-40B4-BE49-F238E27FC236}">
+                <a16:creationId xmlns:a16="http://schemas.microsoft.com/office/drawing/2014/main" id="{4DDFC281-EC5E-5A4D-8E64-E425B1A48052}"/>
+              </a:ext>
+            </a:extLst>
+          </p:cNvPr>
+          <p:cNvSpPr>
+            <a:spLocks noGrp="1"/>
+          </p:cNvSpPr>
+          <p:nvPr>
+            <p:ph type="title"/>
+          </p:nvPr>
+        </p:nvSpPr>
+        <p:spPr/>
+        <p:txBody>
+          <a:bodyPr/>
+          <a:lstStyle/>
+          <a:p>
+            <a:endParaRPr lang="en-US"/>
+          </a:p>
+        </p:txBody>
+      </p:sp>
+      <p:sp>
+        <p:nvSpPr>
+          <p:cNvPr id="3" name="Text Placeholder 2">
+            <a:extLst>
+              <a:ext uri="{FF2B5EF4-FFF2-40B4-BE49-F238E27FC236}">
+                <a16:creationId xmlns:a16="http://schemas.microsoft.com/office/drawing/2014/main" id="{DE343276-26E2-6E45-B83F-C35F7D17EC79}"/>
+              </a:ext>
+            </a:extLst>
+          </p:cNvPr>
+          <p:cNvSpPr>
+            <a:spLocks noGrp="1"/>
+          </p:cNvSpPr>
+          <p:nvPr>
+            <p:ph type="body" idx="1"/>
+          </p:nvPr>
+        </p:nvSpPr>
+        <p:spPr/>
+        <p:txBody>
+          <a:bodyPr/>
+          <a:lstStyle/>
+          <a:p>
+            <a:endParaRPr lang="en-US" dirty="0"/>
+          </a:p>
+        </p:txBody>
+      </p:sp>
+    </p:spTree>
+    <p:extLst>
+      <p:ext uri="{BB962C8B-B14F-4D97-AF65-F5344CB8AC3E}">
+        <p14:creationId xmlns:p14="http://schemas.microsoft.com/office/powerpoint/2010/main" val="1171059831"/>
+      </p:ext>
+    </p:extLst>
+  </p:cSld>
+  <p:clrMapOvr>
+    <a:masterClrMapping/>
+  </p:clrMapOvr>
+</p:sld>
+</file>
+
+<file path=ppt/slides/slide11.xml><?xml version="1.0" encoding="utf-8"?>
+<p:sld xmlns:a="http://schemas.openxmlformats.org/drawingml/2006/main" xmlns:r="http://schemas.openxmlformats.org/officeDocument/2006/relationships" xmlns:p="http://schemas.openxmlformats.org/presentationml/2006/main">
+  <p:cSld>
+    <p:spTree>
+      <p:nvGrpSpPr>
         <p:cNvPr id="1" name="Shape 105"/>
         <p:cNvGrpSpPr/>
         <p:nvPr/>
@@ -13870,7 +13951,7 @@
 </p:sld>
 </file>
 
-<file path=ppt/slides/slide11.xml><?xml version="1.0" encoding="utf-8"?>
+<file path=ppt/slides/slide12.xml><?xml version="1.0" encoding="utf-8"?>
 <p:sld xmlns:a="http://schemas.openxmlformats.org/drawingml/2006/main" xmlns:r="http://schemas.openxmlformats.org/officeDocument/2006/relationships" xmlns:p="http://schemas.openxmlformats.org/presentationml/2006/main">
   <p:cSld>
     <p:spTree>
@@ -14608,7 +14689,7 @@
 </p:sld>
 </file>
 
-<file path=ppt/slides/slide12.xml><?xml version="1.0" encoding="utf-8"?>
+<file path=ppt/slides/slide13.xml><?xml version="1.0" encoding="utf-8"?>
 <p:sld xmlns:a="http://schemas.openxmlformats.org/drawingml/2006/main" xmlns:r="http://schemas.openxmlformats.org/officeDocument/2006/relationships" xmlns:p="http://schemas.openxmlformats.org/presentationml/2006/main">
   <p:cSld>
     <p:spTree>
@@ -14744,419 +14825,6 @@
               </a:rPr>
               <a:t>lambda’s, anonymous inner classes</a:t>
             </a:r>
-          </a:p>
-        </p:txBody>
-      </p:sp>
-    </p:spTree>
-  </p:cSld>
-  <p:clrMapOvr>
-    <a:masterClrMapping/>
-  </p:clrMapOvr>
-</p:sld>
-</file>
-
-<file path=ppt/slides/slide13.xml><?xml version="1.0" encoding="utf-8"?>
-<p:sld xmlns:a="http://schemas.openxmlformats.org/drawingml/2006/main" xmlns:r="http://schemas.openxmlformats.org/officeDocument/2006/relationships" xmlns:p="http://schemas.openxmlformats.org/presentationml/2006/main">
-  <p:cSld>
-    <p:spTree>
-      <p:nvGrpSpPr>
-        <p:cNvPr id="1" name="Shape 123"/>
-        <p:cNvGrpSpPr/>
-        <p:nvPr/>
-      </p:nvGrpSpPr>
-      <p:grpSpPr>
-        <a:xfrm>
-          <a:off x="0" y="0"/>
-          <a:ext cx="0" cy="0"/>
-          <a:chOff x="0" y="0"/>
-          <a:chExt cx="0" cy="0"/>
-        </a:xfrm>
-      </p:grpSpPr>
-      <p:sp>
-        <p:nvSpPr>
-          <p:cNvPr id="124" name="Shape 124"/>
-          <p:cNvSpPr txBox="1">
-            <a:spLocks noGrp="1"/>
-          </p:cNvSpPr>
-          <p:nvPr>
-            <p:ph type="title"/>
-          </p:nvPr>
-        </p:nvSpPr>
-        <p:spPr>
-          <a:xfrm>
-            <a:off x="669726" y="133945"/>
-            <a:ext cx="7804500" cy="1138500"/>
-          </a:xfrm>
-          <a:prstGeom prst="rect">
-            <a:avLst/>
-          </a:prstGeom>
-          <a:noFill/>
-          <a:ln>
-            <a:noFill/>
-          </a:ln>
-        </p:spPr>
-        <p:txBody>
-          <a:bodyPr lIns="32750" tIns="32750" rIns="32750" bIns="32750" anchor="ctr" anchorCtr="0">
-            <a:noAutofit/>
-          </a:bodyPr>
-          <a:lstStyle/>
-          <a:p>
-            <a:pPr marL="0" marR="0" lvl="0" indent="0" algn="ctr" rtl="0">
-              <a:lnSpc>
-                <a:spcPct val="100000"/>
-              </a:lnSpc>
-              <a:spcBef>
-                <a:spcPts val="0"/>
-              </a:spcBef>
-              <a:spcAft>
-                <a:spcPts val="0"/>
-              </a:spcAft>
-              <a:buClr>
-                <a:srgbClr val="FFFFFF"/>
-              </a:buClr>
-              <a:buSzPct val="25000"/>
-              <a:buFont typeface="Helvetica Neue"/>
-              <a:buNone/>
-            </a:pPr>
-            <a:r>
-              <a:rPr lang="en-US" sz="5200" b="0" i="0" u="none" strike="noStrike" cap="none">
-                <a:solidFill>
-                  <a:srgbClr val="FFFFFF"/>
-                </a:solidFill>
-                <a:latin typeface="Helvetica Neue"/>
-                <a:ea typeface="Helvetica Neue"/>
-                <a:cs typeface="Helvetica Neue"/>
-                <a:sym typeface="Helvetica Neue"/>
-              </a:rPr>
-              <a:t>Arrow functions</a:t>
-            </a:r>
-          </a:p>
-        </p:txBody>
-      </p:sp>
-      <p:sp>
-        <p:nvSpPr>
-          <p:cNvPr id="125" name="Shape 125"/>
-          <p:cNvSpPr/>
-          <p:nvPr/>
-        </p:nvSpPr>
-        <p:spPr>
-          <a:xfrm>
-            <a:off x="669726" y="1268886"/>
-            <a:ext cx="7466109" cy="1649046"/>
-          </a:xfrm>
-          <a:prstGeom prst="rect">
-            <a:avLst/>
-          </a:prstGeom>
-          <a:noFill/>
-          <a:ln>
-            <a:noFill/>
-          </a:ln>
-        </p:spPr>
-        <p:txBody>
-          <a:bodyPr lIns="32750" tIns="32750" rIns="32750" bIns="32750" anchor="ctr" anchorCtr="0">
-            <a:noAutofit/>
-          </a:bodyPr>
-          <a:lstStyle/>
-          <a:p>
-            <a:pPr lvl="0">
-              <a:buClr>
-                <a:srgbClr val="F8F8F8"/>
-              </a:buClr>
-              <a:buSzPct val="25000"/>
-            </a:pPr>
-            <a:r>
-              <a:rPr lang="en-US" sz="2400" dirty="0">
-                <a:solidFill>
-                  <a:schemeClr val="accent2"/>
-                </a:solidFill>
-              </a:rPr>
-              <a:t>// Old Syntax</a:t>
-            </a:r>
-            <a:br>
-              <a:rPr lang="en-US" sz="2400" dirty="0">
-                <a:solidFill>
-                  <a:schemeClr val="bg1"/>
-                </a:solidFill>
-              </a:rPr>
-            </a:br>
-            <a:r>
-              <a:rPr lang="en-US" sz="2400" dirty="0">
-                <a:solidFill>
-                  <a:schemeClr val="bg1"/>
-                </a:solidFill>
-              </a:rPr>
-              <a:t>function </a:t>
-            </a:r>
-            <a:r>
-              <a:rPr lang="en-US" sz="2400" dirty="0" err="1">
-                <a:solidFill>
-                  <a:schemeClr val="bg1"/>
-                </a:solidFill>
-              </a:rPr>
-              <a:t>oldOne</a:t>
-            </a:r>
-            <a:r>
-              <a:rPr lang="en-US" sz="2400" dirty="0">
-                <a:solidFill>
-                  <a:schemeClr val="bg1"/>
-                </a:solidFill>
-              </a:rPr>
-              <a:t>()  {</a:t>
-            </a:r>
-            <a:br>
-              <a:rPr lang="en-US" sz="2400" dirty="0">
-                <a:solidFill>
-                  <a:schemeClr val="bg1"/>
-                </a:solidFill>
-              </a:rPr>
-            </a:br>
-            <a:r>
-              <a:rPr lang="en-US" sz="2400" dirty="0">
-                <a:solidFill>
-                  <a:schemeClr val="bg1"/>
-                </a:solidFill>
-              </a:rPr>
-              <a:t>	</a:t>
-            </a:r>
-            <a:r>
-              <a:rPr lang="en-US" sz="2400" dirty="0" err="1">
-                <a:solidFill>
-                  <a:schemeClr val="bg1"/>
-                </a:solidFill>
-              </a:rPr>
-              <a:t>console.log</a:t>
-            </a:r>
-            <a:r>
-              <a:rPr lang="en-US" sz="2400" dirty="0">
-                <a:solidFill>
-                  <a:schemeClr val="bg1"/>
-                </a:solidFill>
-              </a:rPr>
-              <a:t>("Hello World..!");</a:t>
-            </a:r>
-            <a:br>
-              <a:rPr lang="en-US" sz="2400" dirty="0">
-                <a:solidFill>
-                  <a:schemeClr val="bg1"/>
-                </a:solidFill>
-              </a:rPr>
-            </a:br>
-            <a:r>
-              <a:rPr lang="en-US" sz="2400" dirty="0">
-                <a:solidFill>
-                  <a:schemeClr val="bg1"/>
-                </a:solidFill>
-              </a:rPr>
-              <a:t>}</a:t>
-            </a:r>
-            <a:endParaRPr lang="en-US" sz="2300" b="0" i="0" u="none" strike="noStrike" cap="none" dirty="0">
-              <a:solidFill>
-                <a:schemeClr val="bg1"/>
-              </a:solidFill>
-              <a:latin typeface="Consolas"/>
-              <a:ea typeface="Consolas"/>
-              <a:cs typeface="Consolas"/>
-              <a:sym typeface="Consolas"/>
-            </a:endParaRPr>
-          </a:p>
-        </p:txBody>
-      </p:sp>
-      <p:sp>
-        <p:nvSpPr>
-          <p:cNvPr id="126" name="Shape 126"/>
-          <p:cNvSpPr/>
-          <p:nvPr/>
-        </p:nvSpPr>
-        <p:spPr>
-          <a:xfrm>
-            <a:off x="669726" y="2008286"/>
-            <a:ext cx="7804500" cy="1138500"/>
-          </a:xfrm>
-          <a:prstGeom prst="rect">
-            <a:avLst/>
-          </a:prstGeom>
-          <a:noFill/>
-          <a:ln>
-            <a:noFill/>
-          </a:ln>
-        </p:spPr>
-        <p:txBody>
-          <a:bodyPr lIns="32750" tIns="32750" rIns="32750" bIns="32750" anchor="ctr" anchorCtr="0">
-            <a:noAutofit/>
-          </a:bodyPr>
-          <a:lstStyle/>
-          <a:p>
-            <a:pPr marL="0" marR="0" lvl="1" indent="152400" algn="ctr" rtl="0">
-              <a:lnSpc>
-                <a:spcPct val="100000"/>
-              </a:lnSpc>
-              <a:spcBef>
-                <a:spcPts val="0"/>
-              </a:spcBef>
-              <a:spcAft>
-                <a:spcPts val="0"/>
-              </a:spcAft>
-              <a:buClr>
-                <a:srgbClr val="FFFFFF"/>
-              </a:buClr>
-              <a:buSzPct val="25000"/>
-              <a:buFont typeface="Helvetica Neue"/>
-              <a:buNone/>
-            </a:pPr>
-            <a:endParaRPr lang="en-US" sz="2600" b="0" i="0" u="none" strike="noStrike" cap="none" dirty="0">
-              <a:solidFill>
-                <a:srgbClr val="FF0000"/>
-              </a:solidFill>
-              <a:latin typeface="Helvetica Neue"/>
-              <a:ea typeface="Helvetica Neue"/>
-              <a:cs typeface="Helvetica Neue"/>
-              <a:sym typeface="Helvetica Neue"/>
-            </a:endParaRPr>
-          </a:p>
-        </p:txBody>
-      </p:sp>
-      <p:sp>
-        <p:nvSpPr>
-          <p:cNvPr id="127" name="Shape 127"/>
-          <p:cNvSpPr/>
-          <p:nvPr/>
-        </p:nvSpPr>
-        <p:spPr>
-          <a:xfrm>
-            <a:off x="669726" y="2976540"/>
-            <a:ext cx="7248315" cy="1812174"/>
-          </a:xfrm>
-          <a:prstGeom prst="rect">
-            <a:avLst/>
-          </a:prstGeom>
-          <a:noFill/>
-          <a:ln>
-            <a:noFill/>
-          </a:ln>
-        </p:spPr>
-        <p:txBody>
-          <a:bodyPr lIns="32750" tIns="32750" rIns="32750" bIns="32750" anchor="ctr" anchorCtr="0">
-            <a:noAutofit/>
-          </a:bodyPr>
-          <a:lstStyle/>
-          <a:p>
-            <a:pPr lvl="0">
-              <a:buClr>
-                <a:srgbClr val="F8F8F8"/>
-              </a:buClr>
-              <a:buSzPct val="25000"/>
-            </a:pPr>
-            <a:r>
-              <a:rPr lang="en-US" sz="2400" dirty="0">
-                <a:solidFill>
-                  <a:srgbClr val="92D050"/>
-                </a:solidFill>
-              </a:rPr>
-              <a:t>// New Syntax</a:t>
-            </a:r>
-          </a:p>
-          <a:p>
-            <a:pPr lvl="0">
-              <a:buClr>
-                <a:srgbClr val="F8F8F8"/>
-              </a:buClr>
-              <a:buSzPct val="25000"/>
-            </a:pPr>
-            <a:r>
-              <a:rPr lang="en-US" sz="2400" dirty="0">
-                <a:solidFill>
-                  <a:schemeClr val="bg1"/>
-                </a:solidFill>
-              </a:rPr>
-              <a:t> </a:t>
-            </a:r>
-            <a:r>
-              <a:rPr lang="en-US" sz="2400" dirty="0" err="1">
-                <a:solidFill>
-                  <a:schemeClr val="bg1"/>
-                </a:solidFill>
-              </a:rPr>
-              <a:t>var</a:t>
-            </a:r>
-            <a:r>
-              <a:rPr lang="en-US" sz="2400" dirty="0">
-                <a:solidFill>
-                  <a:schemeClr val="bg1"/>
-                </a:solidFill>
-              </a:rPr>
-              <a:t> </a:t>
-            </a:r>
-            <a:r>
-              <a:rPr lang="en-US" sz="2400" dirty="0" err="1">
-                <a:solidFill>
-                  <a:schemeClr val="bg1"/>
-                </a:solidFill>
-              </a:rPr>
-              <a:t>newOne</a:t>
-            </a:r>
-            <a:r>
-              <a:rPr lang="en-US" sz="2400" dirty="0">
-                <a:solidFill>
-                  <a:schemeClr val="bg1"/>
-                </a:solidFill>
-              </a:rPr>
-              <a:t> = () =&gt; {</a:t>
-            </a:r>
-            <a:br>
-              <a:rPr lang="en-US" sz="2400" dirty="0">
-                <a:solidFill>
-                  <a:schemeClr val="bg1"/>
-                </a:solidFill>
-              </a:rPr>
-            </a:br>
-            <a:r>
-              <a:rPr lang="en-US" sz="2400" dirty="0">
-                <a:solidFill>
-                  <a:schemeClr val="bg1"/>
-                </a:solidFill>
-              </a:rPr>
-              <a:t>	</a:t>
-            </a:r>
-            <a:r>
-              <a:rPr lang="en-US" sz="2400" dirty="0" err="1">
-                <a:solidFill>
-                  <a:schemeClr val="bg1"/>
-                </a:solidFill>
-              </a:rPr>
-              <a:t>console.log</a:t>
-            </a:r>
-            <a:r>
-              <a:rPr lang="en-US" sz="2400" dirty="0">
-                <a:solidFill>
-                  <a:schemeClr val="bg1"/>
-                </a:solidFill>
-              </a:rPr>
-              <a:t>("Hello World..!");</a:t>
-            </a:r>
-            <a:br>
-              <a:rPr lang="en-US" sz="2400" dirty="0">
-                <a:solidFill>
-                  <a:schemeClr val="bg1"/>
-                </a:solidFill>
-              </a:rPr>
-            </a:br>
-            <a:r>
-              <a:rPr lang="en-US" sz="2400" dirty="0">
-                <a:solidFill>
-                  <a:schemeClr val="bg1"/>
-                </a:solidFill>
-              </a:rPr>
-              <a:t>}</a:t>
-            </a:r>
-            <a:endParaRPr lang="en-US" sz="2400" b="0" i="0" u="none" strike="noStrike" cap="none" dirty="0">
-              <a:solidFill>
-                <a:schemeClr val="bg1"/>
-              </a:solidFill>
-              <a:latin typeface="Consolas"/>
-              <a:ea typeface="Consolas"/>
-              <a:cs typeface="Consolas"/>
-              <a:sym typeface="Consolas"/>
-            </a:endParaRPr>
           </a:p>
         </p:txBody>
       </p:sp>
@@ -15254,8 +14922,8 @@
         </p:nvSpPr>
         <p:spPr>
           <a:xfrm>
-            <a:off x="281355" y="1753013"/>
-            <a:ext cx="8192871" cy="1649046"/>
+            <a:off x="669726" y="1268886"/>
+            <a:ext cx="7466109" cy="1649046"/>
           </a:xfrm>
           <a:prstGeom prst="rect">
             <a:avLst/>
@@ -15271,86 +14939,106 @@
           </a:bodyPr>
           <a:lstStyle/>
           <a:p>
+            <a:pPr lvl="0">
+              <a:buClr>
+                <a:srgbClr val="F8F8F8"/>
+              </a:buClr>
+              <a:buSzPct val="25000"/>
+            </a:pPr>
             <a:r>
               <a:rPr lang="en-US" sz="2400" dirty="0">
                 <a:solidFill>
+                  <a:schemeClr val="accent2"/>
+                </a:solidFill>
+              </a:rPr>
+              <a:t>// Old Syntax</a:t>
+            </a:r>
+            <a:br>
+              <a:rPr lang="en-US" sz="2400" dirty="0">
+                <a:solidFill>
                   <a:schemeClr val="bg1"/>
                 </a:solidFill>
               </a:rPr>
-              <a:t>There are two parts of the syntax.</a:t>
-            </a:r>
-          </a:p>
-          <a:p>
-            <a:endParaRPr lang="en-US" sz="2400" dirty="0">
+            </a:br>
+            <a:r>
+              <a:rPr lang="en-US" sz="2400" dirty="0">
+                <a:solidFill>
+                  <a:schemeClr val="bg1"/>
+                </a:solidFill>
+              </a:rPr>
+              <a:t>function </a:t>
+            </a:r>
+            <a:r>
+              <a:rPr lang="en-US" sz="2400" dirty="0" err="1">
+                <a:solidFill>
+                  <a:schemeClr val="bg1"/>
+                </a:solidFill>
+              </a:rPr>
+              <a:t>oldOne</a:t>
+            </a:r>
+            <a:r>
+              <a:rPr lang="en-US" sz="2400" dirty="0">
+                <a:solidFill>
+                  <a:schemeClr val="bg1"/>
+                </a:solidFill>
+              </a:rPr>
+              <a:t>()  {</a:t>
+            </a:r>
+            <a:br>
+              <a:rPr lang="en-US" sz="2400" dirty="0">
+                <a:solidFill>
+                  <a:schemeClr val="bg1"/>
+                </a:solidFill>
+              </a:rPr>
+            </a:br>
+            <a:r>
+              <a:rPr lang="en-US" sz="2400" dirty="0">
+                <a:solidFill>
+                  <a:schemeClr val="bg1"/>
+                </a:solidFill>
+              </a:rPr>
+              <a:t>	</a:t>
+            </a:r>
+            <a:r>
+              <a:rPr lang="en-US" sz="2400" dirty="0" err="1">
+                <a:solidFill>
+                  <a:schemeClr val="bg1"/>
+                </a:solidFill>
+              </a:rPr>
+              <a:t>console.log</a:t>
+            </a:r>
+            <a:r>
+              <a:rPr lang="en-US" sz="2400" dirty="0">
+                <a:solidFill>
+                  <a:schemeClr val="bg1"/>
+                </a:solidFill>
+              </a:rPr>
+              <a:t>("Hello World..!");</a:t>
+            </a:r>
+            <a:br>
+              <a:rPr lang="en-US" sz="2400" dirty="0">
+                <a:solidFill>
+                  <a:schemeClr val="bg1"/>
+                </a:solidFill>
+              </a:rPr>
+            </a:br>
+            <a:r>
+              <a:rPr lang="en-US" sz="2400" dirty="0">
+                <a:solidFill>
+                  <a:schemeClr val="bg1"/>
+                </a:solidFill>
+              </a:rPr>
+              <a:t>}</a:t>
+            </a:r>
+            <a:endParaRPr lang="en-US" sz="2300" b="0" i="0" u="none" strike="noStrike" cap="none" dirty="0">
               <a:solidFill>
                 <a:schemeClr val="bg1"/>
               </a:solidFill>
+              <a:latin typeface="Consolas"/>
+              <a:ea typeface="Consolas"/>
+              <a:cs typeface="Consolas"/>
+              <a:sym typeface="Consolas"/>
             </a:endParaRPr>
-          </a:p>
-          <a:p>
-            <a:pPr marL="457200" indent="-457200">
-              <a:buAutoNum type="arabicPeriod"/>
-            </a:pPr>
-            <a:r>
-              <a:rPr lang="en-US" sz="2400" dirty="0" err="1">
-                <a:solidFill>
-                  <a:srgbClr val="FFC000"/>
-                </a:solidFill>
-              </a:rPr>
-              <a:t>var</a:t>
-            </a:r>
-            <a:r>
-              <a:rPr lang="en-US" sz="2400" dirty="0">
-                <a:solidFill>
-                  <a:srgbClr val="FFC000"/>
-                </a:solidFill>
-              </a:rPr>
-              <a:t> </a:t>
-            </a:r>
-            <a:r>
-              <a:rPr lang="en-US" sz="2400" dirty="0" err="1">
-                <a:solidFill>
-                  <a:srgbClr val="FFC000"/>
-                </a:solidFill>
-              </a:rPr>
-              <a:t>newOne</a:t>
-            </a:r>
-            <a:r>
-              <a:rPr lang="en-US" sz="2400" dirty="0">
-                <a:solidFill>
-                  <a:srgbClr val="FFC000"/>
-                </a:solidFill>
-              </a:rPr>
-              <a:t> = ()</a:t>
-            </a:r>
-          </a:p>
-          <a:p>
-            <a:pPr marL="457200" indent="-457200">
-              <a:buAutoNum type="arabicPeriod"/>
-            </a:pPr>
-            <a:endParaRPr lang="en-US" sz="2400" dirty="0">
-              <a:solidFill>
-                <a:srgbClr val="FFC000"/>
-              </a:solidFill>
-            </a:endParaRPr>
-          </a:p>
-          <a:p>
-            <a:r>
-              <a:rPr lang="en-US" sz="2400" dirty="0">
-                <a:solidFill>
-                  <a:schemeClr val="bg1"/>
-                </a:solidFill>
-              </a:rPr>
-              <a:t>2. </a:t>
-            </a:r>
-            <a:r>
-              <a:rPr lang="en-US" sz="2400" dirty="0">
-                <a:solidFill>
-                  <a:srgbClr val="FFFF00"/>
-                </a:solidFill>
-              </a:rPr>
-              <a:t>=&gt; {}</a:t>
-            </a:r>
           </a:p>
         </p:txBody>
       </p:sp>
@@ -15408,12 +15096,136 @@
           </a:p>
         </p:txBody>
       </p:sp>
+      <p:sp>
+        <p:nvSpPr>
+          <p:cNvPr id="127" name="Shape 127"/>
+          <p:cNvSpPr/>
+          <p:nvPr/>
+        </p:nvSpPr>
+        <p:spPr>
+          <a:xfrm>
+            <a:off x="669726" y="2976540"/>
+            <a:ext cx="7248315" cy="1812174"/>
+          </a:xfrm>
+          <a:prstGeom prst="rect">
+            <a:avLst/>
+          </a:prstGeom>
+          <a:noFill/>
+          <a:ln>
+            <a:noFill/>
+          </a:ln>
+        </p:spPr>
+        <p:txBody>
+          <a:bodyPr lIns="32750" tIns="32750" rIns="32750" bIns="32750" anchor="ctr" anchorCtr="0">
+            <a:noAutofit/>
+          </a:bodyPr>
+          <a:lstStyle/>
+          <a:p>
+            <a:pPr lvl="0">
+              <a:buClr>
+                <a:srgbClr val="F8F8F8"/>
+              </a:buClr>
+              <a:buSzPct val="25000"/>
+            </a:pPr>
+            <a:r>
+              <a:rPr lang="en-US" sz="2400" dirty="0">
+                <a:solidFill>
+                  <a:srgbClr val="92D050"/>
+                </a:solidFill>
+              </a:rPr>
+              <a:t>// New Syntax</a:t>
+            </a:r>
+          </a:p>
+          <a:p>
+            <a:pPr lvl="0">
+              <a:buClr>
+                <a:srgbClr val="F8F8F8"/>
+              </a:buClr>
+              <a:buSzPct val="25000"/>
+            </a:pPr>
+            <a:r>
+              <a:rPr lang="en-US" sz="2400" dirty="0">
+                <a:solidFill>
+                  <a:schemeClr val="bg1"/>
+                </a:solidFill>
+              </a:rPr>
+              <a:t> let </a:t>
+            </a:r>
+            <a:r>
+              <a:rPr lang="en-US" sz="2400" dirty="0" err="1">
+                <a:solidFill>
+                  <a:schemeClr val="bg1"/>
+                </a:solidFill>
+              </a:rPr>
+              <a:t>newOne</a:t>
+            </a:r>
+            <a:r>
+              <a:rPr lang="en-US" sz="2400" dirty="0">
+                <a:solidFill>
+                  <a:schemeClr val="bg1"/>
+                </a:solidFill>
+              </a:rPr>
+              <a:t> = () =&gt; {</a:t>
+            </a:r>
+            <a:br>
+              <a:rPr lang="en-US" sz="2400" dirty="0">
+                <a:solidFill>
+                  <a:schemeClr val="bg1"/>
+                </a:solidFill>
+              </a:rPr>
+            </a:br>
+            <a:r>
+              <a:rPr lang="en-US" sz="2400" dirty="0">
+                <a:solidFill>
+                  <a:schemeClr val="bg1"/>
+                </a:solidFill>
+              </a:rPr>
+              <a:t>	</a:t>
+            </a:r>
+            <a:r>
+              <a:rPr lang="en-US" sz="2400" dirty="0" err="1">
+                <a:solidFill>
+                  <a:schemeClr val="bg1"/>
+                </a:solidFill>
+              </a:rPr>
+              <a:t>console.log</a:t>
+            </a:r>
+            <a:r>
+              <a:rPr lang="en-US" sz="2400" dirty="0">
+                <a:solidFill>
+                  <a:schemeClr val="bg1"/>
+                </a:solidFill>
+              </a:rPr>
+              <a:t>("Hello World..!");</a:t>
+            </a:r>
+            <a:br>
+              <a:rPr lang="en-US" sz="2400" dirty="0">
+                <a:solidFill>
+                  <a:schemeClr val="bg1"/>
+                </a:solidFill>
+              </a:rPr>
+            </a:br>
+            <a:r>
+              <a:rPr lang="en-US" sz="2400" dirty="0">
+                <a:solidFill>
+                  <a:schemeClr val="bg1"/>
+                </a:solidFill>
+              </a:rPr>
+              <a:t>}</a:t>
+            </a:r>
+            <a:endParaRPr lang="en-US" sz="2400" b="0" i="0" u="none" strike="noStrike" cap="none" dirty="0">
+              <a:solidFill>
+                <a:schemeClr val="bg1"/>
+              </a:solidFill>
+              <a:latin typeface="Consolas"/>
+              <a:ea typeface="Consolas"/>
+              <a:cs typeface="Consolas"/>
+              <a:sym typeface="Consolas"/>
+            </a:endParaRPr>
+          </a:p>
+        </p:txBody>
+      </p:sp>
     </p:spTree>
-    <p:extLst>
-      <p:ext uri="{BB962C8B-B14F-4D97-AF65-F5344CB8AC3E}">
-        <p14:creationId xmlns:p14="http://schemas.microsoft.com/office/powerpoint/2010/main" val="618684370"/>
-      </p:ext>
-    </p:extLst>
   </p:cSld>
   <p:clrMapOvr>
     <a:masterClrMapping/>
@@ -15507,7 +15319,7 @@
         </p:nvSpPr>
         <p:spPr>
           <a:xfrm>
-            <a:off x="281353" y="1000369"/>
+            <a:off x="281355" y="1753013"/>
             <a:ext cx="8192871" cy="1649046"/>
           </a:xfrm>
           <a:prstGeom prst="rect">
@@ -15524,559 +15336,77 @@
           </a:bodyPr>
           <a:lstStyle/>
           <a:p>
-            <a:pPr marL="0" marR="0" lvl="0" indent="0" algn="l" rtl="0">
-              <a:lnSpc>
-                <a:spcPct val="100000"/>
-              </a:lnSpc>
-              <a:spcBef>
-                <a:spcPts val="0"/>
-              </a:spcBef>
-              <a:spcAft>
-                <a:spcPts val="0"/>
-              </a:spcAft>
-              <a:buClr>
-                <a:srgbClr val="F8F8F8"/>
-              </a:buClr>
-              <a:buSzPct val="25000"/>
-              <a:buFont typeface="Consolas"/>
-              <a:buNone/>
+            <a:r>
+              <a:rPr lang="en-US" sz="2400" dirty="0">
+                <a:solidFill>
+                  <a:schemeClr val="bg1"/>
+                </a:solidFill>
+              </a:rPr>
+              <a:t>There are two parts of the syntax.</a:t>
+            </a:r>
+          </a:p>
+          <a:p>
+            <a:endParaRPr lang="en-US" sz="2400" dirty="0">
+              <a:solidFill>
+                <a:schemeClr val="bg1"/>
+              </a:solidFill>
+            </a:endParaRPr>
+          </a:p>
+          <a:p>
+            <a:pPr marL="457200" indent="-457200">
+              <a:buAutoNum type="arabicPeriod"/>
             </a:pPr>
             <a:r>
-              <a:rPr lang="en-US" sz="2300" dirty="0">
-                <a:solidFill>
-                  <a:srgbClr val="F8F8F8"/>
-                </a:solidFill>
-                <a:latin typeface="Consolas"/>
-                <a:ea typeface="Consolas"/>
-                <a:cs typeface="Consolas"/>
-                <a:sym typeface="Consolas"/>
-              </a:rPr>
-              <a:t>e</a:t>
-            </a:r>
-            <a:r>
-              <a:rPr lang="en-US" sz="2300" b="0" i="0" u="none" strike="noStrike" cap="none" dirty="0">
-                <a:solidFill>
-                  <a:srgbClr val="F8F8F8"/>
-                </a:solidFill>
-                <a:latin typeface="Consolas"/>
-                <a:ea typeface="Consolas"/>
-                <a:cs typeface="Consolas"/>
-                <a:sym typeface="Consolas"/>
-              </a:rPr>
-              <a:t>vens = {2,4,6,8,10}</a:t>
-            </a:r>
-          </a:p>
-          <a:p>
-            <a:pPr marL="0" marR="0" lvl="0" indent="0" algn="l" rtl="0">
-              <a:lnSpc>
-                <a:spcPct val="100000"/>
-              </a:lnSpc>
-              <a:spcBef>
-                <a:spcPts val="0"/>
-              </a:spcBef>
-              <a:spcAft>
-                <a:spcPts val="0"/>
-              </a:spcAft>
-              <a:buClr>
-                <a:srgbClr val="F8F8F8"/>
-              </a:buClr>
-              <a:buSzPct val="25000"/>
-              <a:buFont typeface="Consolas"/>
-              <a:buNone/>
+              <a:rPr lang="en-US" sz="2400" dirty="0">
+                <a:solidFill>
+                  <a:srgbClr val="FFC000"/>
+                </a:solidFill>
+              </a:rPr>
+              <a:t>let </a:t>
+            </a:r>
+            <a:r>
+              <a:rPr lang="en-US" sz="2400" dirty="0" err="1">
+                <a:solidFill>
+                  <a:srgbClr val="FFC000"/>
+                </a:solidFill>
+              </a:rPr>
+              <a:t>newOne</a:t>
+            </a:r>
+            <a:r>
+              <a:rPr lang="en-US" sz="2400" dirty="0">
+                <a:solidFill>
+                  <a:srgbClr val="FFC000"/>
+                </a:solidFill>
+              </a:rPr>
+              <a:t> = ()</a:t>
+            </a:r>
+          </a:p>
+          <a:p>
+            <a:pPr marL="457200" indent="-457200">
+              <a:buAutoNum type="arabicPeriod"/>
             </a:pPr>
-            <a:r>
-              <a:rPr lang="en-US" sz="2300" b="0" i="0" u="none" strike="noStrike" cap="none" dirty="0">
-                <a:solidFill>
-                  <a:srgbClr val="F8F8F8"/>
-                </a:solidFill>
-                <a:latin typeface="Consolas"/>
-                <a:ea typeface="Consolas"/>
-                <a:cs typeface="Consolas"/>
-                <a:sym typeface="Consolas"/>
-              </a:rPr>
-              <a:t>odds  </a:t>
-            </a:r>
-            <a:r>
-              <a:rPr lang="en-US" sz="2300" b="0" i="0" u="none" strike="noStrike" cap="none" dirty="0">
-                <a:solidFill>
-                  <a:srgbClr val="E28964"/>
-                </a:solidFill>
-                <a:latin typeface="Consolas"/>
-                <a:ea typeface="Consolas"/>
-                <a:cs typeface="Consolas"/>
-                <a:sym typeface="Consolas"/>
-              </a:rPr>
-              <a:t>=</a:t>
-            </a:r>
-            <a:r>
-              <a:rPr lang="en-US" sz="2300" b="0" i="0" u="none" strike="noStrike" cap="none" dirty="0">
-                <a:solidFill>
-                  <a:srgbClr val="F8F8F8"/>
-                </a:solidFill>
-                <a:latin typeface="Consolas"/>
-                <a:ea typeface="Consolas"/>
-                <a:cs typeface="Consolas"/>
-                <a:sym typeface="Consolas"/>
-              </a:rPr>
-              <a:t> </a:t>
-            </a:r>
-            <a:r>
-              <a:rPr lang="en-US" sz="2300" b="0" i="0" u="none" strike="noStrike" cap="none" dirty="0" err="1">
-                <a:solidFill>
-                  <a:srgbClr val="F8F8F8"/>
-                </a:solidFill>
-                <a:latin typeface="Consolas"/>
-                <a:ea typeface="Consolas"/>
-                <a:cs typeface="Consolas"/>
-                <a:sym typeface="Consolas"/>
-              </a:rPr>
-              <a:t>evens.map</a:t>
-            </a:r>
-            <a:r>
-              <a:rPr lang="en-US" sz="2300" b="0" i="0" u="none" strike="noStrike" cap="none" dirty="0">
-                <a:solidFill>
-                  <a:srgbClr val="F8F8F8"/>
-                </a:solidFill>
-                <a:latin typeface="Consolas"/>
-                <a:ea typeface="Consolas"/>
-                <a:cs typeface="Consolas"/>
-                <a:sym typeface="Consolas"/>
-              </a:rPr>
-              <a:t>(v </a:t>
-            </a:r>
-            <a:r>
-              <a:rPr lang="en-US" sz="2300" b="0" i="0" u="none" strike="noStrike" cap="none" dirty="0">
-                <a:solidFill>
-                  <a:srgbClr val="E28964"/>
-                </a:solidFill>
-                <a:latin typeface="Consolas"/>
-                <a:ea typeface="Consolas"/>
-                <a:cs typeface="Consolas"/>
-                <a:sym typeface="Consolas"/>
-              </a:rPr>
-              <a:t>=&gt;</a:t>
-            </a:r>
-            <a:r>
-              <a:rPr lang="en-US" sz="2300" b="0" i="0" u="none" strike="noStrike" cap="none" dirty="0">
-                <a:solidFill>
-                  <a:srgbClr val="F8F8F8"/>
-                </a:solidFill>
-                <a:latin typeface="Consolas"/>
-                <a:ea typeface="Consolas"/>
-                <a:cs typeface="Consolas"/>
-                <a:sym typeface="Consolas"/>
-              </a:rPr>
-              <a:t> v </a:t>
-            </a:r>
-            <a:r>
-              <a:rPr lang="en-US" sz="2300" b="0" i="0" u="none" strike="noStrike" cap="none" dirty="0">
-                <a:solidFill>
-                  <a:srgbClr val="E28964"/>
-                </a:solidFill>
-                <a:latin typeface="Consolas"/>
-                <a:ea typeface="Consolas"/>
-                <a:cs typeface="Consolas"/>
-                <a:sym typeface="Consolas"/>
-              </a:rPr>
-              <a:t>+</a:t>
-            </a:r>
-            <a:r>
-              <a:rPr lang="en-US" sz="2300" b="0" i="0" u="none" strike="noStrike" cap="none" dirty="0">
-                <a:solidFill>
-                  <a:srgbClr val="F8F8F8"/>
-                </a:solidFill>
-                <a:latin typeface="Consolas"/>
-                <a:ea typeface="Consolas"/>
-                <a:cs typeface="Consolas"/>
-                <a:sym typeface="Consolas"/>
-              </a:rPr>
-              <a:t> </a:t>
-            </a:r>
-            <a:r>
-              <a:rPr lang="en-US" sz="2300" b="0" i="0" u="none" strike="noStrike" cap="none" dirty="0">
-                <a:solidFill>
-                  <a:srgbClr val="3387CC"/>
-                </a:solidFill>
-                <a:latin typeface="Consolas"/>
-                <a:ea typeface="Consolas"/>
-                <a:cs typeface="Consolas"/>
-                <a:sym typeface="Consolas"/>
-              </a:rPr>
-              <a:t>1</a:t>
-            </a:r>
-            <a:r>
-              <a:rPr lang="en-US" sz="2300" b="0" i="0" u="none" strike="noStrike" cap="none" dirty="0">
-                <a:solidFill>
-                  <a:srgbClr val="F8F8F8"/>
-                </a:solidFill>
-                <a:latin typeface="Consolas"/>
-                <a:ea typeface="Consolas"/>
-                <a:cs typeface="Consolas"/>
-                <a:sym typeface="Consolas"/>
-              </a:rPr>
-              <a:t>)</a:t>
-            </a:r>
-          </a:p>
-          <a:p>
-            <a:pPr marL="0" marR="0" lvl="0" indent="0" algn="l" rtl="0">
-              <a:lnSpc>
-                <a:spcPct val="100000"/>
-              </a:lnSpc>
-              <a:spcBef>
-                <a:spcPts val="0"/>
-              </a:spcBef>
-              <a:spcAft>
-                <a:spcPts val="0"/>
-              </a:spcAft>
-              <a:buClr>
-                <a:srgbClr val="F8F8F8"/>
-              </a:buClr>
-              <a:buSzPct val="25000"/>
-              <a:buFont typeface="Consolas"/>
-              <a:buNone/>
-            </a:pPr>
-            <a:r>
-              <a:rPr lang="en-US" sz="2300" b="0" i="0" u="none" strike="noStrike" cap="none" dirty="0">
-                <a:solidFill>
-                  <a:srgbClr val="F8F8F8"/>
-                </a:solidFill>
-                <a:latin typeface="Consolas"/>
-                <a:ea typeface="Consolas"/>
-                <a:cs typeface="Consolas"/>
-                <a:sym typeface="Consolas"/>
-              </a:rPr>
-              <a:t>pairs </a:t>
-            </a:r>
-            <a:r>
-              <a:rPr lang="en-US" sz="2300" b="0" i="0" u="none" strike="noStrike" cap="none" dirty="0">
-                <a:solidFill>
-                  <a:srgbClr val="E28964"/>
-                </a:solidFill>
-                <a:latin typeface="Consolas"/>
-                <a:ea typeface="Consolas"/>
-                <a:cs typeface="Consolas"/>
-                <a:sym typeface="Consolas"/>
-              </a:rPr>
-              <a:t>=</a:t>
-            </a:r>
-            <a:r>
-              <a:rPr lang="en-US" sz="2300" b="0" i="0" u="none" strike="noStrike" cap="none" dirty="0">
-                <a:solidFill>
-                  <a:srgbClr val="F8F8F8"/>
-                </a:solidFill>
-                <a:latin typeface="Consolas"/>
-                <a:ea typeface="Consolas"/>
-                <a:cs typeface="Consolas"/>
-                <a:sym typeface="Consolas"/>
-              </a:rPr>
-              <a:t> </a:t>
-            </a:r>
-            <a:r>
-              <a:rPr lang="en-US" sz="2300" b="0" i="0" u="none" strike="noStrike" cap="none" dirty="0" err="1">
-                <a:solidFill>
-                  <a:srgbClr val="F8F8F8"/>
-                </a:solidFill>
-                <a:latin typeface="Consolas"/>
-                <a:ea typeface="Consolas"/>
-                <a:cs typeface="Consolas"/>
-                <a:sym typeface="Consolas"/>
-              </a:rPr>
-              <a:t>evens.map</a:t>
-            </a:r>
-            <a:r>
-              <a:rPr lang="en-US" sz="2300" b="0" i="0" u="none" strike="noStrike" cap="none" dirty="0">
-                <a:solidFill>
-                  <a:srgbClr val="F8F8F8"/>
-                </a:solidFill>
-                <a:latin typeface="Consolas"/>
-                <a:ea typeface="Consolas"/>
-                <a:cs typeface="Consolas"/>
-                <a:sym typeface="Consolas"/>
-              </a:rPr>
-              <a:t>(v </a:t>
-            </a:r>
-            <a:r>
-              <a:rPr lang="en-US" sz="2300" b="0" i="0" u="none" strike="noStrike" cap="none" dirty="0">
-                <a:solidFill>
-                  <a:srgbClr val="E28964"/>
-                </a:solidFill>
-                <a:latin typeface="Consolas"/>
-                <a:ea typeface="Consolas"/>
-                <a:cs typeface="Consolas"/>
-                <a:sym typeface="Consolas"/>
-              </a:rPr>
-              <a:t>=&gt;</a:t>
-            </a:r>
-            <a:r>
-              <a:rPr lang="en-US" sz="2300" b="0" i="0" u="none" strike="noStrike" cap="none" dirty="0">
-                <a:solidFill>
-                  <a:srgbClr val="F8F8F8"/>
-                </a:solidFill>
-                <a:latin typeface="Consolas"/>
-                <a:ea typeface="Consolas"/>
-                <a:cs typeface="Consolas"/>
-                <a:sym typeface="Consolas"/>
-              </a:rPr>
-              <a:t> ({ even: v, odd: v </a:t>
-            </a:r>
-            <a:r>
-              <a:rPr lang="en-US" sz="2300" b="0" i="0" u="none" strike="noStrike" cap="none" dirty="0">
-                <a:solidFill>
-                  <a:srgbClr val="E28964"/>
-                </a:solidFill>
-                <a:latin typeface="Consolas"/>
-                <a:ea typeface="Consolas"/>
-                <a:cs typeface="Consolas"/>
-                <a:sym typeface="Consolas"/>
-              </a:rPr>
-              <a:t>+</a:t>
-            </a:r>
-            <a:r>
-              <a:rPr lang="en-US" sz="2300" b="0" i="0" u="none" strike="noStrike" cap="none" dirty="0">
-                <a:solidFill>
-                  <a:srgbClr val="F8F8F8"/>
-                </a:solidFill>
-                <a:latin typeface="Consolas"/>
-                <a:ea typeface="Consolas"/>
-                <a:cs typeface="Consolas"/>
-                <a:sym typeface="Consolas"/>
-              </a:rPr>
-              <a:t> </a:t>
-            </a:r>
-            <a:r>
-              <a:rPr lang="en-US" sz="2300" b="0" i="0" u="none" strike="noStrike" cap="none" dirty="0">
-                <a:solidFill>
-                  <a:srgbClr val="3387CC"/>
-                </a:solidFill>
-                <a:latin typeface="Consolas"/>
-                <a:ea typeface="Consolas"/>
-                <a:cs typeface="Consolas"/>
-                <a:sym typeface="Consolas"/>
-              </a:rPr>
-              <a:t>1</a:t>
-            </a:r>
-            <a:r>
-              <a:rPr lang="en-US" sz="2300" b="0" i="0" u="none" strike="noStrike" cap="none" dirty="0">
-                <a:solidFill>
-                  <a:srgbClr val="F8F8F8"/>
-                </a:solidFill>
-                <a:latin typeface="Consolas"/>
-                <a:ea typeface="Consolas"/>
-                <a:cs typeface="Consolas"/>
-                <a:sym typeface="Consolas"/>
-              </a:rPr>
-              <a:t> }))</a:t>
-            </a:r>
-          </a:p>
-          <a:p>
-            <a:pPr marL="0" marR="0" lvl="0" indent="0" algn="l" rtl="0">
-              <a:lnSpc>
-                <a:spcPct val="100000"/>
-              </a:lnSpc>
-              <a:spcBef>
-                <a:spcPts val="0"/>
-              </a:spcBef>
-              <a:spcAft>
-                <a:spcPts val="0"/>
-              </a:spcAft>
-              <a:buClr>
-                <a:srgbClr val="F8F8F8"/>
-              </a:buClr>
-              <a:buSzPct val="25000"/>
-              <a:buFont typeface="Consolas"/>
-              <a:buNone/>
-            </a:pPr>
-            <a:r>
-              <a:rPr lang="en-US" sz="2300" b="0" i="0" u="none" strike="noStrike" cap="none" dirty="0" err="1">
-                <a:solidFill>
-                  <a:srgbClr val="F8F8F8"/>
-                </a:solidFill>
-                <a:latin typeface="Consolas"/>
-                <a:ea typeface="Consolas"/>
-                <a:cs typeface="Consolas"/>
-                <a:sym typeface="Consolas"/>
-              </a:rPr>
-              <a:t>nums</a:t>
-            </a:r>
-            <a:r>
-              <a:rPr lang="en-US" sz="2300" b="0" i="0" u="none" strike="noStrike" cap="none" dirty="0">
-                <a:solidFill>
-                  <a:srgbClr val="F8F8F8"/>
-                </a:solidFill>
-                <a:latin typeface="Consolas"/>
-                <a:ea typeface="Consolas"/>
-                <a:cs typeface="Consolas"/>
-                <a:sym typeface="Consolas"/>
-              </a:rPr>
-              <a:t>  </a:t>
-            </a:r>
-            <a:r>
-              <a:rPr lang="en-US" sz="2300" b="0" i="0" u="none" strike="noStrike" cap="none" dirty="0">
-                <a:solidFill>
-                  <a:srgbClr val="E28964"/>
-                </a:solidFill>
-                <a:latin typeface="Consolas"/>
-                <a:ea typeface="Consolas"/>
-                <a:cs typeface="Consolas"/>
-                <a:sym typeface="Consolas"/>
-              </a:rPr>
-              <a:t>=</a:t>
-            </a:r>
-            <a:r>
-              <a:rPr lang="en-US" sz="2300" b="0" i="0" u="none" strike="noStrike" cap="none" dirty="0">
-                <a:solidFill>
-                  <a:srgbClr val="F8F8F8"/>
-                </a:solidFill>
-                <a:latin typeface="Consolas"/>
-                <a:ea typeface="Consolas"/>
-                <a:cs typeface="Consolas"/>
-                <a:sym typeface="Consolas"/>
-              </a:rPr>
-              <a:t> </a:t>
-            </a:r>
-            <a:r>
-              <a:rPr lang="en-US" sz="2300" b="0" i="0" u="none" strike="noStrike" cap="none" dirty="0" err="1">
-                <a:solidFill>
-                  <a:srgbClr val="F8F8F8"/>
-                </a:solidFill>
-                <a:latin typeface="Consolas"/>
-                <a:ea typeface="Consolas"/>
-                <a:cs typeface="Consolas"/>
-                <a:sym typeface="Consolas"/>
-              </a:rPr>
-              <a:t>evens.map</a:t>
-            </a:r>
-            <a:r>
-              <a:rPr lang="en-US" sz="2300" b="0" i="0" u="none" strike="noStrike" cap="none" dirty="0">
-                <a:solidFill>
-                  <a:srgbClr val="F8F8F8"/>
-                </a:solidFill>
-                <a:latin typeface="Consolas"/>
-                <a:ea typeface="Consolas"/>
-                <a:cs typeface="Consolas"/>
-                <a:sym typeface="Consolas"/>
-              </a:rPr>
-              <a:t>((v, </a:t>
-            </a:r>
-            <a:r>
-              <a:rPr lang="en-US" sz="2300" b="0" i="0" u="none" strike="noStrike" cap="none" dirty="0" err="1">
-                <a:solidFill>
-                  <a:srgbClr val="F8F8F8"/>
-                </a:solidFill>
-                <a:latin typeface="Consolas"/>
-                <a:ea typeface="Consolas"/>
-                <a:cs typeface="Consolas"/>
-                <a:sym typeface="Consolas"/>
-              </a:rPr>
-              <a:t>i</a:t>
-            </a:r>
-            <a:r>
-              <a:rPr lang="en-US" sz="2300" b="0" i="0" u="none" strike="noStrike" cap="none" dirty="0">
-                <a:solidFill>
-                  <a:srgbClr val="F8F8F8"/>
-                </a:solidFill>
-                <a:latin typeface="Consolas"/>
-                <a:ea typeface="Consolas"/>
-                <a:cs typeface="Consolas"/>
-                <a:sym typeface="Consolas"/>
-              </a:rPr>
-              <a:t>) </a:t>
-            </a:r>
-            <a:r>
-              <a:rPr lang="en-US" sz="2300" b="0" i="0" u="none" strike="noStrike" cap="none" dirty="0">
-                <a:solidFill>
-                  <a:srgbClr val="E28964"/>
-                </a:solidFill>
-                <a:latin typeface="Consolas"/>
-                <a:ea typeface="Consolas"/>
-                <a:cs typeface="Consolas"/>
-                <a:sym typeface="Consolas"/>
-              </a:rPr>
-              <a:t>=&gt;</a:t>
-            </a:r>
-            <a:r>
-              <a:rPr lang="en-US" sz="2300" b="0" i="0" u="none" strike="noStrike" cap="none" dirty="0">
-                <a:solidFill>
-                  <a:srgbClr val="F8F8F8"/>
-                </a:solidFill>
-                <a:latin typeface="Consolas"/>
-                <a:ea typeface="Consolas"/>
-                <a:cs typeface="Consolas"/>
-                <a:sym typeface="Consolas"/>
-              </a:rPr>
-              <a:t> { </a:t>
-            </a:r>
-            <a:r>
-              <a:rPr lang="en-US" sz="2300" b="0" i="0" u="none" strike="noStrike" cap="none" dirty="0">
-                <a:solidFill>
-                  <a:srgbClr val="E28964"/>
-                </a:solidFill>
-                <a:latin typeface="Consolas"/>
-                <a:ea typeface="Consolas"/>
-                <a:cs typeface="Consolas"/>
-                <a:sym typeface="Consolas"/>
-              </a:rPr>
-              <a:t>return</a:t>
-            </a:r>
-            <a:r>
-              <a:rPr lang="en-US" sz="2300" b="0" i="0" u="none" strike="noStrike" cap="none" dirty="0">
-                <a:solidFill>
-                  <a:srgbClr val="F8F8F8"/>
-                </a:solidFill>
-                <a:latin typeface="Consolas"/>
-                <a:ea typeface="Consolas"/>
-                <a:cs typeface="Consolas"/>
-                <a:sym typeface="Consolas"/>
-              </a:rPr>
-              <a:t> v </a:t>
-            </a:r>
-            <a:r>
-              <a:rPr lang="en-US" sz="2300" b="0" i="0" u="none" strike="noStrike" cap="none" dirty="0">
-                <a:solidFill>
-                  <a:srgbClr val="E28964"/>
-                </a:solidFill>
-                <a:latin typeface="Consolas"/>
-                <a:ea typeface="Consolas"/>
-                <a:cs typeface="Consolas"/>
-                <a:sym typeface="Consolas"/>
-              </a:rPr>
-              <a:t>+</a:t>
-            </a:r>
-            <a:r>
-              <a:rPr lang="en-US" sz="2300" b="0" i="0" u="none" strike="noStrike" cap="none" dirty="0">
-                <a:solidFill>
-                  <a:srgbClr val="F8F8F8"/>
-                </a:solidFill>
-                <a:latin typeface="Consolas"/>
-                <a:ea typeface="Consolas"/>
-                <a:cs typeface="Consolas"/>
-                <a:sym typeface="Consolas"/>
-              </a:rPr>
-              <a:t> </a:t>
-            </a:r>
-            <a:r>
-              <a:rPr lang="en-US" sz="2300" b="0" i="0" u="none" strike="noStrike" cap="none" dirty="0" err="1">
-                <a:solidFill>
-                  <a:srgbClr val="F8F8F8"/>
-                </a:solidFill>
-                <a:latin typeface="Consolas"/>
-                <a:ea typeface="Consolas"/>
-                <a:cs typeface="Consolas"/>
-                <a:sym typeface="Consolas"/>
-              </a:rPr>
-              <a:t>i</a:t>
-            </a:r>
-            <a:r>
-              <a:rPr lang="en-US" sz="2300" b="0" i="0" u="none" strike="noStrike" cap="none" dirty="0">
-                <a:solidFill>
-                  <a:srgbClr val="F8F8F8"/>
-                </a:solidFill>
-                <a:latin typeface="Consolas"/>
-                <a:ea typeface="Consolas"/>
-                <a:cs typeface="Consolas"/>
-                <a:sym typeface="Consolas"/>
-              </a:rPr>
-              <a:t>;})</a:t>
+            <a:endParaRPr lang="en-US" sz="2400" dirty="0">
+              <a:solidFill>
+                <a:srgbClr val="FFC000"/>
+              </a:solidFill>
+            </a:endParaRPr>
+          </a:p>
+          <a:p>
+            <a:r>
+              <a:rPr lang="en-US" sz="2400" dirty="0">
+                <a:solidFill>
+                  <a:schemeClr val="bg1"/>
+                </a:solidFill>
+              </a:rPr>
+              <a:t>2. </a:t>
+            </a:r>
+            <a:r>
+              <a:rPr lang="en-US" sz="2400" dirty="0">
+                <a:solidFill>
+                  <a:srgbClr val="FFFF00"/>
+                </a:solidFill>
+              </a:rPr>
+              <a:t>=&gt; {}</a:t>
             </a:r>
           </a:p>
         </p:txBody>
@@ -16133,6 +15463,733 @@
               <a:sym typeface="Helvetica Neue"/>
             </a:endParaRPr>
           </a:p>
+        </p:txBody>
+      </p:sp>
+    </p:spTree>
+    <p:extLst>
+      <p:ext uri="{BB962C8B-B14F-4D97-AF65-F5344CB8AC3E}">
+        <p14:creationId xmlns:p14="http://schemas.microsoft.com/office/powerpoint/2010/main" val="618684370"/>
+      </p:ext>
+    </p:extLst>
+  </p:cSld>
+  <p:clrMapOvr>
+    <a:masterClrMapping/>
+  </p:clrMapOvr>
+</p:sld>
+</file>
+
+<file path=ppt/slides/slide16.xml><?xml version="1.0" encoding="utf-8"?>
+<p:sld xmlns:a="http://schemas.openxmlformats.org/drawingml/2006/main" xmlns:r="http://schemas.openxmlformats.org/officeDocument/2006/relationships" xmlns:p="http://schemas.openxmlformats.org/presentationml/2006/main">
+  <p:cSld>
+    <p:spTree>
+      <p:nvGrpSpPr>
+        <p:cNvPr id="1" name="Shape 123"/>
+        <p:cNvGrpSpPr/>
+        <p:nvPr/>
+      </p:nvGrpSpPr>
+      <p:grpSpPr>
+        <a:xfrm>
+          <a:off x="0" y="0"/>
+          <a:ext cx="0" cy="0"/>
+          <a:chOff x="0" y="0"/>
+          <a:chExt cx="0" cy="0"/>
+        </a:xfrm>
+      </p:grpSpPr>
+      <p:sp>
+        <p:nvSpPr>
+          <p:cNvPr id="124" name="Shape 124"/>
+          <p:cNvSpPr txBox="1">
+            <a:spLocks noGrp="1"/>
+          </p:cNvSpPr>
+          <p:nvPr>
+            <p:ph type="title"/>
+          </p:nvPr>
+        </p:nvSpPr>
+        <p:spPr>
+          <a:xfrm>
+            <a:off x="669726" y="133945"/>
+            <a:ext cx="7804500" cy="1138500"/>
+          </a:xfrm>
+          <a:prstGeom prst="rect">
+            <a:avLst/>
+          </a:prstGeom>
+          <a:noFill/>
+          <a:ln>
+            <a:noFill/>
+          </a:ln>
+        </p:spPr>
+        <p:txBody>
+          <a:bodyPr lIns="32750" tIns="32750" rIns="32750" bIns="32750" anchor="ctr" anchorCtr="0">
+            <a:noAutofit/>
+          </a:bodyPr>
+          <a:lstStyle/>
+          <a:p>
+            <a:pPr marL="0" marR="0" lvl="0" indent="0" algn="ctr" rtl="0">
+              <a:lnSpc>
+                <a:spcPct val="100000"/>
+              </a:lnSpc>
+              <a:spcBef>
+                <a:spcPts val="0"/>
+              </a:spcBef>
+              <a:spcAft>
+                <a:spcPts val="0"/>
+              </a:spcAft>
+              <a:buClr>
+                <a:srgbClr val="FFFFFF"/>
+              </a:buClr>
+              <a:buSzPct val="25000"/>
+              <a:buFont typeface="Helvetica Neue"/>
+              <a:buNone/>
+            </a:pPr>
+            <a:r>
+              <a:rPr lang="en-US" sz="5200" b="0" i="0" u="none" strike="noStrike" cap="none">
+                <a:solidFill>
+                  <a:srgbClr val="FFFFFF"/>
+                </a:solidFill>
+                <a:latin typeface="Helvetica Neue"/>
+                <a:ea typeface="Helvetica Neue"/>
+                <a:cs typeface="Helvetica Neue"/>
+                <a:sym typeface="Helvetica Neue"/>
+              </a:rPr>
+              <a:t>Arrow functions</a:t>
+            </a:r>
+          </a:p>
+        </p:txBody>
+      </p:sp>
+      <p:sp>
+        <p:nvSpPr>
+          <p:cNvPr id="125" name="Shape 125"/>
+          <p:cNvSpPr/>
+          <p:nvPr/>
+        </p:nvSpPr>
+        <p:spPr>
+          <a:xfrm>
+            <a:off x="281353" y="1000369"/>
+            <a:ext cx="8192871" cy="1649046"/>
+          </a:xfrm>
+          <a:prstGeom prst="rect">
+            <a:avLst/>
+          </a:prstGeom>
+          <a:noFill/>
+          <a:ln>
+            <a:noFill/>
+          </a:ln>
+        </p:spPr>
+        <p:txBody>
+          <a:bodyPr lIns="32750" tIns="32750" rIns="32750" bIns="32750" anchor="ctr" anchorCtr="0">
+            <a:noAutofit/>
+          </a:bodyPr>
+          <a:lstStyle/>
+          <a:p>
+            <a:pPr marL="0" marR="0" lvl="0" indent="0" algn="l" rtl="0">
+              <a:lnSpc>
+                <a:spcPct val="100000"/>
+              </a:lnSpc>
+              <a:spcBef>
+                <a:spcPts val="0"/>
+              </a:spcBef>
+              <a:spcAft>
+                <a:spcPts val="0"/>
+              </a:spcAft>
+              <a:buClr>
+                <a:srgbClr val="F8F8F8"/>
+              </a:buClr>
+              <a:buSzPct val="25000"/>
+              <a:buFont typeface="Consolas"/>
+              <a:buNone/>
+            </a:pPr>
+            <a:r>
+              <a:rPr lang="en-US" sz="2300" dirty="0">
+                <a:solidFill>
+                  <a:srgbClr val="F8F8F8"/>
+                </a:solidFill>
+                <a:latin typeface="Consolas"/>
+                <a:ea typeface="Consolas"/>
+                <a:cs typeface="Consolas"/>
+                <a:sym typeface="Consolas"/>
+              </a:rPr>
+              <a:t>e</a:t>
+            </a:r>
+            <a:r>
+              <a:rPr lang="en-US" sz="2300" b="0" i="0" u="none" strike="noStrike" cap="none" dirty="0">
+                <a:solidFill>
+                  <a:srgbClr val="F8F8F8"/>
+                </a:solidFill>
+                <a:latin typeface="Consolas"/>
+                <a:ea typeface="Consolas"/>
+                <a:cs typeface="Consolas"/>
+                <a:sym typeface="Consolas"/>
+              </a:rPr>
+              <a:t>vens = {2,4,6,8,10}</a:t>
+            </a:r>
+          </a:p>
+          <a:p>
+            <a:pPr marL="0" marR="0" lvl="0" indent="0" algn="l" rtl="0">
+              <a:lnSpc>
+                <a:spcPct val="100000"/>
+              </a:lnSpc>
+              <a:spcBef>
+                <a:spcPts val="0"/>
+              </a:spcBef>
+              <a:spcAft>
+                <a:spcPts val="0"/>
+              </a:spcAft>
+              <a:buClr>
+                <a:srgbClr val="F8F8F8"/>
+              </a:buClr>
+              <a:buSzPct val="25000"/>
+              <a:buFont typeface="Consolas"/>
+              <a:buNone/>
+            </a:pPr>
+            <a:r>
+              <a:rPr lang="en-US" sz="2300" b="0" i="0" u="none" strike="noStrike" cap="none" dirty="0">
+                <a:solidFill>
+                  <a:srgbClr val="F8F8F8"/>
+                </a:solidFill>
+                <a:latin typeface="Consolas"/>
+                <a:ea typeface="Consolas"/>
+                <a:cs typeface="Consolas"/>
+                <a:sym typeface="Consolas"/>
+              </a:rPr>
+              <a:t>odds  </a:t>
+            </a:r>
+            <a:r>
+              <a:rPr lang="en-US" sz="2300" b="0" i="0" u="none" strike="noStrike" cap="none" dirty="0">
+                <a:solidFill>
+                  <a:srgbClr val="E28964"/>
+                </a:solidFill>
+                <a:latin typeface="Consolas"/>
+                <a:ea typeface="Consolas"/>
+                <a:cs typeface="Consolas"/>
+                <a:sym typeface="Consolas"/>
+              </a:rPr>
+              <a:t>=</a:t>
+            </a:r>
+            <a:r>
+              <a:rPr lang="en-US" sz="2300" b="0" i="0" u="none" strike="noStrike" cap="none" dirty="0">
+                <a:solidFill>
+                  <a:srgbClr val="F8F8F8"/>
+                </a:solidFill>
+                <a:latin typeface="Consolas"/>
+                <a:ea typeface="Consolas"/>
+                <a:cs typeface="Consolas"/>
+                <a:sym typeface="Consolas"/>
+              </a:rPr>
+              <a:t> </a:t>
+            </a:r>
+            <a:r>
+              <a:rPr lang="en-US" sz="2300" b="0" i="0" u="none" strike="noStrike" cap="none" dirty="0" err="1">
+                <a:solidFill>
+                  <a:srgbClr val="F8F8F8"/>
+                </a:solidFill>
+                <a:latin typeface="Consolas"/>
+                <a:ea typeface="Consolas"/>
+                <a:cs typeface="Consolas"/>
+                <a:sym typeface="Consolas"/>
+              </a:rPr>
+              <a:t>evens.map</a:t>
+            </a:r>
+            <a:r>
+              <a:rPr lang="en-US" sz="2300" b="0" i="0" u="none" strike="noStrike" cap="none" dirty="0">
+                <a:solidFill>
+                  <a:srgbClr val="F8F8F8"/>
+                </a:solidFill>
+                <a:latin typeface="Consolas"/>
+                <a:ea typeface="Consolas"/>
+                <a:cs typeface="Consolas"/>
+                <a:sym typeface="Consolas"/>
+              </a:rPr>
+              <a:t>(v </a:t>
+            </a:r>
+            <a:r>
+              <a:rPr lang="en-US" sz="2300" b="0" i="0" u="none" strike="noStrike" cap="none" dirty="0">
+                <a:solidFill>
+                  <a:srgbClr val="E28964"/>
+                </a:solidFill>
+                <a:latin typeface="Consolas"/>
+                <a:ea typeface="Consolas"/>
+                <a:cs typeface="Consolas"/>
+                <a:sym typeface="Consolas"/>
+              </a:rPr>
+              <a:t>=&gt;</a:t>
+            </a:r>
+            <a:r>
+              <a:rPr lang="en-US" sz="2300" b="0" i="0" u="none" strike="noStrike" cap="none" dirty="0">
+                <a:solidFill>
+                  <a:srgbClr val="F8F8F8"/>
+                </a:solidFill>
+                <a:latin typeface="Consolas"/>
+                <a:ea typeface="Consolas"/>
+                <a:cs typeface="Consolas"/>
+                <a:sym typeface="Consolas"/>
+              </a:rPr>
+              <a:t> v </a:t>
+            </a:r>
+            <a:r>
+              <a:rPr lang="en-US" sz="2300" b="0" i="0" u="none" strike="noStrike" cap="none" dirty="0">
+                <a:solidFill>
+                  <a:srgbClr val="E28964"/>
+                </a:solidFill>
+                <a:latin typeface="Consolas"/>
+                <a:ea typeface="Consolas"/>
+                <a:cs typeface="Consolas"/>
+                <a:sym typeface="Consolas"/>
+              </a:rPr>
+              <a:t>+</a:t>
+            </a:r>
+            <a:r>
+              <a:rPr lang="en-US" sz="2300" b="0" i="0" u="none" strike="noStrike" cap="none" dirty="0">
+                <a:solidFill>
+                  <a:srgbClr val="F8F8F8"/>
+                </a:solidFill>
+                <a:latin typeface="Consolas"/>
+                <a:ea typeface="Consolas"/>
+                <a:cs typeface="Consolas"/>
+                <a:sym typeface="Consolas"/>
+              </a:rPr>
+              <a:t> </a:t>
+            </a:r>
+            <a:r>
+              <a:rPr lang="en-US" sz="2300" b="0" i="0" u="none" strike="noStrike" cap="none" dirty="0">
+                <a:solidFill>
+                  <a:srgbClr val="3387CC"/>
+                </a:solidFill>
+                <a:latin typeface="Consolas"/>
+                <a:ea typeface="Consolas"/>
+                <a:cs typeface="Consolas"/>
+                <a:sym typeface="Consolas"/>
+              </a:rPr>
+              <a:t>1</a:t>
+            </a:r>
+            <a:r>
+              <a:rPr lang="en-US" sz="2300" b="0" i="0" u="none" strike="noStrike" cap="none" dirty="0">
+                <a:solidFill>
+                  <a:srgbClr val="F8F8F8"/>
+                </a:solidFill>
+                <a:latin typeface="Consolas"/>
+                <a:ea typeface="Consolas"/>
+                <a:cs typeface="Consolas"/>
+                <a:sym typeface="Consolas"/>
+              </a:rPr>
+              <a:t>)</a:t>
+            </a:r>
+          </a:p>
+          <a:p>
+            <a:pPr marL="0" marR="0" lvl="0" indent="0" algn="l" rtl="0">
+              <a:lnSpc>
+                <a:spcPct val="100000"/>
+              </a:lnSpc>
+              <a:spcBef>
+                <a:spcPts val="0"/>
+              </a:spcBef>
+              <a:spcAft>
+                <a:spcPts val="0"/>
+              </a:spcAft>
+              <a:buClr>
+                <a:srgbClr val="F8F8F8"/>
+              </a:buClr>
+              <a:buSzPct val="25000"/>
+              <a:buFont typeface="Consolas"/>
+              <a:buNone/>
+            </a:pPr>
+            <a:r>
+              <a:rPr lang="en-US" sz="2300" b="0" i="0" u="none" strike="noStrike" cap="none" dirty="0">
+                <a:solidFill>
+                  <a:srgbClr val="F8F8F8"/>
+                </a:solidFill>
+                <a:latin typeface="Consolas"/>
+                <a:ea typeface="Consolas"/>
+                <a:cs typeface="Consolas"/>
+                <a:sym typeface="Consolas"/>
+              </a:rPr>
+              <a:t>pairs </a:t>
+            </a:r>
+            <a:r>
+              <a:rPr lang="en-US" sz="2300" b="0" i="0" u="none" strike="noStrike" cap="none" dirty="0">
+                <a:solidFill>
+                  <a:srgbClr val="E28964"/>
+                </a:solidFill>
+                <a:latin typeface="Consolas"/>
+                <a:ea typeface="Consolas"/>
+                <a:cs typeface="Consolas"/>
+                <a:sym typeface="Consolas"/>
+              </a:rPr>
+              <a:t>=</a:t>
+            </a:r>
+            <a:r>
+              <a:rPr lang="en-US" sz="2300" b="0" i="0" u="none" strike="noStrike" cap="none" dirty="0">
+                <a:solidFill>
+                  <a:srgbClr val="F8F8F8"/>
+                </a:solidFill>
+                <a:latin typeface="Consolas"/>
+                <a:ea typeface="Consolas"/>
+                <a:cs typeface="Consolas"/>
+                <a:sym typeface="Consolas"/>
+              </a:rPr>
+              <a:t> </a:t>
+            </a:r>
+            <a:r>
+              <a:rPr lang="en-US" sz="2300" b="0" i="0" u="none" strike="noStrike" cap="none" dirty="0" err="1">
+                <a:solidFill>
+                  <a:srgbClr val="F8F8F8"/>
+                </a:solidFill>
+                <a:latin typeface="Consolas"/>
+                <a:ea typeface="Consolas"/>
+                <a:cs typeface="Consolas"/>
+                <a:sym typeface="Consolas"/>
+              </a:rPr>
+              <a:t>evens.map</a:t>
+            </a:r>
+            <a:r>
+              <a:rPr lang="en-US" sz="2300" b="0" i="0" u="none" strike="noStrike" cap="none" dirty="0">
+                <a:solidFill>
+                  <a:srgbClr val="F8F8F8"/>
+                </a:solidFill>
+                <a:latin typeface="Consolas"/>
+                <a:ea typeface="Consolas"/>
+                <a:cs typeface="Consolas"/>
+                <a:sym typeface="Consolas"/>
+              </a:rPr>
+              <a:t>(v </a:t>
+            </a:r>
+            <a:r>
+              <a:rPr lang="en-US" sz="2300" b="0" i="0" u="none" strike="noStrike" cap="none" dirty="0">
+                <a:solidFill>
+                  <a:srgbClr val="E28964"/>
+                </a:solidFill>
+                <a:latin typeface="Consolas"/>
+                <a:ea typeface="Consolas"/>
+                <a:cs typeface="Consolas"/>
+                <a:sym typeface="Consolas"/>
+              </a:rPr>
+              <a:t>=&gt;</a:t>
+            </a:r>
+            <a:r>
+              <a:rPr lang="en-US" sz="2300" b="0" i="0" u="none" strike="noStrike" cap="none" dirty="0">
+                <a:solidFill>
+                  <a:srgbClr val="F8F8F8"/>
+                </a:solidFill>
+                <a:latin typeface="Consolas"/>
+                <a:ea typeface="Consolas"/>
+                <a:cs typeface="Consolas"/>
+                <a:sym typeface="Consolas"/>
+              </a:rPr>
+              <a:t> ({ even: v, odd: v </a:t>
+            </a:r>
+            <a:r>
+              <a:rPr lang="en-US" sz="2300" b="0" i="0" u="none" strike="noStrike" cap="none" dirty="0">
+                <a:solidFill>
+                  <a:srgbClr val="E28964"/>
+                </a:solidFill>
+                <a:latin typeface="Consolas"/>
+                <a:ea typeface="Consolas"/>
+                <a:cs typeface="Consolas"/>
+                <a:sym typeface="Consolas"/>
+              </a:rPr>
+              <a:t>+</a:t>
+            </a:r>
+            <a:r>
+              <a:rPr lang="en-US" sz="2300" b="0" i="0" u="none" strike="noStrike" cap="none" dirty="0">
+                <a:solidFill>
+                  <a:srgbClr val="F8F8F8"/>
+                </a:solidFill>
+                <a:latin typeface="Consolas"/>
+                <a:ea typeface="Consolas"/>
+                <a:cs typeface="Consolas"/>
+                <a:sym typeface="Consolas"/>
+              </a:rPr>
+              <a:t> </a:t>
+            </a:r>
+            <a:r>
+              <a:rPr lang="en-US" sz="2300" b="0" i="0" u="none" strike="noStrike" cap="none" dirty="0">
+                <a:solidFill>
+                  <a:srgbClr val="3387CC"/>
+                </a:solidFill>
+                <a:latin typeface="Consolas"/>
+                <a:ea typeface="Consolas"/>
+                <a:cs typeface="Consolas"/>
+                <a:sym typeface="Consolas"/>
+              </a:rPr>
+              <a:t>1</a:t>
+            </a:r>
+            <a:r>
+              <a:rPr lang="en-US" sz="2300" b="0" i="0" u="none" strike="noStrike" cap="none" dirty="0">
+                <a:solidFill>
+                  <a:srgbClr val="F8F8F8"/>
+                </a:solidFill>
+                <a:latin typeface="Consolas"/>
+                <a:ea typeface="Consolas"/>
+                <a:cs typeface="Consolas"/>
+                <a:sym typeface="Consolas"/>
+              </a:rPr>
+              <a:t> }))</a:t>
+            </a:r>
+          </a:p>
+          <a:p>
+            <a:pPr marL="0" marR="0" lvl="0" indent="0" algn="l" rtl="0">
+              <a:lnSpc>
+                <a:spcPct val="100000"/>
+              </a:lnSpc>
+              <a:spcBef>
+                <a:spcPts val="0"/>
+              </a:spcBef>
+              <a:spcAft>
+                <a:spcPts val="0"/>
+              </a:spcAft>
+              <a:buClr>
+                <a:srgbClr val="F8F8F8"/>
+              </a:buClr>
+              <a:buSzPct val="25000"/>
+              <a:buFont typeface="Consolas"/>
+              <a:buNone/>
+            </a:pPr>
+            <a:r>
+              <a:rPr lang="en-US" sz="2300" b="0" i="0" u="none" strike="noStrike" cap="none" dirty="0" err="1">
+                <a:solidFill>
+                  <a:srgbClr val="F8F8F8"/>
+                </a:solidFill>
+                <a:latin typeface="Consolas"/>
+                <a:ea typeface="Consolas"/>
+                <a:cs typeface="Consolas"/>
+                <a:sym typeface="Consolas"/>
+              </a:rPr>
+              <a:t>nums</a:t>
+            </a:r>
+            <a:r>
+              <a:rPr lang="en-US" sz="2300" b="0" i="0" u="none" strike="noStrike" cap="none" dirty="0">
+                <a:solidFill>
+                  <a:srgbClr val="F8F8F8"/>
+                </a:solidFill>
+                <a:latin typeface="Consolas"/>
+                <a:ea typeface="Consolas"/>
+                <a:cs typeface="Consolas"/>
+                <a:sym typeface="Consolas"/>
+              </a:rPr>
+              <a:t>  </a:t>
+            </a:r>
+            <a:r>
+              <a:rPr lang="en-US" sz="2300" b="0" i="0" u="none" strike="noStrike" cap="none" dirty="0">
+                <a:solidFill>
+                  <a:srgbClr val="E28964"/>
+                </a:solidFill>
+                <a:latin typeface="Consolas"/>
+                <a:ea typeface="Consolas"/>
+                <a:cs typeface="Consolas"/>
+                <a:sym typeface="Consolas"/>
+              </a:rPr>
+              <a:t>=</a:t>
+            </a:r>
+            <a:r>
+              <a:rPr lang="en-US" sz="2300" b="0" i="0" u="none" strike="noStrike" cap="none" dirty="0">
+                <a:solidFill>
+                  <a:srgbClr val="F8F8F8"/>
+                </a:solidFill>
+                <a:latin typeface="Consolas"/>
+                <a:ea typeface="Consolas"/>
+                <a:cs typeface="Consolas"/>
+                <a:sym typeface="Consolas"/>
+              </a:rPr>
+              <a:t> </a:t>
+            </a:r>
+            <a:r>
+              <a:rPr lang="en-US" sz="2300" b="0" i="0" u="none" strike="noStrike" cap="none" dirty="0" err="1">
+                <a:solidFill>
+                  <a:srgbClr val="F8F8F8"/>
+                </a:solidFill>
+                <a:latin typeface="Consolas"/>
+                <a:ea typeface="Consolas"/>
+                <a:cs typeface="Consolas"/>
+                <a:sym typeface="Consolas"/>
+              </a:rPr>
+              <a:t>evens.map</a:t>
+            </a:r>
+            <a:r>
+              <a:rPr lang="en-US" sz="2300" b="0" i="0" u="none" strike="noStrike" cap="none" dirty="0">
+                <a:solidFill>
+                  <a:srgbClr val="F8F8F8"/>
+                </a:solidFill>
+                <a:latin typeface="Consolas"/>
+                <a:ea typeface="Consolas"/>
+                <a:cs typeface="Consolas"/>
+                <a:sym typeface="Consolas"/>
+              </a:rPr>
+              <a:t>((v, </a:t>
+            </a:r>
+            <a:r>
+              <a:rPr lang="en-US" sz="2300" b="0" i="0" u="none" strike="noStrike" cap="none" dirty="0" err="1">
+                <a:solidFill>
+                  <a:srgbClr val="F8F8F8"/>
+                </a:solidFill>
+                <a:latin typeface="Consolas"/>
+                <a:ea typeface="Consolas"/>
+                <a:cs typeface="Consolas"/>
+                <a:sym typeface="Consolas"/>
+              </a:rPr>
+              <a:t>i</a:t>
+            </a:r>
+            <a:r>
+              <a:rPr lang="en-US" sz="2300" b="0" i="0" u="none" strike="noStrike" cap="none" dirty="0">
+                <a:solidFill>
+                  <a:srgbClr val="F8F8F8"/>
+                </a:solidFill>
+                <a:latin typeface="Consolas"/>
+                <a:ea typeface="Consolas"/>
+                <a:cs typeface="Consolas"/>
+                <a:sym typeface="Consolas"/>
+              </a:rPr>
+              <a:t>) </a:t>
+            </a:r>
+            <a:r>
+              <a:rPr lang="en-US" sz="2300" b="0" i="0" u="none" strike="noStrike" cap="none" dirty="0">
+                <a:solidFill>
+                  <a:srgbClr val="E28964"/>
+                </a:solidFill>
+                <a:latin typeface="Consolas"/>
+                <a:ea typeface="Consolas"/>
+                <a:cs typeface="Consolas"/>
+                <a:sym typeface="Consolas"/>
+              </a:rPr>
+              <a:t>=&gt;</a:t>
+            </a:r>
+            <a:r>
+              <a:rPr lang="en-US" sz="2300" b="0" i="0" u="none" strike="noStrike" cap="none" dirty="0">
+                <a:solidFill>
+                  <a:srgbClr val="F8F8F8"/>
+                </a:solidFill>
+                <a:latin typeface="Consolas"/>
+                <a:ea typeface="Consolas"/>
+                <a:cs typeface="Consolas"/>
+                <a:sym typeface="Consolas"/>
+              </a:rPr>
+              <a:t> { </a:t>
+            </a:r>
+            <a:r>
+              <a:rPr lang="en-US" sz="2300" b="0" i="0" u="none" strike="noStrike" cap="none" dirty="0">
+                <a:solidFill>
+                  <a:srgbClr val="E28964"/>
+                </a:solidFill>
+                <a:latin typeface="Consolas"/>
+                <a:ea typeface="Consolas"/>
+                <a:cs typeface="Consolas"/>
+                <a:sym typeface="Consolas"/>
+              </a:rPr>
+              <a:t>return</a:t>
+            </a:r>
+            <a:r>
+              <a:rPr lang="en-US" sz="2300" b="0" i="0" u="none" strike="noStrike" cap="none" dirty="0">
+                <a:solidFill>
+                  <a:srgbClr val="F8F8F8"/>
+                </a:solidFill>
+                <a:latin typeface="Consolas"/>
+                <a:ea typeface="Consolas"/>
+                <a:cs typeface="Consolas"/>
+                <a:sym typeface="Consolas"/>
+              </a:rPr>
+              <a:t> v </a:t>
+            </a:r>
+            <a:r>
+              <a:rPr lang="en-US" sz="2300" b="0" i="0" u="none" strike="noStrike" cap="none" dirty="0">
+                <a:solidFill>
+                  <a:srgbClr val="E28964"/>
+                </a:solidFill>
+                <a:latin typeface="Consolas"/>
+                <a:ea typeface="Consolas"/>
+                <a:cs typeface="Consolas"/>
+                <a:sym typeface="Consolas"/>
+              </a:rPr>
+              <a:t>+</a:t>
+            </a:r>
+            <a:r>
+              <a:rPr lang="en-US" sz="2300" b="0" i="0" u="none" strike="noStrike" cap="none" dirty="0">
+                <a:solidFill>
+                  <a:srgbClr val="F8F8F8"/>
+                </a:solidFill>
+                <a:latin typeface="Consolas"/>
+                <a:ea typeface="Consolas"/>
+                <a:cs typeface="Consolas"/>
+                <a:sym typeface="Consolas"/>
+              </a:rPr>
+              <a:t> </a:t>
+            </a:r>
+            <a:r>
+              <a:rPr lang="en-US" sz="2300" b="0" i="0" u="none" strike="noStrike" cap="none" dirty="0" err="1">
+                <a:solidFill>
+                  <a:srgbClr val="F8F8F8"/>
+                </a:solidFill>
+                <a:latin typeface="Consolas"/>
+                <a:ea typeface="Consolas"/>
+                <a:cs typeface="Consolas"/>
+                <a:sym typeface="Consolas"/>
+              </a:rPr>
+              <a:t>i</a:t>
+            </a:r>
+            <a:r>
+              <a:rPr lang="en-US" sz="2300" b="0" i="0" u="none" strike="noStrike" cap="none" dirty="0">
+                <a:solidFill>
+                  <a:srgbClr val="F8F8F8"/>
+                </a:solidFill>
+                <a:latin typeface="Consolas"/>
+                <a:ea typeface="Consolas"/>
+                <a:cs typeface="Consolas"/>
+                <a:sym typeface="Consolas"/>
+              </a:rPr>
+              <a:t>;})</a:t>
+            </a:r>
+          </a:p>
+        </p:txBody>
+      </p:sp>
+      <p:sp>
+        <p:nvSpPr>
+          <p:cNvPr id="126" name="Shape 126"/>
+          <p:cNvSpPr/>
+          <p:nvPr/>
+        </p:nvSpPr>
+        <p:spPr>
+          <a:xfrm>
+            <a:off x="669726" y="2008286"/>
+            <a:ext cx="7804500" cy="1138500"/>
+          </a:xfrm>
+          <a:prstGeom prst="rect">
+            <a:avLst/>
+          </a:prstGeom>
+          <a:noFill/>
+          <a:ln>
+            <a:noFill/>
+          </a:ln>
+        </p:spPr>
+        <p:txBody>
+          <a:bodyPr lIns="32750" tIns="32750" rIns="32750" bIns="32750" anchor="ctr" anchorCtr="0">
+            <a:noAutofit/>
+          </a:bodyPr>
+          <a:lstStyle/>
+          <a:p>
+            <a:pPr marL="0" marR="0" lvl="1" indent="152400" algn="ctr" rtl="0">
+              <a:lnSpc>
+                <a:spcPct val="100000"/>
+              </a:lnSpc>
+              <a:spcBef>
+                <a:spcPts val="0"/>
+              </a:spcBef>
+              <a:spcAft>
+                <a:spcPts val="0"/>
+              </a:spcAft>
+              <a:buClr>
+                <a:srgbClr val="FFFFFF"/>
+              </a:buClr>
+              <a:buSzPct val="25000"/>
+              <a:buFont typeface="Helvetica Neue"/>
+              <a:buNone/>
+            </a:pPr>
+            <a:endParaRPr lang="en-US" sz="2600" b="0" i="0" u="none" strike="noStrike" cap="none" dirty="0">
+              <a:solidFill>
+                <a:srgbClr val="FF0000"/>
+              </a:solidFill>
+              <a:latin typeface="Helvetica Neue"/>
+              <a:ea typeface="Helvetica Neue"/>
+              <a:cs typeface="Helvetica Neue"/>
+              <a:sym typeface="Helvetica Neue"/>
+            </a:endParaRPr>
+          </a:p>
           <a:p>
             <a:pPr marL="0" marR="0" lvl="1" indent="152400" algn="ctr" rtl="0">
               <a:lnSpc>
@@ -16794,7 +16851,7 @@
 </p:sld>
 </file>
 
-<file path=ppt/slides/slide16.xml><?xml version="1.0" encoding="utf-8"?>
+<file path=ppt/slides/slide17.xml><?xml version="1.0" encoding="utf-8"?>
 <p:sld xmlns:a="http://schemas.openxmlformats.org/drawingml/2006/main" xmlns:r="http://schemas.openxmlformats.org/officeDocument/2006/relationships" xmlns:p="http://schemas.openxmlformats.org/presentationml/2006/main">
   <p:cSld>
     <p:spTree>
@@ -17062,7 +17119,7 @@
 </p:sld>
 </file>
 
-<file path=ppt/slides/slide17.xml><?xml version="1.0" encoding="utf-8"?>
+<file path=ppt/slides/slide18.xml><?xml version="1.0" encoding="utf-8"?>
 <p:sld xmlns:a="http://schemas.openxmlformats.org/drawingml/2006/main" xmlns:r="http://schemas.openxmlformats.org/officeDocument/2006/relationships" xmlns:p="http://schemas.openxmlformats.org/presentationml/2006/main">
   <p:cSld>
     <p:spTree>
@@ -17781,7 +17838,7 @@
 </p:sld>
 </file>
 
-<file path=ppt/slides/slide18.xml><?xml version="1.0" encoding="utf-8"?>
+<file path=ppt/slides/slide19.xml><?xml version="1.0" encoding="utf-8"?>
 <p:sld xmlns:a="http://schemas.openxmlformats.org/drawingml/2006/main" xmlns:r="http://schemas.openxmlformats.org/officeDocument/2006/relationships" xmlns:p="http://schemas.openxmlformats.org/presentationml/2006/main">
   <p:cSld>
     <p:spTree>
@@ -18279,608 +18336,6 @@
                 <a:sym typeface="Helvetica Neue"/>
               </a:rPr>
               <a:t>// 2</a:t>
-            </a:r>
-          </a:p>
-        </p:txBody>
-      </p:sp>
-    </p:spTree>
-  </p:cSld>
-  <p:clrMapOvr>
-    <a:masterClrMapping/>
-  </p:clrMapOvr>
-</p:sld>
-</file>
-
-<file path=ppt/slides/slide19.xml><?xml version="1.0" encoding="utf-8"?>
-<p:sld xmlns:a="http://schemas.openxmlformats.org/drawingml/2006/main" xmlns:r="http://schemas.openxmlformats.org/officeDocument/2006/relationships" xmlns:p="http://schemas.openxmlformats.org/presentationml/2006/main">
-  <p:cSld>
-    <p:spTree>
-      <p:nvGrpSpPr>
-        <p:cNvPr id="1" name="Shape 149"/>
-        <p:cNvGrpSpPr/>
-        <p:nvPr/>
-      </p:nvGrpSpPr>
-      <p:grpSpPr>
-        <a:xfrm>
-          <a:off x="0" y="0"/>
-          <a:ext cx="0" cy="0"/>
-          <a:chOff x="0" y="0"/>
-          <a:chExt cx="0" cy="0"/>
-        </a:xfrm>
-      </p:grpSpPr>
-      <p:sp>
-        <p:nvSpPr>
-          <p:cNvPr id="150" name="Shape 150"/>
-          <p:cNvSpPr txBox="1">
-            <a:spLocks noGrp="1"/>
-          </p:cNvSpPr>
-          <p:nvPr>
-            <p:ph type="title"/>
-          </p:nvPr>
-        </p:nvSpPr>
-        <p:spPr>
-          <a:xfrm>
-            <a:off x="79513" y="133945"/>
-            <a:ext cx="9064487" cy="1138500"/>
-          </a:xfrm>
-          <a:prstGeom prst="rect">
-            <a:avLst/>
-          </a:prstGeom>
-          <a:noFill/>
-          <a:ln>
-            <a:noFill/>
-          </a:ln>
-        </p:spPr>
-        <p:txBody>
-          <a:bodyPr lIns="32750" tIns="32750" rIns="32750" bIns="32750" anchor="ctr" anchorCtr="0">
-            <a:noAutofit/>
-          </a:bodyPr>
-          <a:lstStyle/>
-          <a:p>
-            <a:pPr lvl="0"/>
-            <a:r>
-              <a:rPr lang="en-US" sz="4000" b="1" dirty="0"/>
-              <a:t>Spread attributes</a:t>
-            </a:r>
-            <a:r>
-              <a:rPr lang="en-US" sz="4000" b="0" i="0" u="none" strike="noStrike" cap="none" dirty="0">
-                <a:solidFill>
-                  <a:srgbClr val="FFFFFF"/>
-                </a:solidFill>
-                <a:sym typeface="Helvetica Neue"/>
-              </a:rPr>
-              <a:t>/Rest parameter</a:t>
-            </a:r>
-          </a:p>
-        </p:txBody>
-      </p:sp>
-      <p:sp>
-        <p:nvSpPr>
-          <p:cNvPr id="151" name="Shape 151"/>
-          <p:cNvSpPr/>
-          <p:nvPr/>
-        </p:nvSpPr>
-        <p:spPr>
-          <a:xfrm>
-            <a:off x="1868381" y="1841750"/>
-            <a:ext cx="6832800" cy="1460100"/>
-          </a:xfrm>
-          <a:prstGeom prst="rect">
-            <a:avLst/>
-          </a:prstGeom>
-          <a:noFill/>
-          <a:ln>
-            <a:noFill/>
-          </a:ln>
-        </p:spPr>
-        <p:txBody>
-          <a:bodyPr lIns="32750" tIns="32750" rIns="32750" bIns="32750" anchor="ctr" anchorCtr="0">
-            <a:noAutofit/>
-          </a:bodyPr>
-          <a:lstStyle/>
-          <a:p>
-            <a:pPr marL="0" marR="0" lvl="0" indent="0" algn="l" rtl="0">
-              <a:lnSpc>
-                <a:spcPct val="100000"/>
-              </a:lnSpc>
-              <a:spcBef>
-                <a:spcPts val="0"/>
-              </a:spcBef>
-              <a:spcAft>
-                <a:spcPts val="0"/>
-              </a:spcAft>
-              <a:buClr>
-                <a:srgbClr val="99CF50"/>
-              </a:buClr>
-              <a:buSzPct val="25000"/>
-              <a:buFont typeface="Consolas"/>
-              <a:buNone/>
-            </a:pPr>
-            <a:r>
-              <a:rPr lang="en-US" sz="2300" b="0" i="0" u="none" strike="noStrike" cap="none" dirty="0">
-                <a:solidFill>
-                  <a:srgbClr val="99CF50"/>
-                </a:solidFill>
-                <a:latin typeface="Consolas"/>
-                <a:ea typeface="Consolas"/>
-                <a:cs typeface="Consolas"/>
-                <a:sym typeface="Consolas"/>
-              </a:rPr>
-              <a:t>function</a:t>
-            </a:r>
-            <a:r>
-              <a:rPr lang="en-US" sz="2300" b="0" i="0" u="none" strike="noStrike" cap="none" dirty="0">
-                <a:solidFill>
-                  <a:srgbClr val="F8F8F8"/>
-                </a:solidFill>
-                <a:latin typeface="Consolas"/>
-                <a:ea typeface="Consolas"/>
-                <a:cs typeface="Consolas"/>
-                <a:sym typeface="Consolas"/>
-              </a:rPr>
-              <a:t> </a:t>
-            </a:r>
-            <a:r>
-              <a:rPr lang="en-US" sz="2300" b="0" i="0" u="none" strike="noStrike" cap="none" dirty="0">
-                <a:solidFill>
-                  <a:srgbClr val="89BDFF"/>
-                </a:solidFill>
-                <a:latin typeface="Consolas"/>
-                <a:ea typeface="Consolas"/>
-                <a:cs typeface="Consolas"/>
-                <a:sym typeface="Consolas"/>
-              </a:rPr>
-              <a:t>f</a:t>
-            </a:r>
-            <a:r>
-              <a:rPr lang="en-US" sz="2300" b="0" i="0" u="none" strike="noStrike" cap="none" dirty="0">
-                <a:solidFill>
-                  <a:srgbClr val="F8F8F8"/>
-                </a:solidFill>
-                <a:latin typeface="Consolas"/>
-                <a:ea typeface="Consolas"/>
-                <a:cs typeface="Consolas"/>
-                <a:sym typeface="Consolas"/>
-              </a:rPr>
-              <a:t> (x, y, ...a) {</a:t>
-            </a:r>
-          </a:p>
-          <a:p>
-            <a:pPr marL="0" marR="0" lvl="0" indent="0" algn="l" rtl="0">
-              <a:lnSpc>
-                <a:spcPct val="100000"/>
-              </a:lnSpc>
-              <a:spcBef>
-                <a:spcPts val="0"/>
-              </a:spcBef>
-              <a:spcAft>
-                <a:spcPts val="0"/>
-              </a:spcAft>
-              <a:buClr>
-                <a:srgbClr val="F8F8F8"/>
-              </a:buClr>
-              <a:buSzPct val="25000"/>
-              <a:buFont typeface="Consolas"/>
-              <a:buNone/>
-            </a:pPr>
-            <a:r>
-              <a:rPr lang="en-US" sz="2300" b="0" i="0" u="none" strike="noStrike" cap="none" dirty="0">
-                <a:solidFill>
-                  <a:srgbClr val="F8F8F8"/>
-                </a:solidFill>
-                <a:latin typeface="Consolas"/>
-                <a:ea typeface="Consolas"/>
-                <a:cs typeface="Consolas"/>
-                <a:sym typeface="Consolas"/>
-              </a:rPr>
-              <a:t>    </a:t>
-            </a:r>
-            <a:r>
-              <a:rPr lang="en-US" sz="2300" b="0" i="0" u="none" strike="noStrike" cap="none" dirty="0">
-                <a:solidFill>
-                  <a:srgbClr val="E28964"/>
-                </a:solidFill>
-                <a:latin typeface="Consolas"/>
-                <a:ea typeface="Consolas"/>
-                <a:cs typeface="Consolas"/>
-                <a:sym typeface="Consolas"/>
-              </a:rPr>
-              <a:t>return</a:t>
-            </a:r>
-            <a:r>
-              <a:rPr lang="en-US" sz="2300" b="0" i="0" u="none" strike="noStrike" cap="none" dirty="0">
-                <a:solidFill>
-                  <a:srgbClr val="F8F8F8"/>
-                </a:solidFill>
-                <a:latin typeface="Consolas"/>
-                <a:ea typeface="Consolas"/>
-                <a:cs typeface="Consolas"/>
-                <a:sym typeface="Consolas"/>
-              </a:rPr>
-              <a:t> (x </a:t>
-            </a:r>
-            <a:r>
-              <a:rPr lang="en-US" sz="2300" b="0" i="0" u="none" strike="noStrike" cap="none" dirty="0">
-                <a:solidFill>
-                  <a:srgbClr val="E28964"/>
-                </a:solidFill>
-                <a:latin typeface="Consolas"/>
-                <a:ea typeface="Consolas"/>
-                <a:cs typeface="Consolas"/>
-                <a:sym typeface="Consolas"/>
-              </a:rPr>
-              <a:t>+</a:t>
-            </a:r>
-            <a:r>
-              <a:rPr lang="en-US" sz="2300" b="0" i="0" u="none" strike="noStrike" cap="none" dirty="0">
-                <a:solidFill>
-                  <a:srgbClr val="F8F8F8"/>
-                </a:solidFill>
-                <a:latin typeface="Consolas"/>
-                <a:ea typeface="Consolas"/>
-                <a:cs typeface="Consolas"/>
-                <a:sym typeface="Consolas"/>
-              </a:rPr>
-              <a:t> y) </a:t>
-            </a:r>
-            <a:r>
-              <a:rPr lang="en-US" sz="2300" b="0" i="0" u="none" strike="noStrike" cap="none" dirty="0">
-                <a:solidFill>
-                  <a:srgbClr val="E28964"/>
-                </a:solidFill>
-                <a:latin typeface="Consolas"/>
-                <a:ea typeface="Consolas"/>
-                <a:cs typeface="Consolas"/>
-                <a:sym typeface="Consolas"/>
-              </a:rPr>
-              <a:t>*</a:t>
-            </a:r>
-            <a:r>
-              <a:rPr lang="en-US" sz="2300" b="0" i="0" u="none" strike="noStrike" cap="none" dirty="0">
-                <a:solidFill>
-                  <a:srgbClr val="F8F8F8"/>
-                </a:solidFill>
-                <a:latin typeface="Consolas"/>
-                <a:ea typeface="Consolas"/>
-                <a:cs typeface="Consolas"/>
-                <a:sym typeface="Consolas"/>
-              </a:rPr>
-              <a:t> </a:t>
-            </a:r>
-            <a:r>
-              <a:rPr lang="en-US" sz="2300" b="0" i="0" u="none" strike="noStrike" cap="none" dirty="0" err="1">
-                <a:solidFill>
-                  <a:srgbClr val="F8F8F8"/>
-                </a:solidFill>
-                <a:latin typeface="Consolas"/>
-                <a:ea typeface="Consolas"/>
-                <a:cs typeface="Consolas"/>
-                <a:sym typeface="Consolas"/>
-              </a:rPr>
-              <a:t>a.</a:t>
-            </a:r>
-            <a:r>
-              <a:rPr lang="en-US" sz="2300" b="0" i="0" u="none" strike="noStrike" cap="none" dirty="0" err="1">
-                <a:solidFill>
-                  <a:srgbClr val="CF6A4C"/>
-                </a:solidFill>
-                <a:latin typeface="Consolas"/>
-                <a:ea typeface="Consolas"/>
-                <a:cs typeface="Consolas"/>
-                <a:sym typeface="Consolas"/>
-              </a:rPr>
-              <a:t>length</a:t>
-            </a:r>
-            <a:endParaRPr lang="en-US" sz="2300" b="0" i="0" u="none" strike="noStrike" cap="none" dirty="0">
-              <a:solidFill>
-                <a:srgbClr val="CF6A4C"/>
-              </a:solidFill>
-              <a:latin typeface="Consolas"/>
-              <a:ea typeface="Consolas"/>
-              <a:cs typeface="Consolas"/>
-              <a:sym typeface="Consolas"/>
-            </a:endParaRPr>
-          </a:p>
-          <a:p>
-            <a:pPr marL="0" marR="0" lvl="0" indent="0" algn="l" rtl="0">
-              <a:lnSpc>
-                <a:spcPct val="100000"/>
-              </a:lnSpc>
-              <a:spcBef>
-                <a:spcPts val="0"/>
-              </a:spcBef>
-              <a:spcAft>
-                <a:spcPts val="0"/>
-              </a:spcAft>
-              <a:buClr>
-                <a:srgbClr val="F8F8F8"/>
-              </a:buClr>
-              <a:buSzPct val="25000"/>
-              <a:buFont typeface="Consolas"/>
-              <a:buNone/>
-            </a:pPr>
-            <a:r>
-              <a:rPr lang="en-US" sz="2300" b="0" i="0" u="none" strike="noStrike" cap="none" dirty="0">
-                <a:solidFill>
-                  <a:srgbClr val="F8F8F8"/>
-                </a:solidFill>
-                <a:latin typeface="Consolas"/>
-                <a:ea typeface="Consolas"/>
-                <a:cs typeface="Consolas"/>
-                <a:sym typeface="Consolas"/>
-              </a:rPr>
-              <a:t>}</a:t>
-            </a:r>
-          </a:p>
-          <a:p>
-            <a:pPr marL="0" marR="0" lvl="0" indent="0" algn="l" rtl="0">
-              <a:lnSpc>
-                <a:spcPct val="100000"/>
-              </a:lnSpc>
-              <a:spcBef>
-                <a:spcPts val="0"/>
-              </a:spcBef>
-              <a:spcAft>
-                <a:spcPts val="0"/>
-              </a:spcAft>
-              <a:buClr>
-                <a:srgbClr val="F8F8F8"/>
-              </a:buClr>
-              <a:buFont typeface="Consolas"/>
-              <a:buNone/>
-            </a:pPr>
-            <a:endParaRPr sz="2300" b="0" i="0" u="none" strike="noStrike" cap="none" dirty="0">
-              <a:solidFill>
-                <a:srgbClr val="F8F8F8"/>
-              </a:solidFill>
-              <a:latin typeface="Consolas"/>
-              <a:ea typeface="Consolas"/>
-              <a:cs typeface="Consolas"/>
-              <a:sym typeface="Consolas"/>
-            </a:endParaRPr>
-          </a:p>
-          <a:p>
-            <a:pPr marL="0" marR="0" lvl="0" indent="0" algn="l" rtl="0">
-              <a:lnSpc>
-                <a:spcPct val="100000"/>
-              </a:lnSpc>
-              <a:spcBef>
-                <a:spcPts val="0"/>
-              </a:spcBef>
-              <a:spcAft>
-                <a:spcPts val="0"/>
-              </a:spcAft>
-              <a:buClr>
-                <a:srgbClr val="F8F8F8"/>
-              </a:buClr>
-              <a:buSzPct val="25000"/>
-              <a:buFont typeface="Consolas"/>
-              <a:buNone/>
-            </a:pPr>
-            <a:r>
-              <a:rPr lang="en-US" sz="2300" b="0" i="0" u="none" strike="noStrike" cap="none" dirty="0">
-                <a:solidFill>
-                  <a:srgbClr val="F8F8F8"/>
-                </a:solidFill>
-                <a:latin typeface="Consolas"/>
-                <a:ea typeface="Consolas"/>
-                <a:cs typeface="Consolas"/>
-                <a:sym typeface="Consolas"/>
-              </a:rPr>
-              <a:t>f(</a:t>
-            </a:r>
-            <a:r>
-              <a:rPr lang="en-US" sz="2300" b="0" i="0" u="none" strike="noStrike" cap="none" dirty="0">
-                <a:solidFill>
-                  <a:srgbClr val="3387CC"/>
-                </a:solidFill>
-                <a:latin typeface="Consolas"/>
-                <a:ea typeface="Consolas"/>
-                <a:cs typeface="Consolas"/>
-                <a:sym typeface="Consolas"/>
-              </a:rPr>
-              <a:t>1</a:t>
-            </a:r>
-            <a:r>
-              <a:rPr lang="en-US" sz="2300" b="0" i="0" u="none" strike="noStrike" cap="none" dirty="0">
-                <a:solidFill>
-                  <a:srgbClr val="F8F8F8"/>
-                </a:solidFill>
-                <a:latin typeface="Consolas"/>
-                <a:ea typeface="Consolas"/>
-                <a:cs typeface="Consolas"/>
-                <a:sym typeface="Consolas"/>
-              </a:rPr>
-              <a:t>, </a:t>
-            </a:r>
-            <a:r>
-              <a:rPr lang="en-US" sz="2300" b="0" i="0" u="none" strike="noStrike" cap="none" dirty="0">
-                <a:solidFill>
-                  <a:srgbClr val="3387CC"/>
-                </a:solidFill>
-                <a:latin typeface="Consolas"/>
-                <a:ea typeface="Consolas"/>
-                <a:cs typeface="Consolas"/>
-                <a:sym typeface="Consolas"/>
-              </a:rPr>
-              <a:t>2</a:t>
-            </a:r>
-            <a:r>
-              <a:rPr lang="en-US" sz="2300" b="0" i="0" u="none" strike="noStrike" cap="none" dirty="0">
-                <a:solidFill>
-                  <a:srgbClr val="F8F8F8"/>
-                </a:solidFill>
-                <a:latin typeface="Consolas"/>
-                <a:ea typeface="Consolas"/>
-                <a:cs typeface="Consolas"/>
-                <a:sym typeface="Consolas"/>
-              </a:rPr>
-              <a:t>, </a:t>
-            </a:r>
-            <a:r>
-              <a:rPr lang="en-US" sz="2300" b="0" i="0" u="none" strike="noStrike" cap="none" dirty="0">
-                <a:solidFill>
-                  <a:srgbClr val="65B042"/>
-                </a:solidFill>
-                <a:latin typeface="Consolas"/>
-                <a:ea typeface="Consolas"/>
-                <a:cs typeface="Consolas"/>
-                <a:sym typeface="Consolas"/>
-              </a:rPr>
-              <a:t>"hello"</a:t>
-            </a:r>
-            <a:r>
-              <a:rPr lang="en-US" sz="2300" b="0" i="0" u="none" strike="noStrike" cap="none" dirty="0">
-                <a:solidFill>
-                  <a:srgbClr val="F8F8F8"/>
-                </a:solidFill>
-                <a:latin typeface="Consolas"/>
-                <a:ea typeface="Consolas"/>
-                <a:cs typeface="Consolas"/>
-                <a:sym typeface="Consolas"/>
-              </a:rPr>
-              <a:t>, </a:t>
-            </a:r>
-            <a:r>
-              <a:rPr lang="en-US" sz="2300" b="0" i="0" u="none" strike="noStrike" cap="none" dirty="0">
-                <a:solidFill>
-                  <a:srgbClr val="3387CC"/>
-                </a:solidFill>
-                <a:latin typeface="Consolas"/>
-                <a:ea typeface="Consolas"/>
-                <a:cs typeface="Consolas"/>
-                <a:sym typeface="Consolas"/>
-              </a:rPr>
-              <a:t>true</a:t>
-            </a:r>
-            <a:r>
-              <a:rPr lang="en-US" sz="2300" b="0" i="0" u="none" strike="noStrike" cap="none" dirty="0">
-                <a:solidFill>
-                  <a:srgbClr val="F8F8F8"/>
-                </a:solidFill>
-                <a:latin typeface="Consolas"/>
-                <a:ea typeface="Consolas"/>
-                <a:cs typeface="Consolas"/>
-                <a:sym typeface="Consolas"/>
-              </a:rPr>
-              <a:t>, </a:t>
-            </a:r>
-            <a:r>
-              <a:rPr lang="en-US" sz="2300" b="0" i="0" u="none" strike="noStrike" cap="none" dirty="0">
-                <a:solidFill>
-                  <a:srgbClr val="3387CC"/>
-                </a:solidFill>
-                <a:latin typeface="Consolas"/>
-                <a:ea typeface="Consolas"/>
-                <a:cs typeface="Consolas"/>
-                <a:sym typeface="Consolas"/>
-              </a:rPr>
-              <a:t>7</a:t>
-            </a:r>
-            <a:r>
-              <a:rPr lang="en-US" sz="2300" b="0" i="0" u="none" strike="noStrike" cap="none" dirty="0">
-                <a:solidFill>
-                  <a:srgbClr val="F8F8F8"/>
-                </a:solidFill>
-                <a:latin typeface="Consolas"/>
-                <a:ea typeface="Consolas"/>
-                <a:cs typeface="Consolas"/>
-                <a:sym typeface="Consolas"/>
-              </a:rPr>
-              <a:t>) </a:t>
-            </a:r>
-            <a:r>
-              <a:rPr lang="en-US" sz="2300" b="0" i="0" u="none" strike="noStrike" cap="none" dirty="0">
-                <a:solidFill>
-                  <a:srgbClr val="E28964"/>
-                </a:solidFill>
-                <a:latin typeface="Consolas"/>
-                <a:ea typeface="Consolas"/>
-                <a:cs typeface="Consolas"/>
-                <a:sym typeface="Consolas"/>
-              </a:rPr>
-              <a:t>===</a:t>
-            </a:r>
-            <a:r>
-              <a:rPr lang="en-US" sz="2300" b="0" i="0" u="none" strike="noStrike" cap="none" dirty="0">
-                <a:solidFill>
-                  <a:srgbClr val="F8F8F8"/>
-                </a:solidFill>
-                <a:latin typeface="Consolas"/>
-                <a:ea typeface="Consolas"/>
-                <a:cs typeface="Consolas"/>
-                <a:sym typeface="Consolas"/>
-              </a:rPr>
-              <a:t> </a:t>
-            </a:r>
-            <a:r>
-              <a:rPr lang="en-US" sz="2300" b="0" i="0" u="none" strike="noStrike" cap="none" dirty="0">
-                <a:solidFill>
-                  <a:srgbClr val="3387CC"/>
-                </a:solidFill>
-                <a:latin typeface="Consolas"/>
-                <a:ea typeface="Consolas"/>
-                <a:cs typeface="Consolas"/>
-                <a:sym typeface="Consolas"/>
-              </a:rPr>
-              <a:t>9</a:t>
-            </a:r>
-          </a:p>
-        </p:txBody>
-      </p:sp>
-      <p:sp>
-        <p:nvSpPr>
-          <p:cNvPr id="152" name="Shape 152"/>
-          <p:cNvSpPr/>
-          <p:nvPr/>
-        </p:nvSpPr>
-        <p:spPr>
-          <a:xfrm>
-            <a:off x="669726" y="3583037"/>
-            <a:ext cx="7804500" cy="1138500"/>
-          </a:xfrm>
-          <a:prstGeom prst="rect">
-            <a:avLst/>
-          </a:prstGeom>
-          <a:noFill/>
-          <a:ln>
-            <a:noFill/>
-          </a:ln>
-        </p:spPr>
-        <p:txBody>
-          <a:bodyPr lIns="32750" tIns="32750" rIns="32750" bIns="32750" anchor="ctr" anchorCtr="0">
-            <a:noAutofit/>
-          </a:bodyPr>
-          <a:lstStyle/>
-          <a:p>
-            <a:pPr marL="0" marR="0" lvl="0" indent="0" algn="ctr" rtl="0">
-              <a:lnSpc>
-                <a:spcPct val="100000"/>
-              </a:lnSpc>
-              <a:spcBef>
-                <a:spcPts val="0"/>
-              </a:spcBef>
-              <a:spcAft>
-                <a:spcPts val="0"/>
-              </a:spcAft>
-              <a:buClr>
-                <a:srgbClr val="FFFFFF"/>
-              </a:buClr>
-              <a:buSzPct val="25000"/>
-              <a:buFont typeface="Helvetica Neue"/>
-              <a:buNone/>
-            </a:pPr>
-            <a:r>
-              <a:rPr lang="en-US" sz="2600" b="0" i="0" u="none" strike="noStrike" cap="none">
-                <a:solidFill>
-                  <a:srgbClr val="FFFFFF"/>
-                </a:solidFill>
-                <a:latin typeface="Helvetica Neue"/>
-                <a:ea typeface="Helvetica Neue"/>
-                <a:cs typeface="Helvetica Neue"/>
-                <a:sym typeface="Helvetica Neue"/>
-              </a:rPr>
-              <a:t>Must be the last parameter just like Java</a:t>
             </a:r>
           </a:p>
         </p:txBody>
@@ -19076,6 +18531,608 @@
   <p:cSld>
     <p:spTree>
       <p:nvGrpSpPr>
+        <p:cNvPr id="1" name="Shape 149"/>
+        <p:cNvGrpSpPr/>
+        <p:nvPr/>
+      </p:nvGrpSpPr>
+      <p:grpSpPr>
+        <a:xfrm>
+          <a:off x="0" y="0"/>
+          <a:ext cx="0" cy="0"/>
+          <a:chOff x="0" y="0"/>
+          <a:chExt cx="0" cy="0"/>
+        </a:xfrm>
+      </p:grpSpPr>
+      <p:sp>
+        <p:nvSpPr>
+          <p:cNvPr id="150" name="Shape 150"/>
+          <p:cNvSpPr txBox="1">
+            <a:spLocks noGrp="1"/>
+          </p:cNvSpPr>
+          <p:nvPr>
+            <p:ph type="title"/>
+          </p:nvPr>
+        </p:nvSpPr>
+        <p:spPr>
+          <a:xfrm>
+            <a:off x="79513" y="133945"/>
+            <a:ext cx="9064487" cy="1138500"/>
+          </a:xfrm>
+          <a:prstGeom prst="rect">
+            <a:avLst/>
+          </a:prstGeom>
+          <a:noFill/>
+          <a:ln>
+            <a:noFill/>
+          </a:ln>
+        </p:spPr>
+        <p:txBody>
+          <a:bodyPr lIns="32750" tIns="32750" rIns="32750" bIns="32750" anchor="ctr" anchorCtr="0">
+            <a:noAutofit/>
+          </a:bodyPr>
+          <a:lstStyle/>
+          <a:p>
+            <a:pPr lvl="0"/>
+            <a:r>
+              <a:rPr lang="en-US" sz="4000" b="1" dirty="0"/>
+              <a:t>Spread attributes</a:t>
+            </a:r>
+            <a:r>
+              <a:rPr lang="en-US" sz="4000" b="0" i="0" u="none" strike="noStrike" cap="none" dirty="0">
+                <a:solidFill>
+                  <a:srgbClr val="FFFFFF"/>
+                </a:solidFill>
+                <a:sym typeface="Helvetica Neue"/>
+              </a:rPr>
+              <a:t>/Rest parameter</a:t>
+            </a:r>
+          </a:p>
+        </p:txBody>
+      </p:sp>
+      <p:sp>
+        <p:nvSpPr>
+          <p:cNvPr id="151" name="Shape 151"/>
+          <p:cNvSpPr/>
+          <p:nvPr/>
+        </p:nvSpPr>
+        <p:spPr>
+          <a:xfrm>
+            <a:off x="1868381" y="1841750"/>
+            <a:ext cx="6832800" cy="1460100"/>
+          </a:xfrm>
+          <a:prstGeom prst="rect">
+            <a:avLst/>
+          </a:prstGeom>
+          <a:noFill/>
+          <a:ln>
+            <a:noFill/>
+          </a:ln>
+        </p:spPr>
+        <p:txBody>
+          <a:bodyPr lIns="32750" tIns="32750" rIns="32750" bIns="32750" anchor="ctr" anchorCtr="0">
+            <a:noAutofit/>
+          </a:bodyPr>
+          <a:lstStyle/>
+          <a:p>
+            <a:pPr marL="0" marR="0" lvl="0" indent="0" algn="l" rtl="0">
+              <a:lnSpc>
+                <a:spcPct val="100000"/>
+              </a:lnSpc>
+              <a:spcBef>
+                <a:spcPts val="0"/>
+              </a:spcBef>
+              <a:spcAft>
+                <a:spcPts val="0"/>
+              </a:spcAft>
+              <a:buClr>
+                <a:srgbClr val="99CF50"/>
+              </a:buClr>
+              <a:buSzPct val="25000"/>
+              <a:buFont typeface="Consolas"/>
+              <a:buNone/>
+            </a:pPr>
+            <a:r>
+              <a:rPr lang="en-US" sz="2300" b="0" i="0" u="none" strike="noStrike" cap="none" dirty="0">
+                <a:solidFill>
+                  <a:srgbClr val="99CF50"/>
+                </a:solidFill>
+                <a:latin typeface="Consolas"/>
+                <a:ea typeface="Consolas"/>
+                <a:cs typeface="Consolas"/>
+                <a:sym typeface="Consolas"/>
+              </a:rPr>
+              <a:t>function</a:t>
+            </a:r>
+            <a:r>
+              <a:rPr lang="en-US" sz="2300" b="0" i="0" u="none" strike="noStrike" cap="none" dirty="0">
+                <a:solidFill>
+                  <a:srgbClr val="F8F8F8"/>
+                </a:solidFill>
+                <a:latin typeface="Consolas"/>
+                <a:ea typeface="Consolas"/>
+                <a:cs typeface="Consolas"/>
+                <a:sym typeface="Consolas"/>
+              </a:rPr>
+              <a:t> </a:t>
+            </a:r>
+            <a:r>
+              <a:rPr lang="en-US" sz="2300" b="0" i="0" u="none" strike="noStrike" cap="none" dirty="0">
+                <a:solidFill>
+                  <a:srgbClr val="89BDFF"/>
+                </a:solidFill>
+                <a:latin typeface="Consolas"/>
+                <a:ea typeface="Consolas"/>
+                <a:cs typeface="Consolas"/>
+                <a:sym typeface="Consolas"/>
+              </a:rPr>
+              <a:t>f</a:t>
+            </a:r>
+            <a:r>
+              <a:rPr lang="en-US" sz="2300" b="0" i="0" u="none" strike="noStrike" cap="none" dirty="0">
+                <a:solidFill>
+                  <a:srgbClr val="F8F8F8"/>
+                </a:solidFill>
+                <a:latin typeface="Consolas"/>
+                <a:ea typeface="Consolas"/>
+                <a:cs typeface="Consolas"/>
+                <a:sym typeface="Consolas"/>
+              </a:rPr>
+              <a:t> (x, y, ...a) {</a:t>
+            </a:r>
+          </a:p>
+          <a:p>
+            <a:pPr marL="0" marR="0" lvl="0" indent="0" algn="l" rtl="0">
+              <a:lnSpc>
+                <a:spcPct val="100000"/>
+              </a:lnSpc>
+              <a:spcBef>
+                <a:spcPts val="0"/>
+              </a:spcBef>
+              <a:spcAft>
+                <a:spcPts val="0"/>
+              </a:spcAft>
+              <a:buClr>
+                <a:srgbClr val="F8F8F8"/>
+              </a:buClr>
+              <a:buSzPct val="25000"/>
+              <a:buFont typeface="Consolas"/>
+              <a:buNone/>
+            </a:pPr>
+            <a:r>
+              <a:rPr lang="en-US" sz="2300" b="0" i="0" u="none" strike="noStrike" cap="none" dirty="0">
+                <a:solidFill>
+                  <a:srgbClr val="F8F8F8"/>
+                </a:solidFill>
+                <a:latin typeface="Consolas"/>
+                <a:ea typeface="Consolas"/>
+                <a:cs typeface="Consolas"/>
+                <a:sym typeface="Consolas"/>
+              </a:rPr>
+              <a:t>    </a:t>
+            </a:r>
+            <a:r>
+              <a:rPr lang="en-US" sz="2300" b="0" i="0" u="none" strike="noStrike" cap="none" dirty="0">
+                <a:solidFill>
+                  <a:srgbClr val="E28964"/>
+                </a:solidFill>
+                <a:latin typeface="Consolas"/>
+                <a:ea typeface="Consolas"/>
+                <a:cs typeface="Consolas"/>
+                <a:sym typeface="Consolas"/>
+              </a:rPr>
+              <a:t>return</a:t>
+            </a:r>
+            <a:r>
+              <a:rPr lang="en-US" sz="2300" b="0" i="0" u="none" strike="noStrike" cap="none" dirty="0">
+                <a:solidFill>
+                  <a:srgbClr val="F8F8F8"/>
+                </a:solidFill>
+                <a:latin typeface="Consolas"/>
+                <a:ea typeface="Consolas"/>
+                <a:cs typeface="Consolas"/>
+                <a:sym typeface="Consolas"/>
+              </a:rPr>
+              <a:t> (x </a:t>
+            </a:r>
+            <a:r>
+              <a:rPr lang="en-US" sz="2300" b="0" i="0" u="none" strike="noStrike" cap="none" dirty="0">
+                <a:solidFill>
+                  <a:srgbClr val="E28964"/>
+                </a:solidFill>
+                <a:latin typeface="Consolas"/>
+                <a:ea typeface="Consolas"/>
+                <a:cs typeface="Consolas"/>
+                <a:sym typeface="Consolas"/>
+              </a:rPr>
+              <a:t>+</a:t>
+            </a:r>
+            <a:r>
+              <a:rPr lang="en-US" sz="2300" b="0" i="0" u="none" strike="noStrike" cap="none" dirty="0">
+                <a:solidFill>
+                  <a:srgbClr val="F8F8F8"/>
+                </a:solidFill>
+                <a:latin typeface="Consolas"/>
+                <a:ea typeface="Consolas"/>
+                <a:cs typeface="Consolas"/>
+                <a:sym typeface="Consolas"/>
+              </a:rPr>
+              <a:t> y) </a:t>
+            </a:r>
+            <a:r>
+              <a:rPr lang="en-US" sz="2300" b="0" i="0" u="none" strike="noStrike" cap="none" dirty="0">
+                <a:solidFill>
+                  <a:srgbClr val="E28964"/>
+                </a:solidFill>
+                <a:latin typeface="Consolas"/>
+                <a:ea typeface="Consolas"/>
+                <a:cs typeface="Consolas"/>
+                <a:sym typeface="Consolas"/>
+              </a:rPr>
+              <a:t>*</a:t>
+            </a:r>
+            <a:r>
+              <a:rPr lang="en-US" sz="2300" b="0" i="0" u="none" strike="noStrike" cap="none" dirty="0">
+                <a:solidFill>
+                  <a:srgbClr val="F8F8F8"/>
+                </a:solidFill>
+                <a:latin typeface="Consolas"/>
+                <a:ea typeface="Consolas"/>
+                <a:cs typeface="Consolas"/>
+                <a:sym typeface="Consolas"/>
+              </a:rPr>
+              <a:t> </a:t>
+            </a:r>
+            <a:r>
+              <a:rPr lang="en-US" sz="2300" b="0" i="0" u="none" strike="noStrike" cap="none" dirty="0" err="1">
+                <a:solidFill>
+                  <a:srgbClr val="F8F8F8"/>
+                </a:solidFill>
+                <a:latin typeface="Consolas"/>
+                <a:ea typeface="Consolas"/>
+                <a:cs typeface="Consolas"/>
+                <a:sym typeface="Consolas"/>
+              </a:rPr>
+              <a:t>a.</a:t>
+            </a:r>
+            <a:r>
+              <a:rPr lang="en-US" sz="2300" b="0" i="0" u="none" strike="noStrike" cap="none" dirty="0" err="1">
+                <a:solidFill>
+                  <a:srgbClr val="CF6A4C"/>
+                </a:solidFill>
+                <a:latin typeface="Consolas"/>
+                <a:ea typeface="Consolas"/>
+                <a:cs typeface="Consolas"/>
+                <a:sym typeface="Consolas"/>
+              </a:rPr>
+              <a:t>length</a:t>
+            </a:r>
+            <a:endParaRPr lang="en-US" sz="2300" b="0" i="0" u="none" strike="noStrike" cap="none" dirty="0">
+              <a:solidFill>
+                <a:srgbClr val="CF6A4C"/>
+              </a:solidFill>
+              <a:latin typeface="Consolas"/>
+              <a:ea typeface="Consolas"/>
+              <a:cs typeface="Consolas"/>
+              <a:sym typeface="Consolas"/>
+            </a:endParaRPr>
+          </a:p>
+          <a:p>
+            <a:pPr marL="0" marR="0" lvl="0" indent="0" algn="l" rtl="0">
+              <a:lnSpc>
+                <a:spcPct val="100000"/>
+              </a:lnSpc>
+              <a:spcBef>
+                <a:spcPts val="0"/>
+              </a:spcBef>
+              <a:spcAft>
+                <a:spcPts val="0"/>
+              </a:spcAft>
+              <a:buClr>
+                <a:srgbClr val="F8F8F8"/>
+              </a:buClr>
+              <a:buSzPct val="25000"/>
+              <a:buFont typeface="Consolas"/>
+              <a:buNone/>
+            </a:pPr>
+            <a:r>
+              <a:rPr lang="en-US" sz="2300" b="0" i="0" u="none" strike="noStrike" cap="none" dirty="0">
+                <a:solidFill>
+                  <a:srgbClr val="F8F8F8"/>
+                </a:solidFill>
+                <a:latin typeface="Consolas"/>
+                <a:ea typeface="Consolas"/>
+                <a:cs typeface="Consolas"/>
+                <a:sym typeface="Consolas"/>
+              </a:rPr>
+              <a:t>}</a:t>
+            </a:r>
+          </a:p>
+          <a:p>
+            <a:pPr marL="0" marR="0" lvl="0" indent="0" algn="l" rtl="0">
+              <a:lnSpc>
+                <a:spcPct val="100000"/>
+              </a:lnSpc>
+              <a:spcBef>
+                <a:spcPts val="0"/>
+              </a:spcBef>
+              <a:spcAft>
+                <a:spcPts val="0"/>
+              </a:spcAft>
+              <a:buClr>
+                <a:srgbClr val="F8F8F8"/>
+              </a:buClr>
+              <a:buFont typeface="Consolas"/>
+              <a:buNone/>
+            </a:pPr>
+            <a:endParaRPr sz="2300" b="0" i="0" u="none" strike="noStrike" cap="none" dirty="0">
+              <a:solidFill>
+                <a:srgbClr val="F8F8F8"/>
+              </a:solidFill>
+              <a:latin typeface="Consolas"/>
+              <a:ea typeface="Consolas"/>
+              <a:cs typeface="Consolas"/>
+              <a:sym typeface="Consolas"/>
+            </a:endParaRPr>
+          </a:p>
+          <a:p>
+            <a:pPr marL="0" marR="0" lvl="0" indent="0" algn="l" rtl="0">
+              <a:lnSpc>
+                <a:spcPct val="100000"/>
+              </a:lnSpc>
+              <a:spcBef>
+                <a:spcPts val="0"/>
+              </a:spcBef>
+              <a:spcAft>
+                <a:spcPts val="0"/>
+              </a:spcAft>
+              <a:buClr>
+                <a:srgbClr val="F8F8F8"/>
+              </a:buClr>
+              <a:buSzPct val="25000"/>
+              <a:buFont typeface="Consolas"/>
+              <a:buNone/>
+            </a:pPr>
+            <a:r>
+              <a:rPr lang="en-US" sz="2300" b="0" i="0" u="none" strike="noStrike" cap="none" dirty="0">
+                <a:solidFill>
+                  <a:srgbClr val="F8F8F8"/>
+                </a:solidFill>
+                <a:latin typeface="Consolas"/>
+                <a:ea typeface="Consolas"/>
+                <a:cs typeface="Consolas"/>
+                <a:sym typeface="Consolas"/>
+              </a:rPr>
+              <a:t>f(</a:t>
+            </a:r>
+            <a:r>
+              <a:rPr lang="en-US" sz="2300" b="0" i="0" u="none" strike="noStrike" cap="none" dirty="0">
+                <a:solidFill>
+                  <a:srgbClr val="3387CC"/>
+                </a:solidFill>
+                <a:latin typeface="Consolas"/>
+                <a:ea typeface="Consolas"/>
+                <a:cs typeface="Consolas"/>
+                <a:sym typeface="Consolas"/>
+              </a:rPr>
+              <a:t>1</a:t>
+            </a:r>
+            <a:r>
+              <a:rPr lang="en-US" sz="2300" b="0" i="0" u="none" strike="noStrike" cap="none" dirty="0">
+                <a:solidFill>
+                  <a:srgbClr val="F8F8F8"/>
+                </a:solidFill>
+                <a:latin typeface="Consolas"/>
+                <a:ea typeface="Consolas"/>
+                <a:cs typeface="Consolas"/>
+                <a:sym typeface="Consolas"/>
+              </a:rPr>
+              <a:t>, </a:t>
+            </a:r>
+            <a:r>
+              <a:rPr lang="en-US" sz="2300" b="0" i="0" u="none" strike="noStrike" cap="none" dirty="0">
+                <a:solidFill>
+                  <a:srgbClr val="3387CC"/>
+                </a:solidFill>
+                <a:latin typeface="Consolas"/>
+                <a:ea typeface="Consolas"/>
+                <a:cs typeface="Consolas"/>
+                <a:sym typeface="Consolas"/>
+              </a:rPr>
+              <a:t>2</a:t>
+            </a:r>
+            <a:r>
+              <a:rPr lang="en-US" sz="2300" b="0" i="0" u="none" strike="noStrike" cap="none" dirty="0">
+                <a:solidFill>
+                  <a:srgbClr val="F8F8F8"/>
+                </a:solidFill>
+                <a:latin typeface="Consolas"/>
+                <a:ea typeface="Consolas"/>
+                <a:cs typeface="Consolas"/>
+                <a:sym typeface="Consolas"/>
+              </a:rPr>
+              <a:t>, </a:t>
+            </a:r>
+            <a:r>
+              <a:rPr lang="en-US" sz="2300" b="0" i="0" u="none" strike="noStrike" cap="none" dirty="0">
+                <a:solidFill>
+                  <a:srgbClr val="65B042"/>
+                </a:solidFill>
+                <a:latin typeface="Consolas"/>
+                <a:ea typeface="Consolas"/>
+                <a:cs typeface="Consolas"/>
+                <a:sym typeface="Consolas"/>
+              </a:rPr>
+              <a:t>"hello"</a:t>
+            </a:r>
+            <a:r>
+              <a:rPr lang="en-US" sz="2300" b="0" i="0" u="none" strike="noStrike" cap="none" dirty="0">
+                <a:solidFill>
+                  <a:srgbClr val="F8F8F8"/>
+                </a:solidFill>
+                <a:latin typeface="Consolas"/>
+                <a:ea typeface="Consolas"/>
+                <a:cs typeface="Consolas"/>
+                <a:sym typeface="Consolas"/>
+              </a:rPr>
+              <a:t>, </a:t>
+            </a:r>
+            <a:r>
+              <a:rPr lang="en-US" sz="2300" b="0" i="0" u="none" strike="noStrike" cap="none" dirty="0">
+                <a:solidFill>
+                  <a:srgbClr val="3387CC"/>
+                </a:solidFill>
+                <a:latin typeface="Consolas"/>
+                <a:ea typeface="Consolas"/>
+                <a:cs typeface="Consolas"/>
+                <a:sym typeface="Consolas"/>
+              </a:rPr>
+              <a:t>true</a:t>
+            </a:r>
+            <a:r>
+              <a:rPr lang="en-US" sz="2300" b="0" i="0" u="none" strike="noStrike" cap="none" dirty="0">
+                <a:solidFill>
+                  <a:srgbClr val="F8F8F8"/>
+                </a:solidFill>
+                <a:latin typeface="Consolas"/>
+                <a:ea typeface="Consolas"/>
+                <a:cs typeface="Consolas"/>
+                <a:sym typeface="Consolas"/>
+              </a:rPr>
+              <a:t>, </a:t>
+            </a:r>
+            <a:r>
+              <a:rPr lang="en-US" sz="2300" b="0" i="0" u="none" strike="noStrike" cap="none" dirty="0">
+                <a:solidFill>
+                  <a:srgbClr val="3387CC"/>
+                </a:solidFill>
+                <a:latin typeface="Consolas"/>
+                <a:ea typeface="Consolas"/>
+                <a:cs typeface="Consolas"/>
+                <a:sym typeface="Consolas"/>
+              </a:rPr>
+              <a:t>7</a:t>
+            </a:r>
+            <a:r>
+              <a:rPr lang="en-US" sz="2300" b="0" i="0" u="none" strike="noStrike" cap="none" dirty="0">
+                <a:solidFill>
+                  <a:srgbClr val="F8F8F8"/>
+                </a:solidFill>
+                <a:latin typeface="Consolas"/>
+                <a:ea typeface="Consolas"/>
+                <a:cs typeface="Consolas"/>
+                <a:sym typeface="Consolas"/>
+              </a:rPr>
+              <a:t>) </a:t>
+            </a:r>
+            <a:r>
+              <a:rPr lang="en-US" sz="2300" b="0" i="0" u="none" strike="noStrike" cap="none" dirty="0">
+                <a:solidFill>
+                  <a:srgbClr val="E28964"/>
+                </a:solidFill>
+                <a:latin typeface="Consolas"/>
+                <a:ea typeface="Consolas"/>
+                <a:cs typeface="Consolas"/>
+                <a:sym typeface="Consolas"/>
+              </a:rPr>
+              <a:t>===</a:t>
+            </a:r>
+            <a:r>
+              <a:rPr lang="en-US" sz="2300" b="0" i="0" u="none" strike="noStrike" cap="none" dirty="0">
+                <a:solidFill>
+                  <a:srgbClr val="F8F8F8"/>
+                </a:solidFill>
+                <a:latin typeface="Consolas"/>
+                <a:ea typeface="Consolas"/>
+                <a:cs typeface="Consolas"/>
+                <a:sym typeface="Consolas"/>
+              </a:rPr>
+              <a:t> </a:t>
+            </a:r>
+            <a:r>
+              <a:rPr lang="en-US" sz="2300" b="0" i="0" u="none" strike="noStrike" cap="none" dirty="0">
+                <a:solidFill>
+                  <a:srgbClr val="3387CC"/>
+                </a:solidFill>
+                <a:latin typeface="Consolas"/>
+                <a:ea typeface="Consolas"/>
+                <a:cs typeface="Consolas"/>
+                <a:sym typeface="Consolas"/>
+              </a:rPr>
+              <a:t>9</a:t>
+            </a:r>
+          </a:p>
+        </p:txBody>
+      </p:sp>
+      <p:sp>
+        <p:nvSpPr>
+          <p:cNvPr id="152" name="Shape 152"/>
+          <p:cNvSpPr/>
+          <p:nvPr/>
+        </p:nvSpPr>
+        <p:spPr>
+          <a:xfrm>
+            <a:off x="669726" y="3583037"/>
+            <a:ext cx="7804500" cy="1138500"/>
+          </a:xfrm>
+          <a:prstGeom prst="rect">
+            <a:avLst/>
+          </a:prstGeom>
+          <a:noFill/>
+          <a:ln>
+            <a:noFill/>
+          </a:ln>
+        </p:spPr>
+        <p:txBody>
+          <a:bodyPr lIns="32750" tIns="32750" rIns="32750" bIns="32750" anchor="ctr" anchorCtr="0">
+            <a:noAutofit/>
+          </a:bodyPr>
+          <a:lstStyle/>
+          <a:p>
+            <a:pPr marL="0" marR="0" lvl="0" indent="0" algn="ctr" rtl="0">
+              <a:lnSpc>
+                <a:spcPct val="100000"/>
+              </a:lnSpc>
+              <a:spcBef>
+                <a:spcPts val="0"/>
+              </a:spcBef>
+              <a:spcAft>
+                <a:spcPts val="0"/>
+              </a:spcAft>
+              <a:buClr>
+                <a:srgbClr val="FFFFFF"/>
+              </a:buClr>
+              <a:buSzPct val="25000"/>
+              <a:buFont typeface="Helvetica Neue"/>
+              <a:buNone/>
+            </a:pPr>
+            <a:r>
+              <a:rPr lang="en-US" sz="2600" b="0" i="0" u="none" strike="noStrike" cap="none">
+                <a:solidFill>
+                  <a:srgbClr val="FFFFFF"/>
+                </a:solidFill>
+                <a:latin typeface="Helvetica Neue"/>
+                <a:ea typeface="Helvetica Neue"/>
+                <a:cs typeface="Helvetica Neue"/>
+                <a:sym typeface="Helvetica Neue"/>
+              </a:rPr>
+              <a:t>Must be the last parameter just like Java</a:t>
+            </a:r>
+          </a:p>
+        </p:txBody>
+      </p:sp>
+    </p:spTree>
+  </p:cSld>
+  <p:clrMapOvr>
+    <a:masterClrMapping/>
+  </p:clrMapOvr>
+</p:sld>
+</file>
+
+<file path=ppt/slides/slide21.xml><?xml version="1.0" encoding="utf-8"?>
+<p:sld xmlns:a="http://schemas.openxmlformats.org/drawingml/2006/main" xmlns:r="http://schemas.openxmlformats.org/officeDocument/2006/relationships" xmlns:p="http://schemas.openxmlformats.org/presentationml/2006/main">
+  <p:cSld>
+    <p:spTree>
+      <p:nvGrpSpPr>
         <p:cNvPr id="1" name="Shape 156"/>
         <p:cNvGrpSpPr/>
         <p:nvPr/>
@@ -19683,7 +19740,7 @@
 </p:sld>
 </file>
 
-<file path=ppt/slides/slide21.xml><?xml version="1.0" encoding="utf-8"?>
+<file path=ppt/slides/slide22.xml><?xml version="1.0" encoding="utf-8"?>
 <p:sld xmlns:a="http://schemas.openxmlformats.org/drawingml/2006/main" xmlns:r="http://schemas.openxmlformats.org/officeDocument/2006/relationships" xmlns:p="http://schemas.openxmlformats.org/presentationml/2006/main">
   <p:cSld>
     <p:spTree>
@@ -20150,7 +20207,7 @@
 </p:sld>
 </file>
 
-<file path=ppt/slides/slide22.xml><?xml version="1.0" encoding="utf-8"?>
+<file path=ppt/slides/slide23.xml><?xml version="1.0" encoding="utf-8"?>
 <p:sld xmlns:a="http://schemas.openxmlformats.org/drawingml/2006/main" xmlns:r="http://schemas.openxmlformats.org/officeDocument/2006/relationships" xmlns:p="http://schemas.openxmlformats.org/presentationml/2006/main">
   <p:cSld>
     <p:spTree>
@@ -20628,7 +20685,7 @@
 </p:sld>
 </file>
 
-<file path=ppt/slides/slide23.xml><?xml version="1.0" encoding="utf-8"?>
+<file path=ppt/slides/slide24.xml><?xml version="1.0" encoding="utf-8"?>
 <p:sld xmlns:a="http://schemas.openxmlformats.org/drawingml/2006/main" xmlns:r="http://schemas.openxmlformats.org/officeDocument/2006/relationships" xmlns:p="http://schemas.openxmlformats.org/presentationml/2006/main">
   <p:cSld>
     <p:spTree>
@@ -21227,7 +21284,7 @@
 </p:sld>
 </file>
 
-<file path=ppt/slides/slide24.xml><?xml version="1.0" encoding="utf-8"?>
+<file path=ppt/slides/slide25.xml><?xml version="1.0" encoding="utf-8"?>
 <p:sld xmlns:a="http://schemas.openxmlformats.org/drawingml/2006/main" xmlns:r="http://schemas.openxmlformats.org/officeDocument/2006/relationships" xmlns:p="http://schemas.openxmlformats.org/presentationml/2006/main">
   <p:cSld>
     <p:spTree>
@@ -21846,7 +21903,7 @@
 </p:sld>
 </file>
 
-<file path=ppt/slides/slide25.xml><?xml version="1.0" encoding="utf-8"?>
+<file path=ppt/slides/slide26.xml><?xml version="1.0" encoding="utf-8"?>
 <p:sld xmlns:a="http://schemas.openxmlformats.org/drawingml/2006/main" xmlns:r="http://schemas.openxmlformats.org/officeDocument/2006/relationships" xmlns:p="http://schemas.openxmlformats.org/presentationml/2006/main">
   <p:cSld>
     <p:spTree>
@@ -22083,7 +22140,7 @@
 </p:sld>
 </file>
 
-<file path=ppt/slides/slide26.xml><?xml version="1.0" encoding="utf-8"?>
+<file path=ppt/slides/slide27.xml><?xml version="1.0" encoding="utf-8"?>
 <p:sld xmlns:a="http://schemas.openxmlformats.org/drawingml/2006/main" xmlns:r="http://schemas.openxmlformats.org/officeDocument/2006/relationships" xmlns:p="http://schemas.openxmlformats.org/presentationml/2006/main">
   <p:cSld>
     <p:spTree>
@@ -23076,7 +23133,7 @@
 </p:sld>
 </file>
 
-<file path=ppt/slides/slide27.xml><?xml version="1.0" encoding="utf-8"?>
+<file path=ppt/slides/slide28.xml><?xml version="1.0" encoding="utf-8"?>
 <p:sld xmlns:a="http://schemas.openxmlformats.org/drawingml/2006/main" xmlns:r="http://schemas.openxmlformats.org/officeDocument/2006/relationships" xmlns:p="http://schemas.openxmlformats.org/presentationml/2006/main">
   <p:cSld>
     <p:spTree>
@@ -23569,7 +23626,7 @@
 </p:sld>
 </file>
 
-<file path=ppt/slides/slide28.xml><?xml version="1.0" encoding="utf-8"?>
+<file path=ppt/slides/slide29.xml><?xml version="1.0" encoding="utf-8"?>
 <p:sld xmlns:a="http://schemas.openxmlformats.org/drawingml/2006/main" xmlns:r="http://schemas.openxmlformats.org/officeDocument/2006/relationships" xmlns:p="http://schemas.openxmlformats.org/presentationml/2006/main">
   <p:cSld>
     <p:spTree>
@@ -24119,215 +24176,6 @@
                 <a:sym typeface="Consolas"/>
               </a:rPr>
               <a:t>(3);</a:t>
-            </a:r>
-          </a:p>
-        </p:txBody>
-      </p:sp>
-    </p:spTree>
-  </p:cSld>
-  <p:clrMapOvr>
-    <a:masterClrMapping/>
-  </p:clrMapOvr>
-</p:sld>
-</file>
-
-<file path=ppt/slides/slide29.xml><?xml version="1.0" encoding="utf-8"?>
-<p:sld xmlns:a="http://schemas.openxmlformats.org/drawingml/2006/main" xmlns:r="http://schemas.openxmlformats.org/officeDocument/2006/relationships" xmlns:p="http://schemas.openxmlformats.org/presentationml/2006/main">
-  <p:cSld>
-    <p:spTree>
-      <p:nvGrpSpPr>
-        <p:cNvPr id="1" name="Shape 210"/>
-        <p:cNvGrpSpPr/>
-        <p:nvPr/>
-      </p:nvGrpSpPr>
-      <p:grpSpPr>
-        <a:xfrm>
-          <a:off x="0" y="0"/>
-          <a:ext cx="0" cy="0"/>
-          <a:chOff x="0" y="0"/>
-          <a:chExt cx="0" cy="0"/>
-        </a:xfrm>
-      </p:grpSpPr>
-      <p:sp>
-        <p:nvSpPr>
-          <p:cNvPr id="211" name="Shape 211"/>
-          <p:cNvSpPr txBox="1">
-            <a:spLocks noGrp="1"/>
-          </p:cNvSpPr>
-          <p:nvPr>
-            <p:ph type="title"/>
-          </p:nvPr>
-        </p:nvSpPr>
-        <p:spPr>
-          <a:xfrm>
-            <a:off x="669726" y="133945"/>
-            <a:ext cx="7804500" cy="1138500"/>
-          </a:xfrm>
-          <a:prstGeom prst="rect">
-            <a:avLst/>
-          </a:prstGeom>
-          <a:noFill/>
-          <a:ln>
-            <a:noFill/>
-          </a:ln>
-        </p:spPr>
-        <p:txBody>
-          <a:bodyPr lIns="32750" tIns="32750" rIns="32750" bIns="32750" anchor="ctr" anchorCtr="0">
-            <a:noAutofit/>
-          </a:bodyPr>
-          <a:lstStyle/>
-          <a:p>
-            <a:pPr marL="0" marR="0" lvl="0" indent="0" algn="ctr" rtl="0">
-              <a:lnSpc>
-                <a:spcPct val="100000"/>
-              </a:lnSpc>
-              <a:spcBef>
-                <a:spcPts val="0"/>
-              </a:spcBef>
-              <a:spcAft>
-                <a:spcPts val="0"/>
-              </a:spcAft>
-              <a:buClr>
-                <a:srgbClr val="FFFFFF"/>
-              </a:buClr>
-              <a:buSzPct val="25000"/>
-              <a:buFont typeface="Helvetica Neue"/>
-              <a:buNone/>
-            </a:pPr>
-            <a:r>
-              <a:rPr lang="en-US" sz="5200" b="0" i="0" u="none" strike="noStrike" cap="none">
-                <a:solidFill>
-                  <a:srgbClr val="FFFFFF"/>
-                </a:solidFill>
-                <a:latin typeface="Helvetica Neue"/>
-                <a:ea typeface="Helvetica Neue"/>
-                <a:cs typeface="Helvetica Neue"/>
-                <a:sym typeface="Helvetica Neue"/>
-              </a:rPr>
-              <a:t>Promises</a:t>
-            </a:r>
-          </a:p>
-        </p:txBody>
-      </p:sp>
-      <p:sp>
-        <p:nvSpPr>
-          <p:cNvPr id="212" name="Shape 212"/>
-          <p:cNvSpPr txBox="1">
-            <a:spLocks noGrp="1"/>
-          </p:cNvSpPr>
-          <p:nvPr>
-            <p:ph type="body" idx="1"/>
-          </p:nvPr>
-        </p:nvSpPr>
-        <p:spPr>
-          <a:xfrm>
-            <a:off x="669724" y="1366250"/>
-            <a:ext cx="8284800" cy="3315000"/>
-          </a:xfrm>
-          <a:prstGeom prst="rect">
-            <a:avLst/>
-          </a:prstGeom>
-          <a:noFill/>
-          <a:ln>
-            <a:noFill/>
-          </a:ln>
-        </p:spPr>
-        <p:txBody>
-          <a:bodyPr lIns="32750" tIns="32750" rIns="32750" bIns="32750" anchor="ctr" anchorCtr="0">
-            <a:noAutofit/>
-          </a:bodyPr>
-          <a:lstStyle/>
-          <a:p>
-            <a:pPr marL="292100" marR="0" lvl="0" indent="-292100" algn="l" rtl="0">
-              <a:lnSpc>
-                <a:spcPct val="100000"/>
-              </a:lnSpc>
-              <a:spcBef>
-                <a:spcPts val="0"/>
-              </a:spcBef>
-              <a:spcAft>
-                <a:spcPts val="0"/>
-              </a:spcAft>
-              <a:buClr>
-                <a:srgbClr val="FFFFFF"/>
-              </a:buClr>
-              <a:buSzPct val="75000"/>
-              <a:buFont typeface="Helvetica Neue"/>
-              <a:buChar char="•"/>
-            </a:pPr>
-            <a:r>
-              <a:rPr lang="en-US" sz="2400" b="0" i="0" u="none" strike="noStrike" cap="none">
-                <a:solidFill>
-                  <a:srgbClr val="FFFFFF"/>
-                </a:solidFill>
-                <a:latin typeface="Helvetica Neue"/>
-                <a:ea typeface="Helvetica Neue"/>
-                <a:cs typeface="Helvetica Neue"/>
-                <a:sym typeface="Helvetica Neue"/>
-              </a:rPr>
-              <a:t>Can be compared to Java’s “Future” class</a:t>
-            </a:r>
-          </a:p>
-          <a:p>
-            <a:pPr marL="292100" marR="0" lvl="0" indent="-292100" algn="l" rtl="0">
-              <a:lnSpc>
-                <a:spcPct val="100000"/>
-              </a:lnSpc>
-              <a:spcBef>
-                <a:spcPts val="2700"/>
-              </a:spcBef>
-              <a:spcAft>
-                <a:spcPts val="0"/>
-              </a:spcAft>
-              <a:buClr>
-                <a:srgbClr val="FFFFFF"/>
-              </a:buClr>
-              <a:buSzPct val="75000"/>
-              <a:buFont typeface="Helvetica Neue"/>
-              <a:buChar char="•"/>
-            </a:pPr>
-            <a:r>
-              <a:rPr lang="en-US" sz="2400" b="0" i="0" u="none" strike="noStrike" cap="none">
-                <a:solidFill>
-                  <a:srgbClr val="FFFFFF"/>
-                </a:solidFill>
-                <a:latin typeface="Helvetica Neue"/>
-                <a:ea typeface="Helvetica Neue"/>
-                <a:cs typeface="Helvetica Neue"/>
-                <a:sym typeface="Helvetica Neue"/>
-              </a:rPr>
-              <a:t>Handy for handling async operations</a:t>
-            </a:r>
-          </a:p>
-          <a:p>
-            <a:pPr marL="863600" marR="0" lvl="2" indent="-292100" algn="l" rtl="0">
-              <a:lnSpc>
-                <a:spcPct val="100000"/>
-              </a:lnSpc>
-              <a:spcBef>
-                <a:spcPts val="2700"/>
-              </a:spcBef>
-              <a:spcAft>
-                <a:spcPts val="0"/>
-              </a:spcAft>
-              <a:buClr>
-                <a:srgbClr val="FFFFFF"/>
-              </a:buClr>
-              <a:buSzPct val="75000"/>
-              <a:buFont typeface="Helvetica Neue"/>
-              <a:buChar char="•"/>
-            </a:pPr>
-            <a:r>
-              <a:rPr lang="en-US" sz="2400" b="0" i="0" u="none" strike="noStrike" cap="none">
-                <a:solidFill>
-                  <a:srgbClr val="FFFFFF"/>
-                </a:solidFill>
-                <a:latin typeface="Helvetica Neue"/>
-                <a:ea typeface="Helvetica Neue"/>
-                <a:cs typeface="Helvetica Neue"/>
-                <a:sym typeface="Helvetica Neue"/>
-              </a:rPr>
-              <a:t>Helps escaping callback hell</a:t>
             </a:r>
           </a:p>
         </p:txBody>
@@ -24492,6 +24340,215 @@
   <p:cSld>
     <p:spTree>
       <p:nvGrpSpPr>
+        <p:cNvPr id="1" name="Shape 210"/>
+        <p:cNvGrpSpPr/>
+        <p:nvPr/>
+      </p:nvGrpSpPr>
+      <p:grpSpPr>
+        <a:xfrm>
+          <a:off x="0" y="0"/>
+          <a:ext cx="0" cy="0"/>
+          <a:chOff x="0" y="0"/>
+          <a:chExt cx="0" cy="0"/>
+        </a:xfrm>
+      </p:grpSpPr>
+      <p:sp>
+        <p:nvSpPr>
+          <p:cNvPr id="211" name="Shape 211"/>
+          <p:cNvSpPr txBox="1">
+            <a:spLocks noGrp="1"/>
+          </p:cNvSpPr>
+          <p:nvPr>
+            <p:ph type="title"/>
+          </p:nvPr>
+        </p:nvSpPr>
+        <p:spPr>
+          <a:xfrm>
+            <a:off x="669726" y="133945"/>
+            <a:ext cx="7804500" cy="1138500"/>
+          </a:xfrm>
+          <a:prstGeom prst="rect">
+            <a:avLst/>
+          </a:prstGeom>
+          <a:noFill/>
+          <a:ln>
+            <a:noFill/>
+          </a:ln>
+        </p:spPr>
+        <p:txBody>
+          <a:bodyPr lIns="32750" tIns="32750" rIns="32750" bIns="32750" anchor="ctr" anchorCtr="0">
+            <a:noAutofit/>
+          </a:bodyPr>
+          <a:lstStyle/>
+          <a:p>
+            <a:pPr marL="0" marR="0" lvl="0" indent="0" algn="ctr" rtl="0">
+              <a:lnSpc>
+                <a:spcPct val="100000"/>
+              </a:lnSpc>
+              <a:spcBef>
+                <a:spcPts val="0"/>
+              </a:spcBef>
+              <a:spcAft>
+                <a:spcPts val="0"/>
+              </a:spcAft>
+              <a:buClr>
+                <a:srgbClr val="FFFFFF"/>
+              </a:buClr>
+              <a:buSzPct val="25000"/>
+              <a:buFont typeface="Helvetica Neue"/>
+              <a:buNone/>
+            </a:pPr>
+            <a:r>
+              <a:rPr lang="en-US" sz="5200" b="0" i="0" u="none" strike="noStrike" cap="none">
+                <a:solidFill>
+                  <a:srgbClr val="FFFFFF"/>
+                </a:solidFill>
+                <a:latin typeface="Helvetica Neue"/>
+                <a:ea typeface="Helvetica Neue"/>
+                <a:cs typeface="Helvetica Neue"/>
+                <a:sym typeface="Helvetica Neue"/>
+              </a:rPr>
+              <a:t>Promises</a:t>
+            </a:r>
+          </a:p>
+        </p:txBody>
+      </p:sp>
+      <p:sp>
+        <p:nvSpPr>
+          <p:cNvPr id="212" name="Shape 212"/>
+          <p:cNvSpPr txBox="1">
+            <a:spLocks noGrp="1"/>
+          </p:cNvSpPr>
+          <p:nvPr>
+            <p:ph type="body" idx="1"/>
+          </p:nvPr>
+        </p:nvSpPr>
+        <p:spPr>
+          <a:xfrm>
+            <a:off x="669724" y="1366250"/>
+            <a:ext cx="8284800" cy="3315000"/>
+          </a:xfrm>
+          <a:prstGeom prst="rect">
+            <a:avLst/>
+          </a:prstGeom>
+          <a:noFill/>
+          <a:ln>
+            <a:noFill/>
+          </a:ln>
+        </p:spPr>
+        <p:txBody>
+          <a:bodyPr lIns="32750" tIns="32750" rIns="32750" bIns="32750" anchor="ctr" anchorCtr="0">
+            <a:noAutofit/>
+          </a:bodyPr>
+          <a:lstStyle/>
+          <a:p>
+            <a:pPr marL="292100" marR="0" lvl="0" indent="-292100" algn="l" rtl="0">
+              <a:lnSpc>
+                <a:spcPct val="100000"/>
+              </a:lnSpc>
+              <a:spcBef>
+                <a:spcPts val="0"/>
+              </a:spcBef>
+              <a:spcAft>
+                <a:spcPts val="0"/>
+              </a:spcAft>
+              <a:buClr>
+                <a:srgbClr val="FFFFFF"/>
+              </a:buClr>
+              <a:buSzPct val="75000"/>
+              <a:buFont typeface="Helvetica Neue"/>
+              <a:buChar char="•"/>
+            </a:pPr>
+            <a:r>
+              <a:rPr lang="en-US" sz="2400" b="0" i="0" u="none" strike="noStrike" cap="none">
+                <a:solidFill>
+                  <a:srgbClr val="FFFFFF"/>
+                </a:solidFill>
+                <a:latin typeface="Helvetica Neue"/>
+                <a:ea typeface="Helvetica Neue"/>
+                <a:cs typeface="Helvetica Neue"/>
+                <a:sym typeface="Helvetica Neue"/>
+              </a:rPr>
+              <a:t>Can be compared to Java’s “Future” class</a:t>
+            </a:r>
+          </a:p>
+          <a:p>
+            <a:pPr marL="292100" marR="0" lvl="0" indent="-292100" algn="l" rtl="0">
+              <a:lnSpc>
+                <a:spcPct val="100000"/>
+              </a:lnSpc>
+              <a:spcBef>
+                <a:spcPts val="2700"/>
+              </a:spcBef>
+              <a:spcAft>
+                <a:spcPts val="0"/>
+              </a:spcAft>
+              <a:buClr>
+                <a:srgbClr val="FFFFFF"/>
+              </a:buClr>
+              <a:buSzPct val="75000"/>
+              <a:buFont typeface="Helvetica Neue"/>
+              <a:buChar char="•"/>
+            </a:pPr>
+            <a:r>
+              <a:rPr lang="en-US" sz="2400" b="0" i="0" u="none" strike="noStrike" cap="none">
+                <a:solidFill>
+                  <a:srgbClr val="FFFFFF"/>
+                </a:solidFill>
+                <a:latin typeface="Helvetica Neue"/>
+                <a:ea typeface="Helvetica Neue"/>
+                <a:cs typeface="Helvetica Neue"/>
+                <a:sym typeface="Helvetica Neue"/>
+              </a:rPr>
+              <a:t>Handy for handling async operations</a:t>
+            </a:r>
+          </a:p>
+          <a:p>
+            <a:pPr marL="863600" marR="0" lvl="2" indent="-292100" algn="l" rtl="0">
+              <a:lnSpc>
+                <a:spcPct val="100000"/>
+              </a:lnSpc>
+              <a:spcBef>
+                <a:spcPts val="2700"/>
+              </a:spcBef>
+              <a:spcAft>
+                <a:spcPts val="0"/>
+              </a:spcAft>
+              <a:buClr>
+                <a:srgbClr val="FFFFFF"/>
+              </a:buClr>
+              <a:buSzPct val="75000"/>
+              <a:buFont typeface="Helvetica Neue"/>
+              <a:buChar char="•"/>
+            </a:pPr>
+            <a:r>
+              <a:rPr lang="en-US" sz="2400" b="0" i="0" u="none" strike="noStrike" cap="none">
+                <a:solidFill>
+                  <a:srgbClr val="FFFFFF"/>
+                </a:solidFill>
+                <a:latin typeface="Helvetica Neue"/>
+                <a:ea typeface="Helvetica Neue"/>
+                <a:cs typeface="Helvetica Neue"/>
+                <a:sym typeface="Helvetica Neue"/>
+              </a:rPr>
+              <a:t>Helps escaping callback hell</a:t>
+            </a:r>
+          </a:p>
+        </p:txBody>
+      </p:sp>
+    </p:spTree>
+  </p:cSld>
+  <p:clrMapOvr>
+    <a:masterClrMapping/>
+  </p:clrMapOvr>
+</p:sld>
+</file>
+
+<file path=ppt/slides/slide31.xml><?xml version="1.0" encoding="utf-8"?>
+<p:sld xmlns:a="http://schemas.openxmlformats.org/drawingml/2006/main" xmlns:r="http://schemas.openxmlformats.org/officeDocument/2006/relationships" xmlns:p="http://schemas.openxmlformats.org/presentationml/2006/main">
+  <p:cSld>
+    <p:spTree>
+      <p:nvGrpSpPr>
         <p:cNvPr id="1" name="Shape 216"/>
         <p:cNvGrpSpPr/>
         <p:nvPr/>
@@ -25148,7 +25205,7 @@
 </p:sld>
 </file>
 
-<file path=ppt/slides/slide31.xml><?xml version="1.0" encoding="utf-8"?>
+<file path=ppt/slides/slide32.xml><?xml version="1.0" encoding="utf-8"?>
 <p:sld xmlns:a="http://schemas.openxmlformats.org/drawingml/2006/main" xmlns:r="http://schemas.openxmlformats.org/officeDocument/2006/relationships" xmlns:p="http://schemas.openxmlformats.org/presentationml/2006/main">
   <p:cSld>
     <p:spTree>
@@ -25756,255 +25813,6 @@
 </p:sld>
 </file>
 
-<file path=ppt/slides/slide32.xml><?xml version="1.0" encoding="utf-8"?>
-<p:sld xmlns:a="http://schemas.openxmlformats.org/drawingml/2006/main" xmlns:r="http://schemas.openxmlformats.org/officeDocument/2006/relationships" xmlns:p="http://schemas.openxmlformats.org/presentationml/2006/main">
-  <p:cSld>
-    <p:spTree>
-      <p:nvGrpSpPr>
-        <p:cNvPr id="1" name=""/>
-        <p:cNvGrpSpPr/>
-        <p:nvPr/>
-      </p:nvGrpSpPr>
-      <p:grpSpPr>
-        <a:xfrm>
-          <a:off x="0" y="0"/>
-          <a:ext cx="0" cy="0"/>
-          <a:chOff x="0" y="0"/>
-          <a:chExt cx="0" cy="0"/>
-        </a:xfrm>
-      </p:grpSpPr>
-      <p:sp>
-        <p:nvSpPr>
-          <p:cNvPr id="2" name="Title 1"/>
-          <p:cNvSpPr>
-            <a:spLocks noGrp="1"/>
-          </p:cNvSpPr>
-          <p:nvPr>
-            <p:ph type="title"/>
-          </p:nvPr>
-        </p:nvSpPr>
-        <p:spPr/>
-        <p:txBody>
-          <a:bodyPr/>
-          <a:lstStyle/>
-          <a:p>
-            <a:r>
-              <a:rPr lang="en-US" dirty="0"/>
-              <a:t>Map</a:t>
-            </a:r>
-          </a:p>
-        </p:txBody>
-      </p:sp>
-      <p:sp>
-        <p:nvSpPr>
-          <p:cNvPr id="3" name="Text Placeholder 2"/>
-          <p:cNvSpPr>
-            <a:spLocks noGrp="1"/>
-          </p:cNvSpPr>
-          <p:nvPr>
-            <p:ph type="body" idx="1"/>
-          </p:nvPr>
-        </p:nvSpPr>
-        <p:spPr/>
-        <p:txBody>
-          <a:bodyPr/>
-          <a:lstStyle/>
-          <a:p>
-            <a:pPr marL="114300" indent="0">
-              <a:buNone/>
-            </a:pPr>
-            <a:r>
-              <a:rPr lang="en-US" dirty="0" err="1"/>
-              <a:t>var</a:t>
-            </a:r>
-            <a:r>
-              <a:rPr lang="en-US" dirty="0"/>
-              <a:t> </a:t>
-            </a:r>
-            <a:r>
-              <a:rPr lang="en-US" dirty="0" err="1"/>
-              <a:t>newMap</a:t>
-            </a:r>
-            <a:r>
-              <a:rPr lang="en-US" dirty="0"/>
-              <a:t> = new </a:t>
-            </a:r>
-            <a:r>
-              <a:rPr lang="en-US" dirty="0">
-                <a:solidFill>
-                  <a:srgbClr val="C00000"/>
-                </a:solidFill>
-              </a:rPr>
-              <a:t>Map( )</a:t>
-            </a:r>
-            <a:r>
-              <a:rPr lang="en-US" dirty="0"/>
-              <a:t>;</a:t>
-            </a:r>
-            <a:br>
-              <a:rPr lang="en-US" dirty="0"/>
-            </a:br>
-            <a:r>
-              <a:rPr lang="en-US" dirty="0" err="1"/>
-              <a:t>newMap.set</a:t>
-            </a:r>
-            <a:r>
-              <a:rPr lang="en-US" dirty="0"/>
-              <a:t>('name', 'John'); </a:t>
-            </a:r>
-            <a:br>
-              <a:rPr lang="en-US" dirty="0"/>
-            </a:br>
-            <a:r>
-              <a:rPr lang="en-US" dirty="0" err="1"/>
-              <a:t>newMap.set</a:t>
-            </a:r>
-            <a:r>
-              <a:rPr lang="en-US" dirty="0"/>
-              <a:t>('id', 2345796);</a:t>
-            </a:r>
-            <a:br>
-              <a:rPr lang="en-US" dirty="0"/>
-            </a:br>
-            <a:r>
-              <a:rPr lang="en-US" dirty="0" err="1"/>
-              <a:t>newMap.set</a:t>
-            </a:r>
-            <a:r>
-              <a:rPr lang="en-US" dirty="0"/>
-              <a:t>('interest', ['</a:t>
-            </a:r>
-            <a:r>
-              <a:rPr lang="en-US" dirty="0" err="1"/>
-              <a:t>js</a:t>
-            </a:r>
-            <a:r>
-              <a:rPr lang="en-US" dirty="0"/>
-              <a:t>', 'ruby', 'python']);</a:t>
-            </a:r>
-          </a:p>
-          <a:p>
-            <a:pPr marL="114300" indent="0">
-              <a:buNone/>
-            </a:pPr>
-            <a:r>
-              <a:rPr lang="en-US" dirty="0" err="1">
-                <a:solidFill>
-                  <a:srgbClr val="FFC000"/>
-                </a:solidFill>
-              </a:rPr>
-              <a:t>newMap.get</a:t>
-            </a:r>
-            <a:r>
-              <a:rPr lang="en-US" dirty="0">
-                <a:solidFill>
-                  <a:srgbClr val="FFC000"/>
-                </a:solidFill>
-              </a:rPr>
-              <a:t>('name'); </a:t>
-            </a:r>
-            <a:r>
-              <a:rPr lang="en-US" dirty="0">
-                <a:solidFill>
-                  <a:srgbClr val="FFFF00"/>
-                </a:solidFill>
-              </a:rPr>
-              <a:t>// John</a:t>
-            </a:r>
-            <a:br>
-              <a:rPr lang="en-US" dirty="0">
-                <a:solidFill>
-                  <a:srgbClr val="FFC000"/>
-                </a:solidFill>
-              </a:rPr>
-            </a:br>
-            <a:r>
-              <a:rPr lang="en-US" dirty="0" err="1">
-                <a:solidFill>
-                  <a:srgbClr val="FFC000"/>
-                </a:solidFill>
-              </a:rPr>
-              <a:t>newMap.get</a:t>
-            </a:r>
-            <a:r>
-              <a:rPr lang="en-US" dirty="0">
-                <a:solidFill>
-                  <a:srgbClr val="FFC000"/>
-                </a:solidFill>
-              </a:rPr>
-              <a:t>('id'); </a:t>
-            </a:r>
-            <a:r>
-              <a:rPr lang="en-US" dirty="0">
-                <a:solidFill>
-                  <a:srgbClr val="FFFF00"/>
-                </a:solidFill>
-              </a:rPr>
-              <a:t>// 2345796</a:t>
-            </a:r>
-            <a:br>
-              <a:rPr lang="en-US" dirty="0">
-                <a:solidFill>
-                  <a:srgbClr val="FFC000"/>
-                </a:solidFill>
-              </a:rPr>
-            </a:br>
-            <a:r>
-              <a:rPr lang="en-US" dirty="0" err="1">
-                <a:solidFill>
-                  <a:srgbClr val="FFC000"/>
-                </a:solidFill>
-              </a:rPr>
-              <a:t>newMap.get</a:t>
-            </a:r>
-            <a:r>
-              <a:rPr lang="en-US" dirty="0">
-                <a:solidFill>
-                  <a:srgbClr val="FFC000"/>
-                </a:solidFill>
-              </a:rPr>
-              <a:t>('interest'); </a:t>
-            </a:r>
-            <a:r>
-              <a:rPr lang="en-US" dirty="0">
-                <a:solidFill>
-                  <a:srgbClr val="FFFF00"/>
-                </a:solidFill>
-              </a:rPr>
-              <a:t>// ['</a:t>
-            </a:r>
-            <a:r>
-              <a:rPr lang="en-US" dirty="0" err="1">
-                <a:solidFill>
-                  <a:srgbClr val="FFFF00"/>
-                </a:solidFill>
-              </a:rPr>
-              <a:t>js</a:t>
-            </a:r>
-            <a:r>
-              <a:rPr lang="en-US" dirty="0">
-                <a:solidFill>
-                  <a:srgbClr val="FFFF00"/>
-                </a:solidFill>
-              </a:rPr>
-              <a:t>', 'ruby', 'python']</a:t>
-            </a:r>
-          </a:p>
-        </p:txBody>
-      </p:sp>
-    </p:spTree>
-    <p:extLst>
-      <p:ext uri="{BB962C8B-B14F-4D97-AF65-F5344CB8AC3E}">
-        <p14:creationId xmlns:p14="http://schemas.microsoft.com/office/powerpoint/2010/main" val="1298627705"/>
-      </p:ext>
-    </p:extLst>
-  </p:cSld>
-  <p:clrMapOvr>
-    <a:masterClrMapping/>
-  </p:clrMapOvr>
-</p:sld>
-</file>
-
 <file path=ppt/slides/slide33.xml><?xml version="1.0" encoding="utf-8"?>
 <p:sld xmlns:a="http://schemas.openxmlformats.org/drawingml/2006/main" xmlns:r="http://schemas.openxmlformats.org/officeDocument/2006/relationships" xmlns:p="http://schemas.openxmlformats.org/presentationml/2006/main">
   <p:cSld>
@@ -26039,7 +25847,7 @@
           <a:p>
             <a:r>
               <a:rPr lang="en-US" dirty="0"/>
-              <a:t>Set</a:t>
+              <a:t>Map</a:t>
             </a:r>
           </a:p>
         </p:txBody>
@@ -26068,6 +25876,255 @@
             </a:r>
             <a:r>
               <a:rPr lang="en-US" dirty="0"/>
+              <a:t> </a:t>
+            </a:r>
+            <a:r>
+              <a:rPr lang="en-US" dirty="0" err="1"/>
+              <a:t>newMap</a:t>
+            </a:r>
+            <a:r>
+              <a:rPr lang="en-US" dirty="0"/>
+              <a:t> = new </a:t>
+            </a:r>
+            <a:r>
+              <a:rPr lang="en-US" dirty="0">
+                <a:solidFill>
+                  <a:srgbClr val="C00000"/>
+                </a:solidFill>
+              </a:rPr>
+              <a:t>Map( )</a:t>
+            </a:r>
+            <a:r>
+              <a:rPr lang="en-US" dirty="0"/>
+              <a:t>;</a:t>
+            </a:r>
+            <a:br>
+              <a:rPr lang="en-US" dirty="0"/>
+            </a:br>
+            <a:r>
+              <a:rPr lang="en-US" dirty="0" err="1"/>
+              <a:t>newMap.set</a:t>
+            </a:r>
+            <a:r>
+              <a:rPr lang="en-US" dirty="0"/>
+              <a:t>('name', 'John'); </a:t>
+            </a:r>
+            <a:br>
+              <a:rPr lang="en-US" dirty="0"/>
+            </a:br>
+            <a:r>
+              <a:rPr lang="en-US" dirty="0" err="1"/>
+              <a:t>newMap.set</a:t>
+            </a:r>
+            <a:r>
+              <a:rPr lang="en-US" dirty="0"/>
+              <a:t>('id', 2345796);</a:t>
+            </a:r>
+            <a:br>
+              <a:rPr lang="en-US" dirty="0"/>
+            </a:br>
+            <a:r>
+              <a:rPr lang="en-US" dirty="0" err="1"/>
+              <a:t>newMap.set</a:t>
+            </a:r>
+            <a:r>
+              <a:rPr lang="en-US" dirty="0"/>
+              <a:t>('interest', ['</a:t>
+            </a:r>
+            <a:r>
+              <a:rPr lang="en-US" dirty="0" err="1"/>
+              <a:t>js</a:t>
+            </a:r>
+            <a:r>
+              <a:rPr lang="en-US" dirty="0"/>
+              <a:t>', 'ruby', 'python']);</a:t>
+            </a:r>
+          </a:p>
+          <a:p>
+            <a:pPr marL="114300" indent="0">
+              <a:buNone/>
+            </a:pPr>
+            <a:r>
+              <a:rPr lang="en-US" dirty="0" err="1">
+                <a:solidFill>
+                  <a:srgbClr val="FFC000"/>
+                </a:solidFill>
+              </a:rPr>
+              <a:t>newMap.get</a:t>
+            </a:r>
+            <a:r>
+              <a:rPr lang="en-US" dirty="0">
+                <a:solidFill>
+                  <a:srgbClr val="FFC000"/>
+                </a:solidFill>
+              </a:rPr>
+              <a:t>('name'); </a:t>
+            </a:r>
+            <a:r>
+              <a:rPr lang="en-US" dirty="0">
+                <a:solidFill>
+                  <a:srgbClr val="FFFF00"/>
+                </a:solidFill>
+              </a:rPr>
+              <a:t>// John</a:t>
+            </a:r>
+            <a:br>
+              <a:rPr lang="en-US" dirty="0">
+                <a:solidFill>
+                  <a:srgbClr val="FFC000"/>
+                </a:solidFill>
+              </a:rPr>
+            </a:br>
+            <a:r>
+              <a:rPr lang="en-US" dirty="0" err="1">
+                <a:solidFill>
+                  <a:srgbClr val="FFC000"/>
+                </a:solidFill>
+              </a:rPr>
+              <a:t>newMap.get</a:t>
+            </a:r>
+            <a:r>
+              <a:rPr lang="en-US" dirty="0">
+                <a:solidFill>
+                  <a:srgbClr val="FFC000"/>
+                </a:solidFill>
+              </a:rPr>
+              <a:t>('id'); </a:t>
+            </a:r>
+            <a:r>
+              <a:rPr lang="en-US" dirty="0">
+                <a:solidFill>
+                  <a:srgbClr val="FFFF00"/>
+                </a:solidFill>
+              </a:rPr>
+              <a:t>// 2345796</a:t>
+            </a:r>
+            <a:br>
+              <a:rPr lang="en-US" dirty="0">
+                <a:solidFill>
+                  <a:srgbClr val="FFC000"/>
+                </a:solidFill>
+              </a:rPr>
+            </a:br>
+            <a:r>
+              <a:rPr lang="en-US" dirty="0" err="1">
+                <a:solidFill>
+                  <a:srgbClr val="FFC000"/>
+                </a:solidFill>
+              </a:rPr>
+              <a:t>newMap.get</a:t>
+            </a:r>
+            <a:r>
+              <a:rPr lang="en-US" dirty="0">
+                <a:solidFill>
+                  <a:srgbClr val="FFC000"/>
+                </a:solidFill>
+              </a:rPr>
+              <a:t>('interest'); </a:t>
+            </a:r>
+            <a:r>
+              <a:rPr lang="en-US" dirty="0">
+                <a:solidFill>
+                  <a:srgbClr val="FFFF00"/>
+                </a:solidFill>
+              </a:rPr>
+              <a:t>// ['</a:t>
+            </a:r>
+            <a:r>
+              <a:rPr lang="en-US" dirty="0" err="1">
+                <a:solidFill>
+                  <a:srgbClr val="FFFF00"/>
+                </a:solidFill>
+              </a:rPr>
+              <a:t>js</a:t>
+            </a:r>
+            <a:r>
+              <a:rPr lang="en-US" dirty="0">
+                <a:solidFill>
+                  <a:srgbClr val="FFFF00"/>
+                </a:solidFill>
+              </a:rPr>
+              <a:t>', 'ruby', 'python']</a:t>
+            </a:r>
+          </a:p>
+        </p:txBody>
+      </p:sp>
+    </p:spTree>
+    <p:extLst>
+      <p:ext uri="{BB962C8B-B14F-4D97-AF65-F5344CB8AC3E}">
+        <p14:creationId xmlns:p14="http://schemas.microsoft.com/office/powerpoint/2010/main" val="1298627705"/>
+      </p:ext>
+    </p:extLst>
+  </p:cSld>
+  <p:clrMapOvr>
+    <a:masterClrMapping/>
+  </p:clrMapOvr>
+</p:sld>
+</file>
+
+<file path=ppt/slides/slide34.xml><?xml version="1.0" encoding="utf-8"?>
+<p:sld xmlns:a="http://schemas.openxmlformats.org/drawingml/2006/main" xmlns:r="http://schemas.openxmlformats.org/officeDocument/2006/relationships" xmlns:p="http://schemas.openxmlformats.org/presentationml/2006/main">
+  <p:cSld>
+    <p:spTree>
+      <p:nvGrpSpPr>
+        <p:cNvPr id="1" name=""/>
+        <p:cNvGrpSpPr/>
+        <p:nvPr/>
+      </p:nvGrpSpPr>
+      <p:grpSpPr>
+        <a:xfrm>
+          <a:off x="0" y="0"/>
+          <a:ext cx="0" cy="0"/>
+          <a:chOff x="0" y="0"/>
+          <a:chExt cx="0" cy="0"/>
+        </a:xfrm>
+      </p:grpSpPr>
+      <p:sp>
+        <p:nvSpPr>
+          <p:cNvPr id="2" name="Title 1"/>
+          <p:cNvSpPr>
+            <a:spLocks noGrp="1"/>
+          </p:cNvSpPr>
+          <p:nvPr>
+            <p:ph type="title"/>
+          </p:nvPr>
+        </p:nvSpPr>
+        <p:spPr/>
+        <p:txBody>
+          <a:bodyPr/>
+          <a:lstStyle/>
+          <a:p>
+            <a:r>
+              <a:rPr lang="en-US" dirty="0"/>
+              <a:t>Set</a:t>
+            </a:r>
+          </a:p>
+        </p:txBody>
+      </p:sp>
+      <p:sp>
+        <p:nvSpPr>
+          <p:cNvPr id="3" name="Text Placeholder 2"/>
+          <p:cNvSpPr>
+            <a:spLocks noGrp="1"/>
+          </p:cNvSpPr>
+          <p:nvPr>
+            <p:ph type="body" idx="1"/>
+          </p:nvPr>
+        </p:nvSpPr>
+        <p:spPr/>
+        <p:txBody>
+          <a:bodyPr/>
+          <a:lstStyle/>
+          <a:p>
+            <a:pPr marL="114300" indent="0">
+              <a:buNone/>
+            </a:pPr>
+            <a:r>
+              <a:rPr lang="en-US" dirty="0" err="1"/>
+              <a:t>var</a:t>
+            </a:r>
+            <a:r>
+              <a:rPr lang="en-US" dirty="0"/>
               <a:t> set = new </a:t>
             </a:r>
             <a:r>
@@ -26265,7 +26322,7 @@
 </p:sld>
 </file>
 
-<file path=ppt/slides/slide34.xml><?xml version="1.0" encoding="utf-8"?>
+<file path=ppt/slides/slide35.xml><?xml version="1.0" encoding="utf-8"?>
 <p:sld xmlns:a="http://schemas.openxmlformats.org/drawingml/2006/main" xmlns:r="http://schemas.openxmlformats.org/officeDocument/2006/relationships" xmlns:p="http://schemas.openxmlformats.org/presentationml/2006/main">
   <p:cSld>
     <p:spTree>
@@ -26510,7 +26567,7 @@
 </p:sld>
 </file>
 
-<file path=ppt/slides/slide35.xml><?xml version="1.0" encoding="utf-8"?>
+<file path=ppt/slides/slide36.xml><?xml version="1.0" encoding="utf-8"?>
 <p:sld xmlns:a="http://schemas.openxmlformats.org/drawingml/2006/main" xmlns:r="http://schemas.openxmlformats.org/officeDocument/2006/relationships" xmlns:p="http://schemas.openxmlformats.org/presentationml/2006/main">
   <p:cSld>
     <p:spTree>
